--- a/Data Science_Project 1_Group2.pptx
+++ b/Data Science_Project 1_Group2.pptx
@@ -8952,13 +8952,13 @@
         </p:spPr>
         <p:txBody>
           <a:bodyPr>
-            <a:normAutofit lnSpcReduction="10000"/>
+            <a:normAutofit fontScale="92500" lnSpcReduction="20000"/>
           </a:bodyPr>
           <a:lstStyle/>
           <a:p>
             <a:r>
               <a:rPr lang="en-US" dirty="0"/>
-              <a:t>California is known for wines but do they produce the highest quality (professionally rated) wine compared others?</a:t>
+              <a:t>California is known for wines, but do they produce the highest quality (professionally rated) wine compared others?</a:t>
             </a:r>
           </a:p>
           <a:p>
@@ -8989,6 +8989,15 @@
             <a:r>
               <a:rPr lang="en-US" dirty="0"/>
               <a:t>Are California wines a better value (price vs review rating) than other wines reviewed?</a:t>
+            </a:r>
+          </a:p>
+          <a:p>
+            <a:endParaRPr lang="en-US" dirty="0"/>
+          </a:p>
+          <a:p>
+            <a:r>
+              <a:rPr lang="en-US" dirty="0"/>
+              <a:t>Where should you really go for a good wine tour?</a:t>
             </a:r>
           </a:p>
           <a:p>

--- a/Data Science_Project 1_Group2.pptx
+++ b/Data Science_Project 1_Group2.pptx
@@ -4,20 +4,26 @@
   <p:sldMasterIdLst>
     <p:sldMasterId id="2147483669" r:id="rId1"/>
   </p:sldMasterIdLst>
+  <p:notesMasterIdLst>
+    <p:notesMasterId r:id="rId18"/>
+  </p:notesMasterIdLst>
   <p:sldIdLst>
     <p:sldId id="256" r:id="rId2"/>
     <p:sldId id="258" r:id="rId3"/>
-    <p:sldId id="268" r:id="rId4"/>
+    <p:sldId id="277" r:id="rId4"/>
     <p:sldId id="269" r:id="rId5"/>
     <p:sldId id="270" r:id="rId6"/>
     <p:sldId id="271" r:id="rId7"/>
     <p:sldId id="272" r:id="rId8"/>
-    <p:sldId id="261" r:id="rId9"/>
-    <p:sldId id="263" r:id="rId10"/>
-    <p:sldId id="267" r:id="rId11"/>
-    <p:sldId id="265" r:id="rId12"/>
-    <p:sldId id="266" r:id="rId13"/>
-    <p:sldId id="262" r:id="rId14"/>
+    <p:sldId id="274" r:id="rId9"/>
+    <p:sldId id="275" r:id="rId10"/>
+    <p:sldId id="276" r:id="rId11"/>
+    <p:sldId id="278" r:id="rId12"/>
+    <p:sldId id="279" r:id="rId13"/>
+    <p:sldId id="280" r:id="rId14"/>
+    <p:sldId id="262" r:id="rId15"/>
+    <p:sldId id="263" r:id="rId16"/>
+    <p:sldId id="264" r:id="rId17"/>
   </p:sldIdLst>
   <p:sldSz cx="12192000" cy="6858000"/>
   <p:notesSz cx="6858000" cy="9144000"/>
@@ -117,11 +123,4857 @@
     </a:lvl9pPr>
   </p:defaultTextStyle>
   <p:extLst>
+    <p:ext uri="{521415D9-36F7-43E2-AB2F-B90AF26B5E84}">
+      <p14:sectionLst xmlns:p14="http://schemas.microsoft.com/office/powerpoint/2010/main">
+        <p14:section name="Title Slide" id="{D3F91C12-072F-41FA-9775-D3E8AF0D8689}">
+          <p14:sldIdLst>
+            <p14:sldId id="256"/>
+          </p14:sldIdLst>
+        </p14:section>
+        <p14:section name="Motivation &amp; Summary" id="{EB1AC145-4E59-438A-A903-9DF60FA7FEEF}">
+          <p14:sldIdLst>
+            <p14:sldId id="258"/>
+            <p14:sldId id="277"/>
+          </p14:sldIdLst>
+        </p14:section>
+        <p14:section name="Questions &amp; Data" id="{71CC7010-D531-4ACB-93F9-023ECAEE58C4}">
+          <p14:sldIdLst>
+            <p14:sldId id="269"/>
+          </p14:sldIdLst>
+        </p14:section>
+        <p14:section name="Data Cleanup &amp; Exploration" id="{C9EE01AE-D8B3-49FB-AD7E-FF50C2536D17}">
+          <p14:sldIdLst>
+            <p14:sldId id="270"/>
+            <p14:sldId id="271"/>
+          </p14:sldIdLst>
+        </p14:section>
+        <p14:section name="Data Analysis" id="{FEDE4B47-ABCC-427A-A850-3DC5B0983207}">
+          <p14:sldIdLst>
+            <p14:sldId id="272"/>
+            <p14:sldId id="274"/>
+            <p14:sldId id="275"/>
+            <p14:sldId id="276"/>
+            <p14:sldId id="278"/>
+            <p14:sldId id="279"/>
+            <p14:sldId id="280"/>
+          </p14:sldIdLst>
+        </p14:section>
+        <p14:section name="Discussion" id="{20EF2691-CCA5-4E3E-8C2D-3C9DFEE454D3}">
+          <p14:sldIdLst>
+            <p14:sldId id="262"/>
+          </p14:sldIdLst>
+        </p14:section>
+        <p14:section name="Post Mortem" id="{A72FD2C6-6FB2-4DE4-B62F-2E29AF5D56D8}">
+          <p14:sldIdLst>
+            <p14:sldId id="263"/>
+          </p14:sldIdLst>
+        </p14:section>
+        <p14:section name="Questions" id="{D02FC7A5-3CE5-4579-BDA6-9C391E65DF46}">
+          <p14:sldIdLst>
+            <p14:sldId id="264"/>
+          </p14:sldIdLst>
+        </p14:section>
+      </p14:sectionLst>
+    </p:ext>
     <p:ext uri="{EFAFB233-063F-42B5-8137-9DF3F51BA10A}">
       <p15:sldGuideLst xmlns:p15="http://schemas.microsoft.com/office/powerpoint/2012/main"/>
     </p:ext>
   </p:extLst>
 </p:presentation>
+</file>
+
+<file path=ppt/diagrams/colors1.xml><?xml version="1.0" encoding="utf-8"?>
+<dgm:colorsDef xmlns:dgm="http://schemas.openxmlformats.org/drawingml/2006/diagram" xmlns:a="http://schemas.openxmlformats.org/drawingml/2006/main" uniqueId="urn:microsoft.com/office/officeart/2005/8/colors/accent0_3">
+  <dgm:title val=""/>
+  <dgm:desc val=""/>
+  <dgm:catLst>
+    <dgm:cat type="mainScheme" pri="10300"/>
+  </dgm:catLst>
+  <dgm:styleLbl name="node0">
+    <dgm:fillClrLst meth="repeat">
+      <a:schemeClr val="dk2"/>
+    </dgm:fillClrLst>
+    <dgm:linClrLst meth="repeat">
+      <a:schemeClr val="lt2"/>
+    </dgm:linClrLst>
+    <dgm:effectClrLst/>
+    <dgm:txLinClrLst/>
+    <dgm:txFillClrLst/>
+    <dgm:txEffectClrLst/>
+  </dgm:styleLbl>
+  <dgm:styleLbl name="alignNode1">
+    <dgm:fillClrLst meth="repeat">
+      <a:schemeClr val="dk2"/>
+    </dgm:fillClrLst>
+    <dgm:linClrLst meth="repeat">
+      <a:schemeClr val="dk2"/>
+    </dgm:linClrLst>
+    <dgm:effectClrLst/>
+    <dgm:txLinClrLst/>
+    <dgm:txFillClrLst/>
+    <dgm:txEffectClrLst/>
+  </dgm:styleLbl>
+  <dgm:styleLbl name="node1">
+    <dgm:fillClrLst meth="repeat">
+      <a:schemeClr val="dk2"/>
+    </dgm:fillClrLst>
+    <dgm:linClrLst meth="repeat">
+      <a:schemeClr val="lt2"/>
+    </dgm:linClrLst>
+    <dgm:effectClrLst/>
+    <dgm:txLinClrLst/>
+    <dgm:txFillClrLst/>
+    <dgm:txEffectClrLst/>
+  </dgm:styleLbl>
+  <dgm:styleLbl name="lnNode1">
+    <dgm:fillClrLst meth="repeat">
+      <a:schemeClr val="dk2"/>
+    </dgm:fillClrLst>
+    <dgm:linClrLst meth="repeat">
+      <a:schemeClr val="lt2"/>
+    </dgm:linClrLst>
+    <dgm:effectClrLst/>
+    <dgm:txLinClrLst/>
+    <dgm:txFillClrLst/>
+    <dgm:txEffectClrLst/>
+  </dgm:styleLbl>
+  <dgm:styleLbl name="vennNode1">
+    <dgm:fillClrLst meth="repeat">
+      <a:schemeClr val="dk2">
+        <a:alpha val="50000"/>
+      </a:schemeClr>
+    </dgm:fillClrLst>
+    <dgm:linClrLst meth="repeat">
+      <a:schemeClr val="lt2"/>
+    </dgm:linClrLst>
+    <dgm:effectClrLst/>
+    <dgm:txLinClrLst/>
+    <dgm:txFillClrLst/>
+    <dgm:txEffectClrLst/>
+  </dgm:styleLbl>
+  <dgm:styleLbl name="node2">
+    <dgm:fillClrLst meth="repeat">
+      <a:schemeClr val="dk2"/>
+    </dgm:fillClrLst>
+    <dgm:linClrLst meth="repeat">
+      <a:schemeClr val="lt2"/>
+    </dgm:linClrLst>
+    <dgm:effectClrLst/>
+    <dgm:txLinClrLst/>
+    <dgm:txFillClrLst/>
+    <dgm:txEffectClrLst/>
+  </dgm:styleLbl>
+  <dgm:styleLbl name="node3">
+    <dgm:fillClrLst meth="repeat">
+      <a:schemeClr val="dk2"/>
+    </dgm:fillClrLst>
+    <dgm:linClrLst meth="repeat">
+      <a:schemeClr val="lt2"/>
+    </dgm:linClrLst>
+    <dgm:effectClrLst/>
+    <dgm:txLinClrLst/>
+    <dgm:txFillClrLst/>
+    <dgm:txEffectClrLst/>
+  </dgm:styleLbl>
+  <dgm:styleLbl name="node4">
+    <dgm:fillClrLst meth="repeat">
+      <a:schemeClr val="dk2"/>
+    </dgm:fillClrLst>
+    <dgm:linClrLst meth="repeat">
+      <a:schemeClr val="lt2"/>
+    </dgm:linClrLst>
+    <dgm:effectClrLst/>
+    <dgm:txLinClrLst/>
+    <dgm:txFillClrLst/>
+    <dgm:txEffectClrLst/>
+  </dgm:styleLbl>
+  <dgm:styleLbl name="fgImgPlace1">
+    <dgm:fillClrLst meth="repeat">
+      <a:schemeClr val="dk2">
+        <a:tint val="50000"/>
+      </a:schemeClr>
+    </dgm:fillClrLst>
+    <dgm:linClrLst meth="repeat">
+      <a:schemeClr val="lt2"/>
+    </dgm:linClrLst>
+    <dgm:effectClrLst/>
+    <dgm:txLinClrLst/>
+    <dgm:txFillClrLst meth="repeat">
+      <a:schemeClr val="lt2"/>
+    </dgm:txFillClrLst>
+    <dgm:txEffectClrLst/>
+  </dgm:styleLbl>
+  <dgm:styleLbl name="alignImgPlace1">
+    <dgm:fillClrLst meth="repeat">
+      <a:schemeClr val="dk2">
+        <a:tint val="50000"/>
+      </a:schemeClr>
+    </dgm:fillClrLst>
+    <dgm:linClrLst meth="repeat">
+      <a:schemeClr val="dk2">
+        <a:shade val="80000"/>
+      </a:schemeClr>
+    </dgm:linClrLst>
+    <dgm:effectClrLst/>
+    <dgm:txLinClrLst/>
+    <dgm:txFillClrLst meth="repeat">
+      <a:schemeClr val="lt2"/>
+    </dgm:txFillClrLst>
+    <dgm:txEffectClrLst/>
+  </dgm:styleLbl>
+  <dgm:styleLbl name="bgImgPlace1">
+    <dgm:fillClrLst meth="repeat">
+      <a:schemeClr val="dk2">
+        <a:tint val="50000"/>
+      </a:schemeClr>
+    </dgm:fillClrLst>
+    <dgm:linClrLst meth="repeat">
+      <a:schemeClr val="dk2">
+        <a:shade val="80000"/>
+      </a:schemeClr>
+    </dgm:linClrLst>
+    <dgm:effectClrLst/>
+    <dgm:txLinClrLst/>
+    <dgm:txFillClrLst meth="repeat">
+      <a:schemeClr val="lt2"/>
+    </dgm:txFillClrLst>
+    <dgm:txEffectClrLst/>
+  </dgm:styleLbl>
+  <dgm:styleLbl name="sibTrans2D1">
+    <dgm:fillClrLst meth="repeat">
+      <a:schemeClr val="dk2">
+        <a:tint val="60000"/>
+      </a:schemeClr>
+    </dgm:fillClrLst>
+    <dgm:linClrLst meth="repeat">
+      <a:schemeClr val="dk2">
+        <a:tint val="60000"/>
+      </a:schemeClr>
+    </dgm:linClrLst>
+    <dgm:effectClrLst/>
+    <dgm:txLinClrLst/>
+    <dgm:txFillClrLst/>
+    <dgm:txEffectClrLst/>
+  </dgm:styleLbl>
+  <dgm:styleLbl name="fgSibTrans2D1">
+    <dgm:fillClrLst meth="repeat">
+      <a:schemeClr val="dk2">
+        <a:tint val="60000"/>
+      </a:schemeClr>
+    </dgm:fillClrLst>
+    <dgm:linClrLst meth="repeat">
+      <a:schemeClr val="dk2">
+        <a:tint val="60000"/>
+      </a:schemeClr>
+    </dgm:linClrLst>
+    <dgm:effectClrLst/>
+    <dgm:txLinClrLst/>
+    <dgm:txFillClrLst/>
+    <dgm:txEffectClrLst/>
+  </dgm:styleLbl>
+  <dgm:styleLbl name="bgSibTrans2D1">
+    <dgm:fillClrLst meth="repeat">
+      <a:schemeClr val="dk2">
+        <a:tint val="60000"/>
+      </a:schemeClr>
+    </dgm:fillClrLst>
+    <dgm:linClrLst meth="repeat">
+      <a:schemeClr val="dk2">
+        <a:tint val="60000"/>
+      </a:schemeClr>
+    </dgm:linClrLst>
+    <dgm:effectClrLst/>
+    <dgm:txLinClrLst/>
+    <dgm:txFillClrLst/>
+    <dgm:txEffectClrLst/>
+  </dgm:styleLbl>
+  <dgm:styleLbl name="sibTrans1D1">
+    <dgm:fillClrLst meth="repeat">
+      <a:schemeClr val="dk2"/>
+    </dgm:fillClrLst>
+    <dgm:linClrLst meth="repeat">
+      <a:schemeClr val="dk2"/>
+    </dgm:linClrLst>
+    <dgm:effectClrLst/>
+    <dgm:txLinClrLst/>
+    <dgm:txFillClrLst meth="repeat">
+      <a:schemeClr val="lt2"/>
+    </dgm:txFillClrLst>
+    <dgm:txEffectClrLst/>
+  </dgm:styleLbl>
+  <dgm:styleLbl name="callout">
+    <dgm:fillClrLst meth="repeat">
+      <a:schemeClr val="dk2"/>
+    </dgm:fillClrLst>
+    <dgm:linClrLst meth="repeat">
+      <a:schemeClr val="dk2">
+        <a:tint val="50000"/>
+      </a:schemeClr>
+    </dgm:linClrLst>
+    <dgm:effectClrLst/>
+    <dgm:txLinClrLst/>
+    <dgm:txFillClrLst meth="repeat">
+      <a:schemeClr val="lt2"/>
+    </dgm:txFillClrLst>
+    <dgm:txEffectClrLst/>
+  </dgm:styleLbl>
+  <dgm:styleLbl name="asst0">
+    <dgm:fillClrLst meth="repeat">
+      <a:schemeClr val="dk2"/>
+    </dgm:fillClrLst>
+    <dgm:linClrLst meth="repeat">
+      <a:schemeClr val="lt2"/>
+    </dgm:linClrLst>
+    <dgm:effectClrLst/>
+    <dgm:txLinClrLst/>
+    <dgm:txFillClrLst/>
+    <dgm:txEffectClrLst/>
+  </dgm:styleLbl>
+  <dgm:styleLbl name="asst1">
+    <dgm:fillClrLst meth="repeat">
+      <a:schemeClr val="dk2"/>
+    </dgm:fillClrLst>
+    <dgm:linClrLst meth="repeat">
+      <a:schemeClr val="lt2"/>
+    </dgm:linClrLst>
+    <dgm:effectClrLst/>
+    <dgm:txLinClrLst/>
+    <dgm:txFillClrLst/>
+    <dgm:txEffectClrLst/>
+  </dgm:styleLbl>
+  <dgm:styleLbl name="asst2">
+    <dgm:fillClrLst meth="repeat">
+      <a:schemeClr val="dk2"/>
+    </dgm:fillClrLst>
+    <dgm:linClrLst meth="repeat">
+      <a:schemeClr val="lt2"/>
+    </dgm:linClrLst>
+    <dgm:effectClrLst/>
+    <dgm:txLinClrLst/>
+    <dgm:txFillClrLst/>
+    <dgm:txEffectClrLst/>
+  </dgm:styleLbl>
+  <dgm:styleLbl name="asst3">
+    <dgm:fillClrLst meth="repeat">
+      <a:schemeClr val="dk2"/>
+    </dgm:fillClrLst>
+    <dgm:linClrLst meth="repeat">
+      <a:schemeClr val="lt2"/>
+    </dgm:linClrLst>
+    <dgm:effectClrLst/>
+    <dgm:txLinClrLst/>
+    <dgm:txFillClrLst/>
+    <dgm:txEffectClrLst/>
+  </dgm:styleLbl>
+  <dgm:styleLbl name="asst4">
+    <dgm:fillClrLst meth="repeat">
+      <a:schemeClr val="dk2"/>
+    </dgm:fillClrLst>
+    <dgm:linClrLst meth="repeat">
+      <a:schemeClr val="lt2"/>
+    </dgm:linClrLst>
+    <dgm:effectClrLst/>
+    <dgm:txLinClrLst/>
+    <dgm:txFillClrLst/>
+    <dgm:txEffectClrLst/>
+  </dgm:styleLbl>
+  <dgm:styleLbl name="parChTrans2D1">
+    <dgm:fillClrLst meth="repeat">
+      <a:schemeClr val="dk2">
+        <a:tint val="60000"/>
+      </a:schemeClr>
+    </dgm:fillClrLst>
+    <dgm:linClrLst meth="repeat">
+      <a:schemeClr val="dk2">
+        <a:tint val="60000"/>
+      </a:schemeClr>
+    </dgm:linClrLst>
+    <dgm:effectClrLst/>
+    <dgm:txLinClrLst/>
+    <dgm:txFillClrLst meth="repeat">
+      <a:schemeClr val="lt2"/>
+    </dgm:txFillClrLst>
+    <dgm:txEffectClrLst/>
+  </dgm:styleLbl>
+  <dgm:styleLbl name="parChTrans2D2">
+    <dgm:fillClrLst meth="repeat">
+      <a:schemeClr val="dk2"/>
+    </dgm:fillClrLst>
+    <dgm:linClrLst meth="repeat">
+      <a:schemeClr val="dk2"/>
+    </dgm:linClrLst>
+    <dgm:effectClrLst/>
+    <dgm:txLinClrLst/>
+    <dgm:txFillClrLst meth="repeat">
+      <a:schemeClr val="lt2"/>
+    </dgm:txFillClrLst>
+    <dgm:txEffectClrLst/>
+  </dgm:styleLbl>
+  <dgm:styleLbl name="parChTrans2D3">
+    <dgm:fillClrLst meth="repeat">
+      <a:schemeClr val="dk2"/>
+    </dgm:fillClrLst>
+    <dgm:linClrLst meth="repeat">
+      <a:schemeClr val="dk2"/>
+    </dgm:linClrLst>
+    <dgm:effectClrLst/>
+    <dgm:txLinClrLst/>
+    <dgm:txFillClrLst meth="repeat">
+      <a:schemeClr val="lt2"/>
+    </dgm:txFillClrLst>
+    <dgm:txEffectClrLst/>
+  </dgm:styleLbl>
+  <dgm:styleLbl name="parChTrans2D4">
+    <dgm:fillClrLst meth="repeat">
+      <a:schemeClr val="dk2"/>
+    </dgm:fillClrLst>
+    <dgm:linClrLst meth="repeat">
+      <a:schemeClr val="dk2"/>
+    </dgm:linClrLst>
+    <dgm:effectClrLst/>
+    <dgm:txLinClrLst/>
+    <dgm:txFillClrLst meth="repeat">
+      <a:schemeClr val="lt2"/>
+    </dgm:txFillClrLst>
+    <dgm:txEffectClrLst/>
+  </dgm:styleLbl>
+  <dgm:styleLbl name="parChTrans1D1">
+    <dgm:fillClrLst meth="repeat">
+      <a:schemeClr val="dk2"/>
+    </dgm:fillClrLst>
+    <dgm:linClrLst meth="repeat">
+      <a:schemeClr val="dk2">
+        <a:shade val="60000"/>
+      </a:schemeClr>
+    </dgm:linClrLst>
+    <dgm:effectClrLst/>
+    <dgm:txLinClrLst/>
+    <dgm:txFillClrLst meth="repeat">
+      <a:schemeClr val="tx1"/>
+    </dgm:txFillClrLst>
+    <dgm:txEffectClrLst/>
+  </dgm:styleLbl>
+  <dgm:styleLbl name="parChTrans1D2">
+    <dgm:fillClrLst meth="repeat">
+      <a:schemeClr val="dk2"/>
+    </dgm:fillClrLst>
+    <dgm:linClrLst meth="repeat">
+      <a:schemeClr val="dk2">
+        <a:shade val="60000"/>
+      </a:schemeClr>
+    </dgm:linClrLst>
+    <dgm:effectClrLst/>
+    <dgm:txLinClrLst/>
+    <dgm:txFillClrLst meth="repeat">
+      <a:schemeClr val="tx1"/>
+    </dgm:txFillClrLst>
+    <dgm:txEffectClrLst/>
+  </dgm:styleLbl>
+  <dgm:styleLbl name="parChTrans1D3">
+    <dgm:fillClrLst meth="repeat">
+      <a:schemeClr val="dk2"/>
+    </dgm:fillClrLst>
+    <dgm:linClrLst meth="repeat">
+      <a:schemeClr val="dk2">
+        <a:shade val="80000"/>
+      </a:schemeClr>
+    </dgm:linClrLst>
+    <dgm:effectClrLst/>
+    <dgm:txLinClrLst/>
+    <dgm:txFillClrLst meth="repeat">
+      <a:schemeClr val="tx1"/>
+    </dgm:txFillClrLst>
+    <dgm:txEffectClrLst/>
+  </dgm:styleLbl>
+  <dgm:styleLbl name="parChTrans1D4">
+    <dgm:fillClrLst meth="repeat">
+      <a:schemeClr val="dk2"/>
+    </dgm:fillClrLst>
+    <dgm:linClrLst meth="repeat">
+      <a:schemeClr val="dk2">
+        <a:shade val="80000"/>
+      </a:schemeClr>
+    </dgm:linClrLst>
+    <dgm:effectClrLst/>
+    <dgm:txLinClrLst/>
+    <dgm:txFillClrLst meth="repeat">
+      <a:schemeClr val="tx1"/>
+    </dgm:txFillClrLst>
+    <dgm:txEffectClrLst/>
+  </dgm:styleLbl>
+  <dgm:styleLbl name="fgAcc1">
+    <dgm:fillClrLst meth="repeat">
+      <a:schemeClr val="lt2">
+        <a:alpha val="90000"/>
+      </a:schemeClr>
+    </dgm:fillClrLst>
+    <dgm:linClrLst meth="repeat">
+      <a:schemeClr val="dk2"/>
+    </dgm:linClrLst>
+    <dgm:effectClrLst/>
+    <dgm:txLinClrLst/>
+    <dgm:txFillClrLst meth="repeat">
+      <a:schemeClr val="dk1"/>
+    </dgm:txFillClrLst>
+    <dgm:txEffectClrLst/>
+  </dgm:styleLbl>
+  <dgm:styleLbl name="conFgAcc1">
+    <dgm:fillClrLst meth="repeat">
+      <a:schemeClr val="lt2">
+        <a:alpha val="90000"/>
+      </a:schemeClr>
+    </dgm:fillClrLst>
+    <dgm:linClrLst meth="repeat">
+      <a:schemeClr val="dk2"/>
+    </dgm:linClrLst>
+    <dgm:effectClrLst/>
+    <dgm:txLinClrLst/>
+    <dgm:txFillClrLst meth="repeat">
+      <a:schemeClr val="dk1"/>
+    </dgm:txFillClrLst>
+    <dgm:txEffectClrLst/>
+  </dgm:styleLbl>
+  <dgm:styleLbl name="alignAcc1">
+    <dgm:fillClrLst meth="repeat">
+      <a:schemeClr val="lt2">
+        <a:alpha val="90000"/>
+      </a:schemeClr>
+    </dgm:fillClrLst>
+    <dgm:linClrLst meth="repeat">
+      <a:schemeClr val="dk2"/>
+    </dgm:linClrLst>
+    <dgm:effectClrLst/>
+    <dgm:txLinClrLst/>
+    <dgm:txFillClrLst meth="repeat">
+      <a:schemeClr val="dk1"/>
+    </dgm:txFillClrLst>
+    <dgm:txEffectClrLst/>
+  </dgm:styleLbl>
+  <dgm:styleLbl name="trAlignAcc1">
+    <dgm:fillClrLst meth="repeat">
+      <a:schemeClr val="lt2">
+        <a:alpha val="40000"/>
+      </a:schemeClr>
+    </dgm:fillClrLst>
+    <dgm:linClrLst meth="repeat">
+      <a:schemeClr val="dk2"/>
+    </dgm:linClrLst>
+    <dgm:effectClrLst/>
+    <dgm:txLinClrLst/>
+    <dgm:txFillClrLst meth="repeat">
+      <a:schemeClr val="dk1"/>
+    </dgm:txFillClrLst>
+    <dgm:txEffectClrLst/>
+  </dgm:styleLbl>
+  <dgm:styleLbl name="bgAcc1">
+    <dgm:fillClrLst meth="repeat">
+      <a:schemeClr val="lt2">
+        <a:alpha val="90000"/>
+      </a:schemeClr>
+    </dgm:fillClrLst>
+    <dgm:linClrLst meth="repeat">
+      <a:schemeClr val="dk2"/>
+    </dgm:linClrLst>
+    <dgm:effectClrLst/>
+    <dgm:txLinClrLst/>
+    <dgm:txFillClrLst meth="repeat">
+      <a:schemeClr val="dk1"/>
+    </dgm:txFillClrLst>
+    <dgm:txEffectClrLst/>
+  </dgm:styleLbl>
+  <dgm:styleLbl name="solidFgAcc1">
+    <dgm:fillClrLst meth="repeat">
+      <a:schemeClr val="lt2"/>
+    </dgm:fillClrLst>
+    <dgm:linClrLst meth="repeat">
+      <a:schemeClr val="dk2"/>
+    </dgm:linClrLst>
+    <dgm:effectClrLst/>
+    <dgm:txLinClrLst/>
+    <dgm:txFillClrLst meth="repeat">
+      <a:schemeClr val="dk1"/>
+    </dgm:txFillClrLst>
+    <dgm:txEffectClrLst/>
+  </dgm:styleLbl>
+  <dgm:styleLbl name="solidAlignAcc1">
+    <dgm:fillClrLst meth="repeat">
+      <a:schemeClr val="lt2"/>
+    </dgm:fillClrLst>
+    <dgm:linClrLst meth="repeat">
+      <a:schemeClr val="dk2"/>
+    </dgm:linClrLst>
+    <dgm:effectClrLst/>
+    <dgm:txLinClrLst/>
+    <dgm:txFillClrLst meth="repeat">
+      <a:schemeClr val="dk1"/>
+    </dgm:txFillClrLst>
+    <dgm:txEffectClrLst/>
+  </dgm:styleLbl>
+  <dgm:styleLbl name="solidBgAcc1">
+    <dgm:fillClrLst meth="repeat">
+      <a:schemeClr val="lt2"/>
+    </dgm:fillClrLst>
+    <dgm:linClrLst meth="repeat">
+      <a:schemeClr val="dk2"/>
+    </dgm:linClrLst>
+    <dgm:effectClrLst/>
+    <dgm:txLinClrLst/>
+    <dgm:txFillClrLst meth="repeat">
+      <a:schemeClr val="dk1"/>
+    </dgm:txFillClrLst>
+    <dgm:txEffectClrLst/>
+  </dgm:styleLbl>
+  <dgm:styleLbl name="fgAccFollowNode1">
+    <dgm:fillClrLst meth="repeat">
+      <a:schemeClr val="dk2">
+        <a:alpha val="90000"/>
+        <a:tint val="40000"/>
+      </a:schemeClr>
+    </dgm:fillClrLst>
+    <dgm:linClrLst meth="repeat">
+      <a:schemeClr val="dk2">
+        <a:alpha val="90000"/>
+        <a:tint val="40000"/>
+      </a:schemeClr>
+    </dgm:linClrLst>
+    <dgm:effectClrLst/>
+    <dgm:txLinClrLst/>
+    <dgm:txFillClrLst meth="repeat">
+      <a:schemeClr val="dk1"/>
+    </dgm:txFillClrLst>
+    <dgm:txEffectClrLst/>
+  </dgm:styleLbl>
+  <dgm:styleLbl name="alignAccFollowNode1">
+    <dgm:fillClrLst meth="repeat">
+      <a:schemeClr val="dk2">
+        <a:alpha val="90000"/>
+        <a:tint val="40000"/>
+      </a:schemeClr>
+    </dgm:fillClrLst>
+    <dgm:linClrLst meth="repeat">
+      <a:schemeClr val="dk2">
+        <a:alpha val="90000"/>
+        <a:tint val="40000"/>
+      </a:schemeClr>
+    </dgm:linClrLst>
+    <dgm:effectClrLst/>
+    <dgm:txLinClrLst/>
+    <dgm:txFillClrLst meth="repeat">
+      <a:schemeClr val="dk1"/>
+    </dgm:txFillClrLst>
+    <dgm:txEffectClrLst/>
+  </dgm:styleLbl>
+  <dgm:styleLbl name="bgAccFollowNode1">
+    <dgm:fillClrLst meth="repeat">
+      <a:schemeClr val="dk2">
+        <a:alpha val="90000"/>
+        <a:tint val="40000"/>
+      </a:schemeClr>
+    </dgm:fillClrLst>
+    <dgm:linClrLst meth="repeat">
+      <a:schemeClr val="dk2">
+        <a:alpha val="90000"/>
+        <a:tint val="40000"/>
+      </a:schemeClr>
+    </dgm:linClrLst>
+    <dgm:effectClrLst/>
+    <dgm:txLinClrLst/>
+    <dgm:txFillClrLst meth="repeat">
+      <a:schemeClr val="dk1"/>
+    </dgm:txFillClrLst>
+    <dgm:txEffectClrLst/>
+  </dgm:styleLbl>
+  <dgm:styleLbl name="fgAcc0">
+    <dgm:fillClrLst meth="repeat">
+      <a:schemeClr val="lt2">
+        <a:alpha val="90000"/>
+      </a:schemeClr>
+    </dgm:fillClrLst>
+    <dgm:linClrLst meth="repeat">
+      <a:schemeClr val="dk2"/>
+    </dgm:linClrLst>
+    <dgm:effectClrLst/>
+    <dgm:txLinClrLst/>
+    <dgm:txFillClrLst meth="repeat">
+      <a:schemeClr val="dk1"/>
+    </dgm:txFillClrLst>
+    <dgm:txEffectClrLst/>
+  </dgm:styleLbl>
+  <dgm:styleLbl name="fgAcc2">
+    <dgm:fillClrLst meth="repeat">
+      <a:schemeClr val="lt2">
+        <a:alpha val="90000"/>
+      </a:schemeClr>
+    </dgm:fillClrLst>
+    <dgm:linClrLst meth="repeat">
+      <a:schemeClr val="dk2"/>
+    </dgm:linClrLst>
+    <dgm:effectClrLst/>
+    <dgm:txLinClrLst/>
+    <dgm:txFillClrLst meth="repeat">
+      <a:schemeClr val="dk1"/>
+    </dgm:txFillClrLst>
+    <dgm:txEffectClrLst/>
+  </dgm:styleLbl>
+  <dgm:styleLbl name="fgAcc3">
+    <dgm:fillClrLst meth="repeat">
+      <a:schemeClr val="lt2">
+        <a:alpha val="90000"/>
+      </a:schemeClr>
+    </dgm:fillClrLst>
+    <dgm:linClrLst meth="repeat">
+      <a:schemeClr val="dk2"/>
+    </dgm:linClrLst>
+    <dgm:effectClrLst/>
+    <dgm:txLinClrLst/>
+    <dgm:txFillClrLst meth="repeat">
+      <a:schemeClr val="dk1"/>
+    </dgm:txFillClrLst>
+    <dgm:txEffectClrLst/>
+  </dgm:styleLbl>
+  <dgm:styleLbl name="fgAcc4">
+    <dgm:fillClrLst meth="repeat">
+      <a:schemeClr val="lt2">
+        <a:alpha val="90000"/>
+      </a:schemeClr>
+    </dgm:fillClrLst>
+    <dgm:linClrLst meth="repeat">
+      <a:schemeClr val="dk2"/>
+    </dgm:linClrLst>
+    <dgm:effectClrLst/>
+    <dgm:txLinClrLst/>
+    <dgm:txFillClrLst meth="repeat">
+      <a:schemeClr val="dk1"/>
+    </dgm:txFillClrLst>
+    <dgm:txEffectClrLst/>
+  </dgm:styleLbl>
+  <dgm:styleLbl name="bgShp">
+    <dgm:fillClrLst meth="repeat">
+      <a:schemeClr val="dk2">
+        <a:tint val="40000"/>
+      </a:schemeClr>
+    </dgm:fillClrLst>
+    <dgm:linClrLst meth="repeat">
+      <a:schemeClr val="dk2"/>
+    </dgm:linClrLst>
+    <dgm:effectClrLst/>
+    <dgm:txLinClrLst/>
+    <dgm:txFillClrLst meth="repeat">
+      <a:schemeClr val="dk1"/>
+    </dgm:txFillClrLst>
+    <dgm:txEffectClrLst/>
+  </dgm:styleLbl>
+  <dgm:styleLbl name="dkBgShp">
+    <dgm:fillClrLst meth="repeat">
+      <a:schemeClr val="dk2">
+        <a:shade val="80000"/>
+      </a:schemeClr>
+    </dgm:fillClrLst>
+    <dgm:linClrLst meth="repeat">
+      <a:schemeClr val="dk2"/>
+    </dgm:linClrLst>
+    <dgm:effectClrLst/>
+    <dgm:txLinClrLst/>
+    <dgm:txFillClrLst meth="repeat">
+      <a:schemeClr val="lt1"/>
+    </dgm:txFillClrLst>
+    <dgm:txEffectClrLst/>
+  </dgm:styleLbl>
+  <dgm:styleLbl name="trBgShp">
+    <dgm:fillClrLst meth="repeat">
+      <a:schemeClr val="dk2">
+        <a:tint val="50000"/>
+        <a:alpha val="40000"/>
+      </a:schemeClr>
+    </dgm:fillClrLst>
+    <dgm:linClrLst meth="repeat">
+      <a:schemeClr val="dk2"/>
+    </dgm:linClrLst>
+    <dgm:effectClrLst/>
+    <dgm:txLinClrLst/>
+    <dgm:txFillClrLst meth="repeat">
+      <a:schemeClr val="lt1"/>
+    </dgm:txFillClrLst>
+    <dgm:txEffectClrLst/>
+  </dgm:styleLbl>
+  <dgm:styleLbl name="fgShp">
+    <dgm:fillClrLst meth="repeat">
+      <a:schemeClr val="dk2">
+        <a:tint val="60000"/>
+      </a:schemeClr>
+    </dgm:fillClrLst>
+    <dgm:linClrLst meth="repeat">
+      <a:schemeClr val="lt2"/>
+    </dgm:linClrLst>
+    <dgm:effectClrLst/>
+    <dgm:txLinClrLst/>
+    <dgm:txFillClrLst meth="repeat">
+      <a:schemeClr val="dk1"/>
+    </dgm:txFillClrLst>
+    <dgm:txEffectClrLst/>
+  </dgm:styleLbl>
+  <dgm:styleLbl name="revTx">
+    <dgm:fillClrLst meth="repeat">
+      <a:schemeClr val="lt2">
+        <a:alpha val="0"/>
+      </a:schemeClr>
+    </dgm:fillClrLst>
+    <dgm:linClrLst meth="repeat">
+      <a:schemeClr val="dk1">
+        <a:alpha val="0"/>
+      </a:schemeClr>
+    </dgm:linClrLst>
+    <dgm:effectClrLst/>
+    <dgm:txLinClrLst/>
+    <dgm:txFillClrLst meth="repeat">
+      <a:schemeClr val="tx1"/>
+    </dgm:txFillClrLst>
+    <dgm:txEffectClrLst/>
+  </dgm:styleLbl>
+</dgm:colorsDef>
+</file>
+
+<file path=ppt/diagrams/data1.xml><?xml version="1.0" encoding="utf-8"?>
+<dgm:dataModel xmlns:dgm="http://schemas.openxmlformats.org/drawingml/2006/diagram" xmlns:a="http://schemas.openxmlformats.org/drawingml/2006/main">
+  <dgm:ptLst>
+    <dgm:pt modelId="{FFFD2DF6-81E8-46BF-BBDF-B1B0FB7C6C1E}" type="doc">
+      <dgm:prSet loTypeId="urn:microsoft.com/office/officeart/2005/8/layout/hierarchy1" loCatId="hierarchy" qsTypeId="urn:microsoft.com/office/officeart/2005/8/quickstyle/simple5" qsCatId="simple" csTypeId="urn:microsoft.com/office/officeart/2005/8/colors/accent0_3" csCatId="mainScheme" phldr="1"/>
+      <dgm:spPr/>
+      <dgm:t>
+        <a:bodyPr/>
+        <a:lstStyle/>
+        <a:p>
+          <a:endParaRPr lang="en-US"/>
+        </a:p>
+      </dgm:t>
+    </dgm:pt>
+    <dgm:pt modelId="{7EC223C9-D8CE-4D05-8AA8-22BFDE05E4ED}">
+      <dgm:prSet/>
+      <dgm:spPr/>
+      <dgm:t>
+        <a:bodyPr/>
+        <a:lstStyle/>
+        <a:p>
+          <a:r>
+            <a:rPr lang="en-US" dirty="0"/>
+            <a:t>Christopher Armstrong</a:t>
+          </a:r>
+        </a:p>
+      </dgm:t>
+    </dgm:pt>
+    <dgm:pt modelId="{ADC31BB8-F0D3-4262-8845-769FC83E6588}" type="parTrans" cxnId="{FB7835C9-A646-4BEF-BE12-B569B2F7F41A}">
+      <dgm:prSet/>
+      <dgm:spPr/>
+      <dgm:t>
+        <a:bodyPr/>
+        <a:lstStyle/>
+        <a:p>
+          <a:endParaRPr lang="en-US"/>
+        </a:p>
+      </dgm:t>
+    </dgm:pt>
+    <dgm:pt modelId="{EC88CE91-5B9C-4AE3-9C92-C6BE0762C4FB}" type="sibTrans" cxnId="{FB7835C9-A646-4BEF-BE12-B569B2F7F41A}">
+      <dgm:prSet/>
+      <dgm:spPr/>
+      <dgm:t>
+        <a:bodyPr/>
+        <a:lstStyle/>
+        <a:p>
+          <a:endParaRPr lang="en-US"/>
+        </a:p>
+      </dgm:t>
+    </dgm:pt>
+    <dgm:pt modelId="{4D6D2438-CA88-4770-A453-200D073B25E1}">
+      <dgm:prSet/>
+      <dgm:spPr/>
+      <dgm:t>
+        <a:bodyPr/>
+        <a:lstStyle/>
+        <a:p>
+          <a:r>
+            <a:rPr lang="en-US" dirty="0" err="1"/>
+            <a:t>Audelia</a:t>
+          </a:r>
+          <a:r>
+            <a:rPr lang="en-US" dirty="0"/>
+            <a:t> Torres</a:t>
+          </a:r>
+        </a:p>
+      </dgm:t>
+    </dgm:pt>
+    <dgm:pt modelId="{4A49EB9A-19A4-4A64-A70F-875BDCFC928F}" type="parTrans" cxnId="{A574245B-4A01-495A-A8E1-597686DEF8AE}">
+      <dgm:prSet/>
+      <dgm:spPr/>
+      <dgm:t>
+        <a:bodyPr/>
+        <a:lstStyle/>
+        <a:p>
+          <a:endParaRPr lang="en-US"/>
+        </a:p>
+      </dgm:t>
+    </dgm:pt>
+    <dgm:pt modelId="{68F475A2-8CEC-4FFC-86FA-FD1EE86C74FD}" type="sibTrans" cxnId="{A574245B-4A01-495A-A8E1-597686DEF8AE}">
+      <dgm:prSet/>
+      <dgm:spPr/>
+      <dgm:t>
+        <a:bodyPr/>
+        <a:lstStyle/>
+        <a:p>
+          <a:endParaRPr lang="en-US"/>
+        </a:p>
+      </dgm:t>
+    </dgm:pt>
+    <dgm:pt modelId="{41C37386-3013-42B7-857A-2043B86263D2}">
+      <dgm:prSet/>
+      <dgm:spPr/>
+      <dgm:t>
+        <a:bodyPr/>
+        <a:lstStyle/>
+        <a:p>
+          <a:r>
+            <a:rPr lang="en-US"/>
+            <a:t>Andy Shi</a:t>
+          </a:r>
+        </a:p>
+      </dgm:t>
+    </dgm:pt>
+    <dgm:pt modelId="{44D837DF-ADEA-4DC1-B1AF-CA6E92DBBDEB}" type="parTrans" cxnId="{9A6BB58D-C337-400C-91FD-A4F9DEF0CCF4}">
+      <dgm:prSet/>
+      <dgm:spPr/>
+      <dgm:t>
+        <a:bodyPr/>
+        <a:lstStyle/>
+        <a:p>
+          <a:endParaRPr lang="en-US"/>
+        </a:p>
+      </dgm:t>
+    </dgm:pt>
+    <dgm:pt modelId="{ABCD2B94-8873-45BA-8668-EE8B98F18619}" type="sibTrans" cxnId="{9A6BB58D-C337-400C-91FD-A4F9DEF0CCF4}">
+      <dgm:prSet/>
+      <dgm:spPr/>
+      <dgm:t>
+        <a:bodyPr/>
+        <a:lstStyle/>
+        <a:p>
+          <a:endParaRPr lang="en-US"/>
+        </a:p>
+      </dgm:t>
+    </dgm:pt>
+    <dgm:pt modelId="{76313137-B278-4530-A622-165A43B974C3}">
+      <dgm:prSet/>
+      <dgm:spPr/>
+      <dgm:t>
+        <a:bodyPr/>
+        <a:lstStyle/>
+        <a:p>
+          <a:r>
+            <a:rPr lang="en-US"/>
+            <a:t>Nyarai Nhamoinesu</a:t>
+          </a:r>
+        </a:p>
+      </dgm:t>
+    </dgm:pt>
+    <dgm:pt modelId="{83DB9A1E-1E14-48CC-99B9-A93D821966D9}" type="parTrans" cxnId="{DA5A48CE-F3E2-4CBD-AC0F-8BD8A0E6F1C3}">
+      <dgm:prSet/>
+      <dgm:spPr/>
+      <dgm:t>
+        <a:bodyPr/>
+        <a:lstStyle/>
+        <a:p>
+          <a:endParaRPr lang="en-US"/>
+        </a:p>
+      </dgm:t>
+    </dgm:pt>
+    <dgm:pt modelId="{6CE29311-47A9-4F1F-B84F-DDDF05CA8AC1}" type="sibTrans" cxnId="{DA5A48CE-F3E2-4CBD-AC0F-8BD8A0E6F1C3}">
+      <dgm:prSet/>
+      <dgm:spPr/>
+      <dgm:t>
+        <a:bodyPr/>
+        <a:lstStyle/>
+        <a:p>
+          <a:endParaRPr lang="en-US"/>
+        </a:p>
+      </dgm:t>
+    </dgm:pt>
+    <dgm:pt modelId="{0D731292-BEBA-4235-874C-9CFDEFD178AA}" type="pres">
+      <dgm:prSet presAssocID="{FFFD2DF6-81E8-46BF-BBDF-B1B0FB7C6C1E}" presName="hierChild1" presStyleCnt="0">
+        <dgm:presLayoutVars>
+          <dgm:chPref val="1"/>
+          <dgm:dir/>
+          <dgm:animOne val="branch"/>
+          <dgm:animLvl val="lvl"/>
+          <dgm:resizeHandles/>
+        </dgm:presLayoutVars>
+      </dgm:prSet>
+      <dgm:spPr/>
+    </dgm:pt>
+    <dgm:pt modelId="{8FAFD507-426C-4A15-8BC1-CEA8DB9E8325}" type="pres">
+      <dgm:prSet presAssocID="{7EC223C9-D8CE-4D05-8AA8-22BFDE05E4ED}" presName="hierRoot1" presStyleCnt="0"/>
+      <dgm:spPr/>
+    </dgm:pt>
+    <dgm:pt modelId="{4812F183-B675-4D94-A9C1-FD33E9531ECC}" type="pres">
+      <dgm:prSet presAssocID="{7EC223C9-D8CE-4D05-8AA8-22BFDE05E4ED}" presName="composite" presStyleCnt="0"/>
+      <dgm:spPr/>
+    </dgm:pt>
+    <dgm:pt modelId="{4BF13F75-4C12-4E7A-8DD7-6FD02D1CC75E}" type="pres">
+      <dgm:prSet presAssocID="{7EC223C9-D8CE-4D05-8AA8-22BFDE05E4ED}" presName="background" presStyleLbl="node0" presStyleIdx="0" presStyleCnt="4"/>
+      <dgm:spPr/>
+    </dgm:pt>
+    <dgm:pt modelId="{625619F5-4DBF-42B1-9BB9-75E51DD43A7D}" type="pres">
+      <dgm:prSet presAssocID="{7EC223C9-D8CE-4D05-8AA8-22BFDE05E4ED}" presName="text" presStyleLbl="fgAcc0" presStyleIdx="0" presStyleCnt="4">
+        <dgm:presLayoutVars>
+          <dgm:chPref val="3"/>
+        </dgm:presLayoutVars>
+      </dgm:prSet>
+      <dgm:spPr/>
+    </dgm:pt>
+    <dgm:pt modelId="{C4BDF0D8-FFF1-4D2C-A293-E9FA9A894176}" type="pres">
+      <dgm:prSet presAssocID="{7EC223C9-D8CE-4D05-8AA8-22BFDE05E4ED}" presName="hierChild2" presStyleCnt="0"/>
+      <dgm:spPr/>
+    </dgm:pt>
+    <dgm:pt modelId="{9FCB4F39-02C4-460A-B7BF-212AF01C9DE6}" type="pres">
+      <dgm:prSet presAssocID="{4D6D2438-CA88-4770-A453-200D073B25E1}" presName="hierRoot1" presStyleCnt="0"/>
+      <dgm:spPr/>
+    </dgm:pt>
+    <dgm:pt modelId="{54C7A8A3-E871-4E93-9A1F-29163C3BB7DE}" type="pres">
+      <dgm:prSet presAssocID="{4D6D2438-CA88-4770-A453-200D073B25E1}" presName="composite" presStyleCnt="0"/>
+      <dgm:spPr/>
+    </dgm:pt>
+    <dgm:pt modelId="{069CE23B-95E9-4ACB-81BF-0975384A9CEE}" type="pres">
+      <dgm:prSet presAssocID="{4D6D2438-CA88-4770-A453-200D073B25E1}" presName="background" presStyleLbl="node0" presStyleIdx="1" presStyleCnt="4"/>
+      <dgm:spPr/>
+    </dgm:pt>
+    <dgm:pt modelId="{357B60EF-FF31-4CB4-8C25-DA63166280DB}" type="pres">
+      <dgm:prSet presAssocID="{4D6D2438-CA88-4770-A453-200D073B25E1}" presName="text" presStyleLbl="fgAcc0" presStyleIdx="1" presStyleCnt="4">
+        <dgm:presLayoutVars>
+          <dgm:chPref val="3"/>
+        </dgm:presLayoutVars>
+      </dgm:prSet>
+      <dgm:spPr/>
+    </dgm:pt>
+    <dgm:pt modelId="{350C9319-BA31-4D0D-B08A-7C398C33956B}" type="pres">
+      <dgm:prSet presAssocID="{4D6D2438-CA88-4770-A453-200D073B25E1}" presName="hierChild2" presStyleCnt="0"/>
+      <dgm:spPr/>
+    </dgm:pt>
+    <dgm:pt modelId="{E7EA48A2-EA9B-4BA0-8487-BB55C2B96272}" type="pres">
+      <dgm:prSet presAssocID="{41C37386-3013-42B7-857A-2043B86263D2}" presName="hierRoot1" presStyleCnt="0"/>
+      <dgm:spPr/>
+    </dgm:pt>
+    <dgm:pt modelId="{42BD6142-C8FB-4113-9393-07B2C483273B}" type="pres">
+      <dgm:prSet presAssocID="{41C37386-3013-42B7-857A-2043B86263D2}" presName="composite" presStyleCnt="0"/>
+      <dgm:spPr/>
+    </dgm:pt>
+    <dgm:pt modelId="{C6E68EEF-EE24-469F-9285-BFBEB1155891}" type="pres">
+      <dgm:prSet presAssocID="{41C37386-3013-42B7-857A-2043B86263D2}" presName="background" presStyleLbl="node0" presStyleIdx="2" presStyleCnt="4"/>
+      <dgm:spPr/>
+    </dgm:pt>
+    <dgm:pt modelId="{E3F17E8C-3BE1-43BE-9CC3-99FFBCFA4FF6}" type="pres">
+      <dgm:prSet presAssocID="{41C37386-3013-42B7-857A-2043B86263D2}" presName="text" presStyleLbl="fgAcc0" presStyleIdx="2" presStyleCnt="4">
+        <dgm:presLayoutVars>
+          <dgm:chPref val="3"/>
+        </dgm:presLayoutVars>
+      </dgm:prSet>
+      <dgm:spPr/>
+    </dgm:pt>
+    <dgm:pt modelId="{AB15C70E-6EA7-4712-9515-015CF8E2D454}" type="pres">
+      <dgm:prSet presAssocID="{41C37386-3013-42B7-857A-2043B86263D2}" presName="hierChild2" presStyleCnt="0"/>
+      <dgm:spPr/>
+    </dgm:pt>
+    <dgm:pt modelId="{A396CE09-B339-4E64-8D59-D10AEF380085}" type="pres">
+      <dgm:prSet presAssocID="{76313137-B278-4530-A622-165A43B974C3}" presName="hierRoot1" presStyleCnt="0"/>
+      <dgm:spPr/>
+    </dgm:pt>
+    <dgm:pt modelId="{0A18CD0E-DC8A-4F9B-91E8-D9F918F6945F}" type="pres">
+      <dgm:prSet presAssocID="{76313137-B278-4530-A622-165A43B974C3}" presName="composite" presStyleCnt="0"/>
+      <dgm:spPr/>
+    </dgm:pt>
+    <dgm:pt modelId="{71AE7DD5-40F6-4810-9694-B5E1940998C0}" type="pres">
+      <dgm:prSet presAssocID="{76313137-B278-4530-A622-165A43B974C3}" presName="background" presStyleLbl="node0" presStyleIdx="3" presStyleCnt="4"/>
+      <dgm:spPr/>
+    </dgm:pt>
+    <dgm:pt modelId="{EACC1B05-FD3E-4C68-A5E1-D31C28A0E43B}" type="pres">
+      <dgm:prSet presAssocID="{76313137-B278-4530-A622-165A43B974C3}" presName="text" presStyleLbl="fgAcc0" presStyleIdx="3" presStyleCnt="4">
+        <dgm:presLayoutVars>
+          <dgm:chPref val="3"/>
+        </dgm:presLayoutVars>
+      </dgm:prSet>
+      <dgm:spPr/>
+    </dgm:pt>
+    <dgm:pt modelId="{1C56FAFC-A5EA-4C95-9B31-15269052FC14}" type="pres">
+      <dgm:prSet presAssocID="{76313137-B278-4530-A622-165A43B974C3}" presName="hierChild2" presStyleCnt="0"/>
+      <dgm:spPr/>
+    </dgm:pt>
+  </dgm:ptLst>
+  <dgm:cxnLst>
+    <dgm:cxn modelId="{B5B2332E-91F4-4B4A-88E6-F484E273A4D4}" type="presOf" srcId="{41C37386-3013-42B7-857A-2043B86263D2}" destId="{E3F17E8C-3BE1-43BE-9CC3-99FFBCFA4FF6}" srcOrd="0" destOrd="0" presId="urn:microsoft.com/office/officeart/2005/8/layout/hierarchy1"/>
+    <dgm:cxn modelId="{3C81E636-1EAE-419B-BD6A-73B06C875CB0}" type="presOf" srcId="{7EC223C9-D8CE-4D05-8AA8-22BFDE05E4ED}" destId="{625619F5-4DBF-42B1-9BB9-75E51DD43A7D}" srcOrd="0" destOrd="0" presId="urn:microsoft.com/office/officeart/2005/8/layout/hierarchy1"/>
+    <dgm:cxn modelId="{A574245B-4A01-495A-A8E1-597686DEF8AE}" srcId="{FFFD2DF6-81E8-46BF-BBDF-B1B0FB7C6C1E}" destId="{4D6D2438-CA88-4770-A453-200D073B25E1}" srcOrd="1" destOrd="0" parTransId="{4A49EB9A-19A4-4A64-A70F-875BDCFC928F}" sibTransId="{68F475A2-8CEC-4FFC-86FA-FD1EE86C74FD}"/>
+    <dgm:cxn modelId="{17B51C54-1741-42FF-9923-FD9AB52F6954}" type="presOf" srcId="{76313137-B278-4530-A622-165A43B974C3}" destId="{EACC1B05-FD3E-4C68-A5E1-D31C28A0E43B}" srcOrd="0" destOrd="0" presId="urn:microsoft.com/office/officeart/2005/8/layout/hierarchy1"/>
+    <dgm:cxn modelId="{9A6BB58D-C337-400C-91FD-A4F9DEF0CCF4}" srcId="{FFFD2DF6-81E8-46BF-BBDF-B1B0FB7C6C1E}" destId="{41C37386-3013-42B7-857A-2043B86263D2}" srcOrd="2" destOrd="0" parTransId="{44D837DF-ADEA-4DC1-B1AF-CA6E92DBBDEB}" sibTransId="{ABCD2B94-8873-45BA-8668-EE8B98F18619}"/>
+    <dgm:cxn modelId="{6E5C9DC4-B339-4F46-BBBF-391E0387C0B5}" type="presOf" srcId="{FFFD2DF6-81E8-46BF-BBDF-B1B0FB7C6C1E}" destId="{0D731292-BEBA-4235-874C-9CFDEFD178AA}" srcOrd="0" destOrd="0" presId="urn:microsoft.com/office/officeart/2005/8/layout/hierarchy1"/>
+    <dgm:cxn modelId="{FB7835C9-A646-4BEF-BE12-B569B2F7F41A}" srcId="{FFFD2DF6-81E8-46BF-BBDF-B1B0FB7C6C1E}" destId="{7EC223C9-D8CE-4D05-8AA8-22BFDE05E4ED}" srcOrd="0" destOrd="0" parTransId="{ADC31BB8-F0D3-4262-8845-769FC83E6588}" sibTransId="{EC88CE91-5B9C-4AE3-9C92-C6BE0762C4FB}"/>
+    <dgm:cxn modelId="{DA5A48CE-F3E2-4CBD-AC0F-8BD8A0E6F1C3}" srcId="{FFFD2DF6-81E8-46BF-BBDF-B1B0FB7C6C1E}" destId="{76313137-B278-4530-A622-165A43B974C3}" srcOrd="3" destOrd="0" parTransId="{83DB9A1E-1E14-48CC-99B9-A93D821966D9}" sibTransId="{6CE29311-47A9-4F1F-B84F-DDDF05CA8AC1}"/>
+    <dgm:cxn modelId="{CE5C82E1-245A-417D-B62A-86DFB7653CA5}" type="presOf" srcId="{4D6D2438-CA88-4770-A453-200D073B25E1}" destId="{357B60EF-FF31-4CB4-8C25-DA63166280DB}" srcOrd="0" destOrd="0" presId="urn:microsoft.com/office/officeart/2005/8/layout/hierarchy1"/>
+    <dgm:cxn modelId="{FA946D68-C53D-49C9-AE01-3A0BA14F9245}" type="presParOf" srcId="{0D731292-BEBA-4235-874C-9CFDEFD178AA}" destId="{8FAFD507-426C-4A15-8BC1-CEA8DB9E8325}" srcOrd="0" destOrd="0" presId="urn:microsoft.com/office/officeart/2005/8/layout/hierarchy1"/>
+    <dgm:cxn modelId="{E11A9CC6-FFC1-4E98-92D8-E6DEA3530E97}" type="presParOf" srcId="{8FAFD507-426C-4A15-8BC1-CEA8DB9E8325}" destId="{4812F183-B675-4D94-A9C1-FD33E9531ECC}" srcOrd="0" destOrd="0" presId="urn:microsoft.com/office/officeart/2005/8/layout/hierarchy1"/>
+    <dgm:cxn modelId="{B93953A4-8ACD-402A-BDED-1B7AAB7B2683}" type="presParOf" srcId="{4812F183-B675-4D94-A9C1-FD33E9531ECC}" destId="{4BF13F75-4C12-4E7A-8DD7-6FD02D1CC75E}" srcOrd="0" destOrd="0" presId="urn:microsoft.com/office/officeart/2005/8/layout/hierarchy1"/>
+    <dgm:cxn modelId="{F47B609D-E82A-47FA-9371-7DDE93F67123}" type="presParOf" srcId="{4812F183-B675-4D94-A9C1-FD33E9531ECC}" destId="{625619F5-4DBF-42B1-9BB9-75E51DD43A7D}" srcOrd="1" destOrd="0" presId="urn:microsoft.com/office/officeart/2005/8/layout/hierarchy1"/>
+    <dgm:cxn modelId="{75F1C048-43FD-467B-97AF-FC3772371787}" type="presParOf" srcId="{8FAFD507-426C-4A15-8BC1-CEA8DB9E8325}" destId="{C4BDF0D8-FFF1-4D2C-A293-E9FA9A894176}" srcOrd="1" destOrd="0" presId="urn:microsoft.com/office/officeart/2005/8/layout/hierarchy1"/>
+    <dgm:cxn modelId="{959152C9-7387-4BA1-8A97-E5A3E0AA3E82}" type="presParOf" srcId="{0D731292-BEBA-4235-874C-9CFDEFD178AA}" destId="{9FCB4F39-02C4-460A-B7BF-212AF01C9DE6}" srcOrd="1" destOrd="0" presId="urn:microsoft.com/office/officeart/2005/8/layout/hierarchy1"/>
+    <dgm:cxn modelId="{0311E363-B938-4512-8E6A-B4CA09689BD7}" type="presParOf" srcId="{9FCB4F39-02C4-460A-B7BF-212AF01C9DE6}" destId="{54C7A8A3-E871-4E93-9A1F-29163C3BB7DE}" srcOrd="0" destOrd="0" presId="urn:microsoft.com/office/officeart/2005/8/layout/hierarchy1"/>
+    <dgm:cxn modelId="{7E1AEB85-4C05-42DF-8469-44CA2AB8AB59}" type="presParOf" srcId="{54C7A8A3-E871-4E93-9A1F-29163C3BB7DE}" destId="{069CE23B-95E9-4ACB-81BF-0975384A9CEE}" srcOrd="0" destOrd="0" presId="urn:microsoft.com/office/officeart/2005/8/layout/hierarchy1"/>
+    <dgm:cxn modelId="{6AEDD65D-EB62-4E01-BCCB-C43C9555CFC8}" type="presParOf" srcId="{54C7A8A3-E871-4E93-9A1F-29163C3BB7DE}" destId="{357B60EF-FF31-4CB4-8C25-DA63166280DB}" srcOrd="1" destOrd="0" presId="urn:microsoft.com/office/officeart/2005/8/layout/hierarchy1"/>
+    <dgm:cxn modelId="{2588707C-706F-46C9-BAD4-64198C5058AB}" type="presParOf" srcId="{9FCB4F39-02C4-460A-B7BF-212AF01C9DE6}" destId="{350C9319-BA31-4D0D-B08A-7C398C33956B}" srcOrd="1" destOrd="0" presId="urn:microsoft.com/office/officeart/2005/8/layout/hierarchy1"/>
+    <dgm:cxn modelId="{3282B737-5907-4837-84DD-2D5BE639801A}" type="presParOf" srcId="{0D731292-BEBA-4235-874C-9CFDEFD178AA}" destId="{E7EA48A2-EA9B-4BA0-8487-BB55C2B96272}" srcOrd="2" destOrd="0" presId="urn:microsoft.com/office/officeart/2005/8/layout/hierarchy1"/>
+    <dgm:cxn modelId="{A8528EB9-3F5B-4FF1-80FE-5435A4855FC2}" type="presParOf" srcId="{E7EA48A2-EA9B-4BA0-8487-BB55C2B96272}" destId="{42BD6142-C8FB-4113-9393-07B2C483273B}" srcOrd="0" destOrd="0" presId="urn:microsoft.com/office/officeart/2005/8/layout/hierarchy1"/>
+    <dgm:cxn modelId="{52714C6B-A208-44FE-BEC9-0819E29C097F}" type="presParOf" srcId="{42BD6142-C8FB-4113-9393-07B2C483273B}" destId="{C6E68EEF-EE24-469F-9285-BFBEB1155891}" srcOrd="0" destOrd="0" presId="urn:microsoft.com/office/officeart/2005/8/layout/hierarchy1"/>
+    <dgm:cxn modelId="{752FABD3-4DDD-4867-A621-0AE49DCDAE7E}" type="presParOf" srcId="{42BD6142-C8FB-4113-9393-07B2C483273B}" destId="{E3F17E8C-3BE1-43BE-9CC3-99FFBCFA4FF6}" srcOrd="1" destOrd="0" presId="urn:microsoft.com/office/officeart/2005/8/layout/hierarchy1"/>
+    <dgm:cxn modelId="{13152C97-CE58-4FD8-8D59-612B8329C4C6}" type="presParOf" srcId="{E7EA48A2-EA9B-4BA0-8487-BB55C2B96272}" destId="{AB15C70E-6EA7-4712-9515-015CF8E2D454}" srcOrd="1" destOrd="0" presId="urn:microsoft.com/office/officeart/2005/8/layout/hierarchy1"/>
+    <dgm:cxn modelId="{0BA0D83A-6EF3-46EA-A139-1181C6231775}" type="presParOf" srcId="{0D731292-BEBA-4235-874C-9CFDEFD178AA}" destId="{A396CE09-B339-4E64-8D59-D10AEF380085}" srcOrd="3" destOrd="0" presId="urn:microsoft.com/office/officeart/2005/8/layout/hierarchy1"/>
+    <dgm:cxn modelId="{330B6720-BE70-429E-9870-E61462C52955}" type="presParOf" srcId="{A396CE09-B339-4E64-8D59-D10AEF380085}" destId="{0A18CD0E-DC8A-4F9B-91E8-D9F918F6945F}" srcOrd="0" destOrd="0" presId="urn:microsoft.com/office/officeart/2005/8/layout/hierarchy1"/>
+    <dgm:cxn modelId="{B820D601-ACDE-4F21-92F4-FF2B193034A2}" type="presParOf" srcId="{0A18CD0E-DC8A-4F9B-91E8-D9F918F6945F}" destId="{71AE7DD5-40F6-4810-9694-B5E1940998C0}" srcOrd="0" destOrd="0" presId="urn:microsoft.com/office/officeart/2005/8/layout/hierarchy1"/>
+    <dgm:cxn modelId="{791E4DA0-92BC-499C-96FA-AF1D577A61EE}" type="presParOf" srcId="{0A18CD0E-DC8A-4F9B-91E8-D9F918F6945F}" destId="{EACC1B05-FD3E-4C68-A5E1-D31C28A0E43B}" srcOrd="1" destOrd="0" presId="urn:microsoft.com/office/officeart/2005/8/layout/hierarchy1"/>
+    <dgm:cxn modelId="{47935186-FA46-485C-A63C-62EBA2DA8606}" type="presParOf" srcId="{A396CE09-B339-4E64-8D59-D10AEF380085}" destId="{1C56FAFC-A5EA-4C95-9B31-15269052FC14}" srcOrd="1" destOrd="0" presId="urn:microsoft.com/office/officeart/2005/8/layout/hierarchy1"/>
+  </dgm:cxnLst>
+  <dgm:bg/>
+  <dgm:whole/>
+  <dgm:extLst>
+    <a:ext uri="http://schemas.microsoft.com/office/drawing/2008/diagram">
+      <dsp:dataModelExt xmlns:dsp="http://schemas.microsoft.com/office/drawing/2008/diagram" relId="rId9" minVer="http://schemas.openxmlformats.org/drawingml/2006/diagram"/>
+    </a:ext>
+  </dgm:extLst>
+</dgm:dataModel>
+</file>
+
+<file path=ppt/diagrams/drawing1.xml><?xml version="1.0" encoding="utf-8"?>
+<dsp:drawing xmlns:dgm="http://schemas.openxmlformats.org/drawingml/2006/diagram" xmlns:dsp="http://schemas.microsoft.com/office/drawing/2008/diagram" xmlns:a="http://schemas.openxmlformats.org/drawingml/2006/main">
+  <dsp:spTree>
+    <dsp:nvGrpSpPr>
+      <dsp:cNvPr id="0" name=""/>
+      <dsp:cNvGrpSpPr/>
+    </dsp:nvGrpSpPr>
+    <dsp:grpSpPr/>
+    <dsp:sp modelId="{4BF13F75-4C12-4E7A-8DD7-6FD02D1CC75E}">
+      <dsp:nvSpPr>
+        <dsp:cNvPr id="0" name=""/>
+        <dsp:cNvSpPr/>
+      </dsp:nvSpPr>
+      <dsp:spPr>
+        <a:xfrm>
+          <a:off x="1761" y="546930"/>
+          <a:ext cx="1257957" cy="798803"/>
+        </a:xfrm>
+        <a:prstGeom prst="roundRect">
+          <a:avLst>
+            <a:gd name="adj" fmla="val 10000"/>
+          </a:avLst>
+        </a:prstGeom>
+        <a:gradFill rotWithShape="0">
+          <a:gsLst>
+            <a:gs pos="0">
+              <a:schemeClr val="dk2">
+                <a:hueOff val="0"/>
+                <a:satOff val="0"/>
+                <a:lumOff val="0"/>
+                <a:alphaOff val="0"/>
+                <a:tint val="94000"/>
+                <a:satMod val="103000"/>
+                <a:lumMod val="102000"/>
+              </a:schemeClr>
+            </a:gs>
+            <a:gs pos="50000">
+              <a:schemeClr val="dk2">
+                <a:hueOff val="0"/>
+                <a:satOff val="0"/>
+                <a:lumOff val="0"/>
+                <a:alphaOff val="0"/>
+                <a:shade val="100000"/>
+                <a:satMod val="110000"/>
+                <a:lumMod val="100000"/>
+              </a:schemeClr>
+            </a:gs>
+            <a:gs pos="100000">
+              <a:schemeClr val="dk2">
+                <a:hueOff val="0"/>
+                <a:satOff val="0"/>
+                <a:lumOff val="0"/>
+                <a:alphaOff val="0"/>
+                <a:shade val="78000"/>
+                <a:satMod val="120000"/>
+                <a:lumMod val="99000"/>
+              </a:schemeClr>
+            </a:gs>
+          </a:gsLst>
+          <a:lin ang="5400000" scaled="0"/>
+        </a:gradFill>
+        <a:ln>
+          <a:noFill/>
+        </a:ln>
+        <a:effectLst>
+          <a:outerShdw blurRad="57150" dist="19050" dir="5400000" algn="ctr" rotWithShape="0">
+            <a:srgbClr val="000000">
+              <a:alpha val="63000"/>
+            </a:srgbClr>
+          </a:outerShdw>
+        </a:effectLst>
+      </dsp:spPr>
+      <dsp:style>
+        <a:lnRef idx="0">
+          <a:scrgbClr r="0" g="0" b="0"/>
+        </a:lnRef>
+        <a:fillRef idx="3">
+          <a:scrgbClr r="0" g="0" b="0"/>
+        </a:fillRef>
+        <a:effectRef idx="3">
+          <a:scrgbClr r="0" g="0" b="0"/>
+        </a:effectRef>
+        <a:fontRef idx="minor">
+          <a:schemeClr val="lt1"/>
+        </a:fontRef>
+      </dsp:style>
+    </dsp:sp>
+    <dsp:sp modelId="{625619F5-4DBF-42B1-9BB9-75E51DD43A7D}">
+      <dsp:nvSpPr>
+        <dsp:cNvPr id="0" name=""/>
+        <dsp:cNvSpPr/>
+      </dsp:nvSpPr>
+      <dsp:spPr>
+        <a:xfrm>
+          <a:off x="141534" y="679714"/>
+          <a:ext cx="1257957" cy="798803"/>
+        </a:xfrm>
+        <a:prstGeom prst="roundRect">
+          <a:avLst>
+            <a:gd name="adj" fmla="val 10000"/>
+          </a:avLst>
+        </a:prstGeom>
+        <a:solidFill>
+          <a:schemeClr val="lt2">
+            <a:alpha val="90000"/>
+            <a:hueOff val="0"/>
+            <a:satOff val="0"/>
+            <a:lumOff val="0"/>
+            <a:alphaOff val="0"/>
+          </a:schemeClr>
+        </a:solidFill>
+        <a:ln w="9525" cap="flat" cmpd="sng" algn="ctr">
+          <a:solidFill>
+            <a:schemeClr val="dk2">
+              <a:hueOff val="0"/>
+              <a:satOff val="0"/>
+              <a:lumOff val="0"/>
+              <a:alphaOff val="0"/>
+            </a:schemeClr>
+          </a:solidFill>
+          <a:prstDash val="solid"/>
+        </a:ln>
+        <a:effectLst/>
+      </dsp:spPr>
+      <dsp:style>
+        <a:lnRef idx="1">
+          <a:scrgbClr r="0" g="0" b="0"/>
+        </a:lnRef>
+        <a:fillRef idx="1">
+          <a:scrgbClr r="0" g="0" b="0"/>
+        </a:fillRef>
+        <a:effectRef idx="2">
+          <a:scrgbClr r="0" g="0" b="0"/>
+        </a:effectRef>
+        <a:fontRef idx="minor"/>
+      </dsp:style>
+      <dsp:txBody>
+        <a:bodyPr spcFirstLastPara="0" vert="horz" wrap="square" lIns="57150" tIns="57150" rIns="57150" bIns="57150" numCol="1" spcCol="1270" anchor="ctr" anchorCtr="0">
+          <a:noAutofit/>
+        </a:bodyPr>
+        <a:lstStyle/>
+        <a:p>
+          <a:pPr marL="0" lvl="0" indent="0" algn="ctr" defTabSz="666750">
+            <a:lnSpc>
+              <a:spcPct val="90000"/>
+            </a:lnSpc>
+            <a:spcBef>
+              <a:spcPct val="0"/>
+            </a:spcBef>
+            <a:spcAft>
+              <a:spcPct val="35000"/>
+            </a:spcAft>
+            <a:buNone/>
+          </a:pPr>
+          <a:r>
+            <a:rPr lang="en-US" sz="1500" kern="1200" dirty="0"/>
+            <a:t>Christopher Armstrong</a:t>
+          </a:r>
+        </a:p>
+      </dsp:txBody>
+      <dsp:txXfrm>
+        <a:off x="164930" y="703110"/>
+        <a:ext cx="1211165" cy="752011"/>
+      </dsp:txXfrm>
+    </dsp:sp>
+    <dsp:sp modelId="{069CE23B-95E9-4ACB-81BF-0975384A9CEE}">
+      <dsp:nvSpPr>
+        <dsp:cNvPr id="0" name=""/>
+        <dsp:cNvSpPr/>
+      </dsp:nvSpPr>
+      <dsp:spPr>
+        <a:xfrm>
+          <a:off x="1539265" y="546930"/>
+          <a:ext cx="1257957" cy="798803"/>
+        </a:xfrm>
+        <a:prstGeom prst="roundRect">
+          <a:avLst>
+            <a:gd name="adj" fmla="val 10000"/>
+          </a:avLst>
+        </a:prstGeom>
+        <a:gradFill rotWithShape="0">
+          <a:gsLst>
+            <a:gs pos="0">
+              <a:schemeClr val="dk2">
+                <a:hueOff val="0"/>
+                <a:satOff val="0"/>
+                <a:lumOff val="0"/>
+                <a:alphaOff val="0"/>
+                <a:tint val="94000"/>
+                <a:satMod val="103000"/>
+                <a:lumMod val="102000"/>
+              </a:schemeClr>
+            </a:gs>
+            <a:gs pos="50000">
+              <a:schemeClr val="dk2">
+                <a:hueOff val="0"/>
+                <a:satOff val="0"/>
+                <a:lumOff val="0"/>
+                <a:alphaOff val="0"/>
+                <a:shade val="100000"/>
+                <a:satMod val="110000"/>
+                <a:lumMod val="100000"/>
+              </a:schemeClr>
+            </a:gs>
+            <a:gs pos="100000">
+              <a:schemeClr val="dk2">
+                <a:hueOff val="0"/>
+                <a:satOff val="0"/>
+                <a:lumOff val="0"/>
+                <a:alphaOff val="0"/>
+                <a:shade val="78000"/>
+                <a:satMod val="120000"/>
+                <a:lumMod val="99000"/>
+              </a:schemeClr>
+            </a:gs>
+          </a:gsLst>
+          <a:lin ang="5400000" scaled="0"/>
+        </a:gradFill>
+        <a:ln>
+          <a:noFill/>
+        </a:ln>
+        <a:effectLst>
+          <a:outerShdw blurRad="57150" dist="19050" dir="5400000" algn="ctr" rotWithShape="0">
+            <a:srgbClr val="000000">
+              <a:alpha val="63000"/>
+            </a:srgbClr>
+          </a:outerShdw>
+        </a:effectLst>
+      </dsp:spPr>
+      <dsp:style>
+        <a:lnRef idx="0">
+          <a:scrgbClr r="0" g="0" b="0"/>
+        </a:lnRef>
+        <a:fillRef idx="3">
+          <a:scrgbClr r="0" g="0" b="0"/>
+        </a:fillRef>
+        <a:effectRef idx="3">
+          <a:scrgbClr r="0" g="0" b="0"/>
+        </a:effectRef>
+        <a:fontRef idx="minor">
+          <a:schemeClr val="lt1"/>
+        </a:fontRef>
+      </dsp:style>
+    </dsp:sp>
+    <dsp:sp modelId="{357B60EF-FF31-4CB4-8C25-DA63166280DB}">
+      <dsp:nvSpPr>
+        <dsp:cNvPr id="0" name=""/>
+        <dsp:cNvSpPr/>
+      </dsp:nvSpPr>
+      <dsp:spPr>
+        <a:xfrm>
+          <a:off x="1679039" y="679714"/>
+          <a:ext cx="1257957" cy="798803"/>
+        </a:xfrm>
+        <a:prstGeom prst="roundRect">
+          <a:avLst>
+            <a:gd name="adj" fmla="val 10000"/>
+          </a:avLst>
+        </a:prstGeom>
+        <a:solidFill>
+          <a:schemeClr val="lt2">
+            <a:alpha val="90000"/>
+            <a:hueOff val="0"/>
+            <a:satOff val="0"/>
+            <a:lumOff val="0"/>
+            <a:alphaOff val="0"/>
+          </a:schemeClr>
+        </a:solidFill>
+        <a:ln w="9525" cap="flat" cmpd="sng" algn="ctr">
+          <a:solidFill>
+            <a:schemeClr val="dk2">
+              <a:hueOff val="0"/>
+              <a:satOff val="0"/>
+              <a:lumOff val="0"/>
+              <a:alphaOff val="0"/>
+            </a:schemeClr>
+          </a:solidFill>
+          <a:prstDash val="solid"/>
+        </a:ln>
+        <a:effectLst/>
+      </dsp:spPr>
+      <dsp:style>
+        <a:lnRef idx="1">
+          <a:scrgbClr r="0" g="0" b="0"/>
+        </a:lnRef>
+        <a:fillRef idx="1">
+          <a:scrgbClr r="0" g="0" b="0"/>
+        </a:fillRef>
+        <a:effectRef idx="2">
+          <a:scrgbClr r="0" g="0" b="0"/>
+        </a:effectRef>
+        <a:fontRef idx="minor"/>
+      </dsp:style>
+      <dsp:txBody>
+        <a:bodyPr spcFirstLastPara="0" vert="horz" wrap="square" lIns="57150" tIns="57150" rIns="57150" bIns="57150" numCol="1" spcCol="1270" anchor="ctr" anchorCtr="0">
+          <a:noAutofit/>
+        </a:bodyPr>
+        <a:lstStyle/>
+        <a:p>
+          <a:pPr marL="0" lvl="0" indent="0" algn="ctr" defTabSz="666750">
+            <a:lnSpc>
+              <a:spcPct val="90000"/>
+            </a:lnSpc>
+            <a:spcBef>
+              <a:spcPct val="0"/>
+            </a:spcBef>
+            <a:spcAft>
+              <a:spcPct val="35000"/>
+            </a:spcAft>
+            <a:buNone/>
+          </a:pPr>
+          <a:r>
+            <a:rPr lang="en-US" sz="1500" kern="1200" dirty="0" err="1"/>
+            <a:t>Audelia</a:t>
+          </a:r>
+          <a:r>
+            <a:rPr lang="en-US" sz="1500" kern="1200" dirty="0"/>
+            <a:t> Torres</a:t>
+          </a:r>
+        </a:p>
+      </dsp:txBody>
+      <dsp:txXfrm>
+        <a:off x="1702435" y="703110"/>
+        <a:ext cx="1211165" cy="752011"/>
+      </dsp:txXfrm>
+    </dsp:sp>
+    <dsp:sp modelId="{C6E68EEF-EE24-469F-9285-BFBEB1155891}">
+      <dsp:nvSpPr>
+        <dsp:cNvPr id="0" name=""/>
+        <dsp:cNvSpPr/>
+      </dsp:nvSpPr>
+      <dsp:spPr>
+        <a:xfrm>
+          <a:off x="3076770" y="546930"/>
+          <a:ext cx="1257957" cy="798803"/>
+        </a:xfrm>
+        <a:prstGeom prst="roundRect">
+          <a:avLst>
+            <a:gd name="adj" fmla="val 10000"/>
+          </a:avLst>
+        </a:prstGeom>
+        <a:gradFill rotWithShape="0">
+          <a:gsLst>
+            <a:gs pos="0">
+              <a:schemeClr val="dk2">
+                <a:hueOff val="0"/>
+                <a:satOff val="0"/>
+                <a:lumOff val="0"/>
+                <a:alphaOff val="0"/>
+                <a:tint val="94000"/>
+                <a:satMod val="103000"/>
+                <a:lumMod val="102000"/>
+              </a:schemeClr>
+            </a:gs>
+            <a:gs pos="50000">
+              <a:schemeClr val="dk2">
+                <a:hueOff val="0"/>
+                <a:satOff val="0"/>
+                <a:lumOff val="0"/>
+                <a:alphaOff val="0"/>
+                <a:shade val="100000"/>
+                <a:satMod val="110000"/>
+                <a:lumMod val="100000"/>
+              </a:schemeClr>
+            </a:gs>
+            <a:gs pos="100000">
+              <a:schemeClr val="dk2">
+                <a:hueOff val="0"/>
+                <a:satOff val="0"/>
+                <a:lumOff val="0"/>
+                <a:alphaOff val="0"/>
+                <a:shade val="78000"/>
+                <a:satMod val="120000"/>
+                <a:lumMod val="99000"/>
+              </a:schemeClr>
+            </a:gs>
+          </a:gsLst>
+          <a:lin ang="5400000" scaled="0"/>
+        </a:gradFill>
+        <a:ln>
+          <a:noFill/>
+        </a:ln>
+        <a:effectLst>
+          <a:outerShdw blurRad="57150" dist="19050" dir="5400000" algn="ctr" rotWithShape="0">
+            <a:srgbClr val="000000">
+              <a:alpha val="63000"/>
+            </a:srgbClr>
+          </a:outerShdw>
+        </a:effectLst>
+      </dsp:spPr>
+      <dsp:style>
+        <a:lnRef idx="0">
+          <a:scrgbClr r="0" g="0" b="0"/>
+        </a:lnRef>
+        <a:fillRef idx="3">
+          <a:scrgbClr r="0" g="0" b="0"/>
+        </a:fillRef>
+        <a:effectRef idx="3">
+          <a:scrgbClr r="0" g="0" b="0"/>
+        </a:effectRef>
+        <a:fontRef idx="minor">
+          <a:schemeClr val="lt1"/>
+        </a:fontRef>
+      </dsp:style>
+    </dsp:sp>
+    <dsp:sp modelId="{E3F17E8C-3BE1-43BE-9CC3-99FFBCFA4FF6}">
+      <dsp:nvSpPr>
+        <dsp:cNvPr id="0" name=""/>
+        <dsp:cNvSpPr/>
+      </dsp:nvSpPr>
+      <dsp:spPr>
+        <a:xfrm>
+          <a:off x="3216543" y="679714"/>
+          <a:ext cx="1257957" cy="798803"/>
+        </a:xfrm>
+        <a:prstGeom prst="roundRect">
+          <a:avLst>
+            <a:gd name="adj" fmla="val 10000"/>
+          </a:avLst>
+        </a:prstGeom>
+        <a:solidFill>
+          <a:schemeClr val="lt2">
+            <a:alpha val="90000"/>
+            <a:hueOff val="0"/>
+            <a:satOff val="0"/>
+            <a:lumOff val="0"/>
+            <a:alphaOff val="0"/>
+          </a:schemeClr>
+        </a:solidFill>
+        <a:ln w="9525" cap="flat" cmpd="sng" algn="ctr">
+          <a:solidFill>
+            <a:schemeClr val="dk2">
+              <a:hueOff val="0"/>
+              <a:satOff val="0"/>
+              <a:lumOff val="0"/>
+              <a:alphaOff val="0"/>
+            </a:schemeClr>
+          </a:solidFill>
+          <a:prstDash val="solid"/>
+        </a:ln>
+        <a:effectLst/>
+      </dsp:spPr>
+      <dsp:style>
+        <a:lnRef idx="1">
+          <a:scrgbClr r="0" g="0" b="0"/>
+        </a:lnRef>
+        <a:fillRef idx="1">
+          <a:scrgbClr r="0" g="0" b="0"/>
+        </a:fillRef>
+        <a:effectRef idx="2">
+          <a:scrgbClr r="0" g="0" b="0"/>
+        </a:effectRef>
+        <a:fontRef idx="minor"/>
+      </dsp:style>
+      <dsp:txBody>
+        <a:bodyPr spcFirstLastPara="0" vert="horz" wrap="square" lIns="57150" tIns="57150" rIns="57150" bIns="57150" numCol="1" spcCol="1270" anchor="ctr" anchorCtr="0">
+          <a:noAutofit/>
+        </a:bodyPr>
+        <a:lstStyle/>
+        <a:p>
+          <a:pPr marL="0" lvl="0" indent="0" algn="ctr" defTabSz="666750">
+            <a:lnSpc>
+              <a:spcPct val="90000"/>
+            </a:lnSpc>
+            <a:spcBef>
+              <a:spcPct val="0"/>
+            </a:spcBef>
+            <a:spcAft>
+              <a:spcPct val="35000"/>
+            </a:spcAft>
+            <a:buNone/>
+          </a:pPr>
+          <a:r>
+            <a:rPr lang="en-US" sz="1500" kern="1200"/>
+            <a:t>Andy Shi</a:t>
+          </a:r>
+        </a:p>
+      </dsp:txBody>
+      <dsp:txXfrm>
+        <a:off x="3239939" y="703110"/>
+        <a:ext cx="1211165" cy="752011"/>
+      </dsp:txXfrm>
+    </dsp:sp>
+    <dsp:sp modelId="{71AE7DD5-40F6-4810-9694-B5E1940998C0}">
+      <dsp:nvSpPr>
+        <dsp:cNvPr id="0" name=""/>
+        <dsp:cNvSpPr/>
+      </dsp:nvSpPr>
+      <dsp:spPr>
+        <a:xfrm>
+          <a:off x="4614274" y="546930"/>
+          <a:ext cx="1257957" cy="798803"/>
+        </a:xfrm>
+        <a:prstGeom prst="roundRect">
+          <a:avLst>
+            <a:gd name="adj" fmla="val 10000"/>
+          </a:avLst>
+        </a:prstGeom>
+        <a:gradFill rotWithShape="0">
+          <a:gsLst>
+            <a:gs pos="0">
+              <a:schemeClr val="dk2">
+                <a:hueOff val="0"/>
+                <a:satOff val="0"/>
+                <a:lumOff val="0"/>
+                <a:alphaOff val="0"/>
+                <a:tint val="94000"/>
+                <a:satMod val="103000"/>
+                <a:lumMod val="102000"/>
+              </a:schemeClr>
+            </a:gs>
+            <a:gs pos="50000">
+              <a:schemeClr val="dk2">
+                <a:hueOff val="0"/>
+                <a:satOff val="0"/>
+                <a:lumOff val="0"/>
+                <a:alphaOff val="0"/>
+                <a:shade val="100000"/>
+                <a:satMod val="110000"/>
+                <a:lumMod val="100000"/>
+              </a:schemeClr>
+            </a:gs>
+            <a:gs pos="100000">
+              <a:schemeClr val="dk2">
+                <a:hueOff val="0"/>
+                <a:satOff val="0"/>
+                <a:lumOff val="0"/>
+                <a:alphaOff val="0"/>
+                <a:shade val="78000"/>
+                <a:satMod val="120000"/>
+                <a:lumMod val="99000"/>
+              </a:schemeClr>
+            </a:gs>
+          </a:gsLst>
+          <a:lin ang="5400000" scaled="0"/>
+        </a:gradFill>
+        <a:ln>
+          <a:noFill/>
+        </a:ln>
+        <a:effectLst>
+          <a:outerShdw blurRad="57150" dist="19050" dir="5400000" algn="ctr" rotWithShape="0">
+            <a:srgbClr val="000000">
+              <a:alpha val="63000"/>
+            </a:srgbClr>
+          </a:outerShdw>
+        </a:effectLst>
+      </dsp:spPr>
+      <dsp:style>
+        <a:lnRef idx="0">
+          <a:scrgbClr r="0" g="0" b="0"/>
+        </a:lnRef>
+        <a:fillRef idx="3">
+          <a:scrgbClr r="0" g="0" b="0"/>
+        </a:fillRef>
+        <a:effectRef idx="3">
+          <a:scrgbClr r="0" g="0" b="0"/>
+        </a:effectRef>
+        <a:fontRef idx="minor">
+          <a:schemeClr val="lt1"/>
+        </a:fontRef>
+      </dsp:style>
+    </dsp:sp>
+    <dsp:sp modelId="{EACC1B05-FD3E-4C68-A5E1-D31C28A0E43B}">
+      <dsp:nvSpPr>
+        <dsp:cNvPr id="0" name=""/>
+        <dsp:cNvSpPr/>
+      </dsp:nvSpPr>
+      <dsp:spPr>
+        <a:xfrm>
+          <a:off x="4754047" y="679714"/>
+          <a:ext cx="1257957" cy="798803"/>
+        </a:xfrm>
+        <a:prstGeom prst="roundRect">
+          <a:avLst>
+            <a:gd name="adj" fmla="val 10000"/>
+          </a:avLst>
+        </a:prstGeom>
+        <a:solidFill>
+          <a:schemeClr val="lt2">
+            <a:alpha val="90000"/>
+            <a:hueOff val="0"/>
+            <a:satOff val="0"/>
+            <a:lumOff val="0"/>
+            <a:alphaOff val="0"/>
+          </a:schemeClr>
+        </a:solidFill>
+        <a:ln w="9525" cap="flat" cmpd="sng" algn="ctr">
+          <a:solidFill>
+            <a:schemeClr val="dk2">
+              <a:hueOff val="0"/>
+              <a:satOff val="0"/>
+              <a:lumOff val="0"/>
+              <a:alphaOff val="0"/>
+            </a:schemeClr>
+          </a:solidFill>
+          <a:prstDash val="solid"/>
+        </a:ln>
+        <a:effectLst/>
+      </dsp:spPr>
+      <dsp:style>
+        <a:lnRef idx="1">
+          <a:scrgbClr r="0" g="0" b="0"/>
+        </a:lnRef>
+        <a:fillRef idx="1">
+          <a:scrgbClr r="0" g="0" b="0"/>
+        </a:fillRef>
+        <a:effectRef idx="2">
+          <a:scrgbClr r="0" g="0" b="0"/>
+        </a:effectRef>
+        <a:fontRef idx="minor"/>
+      </dsp:style>
+      <dsp:txBody>
+        <a:bodyPr spcFirstLastPara="0" vert="horz" wrap="square" lIns="57150" tIns="57150" rIns="57150" bIns="57150" numCol="1" spcCol="1270" anchor="ctr" anchorCtr="0">
+          <a:noAutofit/>
+        </a:bodyPr>
+        <a:lstStyle/>
+        <a:p>
+          <a:pPr marL="0" lvl="0" indent="0" algn="ctr" defTabSz="666750">
+            <a:lnSpc>
+              <a:spcPct val="90000"/>
+            </a:lnSpc>
+            <a:spcBef>
+              <a:spcPct val="0"/>
+            </a:spcBef>
+            <a:spcAft>
+              <a:spcPct val="35000"/>
+            </a:spcAft>
+            <a:buNone/>
+          </a:pPr>
+          <a:r>
+            <a:rPr lang="en-US" sz="1500" kern="1200"/>
+            <a:t>Nyarai Nhamoinesu</a:t>
+          </a:r>
+        </a:p>
+      </dsp:txBody>
+      <dsp:txXfrm>
+        <a:off x="4777443" y="703110"/>
+        <a:ext cx="1211165" cy="752011"/>
+      </dsp:txXfrm>
+    </dsp:sp>
+  </dsp:spTree>
+</dsp:drawing>
+</file>
+
+<file path=ppt/diagrams/layout1.xml><?xml version="1.0" encoding="utf-8"?>
+<dgm:layoutDef xmlns:dgm="http://schemas.openxmlformats.org/drawingml/2006/diagram" xmlns:a="http://schemas.openxmlformats.org/drawingml/2006/main" uniqueId="urn:microsoft.com/office/officeart/2005/8/layout/hierarchy1">
+  <dgm:title val=""/>
+  <dgm:desc val=""/>
+  <dgm:catLst>
+    <dgm:cat type="hierarchy" pri="2000"/>
+  </dgm:catLst>
+  <dgm:sampData>
+    <dgm:dataModel>
+      <dgm:ptLst>
+        <dgm:pt modelId="0" type="doc"/>
+        <dgm:pt modelId="1">
+          <dgm:prSet phldr="1"/>
+        </dgm:pt>
+        <dgm:pt modelId="2">
+          <dgm:prSet phldr="1"/>
+        </dgm:pt>
+        <dgm:pt modelId="21">
+          <dgm:prSet phldr="1"/>
+        </dgm:pt>
+        <dgm:pt modelId="22">
+          <dgm:prSet phldr="1"/>
+        </dgm:pt>
+        <dgm:pt modelId="3">
+          <dgm:prSet phldr="1"/>
+        </dgm:pt>
+        <dgm:pt modelId="31">
+          <dgm:prSet phldr="1"/>
+        </dgm:pt>
+      </dgm:ptLst>
+      <dgm:cxnLst>
+        <dgm:cxn modelId="4" srcId="0" destId="1" srcOrd="0" destOrd="0"/>
+        <dgm:cxn modelId="5" srcId="1" destId="2" srcOrd="0" destOrd="0"/>
+        <dgm:cxn modelId="6" srcId="1" destId="3" srcOrd="1" destOrd="0"/>
+        <dgm:cxn modelId="23" srcId="2" destId="21" srcOrd="0" destOrd="0"/>
+        <dgm:cxn modelId="24" srcId="2" destId="22" srcOrd="1" destOrd="0"/>
+        <dgm:cxn modelId="33" srcId="3" destId="31" srcOrd="0" destOrd="0"/>
+      </dgm:cxnLst>
+      <dgm:bg/>
+      <dgm:whole/>
+    </dgm:dataModel>
+  </dgm:sampData>
+  <dgm:styleData>
+    <dgm:dataModel>
+      <dgm:ptLst>
+        <dgm:pt modelId="0" type="doc"/>
+        <dgm:pt modelId="1"/>
+        <dgm:pt modelId="11"/>
+        <dgm:pt modelId="12"/>
+      </dgm:ptLst>
+      <dgm:cxnLst>
+        <dgm:cxn modelId="2" srcId="0" destId="1" srcOrd="0" destOrd="0"/>
+        <dgm:cxn modelId="13" srcId="1" destId="11" srcOrd="0" destOrd="0"/>
+        <dgm:cxn modelId="14" srcId="1" destId="12" srcOrd="1" destOrd="0"/>
+      </dgm:cxnLst>
+      <dgm:bg/>
+      <dgm:whole/>
+    </dgm:dataModel>
+  </dgm:styleData>
+  <dgm:clrData>
+    <dgm:dataModel>
+      <dgm:ptLst>
+        <dgm:pt modelId="0" type="doc"/>
+        <dgm:pt modelId="1"/>
+        <dgm:pt modelId="2"/>
+        <dgm:pt modelId="21"/>
+        <dgm:pt modelId="211"/>
+        <dgm:pt modelId="3"/>
+        <dgm:pt modelId="31"/>
+        <dgm:pt modelId="311"/>
+      </dgm:ptLst>
+      <dgm:cxnLst>
+        <dgm:cxn modelId="4" srcId="0" destId="1" srcOrd="0" destOrd="0"/>
+        <dgm:cxn modelId="5" srcId="1" destId="2" srcOrd="0" destOrd="0"/>
+        <dgm:cxn modelId="6" srcId="1" destId="3" srcOrd="1" destOrd="0"/>
+        <dgm:cxn modelId="23" srcId="2" destId="21" srcOrd="0" destOrd="0"/>
+        <dgm:cxn modelId="24" srcId="21" destId="211" srcOrd="0" destOrd="0"/>
+        <dgm:cxn modelId="33" srcId="3" destId="31" srcOrd="0" destOrd="0"/>
+        <dgm:cxn modelId="34" srcId="31" destId="311" srcOrd="0" destOrd="0"/>
+      </dgm:cxnLst>
+      <dgm:bg/>
+      <dgm:whole/>
+    </dgm:dataModel>
+  </dgm:clrData>
+  <dgm:layoutNode name="hierChild1">
+    <dgm:varLst>
+      <dgm:chPref val="1"/>
+      <dgm:dir/>
+      <dgm:animOne val="branch"/>
+      <dgm:animLvl val="lvl"/>
+      <dgm:resizeHandles/>
+    </dgm:varLst>
+    <dgm:choose name="Name0">
+      <dgm:if name="Name1" func="var" arg="dir" op="equ" val="norm">
+        <dgm:alg type="hierChild">
+          <dgm:param type="linDir" val="fromL"/>
+        </dgm:alg>
+      </dgm:if>
+      <dgm:else name="Name2">
+        <dgm:alg type="hierChild">
+          <dgm:param type="linDir" val="fromR"/>
+        </dgm:alg>
+      </dgm:else>
+    </dgm:choose>
+    <dgm:shape xmlns:r="http://schemas.openxmlformats.org/officeDocument/2006/relationships" r:blip="">
+      <dgm:adjLst/>
+    </dgm:shape>
+    <dgm:presOf/>
+    <dgm:constrLst>
+      <dgm:constr type="primFontSz" for="des" ptType="node" op="equ" val="65"/>
+      <dgm:constr type="w" for="des" forName="composite" refType="w"/>
+      <dgm:constr type="h" for="des" forName="composite" refType="w" refFor="des" refForName="composite" fact="0.667"/>
+      <dgm:constr type="w" for="des" forName="composite2" refType="w" refFor="des" refForName="composite"/>
+      <dgm:constr type="h" for="des" forName="composite2" refType="h" refFor="des" refForName="composite"/>
+      <dgm:constr type="w" for="des" forName="composite3" refType="w" refFor="des" refForName="composite"/>
+      <dgm:constr type="h" for="des" forName="composite3" refType="h" refFor="des" refForName="composite"/>
+      <dgm:constr type="w" for="des" forName="composite4" refType="w" refFor="des" refForName="composite"/>
+      <dgm:constr type="h" for="des" forName="composite4" refType="h" refFor="des" refForName="composite"/>
+      <dgm:constr type="w" for="des" forName="composite5" refType="w" refFor="des" refForName="composite"/>
+      <dgm:constr type="h" for="des" forName="composite5" refType="h" refFor="des" refForName="composite"/>
+      <dgm:constr type="sibSp" refType="w" refFor="des" refForName="composite" fact="0.1"/>
+      <dgm:constr type="sibSp" for="des" forName="hierChild2" refType="sibSp"/>
+      <dgm:constr type="sibSp" for="des" forName="hierChild3" refType="sibSp"/>
+      <dgm:constr type="sibSp" for="des" forName="hierChild4" refType="sibSp"/>
+      <dgm:constr type="sibSp" for="des" forName="hierChild5" refType="sibSp"/>
+      <dgm:constr type="sibSp" for="des" forName="hierChild6" refType="sibSp"/>
+      <dgm:constr type="sp" for="des" forName="hierRoot1" refType="h" refFor="des" refForName="composite" fact="0.25"/>
+      <dgm:constr type="sp" for="des" forName="hierRoot2" refType="sp" refFor="des" refForName="hierRoot1"/>
+      <dgm:constr type="sp" for="des" forName="hierRoot3" refType="sp" refFor="des" refForName="hierRoot1"/>
+      <dgm:constr type="sp" for="des" forName="hierRoot4" refType="sp" refFor="des" refForName="hierRoot1"/>
+      <dgm:constr type="sp" for="des" forName="hierRoot5" refType="sp" refFor="des" refForName="hierRoot1"/>
+    </dgm:constrLst>
+    <dgm:ruleLst/>
+    <dgm:forEach name="Name3" axis="ch">
+      <dgm:forEach name="Name4" axis="self" ptType="node">
+        <dgm:layoutNode name="hierRoot1">
+          <dgm:alg type="hierRoot"/>
+          <dgm:shape xmlns:r="http://schemas.openxmlformats.org/officeDocument/2006/relationships" r:blip="">
+            <dgm:adjLst/>
+          </dgm:shape>
+          <dgm:presOf/>
+          <dgm:constrLst>
+            <dgm:constr type="bendDist" for="des" ptType="parTrans" refType="sp" fact="0.5"/>
+          </dgm:constrLst>
+          <dgm:ruleLst/>
+          <dgm:layoutNode name="composite">
+            <dgm:alg type="composite"/>
+            <dgm:shape xmlns:r="http://schemas.openxmlformats.org/officeDocument/2006/relationships" r:blip="">
+              <dgm:adjLst/>
+            </dgm:shape>
+            <dgm:presOf/>
+            <dgm:constrLst>
+              <dgm:constr type="w" for="ch" forName="background" refType="w" fact="0.9"/>
+              <dgm:constr type="h" for="ch" forName="background" refType="w" refFor="ch" refForName="background" fact="0.635"/>
+              <dgm:constr type="t" for="ch" forName="background"/>
+              <dgm:constr type="l" for="ch" forName="background"/>
+              <dgm:constr type="w" for="ch" forName="text" refType="w" fact="0.9"/>
+              <dgm:constr type="h" for="ch" forName="text" refType="w" refFor="ch" refForName="text" fact="0.635"/>
+              <dgm:constr type="t" for="ch" forName="text" refType="w" fact="0.095"/>
+              <dgm:constr type="l" for="ch" forName="text" refType="w" fact="0.1"/>
+            </dgm:constrLst>
+            <dgm:ruleLst/>
+            <dgm:layoutNode name="background" styleLbl="node0" moveWith="text">
+              <dgm:alg type="sp"/>
+              <dgm:shape xmlns:r="http://schemas.openxmlformats.org/officeDocument/2006/relationships" type="roundRect" r:blip="">
+                <dgm:adjLst>
+                  <dgm:adj idx="1" val="0.1"/>
+                </dgm:adjLst>
+              </dgm:shape>
+              <dgm:presOf/>
+              <dgm:constrLst/>
+              <dgm:ruleLst/>
+            </dgm:layoutNode>
+            <dgm:layoutNode name="text" styleLbl="fgAcc0">
+              <dgm:varLst>
+                <dgm:chPref val="3"/>
+              </dgm:varLst>
+              <dgm:alg type="tx"/>
+              <dgm:shape xmlns:r="http://schemas.openxmlformats.org/officeDocument/2006/relationships" type="roundRect" r:blip="">
+                <dgm:adjLst>
+                  <dgm:adj idx="1" val="0.1"/>
+                </dgm:adjLst>
+              </dgm:shape>
+              <dgm:presOf axis="self"/>
+              <dgm:constrLst>
+                <dgm:constr type="tMarg" refType="primFontSz" fact="0.3"/>
+                <dgm:constr type="bMarg" refType="primFontSz" fact="0.3"/>
+                <dgm:constr type="lMarg" refType="primFontSz" fact="0.3"/>
+                <dgm:constr type="rMarg" refType="primFontSz" fact="0.3"/>
+              </dgm:constrLst>
+              <dgm:ruleLst>
+                <dgm:rule type="primFontSz" val="5" fact="NaN" max="NaN"/>
+              </dgm:ruleLst>
+            </dgm:layoutNode>
+          </dgm:layoutNode>
+          <dgm:layoutNode name="hierChild2">
+            <dgm:choose name="Name5">
+              <dgm:if name="Name6" func="var" arg="dir" op="equ" val="norm">
+                <dgm:alg type="hierChild">
+                  <dgm:param type="linDir" val="fromL"/>
+                </dgm:alg>
+              </dgm:if>
+              <dgm:else name="Name7">
+                <dgm:alg type="hierChild">
+                  <dgm:param type="linDir" val="fromR"/>
+                </dgm:alg>
+              </dgm:else>
+            </dgm:choose>
+            <dgm:shape xmlns:r="http://schemas.openxmlformats.org/officeDocument/2006/relationships" r:blip="">
+              <dgm:adjLst/>
+            </dgm:shape>
+            <dgm:presOf/>
+            <dgm:constrLst/>
+            <dgm:ruleLst/>
+            <dgm:forEach name="Name8" axis="ch">
+              <dgm:forEach name="Name9" axis="self" ptType="parTrans" cnt="1">
+                <dgm:layoutNode name="Name10">
+                  <dgm:alg type="conn">
+                    <dgm:param type="dim" val="1D"/>
+                    <dgm:param type="endSty" val="noArr"/>
+                    <dgm:param type="connRout" val="bend"/>
+                    <dgm:param type="bendPt" val="end"/>
+                    <dgm:param type="begPts" val="bCtr"/>
+                    <dgm:param type="endPts" val="tCtr"/>
+                    <dgm:param type="srcNode" val="background"/>
+                    <dgm:param type="dstNode" val="background2"/>
+                  </dgm:alg>
+                  <dgm:shape xmlns:r="http://schemas.openxmlformats.org/officeDocument/2006/relationships" type="conn" r:blip="" zOrderOff="-999">
+                    <dgm:adjLst/>
+                  </dgm:shape>
+                  <dgm:presOf axis="self"/>
+                  <dgm:constrLst>
+                    <dgm:constr type="begPad"/>
+                    <dgm:constr type="endPad"/>
+                  </dgm:constrLst>
+                  <dgm:ruleLst/>
+                </dgm:layoutNode>
+              </dgm:forEach>
+              <dgm:forEach name="Name11" axis="self" ptType="node">
+                <dgm:layoutNode name="hierRoot2">
+                  <dgm:alg type="hierRoot"/>
+                  <dgm:shape xmlns:r="http://schemas.openxmlformats.org/officeDocument/2006/relationships" r:blip="">
+                    <dgm:adjLst/>
+                  </dgm:shape>
+                  <dgm:presOf/>
+                  <dgm:constrLst>
+                    <dgm:constr type="bendDist" for="des" ptType="parTrans" refType="sp" fact="0.5"/>
+                  </dgm:constrLst>
+                  <dgm:ruleLst/>
+                  <dgm:layoutNode name="composite2">
+                    <dgm:alg type="composite"/>
+                    <dgm:shape xmlns:r="http://schemas.openxmlformats.org/officeDocument/2006/relationships" r:blip="">
+                      <dgm:adjLst/>
+                    </dgm:shape>
+                    <dgm:presOf/>
+                    <dgm:constrLst>
+                      <dgm:constr type="w" for="ch" forName="background2" refType="w" fact="0.9"/>
+                      <dgm:constr type="h" for="ch" forName="background2" refType="w" refFor="ch" refForName="background2" fact="0.635"/>
+                      <dgm:constr type="t" for="ch" forName="background2"/>
+                      <dgm:constr type="l" for="ch" forName="background2"/>
+                      <dgm:constr type="w" for="ch" forName="text2" refType="w" fact="0.9"/>
+                      <dgm:constr type="h" for="ch" forName="text2" refType="w" refFor="ch" refForName="text2" fact="0.635"/>
+                      <dgm:constr type="t" for="ch" forName="text2" refType="w" fact="0.095"/>
+                      <dgm:constr type="l" for="ch" forName="text2" refType="w" fact="0.1"/>
+                    </dgm:constrLst>
+                    <dgm:ruleLst/>
+                    <dgm:layoutNode name="background2" moveWith="text2">
+                      <dgm:alg type="sp"/>
+                      <dgm:shape xmlns:r="http://schemas.openxmlformats.org/officeDocument/2006/relationships" type="roundRect" r:blip="">
+                        <dgm:adjLst>
+                          <dgm:adj idx="1" val="0.1"/>
+                        </dgm:adjLst>
+                      </dgm:shape>
+                      <dgm:presOf/>
+                      <dgm:constrLst/>
+                      <dgm:ruleLst/>
+                    </dgm:layoutNode>
+                    <dgm:layoutNode name="text2" styleLbl="fgAcc2">
+                      <dgm:varLst>
+                        <dgm:chPref val="3"/>
+                      </dgm:varLst>
+                      <dgm:alg type="tx"/>
+                      <dgm:shape xmlns:r="http://schemas.openxmlformats.org/officeDocument/2006/relationships" type="roundRect" r:blip="">
+                        <dgm:adjLst>
+                          <dgm:adj idx="1" val="0.1"/>
+                        </dgm:adjLst>
+                      </dgm:shape>
+                      <dgm:presOf axis="self"/>
+                      <dgm:constrLst>
+                        <dgm:constr type="tMarg" refType="primFontSz" fact="0.3"/>
+                        <dgm:constr type="bMarg" refType="primFontSz" fact="0.3"/>
+                        <dgm:constr type="lMarg" refType="primFontSz" fact="0.3"/>
+                        <dgm:constr type="rMarg" refType="primFontSz" fact="0.3"/>
+                      </dgm:constrLst>
+                      <dgm:ruleLst>
+                        <dgm:rule type="primFontSz" val="5" fact="NaN" max="NaN"/>
+                      </dgm:ruleLst>
+                    </dgm:layoutNode>
+                  </dgm:layoutNode>
+                  <dgm:layoutNode name="hierChild3">
+                    <dgm:choose name="Name12">
+                      <dgm:if name="Name13" func="var" arg="dir" op="equ" val="norm">
+                        <dgm:alg type="hierChild">
+                          <dgm:param type="linDir" val="fromL"/>
+                        </dgm:alg>
+                      </dgm:if>
+                      <dgm:else name="Name14">
+                        <dgm:alg type="hierChild">
+                          <dgm:param type="linDir" val="fromR"/>
+                        </dgm:alg>
+                      </dgm:else>
+                    </dgm:choose>
+                    <dgm:shape xmlns:r="http://schemas.openxmlformats.org/officeDocument/2006/relationships" r:blip="">
+                      <dgm:adjLst/>
+                    </dgm:shape>
+                    <dgm:presOf/>
+                    <dgm:constrLst/>
+                    <dgm:ruleLst/>
+                    <dgm:forEach name="Name15" axis="ch">
+                      <dgm:forEach name="Name16" axis="self" ptType="parTrans" cnt="1">
+                        <dgm:layoutNode name="Name17">
+                          <dgm:alg type="conn">
+                            <dgm:param type="dim" val="1D"/>
+                            <dgm:param type="endSty" val="noArr"/>
+                            <dgm:param type="connRout" val="bend"/>
+                            <dgm:param type="bendPt" val="end"/>
+                            <dgm:param type="begPts" val="bCtr"/>
+                            <dgm:param type="endPts" val="tCtr"/>
+                            <dgm:param type="srcNode" val="background2"/>
+                            <dgm:param type="dstNode" val="background3"/>
+                          </dgm:alg>
+                          <dgm:shape xmlns:r="http://schemas.openxmlformats.org/officeDocument/2006/relationships" type="conn" r:blip="" zOrderOff="-999">
+                            <dgm:adjLst/>
+                          </dgm:shape>
+                          <dgm:presOf axis="self"/>
+                          <dgm:constrLst>
+                            <dgm:constr type="begPad"/>
+                            <dgm:constr type="endPad"/>
+                          </dgm:constrLst>
+                          <dgm:ruleLst/>
+                        </dgm:layoutNode>
+                      </dgm:forEach>
+                      <dgm:forEach name="Name18" axis="self" ptType="node">
+                        <dgm:layoutNode name="hierRoot3">
+                          <dgm:alg type="hierRoot"/>
+                          <dgm:shape xmlns:r="http://schemas.openxmlformats.org/officeDocument/2006/relationships" r:blip="">
+                            <dgm:adjLst/>
+                          </dgm:shape>
+                          <dgm:presOf/>
+                          <dgm:constrLst>
+                            <dgm:constr type="bendDist" for="des" ptType="parTrans" refType="sp" fact="0.5"/>
+                          </dgm:constrLst>
+                          <dgm:ruleLst/>
+                          <dgm:layoutNode name="composite3">
+                            <dgm:alg type="composite"/>
+                            <dgm:shape xmlns:r="http://schemas.openxmlformats.org/officeDocument/2006/relationships" r:blip="">
+                              <dgm:adjLst/>
+                            </dgm:shape>
+                            <dgm:presOf/>
+                            <dgm:constrLst>
+                              <dgm:constr type="w" for="ch" forName="background3" refType="w" fact="0.9"/>
+                              <dgm:constr type="h" for="ch" forName="background3" refType="w" refFor="ch" refForName="background3" fact="0.635"/>
+                              <dgm:constr type="t" for="ch" forName="background3"/>
+                              <dgm:constr type="l" for="ch" forName="background3"/>
+                              <dgm:constr type="w" for="ch" forName="text3" refType="w" fact="0.9"/>
+                              <dgm:constr type="h" for="ch" forName="text3" refType="w" refFor="ch" refForName="text3" fact="0.635"/>
+                              <dgm:constr type="t" for="ch" forName="text3" refType="w" fact="0.095"/>
+                              <dgm:constr type="l" for="ch" forName="text3" refType="w" fact="0.1"/>
+                            </dgm:constrLst>
+                            <dgm:ruleLst/>
+                            <dgm:layoutNode name="background3" moveWith="text3">
+                              <dgm:alg type="sp"/>
+                              <dgm:shape xmlns:r="http://schemas.openxmlformats.org/officeDocument/2006/relationships" type="roundRect" r:blip="">
+                                <dgm:adjLst>
+                                  <dgm:adj idx="1" val="0.1"/>
+                                </dgm:adjLst>
+                              </dgm:shape>
+                              <dgm:presOf/>
+                              <dgm:constrLst/>
+                              <dgm:ruleLst/>
+                            </dgm:layoutNode>
+                            <dgm:layoutNode name="text3" styleLbl="fgAcc3">
+                              <dgm:varLst>
+                                <dgm:chPref val="3"/>
+                              </dgm:varLst>
+                              <dgm:alg type="tx"/>
+                              <dgm:shape xmlns:r="http://schemas.openxmlformats.org/officeDocument/2006/relationships" type="roundRect" r:blip="">
+                                <dgm:adjLst>
+                                  <dgm:adj idx="1" val="0.1"/>
+                                </dgm:adjLst>
+                              </dgm:shape>
+                              <dgm:presOf axis="self"/>
+                              <dgm:constrLst>
+                                <dgm:constr type="tMarg" refType="primFontSz" fact="0.3"/>
+                                <dgm:constr type="bMarg" refType="primFontSz" fact="0.3"/>
+                                <dgm:constr type="lMarg" refType="primFontSz" fact="0.3"/>
+                                <dgm:constr type="rMarg" refType="primFontSz" fact="0.3"/>
+                              </dgm:constrLst>
+                              <dgm:ruleLst>
+                                <dgm:rule type="primFontSz" val="5" fact="NaN" max="NaN"/>
+                              </dgm:ruleLst>
+                            </dgm:layoutNode>
+                          </dgm:layoutNode>
+                          <dgm:layoutNode name="hierChild4">
+                            <dgm:choose name="Name19">
+                              <dgm:if name="Name20" func="var" arg="dir" op="equ" val="norm">
+                                <dgm:alg type="hierChild">
+                                  <dgm:param type="linDir" val="fromL"/>
+                                </dgm:alg>
+                              </dgm:if>
+                              <dgm:else name="Name21">
+                                <dgm:alg type="hierChild">
+                                  <dgm:param type="linDir" val="fromR"/>
+                                </dgm:alg>
+                              </dgm:else>
+                            </dgm:choose>
+                            <dgm:shape xmlns:r="http://schemas.openxmlformats.org/officeDocument/2006/relationships" r:blip="">
+                              <dgm:adjLst/>
+                            </dgm:shape>
+                            <dgm:presOf/>
+                            <dgm:constrLst/>
+                            <dgm:ruleLst/>
+                            <dgm:forEach name="repeat" axis="ch">
+                              <dgm:forEach name="Name22" axis="self" ptType="parTrans" cnt="1">
+                                <dgm:layoutNode name="Name23">
+                                  <dgm:choose name="Name24">
+                                    <dgm:if name="Name25" axis="self" func="depth" op="lte" val="4">
+                                      <dgm:alg type="conn">
+                                        <dgm:param type="dim" val="1D"/>
+                                        <dgm:param type="endSty" val="noArr"/>
+                                        <dgm:param type="connRout" val="bend"/>
+                                        <dgm:param type="bendPt" val="end"/>
+                                        <dgm:param type="begPts" val="bCtr"/>
+                                        <dgm:param type="endPts" val="tCtr"/>
+                                        <dgm:param type="srcNode" val="background3"/>
+                                        <dgm:param type="dstNode" val="background4"/>
+                                      </dgm:alg>
+                                    </dgm:if>
+                                    <dgm:else name="Name26">
+                                      <dgm:alg type="conn">
+                                        <dgm:param type="dim" val="1D"/>
+                                        <dgm:param type="endSty" val="noArr"/>
+                                        <dgm:param type="connRout" val="bend"/>
+                                        <dgm:param type="bendPt" val="end"/>
+                                        <dgm:param type="begPts" val="bCtr"/>
+                                        <dgm:param type="endPts" val="tCtr"/>
+                                        <dgm:param type="srcNode" val="background4"/>
+                                        <dgm:param type="dstNode" val="background4"/>
+                                      </dgm:alg>
+                                    </dgm:else>
+                                  </dgm:choose>
+                                  <dgm:shape xmlns:r="http://schemas.openxmlformats.org/officeDocument/2006/relationships" type="conn" r:blip="" zOrderOff="-999">
+                                    <dgm:adjLst/>
+                                  </dgm:shape>
+                                  <dgm:presOf axis="self"/>
+                                  <dgm:constrLst>
+                                    <dgm:constr type="begPad"/>
+                                    <dgm:constr type="endPad"/>
+                                  </dgm:constrLst>
+                                  <dgm:ruleLst/>
+                                </dgm:layoutNode>
+                              </dgm:forEach>
+                              <dgm:forEach name="Name27" axis="self" ptType="node">
+                                <dgm:layoutNode name="hierRoot4">
+                                  <dgm:alg type="hierRoot"/>
+                                  <dgm:shape xmlns:r="http://schemas.openxmlformats.org/officeDocument/2006/relationships" r:blip="">
+                                    <dgm:adjLst/>
+                                  </dgm:shape>
+                                  <dgm:presOf/>
+                                  <dgm:constrLst>
+                                    <dgm:constr type="bendDist" for="des" ptType="parTrans" refType="sp" fact="0.5"/>
+                                  </dgm:constrLst>
+                                  <dgm:ruleLst/>
+                                  <dgm:layoutNode name="composite4">
+                                    <dgm:alg type="composite"/>
+                                    <dgm:shape xmlns:r="http://schemas.openxmlformats.org/officeDocument/2006/relationships" r:blip="">
+                                      <dgm:adjLst/>
+                                    </dgm:shape>
+                                    <dgm:presOf/>
+                                    <dgm:constrLst>
+                                      <dgm:constr type="w" for="ch" forName="background4" refType="w" fact="0.9"/>
+                                      <dgm:constr type="h" for="ch" forName="background4" refType="w" refFor="ch" refForName="background4" fact="0.635"/>
+                                      <dgm:constr type="t" for="ch" forName="background4"/>
+                                      <dgm:constr type="l" for="ch" forName="background4"/>
+                                      <dgm:constr type="w" for="ch" forName="text4" refType="w" fact="0.9"/>
+                                      <dgm:constr type="h" for="ch" forName="text4" refType="w" refFor="ch" refForName="text4" fact="0.635"/>
+                                      <dgm:constr type="t" for="ch" forName="text4" refType="w" fact="0.095"/>
+                                      <dgm:constr type="l" for="ch" forName="text4" refType="w" fact="0.1"/>
+                                    </dgm:constrLst>
+                                    <dgm:ruleLst/>
+                                    <dgm:layoutNode name="background4" moveWith="text4">
+                                      <dgm:alg type="sp"/>
+                                      <dgm:shape xmlns:r="http://schemas.openxmlformats.org/officeDocument/2006/relationships" type="roundRect" r:blip="">
+                                        <dgm:adjLst>
+                                          <dgm:adj idx="1" val="0.1"/>
+                                        </dgm:adjLst>
+                                      </dgm:shape>
+                                      <dgm:presOf/>
+                                      <dgm:constrLst/>
+                                      <dgm:ruleLst/>
+                                    </dgm:layoutNode>
+                                    <dgm:layoutNode name="text4" styleLbl="fgAcc4">
+                                      <dgm:varLst>
+                                        <dgm:chPref val="3"/>
+                                      </dgm:varLst>
+                                      <dgm:alg type="tx"/>
+                                      <dgm:shape xmlns:r="http://schemas.openxmlformats.org/officeDocument/2006/relationships" type="roundRect" r:blip="">
+                                        <dgm:adjLst>
+                                          <dgm:adj idx="1" val="0.1"/>
+                                        </dgm:adjLst>
+                                      </dgm:shape>
+                                      <dgm:presOf axis="self"/>
+                                      <dgm:constrLst>
+                                        <dgm:constr type="tMarg" refType="primFontSz" fact="0.3"/>
+                                        <dgm:constr type="bMarg" refType="primFontSz" fact="0.3"/>
+                                        <dgm:constr type="lMarg" refType="primFontSz" fact="0.3"/>
+                                        <dgm:constr type="rMarg" refType="primFontSz" fact="0.3"/>
+                                      </dgm:constrLst>
+                                      <dgm:ruleLst>
+                                        <dgm:rule type="primFontSz" val="5" fact="NaN" max="NaN"/>
+                                      </dgm:ruleLst>
+                                    </dgm:layoutNode>
+                                  </dgm:layoutNode>
+                                  <dgm:layoutNode name="hierChild5">
+                                    <dgm:choose name="Name28">
+                                      <dgm:if name="Name29" func="var" arg="dir" op="equ" val="norm">
+                                        <dgm:alg type="hierChild">
+                                          <dgm:param type="linDir" val="fromL"/>
+                                        </dgm:alg>
+                                      </dgm:if>
+                                      <dgm:else name="Name30">
+                                        <dgm:alg type="hierChild">
+                                          <dgm:param type="linDir" val="fromR"/>
+                                        </dgm:alg>
+                                      </dgm:else>
+                                    </dgm:choose>
+                                    <dgm:shape xmlns:r="http://schemas.openxmlformats.org/officeDocument/2006/relationships" r:blip="">
+                                      <dgm:adjLst/>
+                                    </dgm:shape>
+                                    <dgm:presOf/>
+                                    <dgm:constrLst/>
+                                    <dgm:ruleLst/>
+                                    <dgm:forEach name="Name31" ref="repeat"/>
+                                  </dgm:layoutNode>
+                                </dgm:layoutNode>
+                              </dgm:forEach>
+                            </dgm:forEach>
+                          </dgm:layoutNode>
+                        </dgm:layoutNode>
+                      </dgm:forEach>
+                    </dgm:forEach>
+                  </dgm:layoutNode>
+                </dgm:layoutNode>
+              </dgm:forEach>
+            </dgm:forEach>
+          </dgm:layoutNode>
+        </dgm:layoutNode>
+      </dgm:forEach>
+    </dgm:forEach>
+  </dgm:layoutNode>
+</dgm:layoutDef>
+</file>
+
+<file path=ppt/diagrams/quickStyle1.xml><?xml version="1.0" encoding="utf-8"?>
+<dgm:styleDef xmlns:dgm="http://schemas.openxmlformats.org/drawingml/2006/diagram" xmlns:a="http://schemas.openxmlformats.org/drawingml/2006/main" uniqueId="urn:microsoft.com/office/officeart/2005/8/quickstyle/simple5">
+  <dgm:title val=""/>
+  <dgm:desc val=""/>
+  <dgm:catLst>
+    <dgm:cat type="simple" pri="10500"/>
+  </dgm:catLst>
+  <dgm:scene3d>
+    <a:camera prst="orthographicFront"/>
+    <a:lightRig rig="threePt" dir="t"/>
+  </dgm:scene3d>
+  <dgm:styleLbl name="node0">
+    <dgm:scene3d>
+      <a:camera prst="orthographicFront"/>
+      <a:lightRig rig="threePt" dir="t"/>
+    </dgm:scene3d>
+    <dgm:sp3d/>
+    <dgm:txPr/>
+    <dgm:style>
+      <a:lnRef idx="0">
+        <a:scrgbClr r="0" g="0" b="0"/>
+      </a:lnRef>
+      <a:fillRef idx="3">
+        <a:scrgbClr r="0" g="0" b="0"/>
+      </a:fillRef>
+      <a:effectRef idx="3">
+        <a:scrgbClr r="0" g="0" b="0"/>
+      </a:effectRef>
+      <a:fontRef idx="minor">
+        <a:schemeClr val="lt1"/>
+      </a:fontRef>
+    </dgm:style>
+  </dgm:styleLbl>
+  <dgm:styleLbl name="lnNode1">
+    <dgm:scene3d>
+      <a:camera prst="orthographicFront"/>
+      <a:lightRig rig="threePt" dir="t"/>
+    </dgm:scene3d>
+    <dgm:sp3d/>
+    <dgm:txPr/>
+    <dgm:style>
+      <a:lnRef idx="0">
+        <a:scrgbClr r="0" g="0" b="0"/>
+      </a:lnRef>
+      <a:fillRef idx="3">
+        <a:scrgbClr r="0" g="0" b="0"/>
+      </a:fillRef>
+      <a:effectRef idx="3">
+        <a:scrgbClr r="0" g="0" b="0"/>
+      </a:effectRef>
+      <a:fontRef idx="minor">
+        <a:schemeClr val="lt1"/>
+      </a:fontRef>
+    </dgm:style>
+  </dgm:styleLbl>
+  <dgm:styleLbl name="vennNode1">
+    <dgm:scene3d>
+      <a:camera prst="orthographicFront"/>
+      <a:lightRig rig="threePt" dir="t"/>
+    </dgm:scene3d>
+    <dgm:sp3d/>
+    <dgm:txPr/>
+    <dgm:style>
+      <a:lnRef idx="0">
+        <a:scrgbClr r="0" g="0" b="0"/>
+      </a:lnRef>
+      <a:fillRef idx="3">
+        <a:scrgbClr r="0" g="0" b="0"/>
+      </a:fillRef>
+      <a:effectRef idx="3">
+        <a:scrgbClr r="0" g="0" b="0"/>
+      </a:effectRef>
+      <a:fontRef idx="minor">
+        <a:schemeClr val="tx1"/>
+      </a:fontRef>
+    </dgm:style>
+  </dgm:styleLbl>
+  <dgm:styleLbl name="alignNode1">
+    <dgm:scene3d>
+      <a:camera prst="orthographicFront"/>
+      <a:lightRig rig="threePt" dir="t"/>
+    </dgm:scene3d>
+    <dgm:sp3d/>
+    <dgm:txPr/>
+    <dgm:style>
+      <a:lnRef idx="1">
+        <a:scrgbClr r="0" g="0" b="0"/>
+      </a:lnRef>
+      <a:fillRef idx="3">
+        <a:scrgbClr r="0" g="0" b="0"/>
+      </a:fillRef>
+      <a:effectRef idx="3">
+        <a:scrgbClr r="0" g="0" b="0"/>
+      </a:effectRef>
+      <a:fontRef idx="minor">
+        <a:schemeClr val="lt1"/>
+      </a:fontRef>
+    </dgm:style>
+  </dgm:styleLbl>
+  <dgm:styleLbl name="node1">
+    <dgm:scene3d>
+      <a:camera prst="orthographicFront"/>
+      <a:lightRig rig="threePt" dir="t"/>
+    </dgm:scene3d>
+    <dgm:sp3d/>
+    <dgm:txPr/>
+    <dgm:style>
+      <a:lnRef idx="0">
+        <a:scrgbClr r="0" g="0" b="0"/>
+      </a:lnRef>
+      <a:fillRef idx="3">
+        <a:scrgbClr r="0" g="0" b="0"/>
+      </a:fillRef>
+      <a:effectRef idx="3">
+        <a:scrgbClr r="0" g="0" b="0"/>
+      </a:effectRef>
+      <a:fontRef idx="minor">
+        <a:schemeClr val="lt1"/>
+      </a:fontRef>
+    </dgm:style>
+  </dgm:styleLbl>
+  <dgm:styleLbl name="node2">
+    <dgm:scene3d>
+      <a:camera prst="orthographicFront"/>
+      <a:lightRig rig="threePt" dir="t"/>
+    </dgm:scene3d>
+    <dgm:sp3d/>
+    <dgm:txPr/>
+    <dgm:style>
+      <a:lnRef idx="0">
+        <a:scrgbClr r="0" g="0" b="0"/>
+      </a:lnRef>
+      <a:fillRef idx="3">
+        <a:scrgbClr r="0" g="0" b="0"/>
+      </a:fillRef>
+      <a:effectRef idx="3">
+        <a:scrgbClr r="0" g="0" b="0"/>
+      </a:effectRef>
+      <a:fontRef idx="minor">
+        <a:schemeClr val="lt1"/>
+      </a:fontRef>
+    </dgm:style>
+  </dgm:styleLbl>
+  <dgm:styleLbl name="node3">
+    <dgm:scene3d>
+      <a:camera prst="orthographicFront"/>
+      <a:lightRig rig="threePt" dir="t"/>
+    </dgm:scene3d>
+    <dgm:sp3d/>
+    <dgm:txPr/>
+    <dgm:style>
+      <a:lnRef idx="0">
+        <a:scrgbClr r="0" g="0" b="0"/>
+      </a:lnRef>
+      <a:fillRef idx="3">
+        <a:scrgbClr r="0" g="0" b="0"/>
+      </a:fillRef>
+      <a:effectRef idx="3">
+        <a:scrgbClr r="0" g="0" b="0"/>
+      </a:effectRef>
+      <a:fontRef idx="minor">
+        <a:schemeClr val="lt1"/>
+      </a:fontRef>
+    </dgm:style>
+  </dgm:styleLbl>
+  <dgm:styleLbl name="node4">
+    <dgm:scene3d>
+      <a:camera prst="orthographicFront"/>
+      <a:lightRig rig="threePt" dir="t"/>
+    </dgm:scene3d>
+    <dgm:sp3d/>
+    <dgm:txPr/>
+    <dgm:style>
+      <a:lnRef idx="0">
+        <a:scrgbClr r="0" g="0" b="0"/>
+      </a:lnRef>
+      <a:fillRef idx="3">
+        <a:scrgbClr r="0" g="0" b="0"/>
+      </a:fillRef>
+      <a:effectRef idx="3">
+        <a:scrgbClr r="0" g="0" b="0"/>
+      </a:effectRef>
+      <a:fontRef idx="minor">
+        <a:schemeClr val="lt1"/>
+      </a:fontRef>
+    </dgm:style>
+  </dgm:styleLbl>
+  <dgm:styleLbl name="fgImgPlace1">
+    <dgm:scene3d>
+      <a:camera prst="orthographicFront"/>
+      <a:lightRig rig="threePt" dir="t"/>
+    </dgm:scene3d>
+    <dgm:sp3d/>
+    <dgm:txPr/>
+    <dgm:style>
+      <a:lnRef idx="0">
+        <a:scrgbClr r="0" g="0" b="0"/>
+      </a:lnRef>
+      <a:fillRef idx="1">
+        <a:scrgbClr r="0" g="0" b="0"/>
+      </a:fillRef>
+      <a:effectRef idx="3">
+        <a:scrgbClr r="0" g="0" b="0"/>
+      </a:effectRef>
+      <a:fontRef idx="minor"/>
+    </dgm:style>
+  </dgm:styleLbl>
+  <dgm:styleLbl name="alignImgPlace1">
+    <dgm:scene3d>
+      <a:camera prst="orthographicFront"/>
+      <a:lightRig rig="threePt" dir="t"/>
+    </dgm:scene3d>
+    <dgm:sp3d/>
+    <dgm:txPr/>
+    <dgm:style>
+      <a:lnRef idx="0">
+        <a:scrgbClr r="0" g="0" b="0"/>
+      </a:lnRef>
+      <a:fillRef idx="1">
+        <a:scrgbClr r="0" g="0" b="0"/>
+      </a:fillRef>
+      <a:effectRef idx="3">
+        <a:scrgbClr r="0" g="0" b="0"/>
+      </a:effectRef>
+      <a:fontRef idx="minor"/>
+    </dgm:style>
+  </dgm:styleLbl>
+  <dgm:styleLbl name="bgImgPlace1">
+    <dgm:scene3d>
+      <a:camera prst="orthographicFront"/>
+      <a:lightRig rig="threePt" dir="t"/>
+    </dgm:scene3d>
+    <dgm:sp3d/>
+    <dgm:txPr/>
+    <dgm:style>
+      <a:lnRef idx="0">
+        <a:scrgbClr r="0" g="0" b="0"/>
+      </a:lnRef>
+      <a:fillRef idx="1">
+        <a:scrgbClr r="0" g="0" b="0"/>
+      </a:fillRef>
+      <a:effectRef idx="3">
+        <a:scrgbClr r="0" g="0" b="0"/>
+      </a:effectRef>
+      <a:fontRef idx="minor"/>
+    </dgm:style>
+  </dgm:styleLbl>
+  <dgm:styleLbl name="sibTrans2D1">
+    <dgm:scene3d>
+      <a:camera prst="orthographicFront"/>
+      <a:lightRig rig="threePt" dir="t"/>
+    </dgm:scene3d>
+    <dgm:sp3d/>
+    <dgm:txPr/>
+    <dgm:style>
+      <a:lnRef idx="0">
+        <a:scrgbClr r="0" g="0" b="0"/>
+      </a:lnRef>
+      <a:fillRef idx="3">
+        <a:scrgbClr r="0" g="0" b="0"/>
+      </a:fillRef>
+      <a:effectRef idx="3">
+        <a:scrgbClr r="0" g="0" b="0"/>
+      </a:effectRef>
+      <a:fontRef idx="minor">
+        <a:schemeClr val="lt1"/>
+      </a:fontRef>
+    </dgm:style>
+  </dgm:styleLbl>
+  <dgm:styleLbl name="fgSibTrans2D1">
+    <dgm:scene3d>
+      <a:camera prst="orthographicFront"/>
+      <a:lightRig rig="threePt" dir="t"/>
+    </dgm:scene3d>
+    <dgm:sp3d/>
+    <dgm:txPr/>
+    <dgm:style>
+      <a:lnRef idx="0">
+        <a:scrgbClr r="0" g="0" b="0"/>
+      </a:lnRef>
+      <a:fillRef idx="3">
+        <a:scrgbClr r="0" g="0" b="0"/>
+      </a:fillRef>
+      <a:effectRef idx="3">
+        <a:scrgbClr r="0" g="0" b="0"/>
+      </a:effectRef>
+      <a:fontRef idx="minor">
+        <a:schemeClr val="lt1"/>
+      </a:fontRef>
+    </dgm:style>
+  </dgm:styleLbl>
+  <dgm:styleLbl name="bgSibTrans2D1">
+    <dgm:scene3d>
+      <a:camera prst="orthographicFront"/>
+      <a:lightRig rig="threePt" dir="t"/>
+    </dgm:scene3d>
+    <dgm:sp3d/>
+    <dgm:txPr/>
+    <dgm:style>
+      <a:lnRef idx="0">
+        <a:scrgbClr r="0" g="0" b="0"/>
+      </a:lnRef>
+      <a:fillRef idx="3">
+        <a:scrgbClr r="0" g="0" b="0"/>
+      </a:fillRef>
+      <a:effectRef idx="3">
+        <a:scrgbClr r="0" g="0" b="0"/>
+      </a:effectRef>
+      <a:fontRef idx="minor">
+        <a:schemeClr val="lt1"/>
+      </a:fontRef>
+    </dgm:style>
+  </dgm:styleLbl>
+  <dgm:styleLbl name="sibTrans1D1">
+    <dgm:scene3d>
+      <a:camera prst="orthographicFront"/>
+      <a:lightRig rig="threePt" dir="t"/>
+    </dgm:scene3d>
+    <dgm:sp3d/>
+    <dgm:txPr/>
+    <dgm:style>
+      <a:lnRef idx="1">
+        <a:scrgbClr r="0" g="0" b="0"/>
+      </a:lnRef>
+      <a:fillRef idx="0">
+        <a:scrgbClr r="0" g="0" b="0"/>
+      </a:fillRef>
+      <a:effectRef idx="0">
+        <a:scrgbClr r="0" g="0" b="0"/>
+      </a:effectRef>
+      <a:fontRef idx="minor"/>
+    </dgm:style>
+  </dgm:styleLbl>
+  <dgm:styleLbl name="callout">
+    <dgm:scene3d>
+      <a:camera prst="orthographicFront"/>
+      <a:lightRig rig="threePt" dir="t"/>
+    </dgm:scene3d>
+    <dgm:sp3d/>
+    <dgm:txPr/>
+    <dgm:style>
+      <a:lnRef idx="1">
+        <a:scrgbClr r="0" g="0" b="0"/>
+      </a:lnRef>
+      <a:fillRef idx="0">
+        <a:scrgbClr r="0" g="0" b="0"/>
+      </a:fillRef>
+      <a:effectRef idx="1">
+        <a:scrgbClr r="0" g="0" b="0"/>
+      </a:effectRef>
+      <a:fontRef idx="minor"/>
+    </dgm:style>
+  </dgm:styleLbl>
+  <dgm:styleLbl name="asst0">
+    <dgm:scene3d>
+      <a:camera prst="orthographicFront"/>
+      <a:lightRig rig="threePt" dir="t"/>
+    </dgm:scene3d>
+    <dgm:sp3d/>
+    <dgm:txPr/>
+    <dgm:style>
+      <a:lnRef idx="0">
+        <a:scrgbClr r="0" g="0" b="0"/>
+      </a:lnRef>
+      <a:fillRef idx="3">
+        <a:scrgbClr r="0" g="0" b="0"/>
+      </a:fillRef>
+      <a:effectRef idx="3">
+        <a:scrgbClr r="0" g="0" b="0"/>
+      </a:effectRef>
+      <a:fontRef idx="minor">
+        <a:schemeClr val="lt1"/>
+      </a:fontRef>
+    </dgm:style>
+  </dgm:styleLbl>
+  <dgm:styleLbl name="asst1">
+    <dgm:scene3d>
+      <a:camera prst="orthographicFront"/>
+      <a:lightRig rig="threePt" dir="t"/>
+    </dgm:scene3d>
+    <dgm:sp3d/>
+    <dgm:txPr/>
+    <dgm:style>
+      <a:lnRef idx="0">
+        <a:scrgbClr r="0" g="0" b="0"/>
+      </a:lnRef>
+      <a:fillRef idx="3">
+        <a:scrgbClr r="0" g="0" b="0"/>
+      </a:fillRef>
+      <a:effectRef idx="3">
+        <a:scrgbClr r="0" g="0" b="0"/>
+      </a:effectRef>
+      <a:fontRef idx="minor">
+        <a:schemeClr val="lt1"/>
+      </a:fontRef>
+    </dgm:style>
+  </dgm:styleLbl>
+  <dgm:styleLbl name="asst2">
+    <dgm:scene3d>
+      <a:camera prst="orthographicFront"/>
+      <a:lightRig rig="threePt" dir="t"/>
+    </dgm:scene3d>
+    <dgm:sp3d/>
+    <dgm:txPr/>
+    <dgm:style>
+      <a:lnRef idx="0">
+        <a:scrgbClr r="0" g="0" b="0"/>
+      </a:lnRef>
+      <a:fillRef idx="3">
+        <a:scrgbClr r="0" g="0" b="0"/>
+      </a:fillRef>
+      <a:effectRef idx="3">
+        <a:scrgbClr r="0" g="0" b="0"/>
+      </a:effectRef>
+      <a:fontRef idx="minor">
+        <a:schemeClr val="lt1"/>
+      </a:fontRef>
+    </dgm:style>
+  </dgm:styleLbl>
+  <dgm:styleLbl name="asst3">
+    <dgm:scene3d>
+      <a:camera prst="orthographicFront"/>
+      <a:lightRig rig="threePt" dir="t"/>
+    </dgm:scene3d>
+    <dgm:sp3d/>
+    <dgm:txPr/>
+    <dgm:style>
+      <a:lnRef idx="0">
+        <a:scrgbClr r="0" g="0" b="0"/>
+      </a:lnRef>
+      <a:fillRef idx="3">
+        <a:scrgbClr r="0" g="0" b="0"/>
+      </a:fillRef>
+      <a:effectRef idx="3">
+        <a:scrgbClr r="0" g="0" b="0"/>
+      </a:effectRef>
+      <a:fontRef idx="minor">
+        <a:schemeClr val="lt1"/>
+      </a:fontRef>
+    </dgm:style>
+  </dgm:styleLbl>
+  <dgm:styleLbl name="asst4">
+    <dgm:scene3d>
+      <a:camera prst="orthographicFront"/>
+      <a:lightRig rig="threePt" dir="t"/>
+    </dgm:scene3d>
+    <dgm:sp3d/>
+    <dgm:txPr/>
+    <dgm:style>
+      <a:lnRef idx="0">
+        <a:scrgbClr r="0" g="0" b="0"/>
+      </a:lnRef>
+      <a:fillRef idx="3">
+        <a:scrgbClr r="0" g="0" b="0"/>
+      </a:fillRef>
+      <a:effectRef idx="3">
+        <a:scrgbClr r="0" g="0" b="0"/>
+      </a:effectRef>
+      <a:fontRef idx="minor">
+        <a:schemeClr val="lt1"/>
+      </a:fontRef>
+    </dgm:style>
+  </dgm:styleLbl>
+  <dgm:styleLbl name="parChTrans2D1">
+    <dgm:scene3d>
+      <a:camera prst="orthographicFront"/>
+      <a:lightRig rig="threePt" dir="t"/>
+    </dgm:scene3d>
+    <dgm:sp3d/>
+    <dgm:txPr/>
+    <dgm:style>
+      <a:lnRef idx="0">
+        <a:scrgbClr r="0" g="0" b="0"/>
+      </a:lnRef>
+      <a:fillRef idx="3">
+        <a:scrgbClr r="0" g="0" b="0"/>
+      </a:fillRef>
+      <a:effectRef idx="3">
+        <a:scrgbClr r="0" g="0" b="0"/>
+      </a:effectRef>
+      <a:fontRef idx="minor">
+        <a:schemeClr val="lt1"/>
+      </a:fontRef>
+    </dgm:style>
+  </dgm:styleLbl>
+  <dgm:styleLbl name="parChTrans2D2">
+    <dgm:scene3d>
+      <a:camera prst="orthographicFront"/>
+      <a:lightRig rig="threePt" dir="t"/>
+    </dgm:scene3d>
+    <dgm:sp3d/>
+    <dgm:txPr/>
+    <dgm:style>
+      <a:lnRef idx="0">
+        <a:scrgbClr r="0" g="0" b="0"/>
+      </a:lnRef>
+      <a:fillRef idx="3">
+        <a:scrgbClr r="0" g="0" b="0"/>
+      </a:fillRef>
+      <a:effectRef idx="3">
+        <a:scrgbClr r="0" g="0" b="0"/>
+      </a:effectRef>
+      <a:fontRef idx="minor">
+        <a:schemeClr val="lt1"/>
+      </a:fontRef>
+    </dgm:style>
+  </dgm:styleLbl>
+  <dgm:styleLbl name="parChTrans2D3">
+    <dgm:scene3d>
+      <a:camera prst="orthographicFront"/>
+      <a:lightRig rig="threePt" dir="t"/>
+    </dgm:scene3d>
+    <dgm:sp3d/>
+    <dgm:txPr/>
+    <dgm:style>
+      <a:lnRef idx="0">
+        <a:scrgbClr r="0" g="0" b="0"/>
+      </a:lnRef>
+      <a:fillRef idx="3">
+        <a:scrgbClr r="0" g="0" b="0"/>
+      </a:fillRef>
+      <a:effectRef idx="3">
+        <a:scrgbClr r="0" g="0" b="0"/>
+      </a:effectRef>
+      <a:fontRef idx="minor">
+        <a:schemeClr val="lt1"/>
+      </a:fontRef>
+    </dgm:style>
+  </dgm:styleLbl>
+  <dgm:styleLbl name="parChTrans2D4">
+    <dgm:scene3d>
+      <a:camera prst="orthographicFront"/>
+      <a:lightRig rig="threePt" dir="t"/>
+    </dgm:scene3d>
+    <dgm:sp3d/>
+    <dgm:txPr/>
+    <dgm:style>
+      <a:lnRef idx="0">
+        <a:scrgbClr r="0" g="0" b="0"/>
+      </a:lnRef>
+      <a:fillRef idx="3">
+        <a:scrgbClr r="0" g="0" b="0"/>
+      </a:fillRef>
+      <a:effectRef idx="3">
+        <a:scrgbClr r="0" g="0" b="0"/>
+      </a:effectRef>
+      <a:fontRef idx="minor">
+        <a:schemeClr val="lt1"/>
+      </a:fontRef>
+    </dgm:style>
+  </dgm:styleLbl>
+  <dgm:styleLbl name="parChTrans1D1">
+    <dgm:scene3d>
+      <a:camera prst="orthographicFront"/>
+      <a:lightRig rig="threePt" dir="t"/>
+    </dgm:scene3d>
+    <dgm:sp3d/>
+    <dgm:txPr/>
+    <dgm:style>
+      <a:lnRef idx="2">
+        <a:scrgbClr r="0" g="0" b="0"/>
+      </a:lnRef>
+      <a:fillRef idx="0">
+        <a:scrgbClr r="0" g="0" b="0"/>
+      </a:fillRef>
+      <a:effectRef idx="0">
+        <a:scrgbClr r="0" g="0" b="0"/>
+      </a:effectRef>
+      <a:fontRef idx="minor"/>
+    </dgm:style>
+  </dgm:styleLbl>
+  <dgm:styleLbl name="parChTrans1D2">
+    <dgm:scene3d>
+      <a:camera prst="orthographicFront"/>
+      <a:lightRig rig="threePt" dir="t"/>
+    </dgm:scene3d>
+    <dgm:sp3d/>
+    <dgm:txPr/>
+    <dgm:style>
+      <a:lnRef idx="2">
+        <a:scrgbClr r="0" g="0" b="0"/>
+      </a:lnRef>
+      <a:fillRef idx="0">
+        <a:scrgbClr r="0" g="0" b="0"/>
+      </a:fillRef>
+      <a:effectRef idx="0">
+        <a:scrgbClr r="0" g="0" b="0"/>
+      </a:effectRef>
+      <a:fontRef idx="minor"/>
+    </dgm:style>
+  </dgm:styleLbl>
+  <dgm:styleLbl name="parChTrans1D3">
+    <dgm:scene3d>
+      <a:camera prst="orthographicFront"/>
+      <a:lightRig rig="threePt" dir="t"/>
+    </dgm:scene3d>
+    <dgm:sp3d/>
+    <dgm:txPr/>
+    <dgm:style>
+      <a:lnRef idx="2">
+        <a:scrgbClr r="0" g="0" b="0"/>
+      </a:lnRef>
+      <a:fillRef idx="0">
+        <a:scrgbClr r="0" g="0" b="0"/>
+      </a:fillRef>
+      <a:effectRef idx="0">
+        <a:scrgbClr r="0" g="0" b="0"/>
+      </a:effectRef>
+      <a:fontRef idx="minor"/>
+    </dgm:style>
+  </dgm:styleLbl>
+  <dgm:styleLbl name="parChTrans1D4">
+    <dgm:scene3d>
+      <a:camera prst="orthographicFront"/>
+      <a:lightRig rig="threePt" dir="t"/>
+    </dgm:scene3d>
+    <dgm:sp3d/>
+    <dgm:txPr/>
+    <dgm:style>
+      <a:lnRef idx="2">
+        <a:scrgbClr r="0" g="0" b="0"/>
+      </a:lnRef>
+      <a:fillRef idx="0">
+        <a:scrgbClr r="0" g="0" b="0"/>
+      </a:fillRef>
+      <a:effectRef idx="0">
+        <a:scrgbClr r="0" g="0" b="0"/>
+      </a:effectRef>
+      <a:fontRef idx="minor"/>
+    </dgm:style>
+  </dgm:styleLbl>
+  <dgm:styleLbl name="fgAcc1">
+    <dgm:scene3d>
+      <a:camera prst="orthographicFront"/>
+      <a:lightRig rig="threePt" dir="t"/>
+    </dgm:scene3d>
+    <dgm:sp3d/>
+    <dgm:txPr/>
+    <dgm:style>
+      <a:lnRef idx="1">
+        <a:scrgbClr r="0" g="0" b="0"/>
+      </a:lnRef>
+      <a:fillRef idx="1">
+        <a:scrgbClr r="0" g="0" b="0"/>
+      </a:fillRef>
+      <a:effectRef idx="2">
+        <a:scrgbClr r="0" g="0" b="0"/>
+      </a:effectRef>
+      <a:fontRef idx="minor"/>
+    </dgm:style>
+  </dgm:styleLbl>
+  <dgm:styleLbl name="conFgAcc1">
+    <dgm:scene3d>
+      <a:camera prst="orthographicFront"/>
+      <a:lightRig rig="threePt" dir="t"/>
+    </dgm:scene3d>
+    <dgm:sp3d/>
+    <dgm:txPr/>
+    <dgm:style>
+      <a:lnRef idx="1">
+        <a:scrgbClr r="0" g="0" b="0"/>
+      </a:lnRef>
+      <a:fillRef idx="1">
+        <a:scrgbClr r="0" g="0" b="0"/>
+      </a:fillRef>
+      <a:effectRef idx="2">
+        <a:scrgbClr r="0" g="0" b="0"/>
+      </a:effectRef>
+      <a:fontRef idx="minor"/>
+    </dgm:style>
+  </dgm:styleLbl>
+  <dgm:styleLbl name="alignAcc1">
+    <dgm:scene3d>
+      <a:camera prst="orthographicFront"/>
+      <a:lightRig rig="threePt" dir="t"/>
+    </dgm:scene3d>
+    <dgm:sp3d/>
+    <dgm:txPr/>
+    <dgm:style>
+      <a:lnRef idx="1">
+        <a:scrgbClr r="0" g="0" b="0"/>
+      </a:lnRef>
+      <a:fillRef idx="1">
+        <a:scrgbClr r="0" g="0" b="0"/>
+      </a:fillRef>
+      <a:effectRef idx="2">
+        <a:scrgbClr r="0" g="0" b="0"/>
+      </a:effectRef>
+      <a:fontRef idx="minor"/>
+    </dgm:style>
+  </dgm:styleLbl>
+  <dgm:styleLbl name="trAlignAcc1">
+    <dgm:scene3d>
+      <a:camera prst="orthographicFront"/>
+      <a:lightRig rig="threePt" dir="t"/>
+    </dgm:scene3d>
+    <dgm:sp3d/>
+    <dgm:txPr/>
+    <dgm:style>
+      <a:lnRef idx="1">
+        <a:scrgbClr r="0" g="0" b="0"/>
+      </a:lnRef>
+      <a:fillRef idx="1">
+        <a:scrgbClr r="0" g="0" b="0"/>
+      </a:fillRef>
+      <a:effectRef idx="0">
+        <a:scrgbClr r="0" g="0" b="0"/>
+      </a:effectRef>
+      <a:fontRef idx="minor"/>
+    </dgm:style>
+  </dgm:styleLbl>
+  <dgm:styleLbl name="bgAcc1">
+    <dgm:scene3d>
+      <a:camera prst="orthographicFront"/>
+      <a:lightRig rig="threePt" dir="t"/>
+    </dgm:scene3d>
+    <dgm:sp3d/>
+    <dgm:txPr/>
+    <dgm:style>
+      <a:lnRef idx="1">
+        <a:scrgbClr r="0" g="0" b="0"/>
+      </a:lnRef>
+      <a:fillRef idx="1">
+        <a:scrgbClr r="0" g="0" b="0"/>
+      </a:fillRef>
+      <a:effectRef idx="2">
+        <a:scrgbClr r="0" g="0" b="0"/>
+      </a:effectRef>
+      <a:fontRef idx="minor"/>
+    </dgm:style>
+  </dgm:styleLbl>
+  <dgm:styleLbl name="solidFgAcc1">
+    <dgm:scene3d>
+      <a:camera prst="orthographicFront"/>
+      <a:lightRig rig="threePt" dir="t"/>
+    </dgm:scene3d>
+    <dgm:sp3d/>
+    <dgm:txPr/>
+    <dgm:style>
+      <a:lnRef idx="1">
+        <a:scrgbClr r="0" g="0" b="0"/>
+      </a:lnRef>
+      <a:fillRef idx="1">
+        <a:scrgbClr r="0" g="0" b="0"/>
+      </a:fillRef>
+      <a:effectRef idx="2">
+        <a:scrgbClr r="0" g="0" b="0"/>
+      </a:effectRef>
+      <a:fontRef idx="minor"/>
+    </dgm:style>
+  </dgm:styleLbl>
+  <dgm:styleLbl name="solidAlignAcc1">
+    <dgm:scene3d>
+      <a:camera prst="orthographicFront"/>
+      <a:lightRig rig="threePt" dir="t"/>
+    </dgm:scene3d>
+    <dgm:sp3d/>
+    <dgm:txPr/>
+    <dgm:style>
+      <a:lnRef idx="1">
+        <a:scrgbClr r="0" g="0" b="0"/>
+      </a:lnRef>
+      <a:fillRef idx="1">
+        <a:scrgbClr r="0" g="0" b="0"/>
+      </a:fillRef>
+      <a:effectRef idx="3">
+        <a:scrgbClr r="0" g="0" b="0"/>
+      </a:effectRef>
+      <a:fontRef idx="minor"/>
+    </dgm:style>
+  </dgm:styleLbl>
+  <dgm:styleLbl name="solidBgAcc1">
+    <dgm:scene3d>
+      <a:camera prst="orthographicFront"/>
+      <a:lightRig rig="threePt" dir="t"/>
+    </dgm:scene3d>
+    <dgm:sp3d/>
+    <dgm:txPr/>
+    <dgm:style>
+      <a:lnRef idx="1">
+        <a:scrgbClr r="0" g="0" b="0"/>
+      </a:lnRef>
+      <a:fillRef idx="1">
+        <a:scrgbClr r="0" g="0" b="0"/>
+      </a:fillRef>
+      <a:effectRef idx="3">
+        <a:scrgbClr r="0" g="0" b="0"/>
+      </a:effectRef>
+      <a:fontRef idx="minor"/>
+    </dgm:style>
+  </dgm:styleLbl>
+  <dgm:styleLbl name="fgAccFollowNode1">
+    <dgm:scene3d>
+      <a:camera prst="orthographicFront"/>
+      <a:lightRig rig="threePt" dir="t"/>
+    </dgm:scene3d>
+    <dgm:sp3d/>
+    <dgm:txPr/>
+    <dgm:style>
+      <a:lnRef idx="1">
+        <a:scrgbClr r="0" g="0" b="0"/>
+      </a:lnRef>
+      <a:fillRef idx="1">
+        <a:scrgbClr r="0" g="0" b="0"/>
+      </a:fillRef>
+      <a:effectRef idx="2">
+        <a:scrgbClr r="0" g="0" b="0"/>
+      </a:effectRef>
+      <a:fontRef idx="minor"/>
+    </dgm:style>
+  </dgm:styleLbl>
+  <dgm:styleLbl name="alignAccFollowNode1">
+    <dgm:scene3d>
+      <a:camera prst="orthographicFront"/>
+      <a:lightRig rig="threePt" dir="t"/>
+    </dgm:scene3d>
+    <dgm:sp3d/>
+    <dgm:txPr/>
+    <dgm:style>
+      <a:lnRef idx="1">
+        <a:scrgbClr r="0" g="0" b="0"/>
+      </a:lnRef>
+      <a:fillRef idx="1">
+        <a:scrgbClr r="0" g="0" b="0"/>
+      </a:fillRef>
+      <a:effectRef idx="2">
+        <a:scrgbClr r="0" g="0" b="0"/>
+      </a:effectRef>
+      <a:fontRef idx="minor"/>
+    </dgm:style>
+  </dgm:styleLbl>
+  <dgm:styleLbl name="bgAccFollowNode1">
+    <dgm:scene3d>
+      <a:camera prst="orthographicFront"/>
+      <a:lightRig rig="threePt" dir="t"/>
+    </dgm:scene3d>
+    <dgm:sp3d/>
+    <dgm:txPr/>
+    <dgm:style>
+      <a:lnRef idx="1">
+        <a:scrgbClr r="0" g="0" b="0"/>
+      </a:lnRef>
+      <a:fillRef idx="1">
+        <a:scrgbClr r="0" g="0" b="0"/>
+      </a:fillRef>
+      <a:effectRef idx="2">
+        <a:scrgbClr r="0" g="0" b="0"/>
+      </a:effectRef>
+      <a:fontRef idx="minor"/>
+    </dgm:style>
+  </dgm:styleLbl>
+  <dgm:styleLbl name="fgAcc0">
+    <dgm:scene3d>
+      <a:camera prst="orthographicFront"/>
+      <a:lightRig rig="threePt" dir="t"/>
+    </dgm:scene3d>
+    <dgm:sp3d/>
+    <dgm:txPr/>
+    <dgm:style>
+      <a:lnRef idx="1">
+        <a:scrgbClr r="0" g="0" b="0"/>
+      </a:lnRef>
+      <a:fillRef idx="1">
+        <a:scrgbClr r="0" g="0" b="0"/>
+      </a:fillRef>
+      <a:effectRef idx="2">
+        <a:scrgbClr r="0" g="0" b="0"/>
+      </a:effectRef>
+      <a:fontRef idx="minor"/>
+    </dgm:style>
+  </dgm:styleLbl>
+  <dgm:styleLbl name="fgAcc2">
+    <dgm:scene3d>
+      <a:camera prst="orthographicFront"/>
+      <a:lightRig rig="threePt" dir="t"/>
+    </dgm:scene3d>
+    <dgm:sp3d/>
+    <dgm:txPr/>
+    <dgm:style>
+      <a:lnRef idx="1">
+        <a:scrgbClr r="0" g="0" b="0"/>
+      </a:lnRef>
+      <a:fillRef idx="1">
+        <a:scrgbClr r="0" g="0" b="0"/>
+      </a:fillRef>
+      <a:effectRef idx="2">
+        <a:scrgbClr r="0" g="0" b="0"/>
+      </a:effectRef>
+      <a:fontRef idx="minor"/>
+    </dgm:style>
+  </dgm:styleLbl>
+  <dgm:styleLbl name="fgAcc3">
+    <dgm:scene3d>
+      <a:camera prst="orthographicFront"/>
+      <a:lightRig rig="threePt" dir="t"/>
+    </dgm:scene3d>
+    <dgm:sp3d/>
+    <dgm:txPr/>
+    <dgm:style>
+      <a:lnRef idx="1">
+        <a:scrgbClr r="0" g="0" b="0"/>
+      </a:lnRef>
+      <a:fillRef idx="1">
+        <a:scrgbClr r="0" g="0" b="0"/>
+      </a:fillRef>
+      <a:effectRef idx="2">
+        <a:scrgbClr r="0" g="0" b="0"/>
+      </a:effectRef>
+      <a:fontRef idx="minor"/>
+    </dgm:style>
+  </dgm:styleLbl>
+  <dgm:styleLbl name="fgAcc4">
+    <dgm:scene3d>
+      <a:camera prst="orthographicFront"/>
+      <a:lightRig rig="threePt" dir="t"/>
+    </dgm:scene3d>
+    <dgm:sp3d/>
+    <dgm:txPr/>
+    <dgm:style>
+      <a:lnRef idx="1">
+        <a:scrgbClr r="0" g="0" b="0"/>
+      </a:lnRef>
+      <a:fillRef idx="1">
+        <a:scrgbClr r="0" g="0" b="0"/>
+      </a:fillRef>
+      <a:effectRef idx="2">
+        <a:scrgbClr r="0" g="0" b="0"/>
+      </a:effectRef>
+      <a:fontRef idx="minor"/>
+    </dgm:style>
+  </dgm:styleLbl>
+  <dgm:styleLbl name="bgShp">
+    <dgm:scene3d>
+      <a:camera prst="orthographicFront"/>
+      <a:lightRig rig="threePt" dir="t"/>
+    </dgm:scene3d>
+    <dgm:sp3d/>
+    <dgm:txPr/>
+    <dgm:style>
+      <a:lnRef idx="0">
+        <a:scrgbClr r="0" g="0" b="0"/>
+      </a:lnRef>
+      <a:fillRef idx="1">
+        <a:scrgbClr r="0" g="0" b="0"/>
+      </a:fillRef>
+      <a:effectRef idx="2">
+        <a:scrgbClr r="0" g="0" b="0"/>
+      </a:effectRef>
+      <a:fontRef idx="minor"/>
+    </dgm:style>
+  </dgm:styleLbl>
+  <dgm:styleLbl name="dkBgShp">
+    <dgm:scene3d>
+      <a:camera prst="orthographicFront"/>
+      <a:lightRig rig="threePt" dir="t"/>
+    </dgm:scene3d>
+    <dgm:sp3d/>
+    <dgm:txPr/>
+    <dgm:style>
+      <a:lnRef idx="0">
+        <a:scrgbClr r="0" g="0" b="0"/>
+      </a:lnRef>
+      <a:fillRef idx="1">
+        <a:scrgbClr r="0" g="0" b="0"/>
+      </a:fillRef>
+      <a:effectRef idx="3">
+        <a:scrgbClr r="0" g="0" b="0"/>
+      </a:effectRef>
+      <a:fontRef idx="minor"/>
+    </dgm:style>
+  </dgm:styleLbl>
+  <dgm:styleLbl name="trBgShp">
+    <dgm:scene3d>
+      <a:camera prst="orthographicFront"/>
+      <a:lightRig rig="threePt" dir="t"/>
+    </dgm:scene3d>
+    <dgm:sp3d/>
+    <dgm:txPr/>
+    <dgm:style>
+      <a:lnRef idx="0">
+        <a:scrgbClr r="0" g="0" b="0"/>
+      </a:lnRef>
+      <a:fillRef idx="1">
+        <a:scrgbClr r="0" g="0" b="0"/>
+      </a:fillRef>
+      <a:effectRef idx="0">
+        <a:scrgbClr r="0" g="0" b="0"/>
+      </a:effectRef>
+      <a:fontRef idx="minor"/>
+    </dgm:style>
+  </dgm:styleLbl>
+  <dgm:styleLbl name="fgShp">
+    <dgm:scene3d>
+      <a:camera prst="orthographicFront"/>
+      <a:lightRig rig="threePt" dir="t"/>
+    </dgm:scene3d>
+    <dgm:sp3d/>
+    <dgm:txPr/>
+    <dgm:style>
+      <a:lnRef idx="0">
+        <a:scrgbClr r="0" g="0" b="0"/>
+      </a:lnRef>
+      <a:fillRef idx="3">
+        <a:scrgbClr r="0" g="0" b="0"/>
+      </a:fillRef>
+      <a:effectRef idx="3">
+        <a:scrgbClr r="0" g="0" b="0"/>
+      </a:effectRef>
+      <a:fontRef idx="minor"/>
+    </dgm:style>
+  </dgm:styleLbl>
+  <dgm:styleLbl name="revTx">
+    <dgm:scene3d>
+      <a:camera prst="orthographicFront"/>
+      <a:lightRig rig="threePt" dir="t"/>
+    </dgm:scene3d>
+    <dgm:sp3d/>
+    <dgm:txPr/>
+    <dgm:style>
+      <a:lnRef idx="0">
+        <a:scrgbClr r="0" g="0" b="0"/>
+      </a:lnRef>
+      <a:fillRef idx="0">
+        <a:scrgbClr r="0" g="0" b="0"/>
+      </a:fillRef>
+      <a:effectRef idx="0">
+        <a:scrgbClr r="0" g="0" b="0"/>
+      </a:effectRef>
+      <a:fontRef idx="minor"/>
+    </dgm:style>
+  </dgm:styleLbl>
+</dgm:styleDef>
+</file>
+
+<file path=ppt/notesMasters/notesMaster1.xml><?xml version="1.0" encoding="utf-8"?>
+<p:notesMaster xmlns:a="http://schemas.openxmlformats.org/drawingml/2006/main" xmlns:r="http://schemas.openxmlformats.org/officeDocument/2006/relationships" xmlns:p="http://schemas.openxmlformats.org/presentationml/2006/main">
+  <p:cSld>
+    <p:bg>
+      <p:bgRef idx="1001">
+        <a:schemeClr val="bg1"/>
+      </p:bgRef>
+    </p:bg>
+    <p:spTree>
+      <p:nvGrpSpPr>
+        <p:cNvPr id="1" name=""/>
+        <p:cNvGrpSpPr/>
+        <p:nvPr/>
+      </p:nvGrpSpPr>
+      <p:grpSpPr>
+        <a:xfrm>
+          <a:off x="0" y="0"/>
+          <a:ext cx="0" cy="0"/>
+          <a:chOff x="0" y="0"/>
+          <a:chExt cx="0" cy="0"/>
+        </a:xfrm>
+      </p:grpSpPr>
+      <p:sp>
+        <p:nvSpPr>
+          <p:cNvPr id="2" name="Header Placeholder 1"/>
+          <p:cNvSpPr>
+            <a:spLocks noGrp="1"/>
+          </p:cNvSpPr>
+          <p:nvPr>
+            <p:ph type="hdr" sz="quarter"/>
+          </p:nvPr>
+        </p:nvSpPr>
+        <p:spPr>
+          <a:xfrm>
+            <a:off x="0" y="0"/>
+            <a:ext cx="2971800" cy="458788"/>
+          </a:xfrm>
+          <a:prstGeom prst="rect">
+            <a:avLst/>
+          </a:prstGeom>
+        </p:spPr>
+        <p:txBody>
+          <a:bodyPr vert="horz" lIns="91440" tIns="45720" rIns="91440" bIns="45720" rtlCol="0"/>
+          <a:lstStyle>
+            <a:lvl1pPr algn="l">
+              <a:defRPr sz="1200"/>
+            </a:lvl1pPr>
+          </a:lstStyle>
+          <a:p>
+            <a:endParaRPr lang="en-US"/>
+          </a:p>
+        </p:txBody>
+      </p:sp>
+      <p:sp>
+        <p:nvSpPr>
+          <p:cNvPr id="3" name="Date Placeholder 2"/>
+          <p:cNvSpPr>
+            <a:spLocks noGrp="1"/>
+          </p:cNvSpPr>
+          <p:nvPr>
+            <p:ph type="dt" idx="1"/>
+          </p:nvPr>
+        </p:nvSpPr>
+        <p:spPr>
+          <a:xfrm>
+            <a:off x="3884613" y="0"/>
+            <a:ext cx="2971800" cy="458788"/>
+          </a:xfrm>
+          <a:prstGeom prst="rect">
+            <a:avLst/>
+          </a:prstGeom>
+        </p:spPr>
+        <p:txBody>
+          <a:bodyPr vert="horz" lIns="91440" tIns="45720" rIns="91440" bIns="45720" rtlCol="0"/>
+          <a:lstStyle>
+            <a:lvl1pPr algn="r">
+              <a:defRPr sz="1200"/>
+            </a:lvl1pPr>
+          </a:lstStyle>
+          <a:p>
+            <a:fld id="{09B12E40-0808-42D7-B0B9-F6FC505832A3}" type="datetimeFigureOut">
+              <a:rPr lang="en-US" smtClean="0"/>
+              <a:t>1/29/2020</a:t>
+            </a:fld>
+            <a:endParaRPr lang="en-US"/>
+          </a:p>
+        </p:txBody>
+      </p:sp>
+      <p:sp>
+        <p:nvSpPr>
+          <p:cNvPr id="4" name="Slide Image Placeholder 3"/>
+          <p:cNvSpPr>
+            <a:spLocks noGrp="1" noRot="1" noChangeAspect="1"/>
+          </p:cNvSpPr>
+          <p:nvPr>
+            <p:ph type="sldImg" idx="2"/>
+          </p:nvPr>
+        </p:nvSpPr>
+        <p:spPr>
+          <a:xfrm>
+            <a:off x="685800" y="1143000"/>
+            <a:ext cx="5486400" cy="3086100"/>
+          </a:xfrm>
+          <a:prstGeom prst="rect">
+            <a:avLst/>
+          </a:prstGeom>
+          <a:noFill/>
+          <a:ln w="12700">
+            <a:solidFill>
+              <a:prstClr val="black"/>
+            </a:solidFill>
+          </a:ln>
+        </p:spPr>
+        <p:txBody>
+          <a:bodyPr vert="horz" lIns="91440" tIns="45720" rIns="91440" bIns="45720" rtlCol="0" anchor="ctr"/>
+          <a:lstStyle/>
+          <a:p>
+            <a:endParaRPr lang="en-US"/>
+          </a:p>
+        </p:txBody>
+      </p:sp>
+      <p:sp>
+        <p:nvSpPr>
+          <p:cNvPr id="5" name="Notes Placeholder 4"/>
+          <p:cNvSpPr>
+            <a:spLocks noGrp="1"/>
+          </p:cNvSpPr>
+          <p:nvPr>
+            <p:ph type="body" sz="quarter" idx="3"/>
+          </p:nvPr>
+        </p:nvSpPr>
+        <p:spPr>
+          <a:xfrm>
+            <a:off x="685800" y="4400550"/>
+            <a:ext cx="5486400" cy="3600450"/>
+          </a:xfrm>
+          <a:prstGeom prst="rect">
+            <a:avLst/>
+          </a:prstGeom>
+        </p:spPr>
+        <p:txBody>
+          <a:bodyPr vert="horz" lIns="91440" tIns="45720" rIns="91440" bIns="45720" rtlCol="0"/>
+          <a:lstStyle/>
+          <a:p>
+            <a:pPr lvl="0"/>
+            <a:r>
+              <a:rPr lang="en-US"/>
+              <a:t>Click to edit Master text styles</a:t>
+            </a:r>
+          </a:p>
+          <a:p>
+            <a:pPr lvl="1"/>
+            <a:r>
+              <a:rPr lang="en-US"/>
+              <a:t>Second level</a:t>
+            </a:r>
+          </a:p>
+          <a:p>
+            <a:pPr lvl="2"/>
+            <a:r>
+              <a:rPr lang="en-US"/>
+              <a:t>Third level</a:t>
+            </a:r>
+          </a:p>
+          <a:p>
+            <a:pPr lvl="3"/>
+            <a:r>
+              <a:rPr lang="en-US"/>
+              <a:t>Fourth level</a:t>
+            </a:r>
+          </a:p>
+          <a:p>
+            <a:pPr lvl="4"/>
+            <a:r>
+              <a:rPr lang="en-US"/>
+              <a:t>Fifth level</a:t>
+            </a:r>
+          </a:p>
+        </p:txBody>
+      </p:sp>
+      <p:sp>
+        <p:nvSpPr>
+          <p:cNvPr id="6" name="Footer Placeholder 5"/>
+          <p:cNvSpPr>
+            <a:spLocks noGrp="1"/>
+          </p:cNvSpPr>
+          <p:nvPr>
+            <p:ph type="ftr" sz="quarter" idx="4"/>
+          </p:nvPr>
+        </p:nvSpPr>
+        <p:spPr>
+          <a:xfrm>
+            <a:off x="0" y="8685213"/>
+            <a:ext cx="2971800" cy="458787"/>
+          </a:xfrm>
+          <a:prstGeom prst="rect">
+            <a:avLst/>
+          </a:prstGeom>
+        </p:spPr>
+        <p:txBody>
+          <a:bodyPr vert="horz" lIns="91440" tIns="45720" rIns="91440" bIns="45720" rtlCol="0" anchor="b"/>
+          <a:lstStyle>
+            <a:lvl1pPr algn="l">
+              <a:defRPr sz="1200"/>
+            </a:lvl1pPr>
+          </a:lstStyle>
+          <a:p>
+            <a:endParaRPr lang="en-US"/>
+          </a:p>
+        </p:txBody>
+      </p:sp>
+      <p:sp>
+        <p:nvSpPr>
+          <p:cNvPr id="7" name="Slide Number Placeholder 6"/>
+          <p:cNvSpPr>
+            <a:spLocks noGrp="1"/>
+          </p:cNvSpPr>
+          <p:nvPr>
+            <p:ph type="sldNum" sz="quarter" idx="5"/>
+          </p:nvPr>
+        </p:nvSpPr>
+        <p:spPr>
+          <a:xfrm>
+            <a:off x="3884613" y="8685213"/>
+            <a:ext cx="2971800" cy="458787"/>
+          </a:xfrm>
+          <a:prstGeom prst="rect">
+            <a:avLst/>
+          </a:prstGeom>
+        </p:spPr>
+        <p:txBody>
+          <a:bodyPr vert="horz" lIns="91440" tIns="45720" rIns="91440" bIns="45720" rtlCol="0" anchor="b"/>
+          <a:lstStyle>
+            <a:lvl1pPr algn="r">
+              <a:defRPr sz="1200"/>
+            </a:lvl1pPr>
+          </a:lstStyle>
+          <a:p>
+            <a:fld id="{BAB621AC-7F6D-4100-88E3-7B288E0B79A4}" type="slidenum">
+              <a:rPr lang="en-US" smtClean="0"/>
+              <a:t>‹#›</a:t>
+            </a:fld>
+            <a:endParaRPr lang="en-US"/>
+          </a:p>
+        </p:txBody>
+      </p:sp>
+    </p:spTree>
+    <p:extLst>
+      <p:ext uri="{BB962C8B-B14F-4D97-AF65-F5344CB8AC3E}">
+        <p14:creationId xmlns:p14="http://schemas.microsoft.com/office/powerpoint/2010/main" val="1224785052"/>
+      </p:ext>
+    </p:extLst>
+  </p:cSld>
+  <p:clrMap bg1="lt1" tx1="dk1" bg2="lt2" tx2="dk2" accent1="accent1" accent2="accent2" accent3="accent3" accent4="accent4" accent5="accent5" accent6="accent6" hlink="hlink" folHlink="folHlink"/>
+  <p:notesStyle>
+    <a:lvl1pPr marL="0" algn="l" defTabSz="914400" rtl="0" eaLnBrk="1" latinLnBrk="0" hangingPunct="1">
+      <a:defRPr sz="1200" kern="1200">
+        <a:solidFill>
+          <a:schemeClr val="tx1"/>
+        </a:solidFill>
+        <a:latin typeface="+mn-lt"/>
+        <a:ea typeface="+mn-ea"/>
+        <a:cs typeface="+mn-cs"/>
+      </a:defRPr>
+    </a:lvl1pPr>
+    <a:lvl2pPr marL="457200" algn="l" defTabSz="914400" rtl="0" eaLnBrk="1" latinLnBrk="0" hangingPunct="1">
+      <a:defRPr sz="1200" kern="1200">
+        <a:solidFill>
+          <a:schemeClr val="tx1"/>
+        </a:solidFill>
+        <a:latin typeface="+mn-lt"/>
+        <a:ea typeface="+mn-ea"/>
+        <a:cs typeface="+mn-cs"/>
+      </a:defRPr>
+    </a:lvl2pPr>
+    <a:lvl3pPr marL="914400" algn="l" defTabSz="914400" rtl="0" eaLnBrk="1" latinLnBrk="0" hangingPunct="1">
+      <a:defRPr sz="1200" kern="1200">
+        <a:solidFill>
+          <a:schemeClr val="tx1"/>
+        </a:solidFill>
+        <a:latin typeface="+mn-lt"/>
+        <a:ea typeface="+mn-ea"/>
+        <a:cs typeface="+mn-cs"/>
+      </a:defRPr>
+    </a:lvl3pPr>
+    <a:lvl4pPr marL="1371600" algn="l" defTabSz="914400" rtl="0" eaLnBrk="1" latinLnBrk="0" hangingPunct="1">
+      <a:defRPr sz="1200" kern="1200">
+        <a:solidFill>
+          <a:schemeClr val="tx1"/>
+        </a:solidFill>
+        <a:latin typeface="+mn-lt"/>
+        <a:ea typeface="+mn-ea"/>
+        <a:cs typeface="+mn-cs"/>
+      </a:defRPr>
+    </a:lvl4pPr>
+    <a:lvl5pPr marL="1828800" algn="l" defTabSz="914400" rtl="0" eaLnBrk="1" latinLnBrk="0" hangingPunct="1">
+      <a:defRPr sz="1200" kern="1200">
+        <a:solidFill>
+          <a:schemeClr val="tx1"/>
+        </a:solidFill>
+        <a:latin typeface="+mn-lt"/>
+        <a:ea typeface="+mn-ea"/>
+        <a:cs typeface="+mn-cs"/>
+      </a:defRPr>
+    </a:lvl5pPr>
+    <a:lvl6pPr marL="2286000" algn="l" defTabSz="914400" rtl="0" eaLnBrk="1" latinLnBrk="0" hangingPunct="1">
+      <a:defRPr sz="1200" kern="1200">
+        <a:solidFill>
+          <a:schemeClr val="tx1"/>
+        </a:solidFill>
+        <a:latin typeface="+mn-lt"/>
+        <a:ea typeface="+mn-ea"/>
+        <a:cs typeface="+mn-cs"/>
+      </a:defRPr>
+    </a:lvl6pPr>
+    <a:lvl7pPr marL="2743200" algn="l" defTabSz="914400" rtl="0" eaLnBrk="1" latinLnBrk="0" hangingPunct="1">
+      <a:defRPr sz="1200" kern="1200">
+        <a:solidFill>
+          <a:schemeClr val="tx1"/>
+        </a:solidFill>
+        <a:latin typeface="+mn-lt"/>
+        <a:ea typeface="+mn-ea"/>
+        <a:cs typeface="+mn-cs"/>
+      </a:defRPr>
+    </a:lvl7pPr>
+    <a:lvl8pPr marL="3200400" algn="l" defTabSz="914400" rtl="0" eaLnBrk="1" latinLnBrk="0" hangingPunct="1">
+      <a:defRPr sz="1200" kern="1200">
+        <a:solidFill>
+          <a:schemeClr val="tx1"/>
+        </a:solidFill>
+        <a:latin typeface="+mn-lt"/>
+        <a:ea typeface="+mn-ea"/>
+        <a:cs typeface="+mn-cs"/>
+      </a:defRPr>
+    </a:lvl8pPr>
+    <a:lvl9pPr marL="3657600" algn="l" defTabSz="914400" rtl="0" eaLnBrk="1" latinLnBrk="0" hangingPunct="1">
+      <a:defRPr sz="1200" kern="1200">
+        <a:solidFill>
+          <a:schemeClr val="tx1"/>
+        </a:solidFill>
+        <a:latin typeface="+mn-lt"/>
+        <a:ea typeface="+mn-ea"/>
+        <a:cs typeface="+mn-cs"/>
+      </a:defRPr>
+    </a:lvl9pPr>
+  </p:notesStyle>
+</p:notesMaster>
+</file>
+
+<file path=ppt/notesSlides/notesSlide1.xml><?xml version="1.0" encoding="utf-8"?>
+<p:notes xmlns:a="http://schemas.openxmlformats.org/drawingml/2006/main" xmlns:r="http://schemas.openxmlformats.org/officeDocument/2006/relationships" xmlns:p="http://schemas.openxmlformats.org/presentationml/2006/main">
+  <p:cSld>
+    <p:spTree>
+      <p:nvGrpSpPr>
+        <p:cNvPr id="1" name=""/>
+        <p:cNvGrpSpPr/>
+        <p:nvPr/>
+      </p:nvGrpSpPr>
+      <p:grpSpPr>
+        <a:xfrm>
+          <a:off x="0" y="0"/>
+          <a:ext cx="0" cy="0"/>
+          <a:chOff x="0" y="0"/>
+          <a:chExt cx="0" cy="0"/>
+        </a:xfrm>
+      </p:grpSpPr>
+      <p:sp>
+        <p:nvSpPr>
+          <p:cNvPr id="2" name="Slide Image Placeholder 1"/>
+          <p:cNvSpPr>
+            <a:spLocks noGrp="1" noRot="1" noChangeAspect="1"/>
+          </p:cNvSpPr>
+          <p:nvPr>
+            <p:ph type="sldImg"/>
+          </p:nvPr>
+        </p:nvSpPr>
+        <p:spPr/>
+      </p:sp>
+      <p:sp>
+        <p:nvSpPr>
+          <p:cNvPr id="3" name="Notes Placeholder 2"/>
+          <p:cNvSpPr>
+            <a:spLocks noGrp="1"/>
+          </p:cNvSpPr>
+          <p:nvPr>
+            <p:ph type="body" idx="1"/>
+          </p:nvPr>
+        </p:nvSpPr>
+        <p:spPr/>
+        <p:txBody>
+          <a:bodyPr/>
+          <a:lstStyle/>
+          <a:p>
+            <a:r>
+              <a:rPr lang="en-US" dirty="0"/>
+              <a:t>Requirements:</a:t>
+            </a:r>
+            <a:br>
+              <a:rPr lang="en-US" dirty="0"/>
+            </a:br>
+            <a:r>
+              <a:rPr lang="en-US" sz="1200" b="0" kern="1200" dirty="0">
+                <a:solidFill>
+                  <a:schemeClr val="tx1"/>
+                </a:solidFill>
+                <a:effectLst/>
+                <a:latin typeface="+mn-lt"/>
+                <a:ea typeface="+mn-ea"/>
+                <a:cs typeface="+mn-cs"/>
+              </a:rPr>
+              <a:t>* Title Slide</a:t>
+            </a:r>
+            <a:br>
+              <a:rPr lang="en-US" sz="1200" b="0" kern="1200" dirty="0">
+                <a:solidFill>
+                  <a:schemeClr val="tx1"/>
+                </a:solidFill>
+                <a:effectLst/>
+                <a:latin typeface="+mn-lt"/>
+                <a:ea typeface="+mn-ea"/>
+                <a:cs typeface="+mn-cs"/>
+              </a:rPr>
+            </a:br>
+            <a:r>
+              <a:rPr lang="en-US" sz="1200" b="0" kern="1200" dirty="0">
+                <a:solidFill>
+                  <a:schemeClr val="tx1"/>
+                </a:solidFill>
+                <a:effectLst/>
+                <a:latin typeface="+mn-lt"/>
+                <a:ea typeface="+mn-ea"/>
+                <a:cs typeface="+mn-cs"/>
+              </a:rPr>
+              <a:t>  * Include the name of the Project and Group Members</a:t>
+            </a:r>
+          </a:p>
+          <a:p>
+            <a:endParaRPr lang="en-US" dirty="0"/>
+          </a:p>
+        </p:txBody>
+      </p:sp>
+      <p:sp>
+        <p:nvSpPr>
+          <p:cNvPr id="4" name="Slide Number Placeholder 3"/>
+          <p:cNvSpPr>
+            <a:spLocks noGrp="1"/>
+          </p:cNvSpPr>
+          <p:nvPr>
+            <p:ph type="sldNum" sz="quarter" idx="5"/>
+          </p:nvPr>
+        </p:nvSpPr>
+        <p:spPr/>
+        <p:txBody>
+          <a:bodyPr/>
+          <a:lstStyle/>
+          <a:p>
+            <a:fld id="{BAB621AC-7F6D-4100-88E3-7B288E0B79A4}" type="slidenum">
+              <a:rPr lang="en-US" smtClean="0"/>
+              <a:t>1</a:t>
+            </a:fld>
+            <a:endParaRPr lang="en-US"/>
+          </a:p>
+        </p:txBody>
+      </p:sp>
+    </p:spTree>
+    <p:extLst>
+      <p:ext uri="{BB962C8B-B14F-4D97-AF65-F5344CB8AC3E}">
+        <p14:creationId xmlns:p14="http://schemas.microsoft.com/office/powerpoint/2010/main" val="385927584"/>
+      </p:ext>
+    </p:extLst>
+  </p:cSld>
+  <p:clrMapOvr>
+    <a:masterClrMapping/>
+  </p:clrMapOvr>
+</p:notes>
+</file>
+
+<file path=ppt/notesSlides/notesSlide2.xml><?xml version="1.0" encoding="utf-8"?>
+<p:notes xmlns:a="http://schemas.openxmlformats.org/drawingml/2006/main" xmlns:r="http://schemas.openxmlformats.org/officeDocument/2006/relationships" xmlns:p="http://schemas.openxmlformats.org/presentationml/2006/main">
+  <p:cSld>
+    <p:spTree>
+      <p:nvGrpSpPr>
+        <p:cNvPr id="1" name=""/>
+        <p:cNvGrpSpPr/>
+        <p:nvPr/>
+      </p:nvGrpSpPr>
+      <p:grpSpPr>
+        <a:xfrm>
+          <a:off x="0" y="0"/>
+          <a:ext cx="0" cy="0"/>
+          <a:chOff x="0" y="0"/>
+          <a:chExt cx="0" cy="0"/>
+        </a:xfrm>
+      </p:grpSpPr>
+      <p:sp>
+        <p:nvSpPr>
+          <p:cNvPr id="2" name="Slide Image Placeholder 1"/>
+          <p:cNvSpPr>
+            <a:spLocks noGrp="1" noRot="1" noChangeAspect="1"/>
+          </p:cNvSpPr>
+          <p:nvPr>
+            <p:ph type="sldImg"/>
+          </p:nvPr>
+        </p:nvSpPr>
+        <p:spPr/>
+      </p:sp>
+      <p:sp>
+        <p:nvSpPr>
+          <p:cNvPr id="3" name="Notes Placeholder 2"/>
+          <p:cNvSpPr>
+            <a:spLocks noGrp="1"/>
+          </p:cNvSpPr>
+          <p:nvPr>
+            <p:ph type="body" idx="1"/>
+          </p:nvPr>
+        </p:nvSpPr>
+        <p:spPr/>
+        <p:txBody>
+          <a:bodyPr/>
+          <a:lstStyle/>
+          <a:p>
+            <a:r>
+              <a:rPr lang="en-US" sz="1200" b="0" kern="1200" dirty="0">
+                <a:solidFill>
+                  <a:schemeClr val="tx1"/>
+                </a:solidFill>
+                <a:effectLst/>
+                <a:latin typeface="+mn-lt"/>
+                <a:ea typeface="+mn-ea"/>
+                <a:cs typeface="+mn-cs"/>
+              </a:rPr>
+              <a:t>* Motivation &amp; Summary Slide Requirements</a:t>
+            </a:r>
+          </a:p>
+          <a:p>
+            <a:r>
+              <a:rPr lang="en-US" sz="1200" b="0" kern="1200" dirty="0">
+                <a:solidFill>
+                  <a:schemeClr val="tx1"/>
+                </a:solidFill>
+                <a:effectLst/>
+                <a:latin typeface="+mn-lt"/>
+                <a:ea typeface="+mn-ea"/>
+                <a:cs typeface="+mn-cs"/>
+              </a:rPr>
+              <a:t>  * Define the core message or hypothesis of your project.</a:t>
+            </a:r>
+          </a:p>
+          <a:p>
+            <a:r>
+              <a:rPr lang="en-US" sz="1200" b="0" kern="1200" dirty="0">
+                <a:solidFill>
+                  <a:schemeClr val="tx1"/>
+                </a:solidFill>
+                <a:effectLst/>
+                <a:latin typeface="+mn-lt"/>
+                <a:ea typeface="+mn-ea"/>
+                <a:cs typeface="+mn-cs"/>
+              </a:rPr>
+              <a:t>  * Describe the questions you asked, and </a:t>
+            </a:r>
+            <a:r>
+              <a:rPr lang="en-US" sz="1200" b="0" i="1" kern="1200" dirty="0">
+                <a:solidFill>
+                  <a:schemeClr val="tx1"/>
+                </a:solidFill>
+                <a:effectLst/>
+                <a:latin typeface="+mn-lt"/>
+                <a:ea typeface="+mn-ea"/>
+                <a:cs typeface="+mn-cs"/>
+              </a:rPr>
+              <a:t>_why_</a:t>
+            </a:r>
+            <a:r>
+              <a:rPr lang="en-US" sz="1200" b="0" kern="1200" dirty="0">
+                <a:solidFill>
+                  <a:schemeClr val="tx1"/>
+                </a:solidFill>
+                <a:effectLst/>
+                <a:latin typeface="+mn-lt"/>
+                <a:ea typeface="+mn-ea"/>
+                <a:cs typeface="+mn-cs"/>
+              </a:rPr>
+              <a:t> you asked them</a:t>
+            </a:r>
+          </a:p>
+          <a:p>
+            <a:r>
+              <a:rPr lang="en-US" sz="1200" b="0" kern="1200" dirty="0">
+                <a:solidFill>
+                  <a:schemeClr val="tx1"/>
+                </a:solidFill>
+                <a:effectLst/>
+                <a:latin typeface="+mn-lt"/>
+                <a:ea typeface="+mn-ea"/>
+                <a:cs typeface="+mn-cs"/>
+              </a:rPr>
+              <a:t>  * Describe whether you were able to answer these questions to your satisfaction, and briefly summarize your findings</a:t>
+            </a:r>
+          </a:p>
+          <a:p>
+            <a:endParaRPr lang="en-US" dirty="0"/>
+          </a:p>
+          <a:p>
+            <a:r>
+              <a:rPr lang="en-US" dirty="0"/>
+              <a:t>This hypothesis still needs work. Dan said it didn’t make sense.</a:t>
+            </a:r>
+          </a:p>
+          <a:p>
+            <a:r>
+              <a:rPr lang="en-US" dirty="0"/>
+              <a:t>*Presentation tip: We need to explain in this slide what exactly our purpose for choosing this hypothesis we’re questioning. Overall from what we’ve talked about we’re doing it to just figure out what is a good wine and where we can get it from. </a:t>
+            </a:r>
+          </a:p>
+        </p:txBody>
+      </p:sp>
+      <p:sp>
+        <p:nvSpPr>
+          <p:cNvPr id="4" name="Slide Number Placeholder 3"/>
+          <p:cNvSpPr>
+            <a:spLocks noGrp="1"/>
+          </p:cNvSpPr>
+          <p:nvPr>
+            <p:ph type="sldNum" sz="quarter" idx="5"/>
+          </p:nvPr>
+        </p:nvSpPr>
+        <p:spPr/>
+        <p:txBody>
+          <a:bodyPr/>
+          <a:lstStyle/>
+          <a:p>
+            <a:fld id="{BAB621AC-7F6D-4100-88E3-7B288E0B79A4}" type="slidenum">
+              <a:rPr lang="en-US" smtClean="0"/>
+              <a:t>2</a:t>
+            </a:fld>
+            <a:endParaRPr lang="en-US"/>
+          </a:p>
+        </p:txBody>
+      </p:sp>
+    </p:spTree>
+    <p:extLst>
+      <p:ext uri="{BB962C8B-B14F-4D97-AF65-F5344CB8AC3E}">
+        <p14:creationId xmlns:p14="http://schemas.microsoft.com/office/powerpoint/2010/main" val="609730590"/>
+      </p:ext>
+    </p:extLst>
+  </p:cSld>
+  <p:clrMapOvr>
+    <a:masterClrMapping/>
+  </p:clrMapOvr>
+</p:notes>
+</file>
+
+<file path=ppt/notesSlides/notesSlide3.xml><?xml version="1.0" encoding="utf-8"?>
+<p:notes xmlns:a="http://schemas.openxmlformats.org/drawingml/2006/main" xmlns:r="http://schemas.openxmlformats.org/officeDocument/2006/relationships" xmlns:p="http://schemas.openxmlformats.org/presentationml/2006/main">
+  <p:cSld>
+    <p:spTree>
+      <p:nvGrpSpPr>
+        <p:cNvPr id="1" name=""/>
+        <p:cNvGrpSpPr/>
+        <p:nvPr/>
+      </p:nvGrpSpPr>
+      <p:grpSpPr>
+        <a:xfrm>
+          <a:off x="0" y="0"/>
+          <a:ext cx="0" cy="0"/>
+          <a:chOff x="0" y="0"/>
+          <a:chExt cx="0" cy="0"/>
+        </a:xfrm>
+      </p:grpSpPr>
+      <p:sp>
+        <p:nvSpPr>
+          <p:cNvPr id="2" name="Slide Image Placeholder 1"/>
+          <p:cNvSpPr>
+            <a:spLocks noGrp="1" noRot="1" noChangeAspect="1"/>
+          </p:cNvSpPr>
+          <p:nvPr>
+            <p:ph type="sldImg"/>
+          </p:nvPr>
+        </p:nvSpPr>
+        <p:spPr/>
+      </p:sp>
+      <p:sp>
+        <p:nvSpPr>
+          <p:cNvPr id="3" name="Notes Placeholder 2"/>
+          <p:cNvSpPr>
+            <a:spLocks noGrp="1"/>
+          </p:cNvSpPr>
+          <p:nvPr>
+            <p:ph type="body" idx="1"/>
+          </p:nvPr>
+        </p:nvSpPr>
+        <p:spPr/>
+        <p:txBody>
+          <a:bodyPr/>
+          <a:lstStyle/>
+          <a:p>
+            <a:r>
+              <a:rPr lang="en-US" sz="1200" kern="1200" dirty="0">
+                <a:solidFill>
+                  <a:schemeClr val="tx1"/>
+                </a:solidFill>
+                <a:effectLst/>
+                <a:latin typeface="+mn-lt"/>
+                <a:ea typeface="+mn-ea"/>
+                <a:cs typeface="+mn-cs"/>
+              </a:rPr>
+              <a:t>*Describe the questions you asked, and </a:t>
+            </a:r>
+            <a:r>
+              <a:rPr lang="en-US" sz="1200" i="1" kern="1200" dirty="0">
+                <a:solidFill>
+                  <a:schemeClr val="tx1"/>
+                </a:solidFill>
+                <a:effectLst/>
+                <a:latin typeface="+mn-lt"/>
+                <a:ea typeface="+mn-ea"/>
+                <a:cs typeface="+mn-cs"/>
+              </a:rPr>
+              <a:t>_why_</a:t>
+            </a:r>
+            <a:r>
+              <a:rPr lang="en-US" sz="1200" kern="1200" dirty="0">
+                <a:solidFill>
+                  <a:schemeClr val="tx1"/>
+                </a:solidFill>
+                <a:effectLst/>
+                <a:latin typeface="+mn-lt"/>
+                <a:ea typeface="+mn-ea"/>
+                <a:cs typeface="+mn-cs"/>
+              </a:rPr>
+              <a:t> you asked them</a:t>
+            </a:r>
+          </a:p>
+          <a:p>
+            <a:r>
+              <a:rPr lang="en-US" sz="1200" kern="1200" dirty="0">
+                <a:solidFill>
+                  <a:schemeClr val="tx1"/>
+                </a:solidFill>
+                <a:effectLst/>
+                <a:latin typeface="+mn-lt"/>
+                <a:ea typeface="+mn-ea"/>
+                <a:cs typeface="+mn-cs"/>
+              </a:rPr>
+              <a:t>-in the data set the purpose of the expert wine tasters is to give you their opinion/rating on how good the wine is. For someone that has never really explored that realm how to you exactly measure that. </a:t>
+            </a:r>
+          </a:p>
+          <a:p>
+            <a:r>
+              <a:rPr lang="en-US" sz="1200" kern="1200" dirty="0">
+                <a:solidFill>
+                  <a:schemeClr val="tx1"/>
+                </a:solidFill>
+                <a:effectLst/>
+                <a:latin typeface="+mn-lt"/>
+                <a:ea typeface="+mn-ea"/>
+                <a:cs typeface="+mn-cs"/>
+              </a:rPr>
+              <a:t>-used data metric and used our own metric</a:t>
+            </a:r>
+          </a:p>
+          <a:p>
+            <a:r>
+              <a:rPr lang="en-US" sz="1200" kern="1200" dirty="0">
+                <a:solidFill>
+                  <a:schemeClr val="tx1"/>
+                </a:solidFill>
+                <a:effectLst/>
+                <a:latin typeface="+mn-lt"/>
+                <a:ea typeface="+mn-ea"/>
+                <a:cs typeface="+mn-cs"/>
+              </a:rPr>
+              <a:t>  * Describe whether you were able to answer these questions to your satisfaction, and briefly summarize your findings</a:t>
+            </a:r>
+          </a:p>
+          <a:p>
+            <a:r>
+              <a:rPr lang="en-US" sz="1200" kern="1200" dirty="0">
+                <a:solidFill>
+                  <a:schemeClr val="tx1"/>
+                </a:solidFill>
+                <a:effectLst/>
+                <a:latin typeface="+mn-lt"/>
+                <a:ea typeface="+mn-ea"/>
+                <a:cs typeface="+mn-cs"/>
+              </a:rPr>
+              <a:t>-We were able to answer these questions. Not entirely satisfactory because more can always be done and added. We found out….</a:t>
+            </a:r>
+          </a:p>
+          <a:p>
+            <a:endParaRPr lang="en-US" dirty="0"/>
+          </a:p>
+        </p:txBody>
+      </p:sp>
+      <p:sp>
+        <p:nvSpPr>
+          <p:cNvPr id="4" name="Slide Number Placeholder 3"/>
+          <p:cNvSpPr>
+            <a:spLocks noGrp="1"/>
+          </p:cNvSpPr>
+          <p:nvPr>
+            <p:ph type="sldNum" sz="quarter" idx="5"/>
+          </p:nvPr>
+        </p:nvSpPr>
+        <p:spPr/>
+        <p:txBody>
+          <a:bodyPr/>
+          <a:lstStyle/>
+          <a:p>
+            <a:fld id="{BAB621AC-7F6D-4100-88E3-7B288E0B79A4}" type="slidenum">
+              <a:rPr lang="en-US" smtClean="0"/>
+              <a:t>3</a:t>
+            </a:fld>
+            <a:endParaRPr lang="en-US"/>
+          </a:p>
+        </p:txBody>
+      </p:sp>
+    </p:spTree>
+    <p:extLst>
+      <p:ext uri="{BB962C8B-B14F-4D97-AF65-F5344CB8AC3E}">
+        <p14:creationId xmlns:p14="http://schemas.microsoft.com/office/powerpoint/2010/main" val="2267763865"/>
+      </p:ext>
+    </p:extLst>
+  </p:cSld>
+  <p:clrMapOvr>
+    <a:masterClrMapping/>
+  </p:clrMapOvr>
+</p:notes>
+</file>
+
+<file path=ppt/notesSlides/notesSlide4.xml><?xml version="1.0" encoding="utf-8"?>
+<p:notes xmlns:a="http://schemas.openxmlformats.org/drawingml/2006/main" xmlns:r="http://schemas.openxmlformats.org/officeDocument/2006/relationships" xmlns:p="http://schemas.openxmlformats.org/presentationml/2006/main">
+  <p:cSld>
+    <p:spTree>
+      <p:nvGrpSpPr>
+        <p:cNvPr id="1" name=""/>
+        <p:cNvGrpSpPr/>
+        <p:nvPr/>
+      </p:nvGrpSpPr>
+      <p:grpSpPr>
+        <a:xfrm>
+          <a:off x="0" y="0"/>
+          <a:ext cx="0" cy="0"/>
+          <a:chOff x="0" y="0"/>
+          <a:chExt cx="0" cy="0"/>
+        </a:xfrm>
+      </p:grpSpPr>
+      <p:sp>
+        <p:nvSpPr>
+          <p:cNvPr id="2" name="Slide Image Placeholder 1"/>
+          <p:cNvSpPr>
+            <a:spLocks noGrp="1" noRot="1" noChangeAspect="1"/>
+          </p:cNvSpPr>
+          <p:nvPr>
+            <p:ph type="sldImg"/>
+          </p:nvPr>
+        </p:nvSpPr>
+        <p:spPr/>
+      </p:sp>
+      <p:sp>
+        <p:nvSpPr>
+          <p:cNvPr id="3" name="Notes Placeholder 2"/>
+          <p:cNvSpPr>
+            <a:spLocks noGrp="1"/>
+          </p:cNvSpPr>
+          <p:nvPr>
+            <p:ph type="body" idx="1"/>
+          </p:nvPr>
+        </p:nvSpPr>
+        <p:spPr/>
+        <p:txBody>
+          <a:bodyPr/>
+          <a:lstStyle/>
+          <a:p>
+            <a:r>
+              <a:rPr lang="en-US" sz="1200" kern="1200" dirty="0">
+                <a:solidFill>
+                  <a:schemeClr val="tx1"/>
+                </a:solidFill>
+                <a:effectLst/>
+                <a:latin typeface="+mn-lt"/>
+                <a:ea typeface="+mn-ea"/>
+                <a:cs typeface="+mn-cs"/>
+              </a:rPr>
+              <a:t>* Elaborate on the questions you asked, describing what kinds of data you needed to answer them, and where you found it</a:t>
+            </a:r>
+          </a:p>
+          <a:p>
+            <a:r>
+              <a:rPr lang="en-US" sz="1200" kern="1200" dirty="0">
+                <a:solidFill>
+                  <a:schemeClr val="tx1"/>
+                </a:solidFill>
+                <a:effectLst/>
+                <a:latin typeface="+mn-lt"/>
+                <a:ea typeface="+mn-ea"/>
+                <a:cs typeface="+mn-cs"/>
+              </a:rPr>
+              <a:t>-These are the more narrowed down questions we asked to help answer the broader questions within motivation and summary. </a:t>
+            </a:r>
+            <a:endParaRPr lang="en-US" dirty="0"/>
+          </a:p>
+        </p:txBody>
+      </p:sp>
+      <p:sp>
+        <p:nvSpPr>
+          <p:cNvPr id="4" name="Slide Number Placeholder 3"/>
+          <p:cNvSpPr>
+            <a:spLocks noGrp="1"/>
+          </p:cNvSpPr>
+          <p:nvPr>
+            <p:ph type="sldNum" sz="quarter" idx="5"/>
+          </p:nvPr>
+        </p:nvSpPr>
+        <p:spPr/>
+        <p:txBody>
+          <a:bodyPr/>
+          <a:lstStyle/>
+          <a:p>
+            <a:fld id="{BAB621AC-7F6D-4100-88E3-7B288E0B79A4}" type="slidenum">
+              <a:rPr lang="en-US" smtClean="0"/>
+              <a:t>4</a:t>
+            </a:fld>
+            <a:endParaRPr lang="en-US"/>
+          </a:p>
+        </p:txBody>
+      </p:sp>
+    </p:spTree>
+    <p:extLst>
+      <p:ext uri="{BB962C8B-B14F-4D97-AF65-F5344CB8AC3E}">
+        <p14:creationId xmlns:p14="http://schemas.microsoft.com/office/powerpoint/2010/main" val="3065568247"/>
+      </p:ext>
+    </p:extLst>
+  </p:cSld>
+  <p:clrMapOvr>
+    <a:masterClrMapping/>
+  </p:clrMapOvr>
+</p:notes>
+</file>
+
+<file path=ppt/notesSlides/notesSlide5.xml><?xml version="1.0" encoding="utf-8"?>
+<p:notes xmlns:a="http://schemas.openxmlformats.org/drawingml/2006/main" xmlns:r="http://schemas.openxmlformats.org/officeDocument/2006/relationships" xmlns:p="http://schemas.openxmlformats.org/presentationml/2006/main">
+  <p:cSld>
+    <p:spTree>
+      <p:nvGrpSpPr>
+        <p:cNvPr id="1" name=""/>
+        <p:cNvGrpSpPr/>
+        <p:nvPr/>
+      </p:nvGrpSpPr>
+      <p:grpSpPr>
+        <a:xfrm>
+          <a:off x="0" y="0"/>
+          <a:ext cx="0" cy="0"/>
+          <a:chOff x="0" y="0"/>
+          <a:chExt cx="0" cy="0"/>
+        </a:xfrm>
+      </p:grpSpPr>
+      <p:sp>
+        <p:nvSpPr>
+          <p:cNvPr id="2" name="Slide Image Placeholder 1"/>
+          <p:cNvSpPr>
+            <a:spLocks noGrp="1" noRot="1" noChangeAspect="1"/>
+          </p:cNvSpPr>
+          <p:nvPr>
+            <p:ph type="sldImg"/>
+          </p:nvPr>
+        </p:nvSpPr>
+        <p:spPr/>
+      </p:sp>
+      <p:sp>
+        <p:nvSpPr>
+          <p:cNvPr id="3" name="Notes Placeholder 2"/>
+          <p:cNvSpPr>
+            <a:spLocks noGrp="1"/>
+          </p:cNvSpPr>
+          <p:nvPr>
+            <p:ph type="body" idx="1"/>
+          </p:nvPr>
+        </p:nvSpPr>
+        <p:spPr/>
+        <p:txBody>
+          <a:bodyPr/>
+          <a:lstStyle/>
+          <a:p>
+            <a:r>
+              <a:rPr lang="en-US" i="1" dirty="0"/>
+              <a:t>*Describe the exploration and cleanup process</a:t>
+            </a:r>
+          </a:p>
+          <a:p>
+            <a:r>
+              <a:rPr lang="en-US" i="1" dirty="0"/>
+              <a:t>*Discuss insights you had while exploring the data that you didn't anticipate</a:t>
+            </a:r>
+          </a:p>
+          <a:p>
+            <a:r>
+              <a:rPr lang="en-US" i="1" dirty="0"/>
+              <a:t>*Discuss any problems that arose after exploring the data, and how you resolved them</a:t>
+            </a:r>
+          </a:p>
+          <a:p>
+            <a:r>
+              <a:rPr lang="en-US" i="1" dirty="0"/>
+              <a:t>*Present and discuss interesting figures developed during exploration, ideally with the help of </a:t>
+            </a:r>
+            <a:r>
+              <a:rPr lang="en-US" i="1" dirty="0" err="1"/>
+              <a:t>Jupyter</a:t>
+            </a:r>
+            <a:r>
+              <a:rPr lang="en-US" i="1" dirty="0"/>
+              <a:t> Notebook</a:t>
+            </a:r>
+          </a:p>
+          <a:p>
+            <a:endParaRPr lang="en-US" dirty="0"/>
+          </a:p>
+        </p:txBody>
+      </p:sp>
+      <p:sp>
+        <p:nvSpPr>
+          <p:cNvPr id="4" name="Slide Number Placeholder 3"/>
+          <p:cNvSpPr>
+            <a:spLocks noGrp="1"/>
+          </p:cNvSpPr>
+          <p:nvPr>
+            <p:ph type="sldNum" sz="quarter" idx="5"/>
+          </p:nvPr>
+        </p:nvSpPr>
+        <p:spPr/>
+        <p:txBody>
+          <a:bodyPr/>
+          <a:lstStyle/>
+          <a:p>
+            <a:fld id="{BAB621AC-7F6D-4100-88E3-7B288E0B79A4}" type="slidenum">
+              <a:rPr lang="en-US" smtClean="0"/>
+              <a:t>5</a:t>
+            </a:fld>
+            <a:endParaRPr lang="en-US"/>
+          </a:p>
+        </p:txBody>
+      </p:sp>
+    </p:spTree>
+    <p:extLst>
+      <p:ext uri="{BB962C8B-B14F-4D97-AF65-F5344CB8AC3E}">
+        <p14:creationId xmlns:p14="http://schemas.microsoft.com/office/powerpoint/2010/main" val="2592296782"/>
+      </p:ext>
+    </p:extLst>
+  </p:cSld>
+  <p:clrMapOvr>
+    <a:masterClrMapping/>
+  </p:clrMapOvr>
+</p:notes>
+</file>
+
+<file path=ppt/notesSlides/notesSlide6.xml><?xml version="1.0" encoding="utf-8"?>
+<p:notes xmlns:a="http://schemas.openxmlformats.org/drawingml/2006/main" xmlns:r="http://schemas.openxmlformats.org/officeDocument/2006/relationships" xmlns:p="http://schemas.openxmlformats.org/presentationml/2006/main">
+  <p:cSld>
+    <p:spTree>
+      <p:nvGrpSpPr>
+        <p:cNvPr id="1" name=""/>
+        <p:cNvGrpSpPr/>
+        <p:nvPr/>
+      </p:nvGrpSpPr>
+      <p:grpSpPr>
+        <a:xfrm>
+          <a:off x="0" y="0"/>
+          <a:ext cx="0" cy="0"/>
+          <a:chOff x="0" y="0"/>
+          <a:chExt cx="0" cy="0"/>
+        </a:xfrm>
+      </p:grpSpPr>
+      <p:sp>
+        <p:nvSpPr>
+          <p:cNvPr id="2" name="Slide Image Placeholder 1"/>
+          <p:cNvSpPr>
+            <a:spLocks noGrp="1" noRot="1" noChangeAspect="1"/>
+          </p:cNvSpPr>
+          <p:nvPr>
+            <p:ph type="sldImg"/>
+          </p:nvPr>
+        </p:nvSpPr>
+        <p:spPr/>
+      </p:sp>
+      <p:sp>
+        <p:nvSpPr>
+          <p:cNvPr id="3" name="Notes Placeholder 2"/>
+          <p:cNvSpPr>
+            <a:spLocks noGrp="1"/>
+          </p:cNvSpPr>
+          <p:nvPr>
+            <p:ph type="body" idx="1"/>
+          </p:nvPr>
+        </p:nvSpPr>
+        <p:spPr/>
+        <p:txBody>
+          <a:bodyPr/>
+          <a:lstStyle/>
+          <a:p>
+            <a:endParaRPr lang="en-US" dirty="0"/>
+          </a:p>
+        </p:txBody>
+      </p:sp>
+      <p:sp>
+        <p:nvSpPr>
+          <p:cNvPr id="4" name="Slide Number Placeholder 3"/>
+          <p:cNvSpPr>
+            <a:spLocks noGrp="1"/>
+          </p:cNvSpPr>
+          <p:nvPr>
+            <p:ph type="sldNum" sz="quarter" idx="5"/>
+          </p:nvPr>
+        </p:nvSpPr>
+        <p:spPr/>
+        <p:txBody>
+          <a:bodyPr/>
+          <a:lstStyle/>
+          <a:p>
+            <a:fld id="{BAB621AC-7F6D-4100-88E3-7B288E0B79A4}" type="slidenum">
+              <a:rPr lang="en-US" smtClean="0"/>
+              <a:t>10</a:t>
+            </a:fld>
+            <a:endParaRPr lang="en-US"/>
+          </a:p>
+        </p:txBody>
+      </p:sp>
+    </p:spTree>
+    <p:extLst>
+      <p:ext uri="{BB962C8B-B14F-4D97-AF65-F5344CB8AC3E}">
+        <p14:creationId xmlns:p14="http://schemas.microsoft.com/office/powerpoint/2010/main" val="2490649103"/>
+      </p:ext>
+    </p:extLst>
+  </p:cSld>
+  <p:clrMapOvr>
+    <a:masterClrMapping/>
+  </p:clrMapOvr>
+</p:notes>
+</file>
+
+<file path=ppt/notesSlides/notesSlide7.xml><?xml version="1.0" encoding="utf-8"?>
+<p:notes xmlns:a="http://schemas.openxmlformats.org/drawingml/2006/main" xmlns:r="http://schemas.openxmlformats.org/officeDocument/2006/relationships" xmlns:p="http://schemas.openxmlformats.org/presentationml/2006/main">
+  <p:cSld>
+    <p:spTree>
+      <p:nvGrpSpPr>
+        <p:cNvPr id="1" name=""/>
+        <p:cNvGrpSpPr/>
+        <p:nvPr/>
+      </p:nvGrpSpPr>
+      <p:grpSpPr>
+        <a:xfrm>
+          <a:off x="0" y="0"/>
+          <a:ext cx="0" cy="0"/>
+          <a:chOff x="0" y="0"/>
+          <a:chExt cx="0" cy="0"/>
+        </a:xfrm>
+      </p:grpSpPr>
+      <p:sp>
+        <p:nvSpPr>
+          <p:cNvPr id="2" name="Slide Image Placeholder 1"/>
+          <p:cNvSpPr>
+            <a:spLocks noGrp="1" noRot="1" noChangeAspect="1"/>
+          </p:cNvSpPr>
+          <p:nvPr>
+            <p:ph type="sldImg"/>
+          </p:nvPr>
+        </p:nvSpPr>
+        <p:spPr/>
+      </p:sp>
+      <p:sp>
+        <p:nvSpPr>
+          <p:cNvPr id="3" name="Notes Placeholder 2"/>
+          <p:cNvSpPr>
+            <a:spLocks noGrp="1"/>
+          </p:cNvSpPr>
+          <p:nvPr>
+            <p:ph type="body" idx="1"/>
+          </p:nvPr>
+        </p:nvSpPr>
+        <p:spPr/>
+        <p:txBody>
+          <a:bodyPr/>
+          <a:lstStyle/>
+          <a:p>
+            <a:pPr marL="0" marR="0" lvl="0" indent="0" algn="l" defTabSz="914400" rtl="0" eaLnBrk="1" fontAlgn="auto" latinLnBrk="0" hangingPunct="1">
+              <a:lnSpc>
+                <a:spcPct val="100000"/>
+              </a:lnSpc>
+              <a:spcBef>
+                <a:spcPts val="0"/>
+              </a:spcBef>
+              <a:spcAft>
+                <a:spcPts val="0"/>
+              </a:spcAft>
+              <a:buClrTx/>
+              <a:buSzTx/>
+              <a:buFontTx/>
+              <a:buNone/>
+              <a:tabLst/>
+              <a:defRPr/>
+            </a:pPr>
+            <a:r>
+              <a:rPr lang="en-US" i="1" dirty="0"/>
+              <a:t>*Discuss your findings. Did you find what you expected to find? If not, why not? What inferences or general conclusions can you draw from your analysis?</a:t>
+            </a:r>
+          </a:p>
+          <a:p>
+            <a:r>
+              <a:rPr lang="en-US" sz="1200" kern="1200" dirty="0">
+                <a:solidFill>
+                  <a:schemeClr val="tx1"/>
+                </a:solidFill>
+                <a:effectLst/>
+                <a:latin typeface="+mn-lt"/>
+                <a:ea typeface="+mn-ea"/>
+                <a:cs typeface="+mn-cs"/>
+              </a:rPr>
+              <a:t>-what was the country of origin---found it interesting it was mainly in the us</a:t>
+            </a:r>
+          </a:p>
+          <a:p>
+            <a:r>
+              <a:rPr lang="en-US" sz="1200" kern="1200" dirty="0">
+                <a:solidFill>
+                  <a:schemeClr val="tx1"/>
+                </a:solidFill>
+                <a:effectLst/>
+                <a:latin typeface="+mn-lt"/>
+                <a:ea typeface="+mn-ea"/>
+                <a:cs typeface="+mn-cs"/>
+              </a:rPr>
+              <a:t>if there was a certain wine that was reviewed more than another—pinot noir is second chardonnay</a:t>
+            </a:r>
+          </a:p>
+          <a:p>
+            <a:r>
+              <a:rPr lang="en-US" sz="1200" kern="1200" dirty="0">
+                <a:solidFill>
+                  <a:schemeClr val="tx1"/>
+                </a:solidFill>
+                <a:effectLst/>
+                <a:latin typeface="+mn-lt"/>
+                <a:ea typeface="+mn-ea"/>
+                <a:cs typeface="+mn-cs"/>
+              </a:rPr>
+              <a:t>	-</a:t>
+            </a:r>
+            <a:r>
+              <a:rPr lang="en-US" sz="1200" kern="1200" dirty="0" err="1">
+                <a:solidFill>
+                  <a:schemeClr val="tx1"/>
+                </a:solidFill>
+                <a:effectLst/>
+                <a:latin typeface="+mn-lt"/>
+                <a:ea typeface="+mn-ea"/>
+                <a:cs typeface="+mn-cs"/>
+              </a:rPr>
+              <a:t>california</a:t>
+            </a:r>
+            <a:r>
+              <a:rPr lang="en-US" sz="1200" kern="1200" dirty="0">
+                <a:solidFill>
+                  <a:schemeClr val="tx1"/>
+                </a:solidFill>
+                <a:effectLst/>
+                <a:latin typeface="+mn-lt"/>
+                <a:ea typeface="+mn-ea"/>
+                <a:cs typeface="+mn-cs"/>
+              </a:rPr>
+              <a:t> and globally were the same</a:t>
+            </a:r>
+          </a:p>
+          <a:p>
+            <a:r>
+              <a:rPr lang="en-US" sz="1200" kern="1200" dirty="0">
+                <a:solidFill>
+                  <a:schemeClr val="tx1"/>
+                </a:solidFill>
+                <a:effectLst/>
+                <a:latin typeface="+mn-lt"/>
+                <a:ea typeface="+mn-ea"/>
+                <a:cs typeface="+mn-cs"/>
+              </a:rPr>
+              <a:t>California is know for it’s zinfandel (#5)…but it’s not important to the rest of the world</a:t>
+            </a:r>
+          </a:p>
+          <a:p>
+            <a:r>
+              <a:rPr lang="en-US" sz="1200" kern="1200" dirty="0">
+                <a:solidFill>
+                  <a:schemeClr val="tx1"/>
+                </a:solidFill>
+                <a:effectLst/>
+                <a:latin typeface="+mn-lt"/>
+                <a:ea typeface="+mn-ea"/>
+                <a:cs typeface="+mn-cs"/>
+              </a:rPr>
+              <a:t>Variety looking at top 20 wines reviewed vs. </a:t>
+            </a:r>
+          </a:p>
+          <a:p>
+            <a:r>
+              <a:rPr lang="en-US" sz="1200" kern="1200" dirty="0">
+                <a:solidFill>
+                  <a:schemeClr val="tx1"/>
+                </a:solidFill>
+                <a:effectLst/>
+                <a:latin typeface="+mn-lt"/>
+                <a:ea typeface="+mn-ea"/>
+                <a:cs typeface="+mn-cs"/>
+              </a:rPr>
+              <a:t>Most wines fell under $250 per dollar</a:t>
+            </a:r>
+          </a:p>
+          <a:p>
+            <a:endParaRPr lang="en-US" dirty="0"/>
+          </a:p>
+        </p:txBody>
+      </p:sp>
+      <p:sp>
+        <p:nvSpPr>
+          <p:cNvPr id="4" name="Slide Number Placeholder 3"/>
+          <p:cNvSpPr>
+            <a:spLocks noGrp="1"/>
+          </p:cNvSpPr>
+          <p:nvPr>
+            <p:ph type="sldNum" sz="quarter" idx="5"/>
+          </p:nvPr>
+        </p:nvSpPr>
+        <p:spPr/>
+        <p:txBody>
+          <a:bodyPr/>
+          <a:lstStyle/>
+          <a:p>
+            <a:fld id="{BAB621AC-7F6D-4100-88E3-7B288E0B79A4}" type="slidenum">
+              <a:rPr lang="en-US" smtClean="0"/>
+              <a:t>14</a:t>
+            </a:fld>
+            <a:endParaRPr lang="en-US"/>
+          </a:p>
+        </p:txBody>
+      </p:sp>
+    </p:spTree>
+    <p:extLst>
+      <p:ext uri="{BB962C8B-B14F-4D97-AF65-F5344CB8AC3E}">
+        <p14:creationId xmlns:p14="http://schemas.microsoft.com/office/powerpoint/2010/main" val="1505219277"/>
+      </p:ext>
+    </p:extLst>
+  </p:cSld>
+  <p:clrMapOvr>
+    <a:masterClrMapping/>
+  </p:clrMapOvr>
+</p:notes>
+</file>
+
+<file path=ppt/notesSlides/notesSlide8.xml><?xml version="1.0" encoding="utf-8"?>
+<p:notes xmlns:a="http://schemas.openxmlformats.org/drawingml/2006/main" xmlns:r="http://schemas.openxmlformats.org/officeDocument/2006/relationships" xmlns:p="http://schemas.openxmlformats.org/presentationml/2006/main">
+  <p:cSld>
+    <p:spTree>
+      <p:nvGrpSpPr>
+        <p:cNvPr id="1" name=""/>
+        <p:cNvGrpSpPr/>
+        <p:nvPr/>
+      </p:nvGrpSpPr>
+      <p:grpSpPr>
+        <a:xfrm>
+          <a:off x="0" y="0"/>
+          <a:ext cx="0" cy="0"/>
+          <a:chOff x="0" y="0"/>
+          <a:chExt cx="0" cy="0"/>
+        </a:xfrm>
+      </p:grpSpPr>
+      <p:sp>
+        <p:nvSpPr>
+          <p:cNvPr id="2" name="Slide Image Placeholder 1"/>
+          <p:cNvSpPr>
+            <a:spLocks noGrp="1" noRot="1" noChangeAspect="1"/>
+          </p:cNvSpPr>
+          <p:nvPr>
+            <p:ph type="sldImg"/>
+          </p:nvPr>
+        </p:nvSpPr>
+        <p:spPr/>
+      </p:sp>
+      <p:sp>
+        <p:nvSpPr>
+          <p:cNvPr id="3" name="Notes Placeholder 2"/>
+          <p:cNvSpPr>
+            <a:spLocks noGrp="1"/>
+          </p:cNvSpPr>
+          <p:nvPr>
+            <p:ph type="body" idx="1"/>
+          </p:nvPr>
+        </p:nvSpPr>
+        <p:spPr/>
+        <p:txBody>
+          <a:bodyPr/>
+          <a:lstStyle/>
+          <a:p>
+            <a:r>
+              <a:rPr lang="en-US" i="1" dirty="0"/>
+              <a:t>*Discuss any difficulties that arose, and how you dealt with them</a:t>
+            </a:r>
+          </a:p>
+          <a:p>
+            <a:r>
+              <a:rPr lang="en-US" i="1" dirty="0"/>
+              <a:t>-We struggled finding a good data source that was both free and had a good range of data to manage. On the 2</a:t>
+            </a:r>
+            <a:r>
+              <a:rPr lang="en-US" i="1" baseline="30000" dirty="0"/>
+              <a:t>nd</a:t>
+            </a:r>
+            <a:r>
+              <a:rPr lang="en-US" i="1" dirty="0"/>
+              <a:t> day we had to change our project from beer to wine. </a:t>
+            </a:r>
+          </a:p>
+          <a:p>
+            <a:r>
+              <a:rPr lang="en-US" i="1" dirty="0"/>
+              <a:t>-Git branch was difficult for quite a few of us. </a:t>
+            </a:r>
+          </a:p>
+          <a:p>
+            <a:r>
+              <a:rPr lang="en-US" i="1" dirty="0"/>
+              <a:t>-Personal group wise difficulties…distribution of the project. So broad we didn’t know how to tackle it. </a:t>
+            </a:r>
+          </a:p>
+          <a:p>
+            <a:r>
+              <a:rPr lang="en-US" i="1" dirty="0"/>
+              <a:t>*Discuss any additional questions that came up, but which you didn't have time to answer: What would you research next, if you had two more weeks?</a:t>
+            </a:r>
+          </a:p>
+          <a:p>
+            <a:r>
+              <a:rPr lang="en-US" i="1" dirty="0"/>
+              <a:t>-We did think about doing a heat map of wineries in case if any enthusiasts ever wanted to go on a winery tour. However our data did not include coordinates so to actually get them all in a map it would’ve been a lengthy process we could not go through. </a:t>
+            </a:r>
+          </a:p>
+          <a:p>
+            <a:r>
+              <a:rPr lang="en-US" i="1" dirty="0"/>
+              <a:t>-Maybe grab more datasets. </a:t>
+            </a:r>
+          </a:p>
+          <a:p>
+            <a:endParaRPr lang="en-US" dirty="0"/>
+          </a:p>
+        </p:txBody>
+      </p:sp>
+      <p:sp>
+        <p:nvSpPr>
+          <p:cNvPr id="4" name="Slide Number Placeholder 3"/>
+          <p:cNvSpPr>
+            <a:spLocks noGrp="1"/>
+          </p:cNvSpPr>
+          <p:nvPr>
+            <p:ph type="sldNum" sz="quarter" idx="5"/>
+          </p:nvPr>
+        </p:nvSpPr>
+        <p:spPr/>
+        <p:txBody>
+          <a:bodyPr/>
+          <a:lstStyle/>
+          <a:p>
+            <a:fld id="{BAB621AC-7F6D-4100-88E3-7B288E0B79A4}" type="slidenum">
+              <a:rPr lang="en-US" smtClean="0"/>
+              <a:t>15</a:t>
+            </a:fld>
+            <a:endParaRPr lang="en-US"/>
+          </a:p>
+        </p:txBody>
+      </p:sp>
+    </p:spTree>
+    <p:extLst>
+      <p:ext uri="{BB962C8B-B14F-4D97-AF65-F5344CB8AC3E}">
+        <p14:creationId xmlns:p14="http://schemas.microsoft.com/office/powerpoint/2010/main" val="4082111051"/>
+      </p:ext>
+    </p:extLst>
+  </p:cSld>
+  <p:clrMapOvr>
+    <a:masterClrMapping/>
+  </p:clrMapOvr>
+</p:notes>
 </file>
 
 <file path=ppt/slideLayouts/slideLayout1.xml><?xml version="1.0" encoding="utf-8"?>
@@ -398,7 +5250,7 @@
           <a:p>
             <a:fld id="{78ABE3C1-DBE1-495D-B57B-2849774B866A}" type="datetimeFigureOut">
               <a:rPr lang="en-US" smtClean="0"/>
-              <a:t>1/27/2020</a:t>
+              <a:t>1/29/2020</a:t>
             </a:fld>
             <a:endParaRPr lang="en-US" dirty="0"/>
           </a:p>
@@ -454,7 +5306,7 @@
     </p:spTree>
     <p:extLst>
       <p:ext uri="{BB962C8B-B14F-4D97-AF65-F5344CB8AC3E}">
-        <p14:creationId xmlns:p14="http://schemas.microsoft.com/office/powerpoint/2010/main" val="2864878533"/>
+        <p14:creationId xmlns:p14="http://schemas.microsoft.com/office/powerpoint/2010/main" val="1545807344"/>
       </p:ext>
     </p:extLst>
   </p:cSld>
@@ -812,7 +5664,7 @@
           <a:p>
             <a:fld id="{446C117F-5CCF-4837-BE5F-2B92066CAFAF}" type="datetimeFigureOut">
               <a:rPr lang="en-US" smtClean="0"/>
-              <a:t>1/27/2020</a:t>
+              <a:t>1/29/2020</a:t>
             </a:fld>
             <a:endParaRPr lang="en-US" dirty="0"/>
           </a:p>
@@ -868,7 +5720,7 @@
     </p:spTree>
     <p:extLst>
       <p:ext uri="{BB962C8B-B14F-4D97-AF65-F5344CB8AC3E}">
-        <p14:creationId xmlns:p14="http://schemas.microsoft.com/office/powerpoint/2010/main" val="827926843"/>
+        <p14:creationId xmlns:p14="http://schemas.microsoft.com/office/powerpoint/2010/main" val="1789224067"/>
       </p:ext>
     </p:extLst>
   </p:cSld>
@@ -1148,7 +6000,7 @@
           <a:p>
             <a:fld id="{84EB90BD-B6CE-46B7-997F-7313B992CCDC}" type="datetimeFigureOut">
               <a:rPr lang="en-US" smtClean="0"/>
-              <a:t>1/27/2020</a:t>
+              <a:t>1/29/2020</a:t>
             </a:fld>
             <a:endParaRPr lang="en-US" dirty="0"/>
           </a:p>
@@ -1204,7 +6056,7 @@
     </p:spTree>
     <p:extLst>
       <p:ext uri="{BB962C8B-B14F-4D97-AF65-F5344CB8AC3E}">
-        <p14:creationId xmlns:p14="http://schemas.microsoft.com/office/powerpoint/2010/main" val="2752003860"/>
+        <p14:creationId xmlns:p14="http://schemas.microsoft.com/office/powerpoint/2010/main" val="1995322876"/>
       </p:ext>
     </p:extLst>
   </p:cSld>
@@ -1553,7 +6405,7 @@
           <a:p>
             <a:fld id="{CDB9D11F-B188-461D-B23F-39381795C052}" type="datetimeFigureOut">
               <a:rPr lang="en-US" smtClean="0"/>
-              <a:t>1/27/2020</a:t>
+              <a:t>1/29/2020</a:t>
             </a:fld>
             <a:endParaRPr lang="en-US" dirty="0"/>
           </a:p>
@@ -1841,7 +6693,7 @@
     </p:spTree>
     <p:extLst>
       <p:ext uri="{BB962C8B-B14F-4D97-AF65-F5344CB8AC3E}">
-        <p14:creationId xmlns:p14="http://schemas.microsoft.com/office/powerpoint/2010/main" val="2443151700"/>
+        <p14:creationId xmlns:p14="http://schemas.microsoft.com/office/powerpoint/2010/main" val="2542087320"/>
       </p:ext>
     </p:extLst>
   </p:cSld>
@@ -2121,7 +6973,7 @@
           <a:p>
             <a:fld id="{52E6D8D9-55A2-4063-B0F3-121F44549695}" type="datetimeFigureOut">
               <a:rPr lang="en-US" smtClean="0"/>
-              <a:t>1/27/2020</a:t>
+              <a:t>1/29/2020</a:t>
             </a:fld>
             <a:endParaRPr lang="en-US" dirty="0"/>
           </a:p>
@@ -2177,7 +7029,7 @@
     </p:spTree>
     <p:extLst>
       <p:ext uri="{BB962C8B-B14F-4D97-AF65-F5344CB8AC3E}">
-        <p14:creationId xmlns:p14="http://schemas.microsoft.com/office/powerpoint/2010/main" val="3914160580"/>
+        <p14:creationId xmlns:p14="http://schemas.microsoft.com/office/powerpoint/2010/main" val="1864399243"/>
       </p:ext>
     </p:extLst>
   </p:cSld>
@@ -2802,7 +7654,7 @@
           <a:p>
             <a:fld id="{D4B24536-994D-4021-A283-9F449C0DB509}" type="datetimeFigureOut">
               <a:rPr lang="en-US" smtClean="0"/>
-              <a:t>1/27/2020</a:t>
+              <a:t>1/29/2020</a:t>
             </a:fld>
             <a:endParaRPr lang="en-US" dirty="0"/>
           </a:p>
@@ -2853,7 +7705,7 @@
     </p:spTree>
     <p:extLst>
       <p:ext uri="{BB962C8B-B14F-4D97-AF65-F5344CB8AC3E}">
-        <p14:creationId xmlns:p14="http://schemas.microsoft.com/office/powerpoint/2010/main" val="2884958605"/>
+        <p14:creationId xmlns:p14="http://schemas.microsoft.com/office/powerpoint/2010/main" val="2164862338"/>
       </p:ext>
     </p:extLst>
   </p:cSld>
@@ -3715,7 +8567,7 @@
           <a:p>
             <a:fld id="{3CBBBB78-C96F-47B7-AB17-D852CA960AC9}" type="datetimeFigureOut">
               <a:rPr lang="en-US" smtClean="0"/>
-              <a:t>1/27/2020</a:t>
+              <a:t>1/29/2020</a:t>
             </a:fld>
             <a:endParaRPr lang="en-US" dirty="0"/>
           </a:p>
@@ -3766,7 +8618,7 @@
     </p:spTree>
     <p:extLst>
       <p:ext uri="{BB962C8B-B14F-4D97-AF65-F5344CB8AC3E}">
-        <p14:creationId xmlns:p14="http://schemas.microsoft.com/office/powerpoint/2010/main" val="3330407140"/>
+        <p14:creationId xmlns:p14="http://schemas.microsoft.com/office/powerpoint/2010/main" val="3957404921"/>
       </p:ext>
     </p:extLst>
   </p:cSld>
@@ -4028,7 +8880,7 @@
           <a:p>
             <a:fld id="{1FA3F48C-C7C6-4055-9F49-3777875E72AE}" type="datetimeFigureOut">
               <a:rPr lang="en-US" smtClean="0"/>
-              <a:t>1/27/2020</a:t>
+              <a:t>1/29/2020</a:t>
             </a:fld>
             <a:endParaRPr lang="en-US" dirty="0"/>
           </a:p>
@@ -4079,7 +8931,7 @@
     </p:spTree>
     <p:extLst>
       <p:ext uri="{BB962C8B-B14F-4D97-AF65-F5344CB8AC3E}">
-        <p14:creationId xmlns:p14="http://schemas.microsoft.com/office/powerpoint/2010/main" val="2462774794"/>
+        <p14:creationId xmlns:p14="http://schemas.microsoft.com/office/powerpoint/2010/main" val="3654748363"/>
       </p:ext>
     </p:extLst>
   </p:cSld>
@@ -4292,7 +9144,7 @@
           <a:p>
             <a:fld id="{6178E61D-D431-422C-9764-11DAFE33AB63}" type="datetimeFigureOut">
               <a:rPr lang="en-US" smtClean="0"/>
-              <a:t>1/27/2020</a:t>
+              <a:t>1/29/2020</a:t>
             </a:fld>
             <a:endParaRPr lang="en-US" dirty="0"/>
           </a:p>
@@ -4358,7 +9210,7 @@
     </p:spTree>
     <p:extLst>
       <p:ext uri="{BB962C8B-B14F-4D97-AF65-F5344CB8AC3E}">
-        <p14:creationId xmlns:p14="http://schemas.microsoft.com/office/powerpoint/2010/main" val="1263178544"/>
+        <p14:creationId xmlns:p14="http://schemas.microsoft.com/office/powerpoint/2010/main" val="4052601178"/>
       </p:ext>
     </p:extLst>
   </p:cSld>
@@ -4616,7 +9468,7 @@
           <a:p>
             <a:fld id="{12DE42F4-6EEF-4EF7-8ED4-2208F0F89A08}" type="datetimeFigureOut">
               <a:rPr lang="en-US" smtClean="0"/>
-              <a:t>1/27/2020</a:t>
+              <a:t>1/29/2020</a:t>
             </a:fld>
             <a:endParaRPr lang="en-US" dirty="0"/>
           </a:p>
@@ -4667,7 +9519,7 @@
     </p:spTree>
     <p:extLst>
       <p:ext uri="{BB962C8B-B14F-4D97-AF65-F5344CB8AC3E}">
-        <p14:creationId xmlns:p14="http://schemas.microsoft.com/office/powerpoint/2010/main" val="541563109"/>
+        <p14:creationId xmlns:p14="http://schemas.microsoft.com/office/powerpoint/2010/main" val="3335097378"/>
       </p:ext>
     </p:extLst>
   </p:cSld>
@@ -5005,7 +9857,7 @@
           <a:p>
             <a:fld id="{30578ACC-22D6-47C1-A373-4FD133E34F3C}" type="datetimeFigureOut">
               <a:rPr lang="en-US" smtClean="0"/>
-              <a:t>1/27/2020</a:t>
+              <a:t>1/29/2020</a:t>
             </a:fld>
             <a:endParaRPr lang="en-US" dirty="0"/>
           </a:p>
@@ -5061,7 +9913,7 @@
     </p:spTree>
     <p:extLst>
       <p:ext uri="{BB962C8B-B14F-4D97-AF65-F5344CB8AC3E}">
-        <p14:creationId xmlns:p14="http://schemas.microsoft.com/office/powerpoint/2010/main" val="3072725110"/>
+        <p14:creationId xmlns:p14="http://schemas.microsoft.com/office/powerpoint/2010/main" val="2346924275"/>
       </p:ext>
     </p:extLst>
   </p:cSld>
@@ -5381,7 +10233,7 @@
           <a:p>
             <a:fld id="{4E5A6C69-6797-4E8A-BF37-F2C3751466E9}" type="datetimeFigureOut">
               <a:rPr lang="en-US" smtClean="0"/>
-              <a:t>1/27/2020</a:t>
+              <a:t>1/29/2020</a:t>
             </a:fld>
             <a:endParaRPr lang="en-US" dirty="0"/>
           </a:p>
@@ -5432,7 +10284,7 @@
     </p:spTree>
     <p:extLst>
       <p:ext uri="{BB962C8B-B14F-4D97-AF65-F5344CB8AC3E}">
-        <p14:creationId xmlns:p14="http://schemas.microsoft.com/office/powerpoint/2010/main" val="1881821610"/>
+        <p14:creationId xmlns:p14="http://schemas.microsoft.com/office/powerpoint/2010/main" val="2684999452"/>
       </p:ext>
     </p:extLst>
   </p:cSld>
@@ -5887,7 +10739,7 @@
           <a:p>
             <a:fld id="{D82014A1-A632-4878-A0D3-F52BA7563730}" type="datetimeFigureOut">
               <a:rPr lang="en-US" smtClean="0"/>
-              <a:t>1/27/2020</a:t>
+              <a:t>1/29/2020</a:t>
             </a:fld>
             <a:endParaRPr lang="en-US" dirty="0"/>
           </a:p>
@@ -5938,7 +10790,7 @@
     </p:spTree>
     <p:extLst>
       <p:ext uri="{BB962C8B-B14F-4D97-AF65-F5344CB8AC3E}">
-        <p14:creationId xmlns:p14="http://schemas.microsoft.com/office/powerpoint/2010/main" val="1263374428"/>
+        <p14:creationId xmlns:p14="http://schemas.microsoft.com/office/powerpoint/2010/main" val="3456013446"/>
       </p:ext>
     </p:extLst>
   </p:cSld>
@@ -6144,7 +10996,7 @@
           <a:p>
             <a:fld id="{CE99F462-093F-4566-844B-4C71F2739DA5}" type="datetimeFigureOut">
               <a:rPr lang="en-US" smtClean="0"/>
-              <a:t>1/27/2020</a:t>
+              <a:t>1/29/2020</a:t>
             </a:fld>
             <a:endParaRPr lang="en-US" dirty="0"/>
           </a:p>
@@ -6195,7 +11047,7 @@
     </p:spTree>
     <p:extLst>
       <p:ext uri="{BB962C8B-B14F-4D97-AF65-F5344CB8AC3E}">
-        <p14:creationId xmlns:p14="http://schemas.microsoft.com/office/powerpoint/2010/main" val="3411463628"/>
+        <p14:creationId xmlns:p14="http://schemas.microsoft.com/office/powerpoint/2010/main" val="436180801"/>
       </p:ext>
     </p:extLst>
   </p:cSld>
@@ -6307,7 +11159,7 @@
           <a:p>
             <a:fld id="{3D24A7AC-904D-4781-85BA-7D10C17ED021}" type="datetimeFigureOut">
               <a:rPr lang="en-US" smtClean="0"/>
-              <a:t>1/27/2020</a:t>
+              <a:t>1/29/2020</a:t>
             </a:fld>
             <a:endParaRPr lang="en-US" dirty="0"/>
           </a:p>
@@ -6358,7 +11210,7 @@
     </p:spTree>
     <p:extLst>
       <p:ext uri="{BB962C8B-B14F-4D97-AF65-F5344CB8AC3E}">
-        <p14:creationId xmlns:p14="http://schemas.microsoft.com/office/powerpoint/2010/main" val="384720023"/>
+        <p14:creationId xmlns:p14="http://schemas.microsoft.com/office/powerpoint/2010/main" val="643065762"/>
       </p:ext>
     </p:extLst>
   </p:cSld>
@@ -6697,7 +11549,7 @@
           <a:p>
             <a:fld id="{E331444B-B92B-4E27-8C94-BB93EAF5CB18}" type="datetimeFigureOut">
               <a:rPr lang="en-US" smtClean="0"/>
-              <a:t>1/27/2020</a:t>
+              <a:t>1/29/2020</a:t>
             </a:fld>
             <a:endParaRPr lang="en-US" dirty="0"/>
           </a:p>
@@ -6748,7 +11600,7 @@
     </p:spTree>
     <p:extLst>
       <p:ext uri="{BB962C8B-B14F-4D97-AF65-F5344CB8AC3E}">
-        <p14:creationId xmlns:p14="http://schemas.microsoft.com/office/powerpoint/2010/main" val="2966567603"/>
+        <p14:creationId xmlns:p14="http://schemas.microsoft.com/office/powerpoint/2010/main" val="1815715893"/>
       </p:ext>
     </p:extLst>
   </p:cSld>
@@ -7106,7 +11958,7 @@
           <a:p>
             <a:fld id="{363EFA5E-FA76-400D-B3DC-F0BA90E6D107}" type="datetimeFigureOut">
               <a:rPr lang="en-US" smtClean="0"/>
-              <a:t>1/27/2020</a:t>
+              <a:t>1/29/2020</a:t>
             </a:fld>
             <a:endParaRPr lang="en-US" dirty="0"/>
           </a:p>
@@ -7157,7 +12009,7 @@
     </p:spTree>
     <p:extLst>
       <p:ext uri="{BB962C8B-B14F-4D97-AF65-F5344CB8AC3E}">
-        <p14:creationId xmlns:p14="http://schemas.microsoft.com/office/powerpoint/2010/main" val="514660844"/>
+        <p14:creationId xmlns:p14="http://schemas.microsoft.com/office/powerpoint/2010/main" val="791374965"/>
       </p:ext>
     </p:extLst>
   </p:cSld>
@@ -7350,7 +12202,7 @@
           <a:p>
             <a:fld id="{9D6E9DEC-419B-4CC5-A080-3B06BD5A8291}" type="datetimeFigureOut">
               <a:rPr lang="en-US" smtClean="0"/>
-              <a:t>1/27/2020</a:t>
+              <a:t>1/29/2020</a:t>
             </a:fld>
             <a:endParaRPr lang="en-US" dirty="0"/>
           </a:p>
@@ -7438,7 +12290,7 @@
     </p:spTree>
     <p:extLst>
       <p:ext uri="{BB962C8B-B14F-4D97-AF65-F5344CB8AC3E}">
-        <p14:creationId xmlns:p14="http://schemas.microsoft.com/office/powerpoint/2010/main" val="4129022606"/>
+        <p14:creationId xmlns:p14="http://schemas.microsoft.com/office/powerpoint/2010/main" val="2159793342"/>
       </p:ext>
     </p:extLst>
   </p:cSld>
@@ -7749,6 +12601,41 @@
 <file path=ppt/slides/slide1.xml><?xml version="1.0" encoding="utf-8"?>
 <p:sld xmlns:a="http://schemas.openxmlformats.org/drawingml/2006/main" xmlns:r="http://schemas.openxmlformats.org/officeDocument/2006/relationships" xmlns:p="http://schemas.openxmlformats.org/presentationml/2006/main">
   <p:cSld>
+    <p:bg>
+      <p:bgPr>
+        <a:gradFill rotWithShape="1">
+          <a:gsLst>
+            <a:gs pos="0">
+              <a:schemeClr val="bg2">
+                <a:tint val="96000"/>
+                <a:shade val="100000"/>
+                <a:hueMod val="106000"/>
+                <a:satMod val="220000"/>
+                <a:lumMod val="140000"/>
+              </a:schemeClr>
+            </a:gs>
+            <a:gs pos="50000">
+              <a:schemeClr val="bg2">
+                <a:shade val="100000"/>
+                <a:hueMod val="100000"/>
+                <a:satMod val="110000"/>
+                <a:lumMod val="130000"/>
+              </a:schemeClr>
+            </a:gs>
+            <a:gs pos="100000">
+              <a:schemeClr val="bg2">
+                <a:shade val="69000"/>
+                <a:hueMod val="88000"/>
+                <a:satMod val="160000"/>
+                <a:lumMod val="69000"/>
+              </a:schemeClr>
+            </a:gs>
+          </a:gsLst>
+          <a:lin ang="2520000" scaled="0"/>
+        </a:gradFill>
+        <a:effectLst/>
+      </p:bgPr>
+    </p:bg>
     <p:spTree>
       <p:nvGrpSpPr>
         <p:cNvPr id="1" name=""/>
@@ -7763,12 +12650,281 @@
           <a:chExt cx="0" cy="0"/>
         </a:xfrm>
       </p:grpSpPr>
+      <p:sp useBgFill="1">
+        <p:nvSpPr>
+          <p:cNvPr id="8" name="Rectangle 7">
+            <a:extLst>
+              <a:ext uri="{FF2B5EF4-FFF2-40B4-BE49-F238E27FC236}">
+                <a16:creationId xmlns:a16="http://schemas.microsoft.com/office/drawing/2014/main" id="{61831F9E-2437-4CA8-A111-06A92E0916C3}"/>
+              </a:ext>
+              <a:ext uri="{C183D7F6-B498-43B3-948B-1728B52AA6E4}">
+                <adec:decorative xmlns:adec="http://schemas.microsoft.com/office/drawing/2017/decorative" val="1"/>
+              </a:ext>
+            </a:extLst>
+          </p:cNvPr>
+          <p:cNvSpPr>
+            <a:spLocks noGrp="1" noRot="1" noChangeAspect="1" noMove="1" noResize="1" noEditPoints="1" noAdjustHandles="1" noChangeArrowheads="1" noChangeShapeType="1" noTextEdit="1"/>
+          </p:cNvSpPr>
+          <p:nvPr>
+            <p:extLst>
+              <p:ext uri="{386F3935-93C4-4BCD-93E2-E3B085C9AB24}">
+                <p16:designElem xmlns:p16="http://schemas.microsoft.com/office/powerpoint/2015/main" val="1"/>
+              </p:ext>
+            </p:extLst>
+          </p:nvPr>
+        </p:nvSpPr>
+        <p:spPr>
+          <a:xfrm>
+            <a:off x="0" y="0"/>
+            <a:ext cx="12188824" cy="6858000"/>
+          </a:xfrm>
+          <a:prstGeom prst="rect">
+            <a:avLst/>
+          </a:prstGeom>
+          <a:ln>
+            <a:noFill/>
+          </a:ln>
+        </p:spPr>
+        <p:style>
+          <a:lnRef idx="2">
+            <a:schemeClr val="accent1">
+              <a:shade val="50000"/>
+            </a:schemeClr>
+          </a:lnRef>
+          <a:fillRef idx="1">
+            <a:schemeClr val="accent1"/>
+          </a:fillRef>
+          <a:effectRef idx="0">
+            <a:schemeClr val="accent1"/>
+          </a:effectRef>
+          <a:fontRef idx="minor">
+            <a:schemeClr val="lt1"/>
+          </a:fontRef>
+        </p:style>
+        <p:txBody>
+          <a:bodyPr rtlCol="0" anchor="ctr"/>
+          <a:lstStyle/>
+          <a:p>
+            <a:pPr algn="ctr"/>
+            <a:endParaRPr lang="en-US"/>
+          </a:p>
+        </p:txBody>
+      </p:sp>
+      <p:pic>
+        <p:nvPicPr>
+          <p:cNvPr id="10" name="Picture 9">
+            <a:extLst>
+              <a:ext uri="{FF2B5EF4-FFF2-40B4-BE49-F238E27FC236}">
+                <a16:creationId xmlns:a16="http://schemas.microsoft.com/office/drawing/2014/main" id="{F0C50DF0-8DA6-4440-9A6E-955DB12E017D}"/>
+              </a:ext>
+              <a:ext uri="{C183D7F6-B498-43B3-948B-1728B52AA6E4}">
+                <adec:decorative xmlns:adec="http://schemas.microsoft.com/office/drawing/2017/decorative" val="1"/>
+              </a:ext>
+            </a:extLst>
+          </p:cNvPr>
+          <p:cNvPicPr>
+            <a:picLocks noGrp="1" noRot="1" noChangeAspect="1" noMove="1" noResize="1" noEditPoints="1" noAdjustHandles="1" noChangeArrowheads="1" noChangeShapeType="1" noCrop="1"/>
+          </p:cNvPicPr>
+          <p:nvPr>
+            <p:extLst>
+              <p:ext uri="{386F3935-93C4-4BCD-93E2-E3B085C9AB24}">
+                <p16:designElem xmlns:p16="http://schemas.microsoft.com/office/powerpoint/2015/main" val="1"/>
+              </p:ext>
+            </p:extLst>
+          </p:nvPr>
+        </p:nvPicPr>
+        <p:blipFill>
+          <a:blip r:embed="rId3">
+            <a:alphaModFix amt="10000"/>
+            <a:extLst>
+              <a:ext uri="{28A0092B-C50C-407E-A947-70E740481C1C}">
+                <a14:useLocalDpi xmlns:a14="http://schemas.microsoft.com/office/drawing/2010/main" val="0"/>
+              </a:ext>
+            </a:extLst>
+          </a:blip>
+          <a:stretch>
+            <a:fillRect/>
+          </a:stretch>
+        </p:blipFill>
+        <p:spPr>
+          <a:xfrm>
+            <a:off x="0" y="-8207"/>
+            <a:ext cx="12192000" cy="6858000"/>
+          </a:xfrm>
+          <a:prstGeom prst="rect">
+            <a:avLst/>
+          </a:prstGeom>
+        </p:spPr>
+      </p:pic>
+      <p:sp>
+        <p:nvSpPr>
+          <p:cNvPr id="12" name="Rectangle 11">
+            <a:extLst>
+              <a:ext uri="{FF2B5EF4-FFF2-40B4-BE49-F238E27FC236}">
+                <a16:creationId xmlns:a16="http://schemas.microsoft.com/office/drawing/2014/main" id="{DE76BD0F-5755-4E53-84A9-50318DA73259}"/>
+              </a:ext>
+              <a:ext uri="{C183D7F6-B498-43B3-948B-1728B52AA6E4}">
+                <adec:decorative xmlns:adec="http://schemas.microsoft.com/office/drawing/2017/decorative" val="1"/>
+              </a:ext>
+            </a:extLst>
+          </p:cNvPr>
+          <p:cNvSpPr>
+            <a:spLocks noGrp="1" noRot="1" noChangeAspect="1" noMove="1" noResize="1" noEditPoints="1" noAdjustHandles="1" noChangeArrowheads="1" noChangeShapeType="1" noTextEdit="1"/>
+          </p:cNvSpPr>
+          <p:nvPr>
+            <p:extLst>
+              <p:ext uri="{386F3935-93C4-4BCD-93E2-E3B085C9AB24}">
+                <p16:designElem xmlns:p16="http://schemas.microsoft.com/office/powerpoint/2015/main" val="1"/>
+              </p:ext>
+            </p:extLst>
+          </p:nvPr>
+        </p:nvSpPr>
+        <p:spPr>
+          <a:xfrm>
+            <a:off x="6096000" y="0"/>
+            <a:ext cx="6092824" cy="6858001"/>
+          </a:xfrm>
+          <a:prstGeom prst="rect">
+            <a:avLst/>
+          </a:prstGeom>
+          <a:ln>
+            <a:noFill/>
+          </a:ln>
+        </p:spPr>
+        <p:style>
+          <a:lnRef idx="2">
+            <a:schemeClr val="accent1">
+              <a:shade val="50000"/>
+            </a:schemeClr>
+          </a:lnRef>
+          <a:fillRef idx="1">
+            <a:schemeClr val="accent1"/>
+          </a:fillRef>
+          <a:effectRef idx="0">
+            <a:schemeClr val="accent1"/>
+          </a:effectRef>
+          <a:fontRef idx="minor">
+            <a:schemeClr val="lt1"/>
+          </a:fontRef>
+        </p:style>
+        <p:txBody>
+          <a:bodyPr rtlCol="0" anchor="ctr"/>
+          <a:lstStyle/>
+          <a:p>
+            <a:pPr algn="ctr"/>
+            <a:endParaRPr lang="en-US"/>
+          </a:p>
+        </p:txBody>
+      </p:sp>
+      <p:pic>
+        <p:nvPicPr>
+          <p:cNvPr id="14" name="Picture 13">
+            <a:extLst>
+              <a:ext uri="{FF2B5EF4-FFF2-40B4-BE49-F238E27FC236}">
+                <a16:creationId xmlns:a16="http://schemas.microsoft.com/office/drawing/2014/main" id="{8AD4354C-0532-4E5F-A2DF-EB8049AAB7FD}"/>
+              </a:ext>
+              <a:ext uri="{C183D7F6-B498-43B3-948B-1728B52AA6E4}">
+                <adec:decorative xmlns:adec="http://schemas.microsoft.com/office/drawing/2017/decorative" val="1"/>
+              </a:ext>
+            </a:extLst>
+          </p:cNvPr>
+          <p:cNvPicPr>
+            <a:picLocks noGrp="1" noRot="1" noChangeAspect="1" noMove="1" noResize="1" noEditPoints="1" noAdjustHandles="1" noChangeArrowheads="1" noChangeShapeType="1" noCrop="1"/>
+          </p:cNvPicPr>
+          <p:nvPr>
+            <p:extLst>
+              <p:ext uri="{386F3935-93C4-4BCD-93E2-E3B085C9AB24}">
+                <p16:designElem xmlns:p16="http://schemas.microsoft.com/office/powerpoint/2015/main" val="1"/>
+              </p:ext>
+            </p:extLst>
+          </p:nvPr>
+        </p:nvPicPr>
+        <p:blipFill>
+          <a:blip r:embed="rId4">
+            <a:extLst>
+              <a:ext uri="{28A0092B-C50C-407E-A947-70E740481C1C}">
+                <a14:useLocalDpi xmlns:a14="http://schemas.microsoft.com/office/drawing/2010/main" val="0"/>
+              </a:ext>
+            </a:extLst>
+          </a:blip>
+          <a:stretch>
+            <a:fillRect/>
+          </a:stretch>
+        </p:blipFill>
+        <p:spPr>
+          <a:xfrm>
+            <a:off x="1" y="4688333"/>
+            <a:ext cx="6400800" cy="185701"/>
+          </a:xfrm>
+          <a:prstGeom prst="rect">
+            <a:avLst/>
+          </a:prstGeom>
+        </p:spPr>
+      </p:pic>
+      <p:sp>
+        <p:nvSpPr>
+          <p:cNvPr id="16" name="Rectangle 15">
+            <a:extLst>
+              <a:ext uri="{FF2B5EF4-FFF2-40B4-BE49-F238E27FC236}">
+                <a16:creationId xmlns:a16="http://schemas.microsoft.com/office/drawing/2014/main" id="{D53BD352-D802-4575-942F-8A415BA3EDE5}"/>
+              </a:ext>
+              <a:ext uri="{C183D7F6-B498-43B3-948B-1728B52AA6E4}">
+                <adec:decorative xmlns:adec="http://schemas.microsoft.com/office/drawing/2017/decorative" val="1"/>
+              </a:ext>
+            </a:extLst>
+          </p:cNvPr>
+          <p:cNvSpPr>
+            <a:spLocks noGrp="1" noRot="1" noChangeAspect="1" noMove="1" noResize="1" noEditPoints="1" noAdjustHandles="1" noChangeArrowheads="1" noChangeShapeType="1" noTextEdit="1"/>
+          </p:cNvSpPr>
+          <p:nvPr>
+            <p:extLst>
+              <p:ext uri="{386F3935-93C4-4BCD-93E2-E3B085C9AB24}">
+                <p16:designElem xmlns:p16="http://schemas.microsoft.com/office/powerpoint/2015/main" val="1"/>
+              </p:ext>
+            </p:extLst>
+          </p:nvPr>
+        </p:nvSpPr>
+        <p:spPr>
+          <a:xfrm>
+            <a:off x="-1" y="2162908"/>
+            <a:ext cx="6411743" cy="2532185"/>
+          </a:xfrm>
+          <a:prstGeom prst="rect">
+            <a:avLst/>
+          </a:prstGeom>
+          <a:solidFill>
+            <a:schemeClr val="bg1">
+              <a:lumMod val="85000"/>
+              <a:lumOff val="15000"/>
+            </a:schemeClr>
+          </a:solidFill>
+          <a:ln>
+            <a:noFill/>
+          </a:ln>
+        </p:spPr>
+        <p:style>
+          <a:lnRef idx="2">
+            <a:schemeClr val="accent1">
+              <a:shade val="50000"/>
+            </a:schemeClr>
+          </a:lnRef>
+          <a:fillRef idx="1">
+            <a:schemeClr val="accent1"/>
+          </a:fillRef>
+          <a:effectRef idx="0">
+            <a:schemeClr val="accent1"/>
+          </a:effectRef>
+          <a:fontRef idx="minor">
+            <a:schemeClr val="lt1"/>
+          </a:fontRef>
+        </p:style>
+      </p:sp>
       <p:sp>
         <p:nvSpPr>
           <p:cNvPr id="2" name="Title 1">
             <a:extLst>
               <a:ext uri="{FF2B5EF4-FFF2-40B4-BE49-F238E27FC236}">
-                <a16:creationId xmlns:a16="http://schemas.microsoft.com/office/drawing/2014/main" id="{78FFE3AB-225A-45C8-8042-945D505F35A7}"/>
+                <a16:creationId xmlns:a16="http://schemas.microsoft.com/office/drawing/2014/main" id="{56A88458-6E8D-400C-8E96-C10FBB96CC6E}"/>
               </a:ext>
             </a:extLst>
           </p:cNvPr>
@@ -7779,22 +12935,211 @@
             <p:ph type="ctrTitle"/>
           </p:nvPr>
         </p:nvSpPr>
-        <p:spPr/>
+        <p:spPr>
+          <a:xfrm>
+            <a:off x="368473" y="2403231"/>
+            <a:ext cx="5839822" cy="2133600"/>
+          </a:xfrm>
+        </p:spPr>
         <p:txBody>
-          <a:bodyPr/>
+          <a:bodyPr>
+            <a:noAutofit/>
+          </a:bodyPr>
           <a:lstStyle/>
           <a:p>
             <a:r>
+              <a:rPr lang="en-US" sz="3600" dirty="0"/>
+              <a:t> Group 2, Project 1: Wonderful World of Wine (Reviews)</a:t>
+            </a:r>
+          </a:p>
+        </p:txBody>
+      </p:sp>
+      <p:sp>
+        <p:nvSpPr>
+          <p:cNvPr id="18" name="Rectangle 17">
+            <a:extLst>
+              <a:ext uri="{FF2B5EF4-FFF2-40B4-BE49-F238E27FC236}">
+                <a16:creationId xmlns:a16="http://schemas.microsoft.com/office/drawing/2014/main" id="{B89DA753-B80A-47B6-9C77-FB895808B679}"/>
+              </a:ext>
+              <a:ext uri="{C183D7F6-B498-43B3-948B-1728B52AA6E4}">
+                <adec:decorative xmlns:adec="http://schemas.microsoft.com/office/drawing/2017/decorative" val="1"/>
+              </a:ext>
+            </a:extLst>
+          </p:cNvPr>
+          <p:cNvSpPr>
+            <a:spLocks noGrp="1" noRot="1" noChangeAspect="1" noMove="1" noResize="1" noEditPoints="1" noAdjustHandles="1" noChangeArrowheads="1" noChangeShapeType="1" noTextEdit="1"/>
+          </p:cNvSpPr>
+          <p:nvPr>
+            <p:extLst>
+              <p:ext uri="{386F3935-93C4-4BCD-93E2-E3B085C9AB24}">
+                <p16:designElem xmlns:p16="http://schemas.microsoft.com/office/powerpoint/2015/main" val="1"/>
+              </p:ext>
+            </p:extLst>
+          </p:nvPr>
+        </p:nvSpPr>
+        <p:spPr>
+          <a:xfrm>
+            <a:off x="6733163" y="642795"/>
+            <a:ext cx="4812406" cy="5575125"/>
+          </a:xfrm>
+          <a:prstGeom prst="rect">
+            <a:avLst/>
+          </a:prstGeom>
+          <a:solidFill>
+            <a:schemeClr val="tx1"/>
+          </a:solidFill>
+          <a:ln>
+            <a:noFill/>
+          </a:ln>
+          <a:effectLst>
+            <a:outerShdw blurRad="76200" dist="63500" dir="5040000" algn="t" rotWithShape="0">
+              <a:prstClr val="black">
+                <a:alpha val="41000"/>
+              </a:prstClr>
+            </a:outerShdw>
+          </a:effectLst>
+        </p:spPr>
+        <p:style>
+          <a:lnRef idx="2">
+            <a:schemeClr val="accent1">
+              <a:shade val="50000"/>
+            </a:schemeClr>
+          </a:lnRef>
+          <a:fillRef idx="1">
+            <a:schemeClr val="accent1"/>
+          </a:fillRef>
+          <a:effectRef idx="0">
+            <a:schemeClr val="accent1"/>
+          </a:effectRef>
+          <a:fontRef idx="minor">
+            <a:schemeClr val="lt1"/>
+          </a:fontRef>
+        </p:style>
+        <p:txBody>
+          <a:bodyPr rtlCol="0" anchor="ctr"/>
+          <a:lstStyle/>
+          <a:p>
+            <a:pPr algn="ctr"/>
+            <a:endParaRPr lang="en-US"/>
+          </a:p>
+        </p:txBody>
+      </p:sp>
+      <p:sp>
+        <p:nvSpPr>
+          <p:cNvPr id="4" name="TextBox 3">
+            <a:extLst>
+              <a:ext uri="{FF2B5EF4-FFF2-40B4-BE49-F238E27FC236}">
+                <a16:creationId xmlns:a16="http://schemas.microsoft.com/office/drawing/2014/main" id="{46CE9BDE-4124-4353-9695-41B3D400F4C9}"/>
+              </a:ext>
+            </a:extLst>
+          </p:cNvPr>
+          <p:cNvSpPr txBox="1"/>
+          <p:nvPr/>
+        </p:nvSpPr>
+        <p:spPr>
+          <a:xfrm>
+            <a:off x="505326" y="4874034"/>
+            <a:ext cx="5513543" cy="369332"/>
+          </a:xfrm>
+          <a:prstGeom prst="rect">
+            <a:avLst/>
+          </a:prstGeom>
+          <a:noFill/>
+        </p:spPr>
+        <p:txBody>
+          <a:bodyPr wrap="square" rtlCol="0">
+            <a:spAutoFit/>
+          </a:bodyPr>
+          <a:lstStyle/>
+          <a:p>
+            <a:r>
               <a:rPr lang="en-US" dirty="0"/>
-              <a:t>Project 1: The wonderful world of wine (reviews)</a:t>
+              <a:t>Presenters:</a:t>
             </a:r>
           </a:p>
         </p:txBody>
       </p:sp>
+      <p:graphicFrame>
+        <p:nvGraphicFramePr>
+          <p:cNvPr id="11" name="Content Placeholder 2">
+            <a:extLst>
+              <a:ext uri="{FF2B5EF4-FFF2-40B4-BE49-F238E27FC236}">
+                <a16:creationId xmlns:a16="http://schemas.microsoft.com/office/drawing/2014/main" id="{F0323CB3-3607-40BC-AAEC-E14BA6FBCBF6}"/>
+              </a:ext>
+            </a:extLst>
+          </p:cNvPr>
+          <p:cNvGraphicFramePr>
+            <a:graphicFrameLocks/>
+          </p:cNvGraphicFramePr>
+          <p:nvPr>
+            <p:extLst>
+              <p:ext uri="{D42A27DB-BD31-4B8C-83A1-F6EECF244321}">
+                <p14:modId xmlns:p14="http://schemas.microsoft.com/office/powerpoint/2010/main" val="435915947"/>
+              </p:ext>
+            </p:extLst>
+          </p:nvPr>
+        </p:nvGraphicFramePr>
+        <p:xfrm>
+          <a:off x="368473" y="4832553"/>
+          <a:ext cx="6013767" cy="2025448"/>
+        </p:xfrm>
+        <a:graphic>
+          <a:graphicData uri="http://schemas.openxmlformats.org/drawingml/2006/diagram">
+            <dgm:relIds xmlns:dgm="http://schemas.openxmlformats.org/drawingml/2006/diagram" xmlns:r="http://schemas.openxmlformats.org/officeDocument/2006/relationships" r:dm="rId5" r:lo="rId6" r:qs="rId7" r:cs="rId8"/>
+          </a:graphicData>
+        </a:graphic>
+      </p:graphicFrame>
+      <p:pic>
+        <p:nvPicPr>
+          <p:cNvPr id="1028" name="Picture 4" descr="Image result for grapes and wine">
+            <a:extLst>
+              <a:ext uri="{FF2B5EF4-FFF2-40B4-BE49-F238E27FC236}">
+                <a16:creationId xmlns:a16="http://schemas.microsoft.com/office/drawing/2014/main" id="{909B3B76-7874-487A-95D2-62B739EACF1B}"/>
+              </a:ext>
+            </a:extLst>
+          </p:cNvPr>
+          <p:cNvPicPr>
+            <a:picLocks noChangeAspect="1" noChangeArrowheads="1"/>
+          </p:cNvPicPr>
+          <p:nvPr/>
+        </p:nvPicPr>
+        <p:blipFill>
+          <a:blip r:embed="rId10">
+            <a:extLst>
+              <a:ext uri="{28A0092B-C50C-407E-A947-70E740481C1C}">
+                <a14:useLocalDpi xmlns:a14="http://schemas.microsoft.com/office/drawing/2010/main" val="0"/>
+              </a:ext>
+            </a:extLst>
+          </a:blip>
+          <a:srcRect/>
+          <a:stretch>
+            <a:fillRect/>
+          </a:stretch>
+        </p:blipFill>
+        <p:spPr bwMode="auto">
+          <a:xfrm>
+            <a:off x="5925166" y="361071"/>
+            <a:ext cx="6010656" cy="6217920"/>
+          </a:xfrm>
+          <a:prstGeom prst="rect">
+            <a:avLst/>
+          </a:prstGeom>
+          <a:noFill/>
+          <a:extLst>
+            <a:ext uri="{909E8E84-426E-40DD-AFC4-6F175D3DCCD1}">
+              <a14:hiddenFill xmlns:a14="http://schemas.microsoft.com/office/drawing/2010/main">
+                <a:solidFill>
+                  <a:srgbClr val="FFFFFF"/>
+                </a:solidFill>
+              </a14:hiddenFill>
+            </a:ext>
+          </a:extLst>
+        </p:spPr>
+      </p:pic>
     </p:spTree>
     <p:extLst>
       <p:ext uri="{BB962C8B-B14F-4D97-AF65-F5344CB8AC3E}">
-        <p14:creationId xmlns:p14="http://schemas.microsoft.com/office/powerpoint/2010/main" val="1406792585"/>
+        <p14:creationId xmlns:p14="http://schemas.microsoft.com/office/powerpoint/2010/main" val="288782975"/>
       </p:ext>
     </p:extLst>
   </p:cSld>
@@ -7826,7 +13171,7 @@
           <p:cNvPr id="2" name="Title 1">
             <a:extLst>
               <a:ext uri="{FF2B5EF4-FFF2-40B4-BE49-F238E27FC236}">
-                <a16:creationId xmlns:a16="http://schemas.microsoft.com/office/drawing/2014/main" id="{78BED90C-A159-4254-B4EE-0022C9BFB3CC}"/>
+                <a16:creationId xmlns:a16="http://schemas.microsoft.com/office/drawing/2014/main" id="{2181B0DD-9E32-41F0-A0D2-B7F6862DA7E6}"/>
               </a:ext>
             </a:extLst>
           </p:cNvPr>
@@ -7838,206 +13183,117 @@
           </p:nvPr>
         </p:nvSpPr>
         <p:spPr/>
-        <p:txBody>
-          <a:bodyPr/>
-          <a:lstStyle/>
-          <a:p>
-            <a:r>
-              <a:rPr lang="en-US" dirty="0"/>
-              <a:t>Hypothesis: California has the best rated wines – Partly Done- Complete</a:t>
-            </a:r>
-          </a:p>
-        </p:txBody>
-      </p:sp>
-      <p:sp>
-        <p:nvSpPr>
-          <p:cNvPr id="3" name="Content Placeholder 2">
-            <a:extLst>
-              <a:ext uri="{FF2B5EF4-FFF2-40B4-BE49-F238E27FC236}">
-                <a16:creationId xmlns:a16="http://schemas.microsoft.com/office/drawing/2014/main" id="{808B41DA-1E6A-47C5-9285-C850D44A2FA2}"/>
-              </a:ext>
-            </a:extLst>
-          </p:cNvPr>
-          <p:cNvSpPr>
-            <a:spLocks noGrp="1"/>
-          </p:cNvSpPr>
-          <p:nvPr>
-            <p:ph idx="1"/>
-          </p:nvPr>
-        </p:nvSpPr>
-        <p:spPr>
-          <a:xfrm>
-            <a:off x="680321" y="1961147"/>
-            <a:ext cx="9613861" cy="4752474"/>
-          </a:xfrm>
-        </p:spPr>
         <p:txBody>
           <a:bodyPr>
             <a:normAutofit/>
           </a:bodyPr>
           <a:lstStyle/>
           <a:p>
-            <a:pPr marL="0" indent="0">
-              <a:buNone/>
-            </a:pPr>
-            <a:r>
-              <a:rPr lang="en-US" sz="1600" dirty="0"/>
-              <a:t>1. Does spending more get you better wine?</a:t>
-            </a:r>
-          </a:p>
-          <a:p>
-            <a:pPr marL="0" indent="0">
-              <a:buNone/>
-            </a:pPr>
-            <a:r>
-              <a:rPr lang="en-US" sz="1600" dirty="0"/>
-              <a:t>  ANSWER:</a:t>
-            </a:r>
-          </a:p>
-          <a:p>
-            <a:pPr marL="0" indent="0">
-              <a:buNone/>
-            </a:pPr>
-            <a:r>
-              <a:rPr lang="en-US" sz="1600" dirty="0"/>
-              <a:t>    Viz: </a:t>
-            </a:r>
-            <a:r>
-              <a:rPr lang="en-US" sz="1600" b="1" dirty="0">
+            <a:r>
+              <a:rPr lang="en-US" sz="2800" dirty="0"/>
+              <a:t>Data Analysis: California vs the world by price of wine</a:t>
+            </a:r>
+          </a:p>
+        </p:txBody>
+      </p:sp>
+      <p:pic>
+        <p:nvPicPr>
+          <p:cNvPr id="3074" name="Picture 2">
+            <a:extLst>
+              <a:ext uri="{FF2B5EF4-FFF2-40B4-BE49-F238E27FC236}">
+                <a16:creationId xmlns:a16="http://schemas.microsoft.com/office/drawing/2014/main" id="{3726BF1F-C29E-4B08-9F31-5B1CFF3CE860}"/>
+              </a:ext>
+            </a:extLst>
+          </p:cNvPr>
+          <p:cNvPicPr>
+            <a:picLocks noChangeAspect="1" noChangeArrowheads="1"/>
+          </p:cNvPicPr>
+          <p:nvPr/>
+        </p:nvPicPr>
+        <p:blipFill>
+          <a:blip r:embed="rId3">
+            <a:extLst>
+              <a:ext uri="{28A0092B-C50C-407E-A947-70E740481C1C}">
+                <a14:useLocalDpi xmlns:a14="http://schemas.microsoft.com/office/drawing/2010/main" val="0"/>
+              </a:ext>
+            </a:extLst>
+          </a:blip>
+          <a:srcRect/>
+          <a:stretch>
+            <a:fillRect/>
+          </a:stretch>
+        </p:blipFill>
+        <p:spPr bwMode="auto">
+          <a:xfrm>
+            <a:off x="1033409" y="2044556"/>
+            <a:ext cx="4700427" cy="4700427"/>
+          </a:xfrm>
+          <a:prstGeom prst="rect">
+            <a:avLst/>
+          </a:prstGeom>
+          <a:noFill/>
+          <a:extLst>
+            <a:ext uri="{909E8E84-426E-40DD-AFC4-6F175D3DCCD1}">
+              <a14:hiddenFill xmlns:a14="http://schemas.microsoft.com/office/drawing/2010/main">
                 <a:solidFill>
-                  <a:schemeClr val="bg1"/>
+                  <a:srgbClr val="FFFFFF"/>
                 </a:solidFill>
-              </a:rPr>
-              <a:t>2 Scatter Plots </a:t>
-            </a:r>
-            <a:r>
-              <a:rPr lang="en-US" sz="1600" dirty="0"/>
-              <a:t>(one with the regression line/one without)</a:t>
-            </a:r>
-          </a:p>
-          <a:p>
-            <a:pPr marL="0" indent="0">
-              <a:buNone/>
-            </a:pPr>
-            <a:r>
-              <a:rPr lang="en-US" sz="1600" dirty="0"/>
-              <a:t>    Title : </a:t>
-            </a:r>
-          </a:p>
-          <a:p>
-            <a:pPr marL="0" indent="0">
-              <a:buNone/>
-            </a:pPr>
-            <a:r>
-              <a:rPr lang="en-US" sz="1600" dirty="0"/>
-              <a:t>    </a:t>
-            </a:r>
-            <a:r>
-              <a:rPr lang="en-US" sz="1600" dirty="0" err="1"/>
-              <a:t>x_axis</a:t>
-            </a:r>
-            <a:r>
-              <a:rPr lang="en-US" sz="1600" dirty="0"/>
-              <a:t> : point value</a:t>
-            </a:r>
-          </a:p>
-          <a:p>
-            <a:pPr marL="0" indent="0">
-              <a:buNone/>
-            </a:pPr>
-            <a:r>
-              <a:rPr lang="en-US" sz="1600" dirty="0"/>
-              <a:t>    y-axis : price</a:t>
-            </a:r>
-          </a:p>
-          <a:p>
-            <a:pPr marL="0" indent="0">
-              <a:buNone/>
-            </a:pPr>
-            <a:r>
-              <a:rPr lang="en-US" sz="1600" dirty="0"/>
-              <a:t>  Notes: IQR for this to be added</a:t>
-            </a:r>
-          </a:p>
-          <a:p>
-            <a:pPr marL="0" indent="0">
-              <a:buNone/>
-            </a:pPr>
-            <a:r>
-              <a:rPr lang="en-US" sz="1400" dirty="0"/>
-              <a:t>2. Does spending more get you better wine?</a:t>
-            </a:r>
-          </a:p>
-          <a:p>
-            <a:pPr marL="0" indent="0">
-              <a:buNone/>
-            </a:pPr>
-            <a:r>
-              <a:rPr lang="en-US" sz="1400" dirty="0"/>
-              <a:t>  ANSWER:</a:t>
-            </a:r>
-          </a:p>
-          <a:p>
-            <a:pPr marL="0" indent="0">
-              <a:buNone/>
-            </a:pPr>
-            <a:r>
-              <a:rPr lang="en-US" sz="1400" dirty="0"/>
-              <a:t>    Viz: </a:t>
-            </a:r>
-            <a:r>
-              <a:rPr lang="en-US" sz="1400" b="1" dirty="0">
+              </a14:hiddenFill>
+            </a:ext>
+          </a:extLst>
+        </p:spPr>
+      </p:pic>
+      <p:pic>
+        <p:nvPicPr>
+          <p:cNvPr id="3076" name="Picture 4">
+            <a:extLst>
+              <a:ext uri="{FF2B5EF4-FFF2-40B4-BE49-F238E27FC236}">
+                <a16:creationId xmlns:a16="http://schemas.microsoft.com/office/drawing/2014/main" id="{4745C21B-A935-4524-9255-FDE9F9B5A4A8}"/>
+              </a:ext>
+            </a:extLst>
+          </p:cNvPr>
+          <p:cNvPicPr>
+            <a:picLocks noChangeAspect="1" noChangeArrowheads="1"/>
+          </p:cNvPicPr>
+          <p:nvPr/>
+        </p:nvPicPr>
+        <p:blipFill>
+          <a:blip r:embed="rId4">
+            <a:extLst>
+              <a:ext uri="{28A0092B-C50C-407E-A947-70E740481C1C}">
+                <a14:useLocalDpi xmlns:a14="http://schemas.microsoft.com/office/drawing/2010/main" val="0"/>
+              </a:ext>
+            </a:extLst>
+          </a:blip>
+          <a:srcRect/>
+          <a:stretch>
+            <a:fillRect/>
+          </a:stretch>
+        </p:blipFill>
+        <p:spPr bwMode="auto">
+          <a:xfrm>
+            <a:off x="6458163" y="2044556"/>
+            <a:ext cx="4700428" cy="4700428"/>
+          </a:xfrm>
+          <a:prstGeom prst="rect">
+            <a:avLst/>
+          </a:prstGeom>
+          <a:noFill/>
+          <a:extLst>
+            <a:ext uri="{909E8E84-426E-40DD-AFC4-6F175D3DCCD1}">
+              <a14:hiddenFill xmlns:a14="http://schemas.microsoft.com/office/drawing/2010/main">
                 <a:solidFill>
-                  <a:schemeClr val="bg1"/>
+                  <a:srgbClr val="FFFFFF"/>
                 </a:solidFill>
-              </a:rPr>
-              <a:t>3 pies</a:t>
-            </a:r>
-          </a:p>
-          <a:p>
-            <a:pPr marL="0" indent="0">
-              <a:buNone/>
-            </a:pPr>
-            <a:r>
-              <a:rPr lang="en-US" sz="1400" dirty="0"/>
-              <a:t>    Title : </a:t>
-            </a:r>
-          </a:p>
-          <a:p>
-            <a:pPr marL="0" indent="0">
-              <a:buNone/>
-            </a:pPr>
-            <a:r>
-              <a:rPr lang="en-US" sz="1400" dirty="0"/>
-              <a:t>    </a:t>
-            </a:r>
-            <a:r>
-              <a:rPr lang="en-US" sz="1400" dirty="0" err="1"/>
-              <a:t>x_axis</a:t>
-            </a:r>
-            <a:r>
-              <a:rPr lang="en-US" sz="1400" dirty="0"/>
-              <a:t> : </a:t>
-            </a:r>
-          </a:p>
-          <a:p>
-            <a:pPr marL="0" indent="0">
-              <a:buNone/>
-            </a:pPr>
-            <a:r>
-              <a:rPr lang="en-US" sz="1400" dirty="0"/>
-              <a:t>    y-axis : </a:t>
-            </a:r>
-          </a:p>
-          <a:p>
-            <a:endParaRPr lang="en-US" dirty="0"/>
-          </a:p>
-        </p:txBody>
-      </p:sp>
+              </a14:hiddenFill>
+            </a:ext>
+          </a:extLst>
+        </p:spPr>
+      </p:pic>
     </p:spTree>
     <p:extLst>
       <p:ext uri="{BB962C8B-B14F-4D97-AF65-F5344CB8AC3E}">
-        <p14:creationId xmlns:p14="http://schemas.microsoft.com/office/powerpoint/2010/main" val="1799875477"/>
+        <p14:creationId xmlns:p14="http://schemas.microsoft.com/office/powerpoint/2010/main" val="1118687428"/>
       </p:ext>
     </p:extLst>
   </p:cSld>
@@ -8069,7 +13325,7 @@
           <p:cNvPr id="2" name="Title 1">
             <a:extLst>
               <a:ext uri="{FF2B5EF4-FFF2-40B4-BE49-F238E27FC236}">
-                <a16:creationId xmlns:a16="http://schemas.microsoft.com/office/drawing/2014/main" id="{AA0F6194-EE90-4EBE-8672-E4796D7DF787}"/>
+                <a16:creationId xmlns:a16="http://schemas.microsoft.com/office/drawing/2014/main" id="{8AFE0946-24D2-4BE4-90DE-C2E03DC96D4F}"/>
               </a:ext>
             </a:extLst>
           </p:cNvPr>
@@ -8087,191 +13343,15 @@
           <a:p>
             <a:r>
               <a:rPr lang="en-US" dirty="0"/>
-              <a:t>Hypothesis: California has the best rated wines</a:t>
-            </a:r>
-          </a:p>
-        </p:txBody>
-      </p:sp>
-      <p:sp>
-        <p:nvSpPr>
-          <p:cNvPr id="3" name="Content Placeholder 2">
-            <a:extLst>
-              <a:ext uri="{FF2B5EF4-FFF2-40B4-BE49-F238E27FC236}">
-                <a16:creationId xmlns:a16="http://schemas.microsoft.com/office/drawing/2014/main" id="{C923E732-C45D-4099-BF29-F8F825A6E1B7}"/>
-              </a:ext>
-            </a:extLst>
-          </p:cNvPr>
-          <p:cNvSpPr>
-            <a:spLocks noGrp="1"/>
-          </p:cNvSpPr>
-          <p:nvPr>
-            <p:ph idx="1"/>
-          </p:nvPr>
-        </p:nvSpPr>
-        <p:spPr>
-          <a:xfrm>
-            <a:off x="680321" y="1997242"/>
-            <a:ext cx="9613861" cy="4632158"/>
-          </a:xfrm>
-        </p:spPr>
-        <p:txBody>
-          <a:bodyPr>
-            <a:normAutofit/>
-          </a:bodyPr>
-          <a:lstStyle/>
-          <a:p>
-            <a:pPr marL="0" indent="0">
-              <a:buNone/>
-            </a:pPr>
-            <a:r>
-              <a:rPr lang="en-US" sz="1600" dirty="0"/>
-              <a:t>3. Do they have the best rated because they have higher diversity of wines?</a:t>
-            </a:r>
-          </a:p>
-          <a:p>
-            <a:pPr marL="0" indent="0">
-              <a:buNone/>
-            </a:pPr>
-            <a:r>
-              <a:rPr lang="en-US" sz="1600" dirty="0"/>
-              <a:t>  ANSWER:</a:t>
-            </a:r>
-          </a:p>
-          <a:p>
-            <a:pPr marL="0" indent="0">
-              <a:buNone/>
-            </a:pPr>
-            <a:r>
-              <a:rPr lang="en-US" sz="1600" dirty="0"/>
-              <a:t>    Viz: Bar</a:t>
-            </a:r>
-          </a:p>
-          <a:p>
-            <a:pPr marL="0" indent="0">
-              <a:buNone/>
-            </a:pPr>
-            <a:r>
-              <a:rPr lang="en-US" sz="1600" dirty="0"/>
-              <a:t>    Title : Top 10 Provinces by variety count</a:t>
-            </a:r>
-          </a:p>
-          <a:p>
-            <a:pPr marL="0" indent="0">
-              <a:buNone/>
-            </a:pPr>
-            <a:r>
-              <a:rPr lang="en-US" sz="1600" dirty="0"/>
-              <a:t>    </a:t>
-            </a:r>
-            <a:r>
-              <a:rPr lang="en-US" sz="1600" dirty="0" err="1"/>
-              <a:t>y_axis</a:t>
-            </a:r>
-            <a:r>
-              <a:rPr lang="en-US" sz="1600" dirty="0"/>
-              <a:t> : # varieties</a:t>
-            </a:r>
-          </a:p>
-          <a:p>
-            <a:pPr marL="0" indent="0">
-              <a:buNone/>
-            </a:pPr>
-            <a:r>
-              <a:rPr lang="en-US" sz="1600" dirty="0"/>
-              <a:t>     x-axis : province (only show top 10)</a:t>
-            </a:r>
-          </a:p>
-          <a:p>
-            <a:pPr marL="0" indent="0">
-              <a:buNone/>
-            </a:pPr>
-            <a:r>
-              <a:rPr lang="en-US" sz="1600" dirty="0"/>
-              <a:t>4. Do have the best rated because their wineries fall top 20 wineries by points.</a:t>
-            </a:r>
-          </a:p>
-          <a:p>
-            <a:pPr marL="0" indent="0">
-              <a:buNone/>
-            </a:pPr>
-            <a:r>
-              <a:rPr lang="en-US" sz="1600" dirty="0"/>
-              <a:t> Answer:</a:t>
-            </a:r>
-          </a:p>
-          <a:p>
-            <a:pPr marL="0" indent="0">
-              <a:buNone/>
-            </a:pPr>
-            <a:r>
-              <a:rPr lang="en-US" sz="1600" dirty="0"/>
-              <a:t>    Viz:  Bar</a:t>
-            </a:r>
-          </a:p>
-          <a:p>
-            <a:pPr marL="0" indent="0">
-              <a:buNone/>
-            </a:pPr>
-            <a:r>
-              <a:rPr lang="en-US" sz="1600" dirty="0"/>
-              <a:t>    Title: Top 20 wineries by Average point</a:t>
-            </a:r>
-          </a:p>
-          <a:p>
-            <a:pPr marL="0" indent="0">
-              <a:buNone/>
-            </a:pPr>
-            <a:r>
-              <a:rPr lang="en-US" sz="1600" dirty="0"/>
-              <a:t>    </a:t>
-            </a:r>
-            <a:r>
-              <a:rPr lang="en-US" sz="1600" dirty="0" err="1"/>
-              <a:t>x_axis</a:t>
-            </a:r>
-            <a:r>
-              <a:rPr lang="en-US" sz="1600" dirty="0"/>
-              <a:t>: most reviewed wineries</a:t>
-            </a:r>
-          </a:p>
-          <a:p>
-            <a:pPr marL="0" indent="0">
-              <a:buNone/>
-            </a:pPr>
-            <a:r>
-              <a:rPr lang="en-US" sz="1600" dirty="0"/>
-              <a:t>    </a:t>
-            </a:r>
-            <a:r>
-              <a:rPr lang="en-US" sz="1600" dirty="0" err="1"/>
-              <a:t>y_axis</a:t>
-            </a:r>
-            <a:r>
-              <a:rPr lang="en-US" sz="1600" dirty="0"/>
-              <a:t>: average review</a:t>
-            </a:r>
-          </a:p>
-          <a:p>
-            <a:pPr marL="0" indent="0">
-              <a:buNone/>
-            </a:pPr>
-            <a:r>
-              <a:rPr lang="en-US" sz="1600" dirty="0"/>
-              <a:t>    Implication: </a:t>
-            </a:r>
-          </a:p>
-          <a:p>
-            <a:pPr marL="0" indent="0">
-              <a:buNone/>
-            </a:pPr>
-            <a:endParaRPr lang="en-US" sz="1600" dirty="0"/>
+              <a:t>Data Analysis: logistical regression</a:t>
+            </a:r>
           </a:p>
         </p:txBody>
       </p:sp>
     </p:spTree>
     <p:extLst>
       <p:ext uri="{BB962C8B-B14F-4D97-AF65-F5344CB8AC3E}">
-        <p14:creationId xmlns:p14="http://schemas.microsoft.com/office/powerpoint/2010/main" val="4190914727"/>
+        <p14:creationId xmlns:p14="http://schemas.microsoft.com/office/powerpoint/2010/main" val="582381945"/>
       </p:ext>
     </p:extLst>
   </p:cSld>
@@ -8303,7 +13383,7 @@
           <p:cNvPr id="2" name="Title 1">
             <a:extLst>
               <a:ext uri="{FF2B5EF4-FFF2-40B4-BE49-F238E27FC236}">
-                <a16:creationId xmlns:a16="http://schemas.microsoft.com/office/drawing/2014/main" id="{0F6A42CF-C4E5-4E4B-9F95-042783542760}"/>
+                <a16:creationId xmlns:a16="http://schemas.microsoft.com/office/drawing/2014/main" id="{4BCF304C-0FAC-48FB-82F6-556BB8DF9CA4}"/>
               </a:ext>
             </a:extLst>
           </p:cNvPr>
@@ -8321,102 +13401,12 @@
           <a:p>
             <a:r>
               <a:rPr lang="en-US" dirty="0"/>
-              <a:t>Hypothesis: California has the best rated wines</a:t>
-            </a:r>
-          </a:p>
-        </p:txBody>
-      </p:sp>
-      <p:sp>
-        <p:nvSpPr>
-          <p:cNvPr id="3" name="Content Placeholder 2">
-            <a:extLst>
-              <a:ext uri="{FF2B5EF4-FFF2-40B4-BE49-F238E27FC236}">
-                <a16:creationId xmlns:a16="http://schemas.microsoft.com/office/drawing/2014/main" id="{3AE6508C-1926-4044-8536-6B69FFD74168}"/>
-              </a:ext>
-            </a:extLst>
-          </p:cNvPr>
-          <p:cNvSpPr>
-            <a:spLocks noGrp="1"/>
-          </p:cNvSpPr>
-          <p:nvPr>
-            <p:ph idx="1"/>
-          </p:nvPr>
-        </p:nvSpPr>
-        <p:spPr/>
-        <p:txBody>
-          <a:bodyPr/>
-          <a:lstStyle/>
-          <a:p>
-            <a:pPr marL="0" indent="0">
-              <a:buNone/>
-            </a:pPr>
-            <a:r>
-              <a:rPr lang="en-US" sz="1600" dirty="0"/>
-              <a:t>5. Do have the best rated because they have a high number of distributions of reviews by year.</a:t>
-            </a:r>
-          </a:p>
-          <a:p>
-            <a:pPr marL="0" indent="0">
-              <a:buNone/>
-            </a:pPr>
-            <a:r>
-              <a:rPr lang="en-US" sz="1600" dirty="0"/>
-              <a:t> Answer:</a:t>
-            </a:r>
-          </a:p>
-          <a:p>
-            <a:pPr marL="0" indent="0">
-              <a:buNone/>
-            </a:pPr>
-            <a:r>
-              <a:rPr lang="en-US" sz="1600" dirty="0"/>
-              <a:t>    Viz:  line</a:t>
-            </a:r>
-          </a:p>
-          <a:p>
-            <a:pPr marL="0" indent="0">
-              <a:buNone/>
-            </a:pPr>
-            <a:r>
-              <a:rPr lang="en-US" sz="1600" dirty="0"/>
-              <a:t>    Title: Distribution of reviews by year</a:t>
-            </a:r>
-          </a:p>
-          <a:p>
-            <a:pPr marL="0" indent="0">
-              <a:buNone/>
-            </a:pPr>
-            <a:r>
-              <a:rPr lang="en-US" sz="1600" dirty="0"/>
-              <a:t>    </a:t>
-            </a:r>
-            <a:r>
-              <a:rPr lang="en-US" sz="1600" dirty="0" err="1"/>
-              <a:t>x_axis</a:t>
-            </a:r>
-            <a:r>
-              <a:rPr lang="en-US" sz="1600" dirty="0"/>
-              <a:t>: Year</a:t>
-            </a:r>
-          </a:p>
-          <a:p>
-            <a:pPr marL="0" indent="0">
-              <a:buNone/>
-            </a:pPr>
-            <a:r>
-              <a:rPr lang="en-US" sz="1600" dirty="0"/>
-              <a:t>    </a:t>
-            </a:r>
-            <a:r>
-              <a:rPr lang="en-US" sz="1600" dirty="0" err="1"/>
-              <a:t>y_axis</a:t>
-            </a:r>
-            <a:r>
-              <a:rPr lang="en-US" sz="1600" dirty="0"/>
-              <a:t>: Count of reviews</a:t>
-            </a:r>
-          </a:p>
-          <a:p>
+              <a:t>Data Analysis: </a:t>
+            </a:r>
+            <a:r>
+              <a:rPr lang="en-US" dirty="0" err="1"/>
+              <a:t>iqr</a:t>
+            </a:r>
             <a:endParaRPr lang="en-US" dirty="0"/>
           </a:p>
         </p:txBody>
@@ -8424,7 +13414,7 @@
     </p:spTree>
     <p:extLst>
       <p:ext uri="{BB962C8B-B14F-4D97-AF65-F5344CB8AC3E}">
-        <p14:creationId xmlns:p14="http://schemas.microsoft.com/office/powerpoint/2010/main" val="1747844784"/>
+        <p14:creationId xmlns:p14="http://schemas.microsoft.com/office/powerpoint/2010/main" val="2873319812"/>
       </p:ext>
     </p:extLst>
   </p:cSld>
@@ -8456,7 +13446,7 @@
           <p:cNvPr id="2" name="Title 1">
             <a:extLst>
               <a:ext uri="{FF2B5EF4-FFF2-40B4-BE49-F238E27FC236}">
-                <a16:creationId xmlns:a16="http://schemas.microsoft.com/office/drawing/2014/main" id="{EF249449-215C-4802-959F-FE62F24C337F}"/>
+                <a16:creationId xmlns:a16="http://schemas.microsoft.com/office/drawing/2014/main" id="{6618233B-3150-41B3-9378-50223671F10A}"/>
               </a:ext>
             </a:extLst>
           </p:cNvPr>
@@ -8474,70 +13464,7 @@
           <a:p>
             <a:r>
               <a:rPr lang="en-US" dirty="0"/>
-              <a:t>Checklist</a:t>
-            </a:r>
-          </a:p>
-        </p:txBody>
-      </p:sp>
-      <p:sp>
-        <p:nvSpPr>
-          <p:cNvPr id="3" name="Content Placeholder 2">
-            <a:extLst>
-              <a:ext uri="{FF2B5EF4-FFF2-40B4-BE49-F238E27FC236}">
-                <a16:creationId xmlns:a16="http://schemas.microsoft.com/office/drawing/2014/main" id="{6B368BDA-F269-487E-B24A-110BB7BDB7F1}"/>
-              </a:ext>
-            </a:extLst>
-          </p:cNvPr>
-          <p:cNvSpPr>
-            <a:spLocks noGrp="1"/>
-          </p:cNvSpPr>
-          <p:nvPr>
-            <p:ph idx="1"/>
-          </p:nvPr>
-        </p:nvSpPr>
-        <p:spPr/>
-        <p:txBody>
-          <a:bodyPr/>
-          <a:lstStyle/>
-          <a:p>
-            <a:r>
-              <a:rPr lang="en-US" dirty="0"/>
-              <a:t>Proposal</a:t>
-            </a:r>
-          </a:p>
-          <a:p>
-            <a:r>
-              <a:rPr lang="en-US" dirty="0"/>
-              <a:t>Presentation</a:t>
-            </a:r>
-          </a:p>
-          <a:p>
-            <a:r>
-              <a:rPr lang="en-US" dirty="0"/>
-              <a:t>6 to 8 visualizations</a:t>
-            </a:r>
-          </a:p>
-          <a:p>
-            <a:r>
-              <a:rPr lang="en-US" dirty="0"/>
-              <a:t>API – Optional</a:t>
-            </a:r>
-          </a:p>
-          <a:p>
-            <a:r>
-              <a:rPr lang="en-US" dirty="0"/>
-              <a:t>Coding – </a:t>
-            </a:r>
-            <a:r>
-              <a:rPr lang="en-US" dirty="0" err="1"/>
-              <a:t>matplotlib,pandas</a:t>
-            </a:r>
-            <a:endParaRPr lang="en-US" dirty="0"/>
-          </a:p>
-          <a:p>
-            <a:r>
-              <a:rPr lang="en-US" dirty="0"/>
-              <a:t>Implications of our finding/story</a:t>
+              <a:t>Data Analysis: T-test (or whatever test)</a:t>
             </a:r>
           </a:p>
         </p:txBody>
@@ -8545,7 +13472,7 @@
     </p:spTree>
     <p:extLst>
       <p:ext uri="{BB962C8B-B14F-4D97-AF65-F5344CB8AC3E}">
-        <p14:creationId xmlns:p14="http://schemas.microsoft.com/office/powerpoint/2010/main" val="316162821"/>
+        <p14:creationId xmlns:p14="http://schemas.microsoft.com/office/powerpoint/2010/main" val="2172291235"/>
       </p:ext>
     </p:extLst>
   </p:cSld>
@@ -8555,7 +13482,7 @@
 </p:sld>
 </file>
 
-<file path=ppt/slides/slide2.xml><?xml version="1.0" encoding="utf-8"?>
+<file path=ppt/slides/slide14.xml><?xml version="1.0" encoding="utf-8"?>
 <p:sld xmlns:a="http://schemas.openxmlformats.org/drawingml/2006/main" xmlns:r="http://schemas.openxmlformats.org/officeDocument/2006/relationships" xmlns:p="http://schemas.openxmlformats.org/presentationml/2006/main">
   <p:cSld>
     <p:bg>
@@ -8566,9 +13493,9 @@
               <a:schemeClr val="bg2">
                 <a:tint val="96000"/>
                 <a:shade val="100000"/>
-                <a:hueMod val="270000"/>
-                <a:satMod val="200000"/>
-                <a:lumMod val="128000"/>
+                <a:hueMod val="106000"/>
+                <a:satMod val="220000"/>
+                <a:lumMod val="140000"/>
               </a:schemeClr>
             </a:gs>
             <a:gs pos="50000">
@@ -8581,9 +13508,9 @@
             </a:gs>
             <a:gs pos="100000">
               <a:schemeClr val="bg2">
-                <a:shade val="78000"/>
-                <a:hueMod val="44000"/>
-                <a:satMod val="200000"/>
+                <a:shade val="69000"/>
+                <a:hueMod val="88000"/>
+                <a:satMod val="160000"/>
                 <a:lumMod val="69000"/>
               </a:schemeClr>
             </a:gs>
@@ -8607,12 +13534,245 @@
           <a:chExt cx="0" cy="0"/>
         </a:xfrm>
       </p:grpSpPr>
+      <p:grpSp>
+        <p:nvGrpSpPr>
+          <p:cNvPr id="18" name="Group 17">
+            <a:extLst>
+              <a:ext uri="{FF2B5EF4-FFF2-40B4-BE49-F238E27FC236}">
+                <a16:creationId xmlns:a16="http://schemas.microsoft.com/office/drawing/2014/main" id="{AC37DDB7-CF1E-4923-8356-966F5F2A0795}"/>
+              </a:ext>
+              <a:ext uri="{C183D7F6-B498-43B3-948B-1728B52AA6E4}">
+                <adec:decorative xmlns:adec="http://schemas.microsoft.com/office/drawing/2017/decorative" val="1"/>
+              </a:ext>
+            </a:extLst>
+          </p:cNvPr>
+          <p:cNvGrpSpPr>
+            <a:grpSpLocks noGrp="1" noUngrp="1" noRot="1" noChangeAspect="1" noMove="1" noResize="1"/>
+          </p:cNvGrpSpPr>
+          <p:nvPr>
+            <p:extLst>
+              <p:ext uri="{386F3935-93C4-4BCD-93E2-E3B085C9AB24}">
+                <p16:designElem xmlns:p16="http://schemas.microsoft.com/office/powerpoint/2015/main" val="1"/>
+              </p:ext>
+            </p:extLst>
+          </p:nvPr>
+        </p:nvGrpSpPr>
+        <p:grpSpPr>
+          <a:xfrm>
+            <a:off x="-3176" y="0"/>
+            <a:ext cx="12192000" cy="6858001"/>
+            <a:chOff x="-3176" y="0"/>
+            <a:chExt cx="12192000" cy="6858001"/>
+          </a:xfrm>
+        </p:grpSpPr>
+        <p:sp useBgFill="1">
+          <p:nvSpPr>
+            <p:cNvPr id="19" name="Rectangle 18">
+              <a:extLst>
+                <a:ext uri="{FF2B5EF4-FFF2-40B4-BE49-F238E27FC236}">
+                  <a16:creationId xmlns:a16="http://schemas.microsoft.com/office/drawing/2014/main" id="{362D9DAF-241E-4594-BDF6-641F6D6A5DDB}"/>
+                </a:ext>
+                <a:ext uri="{C183D7F6-B498-43B3-948B-1728B52AA6E4}">
+                  <adec:decorative xmlns:adec="http://schemas.microsoft.com/office/drawing/2017/decorative" val="1"/>
+                </a:ext>
+              </a:extLst>
+            </p:cNvPr>
+            <p:cNvSpPr/>
+            <p:nvPr>
+              <p:extLst>
+                <p:ext uri="{386F3935-93C4-4BCD-93E2-E3B085C9AB24}">
+                  <p16:designElem xmlns:p16="http://schemas.microsoft.com/office/powerpoint/2015/main" val="1"/>
+                </p:ext>
+              </p:extLst>
+            </p:nvPr>
+          </p:nvSpPr>
+          <p:spPr>
+            <a:xfrm>
+              <a:off x="0" y="0"/>
+              <a:ext cx="12188824" cy="6858001"/>
+            </a:xfrm>
+            <a:prstGeom prst="rect">
+              <a:avLst/>
+            </a:prstGeom>
+            <a:ln>
+              <a:noFill/>
+            </a:ln>
+          </p:spPr>
+          <p:style>
+            <a:lnRef idx="2">
+              <a:schemeClr val="accent1">
+                <a:shade val="50000"/>
+              </a:schemeClr>
+            </a:lnRef>
+            <a:fillRef idx="1">
+              <a:schemeClr val="accent1"/>
+            </a:fillRef>
+            <a:effectRef idx="0">
+              <a:schemeClr val="accent1"/>
+            </a:effectRef>
+            <a:fontRef idx="minor">
+              <a:schemeClr val="lt1"/>
+            </a:fontRef>
+          </p:style>
+          <p:txBody>
+            <a:bodyPr rtlCol="0" anchor="ctr"/>
+            <a:lstStyle/>
+            <a:p>
+              <a:pPr algn="ctr"/>
+              <a:endParaRPr lang="en-US"/>
+            </a:p>
+          </p:txBody>
+        </p:sp>
+        <p:pic>
+          <p:nvPicPr>
+            <p:cNvPr id="20" name="Picture 19">
+              <a:extLst>
+                <a:ext uri="{FF2B5EF4-FFF2-40B4-BE49-F238E27FC236}">
+                  <a16:creationId xmlns:a16="http://schemas.microsoft.com/office/drawing/2014/main" id="{D5F7A6CC-E753-44F2-9C9E-1B80D8190898}"/>
+                </a:ext>
+                <a:ext uri="{C183D7F6-B498-43B3-948B-1728B52AA6E4}">
+                  <adec:decorative xmlns:adec="http://schemas.microsoft.com/office/drawing/2017/decorative" val="1"/>
+                </a:ext>
+              </a:extLst>
+            </p:cNvPr>
+            <p:cNvPicPr>
+              <a:picLocks noChangeAspect="1"/>
+            </p:cNvPicPr>
+            <p:nvPr>
+              <p:extLst>
+                <p:ext uri="{386F3935-93C4-4BCD-93E2-E3B085C9AB24}">
+                  <p16:designElem xmlns:p16="http://schemas.microsoft.com/office/powerpoint/2015/main" val="1"/>
+                </p:ext>
+              </p:extLst>
+            </p:nvPr>
+          </p:nvPicPr>
+          <p:blipFill>
+            <a:blip r:embed="rId3">
+              <a:alphaModFix amt="10000"/>
+              <a:extLst>
+                <a:ext uri="{28A0092B-C50C-407E-A947-70E740481C1C}">
+                  <a14:useLocalDpi xmlns:a14="http://schemas.microsoft.com/office/drawing/2010/main" val="0"/>
+                </a:ext>
+              </a:extLst>
+            </a:blip>
+            <a:stretch>
+              <a:fillRect/>
+            </a:stretch>
+          </p:blipFill>
+          <p:spPr>
+            <a:xfrm>
+              <a:off x="-3176" y="0"/>
+              <a:ext cx="12192000" cy="6858000"/>
+            </a:xfrm>
+            <a:prstGeom prst="rect">
+              <a:avLst/>
+            </a:prstGeom>
+          </p:spPr>
+        </p:pic>
+      </p:grpSp>
+      <p:pic>
+        <p:nvPicPr>
+          <p:cNvPr id="10" name="Content Placeholder 9" descr="A person wearing a suit and tie&#10;&#10;Description automatically generated">
+            <a:extLst>
+              <a:ext uri="{FF2B5EF4-FFF2-40B4-BE49-F238E27FC236}">
+                <a16:creationId xmlns:a16="http://schemas.microsoft.com/office/drawing/2014/main" id="{D18BC825-47E6-437C-B5FF-88AA1E5C8BBC}"/>
+              </a:ext>
+            </a:extLst>
+          </p:cNvPr>
+          <p:cNvPicPr>
+            <a:picLocks noChangeAspect="1"/>
+          </p:cNvPicPr>
+          <p:nvPr/>
+        </p:nvPicPr>
+        <p:blipFill rotWithShape="1">
+          <a:blip r:embed="rId4">
+            <a:extLst>
+              <a:ext uri="{837473B0-CC2E-450A-ABE3-18F120FF3D39}">
+                <a1611:picAttrSrcUrl xmlns:a1611="http://schemas.microsoft.com/office/drawing/2016/11/main" r:id="rId5"/>
+              </a:ext>
+            </a:extLst>
+          </a:blip>
+          <a:srcRect t="22174" r="2" b="5432"/>
+          <a:stretch/>
+        </p:blipFill>
+        <p:spPr>
+          <a:xfrm>
+            <a:off x="4636008" y="10"/>
+            <a:ext cx="7552815" cy="6856310"/>
+          </a:xfrm>
+          <a:prstGeom prst="rect">
+            <a:avLst/>
+          </a:prstGeom>
+          <a:ln>
+            <a:noFill/>
+          </a:ln>
+          <a:effectLst/>
+        </p:spPr>
+      </p:pic>
+      <p:sp>
+        <p:nvSpPr>
+          <p:cNvPr id="22" name="Rectangle 21">
+            <a:extLst>
+              <a:ext uri="{FF2B5EF4-FFF2-40B4-BE49-F238E27FC236}">
+                <a16:creationId xmlns:a16="http://schemas.microsoft.com/office/drawing/2014/main" id="{E1E1EAB6-C066-436F-B97B-506A3CAD01D8}"/>
+              </a:ext>
+              <a:ext uri="{C183D7F6-B498-43B3-948B-1728B52AA6E4}">
+                <adec:decorative xmlns:adec="http://schemas.microsoft.com/office/drawing/2017/decorative" val="1"/>
+              </a:ext>
+            </a:extLst>
+          </p:cNvPr>
+          <p:cNvSpPr>
+            <a:spLocks noGrp="1" noRot="1" noChangeAspect="1" noMove="1" noResize="1" noEditPoints="1" noAdjustHandles="1" noChangeArrowheads="1" noChangeShapeType="1" noTextEdit="1"/>
+          </p:cNvSpPr>
+          <p:nvPr>
+            <p:extLst>
+              <p:ext uri="{386F3935-93C4-4BCD-93E2-E3B085C9AB24}">
+                <p16:designElem xmlns:p16="http://schemas.microsoft.com/office/powerpoint/2015/main" val="1"/>
+              </p:ext>
+            </p:extLst>
+          </p:nvPr>
+        </p:nvSpPr>
+        <p:spPr bwMode="grayWhite">
+          <a:xfrm>
+            <a:off x="2" y="609600"/>
+            <a:ext cx="5018565" cy="1368198"/>
+          </a:xfrm>
+          <a:prstGeom prst="rect">
+            <a:avLst/>
+          </a:prstGeom>
+          <a:solidFill>
+            <a:schemeClr val="bg1">
+              <a:lumMod val="85000"/>
+              <a:lumOff val="15000"/>
+            </a:schemeClr>
+          </a:solidFill>
+          <a:ln>
+            <a:noFill/>
+          </a:ln>
+        </p:spPr>
+        <p:style>
+          <a:lnRef idx="2">
+            <a:schemeClr val="accent1">
+              <a:shade val="50000"/>
+            </a:schemeClr>
+          </a:lnRef>
+          <a:fillRef idx="1">
+            <a:schemeClr val="accent1"/>
+          </a:fillRef>
+          <a:effectRef idx="0">
+            <a:schemeClr val="accent1"/>
+          </a:effectRef>
+          <a:fontRef idx="minor">
+            <a:schemeClr val="lt1"/>
+          </a:fontRef>
+        </p:style>
+      </p:sp>
       <p:sp>
         <p:nvSpPr>
           <p:cNvPr id="2" name="Title 1">
             <a:extLst>
               <a:ext uri="{FF2B5EF4-FFF2-40B4-BE49-F238E27FC236}">
-                <a16:creationId xmlns:a16="http://schemas.microsoft.com/office/drawing/2014/main" id="{710B3CB4-8AF3-4ED6-AD35-FBD838145BCB}"/>
+                <a16:creationId xmlns:a16="http://schemas.microsoft.com/office/drawing/2014/main" id="{F3844EFC-64EC-41EE-8E8C-5BA4967A77FC}"/>
               </a:ext>
             </a:extLst>
           </p:cNvPr>
@@ -8625,8 +13785,8 @@
         </p:nvSpPr>
         <p:spPr>
           <a:xfrm>
-            <a:off x="680321" y="753228"/>
-            <a:ext cx="7461844" cy="1080938"/>
+            <a:off x="680322" y="753228"/>
+            <a:ext cx="3679028" cy="1080938"/>
           </a:xfrm>
         </p:spPr>
         <p:txBody>
@@ -8636,12 +13796,820 @@
           <a:lstStyle/>
           <a:p>
             <a:r>
-              <a:rPr lang="en-US">
+              <a:rPr lang="en-US" sz="3000"/>
+              <a:t>Discussion/Findings</a:t>
+            </a:r>
+          </a:p>
+        </p:txBody>
+      </p:sp>
+      <p:pic>
+        <p:nvPicPr>
+          <p:cNvPr id="24" name="Picture 23">
+            <a:extLst>
+              <a:ext uri="{FF2B5EF4-FFF2-40B4-BE49-F238E27FC236}">
+                <a16:creationId xmlns:a16="http://schemas.microsoft.com/office/drawing/2014/main" id="{4A0584A2-7157-4FF9-BDF0-792791AE67E8}"/>
+              </a:ext>
+              <a:ext uri="{C183D7F6-B498-43B3-948B-1728B52AA6E4}">
+                <adec:decorative xmlns:adec="http://schemas.microsoft.com/office/drawing/2017/decorative" val="1"/>
+              </a:ext>
+            </a:extLst>
+          </p:cNvPr>
+          <p:cNvPicPr>
+            <a:picLocks noGrp="1" noRot="1" noChangeAspect="1" noMove="1" noResize="1" noEditPoints="1" noAdjustHandles="1" noChangeArrowheads="1" noChangeShapeType="1" noCrop="1"/>
+          </p:cNvPicPr>
+          <p:nvPr>
+            <p:extLst>
+              <p:ext uri="{386F3935-93C4-4BCD-93E2-E3B085C9AB24}">
+                <p16:designElem xmlns:p16="http://schemas.microsoft.com/office/powerpoint/2015/main" val="1"/>
+              </p:ext>
+            </p:extLst>
+          </p:nvPr>
+        </p:nvPicPr>
+        <p:blipFill>
+          <a:blip r:embed="rId6">
+            <a:extLst>
+              <a:ext uri="{28A0092B-C50C-407E-A947-70E740481C1C}">
+                <a14:useLocalDpi xmlns:a14="http://schemas.microsoft.com/office/drawing/2010/main" val="0"/>
+              </a:ext>
+            </a:extLst>
+          </a:blip>
+          <a:stretch>
+            <a:fillRect/>
+          </a:stretch>
+        </p:blipFill>
+        <p:spPr>
+          <a:xfrm>
+            <a:off x="2" y="1970240"/>
+            <a:ext cx="5029200" cy="202738"/>
+          </a:xfrm>
+          <a:prstGeom prst="rect">
+            <a:avLst/>
+          </a:prstGeom>
+        </p:spPr>
+      </p:pic>
+      <p:sp>
+        <p:nvSpPr>
+          <p:cNvPr id="15" name="Content Placeholder 14">
+            <a:extLst>
+              <a:ext uri="{FF2B5EF4-FFF2-40B4-BE49-F238E27FC236}">
+                <a16:creationId xmlns:a16="http://schemas.microsoft.com/office/drawing/2014/main" id="{1326870E-B000-4218-A942-840E5FD02AD2}"/>
+              </a:ext>
+            </a:extLst>
+          </p:cNvPr>
+          <p:cNvSpPr>
+            <a:spLocks noGrp="1"/>
+          </p:cNvSpPr>
+          <p:nvPr>
+            <p:ph idx="1"/>
+          </p:nvPr>
+        </p:nvSpPr>
+        <p:spPr>
+          <a:xfrm>
+            <a:off x="680322" y="2336872"/>
+            <a:ext cx="3581635" cy="4246807"/>
+          </a:xfrm>
+        </p:spPr>
+        <p:txBody>
+          <a:bodyPr>
+            <a:normAutofit fontScale="92500" lnSpcReduction="10000"/>
+          </a:bodyPr>
+          <a:lstStyle/>
+          <a:p>
+            <a:pPr>
+              <a:lnSpc>
+                <a:spcPct val="120000"/>
+              </a:lnSpc>
+            </a:pPr>
+            <a:r>
+              <a:rPr lang="en-US" sz="2800" dirty="0"/>
+              <a:t>Most reviews/wine came from US</a:t>
+            </a:r>
+          </a:p>
+          <a:p>
+            <a:pPr>
+              <a:lnSpc>
+                <a:spcPct val="120000"/>
+              </a:lnSpc>
+            </a:pPr>
+            <a:r>
+              <a:rPr lang="en-US" sz="2800" dirty="0"/>
+              <a:t>Pinot Noir is most reviewed</a:t>
+            </a:r>
+          </a:p>
+          <a:p>
+            <a:pPr>
+              <a:lnSpc>
+                <a:spcPct val="120000"/>
+              </a:lnSpc>
+            </a:pPr>
+            <a:r>
+              <a:rPr lang="en-US" sz="2800" dirty="0"/>
+              <a:t>California Zinfandel</a:t>
+            </a:r>
+          </a:p>
+          <a:p>
+            <a:pPr>
+              <a:lnSpc>
+                <a:spcPct val="120000"/>
+              </a:lnSpc>
+            </a:pPr>
+            <a:r>
+              <a:rPr lang="en-US" sz="2800" dirty="0"/>
+              <a:t>Most wines under $250</a:t>
+            </a:r>
+          </a:p>
+          <a:p>
+            <a:pPr>
+              <a:lnSpc>
+                <a:spcPct val="120000"/>
+              </a:lnSpc>
+            </a:pPr>
+            <a:r>
+              <a:rPr lang="en-US" sz="2800" dirty="0"/>
+              <a:t>Etc.</a:t>
+            </a:r>
+          </a:p>
+          <a:p>
+            <a:endParaRPr lang="en-US" sz="1600" dirty="0"/>
+          </a:p>
+        </p:txBody>
+      </p:sp>
+      <p:sp>
+        <p:nvSpPr>
+          <p:cNvPr id="11" name="TextBox 10">
+            <a:extLst>
+              <a:ext uri="{FF2B5EF4-FFF2-40B4-BE49-F238E27FC236}">
+                <a16:creationId xmlns:a16="http://schemas.microsoft.com/office/drawing/2014/main" id="{E6BDD787-51D0-4730-A2D2-8C561E2850EC}"/>
+              </a:ext>
+            </a:extLst>
+          </p:cNvPr>
+          <p:cNvSpPr txBox="1"/>
+          <p:nvPr/>
+        </p:nvSpPr>
+        <p:spPr>
+          <a:xfrm>
+            <a:off x="9662169" y="6656265"/>
+            <a:ext cx="2526654" cy="200055"/>
+          </a:xfrm>
+          <a:prstGeom prst="rect">
+            <a:avLst/>
+          </a:prstGeom>
+          <a:solidFill>
+            <a:srgbClr val="000000"/>
+          </a:solidFill>
+        </p:spPr>
+        <p:txBody>
+          <a:bodyPr wrap="none" rtlCol="0">
+            <a:spAutoFit/>
+          </a:bodyPr>
+          <a:lstStyle/>
+          <a:p>
+            <a:pPr algn="r">
+              <a:spcAft>
+                <a:spcPts val="600"/>
+              </a:spcAft>
+            </a:pPr>
+            <a:r>
+              <a:rPr lang="en-US" sz="700">
+                <a:solidFill>
+                  <a:srgbClr val="FFFFFF"/>
+                </a:solidFill>
+                <a:hlinkClick r:id="rId5" tooltip="http://lfgss.com/thread14463-37.html">
+                  <a:extLst>
+                    <a:ext uri="{A12FA001-AC4F-418D-AE19-62706E023703}">
+                      <ahyp:hlinkClr xmlns:ahyp="http://schemas.microsoft.com/office/drawing/2018/hyperlinkcolor" val="tx"/>
+                    </a:ext>
+                  </a:extLst>
+                </a:hlinkClick>
+              </a:rPr>
+              <a:t>This Photo</a:t>
+            </a:r>
+            <a:r>
+              <a:rPr lang="en-US" sz="700">
                 <a:solidFill>
                   <a:srgbClr val="FFFFFF"/>
                 </a:solidFill>
               </a:rPr>
-              <a:t>Group  2 Team Members</a:t>
+              <a:t> by Unknown Author is licensed under </a:t>
+            </a:r>
+            <a:r>
+              <a:rPr lang="en-US" sz="700">
+                <a:solidFill>
+                  <a:srgbClr val="FFFFFF"/>
+                </a:solidFill>
+                <a:hlinkClick r:id="rId7" tooltip="https://creativecommons.org/licenses/by-sa/3.0/">
+                  <a:extLst>
+                    <a:ext uri="{A12FA001-AC4F-418D-AE19-62706E023703}">
+                      <ahyp:hlinkClr xmlns:ahyp="http://schemas.microsoft.com/office/drawing/2018/hyperlinkcolor" val="tx"/>
+                    </a:ext>
+                  </a:extLst>
+                </a:hlinkClick>
+              </a:rPr>
+              <a:t>CC BY-SA</a:t>
+            </a:r>
+            <a:endParaRPr lang="en-US" sz="700">
+              <a:solidFill>
+                <a:srgbClr val="FFFFFF"/>
+              </a:solidFill>
+            </a:endParaRPr>
+          </a:p>
+        </p:txBody>
+      </p:sp>
+    </p:spTree>
+    <p:extLst>
+      <p:ext uri="{BB962C8B-B14F-4D97-AF65-F5344CB8AC3E}">
+        <p14:creationId xmlns:p14="http://schemas.microsoft.com/office/powerpoint/2010/main" val="1954058706"/>
+      </p:ext>
+    </p:extLst>
+  </p:cSld>
+  <p:clrMapOvr>
+    <a:masterClrMapping/>
+  </p:clrMapOvr>
+</p:sld>
+</file>
+
+<file path=ppt/slides/slide15.xml><?xml version="1.0" encoding="utf-8"?>
+<p:sld xmlns:a="http://schemas.openxmlformats.org/drawingml/2006/main" xmlns:r="http://schemas.openxmlformats.org/officeDocument/2006/relationships" xmlns:p="http://schemas.openxmlformats.org/presentationml/2006/main">
+  <p:cSld>
+    <p:spTree>
+      <p:nvGrpSpPr>
+        <p:cNvPr id="1" name=""/>
+        <p:cNvGrpSpPr/>
+        <p:nvPr/>
+      </p:nvGrpSpPr>
+      <p:grpSpPr>
+        <a:xfrm>
+          <a:off x="0" y="0"/>
+          <a:ext cx="0" cy="0"/>
+          <a:chOff x="0" y="0"/>
+          <a:chExt cx="0" cy="0"/>
+        </a:xfrm>
+      </p:grpSpPr>
+      <p:sp>
+        <p:nvSpPr>
+          <p:cNvPr id="2" name="Title 1">
+            <a:extLst>
+              <a:ext uri="{FF2B5EF4-FFF2-40B4-BE49-F238E27FC236}">
+                <a16:creationId xmlns:a16="http://schemas.microsoft.com/office/drawing/2014/main" id="{A7D8F328-7C55-4CFD-8970-F3CE648ACF0F}"/>
+              </a:ext>
+            </a:extLst>
+          </p:cNvPr>
+          <p:cNvSpPr>
+            <a:spLocks noGrp="1"/>
+          </p:cNvSpPr>
+          <p:nvPr>
+            <p:ph type="title"/>
+          </p:nvPr>
+        </p:nvSpPr>
+        <p:spPr/>
+        <p:txBody>
+          <a:bodyPr/>
+          <a:lstStyle/>
+          <a:p>
+            <a:r>
+              <a:rPr lang="en-US" dirty="0"/>
+              <a:t>Postmortem</a:t>
+            </a:r>
+          </a:p>
+        </p:txBody>
+      </p:sp>
+      <p:pic>
+        <p:nvPicPr>
+          <p:cNvPr id="7" name="Content Placeholder 6" descr="A picture containing drawing, computer&#10;&#10;Description automatically generated">
+            <a:extLst>
+              <a:ext uri="{FF2B5EF4-FFF2-40B4-BE49-F238E27FC236}">
+                <a16:creationId xmlns:a16="http://schemas.microsoft.com/office/drawing/2014/main" id="{20F040DB-C415-4D22-A97A-248908756788}"/>
+              </a:ext>
+            </a:extLst>
+          </p:cNvPr>
+          <p:cNvPicPr>
+            <a:picLocks noGrp="1" noChangeAspect="1"/>
+          </p:cNvPicPr>
+          <p:nvPr>
+            <p:ph sz="half" idx="1"/>
+          </p:nvPr>
+        </p:nvPicPr>
+        <p:blipFill>
+          <a:blip r:embed="rId3">
+            <a:extLst>
+              <a:ext uri="{837473B0-CC2E-450A-ABE3-18F120FF3D39}">
+                <a1611:picAttrSrcUrl xmlns:a1611="http://schemas.microsoft.com/office/drawing/2016/11/main" r:id="rId4"/>
+              </a:ext>
+            </a:extLst>
+          </a:blip>
+          <a:stretch>
+            <a:fillRect/>
+          </a:stretch>
+        </p:blipFill>
+        <p:spPr>
+          <a:xfrm>
+            <a:off x="1031780" y="2663004"/>
+            <a:ext cx="4109180" cy="2946454"/>
+          </a:xfrm>
+        </p:spPr>
+      </p:pic>
+      <p:pic>
+        <p:nvPicPr>
+          <p:cNvPr id="10" name="Content Placeholder 9" descr="A drawing of a cartoon character&#10;&#10;Description automatically generated">
+            <a:extLst>
+              <a:ext uri="{FF2B5EF4-FFF2-40B4-BE49-F238E27FC236}">
+                <a16:creationId xmlns:a16="http://schemas.microsoft.com/office/drawing/2014/main" id="{F9C31799-963B-4AA7-8659-E054013D151A}"/>
+              </a:ext>
+            </a:extLst>
+          </p:cNvPr>
+          <p:cNvPicPr>
+            <a:picLocks noGrp="1" noChangeAspect="1"/>
+          </p:cNvPicPr>
+          <p:nvPr>
+            <p:ph sz="half" idx="2"/>
+          </p:nvPr>
+        </p:nvPicPr>
+        <p:blipFill>
+          <a:blip r:embed="rId5">
+            <a:extLst>
+              <a:ext uri="{837473B0-CC2E-450A-ABE3-18F120FF3D39}">
+                <a1611:picAttrSrcUrl xmlns:a1611="http://schemas.microsoft.com/office/drawing/2016/11/main" r:id="rId6"/>
+              </a:ext>
+            </a:extLst>
+          </a:blip>
+          <a:stretch>
+            <a:fillRect/>
+          </a:stretch>
+        </p:blipFill>
+        <p:spPr>
+          <a:xfrm>
+            <a:off x="7051041" y="2663004"/>
+            <a:ext cx="4109179" cy="2972842"/>
+          </a:xfrm>
+        </p:spPr>
+      </p:pic>
+    </p:spTree>
+    <p:extLst>
+      <p:ext uri="{BB962C8B-B14F-4D97-AF65-F5344CB8AC3E}">
+        <p14:creationId xmlns:p14="http://schemas.microsoft.com/office/powerpoint/2010/main" val="1793194492"/>
+      </p:ext>
+    </p:extLst>
+  </p:cSld>
+  <p:clrMapOvr>
+    <a:masterClrMapping/>
+  </p:clrMapOvr>
+</p:sld>
+</file>
+
+<file path=ppt/slides/slide16.xml><?xml version="1.0" encoding="utf-8"?>
+<p:sld xmlns:a="http://schemas.openxmlformats.org/drawingml/2006/main" xmlns:r="http://schemas.openxmlformats.org/officeDocument/2006/relationships" xmlns:p="http://schemas.openxmlformats.org/presentationml/2006/main">
+  <p:cSld>
+    <p:bg>
+      <p:bgPr>
+        <a:gradFill rotWithShape="1">
+          <a:gsLst>
+            <a:gs pos="0">
+              <a:schemeClr val="bg2">
+                <a:tint val="96000"/>
+                <a:shade val="100000"/>
+                <a:hueMod val="106000"/>
+                <a:satMod val="220000"/>
+                <a:lumMod val="140000"/>
+              </a:schemeClr>
+            </a:gs>
+            <a:gs pos="50000">
+              <a:schemeClr val="bg2">
+                <a:shade val="100000"/>
+                <a:hueMod val="100000"/>
+                <a:satMod val="110000"/>
+                <a:lumMod val="130000"/>
+              </a:schemeClr>
+            </a:gs>
+            <a:gs pos="100000">
+              <a:schemeClr val="bg2">
+                <a:shade val="69000"/>
+                <a:hueMod val="88000"/>
+                <a:satMod val="160000"/>
+                <a:lumMod val="69000"/>
+              </a:schemeClr>
+            </a:gs>
+          </a:gsLst>
+          <a:lin ang="2520000" scaled="0"/>
+        </a:gradFill>
+        <a:effectLst/>
+      </p:bgPr>
+    </p:bg>
+    <p:spTree>
+      <p:nvGrpSpPr>
+        <p:cNvPr id="1" name=""/>
+        <p:cNvGrpSpPr/>
+        <p:nvPr/>
+      </p:nvGrpSpPr>
+      <p:grpSpPr>
+        <a:xfrm>
+          <a:off x="0" y="0"/>
+          <a:ext cx="0" cy="0"/>
+          <a:chOff x="0" y="0"/>
+          <a:chExt cx="0" cy="0"/>
+        </a:xfrm>
+      </p:grpSpPr>
+      <p:grpSp>
+        <p:nvGrpSpPr>
+          <p:cNvPr id="12" name="Group 11">
+            <a:extLst>
+              <a:ext uri="{FF2B5EF4-FFF2-40B4-BE49-F238E27FC236}">
+                <a16:creationId xmlns:a16="http://schemas.microsoft.com/office/drawing/2014/main" id="{AC37DDB7-CF1E-4923-8356-966F5F2A0795}"/>
+              </a:ext>
+              <a:ext uri="{C183D7F6-B498-43B3-948B-1728B52AA6E4}">
+                <adec:decorative xmlns:adec="http://schemas.microsoft.com/office/drawing/2017/decorative" val="1"/>
+              </a:ext>
+            </a:extLst>
+          </p:cNvPr>
+          <p:cNvGrpSpPr>
+            <a:grpSpLocks noGrp="1" noUngrp="1" noRot="1" noChangeAspect="1" noMove="1" noResize="1"/>
+          </p:cNvGrpSpPr>
+          <p:nvPr>
+            <p:extLst>
+              <p:ext uri="{386F3935-93C4-4BCD-93E2-E3B085C9AB24}">
+                <p16:designElem xmlns:p16="http://schemas.microsoft.com/office/powerpoint/2015/main" val="1"/>
+              </p:ext>
+            </p:extLst>
+          </p:nvPr>
+        </p:nvGrpSpPr>
+        <p:grpSpPr>
+          <a:xfrm>
+            <a:off x="-3176" y="0"/>
+            <a:ext cx="12192000" cy="6858001"/>
+            <a:chOff x="-3176" y="0"/>
+            <a:chExt cx="12192000" cy="6858001"/>
+          </a:xfrm>
+        </p:grpSpPr>
+        <p:sp useBgFill="1">
+          <p:nvSpPr>
+            <p:cNvPr id="13" name="Rectangle 12">
+              <a:extLst>
+                <a:ext uri="{FF2B5EF4-FFF2-40B4-BE49-F238E27FC236}">
+                  <a16:creationId xmlns:a16="http://schemas.microsoft.com/office/drawing/2014/main" id="{362D9DAF-241E-4594-BDF6-641F6D6A5DDB}"/>
+                </a:ext>
+                <a:ext uri="{C183D7F6-B498-43B3-948B-1728B52AA6E4}">
+                  <adec:decorative xmlns:adec="http://schemas.microsoft.com/office/drawing/2017/decorative" val="1"/>
+                </a:ext>
+              </a:extLst>
+            </p:cNvPr>
+            <p:cNvSpPr/>
+            <p:nvPr>
+              <p:extLst>
+                <p:ext uri="{386F3935-93C4-4BCD-93E2-E3B085C9AB24}">
+                  <p16:designElem xmlns:p16="http://schemas.microsoft.com/office/powerpoint/2015/main" val="1"/>
+                </p:ext>
+              </p:extLst>
+            </p:nvPr>
+          </p:nvSpPr>
+          <p:spPr>
+            <a:xfrm>
+              <a:off x="0" y="0"/>
+              <a:ext cx="12188824" cy="6858001"/>
+            </a:xfrm>
+            <a:prstGeom prst="rect">
+              <a:avLst/>
+            </a:prstGeom>
+            <a:ln>
+              <a:noFill/>
+            </a:ln>
+          </p:spPr>
+          <p:style>
+            <a:lnRef idx="2">
+              <a:schemeClr val="accent1">
+                <a:shade val="50000"/>
+              </a:schemeClr>
+            </a:lnRef>
+            <a:fillRef idx="1">
+              <a:schemeClr val="accent1"/>
+            </a:fillRef>
+            <a:effectRef idx="0">
+              <a:schemeClr val="accent1"/>
+            </a:effectRef>
+            <a:fontRef idx="minor">
+              <a:schemeClr val="lt1"/>
+            </a:fontRef>
+          </p:style>
+          <p:txBody>
+            <a:bodyPr rtlCol="0" anchor="ctr"/>
+            <a:lstStyle/>
+            <a:p>
+              <a:pPr algn="ctr"/>
+              <a:endParaRPr lang="en-US"/>
+            </a:p>
+          </p:txBody>
+        </p:sp>
+        <p:pic>
+          <p:nvPicPr>
+            <p:cNvPr id="14" name="Picture 13">
+              <a:extLst>
+                <a:ext uri="{FF2B5EF4-FFF2-40B4-BE49-F238E27FC236}">
+                  <a16:creationId xmlns:a16="http://schemas.microsoft.com/office/drawing/2014/main" id="{D5F7A6CC-E753-44F2-9C9E-1B80D8190898}"/>
+                </a:ext>
+                <a:ext uri="{C183D7F6-B498-43B3-948B-1728B52AA6E4}">
+                  <adec:decorative xmlns:adec="http://schemas.microsoft.com/office/drawing/2017/decorative" val="1"/>
+                </a:ext>
+              </a:extLst>
+            </p:cNvPr>
+            <p:cNvPicPr>
+              <a:picLocks noChangeAspect="1"/>
+            </p:cNvPicPr>
+            <p:nvPr>
+              <p:extLst>
+                <p:ext uri="{386F3935-93C4-4BCD-93E2-E3B085C9AB24}">
+                  <p16:designElem xmlns:p16="http://schemas.microsoft.com/office/powerpoint/2015/main" val="1"/>
+                </p:ext>
+              </p:extLst>
+            </p:nvPr>
+          </p:nvPicPr>
+          <p:blipFill>
+            <a:blip r:embed="rId2">
+              <a:alphaModFix amt="10000"/>
+              <a:extLst>
+                <a:ext uri="{28A0092B-C50C-407E-A947-70E740481C1C}">
+                  <a14:useLocalDpi xmlns:a14="http://schemas.microsoft.com/office/drawing/2010/main" val="0"/>
+                </a:ext>
+              </a:extLst>
+            </a:blip>
+            <a:stretch>
+              <a:fillRect/>
+            </a:stretch>
+          </p:blipFill>
+          <p:spPr>
+            <a:xfrm>
+              <a:off x="-3176" y="0"/>
+              <a:ext cx="12192000" cy="6858000"/>
+            </a:xfrm>
+            <a:prstGeom prst="rect">
+              <a:avLst/>
+            </a:prstGeom>
+          </p:spPr>
+        </p:pic>
+      </p:grpSp>
+      <p:pic>
+        <p:nvPicPr>
+          <p:cNvPr id="5" name="Content Placeholder 4" descr="A picture containing drawing&#10;&#10;Description automatically generated">
+            <a:extLst>
+              <a:ext uri="{FF2B5EF4-FFF2-40B4-BE49-F238E27FC236}">
+                <a16:creationId xmlns:a16="http://schemas.microsoft.com/office/drawing/2014/main" id="{56154FBB-FC47-4E8B-A109-B9922821B1FC}"/>
+              </a:ext>
+            </a:extLst>
+          </p:cNvPr>
+          <p:cNvPicPr>
+            <a:picLocks noChangeAspect="1"/>
+          </p:cNvPicPr>
+          <p:nvPr/>
+        </p:nvPicPr>
+        <p:blipFill rotWithShape="1">
+          <a:blip r:embed="rId3">
+            <a:extLst>
+              <a:ext uri="{837473B0-CC2E-450A-ABE3-18F120FF3D39}">
+                <a1611:picAttrSrcUrl xmlns:a1611="http://schemas.microsoft.com/office/drawing/2016/11/main" r:id="rId4"/>
+              </a:ext>
+            </a:extLst>
+          </a:blip>
+          <a:srcRect l="7373" r="8908" b="2"/>
+          <a:stretch/>
+        </p:blipFill>
+        <p:spPr>
+          <a:xfrm>
+            <a:off x="4636008" y="10"/>
+            <a:ext cx="7552815" cy="6856310"/>
+          </a:xfrm>
+          <a:prstGeom prst="rect">
+            <a:avLst/>
+          </a:prstGeom>
+          <a:ln>
+            <a:noFill/>
+          </a:ln>
+          <a:effectLst/>
+        </p:spPr>
+      </p:pic>
+      <p:sp>
+        <p:nvSpPr>
+          <p:cNvPr id="16" name="Rectangle 15">
+            <a:extLst>
+              <a:ext uri="{FF2B5EF4-FFF2-40B4-BE49-F238E27FC236}">
+                <a16:creationId xmlns:a16="http://schemas.microsoft.com/office/drawing/2014/main" id="{E1E1EAB6-C066-436F-B97B-506A3CAD01D8}"/>
+              </a:ext>
+              <a:ext uri="{C183D7F6-B498-43B3-948B-1728B52AA6E4}">
+                <adec:decorative xmlns:adec="http://schemas.microsoft.com/office/drawing/2017/decorative" val="1"/>
+              </a:ext>
+            </a:extLst>
+          </p:cNvPr>
+          <p:cNvSpPr>
+            <a:spLocks noGrp="1" noRot="1" noChangeAspect="1" noMove="1" noResize="1" noEditPoints="1" noAdjustHandles="1" noChangeArrowheads="1" noChangeShapeType="1" noTextEdit="1"/>
+          </p:cNvSpPr>
+          <p:nvPr>
+            <p:extLst>
+              <p:ext uri="{386F3935-93C4-4BCD-93E2-E3B085C9AB24}">
+                <p16:designElem xmlns:p16="http://schemas.microsoft.com/office/powerpoint/2015/main" val="1"/>
+              </p:ext>
+            </p:extLst>
+          </p:nvPr>
+        </p:nvSpPr>
+        <p:spPr bwMode="grayWhite">
+          <a:xfrm>
+            <a:off x="2" y="609600"/>
+            <a:ext cx="5018565" cy="1368198"/>
+          </a:xfrm>
+          <a:prstGeom prst="rect">
+            <a:avLst/>
+          </a:prstGeom>
+          <a:solidFill>
+            <a:schemeClr val="bg1">
+              <a:lumMod val="85000"/>
+              <a:lumOff val="15000"/>
+            </a:schemeClr>
+          </a:solidFill>
+          <a:ln>
+            <a:noFill/>
+          </a:ln>
+        </p:spPr>
+        <p:style>
+          <a:lnRef idx="2">
+            <a:schemeClr val="accent1">
+              <a:shade val="50000"/>
+            </a:schemeClr>
+          </a:lnRef>
+          <a:fillRef idx="1">
+            <a:schemeClr val="accent1"/>
+          </a:fillRef>
+          <a:effectRef idx="0">
+            <a:schemeClr val="accent1"/>
+          </a:effectRef>
+          <a:fontRef idx="minor">
+            <a:schemeClr val="lt1"/>
+          </a:fontRef>
+        </p:style>
+      </p:sp>
+      <p:sp>
+        <p:nvSpPr>
+          <p:cNvPr id="2" name="Title 1">
+            <a:extLst>
+              <a:ext uri="{FF2B5EF4-FFF2-40B4-BE49-F238E27FC236}">
+                <a16:creationId xmlns:a16="http://schemas.microsoft.com/office/drawing/2014/main" id="{CFB48723-06EC-4499-B9E2-CAECDCFF2CEE}"/>
+              </a:ext>
+            </a:extLst>
+          </p:cNvPr>
+          <p:cNvSpPr>
+            <a:spLocks noGrp="1"/>
+          </p:cNvSpPr>
+          <p:nvPr>
+            <p:ph type="title"/>
+          </p:nvPr>
+        </p:nvSpPr>
+        <p:spPr>
+          <a:xfrm>
+            <a:off x="680322" y="753228"/>
+            <a:ext cx="3679028" cy="1080938"/>
+          </a:xfrm>
+        </p:spPr>
+        <p:txBody>
+          <a:bodyPr>
+            <a:normAutofit/>
+          </a:bodyPr>
+          <a:lstStyle/>
+          <a:p>
+            <a:r>
+              <a:rPr lang="en-US" sz="3200"/>
+              <a:t>Q&amp;A with Audience </a:t>
+            </a:r>
+          </a:p>
+        </p:txBody>
+      </p:sp>
+      <p:pic>
+        <p:nvPicPr>
+          <p:cNvPr id="18" name="Picture 17">
+            <a:extLst>
+              <a:ext uri="{FF2B5EF4-FFF2-40B4-BE49-F238E27FC236}">
+                <a16:creationId xmlns:a16="http://schemas.microsoft.com/office/drawing/2014/main" id="{4A0584A2-7157-4FF9-BDF0-792791AE67E8}"/>
+              </a:ext>
+              <a:ext uri="{C183D7F6-B498-43B3-948B-1728B52AA6E4}">
+                <adec:decorative xmlns:adec="http://schemas.microsoft.com/office/drawing/2017/decorative" val="1"/>
+              </a:ext>
+            </a:extLst>
+          </p:cNvPr>
+          <p:cNvPicPr>
+            <a:picLocks noGrp="1" noRot="1" noChangeAspect="1" noMove="1" noResize="1" noEditPoints="1" noAdjustHandles="1" noChangeArrowheads="1" noChangeShapeType="1" noCrop="1"/>
+          </p:cNvPicPr>
+          <p:nvPr>
+            <p:extLst>
+              <p:ext uri="{386F3935-93C4-4BCD-93E2-E3B085C9AB24}">
+                <p16:designElem xmlns:p16="http://schemas.microsoft.com/office/powerpoint/2015/main" val="1"/>
+              </p:ext>
+            </p:extLst>
+          </p:nvPr>
+        </p:nvPicPr>
+        <p:blipFill>
+          <a:blip r:embed="rId5">
+            <a:extLst>
+              <a:ext uri="{28A0092B-C50C-407E-A947-70E740481C1C}">
+                <a14:useLocalDpi xmlns:a14="http://schemas.microsoft.com/office/drawing/2010/main" val="0"/>
+              </a:ext>
+            </a:extLst>
+          </a:blip>
+          <a:stretch>
+            <a:fillRect/>
+          </a:stretch>
+        </p:blipFill>
+        <p:spPr>
+          <a:xfrm>
+            <a:off x="2" y="1970240"/>
+            <a:ext cx="5029200" cy="202738"/>
+          </a:xfrm>
+          <a:prstGeom prst="rect">
+            <a:avLst/>
+          </a:prstGeom>
+        </p:spPr>
+      </p:pic>
+      <p:pic>
+        <p:nvPicPr>
+          <p:cNvPr id="7" name="Content Placeholder 6" descr="A group of people sitting at a table&#10;&#10;Description automatically generated">
+            <a:extLst>
+              <a:ext uri="{FF2B5EF4-FFF2-40B4-BE49-F238E27FC236}">
+                <a16:creationId xmlns:a16="http://schemas.microsoft.com/office/drawing/2014/main" id="{41C20B1E-C565-42BB-AE4D-993F3C9D8D2E}"/>
+              </a:ext>
+            </a:extLst>
+          </p:cNvPr>
+          <p:cNvPicPr>
+            <a:picLocks noGrp="1" noChangeAspect="1"/>
+          </p:cNvPicPr>
+          <p:nvPr>
+            <p:ph idx="1"/>
+          </p:nvPr>
+        </p:nvPicPr>
+        <p:blipFill>
+          <a:blip r:embed="rId6">
+            <a:extLst>
+              <a:ext uri="{837473B0-CC2E-450A-ABE3-18F120FF3D39}">
+                <a1611:picAttrSrcUrl xmlns:a1611="http://schemas.microsoft.com/office/drawing/2016/11/main" r:id="rId7"/>
+              </a:ext>
+            </a:extLst>
+          </a:blip>
+          <a:stretch>
+            <a:fillRect/>
+          </a:stretch>
+        </p:blipFill>
+        <p:spPr>
+          <a:xfrm>
+            <a:off x="68208" y="2830827"/>
+            <a:ext cx="4499592" cy="2624762"/>
+          </a:xfrm>
+        </p:spPr>
+      </p:pic>
+    </p:spTree>
+    <p:extLst>
+      <p:ext uri="{BB962C8B-B14F-4D97-AF65-F5344CB8AC3E}">
+        <p14:creationId xmlns:p14="http://schemas.microsoft.com/office/powerpoint/2010/main" val="3140699087"/>
+      </p:ext>
+    </p:extLst>
+  </p:cSld>
+  <p:clrMapOvr>
+    <a:masterClrMapping/>
+  </p:clrMapOvr>
+</p:sld>
+</file>
+
+<file path=ppt/slides/slide2.xml><?xml version="1.0" encoding="utf-8"?>
+<p:sld xmlns:a="http://schemas.openxmlformats.org/drawingml/2006/main" xmlns:r="http://schemas.openxmlformats.org/officeDocument/2006/relationships" xmlns:p="http://schemas.openxmlformats.org/presentationml/2006/main">
+  <p:cSld>
+    <p:spTree>
+      <p:nvGrpSpPr>
+        <p:cNvPr id="1" name=""/>
+        <p:cNvGrpSpPr/>
+        <p:nvPr/>
+      </p:nvGrpSpPr>
+      <p:grpSpPr>
+        <a:xfrm>
+          <a:off x="0" y="0"/>
+          <a:ext cx="0" cy="0"/>
+          <a:chOff x="0" y="0"/>
+          <a:chExt cx="0" cy="0"/>
+        </a:xfrm>
+      </p:grpSpPr>
+      <p:sp>
+        <p:nvSpPr>
+          <p:cNvPr id="2" name="Title 1">
+            <a:extLst>
+              <a:ext uri="{FF2B5EF4-FFF2-40B4-BE49-F238E27FC236}">
+                <a16:creationId xmlns:a16="http://schemas.microsoft.com/office/drawing/2014/main" id="{180A99F5-1615-4117-8A15-EA2659E82918}"/>
+              </a:ext>
+            </a:extLst>
+          </p:cNvPr>
+          <p:cNvSpPr>
+            <a:spLocks noGrp="1"/>
+          </p:cNvSpPr>
+          <p:nvPr>
+            <p:ph type="title"/>
+          </p:nvPr>
+        </p:nvSpPr>
+        <p:spPr/>
+        <p:txBody>
+          <a:bodyPr/>
+          <a:lstStyle/>
+          <a:p>
+            <a:r>
+              <a:rPr lang="en-US" dirty="0"/>
+              <a:t>Motivation</a:t>
             </a:r>
           </a:p>
         </p:txBody>
@@ -8651,7 +14619,7 @@
           <p:cNvPr id="3" name="Content Placeholder 2">
             <a:extLst>
               <a:ext uri="{FF2B5EF4-FFF2-40B4-BE49-F238E27FC236}">
-                <a16:creationId xmlns:a16="http://schemas.microsoft.com/office/drawing/2014/main" id="{86CDD5FA-3950-402A-9509-6DF674D98DF6}"/>
+                <a16:creationId xmlns:a16="http://schemas.microsoft.com/office/drawing/2014/main" id="{96BF052E-4532-451B-9171-CBB5466279C2}"/>
               </a:ext>
             </a:extLst>
           </p:cNvPr>
@@ -8664,8 +14632,8 @@
         </p:nvSpPr>
         <p:spPr>
           <a:xfrm>
-            <a:off x="680321" y="2336873"/>
-            <a:ext cx="7461844" cy="3142077"/>
+            <a:off x="619592" y="4223084"/>
+            <a:ext cx="10952813" cy="2054280"/>
           </a:xfrm>
         </p:spPr>
         <p:txBody>
@@ -8674,50 +14642,73 @@
           </a:bodyPr>
           <a:lstStyle/>
           <a:p>
-            <a:r>
-              <a:rPr lang="en-US" sz="4000" dirty="0"/>
-              <a:t>Chris Armstrong</a:t>
-            </a:r>
-          </a:p>
-          <a:p>
-            <a:r>
-              <a:rPr lang="en-US" sz="4000" dirty="0"/>
-              <a:t>Cole Travers</a:t>
-            </a:r>
-          </a:p>
-          <a:p>
-            <a:r>
-              <a:rPr lang="en-US" sz="4000" dirty="0"/>
-              <a:t>Adelia Torres</a:t>
-            </a:r>
-          </a:p>
-          <a:p>
-            <a:r>
-              <a:rPr lang="en-US" sz="4000" dirty="0"/>
-              <a:t>Andy Shi</a:t>
-            </a:r>
-          </a:p>
-          <a:p>
-            <a:r>
-              <a:rPr lang="en-US" sz="4000" dirty="0" err="1"/>
-              <a:t>Nyarai</a:t>
-            </a:r>
-            <a:r>
-              <a:rPr lang="en-US" sz="4000" dirty="0"/>
-              <a:t> </a:t>
-            </a:r>
-            <a:r>
-              <a:rPr lang="en-US" sz="4000" dirty="0" err="1"/>
-              <a:t>Nhamoinesu</a:t>
-            </a:r>
-            <a:endParaRPr lang="en-US" sz="4000" dirty="0"/>
+            <a:pPr marL="0" indent="0" algn="ctr">
+              <a:buNone/>
+            </a:pPr>
+            <a:r>
+              <a:rPr lang="en-US" sz="3600" b="1" dirty="0"/>
+              <a:t>Hypothesis: </a:t>
+            </a:r>
+            <a:r>
+              <a:rPr lang="en-US" sz="3600" dirty="0"/>
+              <a:t>If California has the best wines in the world then they will have the highest professionally rated wine reviews (relative to overall cost) when compared to the rest of the world.</a:t>
+            </a:r>
+          </a:p>
+          <a:p>
+            <a:pPr lvl="1"/>
+            <a:endParaRPr lang="en-US" dirty="0"/>
+          </a:p>
+          <a:p>
+            <a:pPr lvl="1"/>
+            <a:endParaRPr lang="en-US" i="1" dirty="0"/>
+          </a:p>
+          <a:p>
+            <a:pPr marL="0" indent="0">
+              <a:buNone/>
+            </a:pPr>
+            <a:endParaRPr lang="en-US" dirty="0"/>
+          </a:p>
+        </p:txBody>
+      </p:sp>
+      <p:sp>
+        <p:nvSpPr>
+          <p:cNvPr id="4" name="TextBox 3">
+            <a:extLst>
+              <a:ext uri="{FF2B5EF4-FFF2-40B4-BE49-F238E27FC236}">
+                <a16:creationId xmlns:a16="http://schemas.microsoft.com/office/drawing/2014/main" id="{BDC439ED-0928-47D6-ADDF-69F1378EA8FF}"/>
+              </a:ext>
+            </a:extLst>
+          </p:cNvPr>
+          <p:cNvSpPr txBox="1"/>
+          <p:nvPr/>
+        </p:nvSpPr>
+        <p:spPr>
+          <a:xfrm>
+            <a:off x="680321" y="2310063"/>
+            <a:ext cx="10436858" cy="1754326"/>
+          </a:xfrm>
+          <a:prstGeom prst="rect">
+            <a:avLst/>
+          </a:prstGeom>
+          <a:noFill/>
+        </p:spPr>
+        <p:txBody>
+          <a:bodyPr wrap="square" rtlCol="0">
+            <a:spAutoFit/>
+          </a:bodyPr>
+          <a:lstStyle/>
+          <a:p>
+            <a:r>
+              <a:rPr lang="en-US" sz="3600" dirty="0"/>
+              <a:t>California is known for their wines, but do they have the best wines in the world? How could we prove it?</a:t>
+            </a:r>
           </a:p>
         </p:txBody>
       </p:sp>
     </p:spTree>
     <p:extLst>
       <p:ext uri="{BB962C8B-B14F-4D97-AF65-F5344CB8AC3E}">
-        <p14:creationId xmlns:p14="http://schemas.microsoft.com/office/powerpoint/2010/main" val="1893862758"/>
+        <p14:creationId xmlns:p14="http://schemas.microsoft.com/office/powerpoint/2010/main" val="3729428094"/>
       </p:ext>
     </p:extLst>
   </p:cSld>
@@ -8749,7 +14740,7 @@
           <p:cNvPr id="2" name="Title 1">
             <a:extLst>
               <a:ext uri="{FF2B5EF4-FFF2-40B4-BE49-F238E27FC236}">
-                <a16:creationId xmlns:a16="http://schemas.microsoft.com/office/drawing/2014/main" id="{1E1BCD77-3BF7-49D7-AC7F-AC2CF4EFD6EB}"/>
+                <a16:creationId xmlns:a16="http://schemas.microsoft.com/office/drawing/2014/main" id="{E0A89D47-7403-4A75-905B-A7192540235A}"/>
               </a:ext>
             </a:extLst>
           </p:cNvPr>
@@ -8767,7 +14758,7 @@
           <a:p>
             <a:r>
               <a:rPr lang="en-US" dirty="0"/>
-              <a:t>About the data</a:t>
+              <a:t>Summary</a:t>
             </a:r>
           </a:p>
         </p:txBody>
@@ -8777,7 +14768,7 @@
           <p:cNvPr id="3" name="Content Placeholder 2">
             <a:extLst>
               <a:ext uri="{FF2B5EF4-FFF2-40B4-BE49-F238E27FC236}">
-                <a16:creationId xmlns:a16="http://schemas.microsoft.com/office/drawing/2014/main" id="{30EA3532-0E9A-4A69-90A3-B9D2354F8DD0}"/>
+                <a16:creationId xmlns:a16="http://schemas.microsoft.com/office/drawing/2014/main" id="{074C4827-8882-427F-85E0-2C00CF3E3BE6}"/>
               </a:ext>
             </a:extLst>
           </p:cNvPr>
@@ -8788,92 +14779,33 @@
             <p:ph idx="1"/>
           </p:nvPr>
         </p:nvSpPr>
-        <p:spPr>
-          <a:xfrm>
-            <a:off x="680321" y="1990725"/>
-            <a:ext cx="9613861" cy="4305300"/>
-          </a:xfrm>
-        </p:spPr>
+        <p:spPr/>
         <p:txBody>
-          <a:bodyPr/>
+          <a:bodyPr>
+            <a:normAutofit/>
+          </a:bodyPr>
           <a:lstStyle/>
           <a:p>
             <a:r>
               <a:rPr lang="en-US" dirty="0"/>
-              <a:t>Initial data collected from </a:t>
-            </a:r>
-            <a:r>
-              <a:rPr lang="en-US" dirty="0">
-                <a:hlinkClick r:id="rId2"/>
-              </a:rPr>
-              <a:t>https://www.kaggle.com/zynicide/wine-reviews</a:t>
-            </a:r>
+              <a:t>What is considered the “best”?</a:t>
+            </a:r>
+          </a:p>
+          <a:p>
+            <a:r>
+              <a:rPr lang="en-US" dirty="0"/>
+              <a:t>How to go by defining the “best”?</a:t>
+            </a:r>
+          </a:p>
+          <a:p>
             <a:endParaRPr lang="en-US" dirty="0"/>
           </a:p>
-          <a:p>
-            <a:r>
-              <a:rPr lang="en-US" dirty="0"/>
-              <a:t>Our original dataset contained 129971 records of wine reviews scrapped data was scraped from </a:t>
-            </a:r>
-            <a:r>
-              <a:rPr lang="en-US" dirty="0" err="1">
-                <a:hlinkClick r:id="rId3"/>
-              </a:rPr>
-              <a:t>WineEnthusiast</a:t>
-            </a:r>
-            <a:r>
-              <a:rPr lang="en-US" dirty="0"/>
-              <a:t> on November 22nd, 2017</a:t>
-            </a:r>
-          </a:p>
-          <a:p>
-            <a:r>
-              <a:rPr lang="en-US" dirty="0"/>
-              <a:t>We pulled the year info from the title column and dropped any incomplete records leaving us with 66096 records for comparison.</a:t>
-            </a:r>
-          </a:p>
-          <a:p>
-            <a:r>
-              <a:rPr lang="en-US" dirty="0"/>
-              <a:t>We wanted to look at the where, what type, who, and how much  </a:t>
-            </a:r>
-          </a:p>
         </p:txBody>
       </p:sp>
-      <p:pic>
-        <p:nvPicPr>
-          <p:cNvPr id="4" name="Picture 3">
-            <a:extLst>
-              <a:ext uri="{FF2B5EF4-FFF2-40B4-BE49-F238E27FC236}">
-                <a16:creationId xmlns:a16="http://schemas.microsoft.com/office/drawing/2014/main" id="{53AC634C-9A67-4724-ABC1-C507D670855B}"/>
-              </a:ext>
-            </a:extLst>
-          </p:cNvPr>
-          <p:cNvPicPr>
-            <a:picLocks noChangeAspect="1"/>
-          </p:cNvPicPr>
-          <p:nvPr/>
-        </p:nvPicPr>
-        <p:blipFill>
-          <a:blip r:embed="rId4"/>
-          <a:stretch>
-            <a:fillRect/>
-          </a:stretch>
-        </p:blipFill>
-        <p:spPr>
-          <a:xfrm>
-            <a:off x="1448655" y="5186090"/>
-            <a:ext cx="8568647" cy="1339919"/>
-          </a:xfrm>
-          <a:prstGeom prst="rect">
-            <a:avLst/>
-          </a:prstGeom>
-        </p:spPr>
-      </p:pic>
     </p:spTree>
     <p:extLst>
       <p:ext uri="{BB962C8B-B14F-4D97-AF65-F5344CB8AC3E}">
-        <p14:creationId xmlns:p14="http://schemas.microsoft.com/office/powerpoint/2010/main" val="4231622149"/>
+        <p14:creationId xmlns:p14="http://schemas.microsoft.com/office/powerpoint/2010/main" val="262993607"/>
       </p:ext>
     </p:extLst>
   </p:cSld>
@@ -8905,7 +14837,7 @@
           <p:cNvPr id="2" name="Title 1">
             <a:extLst>
               <a:ext uri="{FF2B5EF4-FFF2-40B4-BE49-F238E27FC236}">
-                <a16:creationId xmlns:a16="http://schemas.microsoft.com/office/drawing/2014/main" id="{4FB9525B-E5BB-4F69-B478-E17A5A566C3D}"/>
+                <a16:creationId xmlns:a16="http://schemas.microsoft.com/office/drawing/2014/main" id="{AE646968-D10E-4B36-B76B-EDE341A1A539}"/>
               </a:ext>
             </a:extLst>
           </p:cNvPr>
@@ -8923,7 +14855,7 @@
           <a:p>
             <a:r>
               <a:rPr lang="en-US" dirty="0"/>
-              <a:t>Bigger Questions from the data</a:t>
+              <a:t>Questions and Data</a:t>
             </a:r>
           </a:p>
         </p:txBody>
@@ -8933,7 +14865,7 @@
           <p:cNvPr id="3" name="Content Placeholder 2">
             <a:extLst>
               <a:ext uri="{FF2B5EF4-FFF2-40B4-BE49-F238E27FC236}">
-                <a16:creationId xmlns:a16="http://schemas.microsoft.com/office/drawing/2014/main" id="{32E83920-7C5E-4E68-865A-B2EDEA115F58}"/>
+                <a16:creationId xmlns:a16="http://schemas.microsoft.com/office/drawing/2014/main" id="{8DE115DE-2862-4472-8C10-6D1FCC90F1EB}"/>
               </a:ext>
             </a:extLst>
           </p:cNvPr>
@@ -8944,63 +14876,95 @@
             <p:ph idx="1"/>
           </p:nvPr>
         </p:nvSpPr>
-        <p:spPr>
-          <a:xfrm>
-            <a:off x="680321" y="2047874"/>
-            <a:ext cx="9613861" cy="4314825"/>
-          </a:xfrm>
-        </p:spPr>
+        <p:spPr/>
         <p:txBody>
           <a:bodyPr>
-            <a:normAutofit fontScale="92500" lnSpcReduction="20000"/>
+            <a:normAutofit fontScale="85000" lnSpcReduction="20000"/>
           </a:bodyPr>
           <a:lstStyle/>
           <a:p>
             <a:r>
               <a:rPr lang="en-US" dirty="0"/>
+              <a:t>To answer the above questions we explored data from Wine Reviews : </a:t>
+            </a:r>
+            <a:r>
+              <a:rPr lang="en-US" dirty="0">
+                <a:hlinkClick r:id="rId3"/>
+              </a:rPr>
+              <a:t>https://www.kaggle.com/zynicide/wine-reviews</a:t>
+            </a:r>
+            <a:endParaRPr lang="en-US" dirty="0"/>
+          </a:p>
+          <a:p>
+            <a:r>
+              <a:rPr lang="en-US" b="1" dirty="0"/>
+              <a:t>Questions Asked</a:t>
+            </a:r>
+            <a:r>
+              <a:rPr lang="en-US" dirty="0"/>
+              <a:t>:</a:t>
+            </a:r>
+          </a:p>
+          <a:p>
+            <a:pPr lvl="1"/>
+            <a:r>
+              <a:rPr lang="en-US" dirty="0"/>
               <a:t>California is known for wines, but do they produce the highest quality (professionally rated) wine compared others?</a:t>
             </a:r>
           </a:p>
           <a:p>
-            <a:pPr marL="0" indent="0">
-              <a:buNone/>
-            </a:pPr>
-            <a:endParaRPr lang="en-US" dirty="0"/>
-          </a:p>
-          <a:p>
+            <a:pPr lvl="1"/>
             <a:r>
               <a:rPr lang="en-US" dirty="0"/>
               <a:t>Does California have the best (top rated) wineries compared to the rest of the world?</a:t>
             </a:r>
           </a:p>
           <a:p>
-            <a:endParaRPr lang="en-US" dirty="0"/>
-          </a:p>
-          <a:p>
+            <a:pPr lvl="1"/>
             <a:r>
               <a:rPr lang="en-US" dirty="0"/>
               <a:t>How does California wine reviews compare to the rest of the world when it comes to the variety of wines reviewed?</a:t>
             </a:r>
           </a:p>
           <a:p>
-            <a:endParaRPr lang="en-US" dirty="0"/>
-          </a:p>
-          <a:p>
+            <a:pPr lvl="1"/>
             <a:r>
               <a:rPr lang="en-US" dirty="0"/>
               <a:t>Are California wines a better value (price vs review rating) than other wines reviewed?</a:t>
             </a:r>
           </a:p>
           <a:p>
-            <a:endParaRPr lang="en-US" dirty="0"/>
-          </a:p>
-          <a:p>
+            <a:pPr lvl="1"/>
+            <a:r>
+              <a:rPr lang="en-US" dirty="0"/>
+              <a:t>Does California have the best rated because they have higher diversity of wines?</a:t>
+            </a:r>
+          </a:p>
+          <a:p>
+            <a:pPr lvl="1"/>
+            <a:r>
+              <a:rPr lang="en-US" dirty="0"/>
+              <a:t>Do California have the best rated because they have a high number of distributions of reviews by year.</a:t>
+            </a:r>
+          </a:p>
+          <a:p>
+            <a:pPr lvl="1"/>
+            <a:r>
+              <a:rPr lang="en-US" dirty="0"/>
+              <a:t>Does spending more get you better wine?</a:t>
+            </a:r>
+          </a:p>
+          <a:p>
+            <a:pPr lvl="1"/>
             <a:r>
               <a:rPr lang="en-US" dirty="0"/>
               <a:t>Where should you really go for a good wine tour?</a:t>
             </a:r>
           </a:p>
           <a:p>
+            <a:pPr marL="0" indent="0">
+              <a:buNone/>
+            </a:pPr>
             <a:endParaRPr lang="en-US" dirty="0"/>
           </a:p>
         </p:txBody>
@@ -9008,7 +14972,7 @@
     </p:spTree>
     <p:extLst>
       <p:ext uri="{BB962C8B-B14F-4D97-AF65-F5344CB8AC3E}">
-        <p14:creationId xmlns:p14="http://schemas.microsoft.com/office/powerpoint/2010/main" val="2729629754"/>
+        <p14:creationId xmlns:p14="http://schemas.microsoft.com/office/powerpoint/2010/main" val="3378034161"/>
       </p:ext>
     </p:extLst>
   </p:cSld>
@@ -9070,142 +15034,408 @@
           <a:chExt cx="0" cy="0"/>
         </a:xfrm>
       </p:grpSpPr>
-      <p:grpSp>
-        <p:nvGrpSpPr>
-          <p:cNvPr id="192" name="Group 191">
+      <p:sp>
+        <p:nvSpPr>
+          <p:cNvPr id="2" name="Title 1">
             <a:extLst>
               <a:ext uri="{FF2B5EF4-FFF2-40B4-BE49-F238E27FC236}">
-                <a16:creationId xmlns:a16="http://schemas.microsoft.com/office/drawing/2014/main" id="{AC37DDB7-CF1E-4923-8356-966F5F2A0795}"/>
-              </a:ext>
-              <a:ext uri="{C183D7F6-B498-43B3-948B-1728B52AA6E4}">
-                <adec:decorative xmlns:adec="http://schemas.microsoft.com/office/drawing/2017/decorative" val="1"/>
+                <a16:creationId xmlns:a16="http://schemas.microsoft.com/office/drawing/2014/main" id="{781A3826-70ED-4C19-A21D-C4FD215B4371}"/>
               </a:ext>
             </a:extLst>
           </p:cNvPr>
-          <p:cNvGrpSpPr>
-            <a:grpSpLocks noGrp="1" noUngrp="1" noRot="1" noChangeAspect="1" noMove="1" noResize="1"/>
-          </p:cNvGrpSpPr>
-          <p:nvPr>
-            <p:extLst>
-              <p:ext uri="{386F3935-93C4-4BCD-93E2-E3B085C9AB24}">
-                <p16:designElem xmlns:p16="http://schemas.microsoft.com/office/powerpoint/2015/main" val="1"/>
-              </p:ext>
-            </p:extLst>
-          </p:nvPr>
-        </p:nvGrpSpPr>
-        <p:grpSpPr>
-          <a:xfrm>
-            <a:off x="-3176" y="0"/>
-            <a:ext cx="12192000" cy="6858001"/>
-            <a:chOff x="-3176" y="0"/>
-            <a:chExt cx="12192000" cy="6858001"/>
-          </a:xfrm>
-        </p:grpSpPr>
-        <p:sp useBgFill="1">
-          <p:nvSpPr>
-            <p:cNvPr id="193" name="Rectangle 192">
-              <a:extLst>
-                <a:ext uri="{FF2B5EF4-FFF2-40B4-BE49-F238E27FC236}">
-                  <a16:creationId xmlns:a16="http://schemas.microsoft.com/office/drawing/2014/main" id="{362D9DAF-241E-4594-BDF6-641F6D6A5DDB}"/>
-                </a:ext>
-                <a:ext uri="{C183D7F6-B498-43B3-948B-1728B52AA6E4}">
-                  <adec:decorative xmlns:adec="http://schemas.microsoft.com/office/drawing/2017/decorative" val="1"/>
-                </a:ext>
-              </a:extLst>
-            </p:cNvPr>
-            <p:cNvSpPr/>
-            <p:nvPr>
-              <p:extLst>
-                <p:ext uri="{386F3935-93C4-4BCD-93E2-E3B085C9AB24}">
-                  <p16:designElem xmlns:p16="http://schemas.microsoft.com/office/powerpoint/2015/main" val="1"/>
-                </p:ext>
-              </p:extLst>
-            </p:nvPr>
-          </p:nvSpPr>
-          <p:spPr>
-            <a:xfrm>
-              <a:off x="0" y="0"/>
-              <a:ext cx="12188824" cy="6858001"/>
-            </a:xfrm>
-            <a:prstGeom prst="rect">
-              <a:avLst/>
-            </a:prstGeom>
-            <a:ln>
-              <a:noFill/>
-            </a:ln>
-          </p:spPr>
-          <p:style>
-            <a:lnRef idx="2">
-              <a:schemeClr val="accent1">
-                <a:shade val="50000"/>
-              </a:schemeClr>
-            </a:lnRef>
-            <a:fillRef idx="1">
-              <a:schemeClr val="accent1"/>
-            </a:fillRef>
-            <a:effectRef idx="0">
-              <a:schemeClr val="accent1"/>
-            </a:effectRef>
-            <a:fontRef idx="minor">
-              <a:schemeClr val="lt1"/>
-            </a:fontRef>
-          </p:style>
-          <p:txBody>
-            <a:bodyPr rtlCol="0" anchor="ctr"/>
-            <a:lstStyle/>
-            <a:p>
-              <a:pPr algn="ctr"/>
-              <a:endParaRPr lang="en-US"/>
-            </a:p>
-          </p:txBody>
-        </p:sp>
-        <p:pic>
-          <p:nvPicPr>
-            <p:cNvPr id="194" name="Picture 193">
-              <a:extLst>
-                <a:ext uri="{FF2B5EF4-FFF2-40B4-BE49-F238E27FC236}">
-                  <a16:creationId xmlns:a16="http://schemas.microsoft.com/office/drawing/2014/main" id="{D5F7A6CC-E753-44F2-9C9E-1B80D8190898}"/>
-                </a:ext>
-                <a:ext uri="{C183D7F6-B498-43B3-948B-1728B52AA6E4}">
-                  <adec:decorative xmlns:adec="http://schemas.microsoft.com/office/drawing/2017/decorative" val="1"/>
-                </a:ext>
-              </a:extLst>
-            </p:cNvPr>
-            <p:cNvPicPr>
-              <a:picLocks noChangeAspect="1"/>
-            </p:cNvPicPr>
-            <p:nvPr>
-              <p:extLst>
-                <p:ext uri="{386F3935-93C4-4BCD-93E2-E3B085C9AB24}">
-                  <p16:designElem xmlns:p16="http://schemas.microsoft.com/office/powerpoint/2015/main" val="1"/>
-                </p:ext>
-              </p:extLst>
-            </p:nvPr>
-          </p:nvPicPr>
-          <p:blipFill>
-            <a:blip r:embed="rId2">
-              <a:alphaModFix amt="10000"/>
-              <a:extLst>
-                <a:ext uri="{28A0092B-C50C-407E-A947-70E740481C1C}">
-                  <a14:useLocalDpi xmlns:a14="http://schemas.microsoft.com/office/drawing/2010/main" val="0"/>
-                </a:ext>
-              </a:extLst>
-            </a:blip>
-            <a:stretch>
-              <a:fillRect/>
-            </a:stretch>
-          </p:blipFill>
-          <p:spPr>
-            <a:xfrm>
-              <a:off x="-3176" y="0"/>
-              <a:ext cx="12192000" cy="6858000"/>
-            </a:xfrm>
-            <a:prstGeom prst="rect">
-              <a:avLst/>
-            </a:prstGeom>
-          </p:spPr>
-        </p:pic>
-      </p:grpSp>
+          <p:cNvSpPr>
+            <a:spLocks noGrp="1"/>
+          </p:cNvSpPr>
+          <p:nvPr>
+            <p:ph type="title"/>
+          </p:nvPr>
+        </p:nvSpPr>
+        <p:spPr/>
+        <p:txBody>
+          <a:bodyPr>
+            <a:normAutofit/>
+          </a:bodyPr>
+          <a:lstStyle/>
+          <a:p>
+            <a:r>
+              <a:rPr lang="en-US" dirty="0"/>
+              <a:t>Data Cleanup and Exploration</a:t>
+            </a:r>
+          </a:p>
+        </p:txBody>
+      </p:sp>
+      <p:sp>
+        <p:nvSpPr>
+          <p:cNvPr id="3" name="Content Placeholder 2">
+            <a:extLst>
+              <a:ext uri="{FF2B5EF4-FFF2-40B4-BE49-F238E27FC236}">
+                <a16:creationId xmlns:a16="http://schemas.microsoft.com/office/drawing/2014/main" id="{EB3E2852-0E50-4CDE-B0D3-D4864C8F5633}"/>
+              </a:ext>
+            </a:extLst>
+          </p:cNvPr>
+          <p:cNvSpPr>
+            <a:spLocks noGrp="1"/>
+          </p:cNvSpPr>
+          <p:nvPr>
+            <p:ph idx="4294967295"/>
+          </p:nvPr>
+        </p:nvSpPr>
+        <p:spPr>
+          <a:xfrm>
+            <a:off x="878306" y="2090486"/>
+            <a:ext cx="4111625" cy="4611688"/>
+          </a:xfrm>
+        </p:spPr>
+        <p:txBody>
+          <a:bodyPr>
+            <a:normAutofit/>
+          </a:bodyPr>
+          <a:lstStyle/>
+          <a:p>
+            <a:r>
+              <a:rPr lang="en-US" sz="1900" dirty="0"/>
+              <a:t>Initial data collected from </a:t>
+            </a:r>
+            <a:r>
+              <a:rPr lang="en-US" sz="1900" dirty="0">
+                <a:hlinkClick r:id="rId3"/>
+              </a:rPr>
+              <a:t>https://www.kaggle.com/zynicide/wine-reviews</a:t>
+            </a:r>
+            <a:endParaRPr lang="en-US" sz="1900" dirty="0"/>
+          </a:p>
+          <a:p>
+            <a:r>
+              <a:rPr lang="en-US" sz="1900" dirty="0"/>
+              <a:t>Our original dataset contained 129971 records of wine reviews scrapped data was scraped from  </a:t>
+            </a:r>
+            <a:r>
+              <a:rPr lang="en-US" sz="1900" dirty="0" err="1">
+                <a:hlinkClick r:id="rId4"/>
+              </a:rPr>
+              <a:t>WineEnthusiast</a:t>
+            </a:r>
+            <a:r>
+              <a:rPr lang="en-US" sz="1900" dirty="0"/>
+              <a:t> on November 22nd, 2017</a:t>
+            </a:r>
+          </a:p>
+          <a:p>
+            <a:r>
+              <a:rPr lang="en-US" sz="1900" dirty="0"/>
+              <a:t>We dropped several columns not relevant to our data.</a:t>
+            </a:r>
+          </a:p>
+          <a:p>
+            <a:r>
+              <a:rPr lang="en-US" sz="1900" dirty="0"/>
+              <a:t>We wanted to look at the where, what type, who, and how much?</a:t>
+            </a:r>
+          </a:p>
+          <a:p>
+            <a:pPr marL="0" indent="0">
+              <a:buNone/>
+            </a:pPr>
+            <a:endParaRPr lang="en-US" sz="1400" dirty="0"/>
+          </a:p>
+          <a:p>
+            <a:endParaRPr lang="en-US" sz="1400" dirty="0"/>
+          </a:p>
+        </p:txBody>
+      </p:sp>
+      <p:pic>
+        <p:nvPicPr>
+          <p:cNvPr id="4" name="Picture 3">
+            <a:extLst>
+              <a:ext uri="{FF2B5EF4-FFF2-40B4-BE49-F238E27FC236}">
+                <a16:creationId xmlns:a16="http://schemas.microsoft.com/office/drawing/2014/main" id="{AECD77BF-945E-4806-9FFE-C874D10CF22E}"/>
+              </a:ext>
+            </a:extLst>
+          </p:cNvPr>
+          <p:cNvPicPr>
+            <a:picLocks noChangeAspect="1"/>
+          </p:cNvPicPr>
+          <p:nvPr/>
+        </p:nvPicPr>
+        <p:blipFill>
+          <a:blip r:embed="rId5"/>
+          <a:stretch>
+            <a:fillRect/>
+          </a:stretch>
+        </p:blipFill>
+        <p:spPr>
+          <a:xfrm>
+            <a:off x="5455920" y="1977798"/>
+            <a:ext cx="5962048" cy="1751991"/>
+          </a:xfrm>
+          <a:prstGeom prst="rect">
+            <a:avLst/>
+          </a:prstGeom>
+          <a:ln>
+            <a:noFill/>
+          </a:ln>
+          <a:effectLst/>
+        </p:spPr>
+      </p:pic>
+    </p:spTree>
+    <p:extLst>
+      <p:ext uri="{BB962C8B-B14F-4D97-AF65-F5344CB8AC3E}">
+        <p14:creationId xmlns:p14="http://schemas.microsoft.com/office/powerpoint/2010/main" val="2618961013"/>
+      </p:ext>
+    </p:extLst>
+  </p:cSld>
+  <p:clrMapOvr>
+    <a:masterClrMapping/>
+  </p:clrMapOvr>
+</p:sld>
+</file>
+
+<file path=ppt/slides/slide6.xml><?xml version="1.0" encoding="utf-8"?>
+<p:sld xmlns:a="http://schemas.openxmlformats.org/drawingml/2006/main" xmlns:r="http://schemas.openxmlformats.org/officeDocument/2006/relationships" xmlns:p="http://schemas.openxmlformats.org/presentationml/2006/main">
+  <p:cSld>
+    <p:spTree>
+      <p:nvGrpSpPr>
+        <p:cNvPr id="1" name=""/>
+        <p:cNvGrpSpPr/>
+        <p:nvPr/>
+      </p:nvGrpSpPr>
+      <p:grpSpPr>
+        <a:xfrm>
+          <a:off x="0" y="0"/>
+          <a:ext cx="0" cy="0"/>
+          <a:chOff x="0" y="0"/>
+          <a:chExt cx="0" cy="0"/>
+        </a:xfrm>
+      </p:grpSpPr>
+      <p:sp>
+        <p:nvSpPr>
+          <p:cNvPr id="2" name="Title 1">
+            <a:extLst>
+              <a:ext uri="{FF2B5EF4-FFF2-40B4-BE49-F238E27FC236}">
+                <a16:creationId xmlns:a16="http://schemas.microsoft.com/office/drawing/2014/main" id="{6E3FC660-D007-4A81-9CD3-C8A1436D9E0A}"/>
+              </a:ext>
+            </a:extLst>
+          </p:cNvPr>
+          <p:cNvSpPr>
+            <a:spLocks noGrp="1"/>
+          </p:cNvSpPr>
+          <p:nvPr>
+            <p:ph type="title"/>
+          </p:nvPr>
+        </p:nvSpPr>
+        <p:spPr/>
+        <p:txBody>
+          <a:bodyPr/>
+          <a:lstStyle/>
+          <a:p>
+            <a:r>
+              <a:rPr lang="en-US" dirty="0"/>
+              <a:t>Data Cleanup and Exploration</a:t>
+            </a:r>
+          </a:p>
+        </p:txBody>
+      </p:sp>
+      <p:sp>
+        <p:nvSpPr>
+          <p:cNvPr id="3" name="Content Placeholder 2">
+            <a:extLst>
+              <a:ext uri="{FF2B5EF4-FFF2-40B4-BE49-F238E27FC236}">
+                <a16:creationId xmlns:a16="http://schemas.microsoft.com/office/drawing/2014/main" id="{148DFADC-0423-409A-9365-F0C7230C1825}"/>
+              </a:ext>
+            </a:extLst>
+          </p:cNvPr>
+          <p:cNvSpPr>
+            <a:spLocks noGrp="1"/>
+          </p:cNvSpPr>
+          <p:nvPr>
+            <p:ph idx="1"/>
+          </p:nvPr>
+        </p:nvSpPr>
+        <p:spPr>
+          <a:xfrm>
+            <a:off x="680321" y="2273968"/>
+            <a:ext cx="9613861" cy="4331369"/>
+          </a:xfrm>
+        </p:spPr>
+        <p:txBody>
+          <a:bodyPr>
+            <a:normAutofit/>
+          </a:bodyPr>
+          <a:lstStyle/>
+          <a:p>
+            <a:r>
+              <a:rPr lang="en-US" sz="2000" dirty="0"/>
+              <a:t>Original data had to be manipulated to be able to upload “starter” to GitHub.</a:t>
+            </a:r>
+          </a:p>
+          <a:p>
+            <a:r>
+              <a:rPr lang="en-US" sz="2000" dirty="0"/>
+              <a:t>Description and Designation columns dropped from the original 130k csv to create “dropped_wine_data.csv”</a:t>
+            </a:r>
+          </a:p>
+          <a:p>
+            <a:r>
+              <a:rPr lang="en-US" sz="2000" dirty="0"/>
+              <a:t>Got the counts of rows in each column.</a:t>
+            </a:r>
+          </a:p>
+          <a:p>
+            <a:r>
+              <a:rPr lang="en-US" sz="2000" dirty="0"/>
+              <a:t>Dropped unneeded columns.</a:t>
+            </a:r>
+          </a:p>
+          <a:p>
+            <a:r>
+              <a:rPr lang="en-US" sz="2000" dirty="0"/>
+              <a:t>Dropped any NaN records in the data.</a:t>
+            </a:r>
+          </a:p>
+          <a:p>
+            <a:r>
+              <a:rPr lang="en-US" sz="2000" dirty="0"/>
+              <a:t>Extracted ‘year’ from column title then recleaned the data for any new NaN values and dropped duplicate values</a:t>
+            </a:r>
+          </a:p>
+          <a:p>
+            <a:r>
+              <a:rPr lang="en-US" sz="2000" dirty="0"/>
+              <a:t>Renamed and deleted unneeded columns before exporting csv to other people working on the data.</a:t>
+            </a:r>
+          </a:p>
+        </p:txBody>
+      </p:sp>
+    </p:spTree>
+    <p:extLst>
+      <p:ext uri="{BB962C8B-B14F-4D97-AF65-F5344CB8AC3E}">
+        <p14:creationId xmlns:p14="http://schemas.microsoft.com/office/powerpoint/2010/main" val="4142703252"/>
+      </p:ext>
+    </p:extLst>
+  </p:cSld>
+  <p:clrMapOvr>
+    <a:masterClrMapping/>
+  </p:clrMapOvr>
+</p:sld>
+</file>
+
+<file path=ppt/slides/slide7.xml><?xml version="1.0" encoding="utf-8"?>
+<p:sld xmlns:a="http://schemas.openxmlformats.org/drawingml/2006/main" xmlns:r="http://schemas.openxmlformats.org/officeDocument/2006/relationships" xmlns:p="http://schemas.openxmlformats.org/presentationml/2006/main">
+  <p:cSld>
+    <p:spTree>
+      <p:nvGrpSpPr>
+        <p:cNvPr id="1" name=""/>
+        <p:cNvGrpSpPr/>
+        <p:nvPr/>
+      </p:nvGrpSpPr>
+      <p:grpSpPr>
+        <a:xfrm>
+          <a:off x="0" y="0"/>
+          <a:ext cx="0" cy="0"/>
+          <a:chOff x="0" y="0"/>
+          <a:chExt cx="0" cy="0"/>
+        </a:xfrm>
+      </p:grpSpPr>
+      <p:sp>
+        <p:nvSpPr>
+          <p:cNvPr id="2" name="Title 1">
+            <a:extLst>
+              <a:ext uri="{FF2B5EF4-FFF2-40B4-BE49-F238E27FC236}">
+                <a16:creationId xmlns:a16="http://schemas.microsoft.com/office/drawing/2014/main" id="{D6627360-EA93-424D-A92D-819ADAB5381C}"/>
+              </a:ext>
+            </a:extLst>
+          </p:cNvPr>
+          <p:cNvSpPr>
+            <a:spLocks noGrp="1"/>
+          </p:cNvSpPr>
+          <p:nvPr>
+            <p:ph type="title"/>
+          </p:nvPr>
+        </p:nvSpPr>
+        <p:spPr/>
+        <p:txBody>
+          <a:bodyPr/>
+          <a:lstStyle/>
+          <a:p>
+            <a:r>
+              <a:rPr lang="en-US" dirty="0"/>
+              <a:t>Data Analysis</a:t>
+            </a:r>
+          </a:p>
+        </p:txBody>
+      </p:sp>
+      <p:sp>
+        <p:nvSpPr>
+          <p:cNvPr id="3" name="Content Placeholder 2">
+            <a:extLst>
+              <a:ext uri="{FF2B5EF4-FFF2-40B4-BE49-F238E27FC236}">
+                <a16:creationId xmlns:a16="http://schemas.microsoft.com/office/drawing/2014/main" id="{7F1680D4-6050-4102-93D9-3BC32039851D}"/>
+              </a:ext>
+            </a:extLst>
+          </p:cNvPr>
+          <p:cNvSpPr>
+            <a:spLocks noGrp="1"/>
+          </p:cNvSpPr>
+          <p:nvPr>
+            <p:ph idx="1"/>
+          </p:nvPr>
+        </p:nvSpPr>
+        <p:spPr/>
+        <p:txBody>
+          <a:bodyPr/>
+          <a:lstStyle/>
+          <a:p>
+            <a:r>
+              <a:rPr lang="en-US" i="1" dirty="0"/>
+              <a:t>Discuss the steps you took to analyze the data and answer each question you asked in your proposal</a:t>
+            </a:r>
+          </a:p>
+          <a:p>
+            <a:r>
+              <a:rPr lang="en-US" i="1" dirty="0"/>
+              <a:t>Present and discuss interesting figures developed during analysis, ideally with the help of </a:t>
+            </a:r>
+            <a:r>
+              <a:rPr lang="en-US" i="1" dirty="0" err="1"/>
+              <a:t>Jupyter</a:t>
+            </a:r>
+            <a:r>
+              <a:rPr lang="en-US" i="1" dirty="0"/>
+              <a:t> Notebook</a:t>
+            </a:r>
+          </a:p>
+        </p:txBody>
+      </p:sp>
+    </p:spTree>
+    <p:extLst>
+      <p:ext uri="{BB962C8B-B14F-4D97-AF65-F5344CB8AC3E}">
+        <p14:creationId xmlns:p14="http://schemas.microsoft.com/office/powerpoint/2010/main" val="1581570477"/>
+      </p:ext>
+    </p:extLst>
+  </p:cSld>
+  <p:clrMapOvr>
+    <a:masterClrMapping/>
+  </p:clrMapOvr>
+</p:sld>
+</file>
+
+<file path=ppt/slides/slide8.xml><?xml version="1.0" encoding="utf-8"?>
+<p:sld xmlns:a="http://schemas.openxmlformats.org/drawingml/2006/main" xmlns:r="http://schemas.openxmlformats.org/officeDocument/2006/relationships" xmlns:p="http://schemas.openxmlformats.org/presentationml/2006/main">
+  <p:cSld>
+    <p:spTree>
+      <p:nvGrpSpPr>
+        <p:cNvPr id="1" name=""/>
+        <p:cNvGrpSpPr/>
+        <p:nvPr/>
+      </p:nvGrpSpPr>
+      <p:grpSpPr>
+        <a:xfrm>
+          <a:off x="0" y="0"/>
+          <a:ext cx="0" cy="0"/>
+          <a:chOff x="0" y="0"/>
+          <a:chExt cx="0" cy="0"/>
+        </a:xfrm>
+      </p:grpSpPr>
       <p:pic>
         <p:nvPicPr>
           <p:cNvPr id="1026" name="Picture 2">
@@ -9221,7 +15451,7 @@
           <p:nvPr/>
         </p:nvPicPr>
         <p:blipFill rotWithShape="1">
-          <a:blip r:embed="rId3">
+          <a:blip r:embed="rId2">
             <a:extLst>
               <a:ext uri="{28A0092B-C50C-407E-A947-70E740481C1C}">
                 <a14:useLocalDpi xmlns:a14="http://schemas.microsoft.com/office/drawing/2010/main" val="0"/>
@@ -9257,64 +15487,6 @@
       </p:pic>
       <p:sp>
         <p:nvSpPr>
-          <p:cNvPr id="195" name="Rectangle 194">
-            <a:extLst>
-              <a:ext uri="{FF2B5EF4-FFF2-40B4-BE49-F238E27FC236}">
-                <a16:creationId xmlns:a16="http://schemas.microsoft.com/office/drawing/2014/main" id="{E1E1EAB6-C066-436F-B97B-506A3CAD01D8}"/>
-              </a:ext>
-              <a:ext uri="{C183D7F6-B498-43B3-948B-1728B52AA6E4}">
-                <adec:decorative xmlns:adec="http://schemas.microsoft.com/office/drawing/2017/decorative" val="1"/>
-              </a:ext>
-            </a:extLst>
-          </p:cNvPr>
-          <p:cNvSpPr>
-            <a:spLocks noGrp="1" noRot="1" noChangeAspect="1" noMove="1" noResize="1" noEditPoints="1" noAdjustHandles="1" noChangeArrowheads="1" noChangeShapeType="1" noTextEdit="1"/>
-          </p:cNvSpPr>
-          <p:nvPr>
-            <p:extLst>
-              <p:ext uri="{386F3935-93C4-4BCD-93E2-E3B085C9AB24}">
-                <p16:designElem xmlns:p16="http://schemas.microsoft.com/office/powerpoint/2015/main" val="1"/>
-              </p:ext>
-            </p:extLst>
-          </p:nvPr>
-        </p:nvSpPr>
-        <p:spPr bwMode="grayWhite">
-          <a:xfrm>
-            <a:off x="2" y="609600"/>
-            <a:ext cx="5018565" cy="1368198"/>
-          </a:xfrm>
-          <a:prstGeom prst="rect">
-            <a:avLst/>
-          </a:prstGeom>
-          <a:solidFill>
-            <a:schemeClr val="bg1">
-              <a:lumMod val="85000"/>
-              <a:lumOff val="15000"/>
-            </a:schemeClr>
-          </a:solidFill>
-          <a:ln>
-            <a:noFill/>
-          </a:ln>
-        </p:spPr>
-        <p:style>
-          <a:lnRef idx="2">
-            <a:schemeClr val="accent1">
-              <a:shade val="50000"/>
-            </a:schemeClr>
-          </a:lnRef>
-          <a:fillRef idx="1">
-            <a:schemeClr val="accent1"/>
-          </a:fillRef>
-          <a:effectRef idx="0">
-            <a:schemeClr val="accent1"/>
-          </a:effectRef>
-          <a:fontRef idx="minor">
-            <a:schemeClr val="lt1"/>
-          </a:fontRef>
-        </p:style>
-      </p:sp>
-      <p:sp>
-        <p:nvSpPr>
           <p:cNvPr id="2" name="Title 1">
             <a:extLst>
               <a:ext uri="{FF2B5EF4-FFF2-40B4-BE49-F238E27FC236}">
@@ -9331,8 +15503,8 @@
         </p:nvSpPr>
         <p:spPr>
           <a:xfrm>
-            <a:off x="680322" y="753228"/>
-            <a:ext cx="3679028" cy="1080938"/>
+            <a:off x="680321" y="753228"/>
+            <a:ext cx="4950457" cy="1080938"/>
           </a:xfrm>
         </p:spPr>
         <p:txBody>
@@ -9342,57 +15514,20 @@
           <a:lstStyle/>
           <a:p>
             <a:r>
-              <a:rPr lang="en-US" sz="3200"/>
-              <a:t>Breakdown of Reviews</a:t>
+              <a:rPr lang="en-US" sz="3200" dirty="0"/>
+              <a:t>Data Analysis: </a:t>
+            </a:r>
+            <a:r>
+              <a:rPr lang="en-US" sz="2800" dirty="0"/>
+              <a:t>Breakdown</a:t>
+            </a:r>
+            <a:r>
+              <a:rPr lang="en-US" sz="3200" dirty="0"/>
+              <a:t> of Reviews</a:t>
             </a:r>
           </a:p>
         </p:txBody>
       </p:sp>
-      <p:pic>
-        <p:nvPicPr>
-          <p:cNvPr id="196" name="Picture 195">
-            <a:extLst>
-              <a:ext uri="{FF2B5EF4-FFF2-40B4-BE49-F238E27FC236}">
-                <a16:creationId xmlns:a16="http://schemas.microsoft.com/office/drawing/2014/main" id="{4A0584A2-7157-4FF9-BDF0-792791AE67E8}"/>
-              </a:ext>
-              <a:ext uri="{C183D7F6-B498-43B3-948B-1728B52AA6E4}">
-                <adec:decorative xmlns:adec="http://schemas.microsoft.com/office/drawing/2017/decorative" val="1"/>
-              </a:ext>
-            </a:extLst>
-          </p:cNvPr>
-          <p:cNvPicPr>
-            <a:picLocks noGrp="1" noRot="1" noChangeAspect="1" noMove="1" noResize="1" noEditPoints="1" noAdjustHandles="1" noChangeArrowheads="1" noChangeShapeType="1" noCrop="1"/>
-          </p:cNvPicPr>
-          <p:nvPr>
-            <p:extLst>
-              <p:ext uri="{386F3935-93C4-4BCD-93E2-E3B085C9AB24}">
-                <p16:designElem xmlns:p16="http://schemas.microsoft.com/office/powerpoint/2015/main" val="1"/>
-              </p:ext>
-            </p:extLst>
-          </p:nvPr>
-        </p:nvPicPr>
-        <p:blipFill>
-          <a:blip r:embed="rId4">
-            <a:extLst>
-              <a:ext uri="{28A0092B-C50C-407E-A947-70E740481C1C}">
-                <a14:useLocalDpi xmlns:a14="http://schemas.microsoft.com/office/drawing/2010/main" val="0"/>
-              </a:ext>
-            </a:extLst>
-          </a:blip>
-          <a:stretch>
-            <a:fillRect/>
-          </a:stretch>
-        </p:blipFill>
-        <p:spPr>
-          <a:xfrm>
-            <a:off x="2" y="1970240"/>
-            <a:ext cx="5029200" cy="202738"/>
-          </a:xfrm>
-          <a:prstGeom prst="rect">
-            <a:avLst/>
-          </a:prstGeom>
-        </p:spPr>
-      </p:pic>
       <p:sp>
         <p:nvSpPr>
           <p:cNvPr id="3" name="Content Placeholder 2">
@@ -9452,7 +15587,7 @@
           <p:nvPr/>
         </p:nvPicPr>
         <p:blipFill>
-          <a:blip r:embed="rId5">
+          <a:blip r:embed="rId3">
             <a:extLst>
               <a:ext uri="{28A0092B-C50C-407E-A947-70E740481C1C}">
                 <a14:useLocalDpi xmlns:a14="http://schemas.microsoft.com/office/drawing/2010/main" val="0"/>
@@ -9497,7 +15632,7 @@
 </p:sld>
 </file>
 
-<file path=ppt/slides/slide6.xml><?xml version="1.0" encoding="utf-8"?>
+<file path=ppt/slides/slide9.xml><?xml version="1.0" encoding="utf-8"?>
 <p:sld xmlns:a="http://schemas.openxmlformats.org/drawingml/2006/main" xmlns:r="http://schemas.openxmlformats.org/officeDocument/2006/relationships" xmlns:p="http://schemas.openxmlformats.org/presentationml/2006/main">
   <p:cSld>
     <p:spTree>
@@ -9579,12 +15714,14 @@
         </p:nvSpPr>
         <p:spPr/>
         <p:txBody>
-          <a:bodyPr/>
+          <a:bodyPr>
+            <a:normAutofit/>
+          </a:bodyPr>
           <a:lstStyle/>
           <a:p>
             <a:r>
-              <a:rPr lang="en-US" dirty="0"/>
-              <a:t>California vs the world by type of wine</a:t>
+              <a:rPr lang="en-US" sz="2800" dirty="0"/>
+              <a:t>Data Analysis: California vs the world by type of wine</a:t>
             </a:r>
           </a:p>
         </p:txBody>
@@ -9640,613 +15777,6 @@
     <p:extLst>
       <p:ext uri="{BB962C8B-B14F-4D97-AF65-F5344CB8AC3E}">
         <p14:creationId xmlns:p14="http://schemas.microsoft.com/office/powerpoint/2010/main" val="1417474323"/>
-      </p:ext>
-    </p:extLst>
-  </p:cSld>
-  <p:clrMapOvr>
-    <a:masterClrMapping/>
-  </p:clrMapOvr>
-</p:sld>
-</file>
-
-<file path=ppt/slides/slide7.xml><?xml version="1.0" encoding="utf-8"?>
-<p:sld xmlns:a="http://schemas.openxmlformats.org/drawingml/2006/main" xmlns:r="http://schemas.openxmlformats.org/officeDocument/2006/relationships" xmlns:p="http://schemas.openxmlformats.org/presentationml/2006/main">
-  <p:cSld>
-    <p:spTree>
-      <p:nvGrpSpPr>
-        <p:cNvPr id="1" name=""/>
-        <p:cNvGrpSpPr/>
-        <p:nvPr/>
-      </p:nvGrpSpPr>
-      <p:grpSpPr>
-        <a:xfrm>
-          <a:off x="0" y="0"/>
-          <a:ext cx="0" cy="0"/>
-          <a:chOff x="0" y="0"/>
-          <a:chExt cx="0" cy="0"/>
-        </a:xfrm>
-      </p:grpSpPr>
-      <p:sp>
-        <p:nvSpPr>
-          <p:cNvPr id="2" name="Title 1">
-            <a:extLst>
-              <a:ext uri="{FF2B5EF4-FFF2-40B4-BE49-F238E27FC236}">
-                <a16:creationId xmlns:a16="http://schemas.microsoft.com/office/drawing/2014/main" id="{2181B0DD-9E32-41F0-A0D2-B7F6862DA7E6}"/>
-              </a:ext>
-            </a:extLst>
-          </p:cNvPr>
-          <p:cNvSpPr>
-            <a:spLocks noGrp="1"/>
-          </p:cNvSpPr>
-          <p:nvPr>
-            <p:ph type="title"/>
-          </p:nvPr>
-        </p:nvSpPr>
-        <p:spPr/>
-        <p:txBody>
-          <a:bodyPr/>
-          <a:lstStyle/>
-          <a:p>
-            <a:r>
-              <a:rPr lang="en-US" dirty="0"/>
-              <a:t>California vs the world by price of wine</a:t>
-            </a:r>
-          </a:p>
-        </p:txBody>
-      </p:sp>
-      <p:pic>
-        <p:nvPicPr>
-          <p:cNvPr id="3074" name="Picture 2">
-            <a:extLst>
-              <a:ext uri="{FF2B5EF4-FFF2-40B4-BE49-F238E27FC236}">
-                <a16:creationId xmlns:a16="http://schemas.microsoft.com/office/drawing/2014/main" id="{3726BF1F-C29E-4B08-9F31-5B1CFF3CE860}"/>
-              </a:ext>
-            </a:extLst>
-          </p:cNvPr>
-          <p:cNvPicPr>
-            <a:picLocks noChangeAspect="1" noChangeArrowheads="1"/>
-          </p:cNvPicPr>
-          <p:nvPr/>
-        </p:nvPicPr>
-        <p:blipFill>
-          <a:blip r:embed="rId2">
-            <a:extLst>
-              <a:ext uri="{28A0092B-C50C-407E-A947-70E740481C1C}">
-                <a14:useLocalDpi xmlns:a14="http://schemas.microsoft.com/office/drawing/2010/main" val="0"/>
-              </a:ext>
-            </a:extLst>
-          </a:blip>
-          <a:srcRect/>
-          <a:stretch>
-            <a:fillRect/>
-          </a:stretch>
-        </p:blipFill>
-        <p:spPr bwMode="auto">
-          <a:xfrm>
-            <a:off x="1033409" y="2044556"/>
-            <a:ext cx="4700427" cy="4700427"/>
-          </a:xfrm>
-          <a:prstGeom prst="rect">
-            <a:avLst/>
-          </a:prstGeom>
-          <a:noFill/>
-          <a:extLst>
-            <a:ext uri="{909E8E84-426E-40DD-AFC4-6F175D3DCCD1}">
-              <a14:hiddenFill xmlns:a14="http://schemas.microsoft.com/office/drawing/2010/main">
-                <a:solidFill>
-                  <a:srgbClr val="FFFFFF"/>
-                </a:solidFill>
-              </a14:hiddenFill>
-            </a:ext>
-          </a:extLst>
-        </p:spPr>
-      </p:pic>
-      <p:pic>
-        <p:nvPicPr>
-          <p:cNvPr id="3076" name="Picture 4">
-            <a:extLst>
-              <a:ext uri="{FF2B5EF4-FFF2-40B4-BE49-F238E27FC236}">
-                <a16:creationId xmlns:a16="http://schemas.microsoft.com/office/drawing/2014/main" id="{4745C21B-A935-4524-9255-FDE9F9B5A4A8}"/>
-              </a:ext>
-            </a:extLst>
-          </p:cNvPr>
-          <p:cNvPicPr>
-            <a:picLocks noChangeAspect="1" noChangeArrowheads="1"/>
-          </p:cNvPicPr>
-          <p:nvPr/>
-        </p:nvPicPr>
-        <p:blipFill>
-          <a:blip r:embed="rId3">
-            <a:extLst>
-              <a:ext uri="{28A0092B-C50C-407E-A947-70E740481C1C}">
-                <a14:useLocalDpi xmlns:a14="http://schemas.microsoft.com/office/drawing/2010/main" val="0"/>
-              </a:ext>
-            </a:extLst>
-          </a:blip>
-          <a:srcRect/>
-          <a:stretch>
-            <a:fillRect/>
-          </a:stretch>
-        </p:blipFill>
-        <p:spPr bwMode="auto">
-          <a:xfrm>
-            <a:off x="6458163" y="2044556"/>
-            <a:ext cx="4700428" cy="4700428"/>
-          </a:xfrm>
-          <a:prstGeom prst="rect">
-            <a:avLst/>
-          </a:prstGeom>
-          <a:noFill/>
-          <a:extLst>
-            <a:ext uri="{909E8E84-426E-40DD-AFC4-6F175D3DCCD1}">
-              <a14:hiddenFill xmlns:a14="http://schemas.microsoft.com/office/drawing/2010/main">
-                <a:solidFill>
-                  <a:srgbClr val="FFFFFF"/>
-                </a:solidFill>
-              </a14:hiddenFill>
-            </a:ext>
-          </a:extLst>
-        </p:spPr>
-      </p:pic>
-    </p:spTree>
-    <p:extLst>
-      <p:ext uri="{BB962C8B-B14F-4D97-AF65-F5344CB8AC3E}">
-        <p14:creationId xmlns:p14="http://schemas.microsoft.com/office/powerpoint/2010/main" val="1118687428"/>
-      </p:ext>
-    </p:extLst>
-  </p:cSld>
-  <p:clrMapOvr>
-    <a:masterClrMapping/>
-  </p:clrMapOvr>
-</p:sld>
-</file>
-
-<file path=ppt/slides/slide8.xml><?xml version="1.0" encoding="utf-8"?>
-<p:sld xmlns:a="http://schemas.openxmlformats.org/drawingml/2006/main" xmlns:r="http://schemas.openxmlformats.org/officeDocument/2006/relationships" xmlns:p="http://schemas.openxmlformats.org/presentationml/2006/main">
-  <p:cSld>
-    <p:spTree>
-      <p:nvGrpSpPr>
-        <p:cNvPr id="1" name=""/>
-        <p:cNvGrpSpPr/>
-        <p:nvPr/>
-      </p:nvGrpSpPr>
-      <p:grpSpPr>
-        <a:xfrm>
-          <a:off x="0" y="0"/>
-          <a:ext cx="0" cy="0"/>
-          <a:chOff x="0" y="0"/>
-          <a:chExt cx="0" cy="0"/>
-        </a:xfrm>
-      </p:grpSpPr>
-      <p:sp>
-        <p:nvSpPr>
-          <p:cNvPr id="2" name="TextBox 1">
-            <a:extLst>
-              <a:ext uri="{FF2B5EF4-FFF2-40B4-BE49-F238E27FC236}">
-                <a16:creationId xmlns:a16="http://schemas.microsoft.com/office/drawing/2014/main" id="{84CD0CE7-B49F-47B5-AB1D-9F6DD9B8A2FB}"/>
-              </a:ext>
-            </a:extLst>
-          </p:cNvPr>
-          <p:cNvSpPr txBox="1"/>
-          <p:nvPr/>
-        </p:nvSpPr>
-        <p:spPr>
-          <a:xfrm>
-            <a:off x="104775" y="66675"/>
-            <a:ext cx="11772900" cy="7263527"/>
-          </a:xfrm>
-          <a:prstGeom prst="rect">
-            <a:avLst/>
-          </a:prstGeom>
-          <a:noFill/>
-        </p:spPr>
-        <p:txBody>
-          <a:bodyPr wrap="square" rtlCol="0">
-            <a:spAutoFit/>
-          </a:bodyPr>
-          <a:lstStyle/>
-          <a:p>
-            <a:r>
-              <a:rPr lang="en-US" sz="1600" b="1" dirty="0"/>
-              <a:t>Project Description/Outline:</a:t>
-            </a:r>
-            <a:endParaRPr lang="en-US" sz="1600" dirty="0"/>
-          </a:p>
-          <a:p>
-            <a:r>
-              <a:rPr lang="en-US" sz="1600" dirty="0"/>
-              <a:t>Wine Data Analysis</a:t>
-            </a:r>
-          </a:p>
-          <a:p>
-            <a:endParaRPr lang="en-US" sz="1600" dirty="0"/>
-          </a:p>
-          <a:p>
-            <a:r>
-              <a:rPr lang="en-US" sz="1600" b="1" dirty="0"/>
-              <a:t>Hypothesis of our project:</a:t>
-            </a:r>
-          </a:p>
-          <a:p>
-            <a:r>
-              <a:rPr lang="en-US" sz="1600" dirty="0"/>
-              <a:t>USA has the highest average rating of wines.</a:t>
-            </a:r>
-          </a:p>
-          <a:p>
-            <a:pPr marL="285750" indent="-285750">
-              <a:buFont typeface="Wingdings" panose="05000000000000000000" pitchFamily="2" charset="2"/>
-              <a:buChar char="§"/>
-            </a:pPr>
-            <a:endParaRPr lang="en-US" sz="1600" dirty="0"/>
-          </a:p>
-          <a:p>
-            <a:r>
-              <a:rPr lang="en-US" sz="1600" b="1" dirty="0"/>
-              <a:t>Research Questions to Answer:</a:t>
-            </a:r>
-            <a:endParaRPr lang="en-US" sz="1600" dirty="0"/>
-          </a:p>
-          <a:p>
-            <a:pPr marL="285750" indent="-285750">
-              <a:buFont typeface="Wingdings" panose="05000000000000000000" pitchFamily="2" charset="2"/>
-              <a:buChar char="§"/>
-            </a:pPr>
-            <a:r>
-              <a:rPr lang="en-US" sz="1600" dirty="0"/>
-              <a:t>Top 10 wineries based on the points scale?</a:t>
-            </a:r>
-          </a:p>
-          <a:p>
-            <a:pPr marL="285750" indent="-285750">
-              <a:buFont typeface="Wingdings" panose="05000000000000000000" pitchFamily="2" charset="2"/>
-              <a:buChar char="§"/>
-            </a:pPr>
-            <a:r>
-              <a:rPr lang="en-US" sz="1600" dirty="0"/>
-              <a:t>Top 10 bottles by price?</a:t>
-            </a:r>
-          </a:p>
-          <a:p>
-            <a:pPr marL="285750" indent="-285750">
-              <a:buFont typeface="Wingdings" panose="05000000000000000000" pitchFamily="2" charset="2"/>
-              <a:buChar char="§"/>
-            </a:pPr>
-            <a:r>
-              <a:rPr lang="en-US" sz="1600" dirty="0"/>
-              <a:t>Comparison of country of origin vs rating</a:t>
-            </a:r>
-          </a:p>
-          <a:p>
-            <a:pPr marL="285750" indent="-285750">
-              <a:buFont typeface="Wingdings" panose="05000000000000000000" pitchFamily="2" charset="2"/>
-              <a:buChar char="§"/>
-            </a:pPr>
-            <a:r>
-              <a:rPr lang="en-US" sz="1600" dirty="0"/>
-              <a:t>Countries by winery (top 10 shown in our bar graph)</a:t>
-            </a:r>
-          </a:p>
-          <a:p>
-            <a:pPr marL="285750" indent="-285750">
-              <a:buFont typeface="Wingdings" panose="05000000000000000000" pitchFamily="2" charset="2"/>
-              <a:buChar char="§"/>
-            </a:pPr>
-            <a:r>
-              <a:rPr lang="en-US" sz="1600" dirty="0"/>
-              <a:t>Winery  by location (heat map)</a:t>
-            </a:r>
-          </a:p>
-          <a:p>
-            <a:pPr marL="285750" indent="-285750">
-              <a:buFont typeface="Wingdings" panose="05000000000000000000" pitchFamily="2" charset="2"/>
-              <a:buChar char="§"/>
-            </a:pPr>
-            <a:r>
-              <a:rPr lang="en-US" sz="1600" dirty="0"/>
-              <a:t>Comparison by price and rating.</a:t>
-            </a:r>
-          </a:p>
-          <a:p>
-            <a:pPr marL="285750" indent="-285750">
-              <a:buFont typeface="Wingdings" panose="05000000000000000000" pitchFamily="2" charset="2"/>
-              <a:buChar char="§"/>
-            </a:pPr>
-            <a:r>
-              <a:rPr lang="en-US" sz="1600" dirty="0"/>
-              <a:t>Show USA regions with wineries by percentage (pie chart)</a:t>
-            </a:r>
-          </a:p>
-          <a:p>
-            <a:pPr marL="285750" indent="-285750">
-              <a:buFont typeface="Wingdings" panose="05000000000000000000" pitchFamily="2" charset="2"/>
-              <a:buChar char="§"/>
-            </a:pPr>
-            <a:endParaRPr lang="en-US" sz="1600" dirty="0"/>
-          </a:p>
-          <a:p>
-            <a:pPr marL="285750" indent="-285750">
-              <a:buFont typeface="Wingdings" panose="05000000000000000000" pitchFamily="2" charset="2"/>
-              <a:buChar char="§"/>
-            </a:pPr>
-            <a:r>
-              <a:rPr lang="en-US" sz="1600" b="1" i="1" dirty="0"/>
-              <a:t>Implications of our data</a:t>
-            </a:r>
-            <a:r>
-              <a:rPr lang="en-US" sz="1600" b="1" dirty="0"/>
-              <a:t>:</a:t>
-            </a:r>
-          </a:p>
-          <a:p>
-            <a:pPr marL="285750" indent="-285750">
-              <a:buFont typeface="Wingdings" panose="05000000000000000000" pitchFamily="2" charset="2"/>
-              <a:buChar char="§"/>
-            </a:pPr>
-            <a:r>
-              <a:rPr lang="en-US" sz="1600" dirty="0"/>
-              <a:t>Our data supports  our hypothesis.</a:t>
-            </a:r>
-          </a:p>
-          <a:p>
-            <a:pPr marL="285750" indent="-285750">
-              <a:buFont typeface="Wingdings" panose="05000000000000000000" pitchFamily="2" charset="2"/>
-              <a:buChar char="§"/>
-            </a:pPr>
-            <a:endParaRPr lang="en-US" sz="1600" dirty="0"/>
-          </a:p>
-          <a:p>
-            <a:endParaRPr lang="en-US" sz="1600" dirty="0"/>
-          </a:p>
-          <a:p>
-            <a:r>
-              <a:rPr lang="en-US" sz="1600" b="1" dirty="0"/>
-              <a:t>Datasets to be Used:</a:t>
-            </a:r>
-            <a:endParaRPr lang="en-US" sz="1600" dirty="0"/>
-          </a:p>
-          <a:p>
-            <a:pPr marL="285750" indent="-285750">
-              <a:buFont typeface="Wingdings" panose="05000000000000000000" pitchFamily="2" charset="2"/>
-              <a:buChar char="§"/>
-            </a:pPr>
-            <a:r>
-              <a:rPr lang="en-US" sz="1600" dirty="0"/>
-              <a:t>Wine Reviews : </a:t>
-            </a:r>
-            <a:r>
-              <a:rPr lang="en-US" sz="1600" dirty="0">
-                <a:hlinkClick r:id="rId2"/>
-              </a:rPr>
-              <a:t>https://www.kaggle.com/zynicide/wine-reviews</a:t>
-            </a:r>
-            <a:endParaRPr lang="en-US" sz="1600" dirty="0"/>
-          </a:p>
-          <a:p>
-            <a:pPr marL="285750" indent="-285750">
-              <a:buFont typeface="Wingdings" panose="05000000000000000000" pitchFamily="2" charset="2"/>
-              <a:buChar char="§"/>
-            </a:pPr>
-            <a:endParaRPr lang="en-US" sz="1600" dirty="0"/>
-          </a:p>
-          <a:p>
-            <a:r>
-              <a:rPr lang="en-US" sz="1600" b="1" dirty="0"/>
-              <a:t>Rough Breakdown of Tasks:</a:t>
-            </a:r>
-            <a:endParaRPr lang="en-US" sz="1600" dirty="0"/>
-          </a:p>
-          <a:p>
-            <a:pPr marL="285750" indent="-285750">
-              <a:buFont typeface="Wingdings" panose="05000000000000000000" pitchFamily="2" charset="2"/>
-              <a:buChar char="§"/>
-            </a:pPr>
-            <a:r>
-              <a:rPr lang="en-US" sz="1600" dirty="0"/>
-              <a:t>Review the datasets for enough data</a:t>
-            </a:r>
-          </a:p>
-          <a:p>
-            <a:pPr marL="285750" indent="-285750">
-              <a:buFont typeface="Wingdings" panose="05000000000000000000" pitchFamily="2" charset="2"/>
-              <a:buChar char="§"/>
-            </a:pPr>
-            <a:r>
-              <a:rPr lang="en-US" sz="1600" dirty="0"/>
-              <a:t>Total of 6 to 8 visualizations (at least 2 visualizations per questions)</a:t>
-            </a:r>
-          </a:p>
-          <a:p>
-            <a:pPr marL="285750" indent="-285750">
-              <a:buFont typeface="Wingdings" panose="05000000000000000000" pitchFamily="2" charset="2"/>
-              <a:buChar char="§"/>
-            </a:pPr>
-            <a:r>
-              <a:rPr lang="en-US" sz="1600" dirty="0"/>
-              <a:t>Coding</a:t>
-            </a:r>
-          </a:p>
-          <a:p>
-            <a:pPr marL="285750" indent="-285750">
-              <a:buFont typeface="Wingdings" panose="05000000000000000000" pitchFamily="2" charset="2"/>
-              <a:buChar char="§"/>
-            </a:pPr>
-            <a:r>
-              <a:rPr lang="en-US" sz="1600" dirty="0"/>
-              <a:t>Begin PPT presentation outline.</a:t>
-            </a:r>
-          </a:p>
-          <a:p>
-            <a:endParaRPr lang="en-US" dirty="0"/>
-          </a:p>
-        </p:txBody>
-      </p:sp>
-    </p:spTree>
-    <p:extLst>
-      <p:ext uri="{BB962C8B-B14F-4D97-AF65-F5344CB8AC3E}">
-        <p14:creationId xmlns:p14="http://schemas.microsoft.com/office/powerpoint/2010/main" val="860011574"/>
-      </p:ext>
-    </p:extLst>
-  </p:cSld>
-  <p:clrMapOvr>
-    <a:masterClrMapping/>
-  </p:clrMapOvr>
-</p:sld>
-</file>
-
-<file path=ppt/slides/slide9.xml><?xml version="1.0" encoding="utf-8"?>
-<p:sld xmlns:a="http://schemas.openxmlformats.org/drawingml/2006/main" xmlns:r="http://schemas.openxmlformats.org/officeDocument/2006/relationships" xmlns:p="http://schemas.openxmlformats.org/presentationml/2006/main">
-  <p:cSld>
-    <p:spTree>
-      <p:nvGrpSpPr>
-        <p:cNvPr id="1" name=""/>
-        <p:cNvGrpSpPr/>
-        <p:nvPr/>
-      </p:nvGrpSpPr>
-      <p:grpSpPr>
-        <a:xfrm>
-          <a:off x="0" y="0"/>
-          <a:ext cx="0" cy="0"/>
-          <a:chOff x="0" y="0"/>
-          <a:chExt cx="0" cy="0"/>
-        </a:xfrm>
-      </p:grpSpPr>
-      <p:sp>
-        <p:nvSpPr>
-          <p:cNvPr id="2" name="Title 1">
-            <a:extLst>
-              <a:ext uri="{FF2B5EF4-FFF2-40B4-BE49-F238E27FC236}">
-                <a16:creationId xmlns:a16="http://schemas.microsoft.com/office/drawing/2014/main" id="{D86BF036-2D65-49E0-AB7C-7F5B20495809}"/>
-              </a:ext>
-            </a:extLst>
-          </p:cNvPr>
-          <p:cNvSpPr>
-            <a:spLocks noGrp="1"/>
-          </p:cNvSpPr>
-          <p:nvPr>
-            <p:ph type="title"/>
-          </p:nvPr>
-        </p:nvSpPr>
-        <p:spPr/>
-        <p:txBody>
-          <a:bodyPr/>
-          <a:lstStyle/>
-          <a:p>
-            <a:r>
-              <a:rPr lang="en-US" dirty="0"/>
-              <a:t>Research Questions - Completed</a:t>
-            </a:r>
-          </a:p>
-        </p:txBody>
-      </p:sp>
-      <p:sp>
-        <p:nvSpPr>
-          <p:cNvPr id="3" name="Content Placeholder 2">
-            <a:extLst>
-              <a:ext uri="{FF2B5EF4-FFF2-40B4-BE49-F238E27FC236}">
-                <a16:creationId xmlns:a16="http://schemas.microsoft.com/office/drawing/2014/main" id="{8191BEF5-7EF3-455D-9F4E-133A6A6E7A1A}"/>
-              </a:ext>
-            </a:extLst>
-          </p:cNvPr>
-          <p:cNvSpPr>
-            <a:spLocks noGrp="1"/>
-          </p:cNvSpPr>
-          <p:nvPr>
-            <p:ph idx="1"/>
-          </p:nvPr>
-        </p:nvSpPr>
-        <p:spPr/>
-        <p:txBody>
-          <a:bodyPr>
-            <a:normAutofit/>
-          </a:bodyPr>
-          <a:lstStyle/>
-          <a:p>
-            <a:r>
-              <a:rPr lang="en-US" b="1" dirty="0"/>
-              <a:t>Research Questions to Answer vs Visualizations:</a:t>
-            </a:r>
-            <a:endParaRPr lang="en-US" dirty="0"/>
-          </a:p>
-          <a:p>
-            <a:pPr marL="285750" indent="-285750">
-              <a:buFont typeface="Wingdings" panose="05000000000000000000" pitchFamily="2" charset="2"/>
-              <a:buChar char="§"/>
-            </a:pPr>
-            <a:r>
-              <a:rPr lang="en-US" dirty="0"/>
-              <a:t>Some data Cleanup</a:t>
-            </a:r>
-          </a:p>
-          <a:p>
-            <a:pPr marL="285750" indent="-285750">
-              <a:buFont typeface="Wingdings" panose="05000000000000000000" pitchFamily="2" charset="2"/>
-              <a:buChar char="§"/>
-            </a:pPr>
-            <a:r>
-              <a:rPr lang="en-US" dirty="0"/>
-              <a:t>CA, Global including CA, Global excluding CA</a:t>
-            </a:r>
-          </a:p>
-          <a:p>
-            <a:pPr marL="285750" indent="-285750">
-              <a:buFont typeface="Wingdings" panose="05000000000000000000" pitchFamily="2" charset="2"/>
-              <a:buChar char="§"/>
-            </a:pPr>
-            <a:r>
-              <a:rPr lang="en-US" dirty="0"/>
-              <a:t>Pie charts</a:t>
-            </a:r>
-          </a:p>
-          <a:p>
-            <a:pPr marL="285750" indent="-285750">
-              <a:buFont typeface="Wingdings" panose="05000000000000000000" pitchFamily="2" charset="2"/>
-              <a:buChar char="§"/>
-            </a:pPr>
-            <a:r>
-              <a:rPr lang="en-US" dirty="0"/>
-              <a:t>Scatter Plots</a:t>
-            </a:r>
-          </a:p>
-          <a:p>
-            <a:pPr marL="285750" indent="-285750">
-              <a:buFont typeface="Wingdings" panose="05000000000000000000" pitchFamily="2" charset="2"/>
-              <a:buChar char="§"/>
-            </a:pPr>
-            <a:r>
-              <a:rPr lang="en-US" dirty="0"/>
-              <a:t>Linear Regressions</a:t>
-            </a:r>
-          </a:p>
-          <a:p>
-            <a:pPr marL="285750" indent="-285750">
-              <a:buFont typeface="Wingdings" panose="05000000000000000000" pitchFamily="2" charset="2"/>
-              <a:buChar char="§"/>
-            </a:pPr>
-            <a:endParaRPr lang="en-US" dirty="0"/>
-          </a:p>
-          <a:p>
-            <a:pPr marL="0" indent="0">
-              <a:buNone/>
-            </a:pPr>
-            <a:endParaRPr lang="en-US" dirty="0"/>
-          </a:p>
-          <a:p>
-            <a:pPr marL="285750" indent="-285750">
-              <a:buFont typeface="Wingdings" panose="05000000000000000000" pitchFamily="2" charset="2"/>
-              <a:buChar char="§"/>
-            </a:pPr>
-            <a:endParaRPr lang="en-US" dirty="0"/>
-          </a:p>
-          <a:p>
-            <a:endParaRPr lang="en-US" dirty="0"/>
-          </a:p>
-        </p:txBody>
-      </p:sp>
-    </p:spTree>
-    <p:extLst>
-      <p:ext uri="{BB962C8B-B14F-4D97-AF65-F5344CB8AC3E}">
-        <p14:creationId xmlns:p14="http://schemas.microsoft.com/office/powerpoint/2010/main" val="471236930"/>
       </p:ext>
     </p:extLst>
   </p:cSld>
@@ -10508,4 +16038,299 @@
     </a:ext>
   </a:extLst>
 </a:theme>
+</file>
+
+<file path=ppt/theme/theme2.xml><?xml version="1.0" encoding="utf-8"?>
+<a:theme xmlns:a="http://schemas.openxmlformats.org/drawingml/2006/main" name="Office Theme">
+  <a:themeElements>
+    <a:clrScheme name="Office">
+      <a:dk1>
+        <a:sysClr val="windowText" lastClr="000000"/>
+      </a:dk1>
+      <a:lt1>
+        <a:sysClr val="window" lastClr="FFFFFF"/>
+      </a:lt1>
+      <a:dk2>
+        <a:srgbClr val="44546A"/>
+      </a:dk2>
+      <a:lt2>
+        <a:srgbClr val="E7E6E6"/>
+      </a:lt2>
+      <a:accent1>
+        <a:srgbClr val="4472C4"/>
+      </a:accent1>
+      <a:accent2>
+        <a:srgbClr val="ED7D31"/>
+      </a:accent2>
+      <a:accent3>
+        <a:srgbClr val="A5A5A5"/>
+      </a:accent3>
+      <a:accent4>
+        <a:srgbClr val="FFC000"/>
+      </a:accent4>
+      <a:accent5>
+        <a:srgbClr val="5B9BD5"/>
+      </a:accent5>
+      <a:accent6>
+        <a:srgbClr val="70AD47"/>
+      </a:accent6>
+      <a:hlink>
+        <a:srgbClr val="0563C1"/>
+      </a:hlink>
+      <a:folHlink>
+        <a:srgbClr val="954F72"/>
+      </a:folHlink>
+    </a:clrScheme>
+    <a:fontScheme name="Office">
+      <a:majorFont>
+        <a:latin typeface="Calibri Light" panose="020F0302020204030204"/>
+        <a:ea typeface=""/>
+        <a:cs typeface=""/>
+        <a:font script="Jpan" typeface="游ゴシック Light"/>
+        <a:font script="Hang" typeface="맑은 고딕"/>
+        <a:font script="Hans" typeface="等线 Light"/>
+        <a:font script="Hant" typeface="新細明體"/>
+        <a:font script="Arab" typeface="Times New Roman"/>
+        <a:font script="Hebr" typeface="Times New Roman"/>
+        <a:font script="Thai" typeface="Angsana New"/>
+        <a:font script="Ethi" typeface="Nyala"/>
+        <a:font script="Beng" typeface="Vrinda"/>
+        <a:font script="Gujr" typeface="Shruti"/>
+        <a:font script="Khmr" typeface="MoolBoran"/>
+        <a:font script="Knda" typeface="Tunga"/>
+        <a:font script="Guru" typeface="Raavi"/>
+        <a:font script="Cans" typeface="Euphemia"/>
+        <a:font script="Cher" typeface="Plantagenet Cherokee"/>
+        <a:font script="Yiii" typeface="Microsoft Yi Baiti"/>
+        <a:font script="Tibt" typeface="Microsoft Himalaya"/>
+        <a:font script="Thaa" typeface="MV Boli"/>
+        <a:font script="Deva" typeface="Mangal"/>
+        <a:font script="Telu" typeface="Gautami"/>
+        <a:font script="Taml" typeface="Latha"/>
+        <a:font script="Syrc" typeface="Estrangelo Edessa"/>
+        <a:font script="Orya" typeface="Kalinga"/>
+        <a:font script="Mlym" typeface="Kartika"/>
+        <a:font script="Laoo" typeface="DokChampa"/>
+        <a:font script="Sinh" typeface="Iskoola Pota"/>
+        <a:font script="Mong" typeface="Mongolian Baiti"/>
+        <a:font script="Viet" typeface="Times New Roman"/>
+        <a:font script="Uigh" typeface="Microsoft Uighur"/>
+        <a:font script="Geor" typeface="Sylfaen"/>
+        <a:font script="Armn" typeface="Arial"/>
+        <a:font script="Bugi" typeface="Leelawadee UI"/>
+        <a:font script="Bopo" typeface="Microsoft JhengHei"/>
+        <a:font script="Java" typeface="Javanese Text"/>
+        <a:font script="Lisu" typeface="Segoe UI"/>
+        <a:font script="Mymr" typeface="Myanmar Text"/>
+        <a:font script="Nkoo" typeface="Ebrima"/>
+        <a:font script="Olck" typeface="Nirmala UI"/>
+        <a:font script="Osma" typeface="Ebrima"/>
+        <a:font script="Phag" typeface="Phagspa"/>
+        <a:font script="Syrn" typeface="Estrangelo Edessa"/>
+        <a:font script="Syrj" typeface="Estrangelo Edessa"/>
+        <a:font script="Syre" typeface="Estrangelo Edessa"/>
+        <a:font script="Sora" typeface="Nirmala UI"/>
+        <a:font script="Tale" typeface="Microsoft Tai Le"/>
+        <a:font script="Talu" typeface="Microsoft New Tai Lue"/>
+        <a:font script="Tfng" typeface="Ebrima"/>
+      </a:majorFont>
+      <a:minorFont>
+        <a:latin typeface="Calibri" panose="020F0502020204030204"/>
+        <a:ea typeface=""/>
+        <a:cs typeface=""/>
+        <a:font script="Jpan" typeface="游ゴシック"/>
+        <a:font script="Hang" typeface="맑은 고딕"/>
+        <a:font script="Hans" typeface="等线"/>
+        <a:font script="Hant" typeface="新細明體"/>
+        <a:font script="Arab" typeface="Arial"/>
+        <a:font script="Hebr" typeface="Arial"/>
+        <a:font script="Thai" typeface="Cordia New"/>
+        <a:font script="Ethi" typeface="Nyala"/>
+        <a:font script="Beng" typeface="Vrinda"/>
+        <a:font script="Gujr" typeface="Shruti"/>
+        <a:font script="Khmr" typeface="DaunPenh"/>
+        <a:font script="Knda" typeface="Tunga"/>
+        <a:font script="Guru" typeface="Raavi"/>
+        <a:font script="Cans" typeface="Euphemia"/>
+        <a:font script="Cher" typeface="Plantagenet Cherokee"/>
+        <a:font script="Yiii" typeface="Microsoft Yi Baiti"/>
+        <a:font script="Tibt" typeface="Microsoft Himalaya"/>
+        <a:font script="Thaa" typeface="MV Boli"/>
+        <a:font script="Deva" typeface="Mangal"/>
+        <a:font script="Telu" typeface="Gautami"/>
+        <a:font script="Taml" typeface="Latha"/>
+        <a:font script="Syrc" typeface="Estrangelo Edessa"/>
+        <a:font script="Orya" typeface="Kalinga"/>
+        <a:font script="Mlym" typeface="Kartika"/>
+        <a:font script="Laoo" typeface="DokChampa"/>
+        <a:font script="Sinh" typeface="Iskoola Pota"/>
+        <a:font script="Mong" typeface="Mongolian Baiti"/>
+        <a:font script="Viet" typeface="Arial"/>
+        <a:font script="Uigh" typeface="Microsoft Uighur"/>
+        <a:font script="Geor" typeface="Sylfaen"/>
+        <a:font script="Armn" typeface="Arial"/>
+        <a:font script="Bugi" typeface="Leelawadee UI"/>
+        <a:font script="Bopo" typeface="Microsoft JhengHei"/>
+        <a:font script="Java" typeface="Javanese Text"/>
+        <a:font script="Lisu" typeface="Segoe UI"/>
+        <a:font script="Mymr" typeface="Myanmar Text"/>
+        <a:font script="Nkoo" typeface="Ebrima"/>
+        <a:font script="Olck" typeface="Nirmala UI"/>
+        <a:font script="Osma" typeface="Ebrima"/>
+        <a:font script="Phag" typeface="Phagspa"/>
+        <a:font script="Syrn" typeface="Estrangelo Edessa"/>
+        <a:font script="Syrj" typeface="Estrangelo Edessa"/>
+        <a:font script="Syre" typeface="Estrangelo Edessa"/>
+        <a:font script="Sora" typeface="Nirmala UI"/>
+        <a:font script="Tale" typeface="Microsoft Tai Le"/>
+        <a:font script="Talu" typeface="Microsoft New Tai Lue"/>
+        <a:font script="Tfng" typeface="Ebrima"/>
+      </a:minorFont>
+    </a:fontScheme>
+    <a:fmtScheme name="Office">
+      <a:fillStyleLst>
+        <a:solidFill>
+          <a:schemeClr val="phClr"/>
+        </a:solidFill>
+        <a:gradFill rotWithShape="1">
+          <a:gsLst>
+            <a:gs pos="0">
+              <a:schemeClr val="phClr">
+                <a:lumMod val="110000"/>
+                <a:satMod val="105000"/>
+                <a:tint val="67000"/>
+              </a:schemeClr>
+            </a:gs>
+            <a:gs pos="50000">
+              <a:schemeClr val="phClr">
+                <a:lumMod val="105000"/>
+                <a:satMod val="103000"/>
+                <a:tint val="73000"/>
+              </a:schemeClr>
+            </a:gs>
+            <a:gs pos="100000">
+              <a:schemeClr val="phClr">
+                <a:lumMod val="105000"/>
+                <a:satMod val="109000"/>
+                <a:tint val="81000"/>
+              </a:schemeClr>
+            </a:gs>
+          </a:gsLst>
+          <a:lin ang="5400000" scaled="0"/>
+        </a:gradFill>
+        <a:gradFill rotWithShape="1">
+          <a:gsLst>
+            <a:gs pos="0">
+              <a:schemeClr val="phClr">
+                <a:satMod val="103000"/>
+                <a:lumMod val="102000"/>
+                <a:tint val="94000"/>
+              </a:schemeClr>
+            </a:gs>
+            <a:gs pos="50000">
+              <a:schemeClr val="phClr">
+                <a:satMod val="110000"/>
+                <a:lumMod val="100000"/>
+                <a:shade val="100000"/>
+              </a:schemeClr>
+            </a:gs>
+            <a:gs pos="100000">
+              <a:schemeClr val="phClr">
+                <a:lumMod val="99000"/>
+                <a:satMod val="120000"/>
+                <a:shade val="78000"/>
+              </a:schemeClr>
+            </a:gs>
+          </a:gsLst>
+          <a:lin ang="5400000" scaled="0"/>
+        </a:gradFill>
+      </a:fillStyleLst>
+      <a:lnStyleLst>
+        <a:ln w="6350" cap="flat" cmpd="sng" algn="ctr">
+          <a:solidFill>
+            <a:schemeClr val="phClr"/>
+          </a:solidFill>
+          <a:prstDash val="solid"/>
+          <a:miter lim="800000"/>
+        </a:ln>
+        <a:ln w="12700" cap="flat" cmpd="sng" algn="ctr">
+          <a:solidFill>
+            <a:schemeClr val="phClr"/>
+          </a:solidFill>
+          <a:prstDash val="solid"/>
+          <a:miter lim="800000"/>
+        </a:ln>
+        <a:ln w="19050" cap="flat" cmpd="sng" algn="ctr">
+          <a:solidFill>
+            <a:schemeClr val="phClr"/>
+          </a:solidFill>
+          <a:prstDash val="solid"/>
+          <a:miter lim="800000"/>
+        </a:ln>
+      </a:lnStyleLst>
+      <a:effectStyleLst>
+        <a:effectStyle>
+          <a:effectLst/>
+        </a:effectStyle>
+        <a:effectStyle>
+          <a:effectLst/>
+        </a:effectStyle>
+        <a:effectStyle>
+          <a:effectLst>
+            <a:outerShdw blurRad="57150" dist="19050" dir="5400000" algn="ctr" rotWithShape="0">
+              <a:srgbClr val="000000">
+                <a:alpha val="63000"/>
+              </a:srgbClr>
+            </a:outerShdw>
+          </a:effectLst>
+        </a:effectStyle>
+      </a:effectStyleLst>
+      <a:bgFillStyleLst>
+        <a:solidFill>
+          <a:schemeClr val="phClr"/>
+        </a:solidFill>
+        <a:solidFill>
+          <a:schemeClr val="phClr">
+            <a:tint val="95000"/>
+            <a:satMod val="170000"/>
+          </a:schemeClr>
+        </a:solidFill>
+        <a:gradFill rotWithShape="1">
+          <a:gsLst>
+            <a:gs pos="0">
+              <a:schemeClr val="phClr">
+                <a:tint val="93000"/>
+                <a:satMod val="150000"/>
+                <a:shade val="98000"/>
+                <a:lumMod val="102000"/>
+              </a:schemeClr>
+            </a:gs>
+            <a:gs pos="50000">
+              <a:schemeClr val="phClr">
+                <a:tint val="98000"/>
+                <a:satMod val="130000"/>
+                <a:shade val="90000"/>
+                <a:lumMod val="103000"/>
+              </a:schemeClr>
+            </a:gs>
+            <a:gs pos="100000">
+              <a:schemeClr val="phClr">
+                <a:shade val="63000"/>
+                <a:satMod val="120000"/>
+              </a:schemeClr>
+            </a:gs>
+          </a:gsLst>
+          <a:lin ang="5400000" scaled="0"/>
+        </a:gradFill>
+      </a:bgFillStyleLst>
+    </a:fmtScheme>
+  </a:themeElements>
+  <a:objectDefaults/>
+  <a:extraClrSchemeLst/>
+  <a:extLst>
+    <a:ext uri="{05A4C25C-085E-4340-85A3-A5531E510DB2}">
+      <thm15:themeFamily xmlns:thm15="http://schemas.microsoft.com/office/thememl/2012/main" name="Office Theme" id="{62F939B6-93AF-4DB8-9C6B-D6C7DFDC589F}" vid="{4A3C46E8-61CC-4603-A589-7422A47A8E4A}"/>
+    </a:ext>
+  </a:extLst>
+</a:theme>
 </file>
--- a/Data Science_Project 1_Group2.pptx
+++ b/Data Science_Project 1_Group2.pptx
@@ -5,7 +5,7 @@
     <p:sldMasterId id="2147483669" r:id="rId1"/>
   </p:sldMasterIdLst>
   <p:notesMasterIdLst>
-    <p:notesMasterId r:id="rId18"/>
+    <p:notesMasterId r:id="rId17"/>
   </p:notesMasterIdLst>
   <p:sldIdLst>
     <p:sldId id="256" r:id="rId2"/>
@@ -14,16 +14,15 @@
     <p:sldId id="269" r:id="rId5"/>
     <p:sldId id="270" r:id="rId6"/>
     <p:sldId id="271" r:id="rId7"/>
-    <p:sldId id="272" r:id="rId8"/>
+    <p:sldId id="285" r:id="rId8"/>
     <p:sldId id="274" r:id="rId9"/>
-    <p:sldId id="275" r:id="rId10"/>
-    <p:sldId id="276" r:id="rId11"/>
-    <p:sldId id="278" r:id="rId12"/>
-    <p:sldId id="279" r:id="rId13"/>
-    <p:sldId id="280" r:id="rId14"/>
-    <p:sldId id="262" r:id="rId15"/>
-    <p:sldId id="263" r:id="rId16"/>
-    <p:sldId id="264" r:id="rId17"/>
+    <p:sldId id="282" r:id="rId10"/>
+    <p:sldId id="283" r:id="rId11"/>
+    <p:sldId id="284" r:id="rId12"/>
+    <p:sldId id="280" r:id="rId13"/>
+    <p:sldId id="262" r:id="rId14"/>
+    <p:sldId id="263" r:id="rId15"/>
+    <p:sldId id="264" r:id="rId16"/>
   </p:sldIdLst>
   <p:sldSz cx="12192000" cy="6858000"/>
   <p:notesSz cx="6858000" cy="9144000"/>
@@ -145,16 +144,15 @@
           <p14:sldIdLst>
             <p14:sldId id="270"/>
             <p14:sldId id="271"/>
+            <p14:sldId id="285"/>
           </p14:sldIdLst>
         </p14:section>
         <p14:section name="Data Analysis" id="{FEDE4B47-ABCC-427A-A850-3DC5B0983207}">
           <p14:sldIdLst>
-            <p14:sldId id="272"/>
             <p14:sldId id="274"/>
-            <p14:sldId id="275"/>
-            <p14:sldId id="276"/>
-            <p14:sldId id="278"/>
-            <p14:sldId id="279"/>
+            <p14:sldId id="282"/>
+            <p14:sldId id="283"/>
+            <p14:sldId id="284"/>
             <p14:sldId id="280"/>
           </p14:sldIdLst>
         </p14:section>
@@ -933,6 +931,927 @@
 </dgm:colorsDef>
 </file>
 
+<file path=ppt/diagrams/colors2.xml><?xml version="1.0" encoding="utf-8"?>
+<dgm:colorsDef xmlns:dgm="http://schemas.openxmlformats.org/drawingml/2006/diagram" xmlns:a="http://schemas.openxmlformats.org/drawingml/2006/main" uniqueId="urn:microsoft.com/office/officeart/2018/5/colors/Iconchunking_neutralbg_colorful1">
+  <dgm:title val=""/>
+  <dgm:desc val=""/>
+  <dgm:catLst>
+    <dgm:cat type="colorful" pri="10100"/>
+  </dgm:catLst>
+  <dgm:styleLbl name="node0">
+    <dgm:fillClrLst meth="repeat">
+      <a:schemeClr val="accent1"/>
+    </dgm:fillClrLst>
+    <dgm:linClrLst meth="repeat">
+      <a:schemeClr val="lt1"/>
+    </dgm:linClrLst>
+    <dgm:effectClrLst/>
+    <dgm:txLinClrLst/>
+    <dgm:txFillClrLst/>
+    <dgm:txEffectClrLst/>
+  </dgm:styleLbl>
+  <dgm:styleLbl name="node1">
+    <dgm:fillClrLst meth="repeat">
+      <a:schemeClr val="accent2"/>
+      <a:schemeClr val="accent3"/>
+      <a:schemeClr val="accent4"/>
+      <a:schemeClr val="accent5"/>
+      <a:schemeClr val="accent6"/>
+    </dgm:fillClrLst>
+    <dgm:linClrLst meth="repeat">
+      <a:schemeClr val="lt1">
+        <a:alpha val="0"/>
+      </a:schemeClr>
+    </dgm:linClrLst>
+    <dgm:effectClrLst/>
+    <dgm:txLinClrLst/>
+    <dgm:txFillClrLst/>
+    <dgm:txEffectClrLst/>
+  </dgm:styleLbl>
+  <dgm:styleLbl name="alignNode1">
+    <dgm:fillClrLst meth="repeat">
+      <a:schemeClr val="accent2"/>
+      <a:schemeClr val="accent3"/>
+      <a:schemeClr val="accent4"/>
+      <a:schemeClr val="accent5"/>
+      <a:schemeClr val="accent6"/>
+    </dgm:fillClrLst>
+    <dgm:linClrLst meth="repeat">
+      <a:schemeClr val="accent2"/>
+      <a:schemeClr val="accent3"/>
+      <a:schemeClr val="accent4"/>
+      <a:schemeClr val="accent5"/>
+      <a:schemeClr val="accent6"/>
+    </dgm:linClrLst>
+    <dgm:effectClrLst/>
+    <dgm:txLinClrLst/>
+    <dgm:txFillClrLst/>
+    <dgm:txEffectClrLst/>
+  </dgm:styleLbl>
+  <dgm:styleLbl name="lnNode1">
+    <dgm:fillClrLst meth="repeat">
+      <a:schemeClr val="accent2"/>
+      <a:schemeClr val="accent3"/>
+      <a:schemeClr val="accent4"/>
+      <a:schemeClr val="accent5"/>
+      <a:schemeClr val="accent6"/>
+    </dgm:fillClrLst>
+    <dgm:linClrLst meth="repeat">
+      <a:schemeClr val="lt1"/>
+    </dgm:linClrLst>
+    <dgm:effectClrLst/>
+    <dgm:txLinClrLst/>
+    <dgm:txFillClrLst/>
+    <dgm:txEffectClrLst/>
+  </dgm:styleLbl>
+  <dgm:styleLbl name="vennNode1">
+    <dgm:fillClrLst meth="repeat">
+      <a:schemeClr val="accent2">
+        <a:alpha val="50000"/>
+      </a:schemeClr>
+      <a:schemeClr val="accent3">
+        <a:alpha val="50000"/>
+      </a:schemeClr>
+      <a:schemeClr val="accent4">
+        <a:alpha val="50000"/>
+      </a:schemeClr>
+      <a:schemeClr val="accent5">
+        <a:alpha val="50000"/>
+      </a:schemeClr>
+      <a:schemeClr val="accent6">
+        <a:alpha val="50000"/>
+      </a:schemeClr>
+    </dgm:fillClrLst>
+    <dgm:linClrLst meth="repeat">
+      <a:schemeClr val="lt1"/>
+    </dgm:linClrLst>
+    <dgm:effectClrLst/>
+    <dgm:txLinClrLst/>
+    <dgm:txFillClrLst/>
+    <dgm:txEffectClrLst/>
+  </dgm:styleLbl>
+  <dgm:styleLbl name="node2">
+    <dgm:fillClrLst>
+      <a:schemeClr val="accent2"/>
+    </dgm:fillClrLst>
+    <dgm:linClrLst meth="repeat">
+      <a:schemeClr val="lt1"/>
+    </dgm:linClrLst>
+    <dgm:effectClrLst/>
+    <dgm:txLinClrLst/>
+    <dgm:txFillClrLst/>
+    <dgm:txEffectClrLst/>
+  </dgm:styleLbl>
+  <dgm:styleLbl name="node3">
+    <dgm:fillClrLst>
+      <a:schemeClr val="accent3"/>
+    </dgm:fillClrLst>
+    <dgm:linClrLst meth="repeat">
+      <a:schemeClr val="lt1"/>
+    </dgm:linClrLst>
+    <dgm:effectClrLst/>
+    <dgm:txLinClrLst/>
+    <dgm:txFillClrLst/>
+    <dgm:txEffectClrLst/>
+  </dgm:styleLbl>
+  <dgm:styleLbl name="node4">
+    <dgm:fillClrLst>
+      <a:schemeClr val="accent4"/>
+    </dgm:fillClrLst>
+    <dgm:linClrLst meth="repeat">
+      <a:schemeClr val="lt1"/>
+    </dgm:linClrLst>
+    <dgm:effectClrLst/>
+    <dgm:txLinClrLst/>
+    <dgm:txFillClrLst/>
+    <dgm:txEffectClrLst/>
+  </dgm:styleLbl>
+  <dgm:styleLbl name="fgImgPlace1">
+    <dgm:fillClrLst meth="repeat">
+      <a:schemeClr val="accent2">
+        <a:tint val="50000"/>
+      </a:schemeClr>
+      <a:schemeClr val="accent3">
+        <a:tint val="50000"/>
+      </a:schemeClr>
+      <a:schemeClr val="accent4">
+        <a:tint val="50000"/>
+      </a:schemeClr>
+      <a:schemeClr val="accent5">
+        <a:tint val="50000"/>
+      </a:schemeClr>
+      <a:schemeClr val="accent6">
+        <a:tint val="50000"/>
+      </a:schemeClr>
+    </dgm:fillClrLst>
+    <dgm:linClrLst meth="repeat">
+      <a:schemeClr val="lt1"/>
+    </dgm:linClrLst>
+    <dgm:effectClrLst/>
+    <dgm:txLinClrLst/>
+    <dgm:txFillClrLst meth="repeat">
+      <a:schemeClr val="lt1"/>
+    </dgm:txFillClrLst>
+    <dgm:txEffectClrLst/>
+  </dgm:styleLbl>
+  <dgm:styleLbl name="alignImgPlace1">
+    <dgm:fillClrLst>
+      <a:schemeClr val="accent1">
+        <a:tint val="50000"/>
+      </a:schemeClr>
+      <a:schemeClr val="accent2">
+        <a:tint val="20000"/>
+      </a:schemeClr>
+    </dgm:fillClrLst>
+    <dgm:linClrLst meth="repeat">
+      <a:schemeClr val="lt1"/>
+    </dgm:linClrLst>
+    <dgm:effectClrLst/>
+    <dgm:txLinClrLst/>
+    <dgm:txFillClrLst meth="repeat">
+      <a:schemeClr val="lt1"/>
+    </dgm:txFillClrLst>
+    <dgm:txEffectClrLst/>
+  </dgm:styleLbl>
+  <dgm:styleLbl name="bgImgPlace1">
+    <dgm:fillClrLst>
+      <a:schemeClr val="accent1">
+        <a:tint val="50000"/>
+      </a:schemeClr>
+      <a:schemeClr val="accent2">
+        <a:tint val="20000"/>
+      </a:schemeClr>
+    </dgm:fillClrLst>
+    <dgm:linClrLst meth="repeat">
+      <a:schemeClr val="lt1"/>
+    </dgm:linClrLst>
+    <dgm:effectClrLst/>
+    <dgm:txLinClrLst/>
+    <dgm:txFillClrLst meth="repeat">
+      <a:schemeClr val="lt1"/>
+    </dgm:txFillClrLst>
+    <dgm:txEffectClrLst/>
+  </dgm:styleLbl>
+  <dgm:styleLbl name="sibTrans2D1">
+    <dgm:fillClrLst meth="repeat">
+      <a:schemeClr val="accent2"/>
+      <a:schemeClr val="accent3"/>
+      <a:schemeClr val="accent4"/>
+      <a:schemeClr val="accent5"/>
+      <a:schemeClr val="accent6"/>
+    </dgm:fillClrLst>
+    <dgm:linClrLst meth="cycle">
+      <a:schemeClr val="lt1"/>
+    </dgm:linClrLst>
+    <dgm:effectClrLst/>
+    <dgm:txLinClrLst/>
+    <dgm:txFillClrLst/>
+    <dgm:txEffectClrLst/>
+  </dgm:styleLbl>
+  <dgm:styleLbl name="fgSibTrans2D1">
+    <dgm:fillClrLst meth="repeat">
+      <a:schemeClr val="accent2"/>
+      <a:schemeClr val="accent3"/>
+      <a:schemeClr val="accent4"/>
+      <a:schemeClr val="accent5"/>
+      <a:schemeClr val="accent6"/>
+    </dgm:fillClrLst>
+    <dgm:linClrLst meth="cycle">
+      <a:schemeClr val="lt1"/>
+    </dgm:linClrLst>
+    <dgm:effectClrLst/>
+    <dgm:txLinClrLst/>
+    <dgm:txFillClrLst meth="repeat">
+      <a:schemeClr val="lt1"/>
+    </dgm:txFillClrLst>
+    <dgm:txEffectClrLst/>
+  </dgm:styleLbl>
+  <dgm:styleLbl name="bgSibTrans2D1">
+    <dgm:fillClrLst meth="repeat">
+      <a:schemeClr val="accent2"/>
+      <a:schemeClr val="accent3"/>
+      <a:schemeClr val="accent4"/>
+      <a:schemeClr val="accent5"/>
+      <a:schemeClr val="accent6"/>
+    </dgm:fillClrLst>
+    <dgm:linClrLst meth="cycle">
+      <a:schemeClr val="lt1"/>
+    </dgm:linClrLst>
+    <dgm:effectClrLst/>
+    <dgm:txLinClrLst/>
+    <dgm:txFillClrLst meth="repeat">
+      <a:schemeClr val="lt1"/>
+    </dgm:txFillClrLst>
+    <dgm:txEffectClrLst/>
+  </dgm:styleLbl>
+  <dgm:styleLbl name="sibTrans1D1">
+    <dgm:fillClrLst meth="repeat">
+      <a:schemeClr val="accent2"/>
+      <a:schemeClr val="accent3"/>
+      <a:schemeClr val="accent4"/>
+      <a:schemeClr val="accent5"/>
+      <a:schemeClr val="accent6"/>
+    </dgm:fillClrLst>
+    <dgm:linClrLst meth="repeat">
+      <a:schemeClr val="accent2"/>
+      <a:schemeClr val="accent3"/>
+      <a:schemeClr val="accent4"/>
+      <a:schemeClr val="accent5"/>
+      <a:schemeClr val="accent6"/>
+    </dgm:linClrLst>
+    <dgm:effectClrLst/>
+    <dgm:txLinClrLst/>
+    <dgm:txFillClrLst meth="repeat">
+      <a:schemeClr val="tx1"/>
+    </dgm:txFillClrLst>
+    <dgm:txEffectClrLst/>
+  </dgm:styleLbl>
+  <dgm:styleLbl name="callout">
+    <dgm:fillClrLst meth="repeat">
+      <a:schemeClr val="accent2"/>
+    </dgm:fillClrLst>
+    <dgm:linClrLst meth="repeat">
+      <a:schemeClr val="accent2">
+        <a:tint val="50000"/>
+      </a:schemeClr>
+    </dgm:linClrLst>
+    <dgm:effectClrLst/>
+    <dgm:txLinClrLst/>
+    <dgm:txFillClrLst meth="repeat">
+      <a:schemeClr val="tx1"/>
+    </dgm:txFillClrLst>
+    <dgm:txEffectClrLst/>
+  </dgm:styleLbl>
+  <dgm:styleLbl name="asst0">
+    <dgm:fillClrLst meth="repeat">
+      <a:schemeClr val="accent1"/>
+    </dgm:fillClrLst>
+    <dgm:linClrLst meth="repeat">
+      <a:schemeClr val="lt1"/>
+    </dgm:linClrLst>
+    <dgm:effectClrLst/>
+    <dgm:txLinClrLst/>
+    <dgm:txFillClrLst/>
+    <dgm:txEffectClrLst/>
+  </dgm:styleLbl>
+  <dgm:styleLbl name="asst1">
+    <dgm:fillClrLst meth="repeat">
+      <a:schemeClr val="accent2"/>
+    </dgm:fillClrLst>
+    <dgm:linClrLst meth="repeat">
+      <a:schemeClr val="lt1"/>
+    </dgm:linClrLst>
+    <dgm:effectClrLst/>
+    <dgm:txLinClrLst/>
+    <dgm:txFillClrLst/>
+    <dgm:txEffectClrLst/>
+  </dgm:styleLbl>
+  <dgm:styleLbl name="asst2">
+    <dgm:fillClrLst>
+      <a:schemeClr val="accent3"/>
+    </dgm:fillClrLst>
+    <dgm:linClrLst meth="repeat">
+      <a:schemeClr val="lt1"/>
+    </dgm:linClrLst>
+    <dgm:effectClrLst/>
+    <dgm:txLinClrLst/>
+    <dgm:txFillClrLst/>
+    <dgm:txEffectClrLst/>
+  </dgm:styleLbl>
+  <dgm:styleLbl name="asst3">
+    <dgm:fillClrLst>
+      <a:schemeClr val="accent4"/>
+    </dgm:fillClrLst>
+    <dgm:linClrLst meth="repeat">
+      <a:schemeClr val="lt1"/>
+    </dgm:linClrLst>
+    <dgm:effectClrLst/>
+    <dgm:txLinClrLst/>
+    <dgm:txFillClrLst/>
+    <dgm:txEffectClrLst/>
+  </dgm:styleLbl>
+  <dgm:styleLbl name="asst4">
+    <dgm:fillClrLst>
+      <a:schemeClr val="accent5"/>
+    </dgm:fillClrLst>
+    <dgm:linClrLst meth="repeat">
+      <a:schemeClr val="lt1"/>
+    </dgm:linClrLst>
+    <dgm:effectClrLst/>
+    <dgm:txLinClrLst/>
+    <dgm:txFillClrLst/>
+    <dgm:txEffectClrLst/>
+  </dgm:styleLbl>
+  <dgm:styleLbl name="parChTrans2D1">
+    <dgm:fillClrLst meth="repeat">
+      <a:schemeClr val="accent2"/>
+    </dgm:fillClrLst>
+    <dgm:linClrLst meth="repeat">
+      <a:schemeClr val="lt1"/>
+    </dgm:linClrLst>
+    <dgm:effectClrLst/>
+    <dgm:txLinClrLst/>
+    <dgm:txFillClrLst meth="repeat">
+      <a:schemeClr val="lt1"/>
+    </dgm:txFillClrLst>
+    <dgm:txEffectClrLst/>
+  </dgm:styleLbl>
+  <dgm:styleLbl name="parChTrans2D2">
+    <dgm:fillClrLst meth="repeat">
+      <a:schemeClr val="accent3"/>
+    </dgm:fillClrLst>
+    <dgm:linClrLst meth="repeat">
+      <a:schemeClr val="lt1"/>
+    </dgm:linClrLst>
+    <dgm:effectClrLst/>
+    <dgm:txLinClrLst/>
+    <dgm:txFillClrLst/>
+    <dgm:txEffectClrLst/>
+  </dgm:styleLbl>
+  <dgm:styleLbl name="parChTrans2D3">
+    <dgm:fillClrLst meth="repeat">
+      <a:schemeClr val="accent4"/>
+    </dgm:fillClrLst>
+    <dgm:linClrLst meth="repeat">
+      <a:schemeClr val="lt1"/>
+    </dgm:linClrLst>
+    <dgm:effectClrLst/>
+    <dgm:txLinClrLst/>
+    <dgm:txFillClrLst/>
+    <dgm:txEffectClrLst/>
+  </dgm:styleLbl>
+  <dgm:styleLbl name="parChTrans2D4">
+    <dgm:fillClrLst meth="repeat">
+      <a:schemeClr val="accent5"/>
+    </dgm:fillClrLst>
+    <dgm:linClrLst meth="repeat">
+      <a:schemeClr val="lt1"/>
+    </dgm:linClrLst>
+    <dgm:effectClrLst/>
+    <dgm:txLinClrLst/>
+    <dgm:txFillClrLst meth="repeat">
+      <a:schemeClr val="lt1"/>
+    </dgm:txFillClrLst>
+    <dgm:txEffectClrLst/>
+  </dgm:styleLbl>
+  <dgm:styleLbl name="parChTrans1D1">
+    <dgm:fillClrLst meth="repeat">
+      <a:schemeClr val="accent2"/>
+    </dgm:fillClrLst>
+    <dgm:linClrLst meth="repeat">
+      <a:schemeClr val="accent1"/>
+    </dgm:linClrLst>
+    <dgm:effectClrLst/>
+    <dgm:txLinClrLst/>
+    <dgm:txFillClrLst meth="repeat">
+      <a:schemeClr val="tx1"/>
+    </dgm:txFillClrLst>
+    <dgm:txEffectClrLst/>
+  </dgm:styleLbl>
+  <dgm:styleLbl name="parChTrans1D2">
+    <dgm:fillClrLst meth="repeat">
+      <a:schemeClr val="accent3">
+        <a:tint val="90000"/>
+      </a:schemeClr>
+    </dgm:fillClrLst>
+    <dgm:linClrLst meth="repeat">
+      <a:schemeClr val="accent2"/>
+    </dgm:linClrLst>
+    <dgm:effectClrLst/>
+    <dgm:txLinClrLst/>
+    <dgm:txFillClrLst meth="repeat">
+      <a:schemeClr val="tx1"/>
+    </dgm:txFillClrLst>
+    <dgm:txEffectClrLst/>
+  </dgm:styleLbl>
+  <dgm:styleLbl name="parChTrans1D3">
+    <dgm:fillClrLst meth="repeat">
+      <a:schemeClr val="accent4">
+        <a:tint val="70000"/>
+      </a:schemeClr>
+    </dgm:fillClrLst>
+    <dgm:linClrLst meth="repeat">
+      <a:schemeClr val="accent3"/>
+    </dgm:linClrLst>
+    <dgm:effectClrLst/>
+    <dgm:txLinClrLst/>
+    <dgm:txFillClrLst meth="repeat">
+      <a:schemeClr val="tx1"/>
+    </dgm:txFillClrLst>
+    <dgm:txEffectClrLst/>
+  </dgm:styleLbl>
+  <dgm:styleLbl name="parChTrans1D4">
+    <dgm:fillClrLst meth="repeat">
+      <a:schemeClr val="accent5">
+        <a:tint val="50000"/>
+      </a:schemeClr>
+    </dgm:fillClrLst>
+    <dgm:linClrLst meth="repeat">
+      <a:schemeClr val="accent4"/>
+    </dgm:linClrLst>
+    <dgm:effectClrLst/>
+    <dgm:txLinClrLst/>
+    <dgm:txFillClrLst meth="repeat">
+      <a:schemeClr val="tx1"/>
+    </dgm:txFillClrLst>
+    <dgm:txEffectClrLst/>
+  </dgm:styleLbl>
+  <dgm:styleLbl name="fgAcc1">
+    <dgm:fillClrLst meth="repeat">
+      <a:schemeClr val="lt1">
+        <a:alpha val="90000"/>
+      </a:schemeClr>
+    </dgm:fillClrLst>
+    <dgm:linClrLst meth="repeat">
+      <a:schemeClr val="accent2"/>
+      <a:schemeClr val="accent3"/>
+      <a:schemeClr val="accent4"/>
+      <a:schemeClr val="accent5"/>
+      <a:schemeClr val="accent6"/>
+    </dgm:linClrLst>
+    <dgm:effectClrLst/>
+    <dgm:txLinClrLst/>
+    <dgm:txFillClrLst meth="repeat">
+      <a:schemeClr val="dk1"/>
+    </dgm:txFillClrLst>
+    <dgm:txEffectClrLst/>
+  </dgm:styleLbl>
+  <dgm:styleLbl name="conFgAcc1">
+    <dgm:fillClrLst meth="repeat">
+      <a:schemeClr val="lt1">
+        <a:alpha val="90000"/>
+      </a:schemeClr>
+    </dgm:fillClrLst>
+    <dgm:linClrLst meth="repeat">
+      <a:schemeClr val="accent2"/>
+      <a:schemeClr val="accent3"/>
+      <a:schemeClr val="accent4"/>
+      <a:schemeClr val="accent5"/>
+      <a:schemeClr val="accent6"/>
+    </dgm:linClrLst>
+    <dgm:effectClrLst/>
+    <dgm:txLinClrLst/>
+    <dgm:txFillClrLst meth="repeat">
+      <a:schemeClr val="dk1"/>
+    </dgm:txFillClrLst>
+    <dgm:txEffectClrLst/>
+  </dgm:styleLbl>
+  <dgm:styleLbl name="alignAcc1">
+    <dgm:fillClrLst meth="repeat">
+      <a:schemeClr val="lt1">
+        <a:alpha val="90000"/>
+      </a:schemeClr>
+    </dgm:fillClrLst>
+    <dgm:linClrLst meth="repeat">
+      <a:schemeClr val="accent2"/>
+      <a:schemeClr val="accent3"/>
+      <a:schemeClr val="accent4"/>
+      <a:schemeClr val="accent5"/>
+      <a:schemeClr val="accent6"/>
+    </dgm:linClrLst>
+    <dgm:effectClrLst/>
+    <dgm:txLinClrLst/>
+    <dgm:txFillClrLst meth="repeat">
+      <a:schemeClr val="dk1"/>
+    </dgm:txFillClrLst>
+    <dgm:txEffectClrLst/>
+  </dgm:styleLbl>
+  <dgm:styleLbl name="trAlignAcc1">
+    <dgm:fillClrLst meth="repeat">
+      <a:schemeClr val="lt1">
+        <a:alpha val="40000"/>
+      </a:schemeClr>
+    </dgm:fillClrLst>
+    <dgm:linClrLst meth="repeat">
+      <a:schemeClr val="accent1"/>
+    </dgm:linClrLst>
+    <dgm:effectClrLst/>
+    <dgm:txLinClrLst/>
+    <dgm:txFillClrLst meth="repeat">
+      <a:schemeClr val="dk1"/>
+    </dgm:txFillClrLst>
+    <dgm:txEffectClrLst/>
+  </dgm:styleLbl>
+  <dgm:styleLbl name="bgAcc1">
+    <dgm:fillClrLst meth="repeat">
+      <a:schemeClr val="lt1">
+        <a:alpha val="90000"/>
+      </a:schemeClr>
+    </dgm:fillClrLst>
+    <dgm:linClrLst meth="repeat">
+      <a:schemeClr val="accent2"/>
+      <a:schemeClr val="accent3"/>
+      <a:schemeClr val="accent4"/>
+      <a:schemeClr val="accent5"/>
+      <a:schemeClr val="accent6"/>
+    </dgm:linClrLst>
+    <dgm:effectClrLst/>
+    <dgm:txLinClrLst/>
+    <dgm:txFillClrLst meth="repeat">
+      <a:schemeClr val="dk1"/>
+    </dgm:txFillClrLst>
+    <dgm:txEffectClrLst/>
+  </dgm:styleLbl>
+  <dgm:styleLbl name="solidFgAcc1">
+    <dgm:fillClrLst meth="repeat">
+      <a:schemeClr val="lt1"/>
+    </dgm:fillClrLst>
+    <dgm:linClrLst meth="repeat">
+      <a:schemeClr val="accent2"/>
+      <a:schemeClr val="accent3"/>
+      <a:schemeClr val="accent4"/>
+      <a:schemeClr val="accent5"/>
+      <a:schemeClr val="accent6"/>
+    </dgm:linClrLst>
+    <dgm:effectClrLst/>
+    <dgm:txLinClrLst/>
+    <dgm:txFillClrLst meth="repeat">
+      <a:schemeClr val="dk1"/>
+    </dgm:txFillClrLst>
+    <dgm:txEffectClrLst/>
+  </dgm:styleLbl>
+  <dgm:styleLbl name="solidAlignAcc1">
+    <dgm:fillClrLst meth="repeat">
+      <a:schemeClr val="lt1"/>
+    </dgm:fillClrLst>
+    <dgm:linClrLst meth="repeat">
+      <a:schemeClr val="accent2"/>
+      <a:schemeClr val="accent3"/>
+      <a:schemeClr val="accent4"/>
+      <a:schemeClr val="accent5"/>
+      <a:schemeClr val="accent6"/>
+    </dgm:linClrLst>
+    <dgm:effectClrLst/>
+    <dgm:txLinClrLst/>
+    <dgm:txFillClrLst meth="repeat">
+      <a:schemeClr val="dk1"/>
+    </dgm:txFillClrLst>
+    <dgm:txEffectClrLst/>
+  </dgm:styleLbl>
+  <dgm:styleLbl name="solidBgAcc1">
+    <dgm:fillClrLst meth="repeat">
+      <a:schemeClr val="lt1"/>
+    </dgm:fillClrLst>
+    <dgm:linClrLst meth="repeat">
+      <a:schemeClr val="accent2"/>
+      <a:schemeClr val="accent3"/>
+      <a:schemeClr val="accent4"/>
+      <a:schemeClr val="accent5"/>
+      <a:schemeClr val="accent6"/>
+    </dgm:linClrLst>
+    <dgm:effectClrLst/>
+    <dgm:txLinClrLst/>
+    <dgm:txFillClrLst meth="repeat">
+      <a:schemeClr val="dk1"/>
+    </dgm:txFillClrLst>
+    <dgm:txEffectClrLst/>
+  </dgm:styleLbl>
+  <dgm:styleLbl name="fgAccFollowNode1">
+    <dgm:fillClrLst meth="repeat">
+      <a:schemeClr val="accent2">
+        <a:tint val="40000"/>
+        <a:alpha val="90000"/>
+      </a:schemeClr>
+      <a:schemeClr val="accent3">
+        <a:tint val="40000"/>
+        <a:alpha val="90000"/>
+      </a:schemeClr>
+      <a:schemeClr val="accent4">
+        <a:tint val="40000"/>
+        <a:alpha val="90000"/>
+      </a:schemeClr>
+      <a:schemeClr val="accent5">
+        <a:tint val="40000"/>
+        <a:alpha val="90000"/>
+      </a:schemeClr>
+      <a:schemeClr val="accent6">
+        <a:tint val="40000"/>
+        <a:alpha val="90000"/>
+      </a:schemeClr>
+    </dgm:fillClrLst>
+    <dgm:linClrLst meth="repeat">
+      <a:schemeClr val="accent2">
+        <a:tint val="40000"/>
+        <a:alpha val="90000"/>
+      </a:schemeClr>
+      <a:schemeClr val="accent3">
+        <a:tint val="40000"/>
+        <a:alpha val="90000"/>
+      </a:schemeClr>
+      <a:schemeClr val="accent4">
+        <a:tint val="40000"/>
+        <a:alpha val="90000"/>
+      </a:schemeClr>
+      <a:schemeClr val="accent5">
+        <a:tint val="40000"/>
+        <a:alpha val="90000"/>
+      </a:schemeClr>
+      <a:schemeClr val="accent6">
+        <a:tint val="40000"/>
+        <a:alpha val="90000"/>
+      </a:schemeClr>
+    </dgm:linClrLst>
+    <dgm:effectClrLst/>
+    <dgm:txLinClrLst/>
+    <dgm:txFillClrLst meth="repeat">
+      <a:schemeClr val="dk1"/>
+    </dgm:txFillClrLst>
+    <dgm:txEffectClrLst/>
+  </dgm:styleLbl>
+  <dgm:styleLbl name="alignAccFollowNode1">
+    <dgm:fillClrLst meth="repeat">
+      <a:schemeClr val="accent2">
+        <a:tint val="40000"/>
+        <a:alpha val="90000"/>
+      </a:schemeClr>
+      <a:schemeClr val="accent3">
+        <a:tint val="40000"/>
+        <a:alpha val="90000"/>
+      </a:schemeClr>
+      <a:schemeClr val="accent4">
+        <a:tint val="40000"/>
+        <a:alpha val="90000"/>
+      </a:schemeClr>
+      <a:schemeClr val="accent5">
+        <a:tint val="40000"/>
+        <a:alpha val="90000"/>
+      </a:schemeClr>
+      <a:schemeClr val="accent6">
+        <a:tint val="40000"/>
+        <a:alpha val="90000"/>
+      </a:schemeClr>
+    </dgm:fillClrLst>
+    <dgm:linClrLst meth="repeat">
+      <a:schemeClr val="accent2">
+        <a:tint val="40000"/>
+        <a:alpha val="90000"/>
+      </a:schemeClr>
+      <a:schemeClr val="accent3">
+        <a:tint val="40000"/>
+        <a:alpha val="90000"/>
+      </a:schemeClr>
+      <a:schemeClr val="accent4">
+        <a:tint val="40000"/>
+        <a:alpha val="90000"/>
+      </a:schemeClr>
+      <a:schemeClr val="accent5">
+        <a:tint val="40000"/>
+        <a:alpha val="90000"/>
+      </a:schemeClr>
+      <a:schemeClr val="accent6">
+        <a:tint val="40000"/>
+        <a:alpha val="90000"/>
+      </a:schemeClr>
+    </dgm:linClrLst>
+    <dgm:effectClrLst/>
+    <dgm:txLinClrLst/>
+    <dgm:txFillClrLst meth="repeat">
+      <a:schemeClr val="dk1"/>
+    </dgm:txFillClrLst>
+    <dgm:txEffectClrLst/>
+  </dgm:styleLbl>
+  <dgm:styleLbl name="bgAccFollowNode1">
+    <dgm:fillClrLst meth="repeat">
+      <a:schemeClr val="accent2">
+        <a:tint val="40000"/>
+        <a:alpha val="90000"/>
+      </a:schemeClr>
+      <a:schemeClr val="accent3">
+        <a:tint val="40000"/>
+        <a:alpha val="90000"/>
+      </a:schemeClr>
+      <a:schemeClr val="accent4">
+        <a:tint val="40000"/>
+        <a:alpha val="90000"/>
+      </a:schemeClr>
+      <a:schemeClr val="accent5">
+        <a:tint val="40000"/>
+        <a:alpha val="90000"/>
+      </a:schemeClr>
+      <a:schemeClr val="accent6">
+        <a:tint val="40000"/>
+        <a:alpha val="90000"/>
+      </a:schemeClr>
+    </dgm:fillClrLst>
+    <dgm:linClrLst meth="repeat">
+      <a:schemeClr val="accent2">
+        <a:tint val="40000"/>
+        <a:alpha val="90000"/>
+      </a:schemeClr>
+      <a:schemeClr val="accent3">
+        <a:tint val="40000"/>
+        <a:alpha val="90000"/>
+      </a:schemeClr>
+      <a:schemeClr val="accent4">
+        <a:tint val="40000"/>
+        <a:alpha val="90000"/>
+      </a:schemeClr>
+      <a:schemeClr val="accent5">
+        <a:tint val="40000"/>
+        <a:alpha val="90000"/>
+      </a:schemeClr>
+      <a:schemeClr val="accent6">
+        <a:tint val="40000"/>
+        <a:alpha val="90000"/>
+      </a:schemeClr>
+    </dgm:linClrLst>
+    <dgm:effectClrLst/>
+    <dgm:txLinClrLst/>
+    <dgm:txFillClrLst meth="repeat">
+      <a:schemeClr val="dk1"/>
+    </dgm:txFillClrLst>
+    <dgm:txEffectClrLst/>
+  </dgm:styleLbl>
+  <dgm:styleLbl name="fgAcc0">
+    <dgm:fillClrLst meth="repeat">
+      <a:schemeClr val="lt1">
+        <a:alpha val="90000"/>
+      </a:schemeClr>
+    </dgm:fillClrLst>
+    <dgm:linClrLst>
+      <a:schemeClr val="accent1"/>
+    </dgm:linClrLst>
+    <dgm:effectClrLst/>
+    <dgm:txLinClrLst/>
+    <dgm:txFillClrLst meth="repeat">
+      <a:schemeClr val="dk1"/>
+    </dgm:txFillClrLst>
+    <dgm:txEffectClrLst/>
+  </dgm:styleLbl>
+  <dgm:styleLbl name="fgAcc2">
+    <dgm:fillClrLst meth="repeat">
+      <a:schemeClr val="lt1">
+        <a:alpha val="90000"/>
+      </a:schemeClr>
+    </dgm:fillClrLst>
+    <dgm:linClrLst>
+      <a:schemeClr val="accent2"/>
+    </dgm:linClrLst>
+    <dgm:effectClrLst/>
+    <dgm:txLinClrLst/>
+    <dgm:txFillClrLst meth="repeat">
+      <a:schemeClr val="dk1"/>
+    </dgm:txFillClrLst>
+    <dgm:txEffectClrLst/>
+  </dgm:styleLbl>
+  <dgm:styleLbl name="fgAcc3">
+    <dgm:fillClrLst meth="repeat">
+      <a:schemeClr val="lt1">
+        <a:alpha val="90000"/>
+      </a:schemeClr>
+    </dgm:fillClrLst>
+    <dgm:linClrLst>
+      <a:schemeClr val="accent3"/>
+    </dgm:linClrLst>
+    <dgm:effectClrLst/>
+    <dgm:txLinClrLst/>
+    <dgm:txFillClrLst meth="repeat">
+      <a:schemeClr val="dk1"/>
+    </dgm:txFillClrLst>
+    <dgm:txEffectClrLst/>
+  </dgm:styleLbl>
+  <dgm:styleLbl name="fgAcc4">
+    <dgm:fillClrLst meth="repeat">
+      <a:schemeClr val="lt1">
+        <a:alpha val="90000"/>
+      </a:schemeClr>
+    </dgm:fillClrLst>
+    <dgm:linClrLst>
+      <a:schemeClr val="accent4"/>
+    </dgm:linClrLst>
+    <dgm:effectClrLst/>
+    <dgm:txLinClrLst/>
+    <dgm:txFillClrLst meth="repeat">
+      <a:schemeClr val="dk1"/>
+    </dgm:txFillClrLst>
+    <dgm:txEffectClrLst/>
+  </dgm:styleLbl>
+  <dgm:styleLbl name="bgShp">
+    <dgm:fillClrLst meth="repeat">
+      <a:schemeClr val="bg1">
+        <a:lumMod val="95000"/>
+      </a:schemeClr>
+    </dgm:fillClrLst>
+    <dgm:linClrLst meth="repeat">
+      <a:schemeClr val="dk1"/>
+    </dgm:linClrLst>
+    <dgm:effectClrLst/>
+    <dgm:txLinClrLst/>
+    <dgm:txFillClrLst meth="repeat">
+      <a:schemeClr val="dk1"/>
+    </dgm:txFillClrLst>
+    <dgm:txEffectClrLst/>
+  </dgm:styleLbl>
+  <dgm:styleLbl name="dkBgShp">
+    <dgm:fillClrLst meth="repeat">
+      <a:schemeClr val="accent2">
+        <a:shade val="90000"/>
+      </a:schemeClr>
+    </dgm:fillClrLst>
+    <dgm:linClrLst meth="repeat">
+      <a:schemeClr val="dk1"/>
+    </dgm:linClrLst>
+    <dgm:effectClrLst/>
+    <dgm:txLinClrLst/>
+    <dgm:txFillClrLst meth="repeat">
+      <a:schemeClr val="lt1"/>
+    </dgm:txFillClrLst>
+    <dgm:txEffectClrLst/>
+  </dgm:styleLbl>
+  <dgm:styleLbl name="trBgShp">
+    <dgm:fillClrLst meth="repeat">
+      <a:schemeClr val="accent1">
+        <a:tint val="50000"/>
+        <a:alpha val="40000"/>
+      </a:schemeClr>
+    </dgm:fillClrLst>
+    <dgm:linClrLst meth="repeat">
+      <a:schemeClr val="accent2"/>
+    </dgm:linClrLst>
+    <dgm:effectClrLst/>
+    <dgm:txLinClrLst/>
+    <dgm:txFillClrLst meth="repeat">
+      <a:schemeClr val="lt1"/>
+    </dgm:txFillClrLst>
+    <dgm:txEffectClrLst/>
+  </dgm:styleLbl>
+  <dgm:styleLbl name="fgShp">
+    <dgm:fillClrLst meth="repeat">
+      <a:schemeClr val="accent2">
+        <a:tint val="40000"/>
+      </a:schemeClr>
+    </dgm:fillClrLst>
+    <dgm:linClrLst meth="repeat">
+      <a:schemeClr val="lt1"/>
+    </dgm:linClrLst>
+    <dgm:effectClrLst/>
+    <dgm:txLinClrLst/>
+    <dgm:txFillClrLst meth="repeat">
+      <a:schemeClr val="dk1"/>
+    </dgm:txFillClrLst>
+    <dgm:txEffectClrLst/>
+  </dgm:styleLbl>
+  <dgm:styleLbl name="revTx">
+    <dgm:fillClrLst meth="repeat">
+      <a:schemeClr val="lt1">
+        <a:alpha val="0"/>
+      </a:schemeClr>
+    </dgm:fillClrLst>
+    <dgm:linClrLst meth="repeat">
+      <a:schemeClr val="dk1">
+        <a:alpha val="0"/>
+      </a:schemeClr>
+    </dgm:linClrLst>
+    <dgm:effectClrLst/>
+    <dgm:txLinClrLst/>
+    <dgm:txFillClrLst meth="repeat">
+      <a:schemeClr val="tx1"/>
+    </dgm:txFillClrLst>
+    <dgm:txEffectClrLst/>
+  </dgm:styleLbl>
+</dgm:colorsDef>
+</file>
+
 <file path=ppt/diagrams/data1.xml><?xml version="1.0" encoding="utf-8"?>
 <dgm:dataModel xmlns:dgm="http://schemas.openxmlformats.org/drawingml/2006/diagram" xmlns:a="http://schemas.openxmlformats.org/drawingml/2006/main">
   <dgm:ptLst>
@@ -1234,6 +2153,551 @@
     <dgm:cxn modelId="{B820D601-ACDE-4F21-92F4-FF2B193034A2}" type="presParOf" srcId="{0A18CD0E-DC8A-4F9B-91E8-D9F918F6945F}" destId="{71AE7DD5-40F6-4810-9694-B5E1940998C0}" srcOrd="0" destOrd="0" presId="urn:microsoft.com/office/officeart/2005/8/layout/hierarchy1"/>
     <dgm:cxn modelId="{791E4DA0-92BC-499C-96FA-AF1D577A61EE}" type="presParOf" srcId="{0A18CD0E-DC8A-4F9B-91E8-D9F918F6945F}" destId="{EACC1B05-FD3E-4C68-A5E1-D31C28A0E43B}" srcOrd="1" destOrd="0" presId="urn:microsoft.com/office/officeart/2005/8/layout/hierarchy1"/>
     <dgm:cxn modelId="{47935186-FA46-485C-A63C-62EBA2DA8606}" type="presParOf" srcId="{A396CE09-B339-4E64-8D59-D10AEF380085}" destId="{1C56FAFC-A5EA-4C95-9B31-15269052FC14}" srcOrd="1" destOrd="0" presId="urn:microsoft.com/office/officeart/2005/8/layout/hierarchy1"/>
+  </dgm:cxnLst>
+  <dgm:bg/>
+  <dgm:whole/>
+  <dgm:extLst>
+    <a:ext uri="http://schemas.microsoft.com/office/drawing/2008/diagram">
+      <dsp:dataModelExt xmlns:dsp="http://schemas.microsoft.com/office/drawing/2008/diagram" relId="rId9" minVer="http://schemas.openxmlformats.org/drawingml/2006/diagram"/>
+    </a:ext>
+  </dgm:extLst>
+</dgm:dataModel>
+</file>
+
+<file path=ppt/diagrams/data2.xml><?xml version="1.0" encoding="utf-8"?>
+<dgm:dataModel xmlns:dgm="http://schemas.openxmlformats.org/drawingml/2006/diagram" xmlns:a="http://schemas.openxmlformats.org/drawingml/2006/main">
+  <dgm:ptLst>
+    <dgm:pt modelId="{6D948E0F-DF7A-4F79-AF96-25DE6D74C138}" type="doc">
+      <dgm:prSet loTypeId="urn:microsoft.com/office/officeart/2018/2/layout/IconVerticalSolidList" loCatId="icon" qsTypeId="urn:microsoft.com/office/officeart/2005/8/quickstyle/simple1" qsCatId="simple" csTypeId="urn:microsoft.com/office/officeart/2018/5/colors/Iconchunking_neutralbg_colorful1" csCatId="colorful" phldr="1"/>
+      <dgm:spPr/>
+      <dgm:t>
+        <a:bodyPr/>
+        <a:lstStyle/>
+        <a:p>
+          <a:endParaRPr lang="en-US"/>
+        </a:p>
+      </dgm:t>
+    </dgm:pt>
+    <dgm:pt modelId="{8B49EDD4-3061-4C98-92AB-81FA2E2EC4DD}">
+      <dgm:prSet/>
+      <dgm:spPr/>
+      <dgm:t>
+        <a:bodyPr/>
+        <a:lstStyle/>
+        <a:p>
+          <a:pPr>
+            <a:lnSpc>
+              <a:spcPct val="100000"/>
+            </a:lnSpc>
+          </a:pPr>
+          <a:r>
+            <a:rPr lang="en-US"/>
+            <a:t>Imported downloaded CSV as “starter data”</a:t>
+          </a:r>
+        </a:p>
+      </dgm:t>
+    </dgm:pt>
+    <dgm:pt modelId="{154E0D05-00EA-41E8-B81A-B8A974514EFC}" type="parTrans" cxnId="{7EB19D81-5312-4588-A4E7-28754EE4662D}">
+      <dgm:prSet/>
+      <dgm:spPr/>
+      <dgm:t>
+        <a:bodyPr/>
+        <a:lstStyle/>
+        <a:p>
+          <a:endParaRPr lang="en-US"/>
+        </a:p>
+      </dgm:t>
+    </dgm:pt>
+    <dgm:pt modelId="{B56D091D-2017-4F56-BE5E-F3F86BE3F938}" type="sibTrans" cxnId="{7EB19D81-5312-4588-A4E7-28754EE4662D}">
+      <dgm:prSet/>
+      <dgm:spPr/>
+      <dgm:t>
+        <a:bodyPr/>
+        <a:lstStyle/>
+        <a:p>
+          <a:endParaRPr lang="en-US"/>
+        </a:p>
+      </dgm:t>
+    </dgm:pt>
+    <dgm:pt modelId="{18058482-A36A-4A58-82BB-4872F544F092}">
+      <dgm:prSet/>
+      <dgm:spPr/>
+      <dgm:t>
+        <a:bodyPr/>
+        <a:lstStyle/>
+        <a:p>
+          <a:pPr>
+            <a:lnSpc>
+              <a:spcPct val="100000"/>
+            </a:lnSpc>
+          </a:pPr>
+          <a:r>
+            <a:rPr lang="en-US" dirty="0"/>
+            <a:t>Removed duplicate entries in data, Dropped unneeded columns, Dropped any </a:t>
+          </a:r>
+          <a:r>
+            <a:rPr lang="en-US" dirty="0" err="1"/>
+            <a:t>NaN</a:t>
+          </a:r>
+          <a:r>
+            <a:rPr lang="en-US" dirty="0"/>
+            <a:t> records in data</a:t>
+          </a:r>
+        </a:p>
+      </dgm:t>
+    </dgm:pt>
+    <dgm:pt modelId="{9DF89B58-3AEE-4CCA-ABA5-69C2E4127580}" type="parTrans" cxnId="{AE81658C-DF27-49A5-80C2-AF2E04328A0D}">
+      <dgm:prSet/>
+      <dgm:spPr/>
+      <dgm:t>
+        <a:bodyPr/>
+        <a:lstStyle/>
+        <a:p>
+          <a:endParaRPr lang="en-US"/>
+        </a:p>
+      </dgm:t>
+    </dgm:pt>
+    <dgm:pt modelId="{84BB135D-DA88-4387-8FBB-9ECFD4BA9755}" type="sibTrans" cxnId="{AE81658C-DF27-49A5-80C2-AF2E04328A0D}">
+      <dgm:prSet/>
+      <dgm:spPr/>
+      <dgm:t>
+        <a:bodyPr/>
+        <a:lstStyle/>
+        <a:p>
+          <a:endParaRPr lang="en-US"/>
+        </a:p>
+      </dgm:t>
+    </dgm:pt>
+    <dgm:pt modelId="{CA5B9196-068E-4EBB-86C4-B326AA545DF2}">
+      <dgm:prSet/>
+      <dgm:spPr/>
+      <dgm:t>
+        <a:bodyPr/>
+        <a:lstStyle/>
+        <a:p>
+          <a:pPr>
+            <a:lnSpc>
+              <a:spcPct val="100000"/>
+            </a:lnSpc>
+          </a:pPr>
+          <a:r>
+            <a:rPr lang="en-US" dirty="0"/>
+            <a:t>Began probative exploration with summarizations and groupings to see what data would be available.</a:t>
+          </a:r>
+        </a:p>
+      </dgm:t>
+    </dgm:pt>
+    <dgm:pt modelId="{3A1827AE-3A71-4F91-9A8D-4DAA77434E26}" type="parTrans" cxnId="{2D7BE7ED-3642-4750-8062-58B24ECA2349}">
+      <dgm:prSet/>
+      <dgm:spPr/>
+      <dgm:t>
+        <a:bodyPr/>
+        <a:lstStyle/>
+        <a:p>
+          <a:endParaRPr lang="en-US"/>
+        </a:p>
+      </dgm:t>
+    </dgm:pt>
+    <dgm:pt modelId="{98040D03-2D25-4199-BBE5-E8C347DE8BA4}" type="sibTrans" cxnId="{2D7BE7ED-3642-4750-8062-58B24ECA2349}">
+      <dgm:prSet/>
+      <dgm:spPr/>
+      <dgm:t>
+        <a:bodyPr/>
+        <a:lstStyle/>
+        <a:p>
+          <a:endParaRPr lang="en-US"/>
+        </a:p>
+      </dgm:t>
+    </dgm:pt>
+    <dgm:pt modelId="{723A2994-F01E-4243-BDEE-5BC49739C733}">
+      <dgm:prSet/>
+      <dgm:spPr/>
+      <dgm:t>
+        <a:bodyPr/>
+        <a:lstStyle/>
+        <a:p>
+          <a:pPr>
+            <a:lnSpc>
+              <a:spcPct val="100000"/>
+            </a:lnSpc>
+          </a:pPr>
+          <a:r>
+            <a:rPr lang="en-US" dirty="0"/>
+            <a:t>Made a copy of refined data for others to work with</a:t>
+          </a:r>
+        </a:p>
+      </dgm:t>
+    </dgm:pt>
+    <dgm:pt modelId="{B71775CD-87DD-4CC0-81C5-4A4203B669AD}" type="parTrans" cxnId="{7CF08ED1-90A8-4880-BD13-BB77D3EC6855}">
+      <dgm:prSet/>
+      <dgm:spPr/>
+      <dgm:t>
+        <a:bodyPr/>
+        <a:lstStyle/>
+        <a:p>
+          <a:endParaRPr lang="en-US"/>
+        </a:p>
+      </dgm:t>
+    </dgm:pt>
+    <dgm:pt modelId="{C3F2D11E-5953-4542-8A8B-700D8EA9351F}" type="sibTrans" cxnId="{7CF08ED1-90A8-4880-BD13-BB77D3EC6855}">
+      <dgm:prSet/>
+      <dgm:spPr/>
+      <dgm:t>
+        <a:bodyPr/>
+        <a:lstStyle/>
+        <a:p>
+          <a:endParaRPr lang="en-US"/>
+        </a:p>
+      </dgm:t>
+    </dgm:pt>
+    <dgm:pt modelId="{DE7A70B0-23B5-4E1A-88EB-F98CA37F2622}">
+      <dgm:prSet/>
+      <dgm:spPr/>
+      <dgm:t>
+        <a:bodyPr/>
+        <a:lstStyle/>
+        <a:p>
+          <a:pPr>
+            <a:lnSpc>
+              <a:spcPct val="100000"/>
+            </a:lnSpc>
+          </a:pPr>
+          <a:r>
+            <a:rPr lang="en-US" dirty="0"/>
+            <a:t>Refined questions from initial data insight and began summarizing what data we had to work with.</a:t>
+          </a:r>
+        </a:p>
+      </dgm:t>
+    </dgm:pt>
+    <dgm:pt modelId="{87B93416-49A4-4B6C-A292-770C8BEB029E}" type="parTrans" cxnId="{F56C5890-1B81-4D0F-9D8F-EAE912576C23}">
+      <dgm:prSet/>
+      <dgm:spPr/>
+      <dgm:t>
+        <a:bodyPr/>
+        <a:lstStyle/>
+        <a:p>
+          <a:endParaRPr lang="en-US"/>
+        </a:p>
+      </dgm:t>
+    </dgm:pt>
+    <dgm:pt modelId="{65D70C85-89CD-4435-BC0F-BA787DEDEC25}" type="sibTrans" cxnId="{F56C5890-1B81-4D0F-9D8F-EAE912576C23}">
+      <dgm:prSet/>
+      <dgm:spPr/>
+      <dgm:t>
+        <a:bodyPr/>
+        <a:lstStyle/>
+        <a:p>
+          <a:endParaRPr lang="en-US"/>
+        </a:p>
+      </dgm:t>
+    </dgm:pt>
+    <dgm:pt modelId="{30EA4C6A-40F8-4442-80F3-DC413405D91F}" type="pres">
+      <dgm:prSet presAssocID="{6D948E0F-DF7A-4F79-AF96-25DE6D74C138}" presName="root" presStyleCnt="0">
+        <dgm:presLayoutVars>
+          <dgm:dir/>
+          <dgm:resizeHandles val="exact"/>
+        </dgm:presLayoutVars>
+      </dgm:prSet>
+      <dgm:spPr/>
+    </dgm:pt>
+    <dgm:pt modelId="{172789B0-261E-4751-ABB0-329E9C98E640}" type="pres">
+      <dgm:prSet presAssocID="{8B49EDD4-3061-4C98-92AB-81FA2E2EC4DD}" presName="compNode" presStyleCnt="0"/>
+      <dgm:spPr/>
+    </dgm:pt>
+    <dgm:pt modelId="{AF714324-1CF3-4A1E-9DA4-9415A25D7FE6}" type="pres">
+      <dgm:prSet presAssocID="{8B49EDD4-3061-4C98-92AB-81FA2E2EC4DD}" presName="bgRect" presStyleLbl="bgShp" presStyleIdx="0" presStyleCnt="5"/>
+      <dgm:spPr/>
+    </dgm:pt>
+    <dgm:pt modelId="{2D1FCCA8-A846-4D5A-A10F-C79586C825C5}" type="pres">
+      <dgm:prSet presAssocID="{8B49EDD4-3061-4C98-92AB-81FA2E2EC4DD}" presName="iconRect" presStyleLbl="node1" presStyleIdx="0" presStyleCnt="5"/>
+      <dgm:spPr>
+        <a:blipFill>
+          <a:blip xmlns:r="http://schemas.openxmlformats.org/officeDocument/2006/relationships" r:embed="rId1">
+            <a:extLst>
+              <a:ext uri="{28A0092B-C50C-407E-A947-70E740481C1C}">
+                <a14:useLocalDpi xmlns:a14="http://schemas.microsoft.com/office/drawing/2010/main" val="0"/>
+              </a:ext>
+              <a:ext uri="{96DAC541-7B7A-43D3-8B79-37D633B846F1}">
+                <asvg:svgBlip xmlns:asvg="http://schemas.microsoft.com/office/drawing/2016/SVG/main" r:embed="rId2"/>
+              </a:ext>
+            </a:extLst>
+          </a:blip>
+          <a:stretch>
+            <a:fillRect/>
+          </a:stretch>
+        </a:blipFill>
+        <a:ln>
+          <a:noFill/>
+        </a:ln>
+      </dgm:spPr>
+      <dgm:extLst>
+        <a:ext uri="{E40237B7-FDA0-4F09-8148-C483321AD2D9}">
+          <dgm14:cNvPr xmlns:dgm14="http://schemas.microsoft.com/office/drawing/2010/diagram" id="0" name="" descr="Pdf"/>
+        </a:ext>
+      </dgm:extLst>
+    </dgm:pt>
+    <dgm:pt modelId="{F37571A7-5F6E-4457-BA16-AD7A57F2E84B}" type="pres">
+      <dgm:prSet presAssocID="{8B49EDD4-3061-4C98-92AB-81FA2E2EC4DD}" presName="spaceRect" presStyleCnt="0"/>
+      <dgm:spPr/>
+    </dgm:pt>
+    <dgm:pt modelId="{08EA8055-3FEB-4BCC-8B02-AE252BD3B4E9}" type="pres">
+      <dgm:prSet presAssocID="{8B49EDD4-3061-4C98-92AB-81FA2E2EC4DD}" presName="parTx" presStyleLbl="revTx" presStyleIdx="0" presStyleCnt="5">
+        <dgm:presLayoutVars>
+          <dgm:chMax val="0"/>
+          <dgm:chPref val="0"/>
+        </dgm:presLayoutVars>
+      </dgm:prSet>
+      <dgm:spPr/>
+    </dgm:pt>
+    <dgm:pt modelId="{A47D7BE2-8AE4-4A13-BA3B-FC013833A5B1}" type="pres">
+      <dgm:prSet presAssocID="{B56D091D-2017-4F56-BE5E-F3F86BE3F938}" presName="sibTrans" presStyleCnt="0"/>
+      <dgm:spPr/>
+    </dgm:pt>
+    <dgm:pt modelId="{208D955B-26D8-428E-9477-FBCE7D35193E}" type="pres">
+      <dgm:prSet presAssocID="{18058482-A36A-4A58-82BB-4872F544F092}" presName="compNode" presStyleCnt="0"/>
+      <dgm:spPr/>
+    </dgm:pt>
+    <dgm:pt modelId="{90E7D989-07CE-4B4D-96B1-88FF1AFAD8B2}" type="pres">
+      <dgm:prSet presAssocID="{18058482-A36A-4A58-82BB-4872F544F092}" presName="bgRect" presStyleLbl="bgShp" presStyleIdx="1" presStyleCnt="5"/>
+      <dgm:spPr/>
+    </dgm:pt>
+    <dgm:pt modelId="{A7794408-1683-466F-87F4-85B0A92953E4}" type="pres">
+      <dgm:prSet presAssocID="{18058482-A36A-4A58-82BB-4872F544F092}" presName="iconRect" presStyleLbl="node1" presStyleIdx="1" presStyleCnt="5"/>
+      <dgm:spPr>
+        <a:blipFill>
+          <a:blip xmlns:r="http://schemas.openxmlformats.org/officeDocument/2006/relationships" r:embed="rId3">
+            <a:extLst>
+              <a:ext uri="{28A0092B-C50C-407E-A947-70E740481C1C}">
+                <a14:useLocalDpi xmlns:a14="http://schemas.microsoft.com/office/drawing/2010/main" val="0"/>
+              </a:ext>
+              <a:ext uri="{96DAC541-7B7A-43D3-8B79-37D633B846F1}">
+                <asvg:svgBlip xmlns:asvg="http://schemas.microsoft.com/office/drawing/2016/SVG/main" r:embed="rId4"/>
+              </a:ext>
+            </a:extLst>
+          </a:blip>
+          <a:stretch>
+            <a:fillRect/>
+          </a:stretch>
+        </a:blipFill>
+        <a:ln>
+          <a:noFill/>
+        </a:ln>
+      </dgm:spPr>
+      <dgm:extLst>
+        <a:ext uri="{E40237B7-FDA0-4F09-8148-C483321AD2D9}">
+          <dgm14:cNvPr xmlns:dgm14="http://schemas.microsoft.com/office/drawing/2010/diagram" id="0" name="" descr="Copy"/>
+        </a:ext>
+      </dgm:extLst>
+    </dgm:pt>
+    <dgm:pt modelId="{BEBA4DBD-F72B-4589-8E07-5455D41D34F4}" type="pres">
+      <dgm:prSet presAssocID="{18058482-A36A-4A58-82BB-4872F544F092}" presName="spaceRect" presStyleCnt="0"/>
+      <dgm:spPr/>
+    </dgm:pt>
+    <dgm:pt modelId="{7FF3B985-3CB7-4E8E-AB37-29AC0AE6FA52}" type="pres">
+      <dgm:prSet presAssocID="{18058482-A36A-4A58-82BB-4872F544F092}" presName="parTx" presStyleLbl="revTx" presStyleIdx="1" presStyleCnt="5">
+        <dgm:presLayoutVars>
+          <dgm:chMax val="0"/>
+          <dgm:chPref val="0"/>
+        </dgm:presLayoutVars>
+      </dgm:prSet>
+      <dgm:spPr/>
+    </dgm:pt>
+    <dgm:pt modelId="{C42066AC-369C-49AF-BE8B-7825A2EAF420}" type="pres">
+      <dgm:prSet presAssocID="{84BB135D-DA88-4387-8FBB-9ECFD4BA9755}" presName="sibTrans" presStyleCnt="0"/>
+      <dgm:spPr/>
+    </dgm:pt>
+    <dgm:pt modelId="{893BFB54-E63E-4C40-86C8-E3D7FE8DF705}" type="pres">
+      <dgm:prSet presAssocID="{CA5B9196-068E-4EBB-86C4-B326AA545DF2}" presName="compNode" presStyleCnt="0"/>
+      <dgm:spPr/>
+    </dgm:pt>
+    <dgm:pt modelId="{A00AF71A-5126-45A3-96E5-4C6A25D981C8}" type="pres">
+      <dgm:prSet presAssocID="{CA5B9196-068E-4EBB-86C4-B326AA545DF2}" presName="bgRect" presStyleLbl="bgShp" presStyleIdx="2" presStyleCnt="5"/>
+      <dgm:spPr/>
+    </dgm:pt>
+    <dgm:pt modelId="{CCB35DFC-96FC-4024-80E4-0E81B7380E15}" type="pres">
+      <dgm:prSet presAssocID="{CA5B9196-068E-4EBB-86C4-B326AA545DF2}" presName="iconRect" presStyleLbl="node1" presStyleIdx="2" presStyleCnt="5"/>
+      <dgm:spPr>
+        <a:blipFill>
+          <a:blip xmlns:r="http://schemas.openxmlformats.org/officeDocument/2006/relationships" r:embed="rId5">
+            <a:extLst>
+              <a:ext uri="{28A0092B-C50C-407E-A947-70E740481C1C}">
+                <a14:useLocalDpi xmlns:a14="http://schemas.microsoft.com/office/drawing/2010/main" val="0"/>
+              </a:ext>
+              <a:ext uri="{96DAC541-7B7A-43D3-8B79-37D633B846F1}">
+                <asvg:svgBlip xmlns:asvg="http://schemas.microsoft.com/office/drawing/2016/SVG/main" r:embed="rId6"/>
+              </a:ext>
+            </a:extLst>
+          </a:blip>
+          <a:stretch>
+            <a:fillRect/>
+          </a:stretch>
+        </a:blipFill>
+        <a:ln>
+          <a:noFill/>
+        </a:ln>
+      </dgm:spPr>
+      <dgm:extLst>
+        <a:ext uri="{E40237B7-FDA0-4F09-8148-C483321AD2D9}">
+          <dgm14:cNvPr xmlns:dgm14="http://schemas.microsoft.com/office/drawing/2010/diagram" id="0" name="" descr="Database"/>
+        </a:ext>
+      </dgm:extLst>
+    </dgm:pt>
+    <dgm:pt modelId="{C2223C13-CE21-424C-A215-1604F3C20063}" type="pres">
+      <dgm:prSet presAssocID="{CA5B9196-068E-4EBB-86C4-B326AA545DF2}" presName="spaceRect" presStyleCnt="0"/>
+      <dgm:spPr/>
+    </dgm:pt>
+    <dgm:pt modelId="{D1C06BA0-07C5-4B0C-AA83-9755178D965E}" type="pres">
+      <dgm:prSet presAssocID="{CA5B9196-068E-4EBB-86C4-B326AA545DF2}" presName="parTx" presStyleLbl="revTx" presStyleIdx="2" presStyleCnt="5">
+        <dgm:presLayoutVars>
+          <dgm:chMax val="0"/>
+          <dgm:chPref val="0"/>
+        </dgm:presLayoutVars>
+      </dgm:prSet>
+      <dgm:spPr/>
+    </dgm:pt>
+    <dgm:pt modelId="{89BE16D3-3474-4F6E-A222-9B44AE9227E0}" type="pres">
+      <dgm:prSet presAssocID="{98040D03-2D25-4199-BBE5-E8C347DE8BA4}" presName="sibTrans" presStyleCnt="0"/>
+      <dgm:spPr/>
+    </dgm:pt>
+    <dgm:pt modelId="{A2615F11-972F-47EE-A2DC-B3AF7C9D305B}" type="pres">
+      <dgm:prSet presAssocID="{DE7A70B0-23B5-4E1A-88EB-F98CA37F2622}" presName="compNode" presStyleCnt="0"/>
+      <dgm:spPr/>
+    </dgm:pt>
+    <dgm:pt modelId="{AD2F913C-1072-406C-870C-22AEC0AC953A}" type="pres">
+      <dgm:prSet presAssocID="{DE7A70B0-23B5-4E1A-88EB-F98CA37F2622}" presName="bgRect" presStyleLbl="bgShp" presStyleIdx="3" presStyleCnt="5"/>
+      <dgm:spPr/>
+    </dgm:pt>
+    <dgm:pt modelId="{28A1BA4D-DB82-4146-8697-5EFDBC7CF93E}" type="pres">
+      <dgm:prSet presAssocID="{DE7A70B0-23B5-4E1A-88EB-F98CA37F2622}" presName="iconRect" presStyleLbl="node1" presStyleIdx="3" presStyleCnt="5"/>
+      <dgm:spPr>
+        <a:blipFill>
+          <a:blip xmlns:r="http://schemas.openxmlformats.org/officeDocument/2006/relationships" r:embed="rId7">
+            <a:extLst>
+              <a:ext uri="{96DAC541-7B7A-43D3-8B79-37D633B846F1}">
+                <asvg:svgBlip xmlns:asvg="http://schemas.microsoft.com/office/drawing/2016/SVG/main" r:embed="rId8"/>
+              </a:ext>
+            </a:extLst>
+          </a:blip>
+          <a:srcRect/>
+          <a:stretch>
+            <a:fillRect/>
+          </a:stretch>
+        </a:blipFill>
+      </dgm:spPr>
+      <dgm:extLst>
+        <a:ext uri="{E40237B7-FDA0-4F09-8148-C483321AD2D9}">
+          <dgm14:cNvPr xmlns:dgm14="http://schemas.microsoft.com/office/drawing/2010/diagram" id="0" name="" descr="Target"/>
+        </a:ext>
+      </dgm:extLst>
+    </dgm:pt>
+    <dgm:pt modelId="{7A18CCE9-E1DD-43CE-B6B8-16BCA40E0048}" type="pres">
+      <dgm:prSet presAssocID="{DE7A70B0-23B5-4E1A-88EB-F98CA37F2622}" presName="spaceRect" presStyleCnt="0"/>
+      <dgm:spPr/>
+    </dgm:pt>
+    <dgm:pt modelId="{64A6FCF0-F1C6-4C3D-8FE2-EE8C9CAC2313}" type="pres">
+      <dgm:prSet presAssocID="{DE7A70B0-23B5-4E1A-88EB-F98CA37F2622}" presName="parTx" presStyleLbl="revTx" presStyleIdx="3" presStyleCnt="5">
+        <dgm:presLayoutVars>
+          <dgm:chMax val="0"/>
+          <dgm:chPref val="0"/>
+        </dgm:presLayoutVars>
+      </dgm:prSet>
+      <dgm:spPr/>
+    </dgm:pt>
+    <dgm:pt modelId="{8BF3B71D-3CA8-4352-A968-26461EA56FF0}" type="pres">
+      <dgm:prSet presAssocID="{65D70C85-89CD-4435-BC0F-BA787DEDEC25}" presName="sibTrans" presStyleCnt="0"/>
+      <dgm:spPr/>
+    </dgm:pt>
+    <dgm:pt modelId="{DEB101F3-3942-4997-A30A-50613FCAD8A5}" type="pres">
+      <dgm:prSet presAssocID="{723A2994-F01E-4243-BDEE-5BC49739C733}" presName="compNode" presStyleCnt="0"/>
+      <dgm:spPr/>
+    </dgm:pt>
+    <dgm:pt modelId="{A52E4BA1-0A5A-435A-BA68-E346FBAD1221}" type="pres">
+      <dgm:prSet presAssocID="{723A2994-F01E-4243-BDEE-5BC49739C733}" presName="bgRect" presStyleLbl="bgShp" presStyleIdx="4" presStyleCnt="5"/>
+      <dgm:spPr/>
+    </dgm:pt>
+    <dgm:pt modelId="{1398DAF7-D514-431A-8F9B-CDACA7534D77}" type="pres">
+      <dgm:prSet presAssocID="{723A2994-F01E-4243-BDEE-5BC49739C733}" presName="iconRect" presStyleLbl="node1" presStyleIdx="4" presStyleCnt="5"/>
+      <dgm:spPr>
+        <a:blipFill>
+          <a:blip xmlns:r="http://schemas.openxmlformats.org/officeDocument/2006/relationships" r:embed="rId9">
+            <a:extLst>
+              <a:ext uri="{28A0092B-C50C-407E-A947-70E740481C1C}">
+                <a14:useLocalDpi xmlns:a14="http://schemas.microsoft.com/office/drawing/2010/main" val="0"/>
+              </a:ext>
+              <a:ext uri="{96DAC541-7B7A-43D3-8B79-37D633B846F1}">
+                <asvg:svgBlip xmlns:asvg="http://schemas.microsoft.com/office/drawing/2016/SVG/main" r:embed="rId10"/>
+              </a:ext>
+            </a:extLst>
+          </a:blip>
+          <a:stretch>
+            <a:fillRect/>
+          </a:stretch>
+        </a:blipFill>
+        <a:ln>
+          <a:noFill/>
+        </a:ln>
+      </dgm:spPr>
+      <dgm:extLst>
+        <a:ext uri="{E40237B7-FDA0-4F09-8148-C483321AD2D9}">
+          <dgm14:cNvPr xmlns:dgm14="http://schemas.microsoft.com/office/drawing/2010/diagram" id="0" name="" descr="Package"/>
+        </a:ext>
+      </dgm:extLst>
+    </dgm:pt>
+    <dgm:pt modelId="{B5C7AD8D-44CD-4455-8081-D3C6108AFA87}" type="pres">
+      <dgm:prSet presAssocID="{723A2994-F01E-4243-BDEE-5BC49739C733}" presName="spaceRect" presStyleCnt="0"/>
+      <dgm:spPr/>
+    </dgm:pt>
+    <dgm:pt modelId="{6A90CFB7-CD95-4615-8E8C-44BCBF916048}" type="pres">
+      <dgm:prSet presAssocID="{723A2994-F01E-4243-BDEE-5BC49739C733}" presName="parTx" presStyleLbl="revTx" presStyleIdx="4" presStyleCnt="5">
+        <dgm:presLayoutVars>
+          <dgm:chMax val="0"/>
+          <dgm:chPref val="0"/>
+        </dgm:presLayoutVars>
+      </dgm:prSet>
+      <dgm:spPr/>
+    </dgm:pt>
+  </dgm:ptLst>
+  <dgm:cxnLst>
+    <dgm:cxn modelId="{015B620A-19F8-4E6D-9C75-AF26780F341A}" type="presOf" srcId="{18058482-A36A-4A58-82BB-4872F544F092}" destId="{7FF3B985-3CB7-4E8E-AB37-29AC0AE6FA52}" srcOrd="0" destOrd="0" presId="urn:microsoft.com/office/officeart/2018/2/layout/IconVerticalSolidList"/>
+    <dgm:cxn modelId="{6726DD2D-6197-4839-BF3E-F0361AA7D40F}" type="presOf" srcId="{DE7A70B0-23B5-4E1A-88EB-F98CA37F2622}" destId="{64A6FCF0-F1C6-4C3D-8FE2-EE8C9CAC2313}" srcOrd="0" destOrd="0" presId="urn:microsoft.com/office/officeart/2018/2/layout/IconVerticalSolidList"/>
+    <dgm:cxn modelId="{F2332240-563E-4783-B62D-F59B7D576478}" type="presOf" srcId="{6D948E0F-DF7A-4F79-AF96-25DE6D74C138}" destId="{30EA4C6A-40F8-4442-80F3-DC413405D91F}" srcOrd="0" destOrd="0" presId="urn:microsoft.com/office/officeart/2018/2/layout/IconVerticalSolidList"/>
+    <dgm:cxn modelId="{A97A2654-A834-4173-82AC-444E44BEEF4F}" type="presOf" srcId="{CA5B9196-068E-4EBB-86C4-B326AA545DF2}" destId="{D1C06BA0-07C5-4B0C-AA83-9755178D965E}" srcOrd="0" destOrd="0" presId="urn:microsoft.com/office/officeart/2018/2/layout/IconVerticalSolidList"/>
+    <dgm:cxn modelId="{41396278-C33E-4226-BA14-87DE129DB1C2}" type="presOf" srcId="{8B49EDD4-3061-4C98-92AB-81FA2E2EC4DD}" destId="{08EA8055-3FEB-4BCC-8B02-AE252BD3B4E9}" srcOrd="0" destOrd="0" presId="urn:microsoft.com/office/officeart/2018/2/layout/IconVerticalSolidList"/>
+    <dgm:cxn modelId="{7EB19D81-5312-4588-A4E7-28754EE4662D}" srcId="{6D948E0F-DF7A-4F79-AF96-25DE6D74C138}" destId="{8B49EDD4-3061-4C98-92AB-81FA2E2EC4DD}" srcOrd="0" destOrd="0" parTransId="{154E0D05-00EA-41E8-B81A-B8A974514EFC}" sibTransId="{B56D091D-2017-4F56-BE5E-F3F86BE3F938}"/>
+    <dgm:cxn modelId="{AE81658C-DF27-49A5-80C2-AF2E04328A0D}" srcId="{6D948E0F-DF7A-4F79-AF96-25DE6D74C138}" destId="{18058482-A36A-4A58-82BB-4872F544F092}" srcOrd="1" destOrd="0" parTransId="{9DF89B58-3AEE-4CCA-ABA5-69C2E4127580}" sibTransId="{84BB135D-DA88-4387-8FBB-9ECFD4BA9755}"/>
+    <dgm:cxn modelId="{F56C5890-1B81-4D0F-9D8F-EAE912576C23}" srcId="{6D948E0F-DF7A-4F79-AF96-25DE6D74C138}" destId="{DE7A70B0-23B5-4E1A-88EB-F98CA37F2622}" srcOrd="3" destOrd="0" parTransId="{87B93416-49A4-4B6C-A292-770C8BEB029E}" sibTransId="{65D70C85-89CD-4435-BC0F-BA787DEDEC25}"/>
+    <dgm:cxn modelId="{4B601FB7-6A59-4E7F-B1A1-5B7A45F22047}" type="presOf" srcId="{723A2994-F01E-4243-BDEE-5BC49739C733}" destId="{6A90CFB7-CD95-4615-8E8C-44BCBF916048}" srcOrd="0" destOrd="0" presId="urn:microsoft.com/office/officeart/2018/2/layout/IconVerticalSolidList"/>
+    <dgm:cxn modelId="{7CF08ED1-90A8-4880-BD13-BB77D3EC6855}" srcId="{6D948E0F-DF7A-4F79-AF96-25DE6D74C138}" destId="{723A2994-F01E-4243-BDEE-5BC49739C733}" srcOrd="4" destOrd="0" parTransId="{B71775CD-87DD-4CC0-81C5-4A4203B669AD}" sibTransId="{C3F2D11E-5953-4542-8A8B-700D8EA9351F}"/>
+    <dgm:cxn modelId="{2D7BE7ED-3642-4750-8062-58B24ECA2349}" srcId="{6D948E0F-DF7A-4F79-AF96-25DE6D74C138}" destId="{CA5B9196-068E-4EBB-86C4-B326AA545DF2}" srcOrd="2" destOrd="0" parTransId="{3A1827AE-3A71-4F91-9A8D-4DAA77434E26}" sibTransId="{98040D03-2D25-4199-BBE5-E8C347DE8BA4}"/>
+    <dgm:cxn modelId="{5244930A-C249-4BBF-AC66-DB2C19FFFA57}" type="presParOf" srcId="{30EA4C6A-40F8-4442-80F3-DC413405D91F}" destId="{172789B0-261E-4751-ABB0-329E9C98E640}" srcOrd="0" destOrd="0" presId="urn:microsoft.com/office/officeart/2018/2/layout/IconVerticalSolidList"/>
+    <dgm:cxn modelId="{95E9C6B4-7FC2-42B1-B954-E543A2D112A3}" type="presParOf" srcId="{172789B0-261E-4751-ABB0-329E9C98E640}" destId="{AF714324-1CF3-4A1E-9DA4-9415A25D7FE6}" srcOrd="0" destOrd="0" presId="urn:microsoft.com/office/officeart/2018/2/layout/IconVerticalSolidList"/>
+    <dgm:cxn modelId="{B3462CA7-C6E9-4FC8-B749-6C398E4E9BDC}" type="presParOf" srcId="{172789B0-261E-4751-ABB0-329E9C98E640}" destId="{2D1FCCA8-A846-4D5A-A10F-C79586C825C5}" srcOrd="1" destOrd="0" presId="urn:microsoft.com/office/officeart/2018/2/layout/IconVerticalSolidList"/>
+    <dgm:cxn modelId="{D170227F-0007-4789-A680-8F47FE574DAB}" type="presParOf" srcId="{172789B0-261E-4751-ABB0-329E9C98E640}" destId="{F37571A7-5F6E-4457-BA16-AD7A57F2E84B}" srcOrd="2" destOrd="0" presId="urn:microsoft.com/office/officeart/2018/2/layout/IconVerticalSolidList"/>
+    <dgm:cxn modelId="{FEB1F714-9FE2-488A-9265-5737AC42F7F6}" type="presParOf" srcId="{172789B0-261E-4751-ABB0-329E9C98E640}" destId="{08EA8055-3FEB-4BCC-8B02-AE252BD3B4E9}" srcOrd="3" destOrd="0" presId="urn:microsoft.com/office/officeart/2018/2/layout/IconVerticalSolidList"/>
+    <dgm:cxn modelId="{BFA3B421-31FF-4885-B84C-B985CF9BD903}" type="presParOf" srcId="{30EA4C6A-40F8-4442-80F3-DC413405D91F}" destId="{A47D7BE2-8AE4-4A13-BA3B-FC013833A5B1}" srcOrd="1" destOrd="0" presId="urn:microsoft.com/office/officeart/2018/2/layout/IconVerticalSolidList"/>
+    <dgm:cxn modelId="{204A61E9-5297-4061-B0E9-52D0FBFC463C}" type="presParOf" srcId="{30EA4C6A-40F8-4442-80F3-DC413405D91F}" destId="{208D955B-26D8-428E-9477-FBCE7D35193E}" srcOrd="2" destOrd="0" presId="urn:microsoft.com/office/officeart/2018/2/layout/IconVerticalSolidList"/>
+    <dgm:cxn modelId="{5B7232D4-D151-4CA4-B769-AAC6124873EF}" type="presParOf" srcId="{208D955B-26D8-428E-9477-FBCE7D35193E}" destId="{90E7D989-07CE-4B4D-96B1-88FF1AFAD8B2}" srcOrd="0" destOrd="0" presId="urn:microsoft.com/office/officeart/2018/2/layout/IconVerticalSolidList"/>
+    <dgm:cxn modelId="{A66A5339-3796-4147-9270-F90156387F50}" type="presParOf" srcId="{208D955B-26D8-428E-9477-FBCE7D35193E}" destId="{A7794408-1683-466F-87F4-85B0A92953E4}" srcOrd="1" destOrd="0" presId="urn:microsoft.com/office/officeart/2018/2/layout/IconVerticalSolidList"/>
+    <dgm:cxn modelId="{DC3CA29E-47A3-4F83-8D4C-463B56FC8D46}" type="presParOf" srcId="{208D955B-26D8-428E-9477-FBCE7D35193E}" destId="{BEBA4DBD-F72B-4589-8E07-5455D41D34F4}" srcOrd="2" destOrd="0" presId="urn:microsoft.com/office/officeart/2018/2/layout/IconVerticalSolidList"/>
+    <dgm:cxn modelId="{97BA855F-F09E-4A9E-AA8F-B8AEAE15E7F9}" type="presParOf" srcId="{208D955B-26D8-428E-9477-FBCE7D35193E}" destId="{7FF3B985-3CB7-4E8E-AB37-29AC0AE6FA52}" srcOrd="3" destOrd="0" presId="urn:microsoft.com/office/officeart/2018/2/layout/IconVerticalSolidList"/>
+    <dgm:cxn modelId="{60038955-259B-44B5-BFD2-20045B147BF8}" type="presParOf" srcId="{30EA4C6A-40F8-4442-80F3-DC413405D91F}" destId="{C42066AC-369C-49AF-BE8B-7825A2EAF420}" srcOrd="3" destOrd="0" presId="urn:microsoft.com/office/officeart/2018/2/layout/IconVerticalSolidList"/>
+    <dgm:cxn modelId="{A2F9BB5A-EC18-4242-A821-BB063E604388}" type="presParOf" srcId="{30EA4C6A-40F8-4442-80F3-DC413405D91F}" destId="{893BFB54-E63E-4C40-86C8-E3D7FE8DF705}" srcOrd="4" destOrd="0" presId="urn:microsoft.com/office/officeart/2018/2/layout/IconVerticalSolidList"/>
+    <dgm:cxn modelId="{3DA8AF6F-8D01-4E32-8009-68264AAB3282}" type="presParOf" srcId="{893BFB54-E63E-4C40-86C8-E3D7FE8DF705}" destId="{A00AF71A-5126-45A3-96E5-4C6A25D981C8}" srcOrd="0" destOrd="0" presId="urn:microsoft.com/office/officeart/2018/2/layout/IconVerticalSolidList"/>
+    <dgm:cxn modelId="{ED50BADC-282A-486B-AB3D-C8E920EAD8F3}" type="presParOf" srcId="{893BFB54-E63E-4C40-86C8-E3D7FE8DF705}" destId="{CCB35DFC-96FC-4024-80E4-0E81B7380E15}" srcOrd="1" destOrd="0" presId="urn:microsoft.com/office/officeart/2018/2/layout/IconVerticalSolidList"/>
+    <dgm:cxn modelId="{5E5A8BFA-8CF2-4E32-BE7E-07D2547B891D}" type="presParOf" srcId="{893BFB54-E63E-4C40-86C8-E3D7FE8DF705}" destId="{C2223C13-CE21-424C-A215-1604F3C20063}" srcOrd="2" destOrd="0" presId="urn:microsoft.com/office/officeart/2018/2/layout/IconVerticalSolidList"/>
+    <dgm:cxn modelId="{B8F9C765-083D-48BE-8358-B56CFACD9FBA}" type="presParOf" srcId="{893BFB54-E63E-4C40-86C8-E3D7FE8DF705}" destId="{D1C06BA0-07C5-4B0C-AA83-9755178D965E}" srcOrd="3" destOrd="0" presId="urn:microsoft.com/office/officeart/2018/2/layout/IconVerticalSolidList"/>
+    <dgm:cxn modelId="{E03FFC48-0A57-488C-9A0C-1F5A2EE15C46}" type="presParOf" srcId="{30EA4C6A-40F8-4442-80F3-DC413405D91F}" destId="{89BE16D3-3474-4F6E-A222-9B44AE9227E0}" srcOrd="5" destOrd="0" presId="urn:microsoft.com/office/officeart/2018/2/layout/IconVerticalSolidList"/>
+    <dgm:cxn modelId="{32779969-E2B9-48BB-83E4-C61B12521103}" type="presParOf" srcId="{30EA4C6A-40F8-4442-80F3-DC413405D91F}" destId="{A2615F11-972F-47EE-A2DC-B3AF7C9D305B}" srcOrd="6" destOrd="0" presId="urn:microsoft.com/office/officeart/2018/2/layout/IconVerticalSolidList"/>
+    <dgm:cxn modelId="{E25C504F-C8B7-4062-8D31-7795889814BE}" type="presParOf" srcId="{A2615F11-972F-47EE-A2DC-B3AF7C9D305B}" destId="{AD2F913C-1072-406C-870C-22AEC0AC953A}" srcOrd="0" destOrd="0" presId="urn:microsoft.com/office/officeart/2018/2/layout/IconVerticalSolidList"/>
+    <dgm:cxn modelId="{0990CDAD-5354-4724-9F55-F332AD4C3C06}" type="presParOf" srcId="{A2615F11-972F-47EE-A2DC-B3AF7C9D305B}" destId="{28A1BA4D-DB82-4146-8697-5EFDBC7CF93E}" srcOrd="1" destOrd="0" presId="urn:microsoft.com/office/officeart/2018/2/layout/IconVerticalSolidList"/>
+    <dgm:cxn modelId="{7F1CC12F-220E-491A-A4D7-7A188AF7C8DB}" type="presParOf" srcId="{A2615F11-972F-47EE-A2DC-B3AF7C9D305B}" destId="{7A18CCE9-E1DD-43CE-B6B8-16BCA40E0048}" srcOrd="2" destOrd="0" presId="urn:microsoft.com/office/officeart/2018/2/layout/IconVerticalSolidList"/>
+    <dgm:cxn modelId="{5C852E89-1CA4-4991-B5BF-6118A5582F13}" type="presParOf" srcId="{A2615F11-972F-47EE-A2DC-B3AF7C9D305B}" destId="{64A6FCF0-F1C6-4C3D-8FE2-EE8C9CAC2313}" srcOrd="3" destOrd="0" presId="urn:microsoft.com/office/officeart/2018/2/layout/IconVerticalSolidList"/>
+    <dgm:cxn modelId="{5DAB6DD7-5209-408D-B4C6-CE45833E6A2A}" type="presParOf" srcId="{30EA4C6A-40F8-4442-80F3-DC413405D91F}" destId="{8BF3B71D-3CA8-4352-A968-26461EA56FF0}" srcOrd="7" destOrd="0" presId="urn:microsoft.com/office/officeart/2018/2/layout/IconVerticalSolidList"/>
+    <dgm:cxn modelId="{72A0F005-F7C3-491A-868D-DF7F2D045F27}" type="presParOf" srcId="{30EA4C6A-40F8-4442-80F3-DC413405D91F}" destId="{DEB101F3-3942-4997-A30A-50613FCAD8A5}" srcOrd="8" destOrd="0" presId="urn:microsoft.com/office/officeart/2018/2/layout/IconVerticalSolidList"/>
+    <dgm:cxn modelId="{FF0C9860-C401-4D57-8E81-EE67C1EC8C29}" type="presParOf" srcId="{DEB101F3-3942-4997-A30A-50613FCAD8A5}" destId="{A52E4BA1-0A5A-435A-BA68-E346FBAD1221}" srcOrd="0" destOrd="0" presId="urn:microsoft.com/office/officeart/2018/2/layout/IconVerticalSolidList"/>
+    <dgm:cxn modelId="{5EE75C7C-8231-406B-BA35-00680F29F513}" type="presParOf" srcId="{DEB101F3-3942-4997-A30A-50613FCAD8A5}" destId="{1398DAF7-D514-431A-8F9B-CDACA7534D77}" srcOrd="1" destOrd="0" presId="urn:microsoft.com/office/officeart/2018/2/layout/IconVerticalSolidList"/>
+    <dgm:cxn modelId="{A170736A-2F10-44E1-BDB8-DDE08D3BC563}" type="presParOf" srcId="{DEB101F3-3942-4997-A30A-50613FCAD8A5}" destId="{B5C7AD8D-44CD-4455-8081-D3C6108AFA87}" srcOrd="2" destOrd="0" presId="urn:microsoft.com/office/officeart/2018/2/layout/IconVerticalSolidList"/>
+    <dgm:cxn modelId="{5AD2D528-7297-4C84-992B-47AD4C7FAB5B}" type="presParOf" srcId="{DEB101F3-3942-4997-A30A-50613FCAD8A5}" destId="{6A90CFB7-CD95-4615-8E8C-44BCBF916048}" srcOrd="3" destOrd="0" presId="urn:microsoft.com/office/officeart/2018/2/layout/IconVerticalSolidList"/>
   </dgm:cxnLst>
   <dgm:bg/>
   <dgm:whole/>
@@ -1889,6 +3353,787 @@
 </dsp:drawing>
 </file>
 
+<file path=ppt/diagrams/drawing2.xml><?xml version="1.0" encoding="utf-8"?>
+<dsp:drawing xmlns:dgm="http://schemas.openxmlformats.org/drawingml/2006/diagram" xmlns:dsp="http://schemas.microsoft.com/office/drawing/2008/diagram" xmlns:a="http://schemas.openxmlformats.org/drawingml/2006/main">
+  <dsp:spTree>
+    <dsp:nvGrpSpPr>
+      <dsp:cNvPr id="0" name=""/>
+      <dsp:cNvGrpSpPr/>
+    </dsp:nvGrpSpPr>
+    <dsp:grpSpPr/>
+    <dsp:sp modelId="{AF714324-1CF3-4A1E-9DA4-9415A25D7FE6}">
+      <dsp:nvSpPr>
+        <dsp:cNvPr id="0" name=""/>
+        <dsp:cNvSpPr/>
+      </dsp:nvSpPr>
+      <dsp:spPr>
+        <a:xfrm>
+          <a:off x="0" y="4358"/>
+          <a:ext cx="6261100" cy="928293"/>
+        </a:xfrm>
+        <a:prstGeom prst="roundRect">
+          <a:avLst>
+            <a:gd name="adj" fmla="val 10000"/>
+          </a:avLst>
+        </a:prstGeom>
+        <a:solidFill>
+          <a:schemeClr val="bg1">
+            <a:lumMod val="95000"/>
+            <a:hueOff val="0"/>
+            <a:satOff val="0"/>
+            <a:lumOff val="0"/>
+            <a:alphaOff val="0"/>
+          </a:schemeClr>
+        </a:solidFill>
+        <a:ln>
+          <a:noFill/>
+        </a:ln>
+        <a:effectLst/>
+      </dsp:spPr>
+      <dsp:style>
+        <a:lnRef idx="0">
+          <a:scrgbClr r="0" g="0" b="0"/>
+        </a:lnRef>
+        <a:fillRef idx="1">
+          <a:scrgbClr r="0" g="0" b="0"/>
+        </a:fillRef>
+        <a:effectRef idx="0">
+          <a:scrgbClr r="0" g="0" b="0"/>
+        </a:effectRef>
+        <a:fontRef idx="minor"/>
+      </dsp:style>
+    </dsp:sp>
+    <dsp:sp modelId="{2D1FCCA8-A846-4D5A-A10F-C79586C825C5}">
+      <dsp:nvSpPr>
+        <dsp:cNvPr id="0" name=""/>
+        <dsp:cNvSpPr/>
+      </dsp:nvSpPr>
+      <dsp:spPr>
+        <a:xfrm>
+          <a:off x="280808" y="213224"/>
+          <a:ext cx="510561" cy="510561"/>
+        </a:xfrm>
+        <a:prstGeom prst="rect">
+          <a:avLst/>
+        </a:prstGeom>
+        <a:blipFill>
+          <a:blip xmlns:r="http://schemas.openxmlformats.org/officeDocument/2006/relationships" r:embed="rId1">
+            <a:extLst>
+              <a:ext uri="{28A0092B-C50C-407E-A947-70E740481C1C}">
+                <a14:useLocalDpi xmlns:a14="http://schemas.microsoft.com/office/drawing/2010/main" val="0"/>
+              </a:ext>
+              <a:ext uri="{96DAC541-7B7A-43D3-8B79-37D633B846F1}">
+                <asvg:svgBlip xmlns:asvg="http://schemas.microsoft.com/office/drawing/2016/SVG/main" r:embed="rId2"/>
+              </a:ext>
+            </a:extLst>
+          </a:blip>
+          <a:stretch>
+            <a:fillRect/>
+          </a:stretch>
+        </a:blipFill>
+        <a:ln w="12700" cap="flat" cmpd="sng" algn="ctr">
+          <a:noFill/>
+          <a:prstDash val="solid"/>
+        </a:ln>
+        <a:effectLst/>
+      </dsp:spPr>
+      <dsp:style>
+        <a:lnRef idx="2">
+          <a:scrgbClr r="0" g="0" b="0"/>
+        </a:lnRef>
+        <a:fillRef idx="1">
+          <a:scrgbClr r="0" g="0" b="0"/>
+        </a:fillRef>
+        <a:effectRef idx="0">
+          <a:scrgbClr r="0" g="0" b="0"/>
+        </a:effectRef>
+        <a:fontRef idx="minor">
+          <a:schemeClr val="lt1"/>
+        </a:fontRef>
+      </dsp:style>
+    </dsp:sp>
+    <dsp:sp modelId="{08EA8055-3FEB-4BCC-8B02-AE252BD3B4E9}">
+      <dsp:nvSpPr>
+        <dsp:cNvPr id="0" name=""/>
+        <dsp:cNvSpPr/>
+      </dsp:nvSpPr>
+      <dsp:spPr>
+        <a:xfrm>
+          <a:off x="1072178" y="4358"/>
+          <a:ext cx="5188921" cy="928293"/>
+        </a:xfrm>
+        <a:prstGeom prst="rect">
+          <a:avLst/>
+        </a:prstGeom>
+        <a:noFill/>
+        <a:ln>
+          <a:noFill/>
+        </a:ln>
+        <a:effectLst/>
+      </dsp:spPr>
+      <dsp:style>
+        <a:lnRef idx="0">
+          <a:scrgbClr r="0" g="0" b="0"/>
+        </a:lnRef>
+        <a:fillRef idx="0">
+          <a:scrgbClr r="0" g="0" b="0"/>
+        </a:fillRef>
+        <a:effectRef idx="0">
+          <a:scrgbClr r="0" g="0" b="0"/>
+        </a:effectRef>
+        <a:fontRef idx="minor"/>
+      </dsp:style>
+      <dsp:txBody>
+        <a:bodyPr spcFirstLastPara="0" vert="horz" wrap="square" lIns="98244" tIns="98244" rIns="98244" bIns="98244" numCol="1" spcCol="1270" anchor="ctr" anchorCtr="0">
+          <a:noAutofit/>
+        </a:bodyPr>
+        <a:lstStyle/>
+        <a:p>
+          <a:pPr marL="0" lvl="0" indent="0" algn="l" defTabSz="711200">
+            <a:lnSpc>
+              <a:spcPct val="100000"/>
+            </a:lnSpc>
+            <a:spcBef>
+              <a:spcPct val="0"/>
+            </a:spcBef>
+            <a:spcAft>
+              <a:spcPct val="35000"/>
+            </a:spcAft>
+            <a:buNone/>
+          </a:pPr>
+          <a:r>
+            <a:rPr lang="en-US" sz="1600" kern="1200"/>
+            <a:t>Imported downloaded CSV as “starter data”</a:t>
+          </a:r>
+        </a:p>
+      </dsp:txBody>
+      <dsp:txXfrm>
+        <a:off x="1072178" y="4358"/>
+        <a:ext cx="5188921" cy="928293"/>
+      </dsp:txXfrm>
+    </dsp:sp>
+    <dsp:sp modelId="{90E7D989-07CE-4B4D-96B1-88FF1AFAD8B2}">
+      <dsp:nvSpPr>
+        <dsp:cNvPr id="0" name=""/>
+        <dsp:cNvSpPr/>
+      </dsp:nvSpPr>
+      <dsp:spPr>
+        <a:xfrm>
+          <a:off x="0" y="1164724"/>
+          <a:ext cx="6261100" cy="928293"/>
+        </a:xfrm>
+        <a:prstGeom prst="roundRect">
+          <a:avLst>
+            <a:gd name="adj" fmla="val 10000"/>
+          </a:avLst>
+        </a:prstGeom>
+        <a:solidFill>
+          <a:schemeClr val="bg1">
+            <a:lumMod val="95000"/>
+            <a:hueOff val="0"/>
+            <a:satOff val="0"/>
+            <a:lumOff val="0"/>
+            <a:alphaOff val="0"/>
+          </a:schemeClr>
+        </a:solidFill>
+        <a:ln>
+          <a:noFill/>
+        </a:ln>
+        <a:effectLst/>
+      </dsp:spPr>
+      <dsp:style>
+        <a:lnRef idx="0">
+          <a:scrgbClr r="0" g="0" b="0"/>
+        </a:lnRef>
+        <a:fillRef idx="1">
+          <a:scrgbClr r="0" g="0" b="0"/>
+        </a:fillRef>
+        <a:effectRef idx="0">
+          <a:scrgbClr r="0" g="0" b="0"/>
+        </a:effectRef>
+        <a:fontRef idx="minor"/>
+      </dsp:style>
+    </dsp:sp>
+    <dsp:sp modelId="{A7794408-1683-466F-87F4-85B0A92953E4}">
+      <dsp:nvSpPr>
+        <dsp:cNvPr id="0" name=""/>
+        <dsp:cNvSpPr/>
+      </dsp:nvSpPr>
+      <dsp:spPr>
+        <a:xfrm>
+          <a:off x="280808" y="1373590"/>
+          <a:ext cx="510561" cy="510561"/>
+        </a:xfrm>
+        <a:prstGeom prst="rect">
+          <a:avLst/>
+        </a:prstGeom>
+        <a:blipFill>
+          <a:blip xmlns:r="http://schemas.openxmlformats.org/officeDocument/2006/relationships" r:embed="rId3">
+            <a:extLst>
+              <a:ext uri="{28A0092B-C50C-407E-A947-70E740481C1C}">
+                <a14:useLocalDpi xmlns:a14="http://schemas.microsoft.com/office/drawing/2010/main" val="0"/>
+              </a:ext>
+              <a:ext uri="{96DAC541-7B7A-43D3-8B79-37D633B846F1}">
+                <asvg:svgBlip xmlns:asvg="http://schemas.microsoft.com/office/drawing/2016/SVG/main" r:embed="rId4"/>
+              </a:ext>
+            </a:extLst>
+          </a:blip>
+          <a:stretch>
+            <a:fillRect/>
+          </a:stretch>
+        </a:blipFill>
+        <a:ln w="12700" cap="flat" cmpd="sng" algn="ctr">
+          <a:noFill/>
+          <a:prstDash val="solid"/>
+        </a:ln>
+        <a:effectLst/>
+      </dsp:spPr>
+      <dsp:style>
+        <a:lnRef idx="2">
+          <a:scrgbClr r="0" g="0" b="0"/>
+        </a:lnRef>
+        <a:fillRef idx="1">
+          <a:scrgbClr r="0" g="0" b="0"/>
+        </a:fillRef>
+        <a:effectRef idx="0">
+          <a:scrgbClr r="0" g="0" b="0"/>
+        </a:effectRef>
+        <a:fontRef idx="minor">
+          <a:schemeClr val="lt1"/>
+        </a:fontRef>
+      </dsp:style>
+    </dsp:sp>
+    <dsp:sp modelId="{7FF3B985-3CB7-4E8E-AB37-29AC0AE6FA52}">
+      <dsp:nvSpPr>
+        <dsp:cNvPr id="0" name=""/>
+        <dsp:cNvSpPr/>
+      </dsp:nvSpPr>
+      <dsp:spPr>
+        <a:xfrm>
+          <a:off x="1072178" y="1164724"/>
+          <a:ext cx="5188921" cy="928293"/>
+        </a:xfrm>
+        <a:prstGeom prst="rect">
+          <a:avLst/>
+        </a:prstGeom>
+        <a:noFill/>
+        <a:ln>
+          <a:noFill/>
+        </a:ln>
+        <a:effectLst/>
+      </dsp:spPr>
+      <dsp:style>
+        <a:lnRef idx="0">
+          <a:scrgbClr r="0" g="0" b="0"/>
+        </a:lnRef>
+        <a:fillRef idx="0">
+          <a:scrgbClr r="0" g="0" b="0"/>
+        </a:fillRef>
+        <a:effectRef idx="0">
+          <a:scrgbClr r="0" g="0" b="0"/>
+        </a:effectRef>
+        <a:fontRef idx="minor"/>
+      </dsp:style>
+      <dsp:txBody>
+        <a:bodyPr spcFirstLastPara="0" vert="horz" wrap="square" lIns="98244" tIns="98244" rIns="98244" bIns="98244" numCol="1" spcCol="1270" anchor="ctr" anchorCtr="0">
+          <a:noAutofit/>
+        </a:bodyPr>
+        <a:lstStyle/>
+        <a:p>
+          <a:pPr marL="0" lvl="0" indent="0" algn="l" defTabSz="711200">
+            <a:lnSpc>
+              <a:spcPct val="100000"/>
+            </a:lnSpc>
+            <a:spcBef>
+              <a:spcPct val="0"/>
+            </a:spcBef>
+            <a:spcAft>
+              <a:spcPct val="35000"/>
+            </a:spcAft>
+            <a:buNone/>
+          </a:pPr>
+          <a:r>
+            <a:rPr lang="en-US" sz="1600" kern="1200" dirty="0"/>
+            <a:t>Removed duplicate entries in data, Dropped unneeded columns, Dropped any </a:t>
+          </a:r>
+          <a:r>
+            <a:rPr lang="en-US" sz="1600" kern="1200" dirty="0" err="1"/>
+            <a:t>NaN</a:t>
+          </a:r>
+          <a:r>
+            <a:rPr lang="en-US" sz="1600" kern="1200" dirty="0"/>
+            <a:t> records in data</a:t>
+          </a:r>
+        </a:p>
+      </dsp:txBody>
+      <dsp:txXfrm>
+        <a:off x="1072178" y="1164724"/>
+        <a:ext cx="5188921" cy="928293"/>
+      </dsp:txXfrm>
+    </dsp:sp>
+    <dsp:sp modelId="{A00AF71A-5126-45A3-96E5-4C6A25D981C8}">
+      <dsp:nvSpPr>
+        <dsp:cNvPr id="0" name=""/>
+        <dsp:cNvSpPr/>
+      </dsp:nvSpPr>
+      <dsp:spPr>
+        <a:xfrm>
+          <a:off x="0" y="2325090"/>
+          <a:ext cx="6261100" cy="928293"/>
+        </a:xfrm>
+        <a:prstGeom prst="roundRect">
+          <a:avLst>
+            <a:gd name="adj" fmla="val 10000"/>
+          </a:avLst>
+        </a:prstGeom>
+        <a:solidFill>
+          <a:schemeClr val="bg1">
+            <a:lumMod val="95000"/>
+            <a:hueOff val="0"/>
+            <a:satOff val="0"/>
+            <a:lumOff val="0"/>
+            <a:alphaOff val="0"/>
+          </a:schemeClr>
+        </a:solidFill>
+        <a:ln>
+          <a:noFill/>
+        </a:ln>
+        <a:effectLst/>
+      </dsp:spPr>
+      <dsp:style>
+        <a:lnRef idx="0">
+          <a:scrgbClr r="0" g="0" b="0"/>
+        </a:lnRef>
+        <a:fillRef idx="1">
+          <a:scrgbClr r="0" g="0" b="0"/>
+        </a:fillRef>
+        <a:effectRef idx="0">
+          <a:scrgbClr r="0" g="0" b="0"/>
+        </a:effectRef>
+        <a:fontRef idx="minor"/>
+      </dsp:style>
+    </dsp:sp>
+    <dsp:sp modelId="{CCB35DFC-96FC-4024-80E4-0E81B7380E15}">
+      <dsp:nvSpPr>
+        <dsp:cNvPr id="0" name=""/>
+        <dsp:cNvSpPr/>
+      </dsp:nvSpPr>
+      <dsp:spPr>
+        <a:xfrm>
+          <a:off x="280808" y="2533956"/>
+          <a:ext cx="510561" cy="510561"/>
+        </a:xfrm>
+        <a:prstGeom prst="rect">
+          <a:avLst/>
+        </a:prstGeom>
+        <a:blipFill>
+          <a:blip xmlns:r="http://schemas.openxmlformats.org/officeDocument/2006/relationships" r:embed="rId5">
+            <a:extLst>
+              <a:ext uri="{28A0092B-C50C-407E-A947-70E740481C1C}">
+                <a14:useLocalDpi xmlns:a14="http://schemas.microsoft.com/office/drawing/2010/main" val="0"/>
+              </a:ext>
+              <a:ext uri="{96DAC541-7B7A-43D3-8B79-37D633B846F1}">
+                <asvg:svgBlip xmlns:asvg="http://schemas.microsoft.com/office/drawing/2016/SVG/main" r:embed="rId6"/>
+              </a:ext>
+            </a:extLst>
+          </a:blip>
+          <a:stretch>
+            <a:fillRect/>
+          </a:stretch>
+        </a:blipFill>
+        <a:ln w="12700" cap="flat" cmpd="sng" algn="ctr">
+          <a:noFill/>
+          <a:prstDash val="solid"/>
+        </a:ln>
+        <a:effectLst/>
+      </dsp:spPr>
+      <dsp:style>
+        <a:lnRef idx="2">
+          <a:scrgbClr r="0" g="0" b="0"/>
+        </a:lnRef>
+        <a:fillRef idx="1">
+          <a:scrgbClr r="0" g="0" b="0"/>
+        </a:fillRef>
+        <a:effectRef idx="0">
+          <a:scrgbClr r="0" g="0" b="0"/>
+        </a:effectRef>
+        <a:fontRef idx="minor">
+          <a:schemeClr val="lt1"/>
+        </a:fontRef>
+      </dsp:style>
+    </dsp:sp>
+    <dsp:sp modelId="{D1C06BA0-07C5-4B0C-AA83-9755178D965E}">
+      <dsp:nvSpPr>
+        <dsp:cNvPr id="0" name=""/>
+        <dsp:cNvSpPr/>
+      </dsp:nvSpPr>
+      <dsp:spPr>
+        <a:xfrm>
+          <a:off x="1072178" y="2325090"/>
+          <a:ext cx="5188921" cy="928293"/>
+        </a:xfrm>
+        <a:prstGeom prst="rect">
+          <a:avLst/>
+        </a:prstGeom>
+        <a:noFill/>
+        <a:ln>
+          <a:noFill/>
+        </a:ln>
+        <a:effectLst/>
+      </dsp:spPr>
+      <dsp:style>
+        <a:lnRef idx="0">
+          <a:scrgbClr r="0" g="0" b="0"/>
+        </a:lnRef>
+        <a:fillRef idx="0">
+          <a:scrgbClr r="0" g="0" b="0"/>
+        </a:fillRef>
+        <a:effectRef idx="0">
+          <a:scrgbClr r="0" g="0" b="0"/>
+        </a:effectRef>
+        <a:fontRef idx="minor"/>
+      </dsp:style>
+      <dsp:txBody>
+        <a:bodyPr spcFirstLastPara="0" vert="horz" wrap="square" lIns="98244" tIns="98244" rIns="98244" bIns="98244" numCol="1" spcCol="1270" anchor="ctr" anchorCtr="0">
+          <a:noAutofit/>
+        </a:bodyPr>
+        <a:lstStyle/>
+        <a:p>
+          <a:pPr marL="0" lvl="0" indent="0" algn="l" defTabSz="711200">
+            <a:lnSpc>
+              <a:spcPct val="100000"/>
+            </a:lnSpc>
+            <a:spcBef>
+              <a:spcPct val="0"/>
+            </a:spcBef>
+            <a:spcAft>
+              <a:spcPct val="35000"/>
+            </a:spcAft>
+            <a:buNone/>
+          </a:pPr>
+          <a:r>
+            <a:rPr lang="en-US" sz="1600" kern="1200" dirty="0"/>
+            <a:t>Began probative exploration with summarizations and groupings to see what data would be available.</a:t>
+          </a:r>
+        </a:p>
+      </dsp:txBody>
+      <dsp:txXfrm>
+        <a:off x="1072178" y="2325090"/>
+        <a:ext cx="5188921" cy="928293"/>
+      </dsp:txXfrm>
+    </dsp:sp>
+    <dsp:sp modelId="{AD2F913C-1072-406C-870C-22AEC0AC953A}">
+      <dsp:nvSpPr>
+        <dsp:cNvPr id="0" name=""/>
+        <dsp:cNvSpPr/>
+      </dsp:nvSpPr>
+      <dsp:spPr>
+        <a:xfrm>
+          <a:off x="0" y="3485457"/>
+          <a:ext cx="6261100" cy="928293"/>
+        </a:xfrm>
+        <a:prstGeom prst="roundRect">
+          <a:avLst>
+            <a:gd name="adj" fmla="val 10000"/>
+          </a:avLst>
+        </a:prstGeom>
+        <a:solidFill>
+          <a:schemeClr val="bg1">
+            <a:lumMod val="95000"/>
+            <a:hueOff val="0"/>
+            <a:satOff val="0"/>
+            <a:lumOff val="0"/>
+            <a:alphaOff val="0"/>
+          </a:schemeClr>
+        </a:solidFill>
+        <a:ln>
+          <a:noFill/>
+        </a:ln>
+        <a:effectLst/>
+      </dsp:spPr>
+      <dsp:style>
+        <a:lnRef idx="0">
+          <a:scrgbClr r="0" g="0" b="0"/>
+        </a:lnRef>
+        <a:fillRef idx="1">
+          <a:scrgbClr r="0" g="0" b="0"/>
+        </a:fillRef>
+        <a:effectRef idx="0">
+          <a:scrgbClr r="0" g="0" b="0"/>
+        </a:effectRef>
+        <a:fontRef idx="minor"/>
+      </dsp:style>
+    </dsp:sp>
+    <dsp:sp modelId="{28A1BA4D-DB82-4146-8697-5EFDBC7CF93E}">
+      <dsp:nvSpPr>
+        <dsp:cNvPr id="0" name=""/>
+        <dsp:cNvSpPr/>
+      </dsp:nvSpPr>
+      <dsp:spPr>
+        <a:xfrm>
+          <a:off x="280808" y="3694323"/>
+          <a:ext cx="510561" cy="510561"/>
+        </a:xfrm>
+        <a:prstGeom prst="rect">
+          <a:avLst/>
+        </a:prstGeom>
+        <a:blipFill>
+          <a:blip xmlns:r="http://schemas.openxmlformats.org/officeDocument/2006/relationships" r:embed="rId7">
+            <a:extLst>
+              <a:ext uri="{96DAC541-7B7A-43D3-8B79-37D633B846F1}">
+                <asvg:svgBlip xmlns:asvg="http://schemas.microsoft.com/office/drawing/2016/SVG/main" r:embed="rId8"/>
+              </a:ext>
+            </a:extLst>
+          </a:blip>
+          <a:srcRect/>
+          <a:stretch>
+            <a:fillRect/>
+          </a:stretch>
+        </a:blipFill>
+        <a:ln w="12700" cap="flat" cmpd="sng" algn="ctr">
+          <a:solidFill>
+            <a:schemeClr val="lt1">
+              <a:alpha val="0"/>
+              <a:hueOff val="0"/>
+              <a:satOff val="0"/>
+              <a:lumOff val="0"/>
+              <a:alphaOff val="0"/>
+            </a:schemeClr>
+          </a:solidFill>
+          <a:prstDash val="solid"/>
+        </a:ln>
+        <a:effectLst/>
+      </dsp:spPr>
+      <dsp:style>
+        <a:lnRef idx="2">
+          <a:scrgbClr r="0" g="0" b="0"/>
+        </a:lnRef>
+        <a:fillRef idx="1">
+          <a:scrgbClr r="0" g="0" b="0"/>
+        </a:fillRef>
+        <a:effectRef idx="0">
+          <a:scrgbClr r="0" g="0" b="0"/>
+        </a:effectRef>
+        <a:fontRef idx="minor">
+          <a:schemeClr val="lt1"/>
+        </a:fontRef>
+      </dsp:style>
+    </dsp:sp>
+    <dsp:sp modelId="{64A6FCF0-F1C6-4C3D-8FE2-EE8C9CAC2313}">
+      <dsp:nvSpPr>
+        <dsp:cNvPr id="0" name=""/>
+        <dsp:cNvSpPr/>
+      </dsp:nvSpPr>
+      <dsp:spPr>
+        <a:xfrm>
+          <a:off x="1072178" y="3485457"/>
+          <a:ext cx="5188921" cy="928293"/>
+        </a:xfrm>
+        <a:prstGeom prst="rect">
+          <a:avLst/>
+        </a:prstGeom>
+        <a:noFill/>
+        <a:ln>
+          <a:noFill/>
+        </a:ln>
+        <a:effectLst/>
+      </dsp:spPr>
+      <dsp:style>
+        <a:lnRef idx="0">
+          <a:scrgbClr r="0" g="0" b="0"/>
+        </a:lnRef>
+        <a:fillRef idx="0">
+          <a:scrgbClr r="0" g="0" b="0"/>
+        </a:fillRef>
+        <a:effectRef idx="0">
+          <a:scrgbClr r="0" g="0" b="0"/>
+        </a:effectRef>
+        <a:fontRef idx="minor"/>
+      </dsp:style>
+      <dsp:txBody>
+        <a:bodyPr spcFirstLastPara="0" vert="horz" wrap="square" lIns="98244" tIns="98244" rIns="98244" bIns="98244" numCol="1" spcCol="1270" anchor="ctr" anchorCtr="0">
+          <a:noAutofit/>
+        </a:bodyPr>
+        <a:lstStyle/>
+        <a:p>
+          <a:pPr marL="0" lvl="0" indent="0" algn="l" defTabSz="711200">
+            <a:lnSpc>
+              <a:spcPct val="100000"/>
+            </a:lnSpc>
+            <a:spcBef>
+              <a:spcPct val="0"/>
+            </a:spcBef>
+            <a:spcAft>
+              <a:spcPct val="35000"/>
+            </a:spcAft>
+            <a:buNone/>
+          </a:pPr>
+          <a:r>
+            <a:rPr lang="en-US" sz="1600" kern="1200" dirty="0"/>
+            <a:t>Refined questions from initial data insight and began summarizing what data we had to work with.</a:t>
+          </a:r>
+        </a:p>
+      </dsp:txBody>
+      <dsp:txXfrm>
+        <a:off x="1072178" y="3485457"/>
+        <a:ext cx="5188921" cy="928293"/>
+      </dsp:txXfrm>
+    </dsp:sp>
+    <dsp:sp modelId="{A52E4BA1-0A5A-435A-BA68-E346FBAD1221}">
+      <dsp:nvSpPr>
+        <dsp:cNvPr id="0" name=""/>
+        <dsp:cNvSpPr/>
+      </dsp:nvSpPr>
+      <dsp:spPr>
+        <a:xfrm>
+          <a:off x="0" y="4645823"/>
+          <a:ext cx="6261100" cy="928293"/>
+        </a:xfrm>
+        <a:prstGeom prst="roundRect">
+          <a:avLst>
+            <a:gd name="adj" fmla="val 10000"/>
+          </a:avLst>
+        </a:prstGeom>
+        <a:solidFill>
+          <a:schemeClr val="bg1">
+            <a:lumMod val="95000"/>
+            <a:hueOff val="0"/>
+            <a:satOff val="0"/>
+            <a:lumOff val="0"/>
+            <a:alphaOff val="0"/>
+          </a:schemeClr>
+        </a:solidFill>
+        <a:ln>
+          <a:noFill/>
+        </a:ln>
+        <a:effectLst/>
+      </dsp:spPr>
+      <dsp:style>
+        <a:lnRef idx="0">
+          <a:scrgbClr r="0" g="0" b="0"/>
+        </a:lnRef>
+        <a:fillRef idx="1">
+          <a:scrgbClr r="0" g="0" b="0"/>
+        </a:fillRef>
+        <a:effectRef idx="0">
+          <a:scrgbClr r="0" g="0" b="0"/>
+        </a:effectRef>
+        <a:fontRef idx="minor"/>
+      </dsp:style>
+    </dsp:sp>
+    <dsp:sp modelId="{1398DAF7-D514-431A-8F9B-CDACA7534D77}">
+      <dsp:nvSpPr>
+        <dsp:cNvPr id="0" name=""/>
+        <dsp:cNvSpPr/>
+      </dsp:nvSpPr>
+      <dsp:spPr>
+        <a:xfrm>
+          <a:off x="280808" y="4854689"/>
+          <a:ext cx="510561" cy="510561"/>
+        </a:xfrm>
+        <a:prstGeom prst="rect">
+          <a:avLst/>
+        </a:prstGeom>
+        <a:blipFill>
+          <a:blip xmlns:r="http://schemas.openxmlformats.org/officeDocument/2006/relationships" r:embed="rId9">
+            <a:extLst>
+              <a:ext uri="{28A0092B-C50C-407E-A947-70E740481C1C}">
+                <a14:useLocalDpi xmlns:a14="http://schemas.microsoft.com/office/drawing/2010/main" val="0"/>
+              </a:ext>
+              <a:ext uri="{96DAC541-7B7A-43D3-8B79-37D633B846F1}">
+                <asvg:svgBlip xmlns:asvg="http://schemas.microsoft.com/office/drawing/2016/SVG/main" r:embed="rId10"/>
+              </a:ext>
+            </a:extLst>
+          </a:blip>
+          <a:stretch>
+            <a:fillRect/>
+          </a:stretch>
+        </a:blipFill>
+        <a:ln w="12700" cap="flat" cmpd="sng" algn="ctr">
+          <a:noFill/>
+          <a:prstDash val="solid"/>
+        </a:ln>
+        <a:effectLst/>
+      </dsp:spPr>
+      <dsp:style>
+        <a:lnRef idx="2">
+          <a:scrgbClr r="0" g="0" b="0"/>
+        </a:lnRef>
+        <a:fillRef idx="1">
+          <a:scrgbClr r="0" g="0" b="0"/>
+        </a:fillRef>
+        <a:effectRef idx="0">
+          <a:scrgbClr r="0" g="0" b="0"/>
+        </a:effectRef>
+        <a:fontRef idx="minor">
+          <a:schemeClr val="lt1"/>
+        </a:fontRef>
+      </dsp:style>
+    </dsp:sp>
+    <dsp:sp modelId="{6A90CFB7-CD95-4615-8E8C-44BCBF916048}">
+      <dsp:nvSpPr>
+        <dsp:cNvPr id="0" name=""/>
+        <dsp:cNvSpPr/>
+      </dsp:nvSpPr>
+      <dsp:spPr>
+        <a:xfrm>
+          <a:off x="1072178" y="4645823"/>
+          <a:ext cx="5188921" cy="928293"/>
+        </a:xfrm>
+        <a:prstGeom prst="rect">
+          <a:avLst/>
+        </a:prstGeom>
+        <a:noFill/>
+        <a:ln>
+          <a:noFill/>
+        </a:ln>
+        <a:effectLst/>
+      </dsp:spPr>
+      <dsp:style>
+        <a:lnRef idx="0">
+          <a:scrgbClr r="0" g="0" b="0"/>
+        </a:lnRef>
+        <a:fillRef idx="0">
+          <a:scrgbClr r="0" g="0" b="0"/>
+        </a:fillRef>
+        <a:effectRef idx="0">
+          <a:scrgbClr r="0" g="0" b="0"/>
+        </a:effectRef>
+        <a:fontRef idx="minor"/>
+      </dsp:style>
+      <dsp:txBody>
+        <a:bodyPr spcFirstLastPara="0" vert="horz" wrap="square" lIns="98244" tIns="98244" rIns="98244" bIns="98244" numCol="1" spcCol="1270" anchor="ctr" anchorCtr="0">
+          <a:noAutofit/>
+        </a:bodyPr>
+        <a:lstStyle/>
+        <a:p>
+          <a:pPr marL="0" lvl="0" indent="0" algn="l" defTabSz="711200">
+            <a:lnSpc>
+              <a:spcPct val="100000"/>
+            </a:lnSpc>
+            <a:spcBef>
+              <a:spcPct val="0"/>
+            </a:spcBef>
+            <a:spcAft>
+              <a:spcPct val="35000"/>
+            </a:spcAft>
+            <a:buNone/>
+          </a:pPr>
+          <a:r>
+            <a:rPr lang="en-US" sz="1600" kern="1200" dirty="0"/>
+            <a:t>Made a copy of refined data for others to work with</a:t>
+          </a:r>
+        </a:p>
+      </dsp:txBody>
+      <dsp:txXfrm>
+        <a:off x="1072178" y="4645823"/>
+        <a:ext cx="5188921" cy="928293"/>
+      </dsp:txXfrm>
+    </dsp:sp>
+  </dsp:spTree>
+</dsp:drawing>
+</file>
+
 <file path=ppt/diagrams/layout1.xml><?xml version="1.0" encoding="utf-8"?>
 <dgm:layoutDef xmlns:dgm="http://schemas.openxmlformats.org/drawingml/2006/diagram" xmlns:a="http://schemas.openxmlformats.org/drawingml/2006/main" uniqueId="urn:microsoft.com/office/officeart/2005/8/layout/hierarchy1">
   <dgm:title val=""/>
@@ -2452,6 +4697,300 @@
 </dgm:layoutDef>
 </file>
 
+<file path=ppt/diagrams/layout2.xml><?xml version="1.0" encoding="utf-8"?>
+<dgm:layoutDef xmlns:dgm="http://schemas.openxmlformats.org/drawingml/2006/diagram" xmlns:a="http://schemas.openxmlformats.org/drawingml/2006/main" uniqueId="urn:microsoft.com/office/officeart/2018/2/layout/IconVerticalSolidList">
+  <dgm:title val="Icon Vertical Solid List"/>
+  <dgm:desc val="Use to show a series of visuals from top to bottom with Level 1 or Level 1 and Level 2 text grouped in a shape. Works best with icons or small pictures with lengthier descriptions."/>
+  <dgm:catLst>
+    <dgm:cat type="icon" pri="500"/>
+  </dgm:catLst>
+  <dgm:sampData useDef="1">
+    <dgm:dataModel>
+      <dgm:ptLst/>
+      <dgm:bg/>
+      <dgm:whole/>
+    </dgm:dataModel>
+  </dgm:sampData>
+  <dgm:styleData useDef="1">
+    <dgm:dataModel>
+      <dgm:ptLst/>
+      <dgm:bg/>
+      <dgm:whole/>
+    </dgm:dataModel>
+  </dgm:styleData>
+  <dgm:clrData useDef="1">
+    <dgm:dataModel>
+      <dgm:ptLst/>
+      <dgm:bg/>
+      <dgm:whole/>
+    </dgm:dataModel>
+  </dgm:clrData>
+  <dgm:layoutNode name="root">
+    <dgm:varLst>
+      <dgm:dir/>
+      <dgm:resizeHandles val="exact"/>
+    </dgm:varLst>
+    <dgm:choose name="Name0">
+      <dgm:if name="Name1" axis="self" func="var" arg="dir" op="equ" val="norm">
+        <dgm:alg type="lin">
+          <dgm:param type="linDir" val="fromT"/>
+          <dgm:param type="nodeHorzAlign" val="l"/>
+        </dgm:alg>
+      </dgm:if>
+      <dgm:else name="Name2">
+        <dgm:alg type="lin">
+          <dgm:param type="linDir" val="fromT"/>
+          <dgm:param type="nodeHorzAlign" val="r"/>
+        </dgm:alg>
+      </dgm:else>
+    </dgm:choose>
+    <dgm:shape xmlns:r="http://schemas.openxmlformats.org/officeDocument/2006/relationships" r:blip="">
+      <dgm:adjLst/>
+    </dgm:shape>
+    <dgm:presOf/>
+    <dgm:choose name="Name3">
+      <dgm:if name="Name4" axis="ch" ptType="node" func="cnt" op="lte" val="3">
+        <dgm:constrLst>
+          <dgm:constr type="h" for="ch" forName="compNode" refType="h" fact="0.3"/>
+          <dgm:constr type="w" for="ch" forName="compNode" refType="w"/>
+          <dgm:constr type="h" for="ch" forName="sibTrans" refType="h" refFor="ch" refForName="compNode" fact="0.25"/>
+          <dgm:constr type="primFontSz" for="des" forName="parTx" val="25"/>
+          <dgm:constr type="primFontSz" for="des" forName="desTx" refType="primFontSz" refFor="des" refForName="parTx" op="lte" fact="0.75"/>
+          <dgm:constr type="h" for="des" forName="compNode" op="equ"/>
+          <dgm:constr type="h" for="des" forName="bgRect" op="equ"/>
+          <dgm:constr type="h" for="des" forName="iconRect" op="equ"/>
+          <dgm:constr type="w" for="des" forName="iconRect" op="equ"/>
+          <dgm:constr type="h" for="des" forName="spaceRect" op="equ"/>
+          <dgm:constr type="h" for="des" forName="parTx" op="equ"/>
+          <dgm:constr type="h" for="des" forName="desTx" op="equ"/>
+        </dgm:constrLst>
+      </dgm:if>
+      <dgm:if name="Name5" axis="ch" ptType="node" func="cnt" op="lte" val="4">
+        <dgm:constrLst>
+          <dgm:constr type="h" for="ch" forName="compNode" refType="h" fact="0.3"/>
+          <dgm:constr type="w" for="ch" forName="compNode" refType="w"/>
+          <dgm:constr type="h" for="ch" forName="sibTrans" refType="h" refFor="ch" refForName="compNode" fact="0.25"/>
+          <dgm:constr type="primFontSz" for="des" forName="parTx" val="22"/>
+          <dgm:constr type="primFontSz" for="des" forName="desTx" refType="primFontSz" refFor="des" refForName="parTx" op="lte" fact="0.75"/>
+          <dgm:constr type="h" for="des" forName="compNode" op="equ"/>
+          <dgm:constr type="h" for="des" forName="bgRect" op="equ"/>
+          <dgm:constr type="h" for="des" forName="iconRect" op="equ"/>
+          <dgm:constr type="w" for="des" forName="iconRect" op="equ"/>
+          <dgm:constr type="h" for="des" forName="spaceRect" op="equ"/>
+          <dgm:constr type="h" for="des" forName="parTx" op="equ"/>
+          <dgm:constr type="h" for="des" forName="desTx" op="equ"/>
+        </dgm:constrLst>
+      </dgm:if>
+      <dgm:if name="Name6" axis="ch" ptType="node" func="cnt" op="lte" val="6">
+        <dgm:constrLst>
+          <dgm:constr type="h" for="ch" forName="compNode" refType="h" fact="0.3"/>
+          <dgm:constr type="w" for="ch" forName="compNode" refType="w"/>
+          <dgm:constr type="h" for="ch" forName="sibTrans" refType="h" refFor="ch" refForName="compNode" fact="0.25"/>
+          <dgm:constr type="primFontSz" for="des" forName="parTx" val="19"/>
+          <dgm:constr type="primFontSz" for="des" forName="desTx" refType="primFontSz" refFor="des" refForName="parTx" op="lte" fact="0.75"/>
+          <dgm:constr type="h" for="des" forName="compNode" op="equ"/>
+          <dgm:constr type="h" for="des" forName="bgRect" op="equ"/>
+          <dgm:constr type="h" for="des" forName="iconRect" op="equ"/>
+          <dgm:constr type="w" for="des" forName="iconRect" op="equ"/>
+          <dgm:constr type="h" for="des" forName="spaceRect" op="equ"/>
+          <dgm:constr type="h" for="des" forName="parTx" op="equ"/>
+          <dgm:constr type="h" for="des" forName="desTx" op="equ"/>
+        </dgm:constrLst>
+      </dgm:if>
+      <dgm:else name="Name7">
+        <dgm:constrLst>
+          <dgm:constr type="h" for="ch" forName="compNode" refType="h" fact="0.3"/>
+          <dgm:constr type="w" for="ch" forName="compNode" refType="w"/>
+          <dgm:constr type="h" for="ch" forName="sibTrans" refType="h" refFor="ch" refForName="compNode" fact="0.25"/>
+          <dgm:constr type="primFontSz" for="des" forName="parTx" val="16"/>
+          <dgm:constr type="primFontSz" for="des" forName="desTx" refType="primFontSz" refFor="des" refForName="parTx" op="lte" fact="0.75"/>
+          <dgm:constr type="h" for="des" forName="compNode" op="equ"/>
+          <dgm:constr type="h" for="des" forName="bgRect" op="equ"/>
+          <dgm:constr type="h" for="des" forName="iconRect" op="equ"/>
+          <dgm:constr type="w" for="des" forName="iconRect" op="equ"/>
+          <dgm:constr type="h" for="des" forName="spaceRect" op="equ"/>
+          <dgm:constr type="h" for="des" forName="parTx" op="equ"/>
+          <dgm:constr type="h" for="des" forName="desTx" op="equ"/>
+        </dgm:constrLst>
+      </dgm:else>
+    </dgm:choose>
+    <dgm:ruleLst>
+      <dgm:rule type="h" for="ch" forName="compNode" val="0" fact="NaN" max="NaN"/>
+    </dgm:ruleLst>
+    <dgm:forEach name="Name8" axis="ch" ptType="node">
+      <dgm:layoutNode name="compNode">
+        <dgm:alg type="composite"/>
+        <dgm:shape xmlns:r="http://schemas.openxmlformats.org/officeDocument/2006/relationships" r:blip="">
+          <dgm:adjLst/>
+        </dgm:shape>
+        <dgm:presOf axis="self"/>
+        <dgm:choose name="Name9">
+          <dgm:if name="Name10" axis="ch" ptType="node" func="cnt" op="gte" val="1">
+            <dgm:constrLst>
+              <dgm:constr type="w" for="ch" forName="bgRect" refType="w"/>
+              <dgm:constr type="h" for="ch" forName="bgRect" refType="h"/>
+              <dgm:constr type="l" for="ch" forName="bgRect"/>
+              <dgm:constr type="t" for="ch" forName="bgRect"/>
+              <dgm:constr type="h" for="ch" forName="iconRect" refType="h" fact="0.55"/>
+              <dgm:constr type="w" for="ch" forName="iconRect" refType="h" refFor="ch" refForName="iconRect"/>
+              <dgm:constr type="l" for="ch" forName="iconRect" refType="h" refFor="ch" refForName="iconRect" fact="0.55"/>
+              <dgm:constr type="ctrY" for="ch" forName="iconRect" refType="ctrY" refFor="ch" refForName="bgRect"/>
+              <dgm:constr type="w" for="ch" forName="spaceRect" refType="l" refFor="ch" refForName="iconRect"/>
+              <dgm:constr type="h" for="ch" forName="spaceRect" refType="h"/>
+              <dgm:constr type="l" for="ch" forName="spaceRect" refType="r" refFor="ch" refForName="iconRect"/>
+              <dgm:constr type="t" for="ch" forName="spaceRect"/>
+              <dgm:constr type="w" for="ch" forName="parTx" refType="w" fact="0.45"/>
+              <dgm:constr type="h" for="ch" forName="parTx" refType="h"/>
+              <dgm:constr type="l" for="ch" forName="parTx" refType="r" refFor="ch" refForName="spaceRect"/>
+              <dgm:constr type="t" for="ch" forName="parTx"/>
+              <dgm:constr type="h" for="ch" forName="desTx" refType="h"/>
+              <dgm:constr type="l" for="ch" forName="desTx" refType="r" refFor="ch" refForName="parTx"/>
+              <dgm:constr type="t" for="ch" forName="desTx"/>
+            </dgm:constrLst>
+          </dgm:if>
+          <dgm:else name="Name11">
+            <dgm:constrLst>
+              <dgm:constr type="w" for="ch" forName="bgRect" refType="w"/>
+              <dgm:constr type="h" for="ch" forName="bgRect" refType="h"/>
+              <dgm:constr type="l" for="ch" forName="bgRect"/>
+              <dgm:constr type="t" for="ch" forName="bgRect"/>
+              <dgm:constr type="h" for="ch" forName="iconRect" refType="h" fact="0.55"/>
+              <dgm:constr type="w" for="ch" forName="iconRect" refType="h" refFor="ch" refForName="iconRect"/>
+              <dgm:constr type="l" for="ch" forName="iconRect" refType="h" refFor="ch" refForName="iconRect" fact="0.55"/>
+              <dgm:constr type="ctrY" for="ch" forName="iconRect" refType="ctrY" refFor="ch" refForName="bgRect"/>
+              <dgm:constr type="w" for="ch" forName="spaceRect" refType="l" refFor="ch" refForName="iconRect"/>
+              <dgm:constr type="h" for="ch" forName="spaceRect" refType="h"/>
+              <dgm:constr type="l" for="ch" forName="spaceRect" refType="r" refFor="ch" refForName="iconRect"/>
+              <dgm:constr type="t" for="ch" forName="spaceRect"/>
+              <dgm:constr type="h" for="ch" forName="parTx" refType="h"/>
+              <dgm:constr type="l" for="ch" forName="parTx" refType="r" refFor="ch" refForName="spaceRect"/>
+              <dgm:constr type="t" for="ch" forName="parTx"/>
+            </dgm:constrLst>
+          </dgm:else>
+        </dgm:choose>
+        <dgm:ruleLst>
+          <dgm:rule type="h" val="INF" fact="NaN" max="NaN"/>
+        </dgm:ruleLst>
+        <dgm:layoutNode name="bgRect" styleLbl="bgShp">
+          <dgm:alg type="sp"/>
+          <dgm:shape xmlns:r="http://schemas.openxmlformats.org/officeDocument/2006/relationships" type="roundRect" r:blip="">
+            <dgm:adjLst>
+              <dgm:adj idx="1" val="0.1"/>
+            </dgm:adjLst>
+          </dgm:shape>
+          <dgm:presOf/>
+          <dgm:constrLst/>
+          <dgm:ruleLst/>
+        </dgm:layoutNode>
+        <dgm:layoutNode name="iconRect" styleLbl="node1">
+          <dgm:alg type="sp"/>
+          <dgm:shape xmlns:r="http://schemas.openxmlformats.org/officeDocument/2006/relationships" type="rect" r:blip="" blipPhldr="1">
+            <dgm:adjLst/>
+          </dgm:shape>
+          <dgm:presOf/>
+          <dgm:constrLst/>
+          <dgm:ruleLst/>
+        </dgm:layoutNode>
+        <dgm:layoutNode name="spaceRect">
+          <dgm:alg type="sp"/>
+          <dgm:shape xmlns:r="http://schemas.openxmlformats.org/officeDocument/2006/relationships" r:blip="">
+            <dgm:adjLst/>
+          </dgm:shape>
+          <dgm:presOf/>
+          <dgm:constrLst/>
+          <dgm:ruleLst/>
+        </dgm:layoutNode>
+        <dgm:layoutNode name="parTx" styleLbl="revTx">
+          <dgm:varLst>
+            <dgm:chMax val="0"/>
+            <dgm:chPref val="0"/>
+          </dgm:varLst>
+          <dgm:alg type="tx">
+            <dgm:param type="txAnchorVert" val="mid"/>
+            <dgm:param type="parTxLTRAlign" val="l"/>
+            <dgm:param type="shpTxLTRAlignCh" val="l"/>
+            <dgm:param type="parTxRTLAlign" val="r"/>
+            <dgm:param type="shpTxRTLAlignCh" val="r"/>
+          </dgm:alg>
+          <dgm:shape xmlns:r="http://schemas.openxmlformats.org/officeDocument/2006/relationships" type="rect" r:blip="">
+            <dgm:adjLst/>
+          </dgm:shape>
+          <dgm:presOf axis="self" ptType="node"/>
+          <dgm:constrLst>
+            <dgm:constr type="lMarg" refType="h" fact="0.3"/>
+            <dgm:constr type="rMarg" refType="h" fact="0.3"/>
+            <dgm:constr type="tMarg" refType="h" fact="0.3"/>
+            <dgm:constr type="bMarg" refType="h" fact="0.3"/>
+          </dgm:constrLst>
+          <dgm:ruleLst>
+            <dgm:rule type="primFontSz" val="14" fact="NaN" max="NaN"/>
+            <dgm:rule type="h" val="INF" fact="NaN" max="NaN"/>
+          </dgm:ruleLst>
+        </dgm:layoutNode>
+        <dgm:choose name="Name12">
+          <dgm:if name="Name13" axis="ch" ptType="node" func="cnt" op="gte" val="1">
+            <dgm:layoutNode name="desTx" styleLbl="revTx">
+              <dgm:varLst/>
+              <dgm:alg type="tx">
+                <dgm:param type="txAnchorVertCh" val="mid"/>
+                <dgm:param type="parTxLTRAlign" val="l"/>
+                <dgm:param type="shpTxLTRAlignCh" val="l"/>
+                <dgm:param type="parTxRTLAlign" val="r"/>
+                <dgm:param type="shpTxRTLAlignCh" val="r"/>
+                <dgm:param type="stBulletLvl" val="0"/>
+              </dgm:alg>
+              <dgm:shape xmlns:r="http://schemas.openxmlformats.org/officeDocument/2006/relationships" type="rect" r:blip="">
+                <dgm:adjLst/>
+              </dgm:shape>
+              <dgm:presOf axis="des" ptType="node"/>
+              <dgm:constrLst>
+                <dgm:constr type="primFontSz" val="18"/>
+                <dgm:constr type="secFontSz" refType="primFontSz"/>
+                <dgm:constr type="lMarg" refType="h" fact="0.3"/>
+                <dgm:constr type="rMarg" refType="h" fact="0.3"/>
+                <dgm:constr type="tMarg" refType="h" fact="0.3"/>
+                <dgm:constr type="bMarg" refType="h" fact="0.3"/>
+              </dgm:constrLst>
+              <dgm:ruleLst>
+                <dgm:rule type="primFontSz" val="11" fact="NaN" max="NaN"/>
+              </dgm:ruleLst>
+            </dgm:layoutNode>
+          </dgm:if>
+          <dgm:else name="Name14"/>
+        </dgm:choose>
+      </dgm:layoutNode>
+      <dgm:forEach name="Name15" axis="followSib" ptType="sibTrans" cnt="1">
+        <dgm:layoutNode name="sibTrans">
+          <dgm:alg type="sp"/>
+          <dgm:shape xmlns:r="http://schemas.openxmlformats.org/officeDocument/2006/relationships" r:blip="">
+            <dgm:adjLst/>
+          </dgm:shape>
+          <dgm:presOf axis="self"/>
+          <dgm:constrLst/>
+          <dgm:ruleLst/>
+        </dgm:layoutNode>
+      </dgm:forEach>
+    </dgm:forEach>
+  </dgm:layoutNode>
+  <dgm:extLst>
+    <a:ext uri="{68A01E43-0DF5-4B5B-8FA6-DAF915123BFB}">
+      <dgm1612:lstStyle xmlns:dgm1612="http://schemas.microsoft.com/office/drawing/2016/12/diagram">
+        <a:lvl1pPr>
+          <a:lnSpc>
+            <a:spcPct val="100000"/>
+          </a:lnSpc>
+        </a:lvl1pPr>
+        <a:lvl2pPr>
+          <a:lnSpc>
+            <a:spcPct val="100000"/>
+          </a:lnSpc>
+        </a:lvl2pPr>
+      </dgm1612:lstStyle>
+    </a:ext>
+  </dgm:extLst>
+</dgm:layoutDef>
+</file>
+
 <file path=ppt/diagrams/quickStyle1.xml><?xml version="1.0" encoding="utf-8"?>
 <dgm:styleDef xmlns:dgm="http://schemas.openxmlformats.org/drawingml/2006/diagram" xmlns:a="http://schemas.openxmlformats.org/drawingml/2006/main" uniqueId="urn:microsoft.com/office/officeart/2005/8/quickstyle/simple5">
   <dgm:title val=""/>
@@ -3458,6 +5997,1040 @@
         <a:scrgbClr r="0" g="0" b="0"/>
       </a:fillRef>
       <a:effectRef idx="3">
+        <a:scrgbClr r="0" g="0" b="0"/>
+      </a:effectRef>
+      <a:fontRef idx="minor"/>
+    </dgm:style>
+  </dgm:styleLbl>
+  <dgm:styleLbl name="revTx">
+    <dgm:scene3d>
+      <a:camera prst="orthographicFront"/>
+      <a:lightRig rig="threePt" dir="t"/>
+    </dgm:scene3d>
+    <dgm:sp3d/>
+    <dgm:txPr/>
+    <dgm:style>
+      <a:lnRef idx="0">
+        <a:scrgbClr r="0" g="0" b="0"/>
+      </a:lnRef>
+      <a:fillRef idx="0">
+        <a:scrgbClr r="0" g="0" b="0"/>
+      </a:fillRef>
+      <a:effectRef idx="0">
+        <a:scrgbClr r="0" g="0" b="0"/>
+      </a:effectRef>
+      <a:fontRef idx="minor"/>
+    </dgm:style>
+  </dgm:styleLbl>
+</dgm:styleDef>
+</file>
+
+<file path=ppt/diagrams/quickStyle2.xml><?xml version="1.0" encoding="utf-8"?>
+<dgm:styleDef xmlns:dgm="http://schemas.openxmlformats.org/drawingml/2006/diagram" xmlns:a="http://schemas.openxmlformats.org/drawingml/2006/main" uniqueId="urn:microsoft.com/office/officeart/2005/8/quickstyle/simple1">
+  <dgm:title val=""/>
+  <dgm:desc val=""/>
+  <dgm:catLst>
+    <dgm:cat type="simple" pri="10100"/>
+  </dgm:catLst>
+  <dgm:scene3d>
+    <a:camera prst="orthographicFront"/>
+    <a:lightRig rig="threePt" dir="t"/>
+  </dgm:scene3d>
+  <dgm:styleLbl name="node0">
+    <dgm:scene3d>
+      <a:camera prst="orthographicFront"/>
+      <a:lightRig rig="threePt" dir="t"/>
+    </dgm:scene3d>
+    <dgm:sp3d/>
+    <dgm:txPr/>
+    <dgm:style>
+      <a:lnRef idx="2">
+        <a:scrgbClr r="0" g="0" b="0"/>
+      </a:lnRef>
+      <a:fillRef idx="1">
+        <a:scrgbClr r="0" g="0" b="0"/>
+      </a:fillRef>
+      <a:effectRef idx="0">
+        <a:scrgbClr r="0" g="0" b="0"/>
+      </a:effectRef>
+      <a:fontRef idx="minor">
+        <a:schemeClr val="lt1"/>
+      </a:fontRef>
+    </dgm:style>
+  </dgm:styleLbl>
+  <dgm:styleLbl name="lnNode1">
+    <dgm:scene3d>
+      <a:camera prst="orthographicFront"/>
+      <a:lightRig rig="threePt" dir="t"/>
+    </dgm:scene3d>
+    <dgm:sp3d/>
+    <dgm:txPr/>
+    <dgm:style>
+      <a:lnRef idx="2">
+        <a:scrgbClr r="0" g="0" b="0"/>
+      </a:lnRef>
+      <a:fillRef idx="1">
+        <a:scrgbClr r="0" g="0" b="0"/>
+      </a:fillRef>
+      <a:effectRef idx="0">
+        <a:scrgbClr r="0" g="0" b="0"/>
+      </a:effectRef>
+      <a:fontRef idx="minor">
+        <a:schemeClr val="lt1"/>
+      </a:fontRef>
+    </dgm:style>
+  </dgm:styleLbl>
+  <dgm:styleLbl name="vennNode1">
+    <dgm:scene3d>
+      <a:camera prst="orthographicFront"/>
+      <a:lightRig rig="threePt" dir="t"/>
+    </dgm:scene3d>
+    <dgm:sp3d/>
+    <dgm:txPr/>
+    <dgm:style>
+      <a:lnRef idx="2">
+        <a:scrgbClr r="0" g="0" b="0"/>
+      </a:lnRef>
+      <a:fillRef idx="1">
+        <a:scrgbClr r="0" g="0" b="0"/>
+      </a:fillRef>
+      <a:effectRef idx="0">
+        <a:scrgbClr r="0" g="0" b="0"/>
+      </a:effectRef>
+      <a:fontRef idx="minor">
+        <a:schemeClr val="tx1"/>
+      </a:fontRef>
+    </dgm:style>
+  </dgm:styleLbl>
+  <dgm:styleLbl name="alignNode1">
+    <dgm:scene3d>
+      <a:camera prst="orthographicFront"/>
+      <a:lightRig rig="threePt" dir="t"/>
+    </dgm:scene3d>
+    <dgm:sp3d/>
+    <dgm:txPr/>
+    <dgm:style>
+      <a:lnRef idx="2">
+        <a:scrgbClr r="0" g="0" b="0"/>
+      </a:lnRef>
+      <a:fillRef idx="1">
+        <a:scrgbClr r="0" g="0" b="0"/>
+      </a:fillRef>
+      <a:effectRef idx="0">
+        <a:scrgbClr r="0" g="0" b="0"/>
+      </a:effectRef>
+      <a:fontRef idx="minor">
+        <a:schemeClr val="lt1"/>
+      </a:fontRef>
+    </dgm:style>
+  </dgm:styleLbl>
+  <dgm:styleLbl name="node1">
+    <dgm:scene3d>
+      <a:camera prst="orthographicFront"/>
+      <a:lightRig rig="threePt" dir="t"/>
+    </dgm:scene3d>
+    <dgm:sp3d/>
+    <dgm:txPr/>
+    <dgm:style>
+      <a:lnRef idx="2">
+        <a:scrgbClr r="0" g="0" b="0"/>
+      </a:lnRef>
+      <a:fillRef idx="1">
+        <a:scrgbClr r="0" g="0" b="0"/>
+      </a:fillRef>
+      <a:effectRef idx="0">
+        <a:scrgbClr r="0" g="0" b="0"/>
+      </a:effectRef>
+      <a:fontRef idx="minor">
+        <a:schemeClr val="lt1"/>
+      </a:fontRef>
+    </dgm:style>
+  </dgm:styleLbl>
+  <dgm:styleLbl name="node2">
+    <dgm:scene3d>
+      <a:camera prst="orthographicFront"/>
+      <a:lightRig rig="threePt" dir="t"/>
+    </dgm:scene3d>
+    <dgm:sp3d/>
+    <dgm:txPr/>
+    <dgm:style>
+      <a:lnRef idx="2">
+        <a:scrgbClr r="0" g="0" b="0"/>
+      </a:lnRef>
+      <a:fillRef idx="1">
+        <a:scrgbClr r="0" g="0" b="0"/>
+      </a:fillRef>
+      <a:effectRef idx="0">
+        <a:scrgbClr r="0" g="0" b="0"/>
+      </a:effectRef>
+      <a:fontRef idx="minor">
+        <a:schemeClr val="lt1"/>
+      </a:fontRef>
+    </dgm:style>
+  </dgm:styleLbl>
+  <dgm:styleLbl name="node3">
+    <dgm:scene3d>
+      <a:camera prst="orthographicFront"/>
+      <a:lightRig rig="threePt" dir="t"/>
+    </dgm:scene3d>
+    <dgm:sp3d/>
+    <dgm:txPr/>
+    <dgm:style>
+      <a:lnRef idx="2">
+        <a:scrgbClr r="0" g="0" b="0"/>
+      </a:lnRef>
+      <a:fillRef idx="1">
+        <a:scrgbClr r="0" g="0" b="0"/>
+      </a:fillRef>
+      <a:effectRef idx="0">
+        <a:scrgbClr r="0" g="0" b="0"/>
+      </a:effectRef>
+      <a:fontRef idx="minor">
+        <a:schemeClr val="lt1"/>
+      </a:fontRef>
+    </dgm:style>
+  </dgm:styleLbl>
+  <dgm:styleLbl name="node4">
+    <dgm:scene3d>
+      <a:camera prst="orthographicFront"/>
+      <a:lightRig rig="threePt" dir="t"/>
+    </dgm:scene3d>
+    <dgm:sp3d/>
+    <dgm:txPr/>
+    <dgm:style>
+      <a:lnRef idx="2">
+        <a:scrgbClr r="0" g="0" b="0"/>
+      </a:lnRef>
+      <a:fillRef idx="1">
+        <a:scrgbClr r="0" g="0" b="0"/>
+      </a:fillRef>
+      <a:effectRef idx="0">
+        <a:scrgbClr r="0" g="0" b="0"/>
+      </a:effectRef>
+      <a:fontRef idx="minor">
+        <a:schemeClr val="lt1"/>
+      </a:fontRef>
+    </dgm:style>
+  </dgm:styleLbl>
+  <dgm:styleLbl name="fgImgPlace1">
+    <dgm:scene3d>
+      <a:camera prst="orthographicFront"/>
+      <a:lightRig rig="threePt" dir="t"/>
+    </dgm:scene3d>
+    <dgm:sp3d/>
+    <dgm:txPr/>
+    <dgm:style>
+      <a:lnRef idx="2">
+        <a:scrgbClr r="0" g="0" b="0"/>
+      </a:lnRef>
+      <a:fillRef idx="1">
+        <a:scrgbClr r="0" g="0" b="0"/>
+      </a:fillRef>
+      <a:effectRef idx="0">
+        <a:scrgbClr r="0" g="0" b="0"/>
+      </a:effectRef>
+      <a:fontRef idx="minor"/>
+    </dgm:style>
+  </dgm:styleLbl>
+  <dgm:styleLbl name="alignImgPlace1">
+    <dgm:scene3d>
+      <a:camera prst="orthographicFront"/>
+      <a:lightRig rig="threePt" dir="t"/>
+    </dgm:scene3d>
+    <dgm:sp3d/>
+    <dgm:txPr/>
+    <dgm:style>
+      <a:lnRef idx="2">
+        <a:scrgbClr r="0" g="0" b="0"/>
+      </a:lnRef>
+      <a:fillRef idx="1">
+        <a:scrgbClr r="0" g="0" b="0"/>
+      </a:fillRef>
+      <a:effectRef idx="0">
+        <a:scrgbClr r="0" g="0" b="0"/>
+      </a:effectRef>
+      <a:fontRef idx="minor"/>
+    </dgm:style>
+  </dgm:styleLbl>
+  <dgm:styleLbl name="bgImgPlace1">
+    <dgm:scene3d>
+      <a:camera prst="orthographicFront"/>
+      <a:lightRig rig="threePt" dir="t"/>
+    </dgm:scene3d>
+    <dgm:sp3d/>
+    <dgm:txPr/>
+    <dgm:style>
+      <a:lnRef idx="2">
+        <a:scrgbClr r="0" g="0" b="0"/>
+      </a:lnRef>
+      <a:fillRef idx="1">
+        <a:scrgbClr r="0" g="0" b="0"/>
+      </a:fillRef>
+      <a:effectRef idx="0">
+        <a:scrgbClr r="0" g="0" b="0"/>
+      </a:effectRef>
+      <a:fontRef idx="minor"/>
+    </dgm:style>
+  </dgm:styleLbl>
+  <dgm:styleLbl name="sibTrans2D1">
+    <dgm:scene3d>
+      <a:camera prst="orthographicFront"/>
+      <a:lightRig rig="threePt" dir="t"/>
+    </dgm:scene3d>
+    <dgm:sp3d/>
+    <dgm:txPr/>
+    <dgm:style>
+      <a:lnRef idx="0">
+        <a:scrgbClr r="0" g="0" b="0"/>
+      </a:lnRef>
+      <a:fillRef idx="1">
+        <a:scrgbClr r="0" g="0" b="0"/>
+      </a:fillRef>
+      <a:effectRef idx="0">
+        <a:scrgbClr r="0" g="0" b="0"/>
+      </a:effectRef>
+      <a:fontRef idx="minor">
+        <a:schemeClr val="lt1"/>
+      </a:fontRef>
+    </dgm:style>
+  </dgm:styleLbl>
+  <dgm:styleLbl name="fgSibTrans2D1">
+    <dgm:scene3d>
+      <a:camera prst="orthographicFront"/>
+      <a:lightRig rig="threePt" dir="t"/>
+    </dgm:scene3d>
+    <dgm:sp3d/>
+    <dgm:txPr/>
+    <dgm:style>
+      <a:lnRef idx="0">
+        <a:scrgbClr r="0" g="0" b="0"/>
+      </a:lnRef>
+      <a:fillRef idx="1">
+        <a:scrgbClr r="0" g="0" b="0"/>
+      </a:fillRef>
+      <a:effectRef idx="0">
+        <a:scrgbClr r="0" g="0" b="0"/>
+      </a:effectRef>
+      <a:fontRef idx="minor">
+        <a:schemeClr val="lt1"/>
+      </a:fontRef>
+    </dgm:style>
+  </dgm:styleLbl>
+  <dgm:styleLbl name="bgSibTrans2D1">
+    <dgm:scene3d>
+      <a:camera prst="orthographicFront"/>
+      <a:lightRig rig="threePt" dir="t"/>
+    </dgm:scene3d>
+    <dgm:sp3d/>
+    <dgm:txPr/>
+    <dgm:style>
+      <a:lnRef idx="0">
+        <a:scrgbClr r="0" g="0" b="0"/>
+      </a:lnRef>
+      <a:fillRef idx="1">
+        <a:scrgbClr r="0" g="0" b="0"/>
+      </a:fillRef>
+      <a:effectRef idx="0">
+        <a:scrgbClr r="0" g="0" b="0"/>
+      </a:effectRef>
+      <a:fontRef idx="minor">
+        <a:schemeClr val="lt1"/>
+      </a:fontRef>
+    </dgm:style>
+  </dgm:styleLbl>
+  <dgm:styleLbl name="sibTrans1D1">
+    <dgm:scene3d>
+      <a:camera prst="orthographicFront"/>
+      <a:lightRig rig="threePt" dir="t"/>
+    </dgm:scene3d>
+    <dgm:sp3d/>
+    <dgm:txPr/>
+    <dgm:style>
+      <a:lnRef idx="1">
+        <a:scrgbClr r="0" g="0" b="0"/>
+      </a:lnRef>
+      <a:fillRef idx="0">
+        <a:scrgbClr r="0" g="0" b="0"/>
+      </a:fillRef>
+      <a:effectRef idx="0">
+        <a:scrgbClr r="0" g="0" b="0"/>
+      </a:effectRef>
+      <a:fontRef idx="minor"/>
+    </dgm:style>
+  </dgm:styleLbl>
+  <dgm:styleLbl name="callout">
+    <dgm:scene3d>
+      <a:camera prst="orthographicFront"/>
+      <a:lightRig rig="threePt" dir="t"/>
+    </dgm:scene3d>
+    <dgm:sp3d/>
+    <dgm:txPr/>
+    <dgm:style>
+      <a:lnRef idx="2">
+        <a:scrgbClr r="0" g="0" b="0"/>
+      </a:lnRef>
+      <a:fillRef idx="1">
+        <a:scrgbClr r="0" g="0" b="0"/>
+      </a:fillRef>
+      <a:effectRef idx="0">
+        <a:scrgbClr r="0" g="0" b="0"/>
+      </a:effectRef>
+      <a:fontRef idx="minor"/>
+    </dgm:style>
+  </dgm:styleLbl>
+  <dgm:styleLbl name="asst0">
+    <dgm:scene3d>
+      <a:camera prst="orthographicFront"/>
+      <a:lightRig rig="threePt" dir="t"/>
+    </dgm:scene3d>
+    <dgm:sp3d/>
+    <dgm:txPr/>
+    <dgm:style>
+      <a:lnRef idx="2">
+        <a:scrgbClr r="0" g="0" b="0"/>
+      </a:lnRef>
+      <a:fillRef idx="1">
+        <a:scrgbClr r="0" g="0" b="0"/>
+      </a:fillRef>
+      <a:effectRef idx="0">
+        <a:scrgbClr r="0" g="0" b="0"/>
+      </a:effectRef>
+      <a:fontRef idx="minor">
+        <a:schemeClr val="lt1"/>
+      </a:fontRef>
+    </dgm:style>
+  </dgm:styleLbl>
+  <dgm:styleLbl name="asst1">
+    <dgm:scene3d>
+      <a:camera prst="orthographicFront"/>
+      <a:lightRig rig="threePt" dir="t"/>
+    </dgm:scene3d>
+    <dgm:sp3d/>
+    <dgm:txPr/>
+    <dgm:style>
+      <a:lnRef idx="2">
+        <a:scrgbClr r="0" g="0" b="0"/>
+      </a:lnRef>
+      <a:fillRef idx="1">
+        <a:scrgbClr r="0" g="0" b="0"/>
+      </a:fillRef>
+      <a:effectRef idx="0">
+        <a:scrgbClr r="0" g="0" b="0"/>
+      </a:effectRef>
+      <a:fontRef idx="minor">
+        <a:schemeClr val="lt1"/>
+      </a:fontRef>
+    </dgm:style>
+  </dgm:styleLbl>
+  <dgm:styleLbl name="asst2">
+    <dgm:scene3d>
+      <a:camera prst="orthographicFront"/>
+      <a:lightRig rig="threePt" dir="t"/>
+    </dgm:scene3d>
+    <dgm:sp3d/>
+    <dgm:txPr/>
+    <dgm:style>
+      <a:lnRef idx="2">
+        <a:scrgbClr r="0" g="0" b="0"/>
+      </a:lnRef>
+      <a:fillRef idx="1">
+        <a:scrgbClr r="0" g="0" b="0"/>
+      </a:fillRef>
+      <a:effectRef idx="0">
+        <a:scrgbClr r="0" g="0" b="0"/>
+      </a:effectRef>
+      <a:fontRef idx="minor">
+        <a:schemeClr val="lt1"/>
+      </a:fontRef>
+    </dgm:style>
+  </dgm:styleLbl>
+  <dgm:styleLbl name="asst3">
+    <dgm:scene3d>
+      <a:camera prst="orthographicFront"/>
+      <a:lightRig rig="threePt" dir="t"/>
+    </dgm:scene3d>
+    <dgm:sp3d/>
+    <dgm:txPr/>
+    <dgm:style>
+      <a:lnRef idx="2">
+        <a:scrgbClr r="0" g="0" b="0"/>
+      </a:lnRef>
+      <a:fillRef idx="1">
+        <a:scrgbClr r="0" g="0" b="0"/>
+      </a:fillRef>
+      <a:effectRef idx="0">
+        <a:scrgbClr r="0" g="0" b="0"/>
+      </a:effectRef>
+      <a:fontRef idx="minor">
+        <a:schemeClr val="lt1"/>
+      </a:fontRef>
+    </dgm:style>
+  </dgm:styleLbl>
+  <dgm:styleLbl name="asst4">
+    <dgm:scene3d>
+      <a:camera prst="orthographicFront"/>
+      <a:lightRig rig="threePt" dir="t"/>
+    </dgm:scene3d>
+    <dgm:sp3d/>
+    <dgm:txPr/>
+    <dgm:style>
+      <a:lnRef idx="2">
+        <a:scrgbClr r="0" g="0" b="0"/>
+      </a:lnRef>
+      <a:fillRef idx="1">
+        <a:scrgbClr r="0" g="0" b="0"/>
+      </a:fillRef>
+      <a:effectRef idx="0">
+        <a:scrgbClr r="0" g="0" b="0"/>
+      </a:effectRef>
+      <a:fontRef idx="minor">
+        <a:schemeClr val="lt1"/>
+      </a:fontRef>
+    </dgm:style>
+  </dgm:styleLbl>
+  <dgm:styleLbl name="parChTrans2D1">
+    <dgm:scene3d>
+      <a:camera prst="orthographicFront"/>
+      <a:lightRig rig="threePt" dir="t"/>
+    </dgm:scene3d>
+    <dgm:sp3d/>
+    <dgm:txPr/>
+    <dgm:style>
+      <a:lnRef idx="2">
+        <a:scrgbClr r="0" g="0" b="0"/>
+      </a:lnRef>
+      <a:fillRef idx="1">
+        <a:scrgbClr r="0" g="0" b="0"/>
+      </a:fillRef>
+      <a:effectRef idx="0">
+        <a:scrgbClr r="0" g="0" b="0"/>
+      </a:effectRef>
+      <a:fontRef idx="minor">
+        <a:schemeClr val="lt1"/>
+      </a:fontRef>
+    </dgm:style>
+  </dgm:styleLbl>
+  <dgm:styleLbl name="parChTrans2D2">
+    <dgm:scene3d>
+      <a:camera prst="orthographicFront"/>
+      <a:lightRig rig="threePt" dir="t"/>
+    </dgm:scene3d>
+    <dgm:sp3d/>
+    <dgm:txPr/>
+    <dgm:style>
+      <a:lnRef idx="2">
+        <a:scrgbClr r="0" g="0" b="0"/>
+      </a:lnRef>
+      <a:fillRef idx="1">
+        <a:scrgbClr r="0" g="0" b="0"/>
+      </a:fillRef>
+      <a:effectRef idx="0">
+        <a:scrgbClr r="0" g="0" b="0"/>
+      </a:effectRef>
+      <a:fontRef idx="minor">
+        <a:schemeClr val="lt1"/>
+      </a:fontRef>
+    </dgm:style>
+  </dgm:styleLbl>
+  <dgm:styleLbl name="parChTrans2D3">
+    <dgm:scene3d>
+      <a:camera prst="orthographicFront"/>
+      <a:lightRig rig="threePt" dir="t"/>
+    </dgm:scene3d>
+    <dgm:sp3d/>
+    <dgm:txPr/>
+    <dgm:style>
+      <a:lnRef idx="2">
+        <a:scrgbClr r="0" g="0" b="0"/>
+      </a:lnRef>
+      <a:fillRef idx="1">
+        <a:scrgbClr r="0" g="0" b="0"/>
+      </a:fillRef>
+      <a:effectRef idx="0">
+        <a:scrgbClr r="0" g="0" b="0"/>
+      </a:effectRef>
+      <a:fontRef idx="minor">
+        <a:schemeClr val="lt1"/>
+      </a:fontRef>
+    </dgm:style>
+  </dgm:styleLbl>
+  <dgm:styleLbl name="parChTrans2D4">
+    <dgm:scene3d>
+      <a:camera prst="orthographicFront"/>
+      <a:lightRig rig="threePt" dir="t"/>
+    </dgm:scene3d>
+    <dgm:sp3d/>
+    <dgm:txPr/>
+    <dgm:style>
+      <a:lnRef idx="2">
+        <a:scrgbClr r="0" g="0" b="0"/>
+      </a:lnRef>
+      <a:fillRef idx="1">
+        <a:scrgbClr r="0" g="0" b="0"/>
+      </a:fillRef>
+      <a:effectRef idx="0">
+        <a:scrgbClr r="0" g="0" b="0"/>
+      </a:effectRef>
+      <a:fontRef idx="minor">
+        <a:schemeClr val="lt1"/>
+      </a:fontRef>
+    </dgm:style>
+  </dgm:styleLbl>
+  <dgm:styleLbl name="parChTrans1D1">
+    <dgm:scene3d>
+      <a:camera prst="orthographicFront"/>
+      <a:lightRig rig="threePt" dir="t"/>
+    </dgm:scene3d>
+    <dgm:sp3d/>
+    <dgm:txPr/>
+    <dgm:style>
+      <a:lnRef idx="2">
+        <a:scrgbClr r="0" g="0" b="0"/>
+      </a:lnRef>
+      <a:fillRef idx="0">
+        <a:scrgbClr r="0" g="0" b="0"/>
+      </a:fillRef>
+      <a:effectRef idx="0">
+        <a:scrgbClr r="0" g="0" b="0"/>
+      </a:effectRef>
+      <a:fontRef idx="minor"/>
+    </dgm:style>
+  </dgm:styleLbl>
+  <dgm:styleLbl name="parChTrans1D2">
+    <dgm:scene3d>
+      <a:camera prst="orthographicFront"/>
+      <a:lightRig rig="threePt" dir="t"/>
+    </dgm:scene3d>
+    <dgm:sp3d/>
+    <dgm:txPr/>
+    <dgm:style>
+      <a:lnRef idx="2">
+        <a:scrgbClr r="0" g="0" b="0"/>
+      </a:lnRef>
+      <a:fillRef idx="0">
+        <a:scrgbClr r="0" g="0" b="0"/>
+      </a:fillRef>
+      <a:effectRef idx="0">
+        <a:scrgbClr r="0" g="0" b="0"/>
+      </a:effectRef>
+      <a:fontRef idx="minor"/>
+    </dgm:style>
+  </dgm:styleLbl>
+  <dgm:styleLbl name="parChTrans1D3">
+    <dgm:scene3d>
+      <a:camera prst="orthographicFront"/>
+      <a:lightRig rig="threePt" dir="t"/>
+    </dgm:scene3d>
+    <dgm:sp3d/>
+    <dgm:txPr/>
+    <dgm:style>
+      <a:lnRef idx="2">
+        <a:scrgbClr r="0" g="0" b="0"/>
+      </a:lnRef>
+      <a:fillRef idx="0">
+        <a:scrgbClr r="0" g="0" b="0"/>
+      </a:fillRef>
+      <a:effectRef idx="0">
+        <a:scrgbClr r="0" g="0" b="0"/>
+      </a:effectRef>
+      <a:fontRef idx="minor"/>
+    </dgm:style>
+  </dgm:styleLbl>
+  <dgm:styleLbl name="parChTrans1D4">
+    <dgm:scene3d>
+      <a:camera prst="orthographicFront"/>
+      <a:lightRig rig="threePt" dir="t"/>
+    </dgm:scene3d>
+    <dgm:sp3d/>
+    <dgm:txPr/>
+    <dgm:style>
+      <a:lnRef idx="2">
+        <a:scrgbClr r="0" g="0" b="0"/>
+      </a:lnRef>
+      <a:fillRef idx="0">
+        <a:scrgbClr r="0" g="0" b="0"/>
+      </a:fillRef>
+      <a:effectRef idx="0">
+        <a:scrgbClr r="0" g="0" b="0"/>
+      </a:effectRef>
+      <a:fontRef idx="minor"/>
+    </dgm:style>
+  </dgm:styleLbl>
+  <dgm:styleLbl name="fgAcc1">
+    <dgm:scene3d>
+      <a:camera prst="orthographicFront"/>
+      <a:lightRig rig="threePt" dir="t"/>
+    </dgm:scene3d>
+    <dgm:sp3d/>
+    <dgm:txPr/>
+    <dgm:style>
+      <a:lnRef idx="2">
+        <a:scrgbClr r="0" g="0" b="0"/>
+      </a:lnRef>
+      <a:fillRef idx="1">
+        <a:scrgbClr r="0" g="0" b="0"/>
+      </a:fillRef>
+      <a:effectRef idx="0">
+        <a:scrgbClr r="0" g="0" b="0"/>
+      </a:effectRef>
+      <a:fontRef idx="minor"/>
+    </dgm:style>
+  </dgm:styleLbl>
+  <dgm:styleLbl name="conFgAcc1">
+    <dgm:scene3d>
+      <a:camera prst="orthographicFront"/>
+      <a:lightRig rig="threePt" dir="t"/>
+    </dgm:scene3d>
+    <dgm:sp3d/>
+    <dgm:txPr/>
+    <dgm:style>
+      <a:lnRef idx="2">
+        <a:scrgbClr r="0" g="0" b="0"/>
+      </a:lnRef>
+      <a:fillRef idx="1">
+        <a:scrgbClr r="0" g="0" b="0"/>
+      </a:fillRef>
+      <a:effectRef idx="0">
+        <a:scrgbClr r="0" g="0" b="0"/>
+      </a:effectRef>
+      <a:fontRef idx="minor"/>
+    </dgm:style>
+  </dgm:styleLbl>
+  <dgm:styleLbl name="alignAcc1">
+    <dgm:scene3d>
+      <a:camera prst="orthographicFront"/>
+      <a:lightRig rig="threePt" dir="t"/>
+    </dgm:scene3d>
+    <dgm:sp3d/>
+    <dgm:txPr/>
+    <dgm:style>
+      <a:lnRef idx="2">
+        <a:scrgbClr r="0" g="0" b="0"/>
+      </a:lnRef>
+      <a:fillRef idx="1">
+        <a:scrgbClr r="0" g="0" b="0"/>
+      </a:fillRef>
+      <a:effectRef idx="0">
+        <a:scrgbClr r="0" g="0" b="0"/>
+      </a:effectRef>
+      <a:fontRef idx="minor"/>
+    </dgm:style>
+  </dgm:styleLbl>
+  <dgm:styleLbl name="trAlignAcc1">
+    <dgm:scene3d>
+      <a:camera prst="orthographicFront"/>
+      <a:lightRig rig="threePt" dir="t"/>
+    </dgm:scene3d>
+    <dgm:sp3d/>
+    <dgm:txPr/>
+    <dgm:style>
+      <a:lnRef idx="1">
+        <a:scrgbClr r="0" g="0" b="0"/>
+      </a:lnRef>
+      <a:fillRef idx="1">
+        <a:scrgbClr r="0" g="0" b="0"/>
+      </a:fillRef>
+      <a:effectRef idx="0">
+        <a:scrgbClr r="0" g="0" b="0"/>
+      </a:effectRef>
+      <a:fontRef idx="minor"/>
+    </dgm:style>
+  </dgm:styleLbl>
+  <dgm:styleLbl name="bgAcc1">
+    <dgm:scene3d>
+      <a:camera prst="orthographicFront"/>
+      <a:lightRig rig="threePt" dir="t"/>
+    </dgm:scene3d>
+    <dgm:sp3d/>
+    <dgm:txPr/>
+    <dgm:style>
+      <a:lnRef idx="2">
+        <a:scrgbClr r="0" g="0" b="0"/>
+      </a:lnRef>
+      <a:fillRef idx="1">
+        <a:scrgbClr r="0" g="0" b="0"/>
+      </a:fillRef>
+      <a:effectRef idx="0">
+        <a:scrgbClr r="0" g="0" b="0"/>
+      </a:effectRef>
+      <a:fontRef idx="minor"/>
+    </dgm:style>
+  </dgm:styleLbl>
+  <dgm:styleLbl name="solidFgAcc1">
+    <dgm:scene3d>
+      <a:camera prst="orthographicFront"/>
+      <a:lightRig rig="threePt" dir="t"/>
+    </dgm:scene3d>
+    <dgm:sp3d/>
+    <dgm:txPr/>
+    <dgm:style>
+      <a:lnRef idx="2">
+        <a:scrgbClr r="0" g="0" b="0"/>
+      </a:lnRef>
+      <a:fillRef idx="1">
+        <a:scrgbClr r="0" g="0" b="0"/>
+      </a:fillRef>
+      <a:effectRef idx="0">
+        <a:scrgbClr r="0" g="0" b="0"/>
+      </a:effectRef>
+      <a:fontRef idx="minor"/>
+    </dgm:style>
+  </dgm:styleLbl>
+  <dgm:styleLbl name="solidAlignAcc1">
+    <dgm:scene3d>
+      <a:camera prst="orthographicFront"/>
+      <a:lightRig rig="threePt" dir="t"/>
+    </dgm:scene3d>
+    <dgm:sp3d/>
+    <dgm:txPr/>
+    <dgm:style>
+      <a:lnRef idx="2">
+        <a:scrgbClr r="0" g="0" b="0"/>
+      </a:lnRef>
+      <a:fillRef idx="1">
+        <a:scrgbClr r="0" g="0" b="0"/>
+      </a:fillRef>
+      <a:effectRef idx="0">
+        <a:scrgbClr r="0" g="0" b="0"/>
+      </a:effectRef>
+      <a:fontRef idx="minor"/>
+    </dgm:style>
+  </dgm:styleLbl>
+  <dgm:styleLbl name="solidBgAcc1">
+    <dgm:scene3d>
+      <a:camera prst="orthographicFront"/>
+      <a:lightRig rig="threePt" dir="t"/>
+    </dgm:scene3d>
+    <dgm:sp3d/>
+    <dgm:txPr/>
+    <dgm:style>
+      <a:lnRef idx="2">
+        <a:scrgbClr r="0" g="0" b="0"/>
+      </a:lnRef>
+      <a:fillRef idx="1">
+        <a:scrgbClr r="0" g="0" b="0"/>
+      </a:fillRef>
+      <a:effectRef idx="0">
+        <a:scrgbClr r="0" g="0" b="0"/>
+      </a:effectRef>
+      <a:fontRef idx="minor"/>
+    </dgm:style>
+  </dgm:styleLbl>
+  <dgm:styleLbl name="fgAccFollowNode1">
+    <dgm:scene3d>
+      <a:camera prst="orthographicFront"/>
+      <a:lightRig rig="threePt" dir="t"/>
+    </dgm:scene3d>
+    <dgm:sp3d/>
+    <dgm:txPr/>
+    <dgm:style>
+      <a:lnRef idx="2">
+        <a:scrgbClr r="0" g="0" b="0"/>
+      </a:lnRef>
+      <a:fillRef idx="1">
+        <a:scrgbClr r="0" g="0" b="0"/>
+      </a:fillRef>
+      <a:effectRef idx="0">
+        <a:scrgbClr r="0" g="0" b="0"/>
+      </a:effectRef>
+      <a:fontRef idx="minor"/>
+    </dgm:style>
+  </dgm:styleLbl>
+  <dgm:styleLbl name="alignAccFollowNode1">
+    <dgm:scene3d>
+      <a:camera prst="orthographicFront"/>
+      <a:lightRig rig="threePt" dir="t"/>
+    </dgm:scene3d>
+    <dgm:sp3d/>
+    <dgm:txPr/>
+    <dgm:style>
+      <a:lnRef idx="2">
+        <a:scrgbClr r="0" g="0" b="0"/>
+      </a:lnRef>
+      <a:fillRef idx="1">
+        <a:scrgbClr r="0" g="0" b="0"/>
+      </a:fillRef>
+      <a:effectRef idx="0">
+        <a:scrgbClr r="0" g="0" b="0"/>
+      </a:effectRef>
+      <a:fontRef idx="minor"/>
+    </dgm:style>
+  </dgm:styleLbl>
+  <dgm:styleLbl name="bgAccFollowNode1">
+    <dgm:scene3d>
+      <a:camera prst="orthographicFront"/>
+      <a:lightRig rig="threePt" dir="t"/>
+    </dgm:scene3d>
+    <dgm:sp3d/>
+    <dgm:txPr/>
+    <dgm:style>
+      <a:lnRef idx="2">
+        <a:scrgbClr r="0" g="0" b="0"/>
+      </a:lnRef>
+      <a:fillRef idx="1">
+        <a:scrgbClr r="0" g="0" b="0"/>
+      </a:fillRef>
+      <a:effectRef idx="0">
+        <a:scrgbClr r="0" g="0" b="0"/>
+      </a:effectRef>
+      <a:fontRef idx="minor"/>
+    </dgm:style>
+  </dgm:styleLbl>
+  <dgm:styleLbl name="fgAcc0">
+    <dgm:scene3d>
+      <a:camera prst="orthographicFront"/>
+      <a:lightRig rig="threePt" dir="t"/>
+    </dgm:scene3d>
+    <dgm:sp3d/>
+    <dgm:txPr/>
+    <dgm:style>
+      <a:lnRef idx="2">
+        <a:scrgbClr r="0" g="0" b="0"/>
+      </a:lnRef>
+      <a:fillRef idx="1">
+        <a:scrgbClr r="0" g="0" b="0"/>
+      </a:fillRef>
+      <a:effectRef idx="0">
+        <a:scrgbClr r="0" g="0" b="0"/>
+      </a:effectRef>
+      <a:fontRef idx="minor"/>
+    </dgm:style>
+  </dgm:styleLbl>
+  <dgm:styleLbl name="fgAcc2">
+    <dgm:scene3d>
+      <a:camera prst="orthographicFront"/>
+      <a:lightRig rig="threePt" dir="t"/>
+    </dgm:scene3d>
+    <dgm:sp3d/>
+    <dgm:txPr/>
+    <dgm:style>
+      <a:lnRef idx="2">
+        <a:scrgbClr r="0" g="0" b="0"/>
+      </a:lnRef>
+      <a:fillRef idx="1">
+        <a:scrgbClr r="0" g="0" b="0"/>
+      </a:fillRef>
+      <a:effectRef idx="0">
+        <a:scrgbClr r="0" g="0" b="0"/>
+      </a:effectRef>
+      <a:fontRef idx="minor"/>
+    </dgm:style>
+  </dgm:styleLbl>
+  <dgm:styleLbl name="fgAcc3">
+    <dgm:scene3d>
+      <a:camera prst="orthographicFront"/>
+      <a:lightRig rig="threePt" dir="t"/>
+    </dgm:scene3d>
+    <dgm:sp3d/>
+    <dgm:txPr/>
+    <dgm:style>
+      <a:lnRef idx="2">
+        <a:scrgbClr r="0" g="0" b="0"/>
+      </a:lnRef>
+      <a:fillRef idx="1">
+        <a:scrgbClr r="0" g="0" b="0"/>
+      </a:fillRef>
+      <a:effectRef idx="0">
+        <a:scrgbClr r="0" g="0" b="0"/>
+      </a:effectRef>
+      <a:fontRef idx="minor"/>
+    </dgm:style>
+  </dgm:styleLbl>
+  <dgm:styleLbl name="fgAcc4">
+    <dgm:scene3d>
+      <a:camera prst="orthographicFront"/>
+      <a:lightRig rig="threePt" dir="t"/>
+    </dgm:scene3d>
+    <dgm:sp3d/>
+    <dgm:txPr/>
+    <dgm:style>
+      <a:lnRef idx="2">
+        <a:scrgbClr r="0" g="0" b="0"/>
+      </a:lnRef>
+      <a:fillRef idx="1">
+        <a:scrgbClr r="0" g="0" b="0"/>
+      </a:fillRef>
+      <a:effectRef idx="0">
+        <a:scrgbClr r="0" g="0" b="0"/>
+      </a:effectRef>
+      <a:fontRef idx="minor"/>
+    </dgm:style>
+  </dgm:styleLbl>
+  <dgm:styleLbl name="bgShp">
+    <dgm:scene3d>
+      <a:camera prst="orthographicFront"/>
+      <a:lightRig rig="threePt" dir="t"/>
+    </dgm:scene3d>
+    <dgm:sp3d/>
+    <dgm:txPr/>
+    <dgm:style>
+      <a:lnRef idx="0">
+        <a:scrgbClr r="0" g="0" b="0"/>
+      </a:lnRef>
+      <a:fillRef idx="1">
+        <a:scrgbClr r="0" g="0" b="0"/>
+      </a:fillRef>
+      <a:effectRef idx="0">
+        <a:scrgbClr r="0" g="0" b="0"/>
+      </a:effectRef>
+      <a:fontRef idx="minor"/>
+    </dgm:style>
+  </dgm:styleLbl>
+  <dgm:styleLbl name="dkBgShp">
+    <dgm:scene3d>
+      <a:camera prst="orthographicFront"/>
+      <a:lightRig rig="threePt" dir="t"/>
+    </dgm:scene3d>
+    <dgm:sp3d/>
+    <dgm:txPr/>
+    <dgm:style>
+      <a:lnRef idx="0">
+        <a:scrgbClr r="0" g="0" b="0"/>
+      </a:lnRef>
+      <a:fillRef idx="1">
+        <a:scrgbClr r="0" g="0" b="0"/>
+      </a:fillRef>
+      <a:effectRef idx="0">
+        <a:scrgbClr r="0" g="0" b="0"/>
+      </a:effectRef>
+      <a:fontRef idx="minor"/>
+    </dgm:style>
+  </dgm:styleLbl>
+  <dgm:styleLbl name="trBgShp">
+    <dgm:scene3d>
+      <a:camera prst="orthographicFront"/>
+      <a:lightRig rig="threePt" dir="t"/>
+    </dgm:scene3d>
+    <dgm:sp3d/>
+    <dgm:txPr/>
+    <dgm:style>
+      <a:lnRef idx="0">
+        <a:scrgbClr r="0" g="0" b="0"/>
+      </a:lnRef>
+      <a:fillRef idx="1">
+        <a:scrgbClr r="0" g="0" b="0"/>
+      </a:fillRef>
+      <a:effectRef idx="0">
+        <a:scrgbClr r="0" g="0" b="0"/>
+      </a:effectRef>
+      <a:fontRef idx="minor"/>
+    </dgm:style>
+  </dgm:styleLbl>
+  <dgm:styleLbl name="fgShp">
+    <dgm:scene3d>
+      <a:camera prst="orthographicFront"/>
+      <a:lightRig rig="threePt" dir="t"/>
+    </dgm:scene3d>
+    <dgm:sp3d/>
+    <dgm:txPr/>
+    <dgm:style>
+      <a:lnRef idx="2">
+        <a:scrgbClr r="0" g="0" b="0"/>
+      </a:lnRef>
+      <a:fillRef idx="1">
+        <a:scrgbClr r="0" g="0" b="0"/>
+      </a:fillRef>
+      <a:effectRef idx="0">
         <a:scrgbClr r="0" g="0" b="0"/>
       </a:effectRef>
       <a:fontRef idx="minor"/>
@@ -3568,7 +7141,7 @@
           <a:p>
             <a:fld id="{09B12E40-0808-42D7-B0B9-F6FC505832A3}" type="datetimeFigureOut">
               <a:rPr lang="en-US" smtClean="0"/>
-              <a:t>1/29/2020</a:t>
+              <a:t>1/31/2020</a:t>
             </a:fld>
             <a:endParaRPr lang="en-US"/>
           </a:p>
@@ -3963,6 +7536,140 @@
 </p:notes>
 </file>
 
+<file path=ppt/notesSlides/notesSlide10.xml><?xml version="1.0" encoding="utf-8"?>
+<p:notes xmlns:a="http://schemas.openxmlformats.org/drawingml/2006/main" xmlns:r="http://schemas.openxmlformats.org/officeDocument/2006/relationships" xmlns:p="http://schemas.openxmlformats.org/presentationml/2006/main">
+  <p:cSld>
+    <p:spTree>
+      <p:nvGrpSpPr>
+        <p:cNvPr id="1" name=""/>
+        <p:cNvGrpSpPr/>
+        <p:nvPr/>
+      </p:nvGrpSpPr>
+      <p:grpSpPr>
+        <a:xfrm>
+          <a:off x="0" y="0"/>
+          <a:ext cx="0" cy="0"/>
+          <a:chOff x="0" y="0"/>
+          <a:chExt cx="0" cy="0"/>
+        </a:xfrm>
+      </p:grpSpPr>
+      <p:sp>
+        <p:nvSpPr>
+          <p:cNvPr id="2" name="Slide Image Placeholder 1"/>
+          <p:cNvSpPr>
+            <a:spLocks noGrp="1" noRot="1" noChangeAspect="1"/>
+          </p:cNvSpPr>
+          <p:nvPr>
+            <p:ph type="sldImg"/>
+          </p:nvPr>
+        </p:nvSpPr>
+        <p:spPr/>
+      </p:sp>
+      <p:sp>
+        <p:nvSpPr>
+          <p:cNvPr id="3" name="Notes Placeholder 2"/>
+          <p:cNvSpPr>
+            <a:spLocks noGrp="1"/>
+          </p:cNvSpPr>
+          <p:nvPr>
+            <p:ph type="body" idx="1"/>
+          </p:nvPr>
+        </p:nvSpPr>
+        <p:spPr/>
+        <p:txBody>
+          <a:bodyPr/>
+          <a:lstStyle/>
+          <a:p>
+            <a:r>
+              <a:rPr lang="en-US" i="1" dirty="0"/>
+              <a:t>*Discuss any difficulties that arose, and how you dealt with them</a:t>
+            </a:r>
+          </a:p>
+          <a:p>
+            <a:r>
+              <a:rPr lang="en-US" i="1" dirty="0"/>
+              <a:t>-We struggled finding a good data source that was both free and had a good range of data to manage. On the 2</a:t>
+            </a:r>
+            <a:r>
+              <a:rPr lang="en-US" i="1" baseline="30000" dirty="0"/>
+              <a:t>nd</a:t>
+            </a:r>
+            <a:r>
+              <a:rPr lang="en-US" i="1" dirty="0"/>
+              <a:t> day we had to change our project from beer to wine. </a:t>
+            </a:r>
+          </a:p>
+          <a:p>
+            <a:r>
+              <a:rPr lang="en-US" i="1" dirty="0"/>
+              <a:t>-Git branch was difficult for quite a few of us. </a:t>
+            </a:r>
+          </a:p>
+          <a:p>
+            <a:r>
+              <a:rPr lang="en-US" i="1" dirty="0"/>
+              <a:t>-Personal group wise difficulties…distribution of the project. So broad we didn’t know how to tackle it. </a:t>
+            </a:r>
+          </a:p>
+          <a:p>
+            <a:r>
+              <a:rPr lang="en-US" i="1" dirty="0"/>
+              <a:t>*Discuss any additional questions that came up, but which you didn't have time to answer: What would you research next, if you had two more weeks?</a:t>
+            </a:r>
+          </a:p>
+          <a:p>
+            <a:r>
+              <a:rPr lang="en-US" i="1" dirty="0"/>
+              <a:t>-We did think about doing a heat map of wineries in case if any enthusiasts ever wanted to go on a winery tour. However our data did not include coordinates so to actually get them all in a map it would’ve been a lengthy process we could not go through. </a:t>
+            </a:r>
+          </a:p>
+          <a:p>
+            <a:r>
+              <a:rPr lang="en-US" i="1" dirty="0"/>
+              <a:t>-Maybe grab more datasets. </a:t>
+            </a:r>
+          </a:p>
+          <a:p>
+            <a:endParaRPr lang="en-US" dirty="0"/>
+          </a:p>
+        </p:txBody>
+      </p:sp>
+      <p:sp>
+        <p:nvSpPr>
+          <p:cNvPr id="4" name="Slide Number Placeholder 3"/>
+          <p:cNvSpPr>
+            <a:spLocks noGrp="1"/>
+          </p:cNvSpPr>
+          <p:nvPr>
+            <p:ph type="sldNum" sz="quarter" idx="5"/>
+          </p:nvPr>
+        </p:nvSpPr>
+        <p:spPr/>
+        <p:txBody>
+          <a:bodyPr/>
+          <a:lstStyle/>
+          <a:p>
+            <a:fld id="{BAB621AC-7F6D-4100-88E3-7B288E0B79A4}" type="slidenum">
+              <a:rPr lang="en-US" smtClean="0"/>
+              <a:t>14</a:t>
+            </a:fld>
+            <a:endParaRPr lang="en-US"/>
+          </a:p>
+        </p:txBody>
+      </p:sp>
+    </p:spTree>
+    <p:extLst>
+      <p:ext uri="{BB962C8B-B14F-4D97-AF65-F5344CB8AC3E}">
+        <p14:creationId xmlns:p14="http://schemas.microsoft.com/office/powerpoint/2010/main" val="4082111051"/>
+      </p:ext>
+    </p:extLst>
+  </p:cSld>
+  <p:clrMapOvr>
+    <a:masterClrMapping/>
+  </p:clrMapOvr>
+</p:notes>
+</file>
+
 <file path=ppt/notesSlides/notesSlide2.xml><?xml version="1.0" encoding="utf-8"?>
 <p:notes xmlns:a="http://schemas.openxmlformats.org/drawingml/2006/main" xmlns:r="http://schemas.openxmlformats.org/officeDocument/2006/relationships" xmlns:p="http://schemas.openxmlformats.org/presentationml/2006/main">
   <p:cSld>
@@ -4587,6 +8294,64 @@
           <a:bodyPr/>
           <a:lstStyle/>
           <a:p>
+            <a:r>
+              <a:rPr lang="en-US" sz="1200" dirty="0"/>
+              <a:t>Original data had to be manipulated to be able to upload “starter” to GitHub.</a:t>
+            </a:r>
+          </a:p>
+          <a:p>
+            <a:r>
+              <a:rPr lang="en-US" sz="1200" dirty="0"/>
+              <a:t>Description and Designation columns dropped from the original 130k csv to create “dropped_wine_data.csv”</a:t>
+            </a:r>
+          </a:p>
+          <a:p>
+            <a:r>
+              <a:rPr lang="en-US" sz="1200" dirty="0"/>
+              <a:t>Got the counts of rows in each column.</a:t>
+            </a:r>
+          </a:p>
+          <a:p>
+            <a:r>
+              <a:rPr lang="en-US" sz="1200" dirty="0"/>
+              <a:t>Dropped unneeded columns.</a:t>
+            </a:r>
+          </a:p>
+          <a:p>
+            <a:r>
+              <a:rPr lang="en-US" sz="1200" dirty="0"/>
+              <a:t>Dropped any </a:t>
+            </a:r>
+            <a:r>
+              <a:rPr lang="en-US" sz="1200" dirty="0" err="1"/>
+              <a:t>NaN</a:t>
+            </a:r>
+            <a:r>
+              <a:rPr lang="en-US" sz="1200" dirty="0"/>
+              <a:t> records in the data.</a:t>
+            </a:r>
+          </a:p>
+          <a:p>
+            <a:r>
+              <a:rPr lang="en-US" sz="1200" dirty="0"/>
+              <a:t>Extracted ‘year’ from column title then recleaned the data for any new </a:t>
+            </a:r>
+            <a:r>
+              <a:rPr lang="en-US" sz="1200" dirty="0" err="1"/>
+              <a:t>NaN</a:t>
+            </a:r>
+            <a:r>
+              <a:rPr lang="en-US" sz="1200" dirty="0"/>
+              <a:t> values and dropped duplicate values</a:t>
+            </a:r>
+          </a:p>
+          <a:p>
+            <a:r>
+              <a:rPr lang="en-US" sz="1200" dirty="0"/>
+              <a:t>Renamed and deleted unneeded columns before exporting csv to other people working on the data.</a:t>
+            </a:r>
+          </a:p>
+          <a:p>
             <a:endParaRPr lang="en-US" dirty="0"/>
           </a:p>
         </p:txBody>
@@ -4608,7 +8373,7 @@
           <a:p>
             <a:fld id="{BAB621AC-7F6D-4100-88E3-7B288E0B79A4}" type="slidenum">
               <a:rPr lang="en-US" smtClean="0"/>
-              <a:t>10</a:t>
+              <a:t>6</a:t>
             </a:fld>
             <a:endParaRPr lang="en-US"/>
           </a:p>
@@ -4617,7 +8382,7 @@
     </p:spTree>
     <p:extLst>
       <p:ext uri="{BB962C8B-B14F-4D97-AF65-F5344CB8AC3E}">
-        <p14:creationId xmlns:p14="http://schemas.microsoft.com/office/powerpoint/2010/main" val="2490649103"/>
+        <p14:creationId xmlns:p14="http://schemas.microsoft.com/office/powerpoint/2010/main" val="827229101"/>
       </p:ext>
     </p:extLst>
   </p:cSld>
@@ -4671,137 +8436,6 @@
           <a:bodyPr/>
           <a:lstStyle/>
           <a:p>
-            <a:pPr marL="0" marR="0" lvl="0" indent="0" algn="l" defTabSz="914400" rtl="0" eaLnBrk="1" fontAlgn="auto" latinLnBrk="0" hangingPunct="1">
-              <a:lnSpc>
-                <a:spcPct val="100000"/>
-              </a:lnSpc>
-              <a:spcBef>
-                <a:spcPts val="0"/>
-              </a:spcBef>
-              <a:spcAft>
-                <a:spcPts val="0"/>
-              </a:spcAft>
-              <a:buClrTx/>
-              <a:buSzTx/>
-              <a:buFontTx/>
-              <a:buNone/>
-              <a:tabLst/>
-              <a:defRPr/>
-            </a:pPr>
-            <a:r>
-              <a:rPr lang="en-US" i="1" dirty="0"/>
-              <a:t>*Discuss your findings. Did you find what you expected to find? If not, why not? What inferences or general conclusions can you draw from your analysis?</a:t>
-            </a:r>
-          </a:p>
-          <a:p>
-            <a:r>
-              <a:rPr lang="en-US" sz="1200" kern="1200" dirty="0">
-                <a:solidFill>
-                  <a:schemeClr val="tx1"/>
-                </a:solidFill>
-                <a:effectLst/>
-                <a:latin typeface="+mn-lt"/>
-                <a:ea typeface="+mn-ea"/>
-                <a:cs typeface="+mn-cs"/>
-              </a:rPr>
-              <a:t>-what was the country of origin---found it interesting it was mainly in the us</a:t>
-            </a:r>
-          </a:p>
-          <a:p>
-            <a:r>
-              <a:rPr lang="en-US" sz="1200" kern="1200" dirty="0">
-                <a:solidFill>
-                  <a:schemeClr val="tx1"/>
-                </a:solidFill>
-                <a:effectLst/>
-                <a:latin typeface="+mn-lt"/>
-                <a:ea typeface="+mn-ea"/>
-                <a:cs typeface="+mn-cs"/>
-              </a:rPr>
-              <a:t>if there was a certain wine that was reviewed more than another—pinot noir is second chardonnay</a:t>
-            </a:r>
-          </a:p>
-          <a:p>
-            <a:r>
-              <a:rPr lang="en-US" sz="1200" kern="1200" dirty="0">
-                <a:solidFill>
-                  <a:schemeClr val="tx1"/>
-                </a:solidFill>
-                <a:effectLst/>
-                <a:latin typeface="+mn-lt"/>
-                <a:ea typeface="+mn-ea"/>
-                <a:cs typeface="+mn-cs"/>
-              </a:rPr>
-              <a:t>	-</a:t>
-            </a:r>
-            <a:r>
-              <a:rPr lang="en-US" sz="1200" kern="1200" dirty="0" err="1">
-                <a:solidFill>
-                  <a:schemeClr val="tx1"/>
-                </a:solidFill>
-                <a:effectLst/>
-                <a:latin typeface="+mn-lt"/>
-                <a:ea typeface="+mn-ea"/>
-                <a:cs typeface="+mn-cs"/>
-              </a:rPr>
-              <a:t>california</a:t>
-            </a:r>
-            <a:r>
-              <a:rPr lang="en-US" sz="1200" kern="1200" dirty="0">
-                <a:solidFill>
-                  <a:schemeClr val="tx1"/>
-                </a:solidFill>
-                <a:effectLst/>
-                <a:latin typeface="+mn-lt"/>
-                <a:ea typeface="+mn-ea"/>
-                <a:cs typeface="+mn-cs"/>
-              </a:rPr>
-              <a:t> and globally were the same</a:t>
-            </a:r>
-          </a:p>
-          <a:p>
-            <a:r>
-              <a:rPr lang="en-US" sz="1200" kern="1200" dirty="0">
-                <a:solidFill>
-                  <a:schemeClr val="tx1"/>
-                </a:solidFill>
-                <a:effectLst/>
-                <a:latin typeface="+mn-lt"/>
-                <a:ea typeface="+mn-ea"/>
-                <a:cs typeface="+mn-cs"/>
-              </a:rPr>
-              <a:t>California is know for it’s zinfandel (#5)…but it’s not important to the rest of the world</a:t>
-            </a:r>
-          </a:p>
-          <a:p>
-            <a:r>
-              <a:rPr lang="en-US" sz="1200" kern="1200" dirty="0">
-                <a:solidFill>
-                  <a:schemeClr val="tx1"/>
-                </a:solidFill>
-                <a:effectLst/>
-                <a:latin typeface="+mn-lt"/>
-                <a:ea typeface="+mn-ea"/>
-                <a:cs typeface="+mn-cs"/>
-              </a:rPr>
-              <a:t>Variety looking at top 20 wines reviewed vs. </a:t>
-            </a:r>
-          </a:p>
-          <a:p>
-            <a:r>
-              <a:rPr lang="en-US" sz="1200" kern="1200" dirty="0">
-                <a:solidFill>
-                  <a:schemeClr val="tx1"/>
-                </a:solidFill>
-                <a:effectLst/>
-                <a:latin typeface="+mn-lt"/>
-                <a:ea typeface="+mn-ea"/>
-                <a:cs typeface="+mn-cs"/>
-              </a:rPr>
-              <a:t>Most wines fell under $250 per dollar</a:t>
-            </a:r>
-          </a:p>
-          <a:p>
             <a:endParaRPr lang="en-US" dirty="0"/>
           </a:p>
         </p:txBody>
@@ -4823,7 +8457,7 @@
           <a:p>
             <a:fld id="{BAB621AC-7F6D-4100-88E3-7B288E0B79A4}" type="slidenum">
               <a:rPr lang="en-US" smtClean="0"/>
-              <a:t>14</a:t>
+              <a:t>9</a:t>
             </a:fld>
             <a:endParaRPr lang="en-US"/>
           </a:p>
@@ -4832,7 +8466,7 @@
     </p:spTree>
     <p:extLst>
       <p:ext uri="{BB962C8B-B14F-4D97-AF65-F5344CB8AC3E}">
-        <p14:creationId xmlns:p14="http://schemas.microsoft.com/office/powerpoint/2010/main" val="1505219277"/>
+        <p14:creationId xmlns:p14="http://schemas.microsoft.com/office/powerpoint/2010/main" val="326368979"/>
       </p:ext>
     </p:extLst>
   </p:cSld>
@@ -4886,56 +8520,6 @@
           <a:bodyPr/>
           <a:lstStyle/>
           <a:p>
-            <a:r>
-              <a:rPr lang="en-US" i="1" dirty="0"/>
-              <a:t>*Discuss any difficulties that arose, and how you dealt with them</a:t>
-            </a:r>
-          </a:p>
-          <a:p>
-            <a:r>
-              <a:rPr lang="en-US" i="1" dirty="0"/>
-              <a:t>-We struggled finding a good data source that was both free and had a good range of data to manage. On the 2</a:t>
-            </a:r>
-            <a:r>
-              <a:rPr lang="en-US" i="1" baseline="30000" dirty="0"/>
-              <a:t>nd</a:t>
-            </a:r>
-            <a:r>
-              <a:rPr lang="en-US" i="1" dirty="0"/>
-              <a:t> day we had to change our project from beer to wine. </a:t>
-            </a:r>
-          </a:p>
-          <a:p>
-            <a:r>
-              <a:rPr lang="en-US" i="1" dirty="0"/>
-              <a:t>-Git branch was difficult for quite a few of us. </a:t>
-            </a:r>
-          </a:p>
-          <a:p>
-            <a:r>
-              <a:rPr lang="en-US" i="1" dirty="0"/>
-              <a:t>-Personal group wise difficulties…distribution of the project. So broad we didn’t know how to tackle it. </a:t>
-            </a:r>
-          </a:p>
-          <a:p>
-            <a:r>
-              <a:rPr lang="en-US" i="1" dirty="0"/>
-              <a:t>*Discuss any additional questions that came up, but which you didn't have time to answer: What would you research next, if you had two more weeks?</a:t>
-            </a:r>
-          </a:p>
-          <a:p>
-            <a:r>
-              <a:rPr lang="en-US" i="1" dirty="0"/>
-              <a:t>-We did think about doing a heat map of wineries in case if any enthusiasts ever wanted to go on a winery tour. However our data did not include coordinates so to actually get them all in a map it would’ve been a lengthy process we could not go through. </a:t>
-            </a:r>
-          </a:p>
-          <a:p>
-            <a:r>
-              <a:rPr lang="en-US" i="1" dirty="0"/>
-              <a:t>-Maybe grab more datasets. </a:t>
-            </a:r>
-          </a:p>
-          <a:p>
             <a:endParaRPr lang="en-US" dirty="0"/>
           </a:p>
         </p:txBody>
@@ -4957,7 +8541,7 @@
           <a:p>
             <a:fld id="{BAB621AC-7F6D-4100-88E3-7B288E0B79A4}" type="slidenum">
               <a:rPr lang="en-US" smtClean="0"/>
-              <a:t>15</a:t>
+              <a:t>11</a:t>
             </a:fld>
             <a:endParaRPr lang="en-US"/>
           </a:p>
@@ -4966,7 +8550,222 @@
     </p:spTree>
     <p:extLst>
       <p:ext uri="{BB962C8B-B14F-4D97-AF65-F5344CB8AC3E}">
-        <p14:creationId xmlns:p14="http://schemas.microsoft.com/office/powerpoint/2010/main" val="4082111051"/>
+        <p14:creationId xmlns:p14="http://schemas.microsoft.com/office/powerpoint/2010/main" val="2054630840"/>
+      </p:ext>
+    </p:extLst>
+  </p:cSld>
+  <p:clrMapOvr>
+    <a:masterClrMapping/>
+  </p:clrMapOvr>
+</p:notes>
+</file>
+
+<file path=ppt/notesSlides/notesSlide9.xml><?xml version="1.0" encoding="utf-8"?>
+<p:notes xmlns:a="http://schemas.openxmlformats.org/drawingml/2006/main" xmlns:r="http://schemas.openxmlformats.org/officeDocument/2006/relationships" xmlns:p="http://schemas.openxmlformats.org/presentationml/2006/main">
+  <p:cSld>
+    <p:spTree>
+      <p:nvGrpSpPr>
+        <p:cNvPr id="1" name=""/>
+        <p:cNvGrpSpPr/>
+        <p:nvPr/>
+      </p:nvGrpSpPr>
+      <p:grpSpPr>
+        <a:xfrm>
+          <a:off x="0" y="0"/>
+          <a:ext cx="0" cy="0"/>
+          <a:chOff x="0" y="0"/>
+          <a:chExt cx="0" cy="0"/>
+        </a:xfrm>
+      </p:grpSpPr>
+      <p:sp>
+        <p:nvSpPr>
+          <p:cNvPr id="2" name="Slide Image Placeholder 1"/>
+          <p:cNvSpPr>
+            <a:spLocks noGrp="1" noRot="1" noChangeAspect="1"/>
+          </p:cNvSpPr>
+          <p:nvPr>
+            <p:ph type="sldImg"/>
+          </p:nvPr>
+        </p:nvSpPr>
+        <p:spPr/>
+      </p:sp>
+      <p:sp>
+        <p:nvSpPr>
+          <p:cNvPr id="3" name="Notes Placeholder 2"/>
+          <p:cNvSpPr>
+            <a:spLocks noGrp="1"/>
+          </p:cNvSpPr>
+          <p:nvPr>
+            <p:ph type="body" idx="1"/>
+          </p:nvPr>
+        </p:nvSpPr>
+        <p:spPr/>
+        <p:txBody>
+          <a:bodyPr/>
+          <a:lstStyle/>
+          <a:p>
+            <a:pPr marL="0" marR="0" lvl="0" indent="0" algn="l" defTabSz="914400" rtl="0" eaLnBrk="1" fontAlgn="auto" latinLnBrk="0" hangingPunct="1">
+              <a:lnSpc>
+                <a:spcPct val="100000"/>
+              </a:lnSpc>
+              <a:spcBef>
+                <a:spcPts val="0"/>
+              </a:spcBef>
+              <a:spcAft>
+                <a:spcPts val="0"/>
+              </a:spcAft>
+              <a:buClrTx/>
+              <a:buSzTx/>
+              <a:buFontTx/>
+              <a:buNone/>
+              <a:tabLst/>
+              <a:defRPr/>
+            </a:pPr>
+            <a:r>
+              <a:rPr lang="en-US" i="1" dirty="0"/>
+              <a:t>*Discuss your findings. Did you find what you expected to find? If not, why not? What inferences or general conclusions can you draw from your analysis?</a:t>
+            </a:r>
+          </a:p>
+          <a:p>
+            <a:r>
+              <a:rPr lang="en-US" sz="1200" kern="1200" dirty="0">
+                <a:solidFill>
+                  <a:schemeClr val="tx1"/>
+                </a:solidFill>
+                <a:effectLst/>
+                <a:latin typeface="+mn-lt"/>
+                <a:ea typeface="+mn-ea"/>
+                <a:cs typeface="+mn-cs"/>
+              </a:rPr>
+              <a:t>-what was the country of origin---found it interesting it was mainly in the us</a:t>
+            </a:r>
+          </a:p>
+          <a:p>
+            <a:r>
+              <a:rPr lang="en-US" sz="1200" kern="1200" dirty="0">
+                <a:solidFill>
+                  <a:schemeClr val="tx1"/>
+                </a:solidFill>
+                <a:effectLst/>
+                <a:latin typeface="+mn-lt"/>
+                <a:ea typeface="+mn-ea"/>
+                <a:cs typeface="+mn-cs"/>
+              </a:rPr>
+              <a:t>if there was a certain wine that was reviewed more than another—pinot noir is second chardonnay</a:t>
+            </a:r>
+          </a:p>
+          <a:p>
+            <a:r>
+              <a:rPr lang="en-US" sz="1200" kern="1200" dirty="0">
+                <a:solidFill>
+                  <a:schemeClr val="tx1"/>
+                </a:solidFill>
+                <a:effectLst/>
+                <a:latin typeface="+mn-lt"/>
+                <a:ea typeface="+mn-ea"/>
+                <a:cs typeface="+mn-cs"/>
+              </a:rPr>
+              <a:t>	-</a:t>
+            </a:r>
+            <a:r>
+              <a:rPr lang="en-US" sz="1200" kern="1200" dirty="0" err="1">
+                <a:solidFill>
+                  <a:schemeClr val="tx1"/>
+                </a:solidFill>
+                <a:effectLst/>
+                <a:latin typeface="+mn-lt"/>
+                <a:ea typeface="+mn-ea"/>
+                <a:cs typeface="+mn-cs"/>
+              </a:rPr>
+              <a:t>california</a:t>
+            </a:r>
+            <a:r>
+              <a:rPr lang="en-US" sz="1200" kern="1200" dirty="0">
+                <a:solidFill>
+                  <a:schemeClr val="tx1"/>
+                </a:solidFill>
+                <a:effectLst/>
+                <a:latin typeface="+mn-lt"/>
+                <a:ea typeface="+mn-ea"/>
+                <a:cs typeface="+mn-cs"/>
+              </a:rPr>
+              <a:t> and globally were the same</a:t>
+            </a:r>
+          </a:p>
+          <a:p>
+            <a:r>
+              <a:rPr lang="en-US" sz="1200" kern="1200" dirty="0">
+                <a:solidFill>
+                  <a:schemeClr val="tx1"/>
+                </a:solidFill>
+                <a:effectLst/>
+                <a:latin typeface="+mn-lt"/>
+                <a:ea typeface="+mn-ea"/>
+                <a:cs typeface="+mn-cs"/>
+              </a:rPr>
+              <a:t>California is know for it’s zinfandel (#5)…but it’s not important to the rest of the world</a:t>
+            </a:r>
+          </a:p>
+          <a:p>
+            <a:r>
+              <a:rPr lang="en-US" sz="1200" kern="1200" dirty="0">
+                <a:solidFill>
+                  <a:schemeClr val="tx1"/>
+                </a:solidFill>
+                <a:effectLst/>
+                <a:latin typeface="+mn-lt"/>
+                <a:ea typeface="+mn-ea"/>
+                <a:cs typeface="+mn-cs"/>
+              </a:rPr>
+              <a:t>Variety looking at top 20 wines reviewed vs. </a:t>
+            </a:r>
+          </a:p>
+          <a:p>
+            <a:r>
+              <a:rPr lang="en-US" sz="1200" kern="1200" dirty="0">
+                <a:solidFill>
+                  <a:schemeClr val="tx1"/>
+                </a:solidFill>
+                <a:effectLst/>
+                <a:latin typeface="+mn-lt"/>
+                <a:ea typeface="+mn-ea"/>
+                <a:cs typeface="+mn-cs"/>
+              </a:rPr>
+              <a:t>Most wines fell under $250 per dollar</a:t>
+            </a:r>
+          </a:p>
+          <a:p>
+            <a:endParaRPr lang="en-US" dirty="0"/>
+          </a:p>
+        </p:txBody>
+      </p:sp>
+      <p:sp>
+        <p:nvSpPr>
+          <p:cNvPr id="4" name="Slide Number Placeholder 3"/>
+          <p:cNvSpPr>
+            <a:spLocks noGrp="1"/>
+          </p:cNvSpPr>
+          <p:nvPr>
+            <p:ph type="sldNum" sz="quarter" idx="5"/>
+          </p:nvPr>
+        </p:nvSpPr>
+        <p:spPr/>
+        <p:txBody>
+          <a:bodyPr/>
+          <a:lstStyle/>
+          <a:p>
+            <a:fld id="{BAB621AC-7F6D-4100-88E3-7B288E0B79A4}" type="slidenum">
+              <a:rPr lang="en-US" smtClean="0"/>
+              <a:t>13</a:t>
+            </a:fld>
+            <a:endParaRPr lang="en-US"/>
+          </a:p>
+        </p:txBody>
+      </p:sp>
+    </p:spTree>
+    <p:extLst>
+      <p:ext uri="{BB962C8B-B14F-4D97-AF65-F5344CB8AC3E}">
+        <p14:creationId xmlns:p14="http://schemas.microsoft.com/office/powerpoint/2010/main" val="1505219277"/>
       </p:ext>
     </p:extLst>
   </p:cSld>
@@ -5250,7 +9049,7 @@
           <a:p>
             <a:fld id="{78ABE3C1-DBE1-495D-B57B-2849774B866A}" type="datetimeFigureOut">
               <a:rPr lang="en-US" smtClean="0"/>
-              <a:t>1/29/2020</a:t>
+              <a:t>1/31/2020</a:t>
             </a:fld>
             <a:endParaRPr lang="en-US" dirty="0"/>
           </a:p>
@@ -5664,7 +9463,7 @@
           <a:p>
             <a:fld id="{446C117F-5CCF-4837-BE5F-2B92066CAFAF}" type="datetimeFigureOut">
               <a:rPr lang="en-US" smtClean="0"/>
-              <a:t>1/29/2020</a:t>
+              <a:t>1/31/2020</a:t>
             </a:fld>
             <a:endParaRPr lang="en-US" dirty="0"/>
           </a:p>
@@ -6000,7 +9799,7 @@
           <a:p>
             <a:fld id="{84EB90BD-B6CE-46B7-997F-7313B992CCDC}" type="datetimeFigureOut">
               <a:rPr lang="en-US" smtClean="0"/>
-              <a:t>1/29/2020</a:t>
+              <a:t>1/31/2020</a:t>
             </a:fld>
             <a:endParaRPr lang="en-US" dirty="0"/>
           </a:p>
@@ -6405,7 +10204,7 @@
           <a:p>
             <a:fld id="{CDB9D11F-B188-461D-B23F-39381795C052}" type="datetimeFigureOut">
               <a:rPr lang="en-US" smtClean="0"/>
-              <a:t>1/29/2020</a:t>
+              <a:t>1/31/2020</a:t>
             </a:fld>
             <a:endParaRPr lang="en-US" dirty="0"/>
           </a:p>
@@ -6973,7 +10772,7 @@
           <a:p>
             <a:fld id="{52E6D8D9-55A2-4063-B0F3-121F44549695}" type="datetimeFigureOut">
               <a:rPr lang="en-US" smtClean="0"/>
-              <a:t>1/29/2020</a:t>
+              <a:t>1/31/2020</a:t>
             </a:fld>
             <a:endParaRPr lang="en-US" dirty="0"/>
           </a:p>
@@ -7654,7 +11453,7 @@
           <a:p>
             <a:fld id="{D4B24536-994D-4021-A283-9F449C0DB509}" type="datetimeFigureOut">
               <a:rPr lang="en-US" smtClean="0"/>
-              <a:t>1/29/2020</a:t>
+              <a:t>1/31/2020</a:t>
             </a:fld>
             <a:endParaRPr lang="en-US" dirty="0"/>
           </a:p>
@@ -8567,7 +12366,7 @@
           <a:p>
             <a:fld id="{3CBBBB78-C96F-47B7-AB17-D852CA960AC9}" type="datetimeFigureOut">
               <a:rPr lang="en-US" smtClean="0"/>
-              <a:t>1/29/2020</a:t>
+              <a:t>1/31/2020</a:t>
             </a:fld>
             <a:endParaRPr lang="en-US" dirty="0"/>
           </a:p>
@@ -8880,7 +12679,7 @@
           <a:p>
             <a:fld id="{1FA3F48C-C7C6-4055-9F49-3777875E72AE}" type="datetimeFigureOut">
               <a:rPr lang="en-US" smtClean="0"/>
-              <a:t>1/29/2020</a:t>
+              <a:t>1/31/2020</a:t>
             </a:fld>
             <a:endParaRPr lang="en-US" dirty="0"/>
           </a:p>
@@ -9144,7 +12943,7 @@
           <a:p>
             <a:fld id="{6178E61D-D431-422C-9764-11DAFE33AB63}" type="datetimeFigureOut">
               <a:rPr lang="en-US" smtClean="0"/>
-              <a:t>1/29/2020</a:t>
+              <a:t>1/31/2020</a:t>
             </a:fld>
             <a:endParaRPr lang="en-US" dirty="0"/>
           </a:p>
@@ -9468,7 +13267,7 @@
           <a:p>
             <a:fld id="{12DE42F4-6EEF-4EF7-8ED4-2208F0F89A08}" type="datetimeFigureOut">
               <a:rPr lang="en-US" smtClean="0"/>
-              <a:t>1/29/2020</a:t>
+              <a:t>1/31/2020</a:t>
             </a:fld>
             <a:endParaRPr lang="en-US" dirty="0"/>
           </a:p>
@@ -9857,7 +13656,7 @@
           <a:p>
             <a:fld id="{30578ACC-22D6-47C1-A373-4FD133E34F3C}" type="datetimeFigureOut">
               <a:rPr lang="en-US" smtClean="0"/>
-              <a:t>1/29/2020</a:t>
+              <a:t>1/31/2020</a:t>
             </a:fld>
             <a:endParaRPr lang="en-US" dirty="0"/>
           </a:p>
@@ -10233,7 +14032,7 @@
           <a:p>
             <a:fld id="{4E5A6C69-6797-4E8A-BF37-F2C3751466E9}" type="datetimeFigureOut">
               <a:rPr lang="en-US" smtClean="0"/>
-              <a:t>1/29/2020</a:t>
+              <a:t>1/31/2020</a:t>
             </a:fld>
             <a:endParaRPr lang="en-US" dirty="0"/>
           </a:p>
@@ -10739,7 +14538,7 @@
           <a:p>
             <a:fld id="{D82014A1-A632-4878-A0D3-F52BA7563730}" type="datetimeFigureOut">
               <a:rPr lang="en-US" smtClean="0"/>
-              <a:t>1/29/2020</a:t>
+              <a:t>1/31/2020</a:t>
             </a:fld>
             <a:endParaRPr lang="en-US" dirty="0"/>
           </a:p>
@@ -10996,7 +14795,7 @@
           <a:p>
             <a:fld id="{CE99F462-093F-4566-844B-4C71F2739DA5}" type="datetimeFigureOut">
               <a:rPr lang="en-US" smtClean="0"/>
-              <a:t>1/29/2020</a:t>
+              <a:t>1/31/2020</a:t>
             </a:fld>
             <a:endParaRPr lang="en-US" dirty="0"/>
           </a:p>
@@ -11159,7 +14958,7 @@
           <a:p>
             <a:fld id="{3D24A7AC-904D-4781-85BA-7D10C17ED021}" type="datetimeFigureOut">
               <a:rPr lang="en-US" smtClean="0"/>
-              <a:t>1/29/2020</a:t>
+              <a:t>1/31/2020</a:t>
             </a:fld>
             <a:endParaRPr lang="en-US" dirty="0"/>
           </a:p>
@@ -11549,7 +15348,7 @@
           <a:p>
             <a:fld id="{E331444B-B92B-4E27-8C94-BB93EAF5CB18}" type="datetimeFigureOut">
               <a:rPr lang="en-US" smtClean="0"/>
-              <a:t>1/29/2020</a:t>
+              <a:t>1/31/2020</a:t>
             </a:fld>
             <a:endParaRPr lang="en-US" dirty="0"/>
           </a:p>
@@ -11958,7 +15757,7 @@
           <a:p>
             <a:fld id="{363EFA5E-FA76-400D-B3DC-F0BA90E6D107}" type="datetimeFigureOut">
               <a:rPr lang="en-US" smtClean="0"/>
-              <a:t>1/29/2020</a:t>
+              <a:t>1/31/2020</a:t>
             </a:fld>
             <a:endParaRPr lang="en-US" dirty="0"/>
           </a:p>
@@ -12202,7 +16001,7 @@
           <a:p>
             <a:fld id="{9D6E9DEC-419B-4CC5-A080-3B06BD5A8291}" type="datetimeFigureOut">
               <a:rPr lang="en-US" smtClean="0"/>
-              <a:t>1/29/2020</a:t>
+              <a:t>1/31/2020</a:t>
             </a:fld>
             <a:endParaRPr lang="en-US" dirty="0"/>
           </a:p>
@@ -13146,12 +16945,59 @@
   <p:clrMapOvr>
     <a:masterClrMapping/>
   </p:clrMapOvr>
+  <mc:AlternateContent xmlns:mc="http://schemas.openxmlformats.org/markup-compatibility/2006">
+    <mc:Choice xmlns:p14="http://schemas.microsoft.com/office/powerpoint/2010/main" Requires="p14">
+      <p:transition spd="med" p14:dur="700">
+        <p:fade/>
+      </p:transition>
+    </mc:Choice>
+    <mc:Fallback>
+      <p:transition spd="med">
+        <p:fade/>
+      </p:transition>
+    </mc:Fallback>
+  </mc:AlternateContent>
 </p:sld>
 </file>
 
 <file path=ppt/slides/slide10.xml><?xml version="1.0" encoding="utf-8"?>
 <p:sld xmlns:a="http://schemas.openxmlformats.org/drawingml/2006/main" xmlns:r="http://schemas.openxmlformats.org/officeDocument/2006/relationships" xmlns:p="http://schemas.openxmlformats.org/presentationml/2006/main">
   <p:cSld>
+    <p:bg>
+      <p:bgPr>
+        <a:gradFill rotWithShape="1">
+          <a:gsLst>
+            <a:gs pos="0">
+              <a:schemeClr val="bg2">
+                <a:tint val="96000"/>
+                <a:shade val="100000"/>
+                <a:hueMod val="106000"/>
+                <a:satMod val="220000"/>
+                <a:lumMod val="140000"/>
+              </a:schemeClr>
+            </a:gs>
+            <a:gs pos="50000">
+              <a:schemeClr val="bg2">
+                <a:shade val="100000"/>
+                <a:hueMod val="100000"/>
+                <a:satMod val="110000"/>
+                <a:lumMod val="130000"/>
+              </a:schemeClr>
+            </a:gs>
+            <a:gs pos="100000">
+              <a:schemeClr val="bg2">
+                <a:shade val="69000"/>
+                <a:hueMod val="88000"/>
+                <a:satMod val="160000"/>
+                <a:lumMod val="69000"/>
+              </a:schemeClr>
+            </a:gs>
+          </a:gsLst>
+          <a:lin ang="2520000" scaled="0"/>
+        </a:gradFill>
+        <a:effectLst/>
+      </p:bgPr>
+    </p:bg>
     <p:spTree>
       <p:nvGrpSpPr>
         <p:cNvPr id="1" name=""/>
@@ -13171,7 +17017,7 @@
           <p:cNvPr id="2" name="Title 1">
             <a:extLst>
               <a:ext uri="{FF2B5EF4-FFF2-40B4-BE49-F238E27FC236}">
-                <a16:creationId xmlns:a16="http://schemas.microsoft.com/office/drawing/2014/main" id="{2181B0DD-9E32-41F0-A0D2-B7F6862DA7E6}"/>
+                <a16:creationId xmlns:a16="http://schemas.microsoft.com/office/drawing/2014/main" id="{F4EA0C0F-80C1-4432-ADF2-4FD4A189BEBB}"/>
               </a:ext>
             </a:extLst>
           </p:cNvPr>
@@ -13182,7 +17028,12 @@
             <p:ph type="title"/>
           </p:nvPr>
         </p:nvSpPr>
-        <p:spPr/>
+        <p:spPr>
+          <a:xfrm>
+            <a:off x="680321" y="753228"/>
+            <a:ext cx="9613861" cy="1080938"/>
+          </a:xfrm>
+        </p:spPr>
         <p:txBody>
           <a:bodyPr>
             <a:normAutofit/>
@@ -13191,17 +17042,164 @@
           <a:p>
             <a:r>
               <a:rPr lang="en-US" sz="2800" dirty="0"/>
-              <a:t>Data Analysis: California vs the world by price of wine</a:t>
-            </a:r>
+              <a:t>How does California wine reviews compare to the rest of the world when it comes to the variety of wines reviewed?</a:t>
+            </a:r>
+          </a:p>
+        </p:txBody>
+      </p:sp>
+      <p:sp>
+        <p:nvSpPr>
+          <p:cNvPr id="1032" name="Content Placeholder 1031">
+            <a:extLst>
+              <a:ext uri="{FF2B5EF4-FFF2-40B4-BE49-F238E27FC236}">
+                <a16:creationId xmlns:a16="http://schemas.microsoft.com/office/drawing/2014/main" id="{D315F114-2879-441D-A372-ADC006B3B75D}"/>
+              </a:ext>
+            </a:extLst>
+          </p:cNvPr>
+          <p:cNvSpPr>
+            <a:spLocks noGrp="1"/>
+          </p:cNvSpPr>
+          <p:nvPr>
+            <p:ph idx="1"/>
+          </p:nvPr>
+        </p:nvSpPr>
+        <p:spPr>
+          <a:xfrm>
+            <a:off x="294453" y="2370350"/>
+            <a:ext cx="3091578" cy="3590183"/>
+          </a:xfrm>
+        </p:spPr>
+        <p:txBody>
+          <a:bodyPr>
+            <a:normAutofit/>
+          </a:bodyPr>
+          <a:lstStyle/>
+          <a:p>
+            <a:endParaRPr lang="en-US" sz="2000" dirty="0"/>
+          </a:p>
+          <a:p>
+            <a:r>
+              <a:rPr lang="en-US" sz="2000" dirty="0"/>
+              <a:t>Higher variety count found in California</a:t>
+            </a:r>
+          </a:p>
+          <a:p>
+            <a:endParaRPr lang="en-US" sz="2000" dirty="0"/>
+          </a:p>
+          <a:p>
+            <a:r>
+              <a:rPr lang="en-US" sz="2000" dirty="0"/>
+              <a:t>12 of the top 20 varieties found in CA are found within the top 20 varieties globally (excluding CA)</a:t>
+            </a:r>
+          </a:p>
+          <a:p>
+            <a:endParaRPr lang="en-US" sz="2000" dirty="0"/>
+          </a:p>
+          <a:p>
+            <a:pPr marL="0" indent="0">
+              <a:buNone/>
+            </a:pPr>
+            <a:endParaRPr lang="en-US" sz="2000" dirty="0"/>
           </a:p>
         </p:txBody>
       </p:sp>
       <p:pic>
         <p:nvPicPr>
-          <p:cNvPr id="3074" name="Picture 2">
+          <p:cNvPr id="1026" name="Picture 2">
             <a:extLst>
               <a:ext uri="{FF2B5EF4-FFF2-40B4-BE49-F238E27FC236}">
-                <a16:creationId xmlns:a16="http://schemas.microsoft.com/office/drawing/2014/main" id="{3726BF1F-C29E-4B08-9F31-5B1CFF3CE860}"/>
+                <a16:creationId xmlns:a16="http://schemas.microsoft.com/office/drawing/2014/main" id="{AD16B1AE-B834-4F0E-B75E-37B09C5A85D6}"/>
+              </a:ext>
+            </a:extLst>
+          </p:cNvPr>
+          <p:cNvPicPr>
+            <a:picLocks noChangeAspect="1" noChangeArrowheads="1"/>
+          </p:cNvPicPr>
+          <p:nvPr/>
+        </p:nvPicPr>
+        <p:blipFill rotWithShape="1">
+          <a:blip r:embed="rId2">
+            <a:extLst>
+              <a:ext uri="{28A0092B-C50C-407E-A947-70E740481C1C}">
+                <a14:useLocalDpi xmlns:a14="http://schemas.microsoft.com/office/drawing/2010/main" val="0"/>
+              </a:ext>
+            </a:extLst>
+          </a:blip>
+          <a:srcRect l="2656" r="17740"/>
+          <a:stretch/>
+        </p:blipFill>
+        <p:spPr bwMode="auto">
+          <a:xfrm>
+            <a:off x="3492725" y="2286000"/>
+            <a:ext cx="3762323" cy="4329290"/>
+          </a:xfrm>
+          <a:prstGeom prst="rect">
+            <a:avLst/>
+          </a:prstGeom>
+          <a:noFill/>
+          <a:ln>
+            <a:noFill/>
+          </a:ln>
+          <a:effectLst>
+            <a:outerShdw blurRad="76200" dist="63500" dir="5040000" algn="tl" rotWithShape="0">
+              <a:srgbClr val="000000">
+                <a:alpha val="41000"/>
+              </a:srgbClr>
+            </a:outerShdw>
+          </a:effectLst>
+          <a:extLst>
+            <a:ext uri="{909E8E84-426E-40DD-AFC4-6F175D3DCCD1}">
+              <a14:hiddenFill xmlns:a14="http://schemas.microsoft.com/office/drawing/2010/main">
+                <a:solidFill>
+                  <a:srgbClr val="FFFFFF"/>
+                </a:solidFill>
+              </a14:hiddenFill>
+            </a:ext>
+          </a:extLst>
+        </p:spPr>
+      </p:pic>
+      <p:sp>
+        <p:nvSpPr>
+          <p:cNvPr id="4" name="TextBox 3">
+            <a:extLst>
+              <a:ext uri="{FF2B5EF4-FFF2-40B4-BE49-F238E27FC236}">
+                <a16:creationId xmlns:a16="http://schemas.microsoft.com/office/drawing/2014/main" id="{F7FCB200-52E9-4D10-B10D-F206C66D2C0B}"/>
+              </a:ext>
+            </a:extLst>
+          </p:cNvPr>
+          <p:cNvSpPr txBox="1"/>
+          <p:nvPr/>
+        </p:nvSpPr>
+        <p:spPr>
+          <a:xfrm>
+            <a:off x="7475805" y="2308770"/>
+            <a:ext cx="4421742" cy="400110"/>
+          </a:xfrm>
+          <a:prstGeom prst="rect">
+            <a:avLst/>
+          </a:prstGeom>
+          <a:noFill/>
+        </p:spPr>
+        <p:txBody>
+          <a:bodyPr wrap="square" rtlCol="0">
+            <a:spAutoFit/>
+          </a:bodyPr>
+          <a:lstStyle/>
+          <a:p>
+            <a:r>
+              <a:rPr lang="en-US" sz="1000" b="1" dirty="0"/>
+              <a:t>Breakdown of top 20 varieties of wine globally (excluding CA) by review count </a:t>
+            </a:r>
+            <a:endParaRPr lang="en-US" sz="1000" dirty="0"/>
+          </a:p>
+        </p:txBody>
+      </p:sp>
+      <p:pic>
+        <p:nvPicPr>
+          <p:cNvPr id="1030" name="Picture 6">
+            <a:extLst>
+              <a:ext uri="{FF2B5EF4-FFF2-40B4-BE49-F238E27FC236}">
+                <a16:creationId xmlns:a16="http://schemas.microsoft.com/office/drawing/2014/main" id="{8F549CA4-6651-48D9-B005-3F0A8FAE0178}"/>
               </a:ext>
             </a:extLst>
           </p:cNvPr>
@@ -13225,55 +17223,8 @@
         </p:blipFill>
         <p:spPr bwMode="auto">
           <a:xfrm>
-            <a:off x="1033409" y="2044556"/>
-            <a:ext cx="4700427" cy="4700427"/>
-          </a:xfrm>
-          <a:prstGeom prst="rect">
-            <a:avLst/>
-          </a:prstGeom>
-          <a:noFill/>
-          <a:extLst>
-            <a:ext uri="{909E8E84-426E-40DD-AFC4-6F175D3DCCD1}">
-              <a14:hiddenFill xmlns:a14="http://schemas.microsoft.com/office/drawing/2010/main">
-                <a:solidFill>
-                  <a:srgbClr val="FFFFFF"/>
-                </a:solidFill>
-              </a14:hiddenFill>
-            </a:ext>
-          </a:extLst>
-        </p:spPr>
-      </p:pic>
-      <p:pic>
-        <p:nvPicPr>
-          <p:cNvPr id="3076" name="Picture 4">
-            <a:extLst>
-              <a:ext uri="{FF2B5EF4-FFF2-40B4-BE49-F238E27FC236}">
-                <a16:creationId xmlns:a16="http://schemas.microsoft.com/office/drawing/2014/main" id="{4745C21B-A935-4524-9255-FDE9F9B5A4A8}"/>
-              </a:ext>
-            </a:extLst>
-          </p:cNvPr>
-          <p:cNvPicPr>
-            <a:picLocks noChangeAspect="1" noChangeArrowheads="1"/>
-          </p:cNvPicPr>
-          <p:nvPr/>
-        </p:nvPicPr>
-        <p:blipFill>
-          <a:blip r:embed="rId4">
-            <a:extLst>
-              <a:ext uri="{28A0092B-C50C-407E-A947-70E740481C1C}">
-                <a14:useLocalDpi xmlns:a14="http://schemas.microsoft.com/office/drawing/2010/main" val="0"/>
-              </a:ext>
-            </a:extLst>
-          </a:blip>
-          <a:srcRect/>
-          <a:stretch>
-            <a:fillRect/>
-          </a:stretch>
-        </p:blipFill>
-        <p:spPr bwMode="auto">
-          <a:xfrm>
-            <a:off x="6458163" y="2044556"/>
-            <a:ext cx="4700428" cy="4700428"/>
+            <a:off x="7475805" y="2720912"/>
+            <a:ext cx="4421742" cy="3894378"/>
           </a:xfrm>
           <a:prstGeom prst="rect">
             <a:avLst/>
@@ -13293,19 +17244,66 @@
     </p:spTree>
     <p:extLst>
       <p:ext uri="{BB962C8B-B14F-4D97-AF65-F5344CB8AC3E}">
-        <p14:creationId xmlns:p14="http://schemas.microsoft.com/office/powerpoint/2010/main" val="1118687428"/>
+        <p14:creationId xmlns:p14="http://schemas.microsoft.com/office/powerpoint/2010/main" val="578842426"/>
       </p:ext>
     </p:extLst>
   </p:cSld>
   <p:clrMapOvr>
     <a:masterClrMapping/>
   </p:clrMapOvr>
+  <mc:AlternateContent xmlns:mc="http://schemas.openxmlformats.org/markup-compatibility/2006">
+    <mc:Choice xmlns:p14="http://schemas.microsoft.com/office/powerpoint/2010/main" Requires="p14">
+      <p:transition spd="med" p14:dur="700">
+        <p:fade/>
+      </p:transition>
+    </mc:Choice>
+    <mc:Fallback>
+      <p:transition spd="med">
+        <p:fade/>
+      </p:transition>
+    </mc:Fallback>
+  </mc:AlternateContent>
 </p:sld>
 </file>
 
 <file path=ppt/slides/slide11.xml><?xml version="1.0" encoding="utf-8"?>
 <p:sld xmlns:a="http://schemas.openxmlformats.org/drawingml/2006/main" xmlns:r="http://schemas.openxmlformats.org/officeDocument/2006/relationships" xmlns:p="http://schemas.openxmlformats.org/presentationml/2006/main">
   <p:cSld>
+    <p:bg>
+      <p:bgPr>
+        <a:gradFill rotWithShape="1">
+          <a:gsLst>
+            <a:gs pos="0">
+              <a:schemeClr val="bg2">
+                <a:tint val="96000"/>
+                <a:shade val="100000"/>
+                <a:hueMod val="106000"/>
+                <a:satMod val="220000"/>
+                <a:lumMod val="140000"/>
+              </a:schemeClr>
+            </a:gs>
+            <a:gs pos="50000">
+              <a:schemeClr val="bg2">
+                <a:shade val="100000"/>
+                <a:hueMod val="100000"/>
+                <a:satMod val="110000"/>
+                <a:lumMod val="130000"/>
+              </a:schemeClr>
+            </a:gs>
+            <a:gs pos="100000">
+              <a:schemeClr val="bg2">
+                <a:shade val="69000"/>
+                <a:hueMod val="88000"/>
+                <a:satMod val="160000"/>
+                <a:lumMod val="69000"/>
+              </a:schemeClr>
+            </a:gs>
+          </a:gsLst>
+          <a:lin ang="2520000" scaled="0"/>
+        </a:gradFill>
+        <a:effectLst/>
+      </p:bgPr>
+    </p:bg>
     <p:spTree>
       <p:nvGrpSpPr>
         <p:cNvPr id="1" name=""/>
@@ -13325,7 +17323,7 @@
           <p:cNvPr id="2" name="Title 1">
             <a:extLst>
               <a:ext uri="{FF2B5EF4-FFF2-40B4-BE49-F238E27FC236}">
-                <a16:creationId xmlns:a16="http://schemas.microsoft.com/office/drawing/2014/main" id="{8AFE0946-24D2-4BE4-90DE-C2E03DC96D4F}"/>
+                <a16:creationId xmlns:a16="http://schemas.microsoft.com/office/drawing/2014/main" id="{A369FECC-6DF0-42B6-99E6-A37086DA69DF}"/>
               </a:ext>
             </a:extLst>
           </p:cNvPr>
@@ -13338,12 +17336,262 @@
         </p:nvSpPr>
         <p:spPr/>
         <p:txBody>
-          <a:bodyPr/>
+          <a:bodyPr>
+            <a:normAutofit/>
+          </a:bodyPr>
           <a:lstStyle/>
           <a:p>
             <a:r>
               <a:rPr lang="en-US" dirty="0"/>
-              <a:t>Data Analysis: logistical regression</a:t>
+              <a:t>Does spending more get you better wine?  </a:t>
+            </a:r>
+            <a:endParaRPr lang="en-US" sz="2800" dirty="0"/>
+          </a:p>
+        </p:txBody>
+      </p:sp>
+      <p:pic>
+        <p:nvPicPr>
+          <p:cNvPr id="2050" name="Picture 2">
+            <a:extLst>
+              <a:ext uri="{FF2B5EF4-FFF2-40B4-BE49-F238E27FC236}">
+                <a16:creationId xmlns:a16="http://schemas.microsoft.com/office/drawing/2014/main" id="{0C11C22E-3C2A-4132-94F4-9DF50C55B7CF}"/>
+              </a:ext>
+            </a:extLst>
+          </p:cNvPr>
+          <p:cNvPicPr>
+            <a:picLocks noChangeAspect="1" noChangeArrowheads="1"/>
+          </p:cNvPicPr>
+          <p:nvPr/>
+        </p:nvPicPr>
+        <p:blipFill rotWithShape="1">
+          <a:blip r:embed="rId3">
+            <a:extLst>
+              <a:ext uri="{28A0092B-C50C-407E-A947-70E740481C1C}">
+                <a14:useLocalDpi xmlns:a14="http://schemas.microsoft.com/office/drawing/2010/main" val="0"/>
+              </a:ext>
+            </a:extLst>
+          </a:blip>
+          <a:srcRect l="9020" r="16152"/>
+          <a:stretch/>
+        </p:blipFill>
+        <p:spPr bwMode="auto">
+          <a:xfrm>
+            <a:off x="3872200" y="2165684"/>
+            <a:ext cx="3546189" cy="4463716"/>
+          </a:xfrm>
+          <a:prstGeom prst="rect">
+            <a:avLst/>
+          </a:prstGeom>
+          <a:noFill/>
+          <a:ln>
+            <a:noFill/>
+          </a:ln>
+          <a:effectLst>
+            <a:outerShdw blurRad="76200" dist="63500" dir="5040000" algn="tl" rotWithShape="0">
+              <a:srgbClr val="000000">
+                <a:alpha val="41000"/>
+              </a:srgbClr>
+            </a:outerShdw>
+          </a:effectLst>
+          <a:extLst>
+            <a:ext uri="{909E8E84-426E-40DD-AFC4-6F175D3DCCD1}">
+              <a14:hiddenFill xmlns:a14="http://schemas.microsoft.com/office/drawing/2010/main">
+                <a:solidFill>
+                  <a:srgbClr val="FFFFFF"/>
+                </a:solidFill>
+              </a14:hiddenFill>
+            </a:ext>
+          </a:extLst>
+        </p:spPr>
+      </p:pic>
+      <p:pic>
+        <p:nvPicPr>
+          <p:cNvPr id="2052" name="Picture 4">
+            <a:extLst>
+              <a:ext uri="{FF2B5EF4-FFF2-40B4-BE49-F238E27FC236}">
+                <a16:creationId xmlns:a16="http://schemas.microsoft.com/office/drawing/2014/main" id="{FA434170-3422-4B2A-8A48-792AB03AF72B}"/>
+              </a:ext>
+            </a:extLst>
+          </p:cNvPr>
+          <p:cNvPicPr>
+            <a:picLocks noChangeAspect="1" noChangeArrowheads="1"/>
+          </p:cNvPicPr>
+          <p:nvPr/>
+        </p:nvPicPr>
+        <p:blipFill rotWithShape="1">
+          <a:blip r:embed="rId4">
+            <a:extLst>
+              <a:ext uri="{28A0092B-C50C-407E-A947-70E740481C1C}">
+                <a14:useLocalDpi xmlns:a14="http://schemas.microsoft.com/office/drawing/2010/main" val="0"/>
+              </a:ext>
+            </a:extLst>
+          </a:blip>
+          <a:srcRect l="10548" r="14624"/>
+          <a:stretch/>
+        </p:blipFill>
+        <p:spPr bwMode="auto">
+          <a:xfrm>
+            <a:off x="7903923" y="2165685"/>
+            <a:ext cx="3546189" cy="4463716"/>
+          </a:xfrm>
+          <a:prstGeom prst="rect">
+            <a:avLst/>
+          </a:prstGeom>
+          <a:noFill/>
+          <a:ln>
+            <a:noFill/>
+          </a:ln>
+          <a:effectLst>
+            <a:outerShdw blurRad="76200" dist="63500" dir="5040000" algn="tl" rotWithShape="0">
+              <a:srgbClr val="000000">
+                <a:alpha val="41000"/>
+              </a:srgbClr>
+            </a:outerShdw>
+          </a:effectLst>
+          <a:extLst>
+            <a:ext uri="{909E8E84-426E-40DD-AFC4-6F175D3DCCD1}">
+              <a14:hiddenFill xmlns:a14="http://schemas.microsoft.com/office/drawing/2010/main">
+                <a:solidFill>
+                  <a:srgbClr val="FFFFFF"/>
+                </a:solidFill>
+              </a14:hiddenFill>
+            </a:ext>
+          </a:extLst>
+        </p:spPr>
+      </p:pic>
+      <p:sp>
+        <p:nvSpPr>
+          <p:cNvPr id="4" name="TextBox 3">
+            <a:extLst>
+              <a:ext uri="{FF2B5EF4-FFF2-40B4-BE49-F238E27FC236}">
+                <a16:creationId xmlns:a16="http://schemas.microsoft.com/office/drawing/2014/main" id="{87AFC126-B280-4013-95AB-774D8FA9C3C3}"/>
+              </a:ext>
+            </a:extLst>
+          </p:cNvPr>
+          <p:cNvSpPr txBox="1"/>
+          <p:nvPr/>
+        </p:nvSpPr>
+        <p:spPr>
+          <a:xfrm>
+            <a:off x="680321" y="3215410"/>
+            <a:ext cx="3188665" cy="2308324"/>
+          </a:xfrm>
+          <a:prstGeom prst="rect">
+            <a:avLst/>
+          </a:prstGeom>
+          <a:noFill/>
+        </p:spPr>
+        <p:txBody>
+          <a:bodyPr wrap="square" rtlCol="0">
+            <a:spAutoFit/>
+          </a:bodyPr>
+          <a:lstStyle/>
+          <a:p>
+            <a:pPr marL="285750" indent="-285750">
+              <a:buFont typeface="Arial" panose="020B0604020202020204" pitchFamily="34" charset="0"/>
+              <a:buChar char="•"/>
+            </a:pPr>
+            <a:r>
+              <a:rPr lang="en-US" dirty="0"/>
+              <a:t>Moderately positive correlation coefficients observed in both plots.</a:t>
+            </a:r>
+          </a:p>
+          <a:p>
+            <a:endParaRPr lang="en-US" dirty="0"/>
+          </a:p>
+          <a:p>
+            <a:pPr marL="285750" indent="-285750">
+              <a:buFont typeface="Arial" panose="020B0604020202020204" pitchFamily="34" charset="0"/>
+              <a:buChar char="•"/>
+            </a:pPr>
+            <a:endParaRPr lang="en-US" dirty="0"/>
+          </a:p>
+          <a:p>
+            <a:pPr marL="285750" indent="-285750">
+              <a:buFont typeface="Arial" panose="020B0604020202020204" pitchFamily="34" charset="0"/>
+              <a:buChar char="•"/>
+            </a:pPr>
+            <a:r>
+              <a:rPr lang="en-US" dirty="0"/>
+              <a:t>Generally, the more expensive the wine, the higher the review rating.</a:t>
+            </a:r>
+          </a:p>
+        </p:txBody>
+      </p:sp>
+      <p:sp>
+        <p:nvSpPr>
+          <p:cNvPr id="5" name="TextBox 4">
+            <a:extLst>
+              <a:ext uri="{FF2B5EF4-FFF2-40B4-BE49-F238E27FC236}">
+                <a16:creationId xmlns:a16="http://schemas.microsoft.com/office/drawing/2014/main" id="{E2856480-E03E-4722-9129-BFFF4FE5D6C6}"/>
+              </a:ext>
+            </a:extLst>
+          </p:cNvPr>
+          <p:cNvSpPr txBox="1"/>
+          <p:nvPr/>
+        </p:nvSpPr>
+        <p:spPr>
+          <a:xfrm>
+            <a:off x="6254044" y="6242756"/>
+            <a:ext cx="733778" cy="230832"/>
+          </a:xfrm>
+          <a:prstGeom prst="rect">
+            <a:avLst/>
+          </a:prstGeom>
+          <a:noFill/>
+        </p:spPr>
+        <p:txBody>
+          <a:bodyPr wrap="square" rtlCol="0">
+            <a:spAutoFit/>
+          </a:bodyPr>
+          <a:lstStyle/>
+          <a:p>
+            <a:r>
+              <a:rPr lang="en-US" sz="900" dirty="0">
+                <a:solidFill>
+                  <a:schemeClr val="bg1"/>
+                </a:solidFill>
+              </a:rPr>
+              <a:t>r = 0.51</a:t>
+            </a:r>
+          </a:p>
+        </p:txBody>
+      </p:sp>
+      <p:sp>
+        <p:nvSpPr>
+          <p:cNvPr id="6" name="TextBox 5">
+            <a:extLst>
+              <a:ext uri="{FF2B5EF4-FFF2-40B4-BE49-F238E27FC236}">
+                <a16:creationId xmlns:a16="http://schemas.microsoft.com/office/drawing/2014/main" id="{C22B1FC5-C0F2-404F-A1C6-82CA8036E987}"/>
+              </a:ext>
+            </a:extLst>
+          </p:cNvPr>
+          <p:cNvSpPr txBox="1"/>
+          <p:nvPr/>
+        </p:nvSpPr>
+        <p:spPr>
+          <a:xfrm>
+            <a:off x="10521244" y="6242756"/>
+            <a:ext cx="643467" cy="230832"/>
+          </a:xfrm>
+          <a:prstGeom prst="rect">
+            <a:avLst/>
+          </a:prstGeom>
+          <a:noFill/>
+        </p:spPr>
+        <p:txBody>
+          <a:bodyPr wrap="square" rtlCol="0">
+            <a:spAutoFit/>
+          </a:bodyPr>
+          <a:lstStyle/>
+          <a:p>
+            <a:r>
+              <a:rPr lang="en-US" sz="900" dirty="0">
+                <a:solidFill>
+                  <a:schemeClr val="bg1"/>
+                </a:solidFill>
+              </a:rPr>
+              <a:t>r = 0.56</a:t>
             </a:r>
           </a:p>
         </p:txBody>
@@ -13351,13 +17599,25 @@
     </p:spTree>
     <p:extLst>
       <p:ext uri="{BB962C8B-B14F-4D97-AF65-F5344CB8AC3E}">
-        <p14:creationId xmlns:p14="http://schemas.microsoft.com/office/powerpoint/2010/main" val="582381945"/>
+        <p14:creationId xmlns:p14="http://schemas.microsoft.com/office/powerpoint/2010/main" val="4199725463"/>
       </p:ext>
     </p:extLst>
   </p:cSld>
   <p:clrMapOvr>
     <a:masterClrMapping/>
   </p:clrMapOvr>
+  <mc:AlternateContent xmlns:mc="http://schemas.openxmlformats.org/markup-compatibility/2006">
+    <mc:Choice xmlns:p14="http://schemas.microsoft.com/office/powerpoint/2010/main" Requires="p14">
+      <p:transition spd="med" p14:dur="700">
+        <p:fade/>
+      </p:transition>
+    </mc:Choice>
+    <mc:Fallback>
+      <p:transition spd="med">
+        <p:fade/>
+      </p:transition>
+    </mc:Fallback>
+  </mc:AlternateContent>
 </p:sld>
 </file>
 
@@ -13383,69 +17643,6 @@
           <p:cNvPr id="2" name="Title 1">
             <a:extLst>
               <a:ext uri="{FF2B5EF4-FFF2-40B4-BE49-F238E27FC236}">
-                <a16:creationId xmlns:a16="http://schemas.microsoft.com/office/drawing/2014/main" id="{4BCF304C-0FAC-48FB-82F6-556BB8DF9CA4}"/>
-              </a:ext>
-            </a:extLst>
-          </p:cNvPr>
-          <p:cNvSpPr>
-            <a:spLocks noGrp="1"/>
-          </p:cNvSpPr>
-          <p:nvPr>
-            <p:ph type="title"/>
-          </p:nvPr>
-        </p:nvSpPr>
-        <p:spPr/>
-        <p:txBody>
-          <a:bodyPr/>
-          <a:lstStyle/>
-          <a:p>
-            <a:r>
-              <a:rPr lang="en-US" dirty="0"/>
-              <a:t>Data Analysis: </a:t>
-            </a:r>
-            <a:r>
-              <a:rPr lang="en-US" dirty="0" err="1"/>
-              <a:t>iqr</a:t>
-            </a:r>
-            <a:endParaRPr lang="en-US" dirty="0"/>
-          </a:p>
-        </p:txBody>
-      </p:sp>
-    </p:spTree>
-    <p:extLst>
-      <p:ext uri="{BB962C8B-B14F-4D97-AF65-F5344CB8AC3E}">
-        <p14:creationId xmlns:p14="http://schemas.microsoft.com/office/powerpoint/2010/main" val="2873319812"/>
-      </p:ext>
-    </p:extLst>
-  </p:cSld>
-  <p:clrMapOvr>
-    <a:masterClrMapping/>
-  </p:clrMapOvr>
-</p:sld>
-</file>
-
-<file path=ppt/slides/slide13.xml><?xml version="1.0" encoding="utf-8"?>
-<p:sld xmlns:a="http://schemas.openxmlformats.org/drawingml/2006/main" xmlns:r="http://schemas.openxmlformats.org/officeDocument/2006/relationships" xmlns:p="http://schemas.openxmlformats.org/presentationml/2006/main">
-  <p:cSld>
-    <p:spTree>
-      <p:nvGrpSpPr>
-        <p:cNvPr id="1" name=""/>
-        <p:cNvGrpSpPr/>
-        <p:nvPr/>
-      </p:nvGrpSpPr>
-      <p:grpSpPr>
-        <a:xfrm>
-          <a:off x="0" y="0"/>
-          <a:ext cx="0" cy="0"/>
-          <a:chOff x="0" y="0"/>
-          <a:chExt cx="0" cy="0"/>
-        </a:xfrm>
-      </p:grpSpPr>
-      <p:sp>
-        <p:nvSpPr>
-          <p:cNvPr id="2" name="Title 1">
-            <a:extLst>
-              <a:ext uri="{FF2B5EF4-FFF2-40B4-BE49-F238E27FC236}">
                 <a16:creationId xmlns:a16="http://schemas.microsoft.com/office/drawing/2014/main" id="{6618233B-3150-41B3-9378-50223671F10A}"/>
               </a:ext>
             </a:extLst>
@@ -13464,11 +17661,173 @@
           <a:p>
             <a:r>
               <a:rPr lang="en-US" dirty="0"/>
-              <a:t>Data Analysis: T-test (or whatever test)</a:t>
+              <a:t>Data Analysis: Chi-Square test</a:t>
             </a:r>
           </a:p>
         </p:txBody>
       </p:sp>
+      <p:sp>
+        <p:nvSpPr>
+          <p:cNvPr id="3" name="TextBox 2">
+            <a:extLst>
+              <a:ext uri="{FF2B5EF4-FFF2-40B4-BE49-F238E27FC236}">
+                <a16:creationId xmlns:a16="http://schemas.microsoft.com/office/drawing/2014/main" id="{A49D3EF4-271F-4A4E-AC58-F5ACDBCA80E9}"/>
+              </a:ext>
+            </a:extLst>
+          </p:cNvPr>
+          <p:cNvSpPr txBox="1"/>
+          <p:nvPr/>
+        </p:nvSpPr>
+        <p:spPr>
+          <a:xfrm>
+            <a:off x="970844" y="2393244"/>
+            <a:ext cx="7484534" cy="3970318"/>
+          </a:xfrm>
+          <a:prstGeom prst="rect">
+            <a:avLst/>
+          </a:prstGeom>
+          <a:noFill/>
+        </p:spPr>
+        <p:txBody>
+          <a:bodyPr wrap="square" rtlCol="0">
+            <a:spAutoFit/>
+          </a:bodyPr>
+          <a:lstStyle/>
+          <a:p>
+            <a:pPr marL="285750" indent="-285750">
+              <a:buFont typeface="Arial" panose="020B0604020202020204" pitchFamily="34" charset="0"/>
+              <a:buChar char="•"/>
+            </a:pPr>
+            <a:r>
+              <a:rPr lang="en-US" dirty="0"/>
+              <a:t>New wine metric was calculated to better evaluate “best” wine</a:t>
+            </a:r>
+          </a:p>
+          <a:p>
+            <a:pPr marL="285750" indent="-285750">
+              <a:buFont typeface="Arial" panose="020B0604020202020204" pitchFamily="34" charset="0"/>
+              <a:buChar char="•"/>
+            </a:pPr>
+            <a:r>
+              <a:rPr lang="en-US" dirty="0"/>
+              <a:t>New Wine Metric = price/points - 79 </a:t>
+            </a:r>
+          </a:p>
+          <a:p>
+            <a:endParaRPr lang="en-US" dirty="0"/>
+          </a:p>
+          <a:p>
+            <a:pPr marL="285750" indent="-285750">
+              <a:buFont typeface="Arial" panose="020B0604020202020204" pitchFamily="34" charset="0"/>
+              <a:buChar char="•"/>
+            </a:pPr>
+            <a:r>
+              <a:rPr lang="en-US" dirty="0"/>
+              <a:t>Chi-Square test was performed using average new wine metric for California and Non-California wines</a:t>
+            </a:r>
+          </a:p>
+          <a:p>
+            <a:pPr marL="285750" indent="-285750">
+              <a:buFont typeface="Arial" panose="020B0604020202020204" pitchFamily="34" charset="0"/>
+              <a:buChar char="•"/>
+            </a:pPr>
+            <a:endParaRPr lang="en-US" dirty="0"/>
+          </a:p>
+          <a:p>
+            <a:endParaRPr lang="en-US" dirty="0"/>
+          </a:p>
+          <a:p>
+            <a:pPr marL="285750" indent="-285750">
+              <a:buFont typeface="Arial" panose="020B0604020202020204" pitchFamily="34" charset="0"/>
+              <a:buChar char="•"/>
+            </a:pPr>
+            <a:r>
+              <a:rPr lang="en-US" dirty="0"/>
+              <a:t>Null hypothesis: There is no significant statistical difference between the observed wine metric values and our expected. </a:t>
+            </a:r>
+          </a:p>
+          <a:p>
+            <a:pPr marL="285750" indent="-285750">
+              <a:buFont typeface="Arial" panose="020B0604020202020204" pitchFamily="34" charset="0"/>
+              <a:buChar char="•"/>
+            </a:pPr>
+            <a:endParaRPr lang="en-US" dirty="0"/>
+          </a:p>
+          <a:p>
+            <a:pPr marL="285750" indent="-285750">
+              <a:buFont typeface="Arial" panose="020B0604020202020204" pitchFamily="34" charset="0"/>
+              <a:buChar char="•"/>
+            </a:pPr>
+            <a:r>
+              <a:rPr lang="en-US" dirty="0"/>
+              <a:t>Critical Value = 3.841         X</a:t>
+            </a:r>
+            <a:r>
+              <a:rPr lang="en-US" sz="1600" baseline="30000" dirty="0"/>
+              <a:t>2</a:t>
+            </a:r>
+            <a:r>
+              <a:rPr lang="en-US" dirty="0"/>
+              <a:t> = 0.128</a:t>
+            </a:r>
+          </a:p>
+          <a:p>
+            <a:pPr marL="285750" indent="-285750">
+              <a:buFont typeface="Arial" panose="020B0604020202020204" pitchFamily="34" charset="0"/>
+              <a:buChar char="•"/>
+            </a:pPr>
+            <a:endParaRPr lang="en-US" dirty="0"/>
+          </a:p>
+          <a:p>
+            <a:pPr marL="285750" indent="-285750">
+              <a:buFont typeface="Arial" panose="020B0604020202020204" pitchFamily="34" charset="0"/>
+              <a:buChar char="•"/>
+            </a:pPr>
+            <a:r>
+              <a:rPr lang="en-US" dirty="0"/>
+              <a:t>We would not reject our null hypothesis as X</a:t>
+            </a:r>
+            <a:r>
+              <a:rPr lang="en-US" sz="1600" baseline="30000" dirty="0"/>
+              <a:t>2  </a:t>
+            </a:r>
+            <a:r>
+              <a:rPr lang="en-US" dirty="0"/>
+              <a:t>is lower than our critical value.</a:t>
+            </a:r>
+          </a:p>
+        </p:txBody>
+      </p:sp>
+      <p:pic>
+        <p:nvPicPr>
+          <p:cNvPr id="6" name="Picture 5" descr="A screenshot of a cell phone&#10;&#10;Description automatically generated">
+            <a:extLst>
+              <a:ext uri="{FF2B5EF4-FFF2-40B4-BE49-F238E27FC236}">
+                <a16:creationId xmlns:a16="http://schemas.microsoft.com/office/drawing/2014/main" id="{B4DEE8BF-AABB-47D6-A12F-BCEF339CC3E7}"/>
+              </a:ext>
+            </a:extLst>
+          </p:cNvPr>
+          <p:cNvPicPr>
+            <a:picLocks noChangeAspect="1"/>
+          </p:cNvPicPr>
+          <p:nvPr/>
+        </p:nvPicPr>
+        <p:blipFill>
+          <a:blip r:embed="rId2"/>
+          <a:stretch>
+            <a:fillRect/>
+          </a:stretch>
+        </p:blipFill>
+        <p:spPr>
+          <a:xfrm>
+            <a:off x="8159593" y="4493672"/>
+            <a:ext cx="3795341" cy="1279954"/>
+          </a:xfrm>
+          <a:prstGeom prst="rect">
+            <a:avLst/>
+          </a:prstGeom>
+        </p:spPr>
+      </p:pic>
     </p:spTree>
     <p:extLst>
       <p:ext uri="{BB962C8B-B14F-4D97-AF65-F5344CB8AC3E}">
@@ -13479,10 +17838,22 @@
   <p:clrMapOvr>
     <a:masterClrMapping/>
   </p:clrMapOvr>
+  <mc:AlternateContent xmlns:mc="http://schemas.openxmlformats.org/markup-compatibility/2006">
+    <mc:Choice xmlns:p14="http://schemas.microsoft.com/office/powerpoint/2010/main" Requires="p14">
+      <p:transition spd="med" p14:dur="700">
+        <p:fade/>
+      </p:transition>
+    </mc:Choice>
+    <mc:Fallback>
+      <p:transition spd="med">
+        <p:fade/>
+      </p:transition>
+    </mc:Fallback>
+  </mc:AlternateContent>
 </p:sld>
 </file>
 
-<file path=ppt/slides/slide14.xml><?xml version="1.0" encoding="utf-8"?>
+<file path=ppt/slides/slide13.xml><?xml version="1.0" encoding="utf-8"?>
 <p:sld xmlns:a="http://schemas.openxmlformats.org/drawingml/2006/main" xmlns:r="http://schemas.openxmlformats.org/officeDocument/2006/relationships" xmlns:p="http://schemas.openxmlformats.org/presentationml/2006/main">
   <p:cSld>
     <p:bg>
@@ -13686,6 +18057,7 @@
         </p:nvPicPr>
         <p:blipFill rotWithShape="1">
           <a:blip r:embed="rId4">
+            <a:alphaModFix amt="71000"/>
             <a:extLst>
               <a:ext uri="{837473B0-CC2E-450A-ABE3-18F120FF3D39}">
                 <a1611:picAttrSrcUrl xmlns:a1611="http://schemas.microsoft.com/office/drawing/2016/11/main" r:id="rId5"/>
@@ -13706,7 +18078,9 @@
           <a:ln>
             <a:noFill/>
           </a:ln>
-          <a:effectLst/>
+          <a:effectLst>
+            <a:softEdge rad="0"/>
+          </a:effectLst>
         </p:spPr>
       </p:pic>
       <p:sp>
@@ -13866,12 +18240,12 @@
         <p:spPr>
           <a:xfrm>
             <a:off x="680322" y="2336872"/>
-            <a:ext cx="3581635" cy="4246807"/>
+            <a:ext cx="10581236" cy="3173591"/>
           </a:xfrm>
         </p:spPr>
         <p:txBody>
           <a:bodyPr>
-            <a:normAutofit fontScale="92500" lnSpcReduction="10000"/>
+            <a:normAutofit/>
           </a:bodyPr>
           <a:lstStyle/>
           <a:p>
@@ -13928,9 +18302,6 @@
               <a:rPr lang="en-US" sz="2800" dirty="0"/>
               <a:t>Etc.</a:t>
             </a:r>
-          </a:p>
-          <a:p>
-            <a:endParaRPr lang="en-US" sz="1600" dirty="0"/>
           </a:p>
         </p:txBody>
       </p:sp>
@@ -14025,10 +18396,22 @@
   <p:clrMapOvr>
     <a:masterClrMapping/>
   </p:clrMapOvr>
+  <mc:AlternateContent xmlns:mc="http://schemas.openxmlformats.org/markup-compatibility/2006">
+    <mc:Choice xmlns:p14="http://schemas.microsoft.com/office/powerpoint/2010/main" Requires="p14">
+      <p:transition spd="med" p14:dur="700">
+        <p:fade/>
+      </p:transition>
+    </mc:Choice>
+    <mc:Fallback>
+      <p:transition spd="med">
+        <p:fade/>
+      </p:transition>
+    </mc:Fallback>
+  </mc:AlternateContent>
 </p:sld>
 </file>
 
-<file path=ppt/slides/slide15.xml><?xml version="1.0" encoding="utf-8"?>
+<file path=ppt/slides/slide14.xml><?xml version="1.0" encoding="utf-8"?>
 <p:sld xmlns:a="http://schemas.openxmlformats.org/drawingml/2006/main" xmlns:r="http://schemas.openxmlformats.org/officeDocument/2006/relationships" xmlns:p="http://schemas.openxmlformats.org/presentationml/2006/main">
   <p:cSld>
     <p:spTree>
@@ -14091,6 +18474,7 @@
         </p:nvPicPr>
         <p:blipFill>
           <a:blip r:embed="rId3">
+            <a:alphaModFix amt="44000"/>
             <a:extLst>
               <a:ext uri="{837473B0-CC2E-450A-ABE3-18F120FF3D39}">
                 <a1611:picAttrSrcUrl xmlns:a1611="http://schemas.microsoft.com/office/drawing/2016/11/main" r:id="rId4"/>
@@ -14126,6 +18510,7 @@
         </p:nvPicPr>
         <p:blipFill>
           <a:blip r:embed="rId5">
+            <a:alphaModFix amt="32000"/>
             <a:extLst>
               <a:ext uri="{837473B0-CC2E-450A-ABE3-18F120FF3D39}">
                 <a1611:picAttrSrcUrl xmlns:a1611="http://schemas.microsoft.com/office/drawing/2016/11/main" r:id="rId6"/>
@@ -14153,10 +18538,22 @@
   <p:clrMapOvr>
     <a:masterClrMapping/>
   </p:clrMapOvr>
+  <mc:AlternateContent xmlns:mc="http://schemas.openxmlformats.org/markup-compatibility/2006">
+    <mc:Choice xmlns:p14="http://schemas.microsoft.com/office/powerpoint/2010/main" Requires="p14">
+      <p:transition spd="med" p14:dur="700">
+        <p:fade/>
+      </p:transition>
+    </mc:Choice>
+    <mc:Fallback>
+      <p:transition spd="med">
+        <p:fade/>
+      </p:transition>
+    </mc:Fallback>
+  </mc:AlternateContent>
 </p:sld>
 </file>
 
-<file path=ppt/slides/slide16.xml><?xml version="1.0" encoding="utf-8"?>
+<file path=ppt/slides/slide15.xml><?xml version="1.0" encoding="utf-8"?>
 <p:sld xmlns:a="http://schemas.openxmlformats.org/drawingml/2006/main" xmlns:r="http://schemas.openxmlformats.org/officeDocument/2006/relationships" xmlns:p="http://schemas.openxmlformats.org/presentationml/2006/main">
   <p:cSld>
     <p:bg>
@@ -14566,6 +18963,18 @@
   <p:clrMapOvr>
     <a:masterClrMapping/>
   </p:clrMapOvr>
+  <mc:AlternateContent xmlns:mc="http://schemas.openxmlformats.org/markup-compatibility/2006">
+    <mc:Choice xmlns:p14="http://schemas.microsoft.com/office/powerpoint/2010/main" Requires="p14">
+      <p:transition spd="med" p14:dur="700">
+        <p:fade/>
+      </p:transition>
+    </mc:Choice>
+    <mc:Fallback>
+      <p:transition spd="med">
+        <p:fade/>
+      </p:transition>
+    </mc:Fallback>
+  </mc:AlternateContent>
 </p:sld>
 </file>
 
@@ -14638,7 +19047,7 @@
         </p:spPr>
         <p:txBody>
           <a:bodyPr>
-            <a:normAutofit lnSpcReduction="10000"/>
+            <a:normAutofit fontScale="92500"/>
           </a:bodyPr>
           <a:lstStyle/>
           <a:p>
@@ -14651,7 +19060,7 @@
             </a:r>
             <a:r>
               <a:rPr lang="en-US" sz="3600" dirty="0"/>
-              <a:t>If California has the best wines in the world then they will have the highest professionally rated wine reviews (relative to overall cost) when compared to the rest of the world.</a:t>
+              <a:t>If California has the “best” wines in the world, then by our metric, they will have the highest professionally rated wine (relative to overall cost) by reviews when compared to the rest of the world.</a:t>
             </a:r>
           </a:p>
           <a:p>
@@ -14700,7 +19109,7 @@
           <a:p>
             <a:r>
               <a:rPr lang="en-US" sz="3600" dirty="0"/>
-              <a:t>California is known for their wines, but do they have the best wines in the world? How could we prove it?</a:t>
+              <a:t>In the US, California is known for their wines, but do they have the “best” wines in the world? How might we go about trying to prove it?</a:t>
             </a:r>
           </a:p>
         </p:txBody>
@@ -14715,6 +19124,18 @@
   <p:clrMapOvr>
     <a:masterClrMapping/>
   </p:clrMapOvr>
+  <mc:AlternateContent xmlns:mc="http://schemas.openxmlformats.org/markup-compatibility/2006">
+    <mc:Choice xmlns:p14="http://schemas.microsoft.com/office/powerpoint/2010/main" Requires="p14">
+      <p:transition spd="med" p14:dur="700">
+        <p:fade/>
+      </p:transition>
+    </mc:Choice>
+    <mc:Fallback>
+      <p:transition spd="med">
+        <p:fade/>
+      </p:transition>
+    </mc:Fallback>
+  </mc:AlternateContent>
 </p:sld>
 </file>
 
@@ -14779,26 +19200,63 @@
             <p:ph idx="1"/>
           </p:nvPr>
         </p:nvSpPr>
-        <p:spPr/>
+        <p:spPr>
+          <a:xfrm>
+            <a:off x="680320" y="2156399"/>
+            <a:ext cx="10761712" cy="4075959"/>
+          </a:xfrm>
+        </p:spPr>
         <p:txBody>
           <a:bodyPr>
-            <a:normAutofit/>
+            <a:normAutofit lnSpcReduction="10000"/>
           </a:bodyPr>
           <a:lstStyle/>
           <a:p>
             <a:r>
               <a:rPr lang="en-US" dirty="0"/>
-              <a:t>What is considered the “best”?</a:t>
+              <a:t>What to considered when defining the “best” wine?</a:t>
             </a:r>
           </a:p>
           <a:p>
             <a:r>
               <a:rPr lang="en-US" dirty="0"/>
-              <a:t>How to go by defining the “best”?</a:t>
-            </a:r>
-          </a:p>
-          <a:p>
-            <a:endParaRPr lang="en-US" dirty="0"/>
+              <a:t>How to go about defining the what properties make a wine “best” quantitatively based on review data?</a:t>
+            </a:r>
+          </a:p>
+          <a:p>
+            <a:r>
+              <a:rPr lang="en-US" dirty="0"/>
+              <a:t>Questions:</a:t>
+            </a:r>
+          </a:p>
+          <a:p>
+            <a:pPr lvl="1"/>
+            <a:r>
+              <a:rPr lang="en-US" sz="2400" dirty="0"/>
+              <a:t>Does California produce the highest quality (professionally rated) wine compared other places of origin?</a:t>
+            </a:r>
+          </a:p>
+          <a:p>
+            <a:pPr lvl="1"/>
+            <a:endParaRPr lang="en-US" sz="2400" dirty="0"/>
+          </a:p>
+          <a:p>
+            <a:pPr lvl="1"/>
+            <a:r>
+              <a:rPr lang="en-US" sz="2400" dirty="0"/>
+              <a:t>How do Californian wine reviews compare to the rest of the world when it comes to the variety of wines reviewed?</a:t>
+            </a:r>
+          </a:p>
+          <a:p>
+            <a:pPr lvl="1"/>
+            <a:endParaRPr lang="en-US" sz="2400" dirty="0"/>
+          </a:p>
+          <a:p>
+            <a:pPr lvl="1"/>
+            <a:r>
+              <a:rPr lang="en-US" sz="2400" dirty="0"/>
+              <a:t>Does spending more (higher price) get you better (higher rated) wine?</a:t>
+            </a:r>
           </a:p>
         </p:txBody>
       </p:sp>
@@ -14812,6 +19270,18 @@
   <p:clrMapOvr>
     <a:masterClrMapping/>
   </p:clrMapOvr>
+  <mc:AlternateContent xmlns:mc="http://schemas.openxmlformats.org/markup-compatibility/2006">
+    <mc:Choice xmlns:p14="http://schemas.microsoft.com/office/powerpoint/2010/main" Requires="p14">
+      <p:transition spd="med" p14:dur="700">
+        <p:fade/>
+      </p:transition>
+    </mc:Choice>
+    <mc:Fallback>
+      <p:transition spd="med">
+        <p:fade/>
+      </p:transition>
+    </mc:Fallback>
+  </mc:AlternateContent>
 </p:sld>
 </file>
 
@@ -14876,10 +19346,15 @@
             <p:ph idx="1"/>
           </p:nvPr>
         </p:nvSpPr>
-        <p:spPr/>
+        <p:spPr>
+          <a:xfrm>
+            <a:off x="499847" y="2149129"/>
+            <a:ext cx="10737648" cy="4251671"/>
+          </a:xfrm>
+        </p:spPr>
         <p:txBody>
           <a:bodyPr>
-            <a:normAutofit fontScale="85000" lnSpcReduction="20000"/>
+            <a:normAutofit/>
           </a:bodyPr>
           <a:lstStyle/>
           <a:p>
@@ -14909,56 +19384,49 @@
             <a:pPr lvl="1"/>
             <a:r>
               <a:rPr lang="en-US" dirty="0"/>
-              <a:t>California is known for wines, but do they produce the highest quality (professionally rated) wine compared others?</a:t>
+              <a:t>Does California produce the highest quality (professionally rated) wine compared others?  </a:t>
+            </a:r>
+            <a:r>
+              <a:rPr lang="en-US" b="1" dirty="0"/>
+              <a:t>Two histograms of CA and Non CA that displays distribution of ratings and Violin plot of prices of California wines and Non-California wines</a:t>
             </a:r>
           </a:p>
           <a:p>
             <a:pPr lvl="1"/>
+            <a:endParaRPr lang="en-US" b="1" dirty="0"/>
+          </a:p>
+          <a:p>
+            <a:pPr lvl="1"/>
             <a:r>
               <a:rPr lang="en-US" dirty="0"/>
-              <a:t>Does California have the best (top rated) wineries compared to the rest of the world?</a:t>
+              <a:t>How does California wine reviews compare to the rest of the world when it comes to the variety of wines reviewed? </a:t>
+            </a:r>
+            <a:r>
+              <a:rPr lang="en-US" b="1" dirty="0"/>
+              <a:t>Pie Charts of varieties or bar graphs (CA, Non-CA, GBL)</a:t>
             </a:r>
           </a:p>
           <a:p>
             <a:pPr lvl="1"/>
+            <a:endParaRPr lang="en-US" b="1" dirty="0"/>
+          </a:p>
+          <a:p>
+            <a:pPr lvl="1"/>
             <a:r>
               <a:rPr lang="en-US" dirty="0"/>
-              <a:t>How does California wine reviews compare to the rest of the world when it comes to the variety of wines reviewed?</a:t>
-            </a:r>
-          </a:p>
-          <a:p>
-            <a:pPr lvl="1"/>
-            <a:r>
-              <a:rPr lang="en-US" dirty="0"/>
-              <a:t>Are California wines a better value (price vs review rating) than other wines reviewed?</a:t>
-            </a:r>
-          </a:p>
-          <a:p>
-            <a:pPr lvl="1"/>
-            <a:r>
-              <a:rPr lang="en-US" dirty="0"/>
-              <a:t>Does California have the best rated because they have higher diversity of wines?</a:t>
-            </a:r>
-          </a:p>
-          <a:p>
-            <a:pPr lvl="1"/>
-            <a:r>
-              <a:rPr lang="en-US" dirty="0"/>
-              <a:t>Do California have the best rated because they have a high number of distributions of reviews by year.</a:t>
-            </a:r>
-          </a:p>
-          <a:p>
-            <a:pPr lvl="1"/>
-            <a:r>
-              <a:rPr lang="en-US" dirty="0"/>
-              <a:t>Does spending more get you better wine?</a:t>
-            </a:r>
-          </a:p>
-          <a:p>
-            <a:pPr lvl="1"/>
-            <a:r>
-              <a:rPr lang="en-US" dirty="0"/>
-              <a:t>Where should you really go for a good wine tour?</a:t>
+              <a:t>Does spending more get you better wine?  </a:t>
+            </a:r>
+            <a:r>
+              <a:rPr lang="en-US" b="1" dirty="0"/>
+              <a:t>Two scatterplots with </a:t>
+            </a:r>
+            <a:r>
+              <a:rPr lang="en-US" b="1" dirty="0" err="1"/>
+              <a:t>lingress</a:t>
+            </a:r>
+            <a:r>
+              <a:rPr lang="en-US" b="1" dirty="0"/>
+              <a:t>(CA &amp; GBL)</a:t>
             </a:r>
           </a:p>
           <a:p>
@@ -14979,6 +19447,18 @@
   <p:clrMapOvr>
     <a:masterClrMapping/>
   </p:clrMapOvr>
+  <mc:AlternateContent xmlns:mc="http://schemas.openxmlformats.org/markup-compatibility/2006">
+    <mc:Choice xmlns:p14="http://schemas.microsoft.com/office/powerpoint/2010/main" Requires="p14">
+      <p:transition spd="med" p14:dur="700">
+        <p:fade/>
+      </p:transition>
+    </mc:Choice>
+    <mc:Fallback>
+      <p:transition spd="med">
+        <p:fade/>
+      </p:transition>
+    </mc:Fallback>
+  </mc:AlternateContent>
 </p:sld>
 </file>
 
@@ -15082,8 +19562,8 @@
         </p:nvSpPr>
         <p:spPr>
           <a:xfrm>
-            <a:off x="878306" y="2090486"/>
-            <a:ext cx="4111625" cy="4611688"/>
+            <a:off x="680322" y="2302542"/>
+            <a:ext cx="4285546" cy="3913272"/>
           </a:xfrm>
         </p:spPr>
         <p:txBody>
@@ -15131,24 +19611,16 @@
               <a:rPr lang="en-US" sz="1900" dirty="0"/>
               <a:t>We wanted to look at the where, what type, who, and how much?</a:t>
             </a:r>
-          </a:p>
-          <a:p>
-            <a:pPr marL="0" indent="0">
-              <a:buNone/>
-            </a:pPr>
-            <a:endParaRPr lang="en-US" sz="1400" dirty="0"/>
-          </a:p>
-          <a:p>
             <a:endParaRPr lang="en-US" sz="1400" dirty="0"/>
           </a:p>
         </p:txBody>
       </p:sp>
       <p:pic>
         <p:nvPicPr>
-          <p:cNvPr id="4" name="Picture 3">
+          <p:cNvPr id="5" name="Picture 4">
             <a:extLst>
               <a:ext uri="{FF2B5EF4-FFF2-40B4-BE49-F238E27FC236}">
-                <a16:creationId xmlns:a16="http://schemas.microsoft.com/office/drawing/2014/main" id="{AECD77BF-945E-4806-9FFE-C874D10CF22E}"/>
+                <a16:creationId xmlns:a16="http://schemas.microsoft.com/office/drawing/2014/main" id="{F31E8753-54F9-4BFA-821F-9F620C38426B}"/>
               </a:ext>
             </a:extLst>
           </p:cNvPr>
@@ -15165,16 +19637,12 @@
         </p:blipFill>
         <p:spPr>
           <a:xfrm>
-            <a:off x="5455920" y="1977798"/>
-            <a:ext cx="5962048" cy="1751991"/>
+            <a:off x="5098686" y="2712874"/>
+            <a:ext cx="6872736" cy="3092609"/>
           </a:xfrm>
           <a:prstGeom prst="rect">
             <a:avLst/>
           </a:prstGeom>
-          <a:ln>
-            <a:noFill/>
-          </a:ln>
-          <a:effectLst/>
         </p:spPr>
       </p:pic>
     </p:spTree>
@@ -15187,12 +19655,59 @@
   <p:clrMapOvr>
     <a:masterClrMapping/>
   </p:clrMapOvr>
+  <mc:AlternateContent xmlns:mc="http://schemas.openxmlformats.org/markup-compatibility/2006">
+    <mc:Choice xmlns:p14="http://schemas.microsoft.com/office/powerpoint/2010/main" Requires="p14">
+      <p:transition spd="med" p14:dur="700">
+        <p:fade/>
+      </p:transition>
+    </mc:Choice>
+    <mc:Fallback>
+      <p:transition spd="med">
+        <p:fade/>
+      </p:transition>
+    </mc:Fallback>
+  </mc:AlternateContent>
 </p:sld>
 </file>
 
 <file path=ppt/slides/slide6.xml><?xml version="1.0" encoding="utf-8"?>
 <p:sld xmlns:a="http://schemas.openxmlformats.org/drawingml/2006/main" xmlns:r="http://schemas.openxmlformats.org/officeDocument/2006/relationships" xmlns:p="http://schemas.openxmlformats.org/presentationml/2006/main">
   <p:cSld>
+    <p:bg>
+      <p:bgPr>
+        <a:gradFill rotWithShape="1">
+          <a:gsLst>
+            <a:gs pos="0">
+              <a:schemeClr val="bg2">
+                <a:tint val="96000"/>
+                <a:shade val="100000"/>
+                <a:hueMod val="106000"/>
+                <a:satMod val="220000"/>
+                <a:lumMod val="140000"/>
+              </a:schemeClr>
+            </a:gs>
+            <a:gs pos="50000">
+              <a:schemeClr val="bg2">
+                <a:shade val="100000"/>
+                <a:hueMod val="100000"/>
+                <a:satMod val="110000"/>
+                <a:lumMod val="130000"/>
+              </a:schemeClr>
+            </a:gs>
+            <a:gs pos="100000">
+              <a:schemeClr val="bg2">
+                <a:shade val="69000"/>
+                <a:hueMod val="88000"/>
+                <a:satMod val="160000"/>
+                <a:lumMod val="69000"/>
+              </a:schemeClr>
+            </a:gs>
+          </a:gsLst>
+          <a:lin ang="2520000" scaled="0"/>
+        </a:gradFill>
+        <a:effectLst/>
+      </p:bgPr>
+    </p:bg>
     <p:spTree>
       <p:nvGrpSpPr>
         <p:cNvPr id="1" name=""/>
@@ -15207,6 +19722,275 @@
           <a:chExt cx="0" cy="0"/>
         </a:xfrm>
       </p:grpSpPr>
+      <p:sp useBgFill="1">
+        <p:nvSpPr>
+          <p:cNvPr id="10" name="Rectangle 9">
+            <a:extLst>
+              <a:ext uri="{FF2B5EF4-FFF2-40B4-BE49-F238E27FC236}">
+                <a16:creationId xmlns:a16="http://schemas.microsoft.com/office/drawing/2014/main" id="{172FA20E-3EEC-4201-BE1D-0563AE403A5D}"/>
+              </a:ext>
+              <a:ext uri="{C183D7F6-B498-43B3-948B-1728B52AA6E4}">
+                <adec:decorative xmlns:adec="http://schemas.microsoft.com/office/drawing/2017/decorative" val="1"/>
+              </a:ext>
+            </a:extLst>
+          </p:cNvPr>
+          <p:cNvSpPr>
+            <a:spLocks noGrp="1" noRot="1" noChangeAspect="1" noMove="1" noResize="1" noEditPoints="1" noAdjustHandles="1" noChangeArrowheads="1" noChangeShapeType="1" noTextEdit="1"/>
+          </p:cNvSpPr>
+          <p:nvPr>
+            <p:extLst>
+              <p:ext uri="{386F3935-93C4-4BCD-93E2-E3B085C9AB24}">
+                <p16:designElem xmlns:p16="http://schemas.microsoft.com/office/powerpoint/2015/main" val="1"/>
+              </p:ext>
+            </p:extLst>
+          </p:nvPr>
+        </p:nvSpPr>
+        <p:spPr>
+          <a:xfrm>
+            <a:off x="0" y="0"/>
+            <a:ext cx="12188824" cy="6858000"/>
+          </a:xfrm>
+          <a:prstGeom prst="rect">
+            <a:avLst/>
+          </a:prstGeom>
+          <a:ln>
+            <a:noFill/>
+          </a:ln>
+        </p:spPr>
+        <p:style>
+          <a:lnRef idx="2">
+            <a:schemeClr val="accent1">
+              <a:shade val="50000"/>
+            </a:schemeClr>
+          </a:lnRef>
+          <a:fillRef idx="1">
+            <a:schemeClr val="accent1"/>
+          </a:fillRef>
+          <a:effectRef idx="0">
+            <a:schemeClr val="accent1"/>
+          </a:effectRef>
+          <a:fontRef idx="minor">
+            <a:schemeClr val="lt1"/>
+          </a:fontRef>
+        </p:style>
+        <p:txBody>
+          <a:bodyPr rtlCol="0" anchor="ctr"/>
+          <a:lstStyle/>
+          <a:p>
+            <a:pPr algn="ctr"/>
+            <a:endParaRPr lang="en-US"/>
+          </a:p>
+        </p:txBody>
+      </p:sp>
+      <p:pic>
+        <p:nvPicPr>
+          <p:cNvPr id="12" name="Picture 11">
+            <a:extLst>
+              <a:ext uri="{FF2B5EF4-FFF2-40B4-BE49-F238E27FC236}">
+                <a16:creationId xmlns:a16="http://schemas.microsoft.com/office/drawing/2014/main" id="{AED7C419-9BA1-4696-B356-43EFEF183057}"/>
+              </a:ext>
+              <a:ext uri="{C183D7F6-B498-43B3-948B-1728B52AA6E4}">
+                <adec:decorative xmlns:adec="http://schemas.microsoft.com/office/drawing/2017/decorative" val="1"/>
+              </a:ext>
+            </a:extLst>
+          </p:cNvPr>
+          <p:cNvPicPr>
+            <a:picLocks noGrp="1" noRot="1" noChangeAspect="1" noMove="1" noResize="1" noEditPoints="1" noAdjustHandles="1" noChangeArrowheads="1" noChangeShapeType="1" noCrop="1"/>
+          </p:cNvPicPr>
+          <p:nvPr>
+            <p:extLst>
+              <p:ext uri="{386F3935-93C4-4BCD-93E2-E3B085C9AB24}">
+                <p16:designElem xmlns:p16="http://schemas.microsoft.com/office/powerpoint/2015/main" val="1"/>
+              </p:ext>
+            </p:extLst>
+          </p:nvPr>
+        </p:nvPicPr>
+        <p:blipFill>
+          <a:blip r:embed="rId3">
+            <a:alphaModFix amt="10000"/>
+            <a:extLst>
+              <a:ext uri="{28A0092B-C50C-407E-A947-70E740481C1C}">
+                <a14:useLocalDpi xmlns:a14="http://schemas.microsoft.com/office/drawing/2010/main" val="0"/>
+              </a:ext>
+            </a:extLst>
+          </a:blip>
+          <a:stretch>
+            <a:fillRect/>
+          </a:stretch>
+        </p:blipFill>
+        <p:spPr>
+          <a:xfrm>
+            <a:off x="0" y="0"/>
+            <a:ext cx="12192000" cy="6858000"/>
+          </a:xfrm>
+          <a:prstGeom prst="rect">
+            <a:avLst/>
+          </a:prstGeom>
+        </p:spPr>
+      </p:pic>
+      <p:sp>
+        <p:nvSpPr>
+          <p:cNvPr id="14" name="Rectangle 13">
+            <a:extLst>
+              <a:ext uri="{FF2B5EF4-FFF2-40B4-BE49-F238E27FC236}">
+                <a16:creationId xmlns:a16="http://schemas.microsoft.com/office/drawing/2014/main" id="{7AD29F78-0630-44F9-A0BE-D82D22910BEF}"/>
+              </a:ext>
+              <a:ext uri="{C183D7F6-B498-43B3-948B-1728B52AA6E4}">
+                <adec:decorative xmlns:adec="http://schemas.microsoft.com/office/drawing/2017/decorative" val="1"/>
+              </a:ext>
+            </a:extLst>
+          </p:cNvPr>
+          <p:cNvSpPr>
+            <a:spLocks noGrp="1" noRot="1" noChangeAspect="1" noMove="1" noResize="1" noEditPoints="1" noAdjustHandles="1" noChangeArrowheads="1" noChangeShapeType="1" noTextEdit="1"/>
+          </p:cNvSpPr>
+          <p:nvPr>
+            <p:extLst>
+              <p:ext uri="{386F3935-93C4-4BCD-93E2-E3B085C9AB24}">
+                <p16:designElem xmlns:p16="http://schemas.microsoft.com/office/powerpoint/2015/main" val="1"/>
+              </p:ext>
+            </p:extLst>
+          </p:nvPr>
+        </p:nvSpPr>
+        <p:spPr>
+          <a:xfrm>
+            <a:off x="4644527" y="0"/>
+            <a:ext cx="7552944" cy="6858001"/>
+          </a:xfrm>
+          <a:prstGeom prst="rect">
+            <a:avLst/>
+          </a:prstGeom>
+          <a:ln>
+            <a:noFill/>
+          </a:ln>
+        </p:spPr>
+        <p:style>
+          <a:lnRef idx="2">
+            <a:schemeClr val="accent1">
+              <a:shade val="50000"/>
+            </a:schemeClr>
+          </a:lnRef>
+          <a:fillRef idx="1">
+            <a:schemeClr val="accent1"/>
+          </a:fillRef>
+          <a:effectRef idx="0">
+            <a:schemeClr val="accent1"/>
+          </a:effectRef>
+          <a:fontRef idx="minor">
+            <a:schemeClr val="lt1"/>
+          </a:fontRef>
+        </p:style>
+        <p:txBody>
+          <a:bodyPr rtlCol="0" anchor="ctr"/>
+          <a:lstStyle/>
+          <a:p>
+            <a:pPr algn="ctr"/>
+            <a:endParaRPr lang="en-US"/>
+          </a:p>
+        </p:txBody>
+      </p:sp>
+      <p:pic>
+        <p:nvPicPr>
+          <p:cNvPr id="16" name="Picture 15">
+            <a:extLst>
+              <a:ext uri="{FF2B5EF4-FFF2-40B4-BE49-F238E27FC236}">
+                <a16:creationId xmlns:a16="http://schemas.microsoft.com/office/drawing/2014/main" id="{E3E2E76B-5713-416F-9E1F-82EBA41BF4DA}"/>
+              </a:ext>
+              <a:ext uri="{C183D7F6-B498-43B3-948B-1728B52AA6E4}">
+                <adec:decorative xmlns:adec="http://schemas.microsoft.com/office/drawing/2017/decorative" val="1"/>
+              </a:ext>
+            </a:extLst>
+          </p:cNvPr>
+          <p:cNvPicPr>
+            <a:picLocks noGrp="1" noRot="1" noChangeAspect="1" noMove="1" noResize="1" noEditPoints="1" noAdjustHandles="1" noChangeArrowheads="1" noChangeShapeType="1" noCrop="1"/>
+          </p:cNvPicPr>
+          <p:nvPr>
+            <p:extLst>
+              <p:ext uri="{386F3935-93C4-4BCD-93E2-E3B085C9AB24}">
+                <p16:designElem xmlns:p16="http://schemas.microsoft.com/office/powerpoint/2015/main" val="1"/>
+              </p:ext>
+            </p:extLst>
+          </p:nvPr>
+        </p:nvPicPr>
+        <p:blipFill>
+          <a:blip r:embed="rId4" cstate="print">
+            <a:extLst>
+              <a:ext uri="{28A0092B-C50C-407E-A947-70E740481C1C}">
+                <a14:useLocalDpi xmlns:a14="http://schemas.microsoft.com/office/drawing/2010/main" val="0"/>
+              </a:ext>
+            </a:extLst>
+          </a:blip>
+          <a:stretch>
+            <a:fillRect/>
+          </a:stretch>
+        </p:blipFill>
+        <p:spPr>
+          <a:xfrm>
+            <a:off x="1" y="5006045"/>
+            <a:ext cx="4965192" cy="144668"/>
+          </a:xfrm>
+          <a:prstGeom prst="rect">
+            <a:avLst/>
+          </a:prstGeom>
+        </p:spPr>
+      </p:pic>
+      <p:sp>
+        <p:nvSpPr>
+          <p:cNvPr id="18" name="Rectangle 17">
+            <a:extLst>
+              <a:ext uri="{FF2B5EF4-FFF2-40B4-BE49-F238E27FC236}">
+                <a16:creationId xmlns:a16="http://schemas.microsoft.com/office/drawing/2014/main" id="{2708AD19-3EA5-4EC5-BF8C-37B0A4B1956E}"/>
+              </a:ext>
+              <a:ext uri="{C183D7F6-B498-43B3-948B-1728B52AA6E4}">
+                <adec:decorative xmlns:adec="http://schemas.microsoft.com/office/drawing/2017/decorative" val="1"/>
+              </a:ext>
+            </a:extLst>
+          </p:cNvPr>
+          <p:cNvSpPr>
+            <a:spLocks noGrp="1" noRot="1" noChangeAspect="1" noMove="1" noResize="1" noEditPoints="1" noAdjustHandles="1" noChangeArrowheads="1" noChangeShapeType="1" noTextEdit="1"/>
+          </p:cNvSpPr>
+          <p:nvPr>
+            <p:extLst>
+              <p:ext uri="{386F3935-93C4-4BCD-93E2-E3B085C9AB24}">
+                <p16:designElem xmlns:p16="http://schemas.microsoft.com/office/powerpoint/2015/main" val="1"/>
+              </p:ext>
+            </p:extLst>
+          </p:nvPr>
+        </p:nvSpPr>
+        <p:spPr>
+          <a:xfrm>
+            <a:off x="-1" y="1838764"/>
+            <a:ext cx="4964567" cy="3180473"/>
+          </a:xfrm>
+          <a:prstGeom prst="rect">
+            <a:avLst/>
+          </a:prstGeom>
+          <a:solidFill>
+            <a:schemeClr val="bg1">
+              <a:lumMod val="85000"/>
+              <a:lumOff val="15000"/>
+            </a:schemeClr>
+          </a:solidFill>
+          <a:ln>
+            <a:noFill/>
+          </a:ln>
+        </p:spPr>
+        <p:style>
+          <a:lnRef idx="2">
+            <a:schemeClr val="accent1">
+              <a:shade val="50000"/>
+            </a:schemeClr>
+          </a:lnRef>
+          <a:fillRef idx="1">
+            <a:schemeClr val="accent1"/>
+          </a:fillRef>
+          <a:effectRef idx="0">
+            <a:schemeClr val="accent1"/>
+          </a:effectRef>
+          <a:fontRef idx="minor">
+            <a:schemeClr val="lt1"/>
+          </a:fontRef>
+        </p:style>
+      </p:sp>
       <p:sp>
         <p:nvSpPr>
           <p:cNvPr id="2" name="Title 1">
@@ -15223,38 +20007,10 @@
             <p:ph type="title"/>
           </p:nvPr>
         </p:nvSpPr>
-        <p:spPr/>
-        <p:txBody>
-          <a:bodyPr/>
-          <a:lstStyle/>
-          <a:p>
-            <a:r>
-              <a:rPr lang="en-US" dirty="0"/>
-              <a:t>Data Cleanup and Exploration</a:t>
-            </a:r>
-          </a:p>
-        </p:txBody>
-      </p:sp>
-      <p:sp>
-        <p:nvSpPr>
-          <p:cNvPr id="3" name="Content Placeholder 2">
-            <a:extLst>
-              <a:ext uri="{FF2B5EF4-FFF2-40B4-BE49-F238E27FC236}">
-                <a16:creationId xmlns:a16="http://schemas.microsoft.com/office/drawing/2014/main" id="{148DFADC-0423-409A-9365-F0C7230C1825}"/>
-              </a:ext>
-            </a:extLst>
-          </p:cNvPr>
-          <p:cNvSpPr>
-            <a:spLocks noGrp="1"/>
-          </p:cNvSpPr>
-          <p:nvPr>
-            <p:ph idx="1"/>
-          </p:nvPr>
-        </p:nvSpPr>
         <p:spPr>
           <a:xfrm>
-            <a:off x="680321" y="2273968"/>
-            <a:ext cx="9613861" cy="4331369"/>
+            <a:off x="432571" y="2078517"/>
+            <a:ext cx="3739279" cy="2661052"/>
           </a:xfrm>
         </p:spPr>
         <p:txBody>
@@ -15263,49 +20019,45 @@
           </a:bodyPr>
           <a:lstStyle/>
           <a:p>
-            <a:r>
-              <a:rPr lang="en-US" sz="2000" dirty="0"/>
-              <a:t>Original data had to be manipulated to be able to upload “starter” to GitHub.</a:t>
-            </a:r>
-          </a:p>
-          <a:p>
-            <a:r>
-              <a:rPr lang="en-US" sz="2000" dirty="0"/>
-              <a:t>Description and Designation columns dropped from the original 130k csv to create “dropped_wine_data.csv”</a:t>
-            </a:r>
-          </a:p>
-          <a:p>
-            <a:r>
-              <a:rPr lang="en-US" sz="2000" dirty="0"/>
-              <a:t>Got the counts of rows in each column.</a:t>
-            </a:r>
-          </a:p>
-          <a:p>
-            <a:r>
-              <a:rPr lang="en-US" sz="2000" dirty="0"/>
-              <a:t>Dropped unneeded columns.</a:t>
-            </a:r>
-          </a:p>
-          <a:p>
-            <a:r>
-              <a:rPr lang="en-US" sz="2000" dirty="0"/>
-              <a:t>Dropped any NaN records in the data.</a:t>
-            </a:r>
-          </a:p>
-          <a:p>
-            <a:r>
-              <a:rPr lang="en-US" sz="2000" dirty="0"/>
-              <a:t>Extracted ‘year’ from column title then recleaned the data for any new NaN values and dropped duplicate values</a:t>
-            </a:r>
-          </a:p>
-          <a:p>
-            <a:r>
-              <a:rPr lang="en-US" sz="2000" dirty="0"/>
-              <a:t>Renamed and deleted unneeded columns before exporting csv to other people working on the data.</a:t>
+            <a:pPr algn="r"/>
+            <a:r>
+              <a:rPr lang="en-US" sz="4400" dirty="0"/>
+              <a:t>Data Cleanup and Exploration</a:t>
             </a:r>
           </a:p>
         </p:txBody>
       </p:sp>
+      <p:graphicFrame>
+        <p:nvGraphicFramePr>
+          <p:cNvPr id="5" name="Content Placeholder 2">
+            <a:extLst>
+              <a:ext uri="{FF2B5EF4-FFF2-40B4-BE49-F238E27FC236}">
+                <a16:creationId xmlns:a16="http://schemas.microsoft.com/office/drawing/2014/main" id="{730F901F-A859-4CBC-960D-7F5603665952}"/>
+              </a:ext>
+            </a:extLst>
+          </p:cNvPr>
+          <p:cNvGraphicFramePr>
+            <a:graphicFrameLocks noGrp="1"/>
+          </p:cNvGraphicFramePr>
+          <p:nvPr>
+            <p:ph idx="1"/>
+            <p:extLst>
+              <p:ext uri="{D42A27DB-BD31-4B8C-83A1-F6EECF244321}">
+                <p14:modId xmlns:p14="http://schemas.microsoft.com/office/powerpoint/2010/main" val="3342005405"/>
+              </p:ext>
+            </p:extLst>
+          </p:nvPr>
+        </p:nvGraphicFramePr>
+        <p:xfrm>
+          <a:off x="5284788" y="639763"/>
+          <a:ext cx="6261100" cy="5578475"/>
+        </p:xfrm>
+        <a:graphic>
+          <a:graphicData uri="http://schemas.openxmlformats.org/drawingml/2006/diagram">
+            <dgm:relIds xmlns:dgm="http://schemas.openxmlformats.org/drawingml/2006/diagram" xmlns:r="http://schemas.openxmlformats.org/officeDocument/2006/relationships" r:dm="rId5" r:lo="rId6" r:qs="rId7" r:cs="rId8"/>
+          </a:graphicData>
+        </a:graphic>
+      </p:graphicFrame>
     </p:spTree>
     <p:extLst>
       <p:ext uri="{BB962C8B-B14F-4D97-AF65-F5344CB8AC3E}">
@@ -15316,6 +20068,18 @@
   <p:clrMapOvr>
     <a:masterClrMapping/>
   </p:clrMapOvr>
+  <mc:AlternateContent xmlns:mc="http://schemas.openxmlformats.org/markup-compatibility/2006">
+    <mc:Choice xmlns:p14="http://schemas.microsoft.com/office/powerpoint/2010/main" Requires="p14">
+      <p:transition spd="med" p14:dur="700">
+        <p:fade/>
+      </p:transition>
+    </mc:Choice>
+    <mc:Fallback>
+      <p:transition spd="med">
+        <p:fade/>
+      </p:transition>
+    </mc:Fallback>
+  </mc:AlternateContent>
 </p:sld>
 </file>
 
@@ -15341,7 +20105,7 @@
           <p:cNvPr id="2" name="Title 1">
             <a:extLst>
               <a:ext uri="{FF2B5EF4-FFF2-40B4-BE49-F238E27FC236}">
-                <a16:creationId xmlns:a16="http://schemas.microsoft.com/office/drawing/2014/main" id="{D6627360-EA93-424D-A92D-819ADAB5381C}"/>
+                <a16:creationId xmlns:a16="http://schemas.microsoft.com/office/drawing/2014/main" id="{3BB1344A-84C5-418F-8E04-BA65866DF107}"/>
               </a:ext>
             </a:extLst>
           </p:cNvPr>
@@ -15359,7 +20123,7 @@
           <a:p>
             <a:r>
               <a:rPr lang="en-US" dirty="0"/>
-              <a:t>Data Analysis</a:t>
+              <a:t>Data Cleanup and Exploration Summary</a:t>
             </a:r>
           </a:p>
         </p:txBody>
@@ -15369,7 +20133,7 @@
           <p:cNvPr id="3" name="Content Placeholder 2">
             <a:extLst>
               <a:ext uri="{FF2B5EF4-FFF2-40B4-BE49-F238E27FC236}">
-                <a16:creationId xmlns:a16="http://schemas.microsoft.com/office/drawing/2014/main" id="{7F1680D4-6050-4102-93D9-3BC32039851D}"/>
+                <a16:creationId xmlns:a16="http://schemas.microsoft.com/office/drawing/2014/main" id="{4AEB7D0B-7223-4FE0-A8F3-F32663544952}"/>
               </a:ext>
             </a:extLst>
           </p:cNvPr>
@@ -15380,42 +20144,148 @@
             <p:ph idx="1"/>
           </p:nvPr>
         </p:nvSpPr>
-        <p:spPr/>
+        <p:spPr>
+          <a:xfrm>
+            <a:off x="680322" y="2336872"/>
+            <a:ext cx="5415678" cy="4172211"/>
+          </a:xfrm>
+        </p:spPr>
         <p:txBody>
-          <a:bodyPr/>
+          <a:bodyPr>
+            <a:normAutofit/>
+          </a:bodyPr>
           <a:lstStyle/>
           <a:p>
             <a:r>
-              <a:rPr lang="en-US" i="1" dirty="0"/>
-              <a:t>Discuss the steps you took to analyze the data and answer each question you asked in your proposal</a:t>
-            </a:r>
-          </a:p>
-          <a:p>
-            <a:r>
-              <a:rPr lang="en-US" i="1" dirty="0"/>
-              <a:t>Present and discuss interesting figures developed during analysis, ideally with the help of </a:t>
-            </a:r>
-            <a:r>
-              <a:rPr lang="en-US" i="1" dirty="0" err="1"/>
-              <a:t>Jupyter</a:t>
-            </a:r>
-            <a:r>
-              <a:rPr lang="en-US" i="1" dirty="0"/>
-              <a:t> Notebook</a:t>
+              <a:rPr lang="en-US" dirty="0"/>
+              <a:t>In total we made:</a:t>
+            </a:r>
+          </a:p>
+          <a:p>
+            <a:pPr lvl="1"/>
+            <a:r>
+              <a:rPr lang="en-US" dirty="0"/>
+              <a:t>4 distribution plots</a:t>
+            </a:r>
+          </a:p>
+          <a:p>
+            <a:pPr lvl="1"/>
+            <a:r>
+              <a:rPr lang="en-US" dirty="0"/>
+              <a:t>5 pie plots</a:t>
+            </a:r>
+          </a:p>
+          <a:p>
+            <a:pPr lvl="1"/>
+            <a:r>
+              <a:rPr lang="en-US" dirty="0"/>
+              <a:t>4 bar plots</a:t>
+            </a:r>
+          </a:p>
+          <a:p>
+            <a:pPr lvl="1"/>
+            <a:r>
+              <a:rPr lang="en-US" dirty="0"/>
+              <a:t>8 scatter/</a:t>
+            </a:r>
+            <a:r>
+              <a:rPr lang="en-US" dirty="0" err="1"/>
+              <a:t>linreg</a:t>
+            </a:r>
+            <a:r>
+              <a:rPr lang="en-US" dirty="0"/>
+              <a:t>/swarm plots</a:t>
+            </a:r>
+          </a:p>
+          <a:p>
+            <a:pPr lvl="1"/>
+            <a:r>
+              <a:rPr lang="en-US" dirty="0"/>
+              <a:t>1 box and whiskers plot</a:t>
+            </a:r>
+          </a:p>
+          <a:p>
+            <a:pPr lvl="1"/>
+            <a:r>
+              <a:rPr lang="en-US" dirty="0"/>
+              <a:t>1 violin plot</a:t>
+            </a:r>
+          </a:p>
+          <a:p>
+            <a:pPr lvl="1"/>
+            <a:r>
+              <a:rPr lang="en-US" dirty="0"/>
+              <a:t>An attempt at a logistic regression</a:t>
+            </a:r>
+          </a:p>
+          <a:p>
+            <a:pPr lvl="1"/>
+            <a:r>
+              <a:rPr lang="en-US" dirty="0"/>
+              <a:t>Multiple IQR’s, T-Tests, Chi Squared tests, ANOVA, RMSE</a:t>
+            </a:r>
+          </a:p>
+          <a:p>
+            <a:pPr lvl="1"/>
+            <a:r>
+              <a:rPr lang="en-US" dirty="0"/>
+              <a:t>And over 500 lines of code</a:t>
             </a:r>
           </a:p>
         </p:txBody>
       </p:sp>
+      <p:pic>
+        <p:nvPicPr>
+          <p:cNvPr id="4" name="Picture 3">
+            <a:extLst>
+              <a:ext uri="{FF2B5EF4-FFF2-40B4-BE49-F238E27FC236}">
+                <a16:creationId xmlns:a16="http://schemas.microsoft.com/office/drawing/2014/main" id="{958FA952-B2DB-463B-A65B-0FB35F60E4BD}"/>
+              </a:ext>
+            </a:extLst>
+          </p:cNvPr>
+          <p:cNvPicPr>
+            <a:picLocks noChangeAspect="1"/>
+          </p:cNvPicPr>
+          <p:nvPr/>
+        </p:nvPicPr>
+        <p:blipFill>
+          <a:blip r:embed="rId2"/>
+          <a:stretch>
+            <a:fillRect/>
+          </a:stretch>
+        </p:blipFill>
+        <p:spPr>
+          <a:xfrm>
+            <a:off x="6392780" y="2095214"/>
+            <a:ext cx="4730993" cy="4616687"/>
+          </a:xfrm>
+          <a:prstGeom prst="rect">
+            <a:avLst/>
+          </a:prstGeom>
+        </p:spPr>
+      </p:pic>
     </p:spTree>
     <p:extLst>
       <p:ext uri="{BB962C8B-B14F-4D97-AF65-F5344CB8AC3E}">
-        <p14:creationId xmlns:p14="http://schemas.microsoft.com/office/powerpoint/2010/main" val="1581570477"/>
+        <p14:creationId xmlns:p14="http://schemas.microsoft.com/office/powerpoint/2010/main" val="1191810525"/>
       </p:ext>
     </p:extLst>
   </p:cSld>
   <p:clrMapOvr>
     <a:masterClrMapping/>
   </p:clrMapOvr>
+  <mc:AlternateContent xmlns:mc="http://schemas.openxmlformats.org/markup-compatibility/2006">
+    <mc:Choice xmlns:p14="http://schemas.microsoft.com/office/powerpoint/2010/main" Requires="p14">
+      <p:transition spd="med" p14:dur="700">
+        <p:fade/>
+      </p:transition>
+    </mc:Choice>
+    <mc:Fallback>
+      <p:transition spd="med">
+        <p:fade/>
+      </p:transition>
+    </mc:Fallback>
+  </mc:AlternateContent>
 </p:sld>
 </file>
 
@@ -15436,55 +20306,6 @@
           <a:chExt cx="0" cy="0"/>
         </a:xfrm>
       </p:grpSpPr>
-      <p:pic>
-        <p:nvPicPr>
-          <p:cNvPr id="1026" name="Picture 2">
-            <a:extLst>
-              <a:ext uri="{FF2B5EF4-FFF2-40B4-BE49-F238E27FC236}">
-                <a16:creationId xmlns:a16="http://schemas.microsoft.com/office/drawing/2014/main" id="{9B14FBEB-BF35-436A-9DBE-87BF4C1E94E7}"/>
-              </a:ext>
-            </a:extLst>
-          </p:cNvPr>
-          <p:cNvPicPr>
-            <a:picLocks noChangeAspect="1" noChangeArrowheads="1"/>
-          </p:cNvPicPr>
-          <p:nvPr/>
-        </p:nvPicPr>
-        <p:blipFill rotWithShape="1">
-          <a:blip r:embed="rId2">
-            <a:extLst>
-              <a:ext uri="{28A0092B-C50C-407E-A947-70E740481C1C}">
-                <a14:useLocalDpi xmlns:a14="http://schemas.microsoft.com/office/drawing/2010/main" val="0"/>
-              </a:ext>
-            </a:extLst>
-          </a:blip>
-          <a:srcRect t="5439"/>
-          <a:stretch/>
-        </p:blipFill>
-        <p:spPr bwMode="auto">
-          <a:xfrm>
-            <a:off x="4636008" y="10284"/>
-            <a:ext cx="7552815" cy="6856310"/>
-          </a:xfrm>
-          <a:prstGeom prst="rect">
-            <a:avLst/>
-          </a:prstGeom>
-          <a:noFill/>
-          <a:ln>
-            <a:noFill/>
-          </a:ln>
-          <a:effectLst/>
-          <a:extLst>
-            <a:ext uri="{909E8E84-426E-40DD-AFC4-6F175D3DCCD1}">
-              <a14:hiddenFill xmlns:a14="http://schemas.microsoft.com/office/drawing/2010/main">
-                <a:solidFill>
-                  <a:srgbClr val="FFFFFF"/>
-                </a:solidFill>
-              </a14:hiddenFill>
-            </a:ext>
-          </a:extLst>
-        </p:spPr>
-      </p:pic>
       <p:sp>
         <p:nvSpPr>
           <p:cNvPr id="2" name="Title 1">
@@ -15547,7 +20368,7 @@
         <p:spPr>
           <a:xfrm>
             <a:off x="680322" y="1997826"/>
-            <a:ext cx="3955685" cy="3599316"/>
+            <a:ext cx="6161402" cy="3599316"/>
           </a:xfrm>
         </p:spPr>
         <p:txBody>
@@ -15558,13 +20379,13 @@
           <a:p>
             <a:r>
               <a:rPr lang="en-US" sz="1600" dirty="0"/>
-              <a:t>Of the 66K reviews remaining, there were 61 distinct state/provinces.</a:t>
+              <a:t>Of the 104,668 reviews remaining, there were 61 distinct state/provinces.</a:t>
             </a:r>
           </a:p>
           <a:p>
             <a:r>
               <a:rPr lang="en-US" sz="1600" dirty="0"/>
-              <a:t>Of the top 20 state/provinces of origin (tot=59,433 reviews), California comprised 29% of the reviews (17,242 reviews) and 26.08% of total reviews while the US as a whole made up 48.8% of the total review.</a:t>
+              <a:t>Of the top 20 state/provinces of origin (tot=78,193 reviews), California comprised 29% of the reviews (31,140 reviews) and 26.08% of total reviews while the US as a whole made up 48.8% of the total review.</a:t>
             </a:r>
           </a:p>
           <a:p>
@@ -15572,12 +20393,102 @@
           </a:p>
         </p:txBody>
       </p:sp>
+      <p:grpSp>
+        <p:nvGrpSpPr>
+          <p:cNvPr id="9" name="Group 8">
+            <a:extLst>
+              <a:ext uri="{FF2B5EF4-FFF2-40B4-BE49-F238E27FC236}">
+                <a16:creationId xmlns:a16="http://schemas.microsoft.com/office/drawing/2014/main" id="{4892EEB5-0F10-441E-90AE-ECF23DB5EAAB}"/>
+              </a:ext>
+            </a:extLst>
+          </p:cNvPr>
+          <p:cNvGrpSpPr/>
+          <p:nvPr/>
+        </p:nvGrpSpPr>
+        <p:grpSpPr>
+          <a:xfrm>
+            <a:off x="7036682" y="2226432"/>
+            <a:ext cx="4711942" cy="4292821"/>
+            <a:chOff x="7036682" y="1997826"/>
+            <a:chExt cx="4711942" cy="4292821"/>
+          </a:xfrm>
+        </p:grpSpPr>
+        <p:pic>
+          <p:nvPicPr>
+            <p:cNvPr id="8" name="Picture 7">
+              <a:extLst>
+                <a:ext uri="{FF2B5EF4-FFF2-40B4-BE49-F238E27FC236}">
+                  <a16:creationId xmlns:a16="http://schemas.microsoft.com/office/drawing/2014/main" id="{97F1C042-465E-4E02-8164-0843F3407F94}"/>
+                </a:ext>
+              </a:extLst>
+            </p:cNvPr>
+            <p:cNvPicPr>
+              <a:picLocks noChangeAspect="1"/>
+            </p:cNvPicPr>
+            <p:nvPr/>
+          </p:nvPicPr>
+          <p:blipFill>
+            <a:blip r:embed="rId2"/>
+            <a:stretch>
+              <a:fillRect/>
+            </a:stretch>
+          </p:blipFill>
+          <p:spPr>
+            <a:xfrm>
+              <a:off x="7036682" y="1997826"/>
+              <a:ext cx="4711942" cy="4292821"/>
+            </a:xfrm>
+            <a:prstGeom prst="rect">
+              <a:avLst/>
+            </a:prstGeom>
+          </p:spPr>
+        </p:pic>
+        <p:sp>
+          <p:nvSpPr>
+            <p:cNvPr id="4" name="TextBox 3">
+              <a:extLst>
+                <a:ext uri="{FF2B5EF4-FFF2-40B4-BE49-F238E27FC236}">
+                  <a16:creationId xmlns:a16="http://schemas.microsoft.com/office/drawing/2014/main" id="{2D4AA4A7-1565-4F87-AB26-036D7C6F9656}"/>
+                </a:ext>
+              </a:extLst>
+            </p:cNvPr>
+            <p:cNvSpPr txBox="1"/>
+            <p:nvPr/>
+          </p:nvSpPr>
+          <p:spPr>
+            <a:xfrm>
+              <a:off x="7036682" y="6029037"/>
+              <a:ext cx="4623340" cy="261610"/>
+            </a:xfrm>
+            <a:prstGeom prst="rect">
+              <a:avLst/>
+            </a:prstGeom>
+            <a:noFill/>
+          </p:spPr>
+          <p:txBody>
+            <a:bodyPr wrap="square" rtlCol="0">
+              <a:spAutoFit/>
+            </a:bodyPr>
+            <a:lstStyle/>
+            <a:p>
+              <a:r>
+                <a:rPr lang="en-US" sz="1100" dirty="0">
+                  <a:solidFill>
+                    <a:schemeClr val="bg1"/>
+                  </a:solidFill>
+                </a:rPr>
+                <a:t>- Breakdown of Top 20 most reviewed states/provinces</a:t>
+              </a:r>
+            </a:p>
+          </p:txBody>
+        </p:sp>
+      </p:grpSp>
       <p:pic>
         <p:nvPicPr>
-          <p:cNvPr id="1030" name="Picture 6">
+          <p:cNvPr id="1028" name="Picture 4">
             <a:extLst>
               <a:ext uri="{FF2B5EF4-FFF2-40B4-BE49-F238E27FC236}">
-                <a16:creationId xmlns:a16="http://schemas.microsoft.com/office/drawing/2014/main" id="{3BCEDD16-61D9-46DB-9EC3-24CF13DA19C3}"/>
+                <a16:creationId xmlns:a16="http://schemas.microsoft.com/office/drawing/2014/main" id="{CC97659E-8083-4ABF-81E3-FA2F6C938CAB}"/>
               </a:ext>
             </a:extLst>
           </p:cNvPr>
@@ -15601,8 +20512,8 @@
         </p:blipFill>
         <p:spPr bwMode="auto">
           <a:xfrm>
-            <a:off x="811504" y="3998953"/>
-            <a:ext cx="3686175" cy="2867025"/>
+            <a:off x="680320" y="3585410"/>
+            <a:ext cx="6132105" cy="2933843"/>
           </a:xfrm>
           <a:prstGeom prst="rect">
             <a:avLst/>
@@ -15629,6 +20540,18 @@
   <p:clrMapOvr>
     <a:masterClrMapping/>
   </p:clrMapOvr>
+  <mc:AlternateContent xmlns:mc="http://schemas.openxmlformats.org/markup-compatibility/2006">
+    <mc:Choice xmlns:p14="http://schemas.microsoft.com/office/powerpoint/2010/main" Requires="p14">
+      <p:transition spd="med" p14:dur="700">
+        <p:fade/>
+      </p:transition>
+    </mc:Choice>
+    <mc:Fallback>
+      <p:transition spd="med">
+        <p:fade/>
+      </p:transition>
+    </mc:Fallback>
+  </mc:AlternateContent>
 </p:sld>
 </file>
 
@@ -15649,12 +20572,119 @@
           <a:chExt cx="0" cy="0"/>
         </a:xfrm>
       </p:grpSpPr>
+      <p:sp>
+        <p:nvSpPr>
+          <p:cNvPr id="2" name="Title 1">
+            <a:extLst>
+              <a:ext uri="{FF2B5EF4-FFF2-40B4-BE49-F238E27FC236}">
+                <a16:creationId xmlns:a16="http://schemas.microsoft.com/office/drawing/2014/main" id="{FA5E2ECB-2C17-46EF-A6BF-88FB6DFB497D}"/>
+              </a:ext>
+            </a:extLst>
+          </p:cNvPr>
+          <p:cNvSpPr>
+            <a:spLocks noGrp="1"/>
+          </p:cNvSpPr>
+          <p:nvPr>
+            <p:ph type="title"/>
+          </p:nvPr>
+        </p:nvSpPr>
+        <p:spPr/>
+        <p:txBody>
+          <a:bodyPr>
+            <a:normAutofit/>
+          </a:bodyPr>
+          <a:lstStyle/>
+          <a:p>
+            <a:r>
+              <a:rPr lang="en-US" sz="3100" dirty="0"/>
+              <a:t>Does California produce the highest quality (professionally rated) wine compared others? </a:t>
+            </a:r>
+          </a:p>
+        </p:txBody>
+      </p:sp>
+      <p:sp>
+        <p:nvSpPr>
+          <p:cNvPr id="3" name="Content Placeholder 2">
+            <a:extLst>
+              <a:ext uri="{FF2B5EF4-FFF2-40B4-BE49-F238E27FC236}">
+                <a16:creationId xmlns:a16="http://schemas.microsoft.com/office/drawing/2014/main" id="{28E2CD81-1262-403D-B8FD-3B2F8403AC93}"/>
+              </a:ext>
+            </a:extLst>
+          </p:cNvPr>
+          <p:cNvSpPr>
+            <a:spLocks noGrp="1"/>
+          </p:cNvSpPr>
+          <p:nvPr>
+            <p:ph idx="4294967295"/>
+          </p:nvPr>
+        </p:nvSpPr>
+        <p:spPr>
+          <a:xfrm>
+            <a:off x="84003" y="3007736"/>
+            <a:ext cx="4730029" cy="2817108"/>
+          </a:xfrm>
+        </p:spPr>
+        <p:txBody>
+          <a:bodyPr>
+            <a:normAutofit/>
+          </a:bodyPr>
+          <a:lstStyle/>
+          <a:p>
+            <a:r>
+              <a:rPr lang="en-US" sz="2000" b="1" dirty="0"/>
+              <a:t>Average professional rating of 33526 reviews of Californian wines is 88.619,</a:t>
+            </a:r>
+          </a:p>
+          <a:p>
+            <a:pPr marL="0" indent="0">
+              <a:buNone/>
+            </a:pPr>
+            <a:r>
+              <a:rPr lang="en-US" sz="2000" b="1" dirty="0"/>
+              <a:t>   and 88.325 for all other wines.</a:t>
+            </a:r>
+          </a:p>
+          <a:p>
+            <a:pPr marL="0" indent="0">
+              <a:buNone/>
+            </a:pPr>
+            <a:endParaRPr lang="en-US" sz="2000" b="1" dirty="0"/>
+          </a:p>
+          <a:p>
+            <a:r>
+              <a:rPr lang="en-US" sz="2000" b="1" dirty="0"/>
+              <a:t>Greater variability of ratings among </a:t>
+            </a:r>
+          </a:p>
+          <a:p>
+            <a:pPr marL="0" indent="0">
+              <a:buNone/>
+            </a:pPr>
+            <a:r>
+              <a:rPr lang="en-US" sz="2000" b="1" dirty="0"/>
+              <a:t>   California wine reviews.</a:t>
+            </a:r>
+          </a:p>
+          <a:p>
+            <a:endParaRPr lang="en-US" sz="2000" b="1" dirty="0"/>
+          </a:p>
+          <a:p>
+            <a:endParaRPr lang="en-US" sz="2000" b="1" dirty="0"/>
+          </a:p>
+          <a:p>
+            <a:endParaRPr lang="en-US" sz="2000" b="1" dirty="0"/>
+          </a:p>
+          <a:p>
+            <a:endParaRPr lang="en-US" sz="2000" dirty="0"/>
+          </a:p>
+        </p:txBody>
+      </p:sp>
       <p:pic>
         <p:nvPicPr>
-          <p:cNvPr id="2050" name="Picture 2">
+          <p:cNvPr id="1032" name="Picture 8">
             <a:extLst>
               <a:ext uri="{FF2B5EF4-FFF2-40B4-BE49-F238E27FC236}">
-                <a16:creationId xmlns:a16="http://schemas.microsoft.com/office/drawing/2014/main" id="{CD0441AD-53B8-48DC-9C97-97E278137C8B}"/>
+                <a16:creationId xmlns:a16="http://schemas.microsoft.com/office/drawing/2014/main" id="{758FC18E-ACC7-42BF-8146-1766CBB11313}"/>
               </a:ext>
             </a:extLst>
           </p:cNvPr>
@@ -15664,22 +20694,21 @@
           <p:nvPr/>
         </p:nvPicPr>
         <p:blipFill>
-          <a:blip r:embed="rId2">
+          <a:blip r:embed="rId3">
             <a:extLst>
               <a:ext uri="{28A0092B-C50C-407E-A947-70E740481C1C}">
                 <a14:useLocalDpi xmlns:a14="http://schemas.microsoft.com/office/drawing/2010/main" val="0"/>
               </a:ext>
             </a:extLst>
           </a:blip>
-          <a:srcRect/>
           <a:stretch>
             <a:fillRect/>
           </a:stretch>
         </p:blipFill>
         <p:spPr bwMode="auto">
           <a:xfrm>
-            <a:off x="323227" y="1754257"/>
-            <a:ext cx="5582292" cy="5273454"/>
+            <a:off x="4814032" y="2394282"/>
+            <a:ext cx="3681704" cy="4044017"/>
           </a:xfrm>
           <a:prstGeom prst="rect">
             <a:avLst/>
@@ -15696,42 +20725,12 @@
           </a:extLst>
         </p:spPr>
       </p:pic>
-      <p:sp>
-        <p:nvSpPr>
-          <p:cNvPr id="4" name="Title 3">
+      <p:pic>
+        <p:nvPicPr>
+          <p:cNvPr id="1034" name="Picture 10">
             <a:extLst>
               <a:ext uri="{FF2B5EF4-FFF2-40B4-BE49-F238E27FC236}">
-                <a16:creationId xmlns:a16="http://schemas.microsoft.com/office/drawing/2014/main" id="{EFB699C7-D113-43DE-A645-E2B6C272018C}"/>
-              </a:ext>
-            </a:extLst>
-          </p:cNvPr>
-          <p:cNvSpPr>
-            <a:spLocks noGrp="1"/>
-          </p:cNvSpPr>
-          <p:nvPr>
-            <p:ph type="title"/>
-          </p:nvPr>
-        </p:nvSpPr>
-        <p:spPr/>
-        <p:txBody>
-          <a:bodyPr>
-            <a:normAutofit/>
-          </a:bodyPr>
-          <a:lstStyle/>
-          <a:p>
-            <a:r>
-              <a:rPr lang="en-US" sz="2800" dirty="0"/>
-              <a:t>Data Analysis: California vs the world by type of wine</a:t>
-            </a:r>
-          </a:p>
-        </p:txBody>
-      </p:sp>
-      <p:pic>
-        <p:nvPicPr>
-          <p:cNvPr id="2052" name="Picture 4">
-            <a:extLst>
-              <a:ext uri="{FF2B5EF4-FFF2-40B4-BE49-F238E27FC236}">
-                <a16:creationId xmlns:a16="http://schemas.microsoft.com/office/drawing/2014/main" id="{9AB338CB-18CA-48AB-8E17-FCF35F9C0A8A}"/>
+                <a16:creationId xmlns:a16="http://schemas.microsoft.com/office/drawing/2014/main" id="{0CC061AA-AA62-4185-B1F7-57B529656B2F}"/>
               </a:ext>
             </a:extLst>
           </p:cNvPr>
@@ -15741,22 +20740,21 @@
           <p:nvPr/>
         </p:nvPicPr>
         <p:blipFill>
-          <a:blip r:embed="rId3">
+          <a:blip r:embed="rId4">
             <a:extLst>
               <a:ext uri="{28A0092B-C50C-407E-A947-70E740481C1C}">
                 <a14:useLocalDpi xmlns:a14="http://schemas.microsoft.com/office/drawing/2010/main" val="0"/>
               </a:ext>
             </a:extLst>
           </a:blip>
-          <a:srcRect/>
           <a:stretch>
             <a:fillRect/>
           </a:stretch>
         </p:blipFill>
         <p:spPr bwMode="auto">
           <a:xfrm>
-            <a:off x="6286482" y="1764749"/>
-            <a:ext cx="5829461" cy="5262962"/>
+            <a:off x="8579739" y="2394280"/>
+            <a:ext cx="3428885" cy="4044017"/>
           </a:xfrm>
           <a:prstGeom prst="rect">
             <a:avLst/>
@@ -15773,16 +20771,98 @@
           </a:extLst>
         </p:spPr>
       </p:pic>
+      <p:sp>
+        <p:nvSpPr>
+          <p:cNvPr id="5" name="TextBox 4">
+            <a:extLst>
+              <a:ext uri="{FF2B5EF4-FFF2-40B4-BE49-F238E27FC236}">
+                <a16:creationId xmlns:a16="http://schemas.microsoft.com/office/drawing/2014/main" id="{EDE73887-BE67-46F9-86C9-2CF3359E0676}"/>
+              </a:ext>
+            </a:extLst>
+          </p:cNvPr>
+          <p:cNvSpPr txBox="1"/>
+          <p:nvPr/>
+        </p:nvSpPr>
+        <p:spPr>
+          <a:xfrm>
+            <a:off x="4814032" y="2055728"/>
+            <a:ext cx="3681704" cy="338554"/>
+          </a:xfrm>
+          <a:prstGeom prst="rect">
+            <a:avLst/>
+          </a:prstGeom>
+          <a:noFill/>
+        </p:spPr>
+        <p:txBody>
+          <a:bodyPr wrap="square" rtlCol="0">
+            <a:spAutoFit/>
+          </a:bodyPr>
+          <a:lstStyle/>
+          <a:p>
+            <a:r>
+              <a:rPr lang="en-US" sz="1600" dirty="0"/>
+              <a:t>Histogram of California Review Rating</a:t>
+            </a:r>
+          </a:p>
+        </p:txBody>
+      </p:sp>
+      <p:sp>
+        <p:nvSpPr>
+          <p:cNvPr id="6" name="TextBox 5">
+            <a:extLst>
+              <a:ext uri="{FF2B5EF4-FFF2-40B4-BE49-F238E27FC236}">
+                <a16:creationId xmlns:a16="http://schemas.microsoft.com/office/drawing/2014/main" id="{783E0668-CCA3-413D-9740-754889DC5846}"/>
+              </a:ext>
+            </a:extLst>
+          </p:cNvPr>
+          <p:cNvSpPr txBox="1"/>
+          <p:nvPr/>
+        </p:nvSpPr>
+        <p:spPr>
+          <a:xfrm>
+            <a:off x="8579739" y="2055726"/>
+            <a:ext cx="3428884" cy="338554"/>
+          </a:xfrm>
+          <a:prstGeom prst="rect">
+            <a:avLst/>
+          </a:prstGeom>
+          <a:noFill/>
+        </p:spPr>
+        <p:txBody>
+          <a:bodyPr wrap="square" rtlCol="0">
+            <a:spAutoFit/>
+          </a:bodyPr>
+          <a:lstStyle/>
+          <a:p>
+            <a:r>
+              <a:rPr lang="en-US" sz="1600" dirty="0"/>
+              <a:t>Histogram of Global Review Ratings</a:t>
+            </a:r>
+          </a:p>
+        </p:txBody>
+      </p:sp>
     </p:spTree>
     <p:extLst>
       <p:ext uri="{BB962C8B-B14F-4D97-AF65-F5344CB8AC3E}">
-        <p14:creationId xmlns:p14="http://schemas.microsoft.com/office/powerpoint/2010/main" val="1417474323"/>
+        <p14:creationId xmlns:p14="http://schemas.microsoft.com/office/powerpoint/2010/main" val="411918404"/>
       </p:ext>
     </p:extLst>
   </p:cSld>
   <p:clrMapOvr>
     <a:masterClrMapping/>
   </p:clrMapOvr>
+  <mc:AlternateContent xmlns:mc="http://schemas.openxmlformats.org/markup-compatibility/2006">
+    <mc:Choice xmlns:p14="http://schemas.microsoft.com/office/powerpoint/2010/main" Requires="p14">
+      <p:transition spd="med" p14:dur="700">
+        <p:fade/>
+      </p:transition>
+    </mc:Choice>
+    <mc:Fallback>
+      <p:transition spd="med">
+        <p:fade/>
+      </p:transition>
+    </mc:Fallback>
+  </mc:AlternateContent>
 </p:sld>
 </file>
 

--- a/Data Science_Project 1_Group2.pptx
+++ b/Data Science_Project 1_Group2.pptx
@@ -5,24 +5,23 @@
     <p:sldMasterId id="2147483669" r:id="rId1"/>
   </p:sldMasterIdLst>
   <p:notesMasterIdLst>
-    <p:notesMasterId r:id="rId17"/>
+    <p:notesMasterId r:id="rId16"/>
   </p:notesMasterIdLst>
   <p:sldIdLst>
     <p:sldId id="256" r:id="rId2"/>
     <p:sldId id="258" r:id="rId3"/>
-    <p:sldId id="277" r:id="rId4"/>
-    <p:sldId id="269" r:id="rId5"/>
-    <p:sldId id="270" r:id="rId6"/>
-    <p:sldId id="271" r:id="rId7"/>
-    <p:sldId id="285" r:id="rId8"/>
-    <p:sldId id="274" r:id="rId9"/>
-    <p:sldId id="282" r:id="rId10"/>
-    <p:sldId id="283" r:id="rId11"/>
-    <p:sldId id="284" r:id="rId12"/>
-    <p:sldId id="280" r:id="rId13"/>
-    <p:sldId id="262" r:id="rId14"/>
-    <p:sldId id="263" r:id="rId15"/>
-    <p:sldId id="264" r:id="rId16"/>
+    <p:sldId id="269" r:id="rId4"/>
+    <p:sldId id="270" r:id="rId5"/>
+    <p:sldId id="271" r:id="rId6"/>
+    <p:sldId id="285" r:id="rId7"/>
+    <p:sldId id="274" r:id="rId8"/>
+    <p:sldId id="282" r:id="rId9"/>
+    <p:sldId id="283" r:id="rId10"/>
+    <p:sldId id="284" r:id="rId11"/>
+    <p:sldId id="280" r:id="rId12"/>
+    <p:sldId id="262" r:id="rId13"/>
+    <p:sldId id="263" r:id="rId14"/>
+    <p:sldId id="264" r:id="rId15"/>
   </p:sldIdLst>
   <p:sldSz cx="12192000" cy="6858000"/>
   <p:notesSz cx="6858000" cy="9144000"/>
@@ -132,7 +131,6 @@
         <p14:section name="Motivation &amp; Summary" id="{EB1AC145-4E59-438A-A903-9DF60FA7FEEF}">
           <p14:sldIdLst>
             <p14:sldId id="258"/>
-            <p14:sldId id="277"/>
           </p14:sldIdLst>
         </p14:section>
         <p14:section name="Questions &amp; Data" id="{71CC7010-D531-4ACB-93F9-023ECAEE58C4}">
@@ -7536,140 +7534,6 @@
 </p:notes>
 </file>
 
-<file path=ppt/notesSlides/notesSlide10.xml><?xml version="1.0" encoding="utf-8"?>
-<p:notes xmlns:a="http://schemas.openxmlformats.org/drawingml/2006/main" xmlns:r="http://schemas.openxmlformats.org/officeDocument/2006/relationships" xmlns:p="http://schemas.openxmlformats.org/presentationml/2006/main">
-  <p:cSld>
-    <p:spTree>
-      <p:nvGrpSpPr>
-        <p:cNvPr id="1" name=""/>
-        <p:cNvGrpSpPr/>
-        <p:nvPr/>
-      </p:nvGrpSpPr>
-      <p:grpSpPr>
-        <a:xfrm>
-          <a:off x="0" y="0"/>
-          <a:ext cx="0" cy="0"/>
-          <a:chOff x="0" y="0"/>
-          <a:chExt cx="0" cy="0"/>
-        </a:xfrm>
-      </p:grpSpPr>
-      <p:sp>
-        <p:nvSpPr>
-          <p:cNvPr id="2" name="Slide Image Placeholder 1"/>
-          <p:cNvSpPr>
-            <a:spLocks noGrp="1" noRot="1" noChangeAspect="1"/>
-          </p:cNvSpPr>
-          <p:nvPr>
-            <p:ph type="sldImg"/>
-          </p:nvPr>
-        </p:nvSpPr>
-        <p:spPr/>
-      </p:sp>
-      <p:sp>
-        <p:nvSpPr>
-          <p:cNvPr id="3" name="Notes Placeholder 2"/>
-          <p:cNvSpPr>
-            <a:spLocks noGrp="1"/>
-          </p:cNvSpPr>
-          <p:nvPr>
-            <p:ph type="body" idx="1"/>
-          </p:nvPr>
-        </p:nvSpPr>
-        <p:spPr/>
-        <p:txBody>
-          <a:bodyPr/>
-          <a:lstStyle/>
-          <a:p>
-            <a:r>
-              <a:rPr lang="en-US" i="1" dirty="0"/>
-              <a:t>*Discuss any difficulties that arose, and how you dealt with them</a:t>
-            </a:r>
-          </a:p>
-          <a:p>
-            <a:r>
-              <a:rPr lang="en-US" i="1" dirty="0"/>
-              <a:t>-We struggled finding a good data source that was both free and had a good range of data to manage. On the 2</a:t>
-            </a:r>
-            <a:r>
-              <a:rPr lang="en-US" i="1" baseline="30000" dirty="0"/>
-              <a:t>nd</a:t>
-            </a:r>
-            <a:r>
-              <a:rPr lang="en-US" i="1" dirty="0"/>
-              <a:t> day we had to change our project from beer to wine. </a:t>
-            </a:r>
-          </a:p>
-          <a:p>
-            <a:r>
-              <a:rPr lang="en-US" i="1" dirty="0"/>
-              <a:t>-Git branch was difficult for quite a few of us. </a:t>
-            </a:r>
-          </a:p>
-          <a:p>
-            <a:r>
-              <a:rPr lang="en-US" i="1" dirty="0"/>
-              <a:t>-Personal group wise difficulties…distribution of the project. So broad we didn’t know how to tackle it. </a:t>
-            </a:r>
-          </a:p>
-          <a:p>
-            <a:r>
-              <a:rPr lang="en-US" i="1" dirty="0"/>
-              <a:t>*Discuss any additional questions that came up, but which you didn't have time to answer: What would you research next, if you had two more weeks?</a:t>
-            </a:r>
-          </a:p>
-          <a:p>
-            <a:r>
-              <a:rPr lang="en-US" i="1" dirty="0"/>
-              <a:t>-We did think about doing a heat map of wineries in case if any enthusiasts ever wanted to go on a winery tour. However our data did not include coordinates so to actually get them all in a map it would’ve been a lengthy process we could not go through. </a:t>
-            </a:r>
-          </a:p>
-          <a:p>
-            <a:r>
-              <a:rPr lang="en-US" i="1" dirty="0"/>
-              <a:t>-Maybe grab more datasets. </a:t>
-            </a:r>
-          </a:p>
-          <a:p>
-            <a:endParaRPr lang="en-US" dirty="0"/>
-          </a:p>
-        </p:txBody>
-      </p:sp>
-      <p:sp>
-        <p:nvSpPr>
-          <p:cNvPr id="4" name="Slide Number Placeholder 3"/>
-          <p:cNvSpPr>
-            <a:spLocks noGrp="1"/>
-          </p:cNvSpPr>
-          <p:nvPr>
-            <p:ph type="sldNum" sz="quarter" idx="5"/>
-          </p:nvPr>
-        </p:nvSpPr>
-        <p:spPr/>
-        <p:txBody>
-          <a:bodyPr/>
-          <a:lstStyle/>
-          <a:p>
-            <a:fld id="{BAB621AC-7F6D-4100-88E3-7B288E0B79A4}" type="slidenum">
-              <a:rPr lang="en-US" smtClean="0"/>
-              <a:t>14</a:t>
-            </a:fld>
-            <a:endParaRPr lang="en-US"/>
-          </a:p>
-        </p:txBody>
-      </p:sp>
-    </p:spTree>
-    <p:extLst>
-      <p:ext uri="{BB962C8B-B14F-4D97-AF65-F5344CB8AC3E}">
-        <p14:creationId xmlns:p14="http://schemas.microsoft.com/office/powerpoint/2010/main" val="4082111051"/>
-      </p:ext>
-    </p:extLst>
-  </p:cSld>
-  <p:clrMapOvr>
-    <a:masterClrMapping/>
-  </p:clrMapOvr>
-</p:notes>
-</file>
-
 <file path=ppt/notesSlides/notesSlide2.xml><?xml version="1.0" encoding="utf-8"?>
 <p:notes xmlns:a="http://schemas.openxmlformats.org/drawingml/2006/main" xmlns:r="http://schemas.openxmlformats.org/officeDocument/2006/relationships" xmlns:p="http://schemas.openxmlformats.org/presentationml/2006/main">
   <p:cSld>
@@ -7891,6 +7755,118 @@
           <a:lstStyle/>
           <a:p>
             <a:r>
+              <a:rPr lang="en-US" b="1" dirty="0"/>
+              <a:t>Other Questions Asked</a:t>
+            </a:r>
+            <a:r>
+              <a:rPr lang="en-US" dirty="0"/>
+              <a:t>:</a:t>
+            </a:r>
+          </a:p>
+          <a:p>
+            <a:pPr lvl="1"/>
+            <a:r>
+              <a:rPr lang="en-US" dirty="0"/>
+              <a:t>Does California produce the highest quality (professionally rated) wine compared others?  </a:t>
+            </a:r>
+          </a:p>
+          <a:p>
+            <a:pPr lvl="2"/>
+            <a:r>
+              <a:rPr lang="en-US" sz="1500" dirty="0"/>
+              <a:t>Histogram- will show you the average professional rating of reviews of California wines vs all other wines</a:t>
+            </a:r>
+            <a:endParaRPr lang="en-US" sz="1500" b="1" dirty="0"/>
+          </a:p>
+          <a:p>
+            <a:pPr lvl="1"/>
+            <a:r>
+              <a:rPr lang="en-US" dirty="0"/>
+              <a:t>How does California wine reviews compare to the rest of the world when it comes to the variety of wines reviewed? </a:t>
+            </a:r>
+          </a:p>
+          <a:p>
+            <a:pPr lvl="2"/>
+            <a:r>
+              <a:rPr lang="en-US" sz="1500" dirty="0"/>
+              <a:t>Bar graph showing Top 10 provinces by variety and  Pie  chart showing the breakdown of top 20 varieties of wine globally (excluding CA) by review count.</a:t>
+            </a:r>
+          </a:p>
+          <a:p>
+            <a:pPr lvl="2"/>
+            <a:r>
+              <a:rPr lang="en-US" sz="1500" dirty="0"/>
+              <a:t>Both show higher variety count found in California</a:t>
+            </a:r>
+            <a:endParaRPr lang="en-US" sz="1500" b="1" dirty="0"/>
+          </a:p>
+          <a:p>
+            <a:pPr lvl="1"/>
+            <a:r>
+              <a:rPr lang="en-US" dirty="0"/>
+              <a:t>Does spending more get you better wine?</a:t>
+            </a:r>
+          </a:p>
+          <a:p>
+            <a:pPr lvl="2"/>
+            <a:r>
+              <a:rPr lang="en-US" sz="1500" dirty="0"/>
+              <a:t>Scatter plots showing moderately positive correlation coefficients </a:t>
+            </a:r>
+          </a:p>
+          <a:p>
+            <a:pPr lvl="2"/>
+            <a:r>
+              <a:rPr lang="en-US" sz="1500" dirty="0"/>
+              <a:t>Generally, the more expensive the wine, the higher the review rating.</a:t>
+            </a:r>
+          </a:p>
+          <a:p>
+            <a:pPr lvl="1"/>
+            <a:r>
+              <a:rPr lang="en-US" sz="2100" dirty="0"/>
+              <a:t>Can we show statistically that wines from California were quantitatively better based on a combination of price and review?</a:t>
+            </a:r>
+          </a:p>
+          <a:p>
+            <a:pPr lvl="2"/>
+            <a:r>
+              <a:rPr lang="en-US" sz="1400" dirty="0"/>
+              <a:t>New wine metric was calculated to better evaluate “best” wine</a:t>
+            </a:r>
+          </a:p>
+          <a:p>
+            <a:pPr lvl="2"/>
+            <a:r>
+              <a:rPr lang="en-US" sz="1400" dirty="0"/>
+              <a:t>Chi-Square test was performed using average new wine metric for California and Non-California wines</a:t>
+            </a:r>
+            <a:endParaRPr lang="en-US" dirty="0"/>
+          </a:p>
+          <a:p>
+            <a:endParaRPr lang="en-US" sz="1200" kern="1200" dirty="0">
+              <a:solidFill>
+                <a:schemeClr val="tx1"/>
+              </a:solidFill>
+              <a:effectLst/>
+              <a:latin typeface="+mn-lt"/>
+              <a:ea typeface="+mn-ea"/>
+              <a:cs typeface="+mn-cs"/>
+            </a:endParaRPr>
+          </a:p>
+          <a:p>
+            <a:endParaRPr lang="en-US" sz="1200" kern="1200" dirty="0">
+              <a:solidFill>
+                <a:schemeClr val="tx1"/>
+              </a:solidFill>
+              <a:effectLst/>
+              <a:latin typeface="+mn-lt"/>
+              <a:ea typeface="+mn-ea"/>
+              <a:cs typeface="+mn-cs"/>
+            </a:endParaRPr>
+          </a:p>
+          <a:p>
+            <a:r>
               <a:rPr lang="en-US" sz="1200" kern="1200" dirty="0">
                 <a:solidFill>
                   <a:schemeClr val="tx1"/>
@@ -7900,20 +7876,10 @@
                 <a:ea typeface="+mn-ea"/>
                 <a:cs typeface="+mn-cs"/>
               </a:rPr>
-              <a:t>*Describe the questions you asked, and </a:t>
-            </a:r>
-            <a:r>
-              <a:rPr lang="en-US" sz="1200" i="1" kern="1200" dirty="0">
-                <a:solidFill>
-                  <a:schemeClr val="tx1"/>
-                </a:solidFill>
-                <a:effectLst/>
-                <a:latin typeface="+mn-lt"/>
-                <a:ea typeface="+mn-ea"/>
-                <a:cs typeface="+mn-cs"/>
-              </a:rPr>
-              <a:t>_why_</a:t>
-            </a:r>
+              <a:t>* Elaborate on the questions you asked, describing what kinds of data you needed to answer them, and where you found it</a:t>
+            </a:r>
+          </a:p>
+          <a:p>
             <a:r>
               <a:rPr lang="en-US" sz="1200" kern="1200" dirty="0">
                 <a:solidFill>
@@ -7924,66 +7890,8 @@
                 <a:ea typeface="+mn-ea"/>
                 <a:cs typeface="+mn-cs"/>
               </a:rPr>
-              <a:t> you asked them</a:t>
-            </a:r>
-          </a:p>
-          <a:p>
-            <a:r>
-              <a:rPr lang="en-US" sz="1200" kern="1200" dirty="0">
-                <a:solidFill>
-                  <a:schemeClr val="tx1"/>
-                </a:solidFill>
-                <a:effectLst/>
-                <a:latin typeface="+mn-lt"/>
-                <a:ea typeface="+mn-ea"/>
-                <a:cs typeface="+mn-cs"/>
-              </a:rPr>
-              <a:t>-in the data set the purpose of the expert wine tasters is to give you their opinion/rating on how good the wine is. For someone that has never really explored that realm how to you exactly measure that. </a:t>
-            </a:r>
-          </a:p>
-          <a:p>
-            <a:r>
-              <a:rPr lang="en-US" sz="1200" kern="1200" dirty="0">
-                <a:solidFill>
-                  <a:schemeClr val="tx1"/>
-                </a:solidFill>
-                <a:effectLst/>
-                <a:latin typeface="+mn-lt"/>
-                <a:ea typeface="+mn-ea"/>
-                <a:cs typeface="+mn-cs"/>
-              </a:rPr>
-              <a:t>-used data metric and used our own metric</a:t>
-            </a:r>
-          </a:p>
-          <a:p>
-            <a:r>
-              <a:rPr lang="en-US" sz="1200" kern="1200" dirty="0">
-                <a:solidFill>
-                  <a:schemeClr val="tx1"/>
-                </a:solidFill>
-                <a:effectLst/>
-                <a:latin typeface="+mn-lt"/>
-                <a:ea typeface="+mn-ea"/>
-                <a:cs typeface="+mn-cs"/>
-              </a:rPr>
-              <a:t>  * Describe whether you were able to answer these questions to your satisfaction, and briefly summarize your findings</a:t>
-            </a:r>
-          </a:p>
-          <a:p>
-            <a:r>
-              <a:rPr lang="en-US" sz="1200" kern="1200" dirty="0">
-                <a:solidFill>
-                  <a:schemeClr val="tx1"/>
-                </a:solidFill>
-                <a:effectLst/>
-                <a:latin typeface="+mn-lt"/>
-                <a:ea typeface="+mn-ea"/>
-                <a:cs typeface="+mn-cs"/>
-              </a:rPr>
-              <a:t>-We were able to answer these questions. Not entirely satisfactory because more can always be done and added. We found out….</a:t>
-            </a:r>
-          </a:p>
-          <a:p>
+              <a:t>-These are the more narrowed down questions we asked to help answer the broader questions within motivation and summary. </a:t>
+            </a:r>
             <a:endParaRPr lang="en-US" dirty="0"/>
           </a:p>
         </p:txBody>
@@ -8014,7 +7922,7 @@
     </p:spTree>
     <p:extLst>
       <p:ext uri="{BB962C8B-B14F-4D97-AF65-F5344CB8AC3E}">
-        <p14:creationId xmlns:p14="http://schemas.microsoft.com/office/powerpoint/2010/main" val="2267763865"/>
+        <p14:creationId xmlns:p14="http://schemas.microsoft.com/office/powerpoint/2010/main" val="3065568247"/>
       </p:ext>
     </p:extLst>
   </p:cSld>
@@ -8069,31 +7977,37 @@
           <a:lstStyle/>
           <a:p>
             <a:r>
-              <a:rPr lang="en-US" sz="1200" kern="1200" dirty="0">
-                <a:solidFill>
-                  <a:schemeClr val="tx1"/>
-                </a:solidFill>
-                <a:effectLst/>
-                <a:latin typeface="+mn-lt"/>
-                <a:ea typeface="+mn-ea"/>
-                <a:cs typeface="+mn-cs"/>
-              </a:rPr>
-              <a:t>* Elaborate on the questions you asked, describing what kinds of data you needed to answer them, and where you found it</a:t>
-            </a:r>
-          </a:p>
-          <a:p>
-            <a:r>
-              <a:rPr lang="en-US" sz="1200" kern="1200" dirty="0">
-                <a:solidFill>
-                  <a:schemeClr val="tx1"/>
-                </a:solidFill>
-                <a:effectLst/>
-                <a:latin typeface="+mn-lt"/>
-                <a:ea typeface="+mn-ea"/>
-                <a:cs typeface="+mn-cs"/>
-              </a:rPr>
-              <a:t>-These are the more narrowed down questions we asked to help answer the broader questions within motivation and summary. </a:t>
-            </a:r>
+              <a:rPr lang="en-US" i="1" dirty="0"/>
+              <a:t>*Describe the exploration and cleanup process</a:t>
+            </a:r>
+          </a:p>
+          <a:p>
+            <a:r>
+              <a:rPr lang="en-US" i="1" dirty="0"/>
+              <a:t>*Discuss insights you had while exploring the data that you didn't anticipate</a:t>
+            </a:r>
+          </a:p>
+          <a:p>
+            <a:r>
+              <a:rPr lang="en-US" i="1" dirty="0"/>
+              <a:t>*Discuss any problems that arose after exploring the data, and how you resolved them</a:t>
+            </a:r>
+          </a:p>
+          <a:p>
+            <a:r>
+              <a:rPr lang="en-US" i="1" dirty="0"/>
+              <a:t>*Present and discuss interesting figures developed during exploration, ideally with the help of </a:t>
+            </a:r>
+            <a:r>
+              <a:rPr lang="en-US" i="1" dirty="0" err="1"/>
+              <a:t>Jupyter</a:t>
+            </a:r>
+            <a:r>
+              <a:rPr lang="en-US" i="1" dirty="0"/>
+              <a:t> Notebook</a:t>
+            </a:r>
+          </a:p>
+          <a:p>
             <a:endParaRPr lang="en-US" dirty="0"/>
           </a:p>
         </p:txBody>
@@ -8124,7 +8038,7 @@
     </p:spTree>
     <p:extLst>
       <p:ext uri="{BB962C8B-B14F-4D97-AF65-F5344CB8AC3E}">
-        <p14:creationId xmlns:p14="http://schemas.microsoft.com/office/powerpoint/2010/main" val="3065568247"/>
+        <p14:creationId xmlns:p14="http://schemas.microsoft.com/office/powerpoint/2010/main" val="2592296782"/>
       </p:ext>
     </p:extLst>
   </p:cSld>
@@ -8179,34 +8093,60 @@
           <a:lstStyle/>
           <a:p>
             <a:r>
-              <a:rPr lang="en-US" i="1" dirty="0"/>
-              <a:t>*Describe the exploration and cleanup process</a:t>
-            </a:r>
-          </a:p>
-          <a:p>
-            <a:r>
-              <a:rPr lang="en-US" i="1" dirty="0"/>
-              <a:t>*Discuss insights you had while exploring the data that you didn't anticipate</a:t>
-            </a:r>
-          </a:p>
-          <a:p>
-            <a:r>
-              <a:rPr lang="en-US" i="1" dirty="0"/>
-              <a:t>*Discuss any problems that arose after exploring the data, and how you resolved them</a:t>
-            </a:r>
-          </a:p>
-          <a:p>
-            <a:r>
-              <a:rPr lang="en-US" i="1" dirty="0"/>
-              <a:t>*Present and discuss interesting figures developed during exploration, ideally with the help of </a:t>
-            </a:r>
-            <a:r>
-              <a:rPr lang="en-US" i="1" dirty="0" err="1"/>
-              <a:t>Jupyter</a:t>
-            </a:r>
-            <a:r>
-              <a:rPr lang="en-US" i="1" dirty="0"/>
-              <a:t> Notebook</a:t>
+              <a:rPr lang="en-US" sz="1200" dirty="0"/>
+              <a:t>Original data had to be manipulated to be able to upload “starter” to GitHub.</a:t>
+            </a:r>
+          </a:p>
+          <a:p>
+            <a:r>
+              <a:rPr lang="en-US" sz="1200" dirty="0"/>
+              <a:t>Description and Designation columns dropped from the original 130k csv to create “dropped_wine_data.csv”</a:t>
+            </a:r>
+          </a:p>
+          <a:p>
+            <a:r>
+              <a:rPr lang="en-US" sz="1200" dirty="0"/>
+              <a:t>Got the counts of rows in each column.</a:t>
+            </a:r>
+          </a:p>
+          <a:p>
+            <a:r>
+              <a:rPr lang="en-US" sz="1200" dirty="0"/>
+              <a:t>Dropped unneeded columns.</a:t>
+            </a:r>
+          </a:p>
+          <a:p>
+            <a:r>
+              <a:rPr lang="en-US" sz="1200" dirty="0"/>
+              <a:t>Dropped any </a:t>
+            </a:r>
+            <a:r>
+              <a:rPr lang="en-US" sz="1200" dirty="0" err="1"/>
+              <a:t>NaN</a:t>
+            </a:r>
+            <a:r>
+              <a:rPr lang="en-US" sz="1200" dirty="0"/>
+              <a:t> records in the data.</a:t>
+            </a:r>
+          </a:p>
+          <a:p>
+            <a:r>
+              <a:rPr lang="en-US" sz="1200" dirty="0"/>
+              <a:t>Extracted ‘year’ from column title then recleaned the data for any new </a:t>
+            </a:r>
+            <a:r>
+              <a:rPr lang="en-US" sz="1200" dirty="0" err="1"/>
+              <a:t>NaN</a:t>
+            </a:r>
+            <a:r>
+              <a:rPr lang="en-US" sz="1200" dirty="0"/>
+              <a:t> values and dropped duplicate values</a:t>
+            </a:r>
+          </a:p>
+          <a:p>
+            <a:r>
+              <a:rPr lang="en-US" sz="1200" dirty="0"/>
+              <a:t>Renamed and deleted unneeded columns before exporting csv to other people working on the data.</a:t>
             </a:r>
           </a:p>
           <a:p>
@@ -8240,7 +8180,7 @@
     </p:spTree>
     <p:extLst>
       <p:ext uri="{BB962C8B-B14F-4D97-AF65-F5344CB8AC3E}">
-        <p14:creationId xmlns:p14="http://schemas.microsoft.com/office/powerpoint/2010/main" val="2592296782"/>
+        <p14:creationId xmlns:p14="http://schemas.microsoft.com/office/powerpoint/2010/main" val="827229101"/>
       </p:ext>
     </p:extLst>
   </p:cSld>
@@ -8294,64 +8234,6 @@
           <a:bodyPr/>
           <a:lstStyle/>
           <a:p>
-            <a:r>
-              <a:rPr lang="en-US" sz="1200" dirty="0"/>
-              <a:t>Original data had to be manipulated to be able to upload “starter” to GitHub.</a:t>
-            </a:r>
-          </a:p>
-          <a:p>
-            <a:r>
-              <a:rPr lang="en-US" sz="1200" dirty="0"/>
-              <a:t>Description and Designation columns dropped from the original 130k csv to create “dropped_wine_data.csv”</a:t>
-            </a:r>
-          </a:p>
-          <a:p>
-            <a:r>
-              <a:rPr lang="en-US" sz="1200" dirty="0"/>
-              <a:t>Got the counts of rows in each column.</a:t>
-            </a:r>
-          </a:p>
-          <a:p>
-            <a:r>
-              <a:rPr lang="en-US" sz="1200" dirty="0"/>
-              <a:t>Dropped unneeded columns.</a:t>
-            </a:r>
-          </a:p>
-          <a:p>
-            <a:r>
-              <a:rPr lang="en-US" sz="1200" dirty="0"/>
-              <a:t>Dropped any </a:t>
-            </a:r>
-            <a:r>
-              <a:rPr lang="en-US" sz="1200" dirty="0" err="1"/>
-              <a:t>NaN</a:t>
-            </a:r>
-            <a:r>
-              <a:rPr lang="en-US" sz="1200" dirty="0"/>
-              <a:t> records in the data.</a:t>
-            </a:r>
-          </a:p>
-          <a:p>
-            <a:r>
-              <a:rPr lang="en-US" sz="1200" dirty="0"/>
-              <a:t>Extracted ‘year’ from column title then recleaned the data for any new </a:t>
-            </a:r>
-            <a:r>
-              <a:rPr lang="en-US" sz="1200" dirty="0" err="1"/>
-              <a:t>NaN</a:t>
-            </a:r>
-            <a:r>
-              <a:rPr lang="en-US" sz="1200" dirty="0"/>
-              <a:t> values and dropped duplicate values</a:t>
-            </a:r>
-          </a:p>
-          <a:p>
-            <a:r>
-              <a:rPr lang="en-US" sz="1200" dirty="0"/>
-              <a:t>Renamed and deleted unneeded columns before exporting csv to other people working on the data.</a:t>
-            </a:r>
-          </a:p>
-          <a:p>
             <a:endParaRPr lang="en-US" dirty="0"/>
           </a:p>
         </p:txBody>
@@ -8373,7 +8255,7 @@
           <a:p>
             <a:fld id="{BAB621AC-7F6D-4100-88E3-7B288E0B79A4}" type="slidenum">
               <a:rPr lang="en-US" smtClean="0"/>
-              <a:t>6</a:t>
+              <a:t>8</a:t>
             </a:fld>
             <a:endParaRPr lang="en-US"/>
           </a:p>
@@ -8382,7 +8264,7 @@
     </p:spTree>
     <p:extLst>
       <p:ext uri="{BB962C8B-B14F-4D97-AF65-F5344CB8AC3E}">
-        <p14:creationId xmlns:p14="http://schemas.microsoft.com/office/powerpoint/2010/main" val="827229101"/>
+        <p14:creationId xmlns:p14="http://schemas.microsoft.com/office/powerpoint/2010/main" val="326368979"/>
       </p:ext>
     </p:extLst>
   </p:cSld>
@@ -8457,7 +8339,7 @@
           <a:p>
             <a:fld id="{BAB621AC-7F6D-4100-88E3-7B288E0B79A4}" type="slidenum">
               <a:rPr lang="en-US" smtClean="0"/>
-              <a:t>9</a:t>
+              <a:t>10</a:t>
             </a:fld>
             <a:endParaRPr lang="en-US"/>
           </a:p>
@@ -8466,7 +8348,7 @@
     </p:spTree>
     <p:extLst>
       <p:ext uri="{BB962C8B-B14F-4D97-AF65-F5344CB8AC3E}">
-        <p14:creationId xmlns:p14="http://schemas.microsoft.com/office/powerpoint/2010/main" val="326368979"/>
+        <p14:creationId xmlns:p14="http://schemas.microsoft.com/office/powerpoint/2010/main" val="2054630840"/>
       </p:ext>
     </p:extLst>
   </p:cSld>
@@ -8520,6 +8402,137 @@
           <a:bodyPr/>
           <a:lstStyle/>
           <a:p>
+            <a:pPr marL="0" marR="0" lvl="0" indent="0" algn="l" defTabSz="914400" rtl="0" eaLnBrk="1" fontAlgn="auto" latinLnBrk="0" hangingPunct="1">
+              <a:lnSpc>
+                <a:spcPct val="100000"/>
+              </a:lnSpc>
+              <a:spcBef>
+                <a:spcPts val="0"/>
+              </a:spcBef>
+              <a:spcAft>
+                <a:spcPts val="0"/>
+              </a:spcAft>
+              <a:buClrTx/>
+              <a:buSzTx/>
+              <a:buFontTx/>
+              <a:buNone/>
+              <a:tabLst/>
+              <a:defRPr/>
+            </a:pPr>
+            <a:r>
+              <a:rPr lang="en-US" i="1" dirty="0"/>
+              <a:t>*Discuss your findings. Did you find what you expected to find? If not, why not? What inferences or general conclusions can you draw from your analysis?</a:t>
+            </a:r>
+          </a:p>
+          <a:p>
+            <a:r>
+              <a:rPr lang="en-US" sz="1200" kern="1200" dirty="0">
+                <a:solidFill>
+                  <a:schemeClr val="tx1"/>
+                </a:solidFill>
+                <a:effectLst/>
+                <a:latin typeface="+mn-lt"/>
+                <a:ea typeface="+mn-ea"/>
+                <a:cs typeface="+mn-cs"/>
+              </a:rPr>
+              <a:t>-what was the country of origin---found it interesting it was mainly in the us</a:t>
+            </a:r>
+          </a:p>
+          <a:p>
+            <a:r>
+              <a:rPr lang="en-US" sz="1200" kern="1200" dirty="0">
+                <a:solidFill>
+                  <a:schemeClr val="tx1"/>
+                </a:solidFill>
+                <a:effectLst/>
+                <a:latin typeface="+mn-lt"/>
+                <a:ea typeface="+mn-ea"/>
+                <a:cs typeface="+mn-cs"/>
+              </a:rPr>
+              <a:t>if there was a certain wine that was reviewed more than another—pinot noir is second chardonnay</a:t>
+            </a:r>
+          </a:p>
+          <a:p>
+            <a:r>
+              <a:rPr lang="en-US" sz="1200" kern="1200" dirty="0">
+                <a:solidFill>
+                  <a:schemeClr val="tx1"/>
+                </a:solidFill>
+                <a:effectLst/>
+                <a:latin typeface="+mn-lt"/>
+                <a:ea typeface="+mn-ea"/>
+                <a:cs typeface="+mn-cs"/>
+              </a:rPr>
+              <a:t>	-</a:t>
+            </a:r>
+            <a:r>
+              <a:rPr lang="en-US" sz="1200" kern="1200" dirty="0" err="1">
+                <a:solidFill>
+                  <a:schemeClr val="tx1"/>
+                </a:solidFill>
+                <a:effectLst/>
+                <a:latin typeface="+mn-lt"/>
+                <a:ea typeface="+mn-ea"/>
+                <a:cs typeface="+mn-cs"/>
+              </a:rPr>
+              <a:t>california</a:t>
+            </a:r>
+            <a:r>
+              <a:rPr lang="en-US" sz="1200" kern="1200" dirty="0">
+                <a:solidFill>
+                  <a:schemeClr val="tx1"/>
+                </a:solidFill>
+                <a:effectLst/>
+                <a:latin typeface="+mn-lt"/>
+                <a:ea typeface="+mn-ea"/>
+                <a:cs typeface="+mn-cs"/>
+              </a:rPr>
+              <a:t> and globally were the same</a:t>
+            </a:r>
+          </a:p>
+          <a:p>
+            <a:r>
+              <a:rPr lang="en-US" sz="1200" kern="1200" dirty="0">
+                <a:solidFill>
+                  <a:schemeClr val="tx1"/>
+                </a:solidFill>
+                <a:effectLst/>
+                <a:latin typeface="+mn-lt"/>
+                <a:ea typeface="+mn-ea"/>
+                <a:cs typeface="+mn-cs"/>
+              </a:rPr>
+              <a:t>California is know for it’s zinfandel (#5)…but it’s not important to the rest of the world</a:t>
+            </a:r>
+          </a:p>
+          <a:p>
+            <a:r>
+              <a:rPr lang="en-US" sz="1200" kern="1200" dirty="0">
+                <a:solidFill>
+                  <a:schemeClr val="tx1"/>
+                </a:solidFill>
+                <a:effectLst/>
+                <a:latin typeface="+mn-lt"/>
+                <a:ea typeface="+mn-ea"/>
+                <a:cs typeface="+mn-cs"/>
+              </a:rPr>
+              <a:t>Variety looking at top 20 wines reviewed vs. </a:t>
+            </a:r>
+          </a:p>
+          <a:p>
+            <a:r>
+              <a:rPr lang="en-US" sz="1200" kern="1200" dirty="0">
+                <a:solidFill>
+                  <a:schemeClr val="tx1"/>
+                </a:solidFill>
+                <a:effectLst/>
+                <a:latin typeface="+mn-lt"/>
+                <a:ea typeface="+mn-ea"/>
+                <a:cs typeface="+mn-cs"/>
+              </a:rPr>
+              <a:t>Most wines fell under $250 per dollar</a:t>
+            </a:r>
+          </a:p>
+          <a:p>
             <a:endParaRPr lang="en-US" dirty="0"/>
           </a:p>
         </p:txBody>
@@ -8541,7 +8554,7 @@
           <a:p>
             <a:fld id="{BAB621AC-7F6D-4100-88E3-7B288E0B79A4}" type="slidenum">
               <a:rPr lang="en-US" smtClean="0"/>
-              <a:t>11</a:t>
+              <a:t>12</a:t>
             </a:fld>
             <a:endParaRPr lang="en-US"/>
           </a:p>
@@ -8550,7 +8563,7 @@
     </p:spTree>
     <p:extLst>
       <p:ext uri="{BB962C8B-B14F-4D97-AF65-F5344CB8AC3E}">
-        <p14:creationId xmlns:p14="http://schemas.microsoft.com/office/powerpoint/2010/main" val="2054630840"/>
+        <p14:creationId xmlns:p14="http://schemas.microsoft.com/office/powerpoint/2010/main" val="1505219277"/>
       </p:ext>
     </p:extLst>
   </p:cSld>
@@ -8604,134 +8617,53 @@
           <a:bodyPr/>
           <a:lstStyle/>
           <a:p>
-            <a:pPr marL="0" marR="0" lvl="0" indent="0" algn="l" defTabSz="914400" rtl="0" eaLnBrk="1" fontAlgn="auto" latinLnBrk="0" hangingPunct="1">
-              <a:lnSpc>
-                <a:spcPct val="100000"/>
-              </a:lnSpc>
-              <a:spcBef>
-                <a:spcPts val="0"/>
-              </a:spcBef>
-              <a:spcAft>
-                <a:spcPts val="0"/>
-              </a:spcAft>
-              <a:buClrTx/>
-              <a:buSzTx/>
-              <a:buFontTx/>
-              <a:buNone/>
-              <a:tabLst/>
-              <a:defRPr/>
-            </a:pPr>
             <a:r>
               <a:rPr lang="en-US" i="1" dirty="0"/>
-              <a:t>*Discuss your findings. Did you find what you expected to find? If not, why not? What inferences or general conclusions can you draw from your analysis?</a:t>
-            </a:r>
-          </a:p>
-          <a:p>
-            <a:r>
-              <a:rPr lang="en-US" sz="1200" kern="1200" dirty="0">
-                <a:solidFill>
-                  <a:schemeClr val="tx1"/>
-                </a:solidFill>
-                <a:effectLst/>
-                <a:latin typeface="+mn-lt"/>
-                <a:ea typeface="+mn-ea"/>
-                <a:cs typeface="+mn-cs"/>
-              </a:rPr>
-              <a:t>-what was the country of origin---found it interesting it was mainly in the us</a:t>
-            </a:r>
-          </a:p>
-          <a:p>
-            <a:r>
-              <a:rPr lang="en-US" sz="1200" kern="1200" dirty="0">
-                <a:solidFill>
-                  <a:schemeClr val="tx1"/>
-                </a:solidFill>
-                <a:effectLst/>
-                <a:latin typeface="+mn-lt"/>
-                <a:ea typeface="+mn-ea"/>
-                <a:cs typeface="+mn-cs"/>
-              </a:rPr>
-              <a:t>if there was a certain wine that was reviewed more than another—pinot noir is second chardonnay</a:t>
-            </a:r>
-          </a:p>
-          <a:p>
-            <a:r>
-              <a:rPr lang="en-US" sz="1200" kern="1200" dirty="0">
-                <a:solidFill>
-                  <a:schemeClr val="tx1"/>
-                </a:solidFill>
-                <a:effectLst/>
-                <a:latin typeface="+mn-lt"/>
-                <a:ea typeface="+mn-ea"/>
-                <a:cs typeface="+mn-cs"/>
-              </a:rPr>
-              <a:t>	-</a:t>
-            </a:r>
-            <a:r>
-              <a:rPr lang="en-US" sz="1200" kern="1200" dirty="0" err="1">
-                <a:solidFill>
-                  <a:schemeClr val="tx1"/>
-                </a:solidFill>
-                <a:effectLst/>
-                <a:latin typeface="+mn-lt"/>
-                <a:ea typeface="+mn-ea"/>
-                <a:cs typeface="+mn-cs"/>
-              </a:rPr>
-              <a:t>california</a:t>
-            </a:r>
-            <a:r>
-              <a:rPr lang="en-US" sz="1200" kern="1200" dirty="0">
-                <a:solidFill>
-                  <a:schemeClr val="tx1"/>
-                </a:solidFill>
-                <a:effectLst/>
-                <a:latin typeface="+mn-lt"/>
-                <a:ea typeface="+mn-ea"/>
-                <a:cs typeface="+mn-cs"/>
-              </a:rPr>
-              <a:t> and globally were the same</a:t>
-            </a:r>
-          </a:p>
-          <a:p>
-            <a:r>
-              <a:rPr lang="en-US" sz="1200" kern="1200" dirty="0">
-                <a:solidFill>
-                  <a:schemeClr val="tx1"/>
-                </a:solidFill>
-                <a:effectLst/>
-                <a:latin typeface="+mn-lt"/>
-                <a:ea typeface="+mn-ea"/>
-                <a:cs typeface="+mn-cs"/>
-              </a:rPr>
-              <a:t>California is know for it’s zinfandel (#5)…but it’s not important to the rest of the world</a:t>
-            </a:r>
-          </a:p>
-          <a:p>
-            <a:r>
-              <a:rPr lang="en-US" sz="1200" kern="1200" dirty="0">
-                <a:solidFill>
-                  <a:schemeClr val="tx1"/>
-                </a:solidFill>
-                <a:effectLst/>
-                <a:latin typeface="+mn-lt"/>
-                <a:ea typeface="+mn-ea"/>
-                <a:cs typeface="+mn-cs"/>
-              </a:rPr>
-              <a:t>Variety looking at top 20 wines reviewed vs. </a:t>
-            </a:r>
-          </a:p>
-          <a:p>
-            <a:r>
-              <a:rPr lang="en-US" sz="1200" kern="1200" dirty="0">
-                <a:solidFill>
-                  <a:schemeClr val="tx1"/>
-                </a:solidFill>
-                <a:effectLst/>
-                <a:latin typeface="+mn-lt"/>
-                <a:ea typeface="+mn-ea"/>
-                <a:cs typeface="+mn-cs"/>
-              </a:rPr>
-              <a:t>Most wines fell under $250 per dollar</a:t>
+              <a:t>*Discuss any difficulties that arose, and how you dealt with them</a:t>
+            </a:r>
+          </a:p>
+          <a:p>
+            <a:r>
+              <a:rPr lang="en-US" i="1" dirty="0"/>
+              <a:t>-We struggled finding a good data source that was both free and had a good range of data to manage. On the 2</a:t>
+            </a:r>
+            <a:r>
+              <a:rPr lang="en-US" i="1" baseline="30000" dirty="0"/>
+              <a:t>nd</a:t>
+            </a:r>
+            <a:r>
+              <a:rPr lang="en-US" i="1" dirty="0"/>
+              <a:t> day we had to change our project from beer to wine. </a:t>
+            </a:r>
+          </a:p>
+          <a:p>
+            <a:r>
+              <a:rPr lang="en-US" i="1" dirty="0"/>
+              <a:t>-Git branch was difficult for quite a few of us. </a:t>
+            </a:r>
+          </a:p>
+          <a:p>
+            <a:r>
+              <a:rPr lang="en-US" i="1" dirty="0"/>
+              <a:t>-Personal group wise difficulties…distribution of the project. So broad we didn’t know how to tackle it. </a:t>
+            </a:r>
+          </a:p>
+          <a:p>
+            <a:r>
+              <a:rPr lang="en-US" i="1" dirty="0"/>
+              <a:t>*Discuss any additional questions that came up, but which you didn't have time to answer: What would you research next, if you had two more weeks?</a:t>
+            </a:r>
+          </a:p>
+          <a:p>
+            <a:r>
+              <a:rPr lang="en-US" i="1" dirty="0"/>
+              <a:t>-We did think about doing a heat map of wineries in case if any enthusiasts ever wanted to go on a winery tour. However our data did not include coordinates so to actually get them all in a map it would’ve been a lengthy process we could not go through. </a:t>
+            </a:r>
+          </a:p>
+          <a:p>
+            <a:r>
+              <a:rPr lang="en-US" i="1" dirty="0"/>
+              <a:t>-Maybe grab more datasets. </a:t>
             </a:r>
           </a:p>
           <a:p>
@@ -8765,7 +8697,7 @@
     </p:spTree>
     <p:extLst>
       <p:ext uri="{BB962C8B-B14F-4D97-AF65-F5344CB8AC3E}">
-        <p14:creationId xmlns:p14="http://schemas.microsoft.com/office/powerpoint/2010/main" val="1505219277"/>
+        <p14:creationId xmlns:p14="http://schemas.microsoft.com/office/powerpoint/2010/main" val="4082111051"/>
       </p:ext>
     </p:extLst>
   </p:cSld>
@@ -16945,13 +16877,13 @@
   <p:clrMapOvr>
     <a:masterClrMapping/>
   </p:clrMapOvr>
-  <mc:AlternateContent xmlns:mc="http://schemas.openxmlformats.org/markup-compatibility/2006">
-    <mc:Choice xmlns:p14="http://schemas.microsoft.com/office/powerpoint/2010/main" Requires="p14">
+  <mc:AlternateContent xmlns:mc="http://schemas.openxmlformats.org/markup-compatibility/2006" xmlns:p14="http://schemas.microsoft.com/office/powerpoint/2010/main">
+    <mc:Choice Requires="p14">
       <p:transition spd="med" p14:dur="700">
         <p:fade/>
       </p:transition>
     </mc:Choice>
-    <mc:Fallback>
+    <mc:Fallback xmlns="">
       <p:transition spd="med">
         <p:fade/>
       </p:transition>
@@ -16961,312 +16893,6 @@
 </file>
 
 <file path=ppt/slides/slide10.xml><?xml version="1.0" encoding="utf-8"?>
-<p:sld xmlns:a="http://schemas.openxmlformats.org/drawingml/2006/main" xmlns:r="http://schemas.openxmlformats.org/officeDocument/2006/relationships" xmlns:p="http://schemas.openxmlformats.org/presentationml/2006/main">
-  <p:cSld>
-    <p:bg>
-      <p:bgPr>
-        <a:gradFill rotWithShape="1">
-          <a:gsLst>
-            <a:gs pos="0">
-              <a:schemeClr val="bg2">
-                <a:tint val="96000"/>
-                <a:shade val="100000"/>
-                <a:hueMod val="106000"/>
-                <a:satMod val="220000"/>
-                <a:lumMod val="140000"/>
-              </a:schemeClr>
-            </a:gs>
-            <a:gs pos="50000">
-              <a:schemeClr val="bg2">
-                <a:shade val="100000"/>
-                <a:hueMod val="100000"/>
-                <a:satMod val="110000"/>
-                <a:lumMod val="130000"/>
-              </a:schemeClr>
-            </a:gs>
-            <a:gs pos="100000">
-              <a:schemeClr val="bg2">
-                <a:shade val="69000"/>
-                <a:hueMod val="88000"/>
-                <a:satMod val="160000"/>
-                <a:lumMod val="69000"/>
-              </a:schemeClr>
-            </a:gs>
-          </a:gsLst>
-          <a:lin ang="2520000" scaled="0"/>
-        </a:gradFill>
-        <a:effectLst/>
-      </p:bgPr>
-    </p:bg>
-    <p:spTree>
-      <p:nvGrpSpPr>
-        <p:cNvPr id="1" name=""/>
-        <p:cNvGrpSpPr/>
-        <p:nvPr/>
-      </p:nvGrpSpPr>
-      <p:grpSpPr>
-        <a:xfrm>
-          <a:off x="0" y="0"/>
-          <a:ext cx="0" cy="0"/>
-          <a:chOff x="0" y="0"/>
-          <a:chExt cx="0" cy="0"/>
-        </a:xfrm>
-      </p:grpSpPr>
-      <p:sp>
-        <p:nvSpPr>
-          <p:cNvPr id="2" name="Title 1">
-            <a:extLst>
-              <a:ext uri="{FF2B5EF4-FFF2-40B4-BE49-F238E27FC236}">
-                <a16:creationId xmlns:a16="http://schemas.microsoft.com/office/drawing/2014/main" id="{F4EA0C0F-80C1-4432-ADF2-4FD4A189BEBB}"/>
-              </a:ext>
-            </a:extLst>
-          </p:cNvPr>
-          <p:cNvSpPr>
-            <a:spLocks noGrp="1"/>
-          </p:cNvSpPr>
-          <p:nvPr>
-            <p:ph type="title"/>
-          </p:nvPr>
-        </p:nvSpPr>
-        <p:spPr>
-          <a:xfrm>
-            <a:off x="680321" y="753228"/>
-            <a:ext cx="9613861" cy="1080938"/>
-          </a:xfrm>
-        </p:spPr>
-        <p:txBody>
-          <a:bodyPr>
-            <a:normAutofit/>
-          </a:bodyPr>
-          <a:lstStyle/>
-          <a:p>
-            <a:r>
-              <a:rPr lang="en-US" sz="2800" dirty="0"/>
-              <a:t>How does California wine reviews compare to the rest of the world when it comes to the variety of wines reviewed?</a:t>
-            </a:r>
-          </a:p>
-        </p:txBody>
-      </p:sp>
-      <p:sp>
-        <p:nvSpPr>
-          <p:cNvPr id="1032" name="Content Placeholder 1031">
-            <a:extLst>
-              <a:ext uri="{FF2B5EF4-FFF2-40B4-BE49-F238E27FC236}">
-                <a16:creationId xmlns:a16="http://schemas.microsoft.com/office/drawing/2014/main" id="{D315F114-2879-441D-A372-ADC006B3B75D}"/>
-              </a:ext>
-            </a:extLst>
-          </p:cNvPr>
-          <p:cNvSpPr>
-            <a:spLocks noGrp="1"/>
-          </p:cNvSpPr>
-          <p:nvPr>
-            <p:ph idx="1"/>
-          </p:nvPr>
-        </p:nvSpPr>
-        <p:spPr>
-          <a:xfrm>
-            <a:off x="294453" y="2370350"/>
-            <a:ext cx="3091578" cy="3590183"/>
-          </a:xfrm>
-        </p:spPr>
-        <p:txBody>
-          <a:bodyPr>
-            <a:normAutofit/>
-          </a:bodyPr>
-          <a:lstStyle/>
-          <a:p>
-            <a:endParaRPr lang="en-US" sz="2000" dirty="0"/>
-          </a:p>
-          <a:p>
-            <a:r>
-              <a:rPr lang="en-US" sz="2000" dirty="0"/>
-              <a:t>Higher variety count found in California</a:t>
-            </a:r>
-          </a:p>
-          <a:p>
-            <a:endParaRPr lang="en-US" sz="2000" dirty="0"/>
-          </a:p>
-          <a:p>
-            <a:r>
-              <a:rPr lang="en-US" sz="2000" dirty="0"/>
-              <a:t>12 of the top 20 varieties found in CA are found within the top 20 varieties globally (excluding CA)</a:t>
-            </a:r>
-          </a:p>
-          <a:p>
-            <a:endParaRPr lang="en-US" sz="2000" dirty="0"/>
-          </a:p>
-          <a:p>
-            <a:pPr marL="0" indent="0">
-              <a:buNone/>
-            </a:pPr>
-            <a:endParaRPr lang="en-US" sz="2000" dirty="0"/>
-          </a:p>
-        </p:txBody>
-      </p:sp>
-      <p:pic>
-        <p:nvPicPr>
-          <p:cNvPr id="1026" name="Picture 2">
-            <a:extLst>
-              <a:ext uri="{FF2B5EF4-FFF2-40B4-BE49-F238E27FC236}">
-                <a16:creationId xmlns:a16="http://schemas.microsoft.com/office/drawing/2014/main" id="{AD16B1AE-B834-4F0E-B75E-37B09C5A85D6}"/>
-              </a:ext>
-            </a:extLst>
-          </p:cNvPr>
-          <p:cNvPicPr>
-            <a:picLocks noChangeAspect="1" noChangeArrowheads="1"/>
-          </p:cNvPicPr>
-          <p:nvPr/>
-        </p:nvPicPr>
-        <p:blipFill rotWithShape="1">
-          <a:blip r:embed="rId2">
-            <a:extLst>
-              <a:ext uri="{28A0092B-C50C-407E-A947-70E740481C1C}">
-                <a14:useLocalDpi xmlns:a14="http://schemas.microsoft.com/office/drawing/2010/main" val="0"/>
-              </a:ext>
-            </a:extLst>
-          </a:blip>
-          <a:srcRect l="2656" r="17740"/>
-          <a:stretch/>
-        </p:blipFill>
-        <p:spPr bwMode="auto">
-          <a:xfrm>
-            <a:off x="3492725" y="2286000"/>
-            <a:ext cx="3762323" cy="4329290"/>
-          </a:xfrm>
-          <a:prstGeom prst="rect">
-            <a:avLst/>
-          </a:prstGeom>
-          <a:noFill/>
-          <a:ln>
-            <a:noFill/>
-          </a:ln>
-          <a:effectLst>
-            <a:outerShdw blurRad="76200" dist="63500" dir="5040000" algn="tl" rotWithShape="0">
-              <a:srgbClr val="000000">
-                <a:alpha val="41000"/>
-              </a:srgbClr>
-            </a:outerShdw>
-          </a:effectLst>
-          <a:extLst>
-            <a:ext uri="{909E8E84-426E-40DD-AFC4-6F175D3DCCD1}">
-              <a14:hiddenFill xmlns:a14="http://schemas.microsoft.com/office/drawing/2010/main">
-                <a:solidFill>
-                  <a:srgbClr val="FFFFFF"/>
-                </a:solidFill>
-              </a14:hiddenFill>
-            </a:ext>
-          </a:extLst>
-        </p:spPr>
-      </p:pic>
-      <p:sp>
-        <p:nvSpPr>
-          <p:cNvPr id="4" name="TextBox 3">
-            <a:extLst>
-              <a:ext uri="{FF2B5EF4-FFF2-40B4-BE49-F238E27FC236}">
-                <a16:creationId xmlns:a16="http://schemas.microsoft.com/office/drawing/2014/main" id="{F7FCB200-52E9-4D10-B10D-F206C66D2C0B}"/>
-              </a:ext>
-            </a:extLst>
-          </p:cNvPr>
-          <p:cNvSpPr txBox="1"/>
-          <p:nvPr/>
-        </p:nvSpPr>
-        <p:spPr>
-          <a:xfrm>
-            <a:off x="7475805" y="2308770"/>
-            <a:ext cx="4421742" cy="400110"/>
-          </a:xfrm>
-          <a:prstGeom prst="rect">
-            <a:avLst/>
-          </a:prstGeom>
-          <a:noFill/>
-        </p:spPr>
-        <p:txBody>
-          <a:bodyPr wrap="square" rtlCol="0">
-            <a:spAutoFit/>
-          </a:bodyPr>
-          <a:lstStyle/>
-          <a:p>
-            <a:r>
-              <a:rPr lang="en-US" sz="1000" b="1" dirty="0"/>
-              <a:t>Breakdown of top 20 varieties of wine globally (excluding CA) by review count </a:t>
-            </a:r>
-            <a:endParaRPr lang="en-US" sz="1000" dirty="0"/>
-          </a:p>
-        </p:txBody>
-      </p:sp>
-      <p:pic>
-        <p:nvPicPr>
-          <p:cNvPr id="1030" name="Picture 6">
-            <a:extLst>
-              <a:ext uri="{FF2B5EF4-FFF2-40B4-BE49-F238E27FC236}">
-                <a16:creationId xmlns:a16="http://schemas.microsoft.com/office/drawing/2014/main" id="{8F549CA4-6651-48D9-B005-3F0A8FAE0178}"/>
-              </a:ext>
-            </a:extLst>
-          </p:cNvPr>
-          <p:cNvPicPr>
-            <a:picLocks noChangeAspect="1" noChangeArrowheads="1"/>
-          </p:cNvPicPr>
-          <p:nvPr/>
-        </p:nvPicPr>
-        <p:blipFill>
-          <a:blip r:embed="rId3">
-            <a:extLst>
-              <a:ext uri="{28A0092B-C50C-407E-A947-70E740481C1C}">
-                <a14:useLocalDpi xmlns:a14="http://schemas.microsoft.com/office/drawing/2010/main" val="0"/>
-              </a:ext>
-            </a:extLst>
-          </a:blip>
-          <a:srcRect/>
-          <a:stretch>
-            <a:fillRect/>
-          </a:stretch>
-        </p:blipFill>
-        <p:spPr bwMode="auto">
-          <a:xfrm>
-            <a:off x="7475805" y="2720912"/>
-            <a:ext cx="4421742" cy="3894378"/>
-          </a:xfrm>
-          <a:prstGeom prst="rect">
-            <a:avLst/>
-          </a:prstGeom>
-          <a:noFill/>
-          <a:extLst>
-            <a:ext uri="{909E8E84-426E-40DD-AFC4-6F175D3DCCD1}">
-              <a14:hiddenFill xmlns:a14="http://schemas.microsoft.com/office/drawing/2010/main">
-                <a:solidFill>
-                  <a:srgbClr val="FFFFFF"/>
-                </a:solidFill>
-              </a14:hiddenFill>
-            </a:ext>
-          </a:extLst>
-        </p:spPr>
-      </p:pic>
-    </p:spTree>
-    <p:extLst>
-      <p:ext uri="{BB962C8B-B14F-4D97-AF65-F5344CB8AC3E}">
-        <p14:creationId xmlns:p14="http://schemas.microsoft.com/office/powerpoint/2010/main" val="578842426"/>
-      </p:ext>
-    </p:extLst>
-  </p:cSld>
-  <p:clrMapOvr>
-    <a:masterClrMapping/>
-  </p:clrMapOvr>
-  <mc:AlternateContent xmlns:mc="http://schemas.openxmlformats.org/markup-compatibility/2006">
-    <mc:Choice xmlns:p14="http://schemas.microsoft.com/office/powerpoint/2010/main" Requires="p14">
-      <p:transition spd="med" p14:dur="700">
-        <p:fade/>
-      </p:transition>
-    </mc:Choice>
-    <mc:Fallback>
-      <p:transition spd="med">
-        <p:fade/>
-      </p:transition>
-    </mc:Fallback>
-  </mc:AlternateContent>
-</p:sld>
-</file>
-
-<file path=ppt/slides/slide11.xml><?xml version="1.0" encoding="utf-8"?>
 <p:sld xmlns:a="http://schemas.openxmlformats.org/drawingml/2006/main" xmlns:r="http://schemas.openxmlformats.org/officeDocument/2006/relationships" xmlns:p="http://schemas.openxmlformats.org/presentationml/2006/main">
   <p:cSld>
     <p:bg>
@@ -17473,8 +17099,8 @@
         </p:nvSpPr>
         <p:spPr>
           <a:xfrm>
-            <a:off x="680321" y="3215410"/>
-            <a:ext cx="3188665" cy="2308324"/>
+            <a:off x="540362" y="2504716"/>
+            <a:ext cx="3188665" cy="3785652"/>
           </a:xfrm>
           <a:prstGeom prst="rect">
             <a:avLst/>
@@ -17492,19 +17118,16 @@
               <a:buChar char="•"/>
             </a:pPr>
             <a:r>
-              <a:rPr lang="en-US" dirty="0"/>
+              <a:rPr lang="en-US" sz="2400" dirty="0"/>
               <a:t>Moderately positive correlation coefficients observed in both plots.</a:t>
             </a:r>
-          </a:p>
-          <a:p>
-            <a:endParaRPr lang="en-US" dirty="0"/>
           </a:p>
           <a:p>
             <a:pPr marL="285750" indent="-285750">
               <a:buFont typeface="Arial" panose="020B0604020202020204" pitchFamily="34" charset="0"/>
               <a:buChar char="•"/>
             </a:pPr>
-            <a:endParaRPr lang="en-US" dirty="0"/>
+            <a:endParaRPr lang="en-US" sz="2400" dirty="0"/>
           </a:p>
           <a:p>
             <a:pPr marL="285750" indent="-285750">
@@ -17512,7 +17135,7 @@
               <a:buChar char="•"/>
             </a:pPr>
             <a:r>
-              <a:rPr lang="en-US" dirty="0"/>
+              <a:rPr lang="en-US" sz="2400" dirty="0"/>
               <a:t>Generally, the more expensive the wine, the higher the review rating.</a:t>
             </a:r>
           </a:p>
@@ -17606,13 +17229,13 @@
   <p:clrMapOvr>
     <a:masterClrMapping/>
   </p:clrMapOvr>
-  <mc:AlternateContent xmlns:mc="http://schemas.openxmlformats.org/markup-compatibility/2006">
-    <mc:Choice xmlns:p14="http://schemas.microsoft.com/office/powerpoint/2010/main" Requires="p14">
+  <mc:AlternateContent xmlns:mc="http://schemas.openxmlformats.org/markup-compatibility/2006" xmlns:p14="http://schemas.microsoft.com/office/powerpoint/2010/main">
+    <mc:Choice Requires="p14">
       <p:transition spd="med" p14:dur="700">
         <p:fade/>
       </p:transition>
     </mc:Choice>
-    <mc:Fallback>
+    <mc:Fallback xmlns="">
       <p:transition spd="med">
         <p:fade/>
       </p:transition>
@@ -17621,7 +17244,7 @@
 </p:sld>
 </file>
 
-<file path=ppt/slides/slide12.xml><?xml version="1.0" encoding="utf-8"?>
+<file path=ppt/slides/slide11.xml><?xml version="1.0" encoding="utf-8"?>
 <p:sld xmlns:a="http://schemas.openxmlformats.org/drawingml/2006/main" xmlns:r="http://schemas.openxmlformats.org/officeDocument/2006/relationships" xmlns:p="http://schemas.openxmlformats.org/presentationml/2006/main">
   <p:cSld>
     <p:spTree>
@@ -17680,8 +17303,8 @@
         </p:nvSpPr>
         <p:spPr>
           <a:xfrm>
-            <a:off x="970844" y="2393244"/>
-            <a:ext cx="7484534" cy="3970318"/>
+            <a:off x="913694" y="2154570"/>
+            <a:ext cx="9201856" cy="4401205"/>
           </a:xfrm>
           <a:prstGeom prst="rect">
             <a:avLst/>
@@ -17699,8 +17322,8 @@
               <a:buChar char="•"/>
             </a:pPr>
             <a:r>
-              <a:rPr lang="en-US" dirty="0"/>
-              <a:t>New wine metric was calculated to better evaluate “best” wine</a:t>
+              <a:rPr lang="en-US" sz="2000" dirty="0"/>
+              <a:t>New Wine Metric was calculated to better evaluate “best” wine</a:t>
             </a:r>
           </a:p>
           <a:p>
@@ -17709,12 +17332,12 @@
               <a:buChar char="•"/>
             </a:pPr>
             <a:r>
-              <a:rPr lang="en-US" dirty="0"/>
+              <a:rPr lang="en-US" sz="2000" dirty="0"/>
               <a:t>New Wine Metric = price/points - 79 </a:t>
             </a:r>
           </a:p>
           <a:p>
-            <a:endParaRPr lang="en-US" dirty="0"/>
+            <a:endParaRPr lang="en-US" sz="2000" dirty="0"/>
           </a:p>
           <a:p>
             <a:pPr marL="285750" indent="-285750">
@@ -17722,36 +17345,36 @@
               <a:buChar char="•"/>
             </a:pPr>
             <a:r>
-              <a:rPr lang="en-US" dirty="0"/>
+              <a:rPr lang="en-US" sz="2000" dirty="0"/>
               <a:t>Chi-Square test was performed using average new wine metric for California and Non-California wines</a:t>
             </a:r>
+          </a:p>
+          <a:p>
+            <a:endParaRPr lang="en-US" sz="2000" dirty="0"/>
           </a:p>
           <a:p>
             <a:pPr marL="285750" indent="-285750">
               <a:buFont typeface="Arial" panose="020B0604020202020204" pitchFamily="34" charset="0"/>
               <a:buChar char="•"/>
             </a:pPr>
-            <a:endParaRPr lang="en-US" dirty="0"/>
-          </a:p>
-          <a:p>
-            <a:endParaRPr lang="en-US" dirty="0"/>
+            <a:r>
+              <a:rPr lang="en-US" sz="2000" dirty="0"/>
+              <a:t>Null hypothesis: There is no significant statistical difference between the observed wine metric values and our expected. </a:t>
+            </a:r>
           </a:p>
           <a:p>
             <a:pPr marL="285750" indent="-285750">
               <a:buFont typeface="Arial" panose="020B0604020202020204" pitchFamily="34" charset="0"/>
               <a:buChar char="•"/>
             </a:pPr>
-            <a:r>
-              <a:rPr lang="en-US" dirty="0"/>
-              <a:t>Null hypothesis: There is no significant statistical difference between the observed wine metric values and our expected. </a:t>
-            </a:r>
+            <a:endParaRPr lang="en-US" sz="2000" dirty="0"/>
           </a:p>
           <a:p>
             <a:pPr marL="285750" indent="-285750">
               <a:buFont typeface="Arial" panose="020B0604020202020204" pitchFamily="34" charset="0"/>
               <a:buChar char="•"/>
             </a:pPr>
-            <a:endParaRPr lang="en-US" dirty="0"/>
+            <a:endParaRPr lang="en-US" sz="2000" dirty="0"/>
           </a:p>
           <a:p>
             <a:pPr marL="285750" indent="-285750">
@@ -17759,15 +17382,15 @@
               <a:buChar char="•"/>
             </a:pPr>
             <a:r>
-              <a:rPr lang="en-US" dirty="0"/>
+              <a:rPr lang="en-US" sz="2000" dirty="0"/>
               <a:t>Critical Value = 3.841         X</a:t>
             </a:r>
             <a:r>
-              <a:rPr lang="en-US" sz="1600" baseline="30000" dirty="0"/>
+              <a:rPr lang="en-US" baseline="30000" dirty="0"/>
               <a:t>2</a:t>
             </a:r>
             <a:r>
-              <a:rPr lang="en-US" dirty="0"/>
+              <a:rPr lang="en-US" sz="2000" dirty="0"/>
               <a:t> = 0.128</a:t>
             </a:r>
           </a:p>
@@ -17776,7 +17399,7 @@
               <a:buFont typeface="Arial" panose="020B0604020202020204" pitchFamily="34" charset="0"/>
               <a:buChar char="•"/>
             </a:pPr>
-            <a:endParaRPr lang="en-US" dirty="0"/>
+            <a:endParaRPr lang="en-US" sz="2000" dirty="0"/>
           </a:p>
           <a:p>
             <a:pPr marL="285750" indent="-285750">
@@ -17784,15 +17407,15 @@
               <a:buChar char="•"/>
             </a:pPr>
             <a:r>
-              <a:rPr lang="en-US" dirty="0"/>
+              <a:rPr lang="en-US" sz="2000" dirty="0"/>
               <a:t>We would not reject our null hypothesis as X</a:t>
             </a:r>
             <a:r>
-              <a:rPr lang="en-US" sz="1600" baseline="30000" dirty="0"/>
+              <a:rPr lang="en-US" baseline="30000" dirty="0"/>
               <a:t>2  </a:t>
             </a:r>
             <a:r>
-              <a:rPr lang="en-US" dirty="0"/>
+              <a:rPr lang="en-US" sz="2000" dirty="0"/>
               <a:t>is lower than our critical value.</a:t>
             </a:r>
           </a:p>
@@ -17838,13 +17461,13 @@
   <p:clrMapOvr>
     <a:masterClrMapping/>
   </p:clrMapOvr>
-  <mc:AlternateContent xmlns:mc="http://schemas.openxmlformats.org/markup-compatibility/2006">
-    <mc:Choice xmlns:p14="http://schemas.microsoft.com/office/powerpoint/2010/main" Requires="p14">
+  <mc:AlternateContent xmlns:mc="http://schemas.openxmlformats.org/markup-compatibility/2006" xmlns:p14="http://schemas.microsoft.com/office/powerpoint/2010/main">
+    <mc:Choice Requires="p14">
       <p:transition spd="med" p14:dur="700">
         <p:fade/>
       </p:transition>
     </mc:Choice>
-    <mc:Fallback>
+    <mc:Fallback xmlns="">
       <p:transition spd="med">
         <p:fade/>
       </p:transition>
@@ -17853,7 +17476,7 @@
 </p:sld>
 </file>
 
-<file path=ppt/slides/slide13.xml><?xml version="1.0" encoding="utf-8"?>
+<file path=ppt/slides/slide12.xml><?xml version="1.0" encoding="utf-8"?>
 <p:sld xmlns:a="http://schemas.openxmlformats.org/drawingml/2006/main" xmlns:r="http://schemas.openxmlformats.org/officeDocument/2006/relationships" xmlns:p="http://schemas.openxmlformats.org/presentationml/2006/main">
   <p:cSld>
     <p:bg>
@@ -18239,13 +17862,13 @@
         </p:nvSpPr>
         <p:spPr>
           <a:xfrm>
-            <a:off x="680322" y="2336872"/>
-            <a:ext cx="10581236" cy="3173591"/>
+            <a:off x="680322" y="2309052"/>
+            <a:ext cx="10581236" cy="4120323"/>
           </a:xfrm>
         </p:spPr>
         <p:txBody>
           <a:bodyPr>
-            <a:normAutofit/>
+            <a:normAutofit fontScale="92500" lnSpcReduction="20000"/>
           </a:bodyPr>
           <a:lstStyle/>
           <a:p>
@@ -18256,7 +17879,7 @@
             </a:pPr>
             <a:r>
               <a:rPr lang="en-US" sz="2800" dirty="0"/>
-              <a:t>Most reviews/wine came from US</a:t>
+              <a:t>Most reviews were based on wine that came from US. Wine Enthusiast is a US Based Company and likely targets a US audience.</a:t>
             </a:r>
           </a:p>
           <a:p>
@@ -18267,7 +17890,15 @@
             </a:pPr>
             <a:r>
               <a:rPr lang="en-US" sz="2800" dirty="0"/>
-              <a:t>Pinot Noir is most reviewed</a:t>
+              <a:t>Pinot Noir was the most frequently reviewed wine type in our dataset but only if we included the California otherwise it fell to 3</a:t>
+            </a:r>
+            <a:r>
+              <a:rPr lang="en-US" sz="2800" baseline="30000" dirty="0"/>
+              <a:t>rd</a:t>
+            </a:r>
+            <a:r>
+              <a:rPr lang="en-US" sz="2800" dirty="0"/>
+              <a:t>.</a:t>
             </a:r>
           </a:p>
           <a:p>
@@ -18278,7 +17909,7 @@
             </a:pPr>
             <a:r>
               <a:rPr lang="en-US" sz="2800" dirty="0"/>
-              <a:t>California Zinfandel</a:t>
+              <a:t>California Zinfandel while in the top 5 most reviewed wine from America wasn’t even in the top 20 worldwide</a:t>
             </a:r>
           </a:p>
           <a:p>
@@ -18289,18 +17920,7 @@
             </a:pPr>
             <a:r>
               <a:rPr lang="en-US" sz="2800" dirty="0"/>
-              <a:t>Most wines under $250</a:t>
-            </a:r>
-          </a:p>
-          <a:p>
-            <a:pPr>
-              <a:lnSpc>
-                <a:spcPct val="120000"/>
-              </a:lnSpc>
-            </a:pPr>
-            <a:r>
-              <a:rPr lang="en-US" sz="2800" dirty="0"/>
-              <a:t>Etc.</a:t>
+              <a:t>There is an ample selection (at least 312 from our data) of “good value” wines where your money will go further.</a:t>
             </a:r>
           </a:p>
         </p:txBody>
@@ -18396,13 +18016,13 @@
   <p:clrMapOvr>
     <a:masterClrMapping/>
   </p:clrMapOvr>
-  <mc:AlternateContent xmlns:mc="http://schemas.openxmlformats.org/markup-compatibility/2006">
-    <mc:Choice xmlns:p14="http://schemas.microsoft.com/office/powerpoint/2010/main" Requires="p14">
+  <mc:AlternateContent xmlns:mc="http://schemas.openxmlformats.org/markup-compatibility/2006" xmlns:p14="http://schemas.microsoft.com/office/powerpoint/2010/main">
+    <mc:Choice Requires="p14">
       <p:transition spd="med" p14:dur="700">
         <p:fade/>
       </p:transition>
     </mc:Choice>
-    <mc:Fallback>
+    <mc:Fallback xmlns="">
       <p:transition spd="med">
         <p:fade/>
       </p:transition>
@@ -18411,7 +18031,7 @@
 </p:sld>
 </file>
 
-<file path=ppt/slides/slide14.xml><?xml version="1.0" encoding="utf-8"?>
+<file path=ppt/slides/slide13.xml><?xml version="1.0" encoding="utf-8"?>
 <p:sld xmlns:a="http://schemas.openxmlformats.org/drawingml/2006/main" xmlns:r="http://schemas.openxmlformats.org/officeDocument/2006/relationships" xmlns:p="http://schemas.openxmlformats.org/presentationml/2006/main">
   <p:cSld>
     <p:spTree>
@@ -18474,7 +18094,7 @@
         </p:nvPicPr>
         <p:blipFill>
           <a:blip r:embed="rId3">
-            <a:alphaModFix amt="44000"/>
+            <a:alphaModFix amt="25000"/>
             <a:extLst>
               <a:ext uri="{837473B0-CC2E-450A-ABE3-18F120FF3D39}">
                 <a1611:picAttrSrcUrl xmlns:a1611="http://schemas.microsoft.com/office/drawing/2016/11/main" r:id="rId4"/>
@@ -18528,6 +18148,122 @@
           </a:xfrm>
         </p:spPr>
       </p:pic>
+      <p:sp>
+        <p:nvSpPr>
+          <p:cNvPr id="3" name="TextBox 2">
+            <a:extLst>
+              <a:ext uri="{FF2B5EF4-FFF2-40B4-BE49-F238E27FC236}">
+                <a16:creationId xmlns:a16="http://schemas.microsoft.com/office/drawing/2014/main" id="{2DA0D3A0-34E7-4787-B24B-4A5A79B68507}"/>
+              </a:ext>
+            </a:extLst>
+          </p:cNvPr>
+          <p:cNvSpPr txBox="1"/>
+          <p:nvPr/>
+        </p:nvSpPr>
+        <p:spPr>
+          <a:xfrm>
+            <a:off x="617782" y="2165938"/>
+            <a:ext cx="10579553" cy="4154984"/>
+          </a:xfrm>
+          <a:prstGeom prst="rect">
+            <a:avLst/>
+          </a:prstGeom>
+          <a:noFill/>
+        </p:spPr>
+        <p:txBody>
+          <a:bodyPr wrap="square" rtlCol="0">
+            <a:spAutoFit/>
+          </a:bodyPr>
+          <a:lstStyle/>
+          <a:p>
+            <a:pPr marL="285750" indent="-285750">
+              <a:buFont typeface="Arial" panose="020B0604020202020204" pitchFamily="34" charset="0"/>
+              <a:buChar char="•"/>
+            </a:pPr>
+            <a:r>
+              <a:rPr lang="en-US" sz="2400" dirty="0"/>
+              <a:t>Difficulties:</a:t>
+            </a:r>
+          </a:p>
+          <a:p>
+            <a:pPr marL="742950" lvl="1" indent="-285750">
+              <a:buFont typeface="Arial" panose="020B0604020202020204" pitchFamily="34" charset="0"/>
+              <a:buChar char="•"/>
+            </a:pPr>
+            <a:r>
+              <a:rPr lang="en-US" sz="2400" dirty="0"/>
+              <a:t>Data Sourcing – Finding our Dataset</a:t>
+            </a:r>
+          </a:p>
+          <a:p>
+            <a:pPr marL="1200150" lvl="2" indent="-285750">
+              <a:buFont typeface="Arial" panose="020B0604020202020204" pitchFamily="34" charset="0"/>
+              <a:buChar char="•"/>
+            </a:pPr>
+            <a:r>
+              <a:rPr lang="en-US" sz="2400" dirty="0"/>
+              <a:t>Beer API Challenges</a:t>
+            </a:r>
+          </a:p>
+          <a:p>
+            <a:pPr marL="742950" lvl="1" indent="-285750">
+              <a:buFont typeface="Arial" panose="020B0604020202020204" pitchFamily="34" charset="0"/>
+              <a:buChar char="•"/>
+            </a:pPr>
+            <a:r>
+              <a:rPr lang="en-US" sz="2400" dirty="0"/>
+              <a:t>Git Challenges with branching merging and resolving code conflicts</a:t>
+            </a:r>
+          </a:p>
+          <a:p>
+            <a:pPr marL="742950" lvl="1" indent="-285750">
+              <a:buFont typeface="Arial" panose="020B0604020202020204" pitchFamily="34" charset="0"/>
+              <a:buChar char="•"/>
+            </a:pPr>
+            <a:r>
+              <a:rPr lang="en-US" sz="2400" dirty="0"/>
+              <a:t>Timeline and Project Organizational Challenges</a:t>
+            </a:r>
+          </a:p>
+          <a:p>
+            <a:pPr marL="742950" lvl="1" indent="-285750">
+              <a:buFont typeface="Arial" panose="020B0604020202020204" pitchFamily="34" charset="0"/>
+              <a:buChar char="•"/>
+            </a:pPr>
+            <a:r>
+              <a:rPr lang="en-US" sz="2400" dirty="0"/>
+              <a:t>API Challenges – trying to think of creative ways to use the dataset to leverage semi familiar Google API’s</a:t>
+            </a:r>
+          </a:p>
+          <a:p>
+            <a:pPr marL="285750" indent="-285750">
+              <a:buFont typeface="Arial" panose="020B0604020202020204" pitchFamily="34" charset="0"/>
+              <a:buChar char="•"/>
+            </a:pPr>
+            <a:endParaRPr lang="en-US" sz="2400" dirty="0"/>
+          </a:p>
+          <a:p>
+            <a:pPr marL="285750" indent="-285750">
+              <a:buFont typeface="Arial" panose="020B0604020202020204" pitchFamily="34" charset="0"/>
+              <a:buChar char="•"/>
+            </a:pPr>
+            <a:r>
+              <a:rPr lang="en-US" sz="2400" dirty="0"/>
+              <a:t>IF we had to do it again what could we do differently:</a:t>
+            </a:r>
+          </a:p>
+          <a:p>
+            <a:pPr marL="742950" lvl="1" indent="-285750">
+              <a:buFont typeface="Arial" panose="020B0604020202020204" pitchFamily="34" charset="0"/>
+              <a:buChar char="•"/>
+            </a:pPr>
+            <a:r>
+              <a:rPr lang="en-US" sz="2400" dirty="0"/>
+              <a:t>Additional datasets could have given us a perhaps a different perspective on what questions we could ask about our topic. </a:t>
+            </a:r>
+          </a:p>
+        </p:txBody>
+      </p:sp>
     </p:spTree>
     <p:extLst>
       <p:ext uri="{BB962C8B-B14F-4D97-AF65-F5344CB8AC3E}">
@@ -18538,13 +18274,13 @@
   <p:clrMapOvr>
     <a:masterClrMapping/>
   </p:clrMapOvr>
-  <mc:AlternateContent xmlns:mc="http://schemas.openxmlformats.org/markup-compatibility/2006">
-    <mc:Choice xmlns:p14="http://schemas.microsoft.com/office/powerpoint/2010/main" Requires="p14">
+  <mc:AlternateContent xmlns:mc="http://schemas.openxmlformats.org/markup-compatibility/2006" xmlns:p14="http://schemas.microsoft.com/office/powerpoint/2010/main">
+    <mc:Choice Requires="p14">
       <p:transition spd="med" p14:dur="700">
         <p:fade/>
       </p:transition>
     </mc:Choice>
-    <mc:Fallback>
+    <mc:Fallback xmlns="">
       <p:transition spd="med">
         <p:fade/>
       </p:transition>
@@ -18553,7 +18289,7 @@
 </p:sld>
 </file>
 
-<file path=ppt/slides/slide15.xml><?xml version="1.0" encoding="utf-8"?>
+<file path=ppt/slides/slide14.xml><?xml version="1.0" encoding="utf-8"?>
 <p:sld xmlns:a="http://schemas.openxmlformats.org/drawingml/2006/main" xmlns:r="http://schemas.openxmlformats.org/officeDocument/2006/relationships" xmlns:p="http://schemas.openxmlformats.org/presentationml/2006/main">
   <p:cSld>
     <p:bg>
@@ -18963,13 +18699,13 @@
   <p:clrMapOvr>
     <a:masterClrMapping/>
   </p:clrMapOvr>
-  <mc:AlternateContent xmlns:mc="http://schemas.openxmlformats.org/markup-compatibility/2006">
-    <mc:Choice xmlns:p14="http://schemas.microsoft.com/office/powerpoint/2010/main" Requires="p14">
+  <mc:AlternateContent xmlns:mc="http://schemas.openxmlformats.org/markup-compatibility/2006" xmlns:p14="http://schemas.microsoft.com/office/powerpoint/2010/main">
+    <mc:Choice Requires="p14">
       <p:transition spd="med" p14:dur="700">
         <p:fade/>
       </p:transition>
     </mc:Choice>
-    <mc:Fallback>
+    <mc:Fallback xmlns="">
       <p:transition spd="med">
         <p:fade/>
       </p:transition>
@@ -19018,7 +18754,7 @@
           <a:p>
             <a:r>
               <a:rPr lang="en-US" dirty="0"/>
-              <a:t>Motivation</a:t>
+              <a:t>Motivation and Summary</a:t>
             </a:r>
           </a:p>
         </p:txBody>
@@ -19041,17 +18777,32 @@
         </p:nvSpPr>
         <p:spPr>
           <a:xfrm>
-            <a:off x="619592" y="4223084"/>
-            <a:ext cx="10952813" cy="2054280"/>
+            <a:off x="619592" y="2080727"/>
+            <a:ext cx="10952813" cy="4599991"/>
           </a:xfrm>
         </p:spPr>
         <p:txBody>
           <a:bodyPr>
-            <a:normAutofit fontScale="92500"/>
+            <a:normAutofit fontScale="62500" lnSpcReduction="20000"/>
           </a:bodyPr>
           <a:lstStyle/>
           <a:p>
-            <a:pPr marL="0" indent="0" algn="ctr">
+            <a:pPr marL="0" indent="0">
+              <a:buNone/>
+            </a:pPr>
+            <a:r>
+              <a:rPr lang="en-US" sz="3600" dirty="0"/>
+              <a:t>In the US, California is known for their wines, but do they have the “best” wines in the world? How might we go about trying to prove it?</a:t>
+            </a:r>
+          </a:p>
+          <a:p>
+            <a:pPr marL="0" indent="0">
+              <a:buNone/>
+            </a:pPr>
+            <a:endParaRPr lang="en-US" sz="3600" dirty="0"/>
+          </a:p>
+          <a:p>
+            <a:pPr marL="0" indent="0">
               <a:buNone/>
             </a:pPr>
             <a:r>
@@ -19064,8 +18815,41 @@
             </a:r>
           </a:p>
           <a:p>
-            <a:pPr lvl="1"/>
-            <a:endParaRPr lang="en-US" dirty="0"/>
+            <a:pPr marL="0" indent="0">
+              <a:buNone/>
+            </a:pPr>
+            <a:endParaRPr lang="en-US" sz="3600" dirty="0"/>
+          </a:p>
+          <a:p>
+            <a:r>
+              <a:rPr lang="en-US" sz="3600" dirty="0"/>
+              <a:t>What should we consider when defining the “best” wine?</a:t>
+            </a:r>
+          </a:p>
+          <a:p>
+            <a:endParaRPr lang="en-US" sz="3600" dirty="0"/>
+          </a:p>
+          <a:p>
+            <a:r>
+              <a:rPr lang="en-US" sz="3600" dirty="0"/>
+              <a:t>How to go about defining which properties make the “best” wine quantitatively, based on review data?</a:t>
+            </a:r>
+          </a:p>
+          <a:p>
+            <a:endParaRPr lang="en-US" sz="3600" dirty="0"/>
+          </a:p>
+          <a:p>
+            <a:r>
+              <a:rPr lang="en-US" sz="3200" dirty="0"/>
+              <a:t>To answer the above questions we explored data from Wine Reviews: </a:t>
+            </a:r>
+            <a:r>
+              <a:rPr lang="en-US" sz="3200" dirty="0">
+                <a:hlinkClick r:id="rId3"/>
+              </a:rPr>
+              <a:t>https://www.kaggle.com/zynicide/wine-reviews</a:t>
+            </a:r>
+            <a:endParaRPr lang="en-US" sz="3200" dirty="0"/>
           </a:p>
           <a:p>
             <a:pPr lvl="1"/>
@@ -19076,41 +18860,6 @@
               <a:buNone/>
             </a:pPr>
             <a:endParaRPr lang="en-US" dirty="0"/>
-          </a:p>
-        </p:txBody>
-      </p:sp>
-      <p:sp>
-        <p:nvSpPr>
-          <p:cNvPr id="4" name="TextBox 3">
-            <a:extLst>
-              <a:ext uri="{FF2B5EF4-FFF2-40B4-BE49-F238E27FC236}">
-                <a16:creationId xmlns:a16="http://schemas.microsoft.com/office/drawing/2014/main" id="{BDC439ED-0928-47D6-ADDF-69F1378EA8FF}"/>
-              </a:ext>
-            </a:extLst>
-          </p:cNvPr>
-          <p:cNvSpPr txBox="1"/>
-          <p:nvPr/>
-        </p:nvSpPr>
-        <p:spPr>
-          <a:xfrm>
-            <a:off x="680321" y="2310063"/>
-            <a:ext cx="10436858" cy="1754326"/>
-          </a:xfrm>
-          <a:prstGeom prst="rect">
-            <a:avLst/>
-          </a:prstGeom>
-          <a:noFill/>
-        </p:spPr>
-        <p:txBody>
-          <a:bodyPr wrap="square" rtlCol="0">
-            <a:spAutoFit/>
-          </a:bodyPr>
-          <a:lstStyle/>
-          <a:p>
-            <a:r>
-              <a:rPr lang="en-US" sz="3600" dirty="0"/>
-              <a:t>In the US, California is known for their wines, but do they have the “best” wines in the world? How might we go about trying to prove it?</a:t>
-            </a:r>
           </a:p>
         </p:txBody>
       </p:sp>
@@ -19124,13 +18873,13 @@
   <p:clrMapOvr>
     <a:masterClrMapping/>
   </p:clrMapOvr>
-  <mc:AlternateContent xmlns:mc="http://schemas.openxmlformats.org/markup-compatibility/2006">
-    <mc:Choice xmlns:p14="http://schemas.microsoft.com/office/powerpoint/2010/main" Requires="p14">
+  <mc:AlternateContent xmlns:mc="http://schemas.openxmlformats.org/markup-compatibility/2006" xmlns:p14="http://schemas.microsoft.com/office/powerpoint/2010/main">
+    <mc:Choice Requires="p14">
       <p:transition spd="med" p14:dur="700">
         <p:fade/>
       </p:transition>
     </mc:Choice>
-    <mc:Fallback>
+    <mc:Fallback xmlns="">
       <p:transition spd="med">
         <p:fade/>
       </p:transition>
@@ -19161,7 +18910,7 @@
           <p:cNvPr id="2" name="Title 1">
             <a:extLst>
               <a:ext uri="{FF2B5EF4-FFF2-40B4-BE49-F238E27FC236}">
-                <a16:creationId xmlns:a16="http://schemas.microsoft.com/office/drawing/2014/main" id="{E0A89D47-7403-4A75-905B-A7192540235A}"/>
+                <a16:creationId xmlns:a16="http://schemas.microsoft.com/office/drawing/2014/main" id="{AE646968-D10E-4B36-B76B-EDE341A1A539}"/>
               </a:ext>
             </a:extLst>
           </p:cNvPr>
@@ -19179,7 +18928,7 @@
           <a:p>
             <a:r>
               <a:rPr lang="en-US" dirty="0"/>
-              <a:t>Summary</a:t>
+              <a:t>Questions and Data</a:t>
             </a:r>
           </a:p>
         </p:txBody>
@@ -19189,7 +18938,7 @@
           <p:cNvPr id="3" name="Content Placeholder 2">
             <a:extLst>
               <a:ext uri="{FF2B5EF4-FFF2-40B4-BE49-F238E27FC236}">
-                <a16:creationId xmlns:a16="http://schemas.microsoft.com/office/drawing/2014/main" id="{074C4827-8882-427F-85E0-2C00CF3E3BE6}"/>
+                <a16:creationId xmlns:a16="http://schemas.microsoft.com/office/drawing/2014/main" id="{8DE115DE-2862-4472-8C10-6D1FCC90F1EB}"/>
               </a:ext>
             </a:extLst>
           </p:cNvPr>
@@ -19202,81 +18951,101 @@
         </p:nvSpPr>
         <p:spPr>
           <a:xfrm>
-            <a:off x="680320" y="2156399"/>
-            <a:ext cx="10761712" cy="4075959"/>
+            <a:off x="499847" y="2149129"/>
+            <a:ext cx="10737648" cy="4484936"/>
           </a:xfrm>
         </p:spPr>
         <p:txBody>
           <a:bodyPr>
-            <a:normAutofit lnSpcReduction="10000"/>
+            <a:normAutofit/>
           </a:bodyPr>
           <a:lstStyle/>
           <a:p>
             <a:r>
+              <a:rPr lang="en-US" b="1" dirty="0"/>
+              <a:t>Other Questions Asked</a:t>
+            </a:r>
+            <a:r>
               <a:rPr lang="en-US" dirty="0"/>
-              <a:t>What to considered when defining the “best” wine?</a:t>
-            </a:r>
-          </a:p>
-          <a:p>
+              <a:t>:</a:t>
+            </a:r>
+          </a:p>
+          <a:p>
+            <a:pPr lvl="1"/>
             <a:r>
               <a:rPr lang="en-US" dirty="0"/>
-              <a:t>How to go about defining the what properties make a wine “best” quantitatively based on review data?</a:t>
-            </a:r>
-          </a:p>
-          <a:p>
+              <a:t>How would we find which are the top 20 most reviewed states/provinces?</a:t>
+            </a:r>
+          </a:p>
+          <a:p>
+            <a:pPr lvl="1"/>
+            <a:endParaRPr lang="en-US" dirty="0"/>
+          </a:p>
+          <a:p>
+            <a:pPr lvl="1"/>
             <a:r>
               <a:rPr lang="en-US" dirty="0"/>
-              <a:t>Questions:</a:t>
+              <a:t>Does California produce the highest quality (professionally rated) wine compared others?  </a:t>
             </a:r>
           </a:p>
           <a:p>
             <a:pPr lvl="1"/>
-            <a:r>
-              <a:rPr lang="en-US" sz="2400" dirty="0"/>
-              <a:t>Does California produce the highest quality (professionally rated) wine compared other places of origin?</a:t>
-            </a:r>
+            <a:endParaRPr lang="en-US" dirty="0"/>
           </a:p>
           <a:p>
             <a:pPr lvl="1"/>
-            <a:endParaRPr lang="en-US" sz="2400" dirty="0"/>
+            <a:r>
+              <a:rPr lang="en-US" dirty="0"/>
+              <a:t>How does California wine reviews compare to the rest of the world when it comes to the variety of wines reviewed? </a:t>
+            </a:r>
           </a:p>
           <a:p>
             <a:pPr lvl="1"/>
-            <a:r>
-              <a:rPr lang="en-US" sz="2400" dirty="0"/>
-              <a:t>How do Californian wine reviews compare to the rest of the world when it comes to the variety of wines reviewed?</a:t>
-            </a:r>
+            <a:endParaRPr lang="en-US" dirty="0"/>
           </a:p>
           <a:p>
             <a:pPr lvl="1"/>
-            <a:endParaRPr lang="en-US" sz="2400" dirty="0"/>
+            <a:r>
+              <a:rPr lang="en-US" dirty="0"/>
+              <a:t>Does spending more (a higher price) get you better (higher reviewed) wine?</a:t>
+            </a:r>
           </a:p>
           <a:p>
             <a:pPr lvl="1"/>
-            <a:r>
-              <a:rPr lang="en-US" sz="2400" dirty="0"/>
-              <a:t>Does spending more (higher price) get you better (higher rated) wine?</a:t>
-            </a:r>
+            <a:endParaRPr lang="en-US" dirty="0"/>
+          </a:p>
+          <a:p>
+            <a:pPr lvl="1"/>
+            <a:r>
+              <a:rPr lang="en-US" dirty="0"/>
+              <a:t>Can we show statistically that wines from California were quantitatively better based on a combination of price and review?</a:t>
+            </a:r>
+          </a:p>
+          <a:p>
+            <a:pPr marL="457200" lvl="1" indent="0">
+              <a:buNone/>
+            </a:pPr>
+            <a:endParaRPr lang="en-US" dirty="0"/>
           </a:p>
         </p:txBody>
       </p:sp>
     </p:spTree>
     <p:extLst>
       <p:ext uri="{BB962C8B-B14F-4D97-AF65-F5344CB8AC3E}">
-        <p14:creationId xmlns:p14="http://schemas.microsoft.com/office/powerpoint/2010/main" val="262993607"/>
+        <p14:creationId xmlns:p14="http://schemas.microsoft.com/office/powerpoint/2010/main" val="3378034161"/>
       </p:ext>
     </p:extLst>
   </p:cSld>
   <p:clrMapOvr>
     <a:masterClrMapping/>
   </p:clrMapOvr>
-  <mc:AlternateContent xmlns:mc="http://schemas.openxmlformats.org/markup-compatibility/2006">
-    <mc:Choice xmlns:p14="http://schemas.microsoft.com/office/powerpoint/2010/main" Requires="p14">
+  <mc:AlternateContent xmlns:mc="http://schemas.openxmlformats.org/markup-compatibility/2006" xmlns:p14="http://schemas.microsoft.com/office/powerpoint/2010/main">
+    <mc:Choice Requires="p14">
       <p:transition spd="med" p14:dur="700">
         <p:fade/>
       </p:transition>
     </mc:Choice>
-    <mc:Fallback>
+    <mc:Fallback xmlns="">
       <p:transition spd="med">
         <p:fade/>
       </p:transition>
@@ -19288,6 +19057,41 @@
 <file path=ppt/slides/slide4.xml><?xml version="1.0" encoding="utf-8"?>
 <p:sld xmlns:a="http://schemas.openxmlformats.org/drawingml/2006/main" xmlns:r="http://schemas.openxmlformats.org/officeDocument/2006/relationships" xmlns:p="http://schemas.openxmlformats.org/presentationml/2006/main">
   <p:cSld>
+    <p:bg>
+      <p:bgPr>
+        <a:gradFill rotWithShape="1">
+          <a:gsLst>
+            <a:gs pos="0">
+              <a:schemeClr val="bg2">
+                <a:tint val="96000"/>
+                <a:shade val="100000"/>
+                <a:hueMod val="106000"/>
+                <a:satMod val="220000"/>
+                <a:lumMod val="140000"/>
+              </a:schemeClr>
+            </a:gs>
+            <a:gs pos="50000">
+              <a:schemeClr val="bg2">
+                <a:shade val="100000"/>
+                <a:hueMod val="100000"/>
+                <a:satMod val="110000"/>
+                <a:lumMod val="130000"/>
+              </a:schemeClr>
+            </a:gs>
+            <a:gs pos="100000">
+              <a:schemeClr val="bg2">
+                <a:shade val="69000"/>
+                <a:hueMod val="88000"/>
+                <a:satMod val="160000"/>
+                <a:lumMod val="69000"/>
+              </a:schemeClr>
+            </a:gs>
+          </a:gsLst>
+          <a:lin ang="2520000" scaled="0"/>
+        </a:gradFill>
+        <a:effectLst/>
+      </p:bgPr>
+    </p:bg>
     <p:spTree>
       <p:nvGrpSpPr>
         <p:cNvPr id="1" name=""/>
@@ -19307,7 +19111,7 @@
           <p:cNvPr id="2" name="Title 1">
             <a:extLst>
               <a:ext uri="{FF2B5EF4-FFF2-40B4-BE49-F238E27FC236}">
-                <a16:creationId xmlns:a16="http://schemas.microsoft.com/office/drawing/2014/main" id="{AE646968-D10E-4B36-B76B-EDE341A1A539}"/>
+                <a16:creationId xmlns:a16="http://schemas.microsoft.com/office/drawing/2014/main" id="{781A3826-70ED-4C19-A21D-C4FD215B4371}"/>
               </a:ext>
             </a:extLst>
           </p:cNvPr>
@@ -19320,12 +19124,14 @@
         </p:nvSpPr>
         <p:spPr/>
         <p:txBody>
-          <a:bodyPr/>
+          <a:bodyPr>
+            <a:normAutofit/>
+          </a:bodyPr>
           <a:lstStyle/>
           <a:p>
             <a:r>
               <a:rPr lang="en-US" dirty="0"/>
-              <a:t>Questions and Data</a:t>
+              <a:t>Data Cleanup and Exploration</a:t>
             </a:r>
           </a:p>
         </p:txBody>
@@ -19335,7 +19141,7 @@
           <p:cNvPr id="3" name="Content Placeholder 2">
             <a:extLst>
               <a:ext uri="{FF2B5EF4-FFF2-40B4-BE49-F238E27FC236}">
-                <a16:creationId xmlns:a16="http://schemas.microsoft.com/office/drawing/2014/main" id="{8DE115DE-2862-4472-8C10-6D1FCC90F1EB}"/>
+                <a16:creationId xmlns:a16="http://schemas.microsoft.com/office/drawing/2014/main" id="{EB3E2852-0E50-4CDE-B0D3-D4864C8F5633}"/>
               </a:ext>
             </a:extLst>
           </p:cNvPr>
@@ -19343,13 +19149,13 @@
             <a:spLocks noGrp="1"/>
           </p:cNvSpPr>
           <p:nvPr>
-            <p:ph idx="1"/>
+            <p:ph idx="4294967295"/>
           </p:nvPr>
         </p:nvSpPr>
         <p:spPr>
           <a:xfrm>
-            <a:off x="499847" y="2149129"/>
-            <a:ext cx="10737648" cy="4251671"/>
+            <a:off x="680321" y="2712873"/>
+            <a:ext cx="4285546" cy="3092609"/>
           </a:xfrm>
         </p:spPr>
         <p:txBody>
@@ -19359,101 +19165,89 @@
           <a:lstStyle/>
           <a:p>
             <a:r>
-              <a:rPr lang="en-US" dirty="0"/>
-              <a:t>To answer the above questions we explored data from Wine Reviews : </a:t>
-            </a:r>
-            <a:r>
-              <a:rPr lang="en-US" dirty="0">
+              <a:rPr lang="en-US" sz="1900" dirty="0"/>
+              <a:t>Initial data collected from </a:t>
+            </a:r>
+            <a:r>
+              <a:rPr lang="en-US" sz="1900" dirty="0">
                 <a:hlinkClick r:id="rId3"/>
               </a:rPr>
               <a:t>https://www.kaggle.com/zynicide/wine-reviews</a:t>
             </a:r>
-            <a:endParaRPr lang="en-US" dirty="0"/>
-          </a:p>
-          <a:p>
-            <a:r>
-              <a:rPr lang="en-US" b="1" dirty="0"/>
-              <a:t>Questions Asked</a:t>
-            </a:r>
-            <a:r>
-              <a:rPr lang="en-US" dirty="0"/>
-              <a:t>:</a:t>
-            </a:r>
-          </a:p>
-          <a:p>
-            <a:pPr lvl="1"/>
-            <a:r>
-              <a:rPr lang="en-US" dirty="0"/>
-              <a:t>Does California produce the highest quality (professionally rated) wine compared others?  </a:t>
-            </a:r>
-            <a:r>
-              <a:rPr lang="en-US" b="1" dirty="0"/>
-              <a:t>Two histograms of CA and Non CA that displays distribution of ratings and Violin plot of prices of California wines and Non-California wines</a:t>
-            </a:r>
-          </a:p>
-          <a:p>
-            <a:pPr lvl="1"/>
-            <a:endParaRPr lang="en-US" b="1" dirty="0"/>
-          </a:p>
-          <a:p>
-            <a:pPr lvl="1"/>
-            <a:r>
-              <a:rPr lang="en-US" dirty="0"/>
-              <a:t>How does California wine reviews compare to the rest of the world when it comes to the variety of wines reviewed? </a:t>
-            </a:r>
-            <a:r>
-              <a:rPr lang="en-US" b="1" dirty="0"/>
-              <a:t>Pie Charts of varieties or bar graphs (CA, Non-CA, GBL)</a:t>
-            </a:r>
-          </a:p>
-          <a:p>
-            <a:pPr lvl="1"/>
-            <a:endParaRPr lang="en-US" b="1" dirty="0"/>
-          </a:p>
-          <a:p>
-            <a:pPr lvl="1"/>
-            <a:r>
-              <a:rPr lang="en-US" dirty="0"/>
-              <a:t>Does spending more get you better wine?  </a:t>
-            </a:r>
-            <a:r>
-              <a:rPr lang="en-US" b="1" dirty="0"/>
-              <a:t>Two scatterplots with </a:t>
-            </a:r>
-            <a:r>
-              <a:rPr lang="en-US" b="1" dirty="0" err="1"/>
-              <a:t>lingress</a:t>
-            </a:r>
-            <a:r>
-              <a:rPr lang="en-US" b="1" dirty="0"/>
-              <a:t>(CA &amp; GBL)</a:t>
-            </a:r>
-          </a:p>
-          <a:p>
-            <a:pPr marL="0" indent="0">
-              <a:buNone/>
-            </a:pPr>
-            <a:endParaRPr lang="en-US" dirty="0"/>
+            <a:endParaRPr lang="en-US" sz="1900" dirty="0"/>
+          </a:p>
+          <a:p>
+            <a:r>
+              <a:rPr lang="en-US" sz="1900" dirty="0"/>
+              <a:t>Our original dataset contained 129,971 records of wine reviews scrapped data was scraped from  </a:t>
+            </a:r>
+            <a:r>
+              <a:rPr lang="en-US" sz="1900" dirty="0" err="1">
+                <a:hlinkClick r:id="rId4"/>
+              </a:rPr>
+              <a:t>WineEnthusiast</a:t>
+            </a:r>
+            <a:r>
+              <a:rPr lang="en-US" sz="1900" dirty="0"/>
+              <a:t> on November 22nd, 2017</a:t>
+            </a:r>
+          </a:p>
+          <a:p>
+            <a:r>
+              <a:rPr lang="en-US" sz="1900" dirty="0"/>
+              <a:t>We wanted to look at the where, what type, who, and how much?</a:t>
+            </a:r>
+            <a:endParaRPr lang="en-US" sz="1400" dirty="0"/>
           </a:p>
         </p:txBody>
       </p:sp>
+      <p:pic>
+        <p:nvPicPr>
+          <p:cNvPr id="5" name="Picture 4">
+            <a:extLst>
+              <a:ext uri="{FF2B5EF4-FFF2-40B4-BE49-F238E27FC236}">
+                <a16:creationId xmlns:a16="http://schemas.microsoft.com/office/drawing/2014/main" id="{F31E8753-54F9-4BFA-821F-9F620C38426B}"/>
+              </a:ext>
+            </a:extLst>
+          </p:cNvPr>
+          <p:cNvPicPr>
+            <a:picLocks noChangeAspect="1"/>
+          </p:cNvPicPr>
+          <p:nvPr/>
+        </p:nvPicPr>
+        <p:blipFill>
+          <a:blip r:embed="rId5"/>
+          <a:stretch>
+            <a:fillRect/>
+          </a:stretch>
+        </p:blipFill>
+        <p:spPr>
+          <a:xfrm>
+            <a:off x="5098686" y="2712874"/>
+            <a:ext cx="6872736" cy="3092609"/>
+          </a:xfrm>
+          <a:prstGeom prst="rect">
+            <a:avLst/>
+          </a:prstGeom>
+        </p:spPr>
+      </p:pic>
     </p:spTree>
     <p:extLst>
       <p:ext uri="{BB962C8B-B14F-4D97-AF65-F5344CB8AC3E}">
-        <p14:creationId xmlns:p14="http://schemas.microsoft.com/office/powerpoint/2010/main" val="3378034161"/>
+        <p14:creationId xmlns:p14="http://schemas.microsoft.com/office/powerpoint/2010/main" val="2618961013"/>
       </p:ext>
     </p:extLst>
   </p:cSld>
   <p:clrMapOvr>
     <a:masterClrMapping/>
   </p:clrMapOvr>
-  <mc:AlternateContent xmlns:mc="http://schemas.openxmlformats.org/markup-compatibility/2006">
-    <mc:Choice xmlns:p14="http://schemas.microsoft.com/office/powerpoint/2010/main" Requires="p14">
+  <mc:AlternateContent xmlns:mc="http://schemas.openxmlformats.org/markup-compatibility/2006" xmlns:p14="http://schemas.microsoft.com/office/powerpoint/2010/main">
+    <mc:Choice Requires="p14">
       <p:transition spd="med" p14:dur="700">
         <p:fade/>
       </p:transition>
     </mc:Choice>
-    <mc:Fallback>
+    <mc:Fallback xmlns="">
       <p:transition spd="med">
         <p:fade/>
       </p:transition>
@@ -19514,214 +19308,6 @@
           <a:chExt cx="0" cy="0"/>
         </a:xfrm>
       </p:grpSpPr>
-      <p:sp>
-        <p:nvSpPr>
-          <p:cNvPr id="2" name="Title 1">
-            <a:extLst>
-              <a:ext uri="{FF2B5EF4-FFF2-40B4-BE49-F238E27FC236}">
-                <a16:creationId xmlns:a16="http://schemas.microsoft.com/office/drawing/2014/main" id="{781A3826-70ED-4C19-A21D-C4FD215B4371}"/>
-              </a:ext>
-            </a:extLst>
-          </p:cNvPr>
-          <p:cNvSpPr>
-            <a:spLocks noGrp="1"/>
-          </p:cNvSpPr>
-          <p:nvPr>
-            <p:ph type="title"/>
-          </p:nvPr>
-        </p:nvSpPr>
-        <p:spPr/>
-        <p:txBody>
-          <a:bodyPr>
-            <a:normAutofit/>
-          </a:bodyPr>
-          <a:lstStyle/>
-          <a:p>
-            <a:r>
-              <a:rPr lang="en-US" dirty="0"/>
-              <a:t>Data Cleanup and Exploration</a:t>
-            </a:r>
-          </a:p>
-        </p:txBody>
-      </p:sp>
-      <p:sp>
-        <p:nvSpPr>
-          <p:cNvPr id="3" name="Content Placeholder 2">
-            <a:extLst>
-              <a:ext uri="{FF2B5EF4-FFF2-40B4-BE49-F238E27FC236}">
-                <a16:creationId xmlns:a16="http://schemas.microsoft.com/office/drawing/2014/main" id="{EB3E2852-0E50-4CDE-B0D3-D4864C8F5633}"/>
-              </a:ext>
-            </a:extLst>
-          </p:cNvPr>
-          <p:cNvSpPr>
-            <a:spLocks noGrp="1"/>
-          </p:cNvSpPr>
-          <p:nvPr>
-            <p:ph idx="4294967295"/>
-          </p:nvPr>
-        </p:nvSpPr>
-        <p:spPr>
-          <a:xfrm>
-            <a:off x="680322" y="2302542"/>
-            <a:ext cx="4285546" cy="3913272"/>
-          </a:xfrm>
-        </p:spPr>
-        <p:txBody>
-          <a:bodyPr>
-            <a:normAutofit/>
-          </a:bodyPr>
-          <a:lstStyle/>
-          <a:p>
-            <a:r>
-              <a:rPr lang="en-US" sz="1900" dirty="0"/>
-              <a:t>Initial data collected from </a:t>
-            </a:r>
-            <a:r>
-              <a:rPr lang="en-US" sz="1900" dirty="0">
-                <a:hlinkClick r:id="rId3"/>
-              </a:rPr>
-              <a:t>https://www.kaggle.com/zynicide/wine-reviews</a:t>
-            </a:r>
-            <a:endParaRPr lang="en-US" sz="1900" dirty="0"/>
-          </a:p>
-          <a:p>
-            <a:r>
-              <a:rPr lang="en-US" sz="1900" dirty="0"/>
-              <a:t>Our original dataset contained 129971 records of wine reviews scrapped data was scraped from  </a:t>
-            </a:r>
-            <a:r>
-              <a:rPr lang="en-US" sz="1900" dirty="0" err="1">
-                <a:hlinkClick r:id="rId4"/>
-              </a:rPr>
-              <a:t>WineEnthusiast</a:t>
-            </a:r>
-            <a:r>
-              <a:rPr lang="en-US" sz="1900" dirty="0"/>
-              <a:t> on November 22nd, 2017</a:t>
-            </a:r>
-          </a:p>
-          <a:p>
-            <a:r>
-              <a:rPr lang="en-US" sz="1900" dirty="0"/>
-              <a:t>We dropped several columns not relevant to our data.</a:t>
-            </a:r>
-          </a:p>
-          <a:p>
-            <a:r>
-              <a:rPr lang="en-US" sz="1900" dirty="0"/>
-              <a:t>We wanted to look at the where, what type, who, and how much?</a:t>
-            </a:r>
-            <a:endParaRPr lang="en-US" sz="1400" dirty="0"/>
-          </a:p>
-        </p:txBody>
-      </p:sp>
-      <p:pic>
-        <p:nvPicPr>
-          <p:cNvPr id="5" name="Picture 4">
-            <a:extLst>
-              <a:ext uri="{FF2B5EF4-FFF2-40B4-BE49-F238E27FC236}">
-                <a16:creationId xmlns:a16="http://schemas.microsoft.com/office/drawing/2014/main" id="{F31E8753-54F9-4BFA-821F-9F620C38426B}"/>
-              </a:ext>
-            </a:extLst>
-          </p:cNvPr>
-          <p:cNvPicPr>
-            <a:picLocks noChangeAspect="1"/>
-          </p:cNvPicPr>
-          <p:nvPr/>
-        </p:nvPicPr>
-        <p:blipFill>
-          <a:blip r:embed="rId5"/>
-          <a:stretch>
-            <a:fillRect/>
-          </a:stretch>
-        </p:blipFill>
-        <p:spPr>
-          <a:xfrm>
-            <a:off x="5098686" y="2712874"/>
-            <a:ext cx="6872736" cy="3092609"/>
-          </a:xfrm>
-          <a:prstGeom prst="rect">
-            <a:avLst/>
-          </a:prstGeom>
-        </p:spPr>
-      </p:pic>
-    </p:spTree>
-    <p:extLst>
-      <p:ext uri="{BB962C8B-B14F-4D97-AF65-F5344CB8AC3E}">
-        <p14:creationId xmlns:p14="http://schemas.microsoft.com/office/powerpoint/2010/main" val="2618961013"/>
-      </p:ext>
-    </p:extLst>
-  </p:cSld>
-  <p:clrMapOvr>
-    <a:masterClrMapping/>
-  </p:clrMapOvr>
-  <mc:AlternateContent xmlns:mc="http://schemas.openxmlformats.org/markup-compatibility/2006">
-    <mc:Choice xmlns:p14="http://schemas.microsoft.com/office/powerpoint/2010/main" Requires="p14">
-      <p:transition spd="med" p14:dur="700">
-        <p:fade/>
-      </p:transition>
-    </mc:Choice>
-    <mc:Fallback>
-      <p:transition spd="med">
-        <p:fade/>
-      </p:transition>
-    </mc:Fallback>
-  </mc:AlternateContent>
-</p:sld>
-</file>
-
-<file path=ppt/slides/slide6.xml><?xml version="1.0" encoding="utf-8"?>
-<p:sld xmlns:a="http://schemas.openxmlformats.org/drawingml/2006/main" xmlns:r="http://schemas.openxmlformats.org/officeDocument/2006/relationships" xmlns:p="http://schemas.openxmlformats.org/presentationml/2006/main">
-  <p:cSld>
-    <p:bg>
-      <p:bgPr>
-        <a:gradFill rotWithShape="1">
-          <a:gsLst>
-            <a:gs pos="0">
-              <a:schemeClr val="bg2">
-                <a:tint val="96000"/>
-                <a:shade val="100000"/>
-                <a:hueMod val="106000"/>
-                <a:satMod val="220000"/>
-                <a:lumMod val="140000"/>
-              </a:schemeClr>
-            </a:gs>
-            <a:gs pos="50000">
-              <a:schemeClr val="bg2">
-                <a:shade val="100000"/>
-                <a:hueMod val="100000"/>
-                <a:satMod val="110000"/>
-                <a:lumMod val="130000"/>
-              </a:schemeClr>
-            </a:gs>
-            <a:gs pos="100000">
-              <a:schemeClr val="bg2">
-                <a:shade val="69000"/>
-                <a:hueMod val="88000"/>
-                <a:satMod val="160000"/>
-                <a:lumMod val="69000"/>
-              </a:schemeClr>
-            </a:gs>
-          </a:gsLst>
-          <a:lin ang="2520000" scaled="0"/>
-        </a:gradFill>
-        <a:effectLst/>
-      </p:bgPr>
-    </p:bg>
-    <p:spTree>
-      <p:nvGrpSpPr>
-        <p:cNvPr id="1" name=""/>
-        <p:cNvGrpSpPr/>
-        <p:nvPr/>
-      </p:nvGrpSpPr>
-      <p:grpSpPr>
-        <a:xfrm>
-          <a:off x="0" y="0"/>
-          <a:ext cx="0" cy="0"/>
-          <a:chOff x="0" y="0"/>
-          <a:chExt cx="0" cy="0"/>
-        </a:xfrm>
-      </p:grpSpPr>
       <p:sp useBgFill="1">
         <p:nvSpPr>
           <p:cNvPr id="10" name="Rectangle 9">
@@ -20068,13 +19654,13 @@
   <p:clrMapOvr>
     <a:masterClrMapping/>
   </p:clrMapOvr>
-  <mc:AlternateContent xmlns:mc="http://schemas.openxmlformats.org/markup-compatibility/2006">
-    <mc:Choice xmlns:p14="http://schemas.microsoft.com/office/powerpoint/2010/main" Requires="p14">
+  <mc:AlternateContent xmlns:mc="http://schemas.openxmlformats.org/markup-compatibility/2006" xmlns:p14="http://schemas.microsoft.com/office/powerpoint/2010/main">
+    <mc:Choice Requires="p14">
       <p:transition spd="med" p14:dur="700">
         <p:fade/>
       </p:transition>
     </mc:Choice>
-    <mc:Fallback>
+    <mc:Fallback xmlns="">
       <p:transition spd="med">
         <p:fade/>
       </p:transition>
@@ -20083,7 +19669,7 @@
 </p:sld>
 </file>
 
-<file path=ppt/slides/slide7.xml><?xml version="1.0" encoding="utf-8"?>
+<file path=ppt/slides/slide6.xml><?xml version="1.0" encoding="utf-8"?>
 <p:sld xmlns:a="http://schemas.openxmlformats.org/drawingml/2006/main" xmlns:r="http://schemas.openxmlformats.org/officeDocument/2006/relationships" xmlns:p="http://schemas.openxmlformats.org/presentationml/2006/main">
   <p:cSld>
     <p:spTree>
@@ -20158,7 +19744,7 @@
           <a:p>
             <a:r>
               <a:rPr lang="en-US" dirty="0"/>
-              <a:t>In total we made:</a:t>
+              <a:t>In total, we made:</a:t>
             </a:r>
           </a:p>
           <a:p>
@@ -20274,13 +19860,13 @@
   <p:clrMapOvr>
     <a:masterClrMapping/>
   </p:clrMapOvr>
-  <mc:AlternateContent xmlns:mc="http://schemas.openxmlformats.org/markup-compatibility/2006">
-    <mc:Choice xmlns:p14="http://schemas.microsoft.com/office/powerpoint/2010/main" Requires="p14">
+  <mc:AlternateContent xmlns:mc="http://schemas.openxmlformats.org/markup-compatibility/2006" xmlns:p14="http://schemas.microsoft.com/office/powerpoint/2010/main">
+    <mc:Choice Requires="p14">
       <p:transition spd="med" p14:dur="700">
         <p:fade/>
       </p:transition>
     </mc:Choice>
-    <mc:Fallback>
+    <mc:Fallback xmlns="">
       <p:transition spd="med">
         <p:fade/>
       </p:transition>
@@ -20289,7 +19875,7 @@
 </p:sld>
 </file>
 
-<file path=ppt/slides/slide8.xml><?xml version="1.0" encoding="utf-8"?>
+<file path=ppt/slides/slide7.xml><?xml version="1.0" encoding="utf-8"?>
 <p:sld xmlns:a="http://schemas.openxmlformats.org/drawingml/2006/main" xmlns:r="http://schemas.openxmlformats.org/officeDocument/2006/relationships" xmlns:p="http://schemas.openxmlformats.org/presentationml/2006/main">
   <p:cSld>
     <p:spTree>
@@ -20512,8 +20098,8 @@
         </p:blipFill>
         <p:spPr bwMode="auto">
           <a:xfrm>
-            <a:off x="680320" y="3585410"/>
-            <a:ext cx="6132105" cy="2933843"/>
+            <a:off x="962025" y="3585410"/>
+            <a:ext cx="5850400" cy="2933843"/>
           </a:xfrm>
           <a:prstGeom prst="rect">
             <a:avLst/>
@@ -20540,13 +20126,13 @@
   <p:clrMapOvr>
     <a:masterClrMapping/>
   </p:clrMapOvr>
-  <mc:AlternateContent xmlns:mc="http://schemas.openxmlformats.org/markup-compatibility/2006">
-    <mc:Choice xmlns:p14="http://schemas.microsoft.com/office/powerpoint/2010/main" Requires="p14">
+  <mc:AlternateContent xmlns:mc="http://schemas.openxmlformats.org/markup-compatibility/2006" xmlns:p14="http://schemas.microsoft.com/office/powerpoint/2010/main">
+    <mc:Choice Requires="p14">
       <p:transition spd="med" p14:dur="700">
         <p:fade/>
       </p:transition>
     </mc:Choice>
-    <mc:Fallback>
+    <mc:Fallback xmlns="">
       <p:transition spd="med">
         <p:fade/>
       </p:transition>
@@ -20555,7 +20141,7 @@
 </p:sld>
 </file>
 
-<file path=ppt/slides/slide9.xml><?xml version="1.0" encoding="utf-8"?>
+<file path=ppt/slides/slide8.xml><?xml version="1.0" encoding="utf-8"?>
 <p:sld xmlns:a="http://schemas.openxmlformats.org/drawingml/2006/main" xmlns:r="http://schemas.openxmlformats.org/officeDocument/2006/relationships" xmlns:p="http://schemas.openxmlformats.org/presentationml/2006/main">
   <p:cSld>
     <p:spTree>
@@ -20620,8 +20206,8 @@
         </p:nvSpPr>
         <p:spPr>
           <a:xfrm>
-            <a:off x="84003" y="3007736"/>
-            <a:ext cx="4730029" cy="2817108"/>
+            <a:off x="279918" y="3007736"/>
+            <a:ext cx="4338735" cy="2817108"/>
           </a:xfrm>
         </p:spPr>
         <p:txBody>
@@ -20631,51 +20217,33 @@
           <a:lstStyle/>
           <a:p>
             <a:r>
-              <a:rPr lang="en-US" sz="2000" b="1" dirty="0"/>
-              <a:t>Average professional rating of 33526 reviews of Californian wines is 88.619,</a:t>
+              <a:rPr lang="en-US" sz="2200" b="1" dirty="0"/>
+              <a:t>Average professional rating of 33,526 reviews of Californian wines is 88.619, and 88.325 for all other wines.</a:t>
             </a:r>
           </a:p>
           <a:p>
             <a:pPr marL="0" indent="0">
               <a:buNone/>
             </a:pPr>
-            <a:r>
-              <a:rPr lang="en-US" sz="2000" b="1" dirty="0"/>
-              <a:t>   and 88.325 for all other wines.</a:t>
-            </a:r>
-          </a:p>
-          <a:p>
-            <a:pPr marL="0" indent="0">
-              <a:buNone/>
-            </a:pPr>
-            <a:endParaRPr lang="en-US" sz="2000" b="1" dirty="0"/>
-          </a:p>
-          <a:p>
-            <a:r>
-              <a:rPr lang="en-US" sz="2000" b="1" dirty="0"/>
-              <a:t>Greater variability of ratings among </a:t>
-            </a:r>
-          </a:p>
-          <a:p>
-            <a:pPr marL="0" indent="0">
-              <a:buNone/>
-            </a:pPr>
-            <a:r>
-              <a:rPr lang="en-US" sz="2000" b="1" dirty="0"/>
-              <a:t>   California wine reviews.</a:t>
-            </a:r>
-          </a:p>
-          <a:p>
-            <a:endParaRPr lang="en-US" sz="2000" b="1" dirty="0"/>
-          </a:p>
-          <a:p>
-            <a:endParaRPr lang="en-US" sz="2000" b="1" dirty="0"/>
-          </a:p>
-          <a:p>
-            <a:endParaRPr lang="en-US" sz="2000" b="1" dirty="0"/>
-          </a:p>
-          <a:p>
-            <a:endParaRPr lang="en-US" sz="2000" dirty="0"/>
+            <a:endParaRPr lang="en-US" sz="2200" b="1" dirty="0"/>
+          </a:p>
+          <a:p>
+            <a:r>
+              <a:rPr lang="en-US" sz="2200" b="1" dirty="0"/>
+              <a:t>Greater variability of ratings among California wine reviews.</a:t>
+            </a:r>
+          </a:p>
+          <a:p>
+            <a:endParaRPr lang="en-US" sz="2200" b="1" dirty="0"/>
+          </a:p>
+          <a:p>
+            <a:endParaRPr lang="en-US" sz="2200" b="1" dirty="0"/>
+          </a:p>
+          <a:p>
+            <a:endParaRPr lang="en-US" sz="2200" b="1" dirty="0"/>
+          </a:p>
+          <a:p>
+            <a:endParaRPr lang="en-US" sz="2200" dirty="0"/>
           </a:p>
         </p:txBody>
       </p:sp>
@@ -20851,13 +20419,319 @@
   <p:clrMapOvr>
     <a:masterClrMapping/>
   </p:clrMapOvr>
-  <mc:AlternateContent xmlns:mc="http://schemas.openxmlformats.org/markup-compatibility/2006">
-    <mc:Choice xmlns:p14="http://schemas.microsoft.com/office/powerpoint/2010/main" Requires="p14">
+  <mc:AlternateContent xmlns:mc="http://schemas.openxmlformats.org/markup-compatibility/2006" xmlns:p14="http://schemas.microsoft.com/office/powerpoint/2010/main">
+    <mc:Choice Requires="p14">
       <p:transition spd="med" p14:dur="700">
         <p:fade/>
       </p:transition>
     </mc:Choice>
-    <mc:Fallback>
+    <mc:Fallback xmlns="">
+      <p:transition spd="med">
+        <p:fade/>
+      </p:transition>
+    </mc:Fallback>
+  </mc:AlternateContent>
+</p:sld>
+</file>
+
+<file path=ppt/slides/slide9.xml><?xml version="1.0" encoding="utf-8"?>
+<p:sld xmlns:a="http://schemas.openxmlformats.org/drawingml/2006/main" xmlns:r="http://schemas.openxmlformats.org/officeDocument/2006/relationships" xmlns:p="http://schemas.openxmlformats.org/presentationml/2006/main">
+  <p:cSld>
+    <p:bg>
+      <p:bgPr>
+        <a:gradFill rotWithShape="1">
+          <a:gsLst>
+            <a:gs pos="0">
+              <a:schemeClr val="bg2">
+                <a:tint val="96000"/>
+                <a:shade val="100000"/>
+                <a:hueMod val="106000"/>
+                <a:satMod val="220000"/>
+                <a:lumMod val="140000"/>
+              </a:schemeClr>
+            </a:gs>
+            <a:gs pos="50000">
+              <a:schemeClr val="bg2">
+                <a:shade val="100000"/>
+                <a:hueMod val="100000"/>
+                <a:satMod val="110000"/>
+                <a:lumMod val="130000"/>
+              </a:schemeClr>
+            </a:gs>
+            <a:gs pos="100000">
+              <a:schemeClr val="bg2">
+                <a:shade val="69000"/>
+                <a:hueMod val="88000"/>
+                <a:satMod val="160000"/>
+                <a:lumMod val="69000"/>
+              </a:schemeClr>
+            </a:gs>
+          </a:gsLst>
+          <a:lin ang="2520000" scaled="0"/>
+        </a:gradFill>
+        <a:effectLst/>
+      </p:bgPr>
+    </p:bg>
+    <p:spTree>
+      <p:nvGrpSpPr>
+        <p:cNvPr id="1" name=""/>
+        <p:cNvGrpSpPr/>
+        <p:nvPr/>
+      </p:nvGrpSpPr>
+      <p:grpSpPr>
+        <a:xfrm>
+          <a:off x="0" y="0"/>
+          <a:ext cx="0" cy="0"/>
+          <a:chOff x="0" y="0"/>
+          <a:chExt cx="0" cy="0"/>
+        </a:xfrm>
+      </p:grpSpPr>
+      <p:sp>
+        <p:nvSpPr>
+          <p:cNvPr id="2" name="Title 1">
+            <a:extLst>
+              <a:ext uri="{FF2B5EF4-FFF2-40B4-BE49-F238E27FC236}">
+                <a16:creationId xmlns:a16="http://schemas.microsoft.com/office/drawing/2014/main" id="{F4EA0C0F-80C1-4432-ADF2-4FD4A189BEBB}"/>
+              </a:ext>
+            </a:extLst>
+          </p:cNvPr>
+          <p:cNvSpPr>
+            <a:spLocks noGrp="1"/>
+          </p:cNvSpPr>
+          <p:nvPr>
+            <p:ph type="title"/>
+          </p:nvPr>
+        </p:nvSpPr>
+        <p:spPr>
+          <a:xfrm>
+            <a:off x="680321" y="753228"/>
+            <a:ext cx="9613861" cy="1080938"/>
+          </a:xfrm>
+        </p:spPr>
+        <p:txBody>
+          <a:bodyPr>
+            <a:normAutofit/>
+          </a:bodyPr>
+          <a:lstStyle/>
+          <a:p>
+            <a:r>
+              <a:rPr lang="en-US" sz="2800" dirty="0"/>
+              <a:t>How does California wine reviews compare to the rest of the world when it comes to the variety of wines reviewed?</a:t>
+            </a:r>
+          </a:p>
+        </p:txBody>
+      </p:sp>
+      <p:sp>
+        <p:nvSpPr>
+          <p:cNvPr id="1032" name="Content Placeholder 1031">
+            <a:extLst>
+              <a:ext uri="{FF2B5EF4-FFF2-40B4-BE49-F238E27FC236}">
+                <a16:creationId xmlns:a16="http://schemas.microsoft.com/office/drawing/2014/main" id="{D315F114-2879-441D-A372-ADC006B3B75D}"/>
+              </a:ext>
+            </a:extLst>
+          </p:cNvPr>
+          <p:cNvSpPr>
+            <a:spLocks noGrp="1"/>
+          </p:cNvSpPr>
+          <p:nvPr>
+            <p:ph idx="1"/>
+          </p:nvPr>
+        </p:nvSpPr>
+        <p:spPr>
+          <a:xfrm>
+            <a:off x="294453" y="2370350"/>
+            <a:ext cx="3091578" cy="3590183"/>
+          </a:xfrm>
+        </p:spPr>
+        <p:txBody>
+          <a:bodyPr>
+            <a:normAutofit fontScale="92500"/>
+          </a:bodyPr>
+          <a:lstStyle/>
+          <a:p>
+            <a:endParaRPr lang="en-US" dirty="0"/>
+          </a:p>
+          <a:p>
+            <a:r>
+              <a:rPr lang="en-US" dirty="0"/>
+              <a:t>Higher variety count found in California</a:t>
+            </a:r>
+          </a:p>
+          <a:p>
+            <a:endParaRPr lang="en-US" dirty="0"/>
+          </a:p>
+          <a:p>
+            <a:r>
+              <a:rPr lang="en-US" dirty="0"/>
+              <a:t>12 of the top 20 varieties found in CA are found within the top 20 varieties globally (excluding CA)</a:t>
+            </a:r>
+          </a:p>
+          <a:p>
+            <a:endParaRPr lang="en-US" dirty="0"/>
+          </a:p>
+          <a:p>
+            <a:pPr marL="0" indent="0">
+              <a:buNone/>
+            </a:pPr>
+            <a:endParaRPr lang="en-US" dirty="0"/>
+          </a:p>
+        </p:txBody>
+      </p:sp>
+      <p:pic>
+        <p:nvPicPr>
+          <p:cNvPr id="1026" name="Picture 2">
+            <a:extLst>
+              <a:ext uri="{FF2B5EF4-FFF2-40B4-BE49-F238E27FC236}">
+                <a16:creationId xmlns:a16="http://schemas.microsoft.com/office/drawing/2014/main" id="{AD16B1AE-B834-4F0E-B75E-37B09C5A85D6}"/>
+              </a:ext>
+            </a:extLst>
+          </p:cNvPr>
+          <p:cNvPicPr>
+            <a:picLocks noChangeAspect="1" noChangeArrowheads="1"/>
+          </p:cNvPicPr>
+          <p:nvPr/>
+        </p:nvPicPr>
+        <p:blipFill rotWithShape="1">
+          <a:blip r:embed="rId2">
+            <a:extLst>
+              <a:ext uri="{28A0092B-C50C-407E-A947-70E740481C1C}">
+                <a14:useLocalDpi xmlns:a14="http://schemas.microsoft.com/office/drawing/2010/main" val="0"/>
+              </a:ext>
+            </a:extLst>
+          </a:blip>
+          <a:srcRect l="2656" r="17740"/>
+          <a:stretch/>
+        </p:blipFill>
+        <p:spPr bwMode="auto">
+          <a:xfrm>
+            <a:off x="3492725" y="2286000"/>
+            <a:ext cx="3762323" cy="4329290"/>
+          </a:xfrm>
+          <a:prstGeom prst="rect">
+            <a:avLst/>
+          </a:prstGeom>
+          <a:noFill/>
+          <a:ln>
+            <a:noFill/>
+          </a:ln>
+          <a:effectLst>
+            <a:outerShdw blurRad="76200" dist="63500" dir="5040000" algn="tl" rotWithShape="0">
+              <a:srgbClr val="000000">
+                <a:alpha val="41000"/>
+              </a:srgbClr>
+            </a:outerShdw>
+          </a:effectLst>
+          <a:extLst>
+            <a:ext uri="{909E8E84-426E-40DD-AFC4-6F175D3DCCD1}">
+              <a14:hiddenFill xmlns:a14="http://schemas.microsoft.com/office/drawing/2010/main">
+                <a:solidFill>
+                  <a:srgbClr val="FFFFFF"/>
+                </a:solidFill>
+              </a14:hiddenFill>
+            </a:ext>
+          </a:extLst>
+        </p:spPr>
+      </p:pic>
+      <p:sp>
+        <p:nvSpPr>
+          <p:cNvPr id="4" name="TextBox 3">
+            <a:extLst>
+              <a:ext uri="{FF2B5EF4-FFF2-40B4-BE49-F238E27FC236}">
+                <a16:creationId xmlns:a16="http://schemas.microsoft.com/office/drawing/2014/main" id="{F7FCB200-52E9-4D10-B10D-F206C66D2C0B}"/>
+              </a:ext>
+            </a:extLst>
+          </p:cNvPr>
+          <p:cNvSpPr txBox="1"/>
+          <p:nvPr/>
+        </p:nvSpPr>
+        <p:spPr>
+          <a:xfrm>
+            <a:off x="7475805" y="2308770"/>
+            <a:ext cx="4421742" cy="400110"/>
+          </a:xfrm>
+          <a:prstGeom prst="rect">
+            <a:avLst/>
+          </a:prstGeom>
+          <a:noFill/>
+        </p:spPr>
+        <p:txBody>
+          <a:bodyPr wrap="square" rtlCol="0">
+            <a:spAutoFit/>
+          </a:bodyPr>
+          <a:lstStyle/>
+          <a:p>
+            <a:r>
+              <a:rPr lang="en-US" sz="1000" b="1" dirty="0"/>
+              <a:t>Breakdown of top 20 varieties of wine globally (excluding CA) by review count </a:t>
+            </a:r>
+            <a:endParaRPr lang="en-US" sz="1000" dirty="0"/>
+          </a:p>
+        </p:txBody>
+      </p:sp>
+      <p:pic>
+        <p:nvPicPr>
+          <p:cNvPr id="1030" name="Picture 6">
+            <a:extLst>
+              <a:ext uri="{FF2B5EF4-FFF2-40B4-BE49-F238E27FC236}">
+                <a16:creationId xmlns:a16="http://schemas.microsoft.com/office/drawing/2014/main" id="{8F549CA4-6651-48D9-B005-3F0A8FAE0178}"/>
+              </a:ext>
+            </a:extLst>
+          </p:cNvPr>
+          <p:cNvPicPr>
+            <a:picLocks noChangeAspect="1" noChangeArrowheads="1"/>
+          </p:cNvPicPr>
+          <p:nvPr/>
+        </p:nvPicPr>
+        <p:blipFill>
+          <a:blip r:embed="rId3">
+            <a:extLst>
+              <a:ext uri="{28A0092B-C50C-407E-A947-70E740481C1C}">
+                <a14:useLocalDpi xmlns:a14="http://schemas.microsoft.com/office/drawing/2010/main" val="0"/>
+              </a:ext>
+            </a:extLst>
+          </a:blip>
+          <a:srcRect/>
+          <a:stretch>
+            <a:fillRect/>
+          </a:stretch>
+        </p:blipFill>
+        <p:spPr bwMode="auto">
+          <a:xfrm>
+            <a:off x="7475805" y="2720912"/>
+            <a:ext cx="4421742" cy="3894378"/>
+          </a:xfrm>
+          <a:prstGeom prst="rect">
+            <a:avLst/>
+          </a:prstGeom>
+          <a:noFill/>
+          <a:extLst>
+            <a:ext uri="{909E8E84-426E-40DD-AFC4-6F175D3DCCD1}">
+              <a14:hiddenFill xmlns:a14="http://schemas.microsoft.com/office/drawing/2010/main">
+                <a:solidFill>
+                  <a:srgbClr val="FFFFFF"/>
+                </a:solidFill>
+              </a14:hiddenFill>
+            </a:ext>
+          </a:extLst>
+        </p:spPr>
+      </p:pic>
+    </p:spTree>
+    <p:extLst>
+      <p:ext uri="{BB962C8B-B14F-4D97-AF65-F5344CB8AC3E}">
+        <p14:creationId xmlns:p14="http://schemas.microsoft.com/office/powerpoint/2010/main" val="578842426"/>
+      </p:ext>
+    </p:extLst>
+  </p:cSld>
+  <p:clrMapOvr>
+    <a:masterClrMapping/>
+  </p:clrMapOvr>
+  <mc:AlternateContent xmlns:mc="http://schemas.openxmlformats.org/markup-compatibility/2006" xmlns:p14="http://schemas.microsoft.com/office/powerpoint/2010/main">
+    <mc:Choice Requires="p14">
+      <p:transition spd="med" p14:dur="700">
+        <p:fade/>
+      </p:transition>
+    </mc:Choice>
+    <mc:Fallback xmlns="">
       <p:transition spd="med">
         <p:fade/>
       </p:transition>
